--- a/2-Java-Programmer-Modulo-II/12.Capitulo06.pptx
+++ b/2-Java-Programmer-Modulo-II/12.Capitulo06.pptx
@@ -5,31 +5,21 @@
     <p:sldMasterId id="2147483660" r:id="rId1"/>
   </p:sldMasterIdLst>
   <p:notesMasterIdLst>
-    <p:notesMasterId r:id="rId24"/>
+    <p:notesMasterId r:id="rId14"/>
   </p:notesMasterIdLst>
   <p:sldIdLst>
     <p:sldId id="256" r:id="rId2"/>
     <p:sldId id="318" r:id="rId3"/>
-    <p:sldId id="298" r:id="rId4"/>
-    <p:sldId id="299" r:id="rId5"/>
-    <p:sldId id="300" r:id="rId6"/>
-    <p:sldId id="301" r:id="rId7"/>
-    <p:sldId id="302" r:id="rId8"/>
-    <p:sldId id="303" r:id="rId9"/>
-    <p:sldId id="304" r:id="rId10"/>
-    <p:sldId id="305" r:id="rId11"/>
-    <p:sldId id="306" r:id="rId12"/>
-    <p:sldId id="307" r:id="rId13"/>
-    <p:sldId id="308" r:id="rId14"/>
-    <p:sldId id="309" r:id="rId15"/>
-    <p:sldId id="310" r:id="rId16"/>
-    <p:sldId id="311" r:id="rId17"/>
-    <p:sldId id="312" r:id="rId18"/>
-    <p:sldId id="313" r:id="rId19"/>
-    <p:sldId id="314" r:id="rId20"/>
-    <p:sldId id="315" r:id="rId21"/>
-    <p:sldId id="316" r:id="rId22"/>
-    <p:sldId id="317" r:id="rId23"/>
+    <p:sldId id="319" r:id="rId4"/>
+    <p:sldId id="320" r:id="rId5"/>
+    <p:sldId id="321" r:id="rId6"/>
+    <p:sldId id="322" r:id="rId7"/>
+    <p:sldId id="323" r:id="rId8"/>
+    <p:sldId id="324" r:id="rId9"/>
+    <p:sldId id="325" r:id="rId10"/>
+    <p:sldId id="326" r:id="rId11"/>
+    <p:sldId id="327" r:id="rId12"/>
+    <p:sldId id="328" r:id="rId13"/>
   </p:sldIdLst>
   <p:sldSz cx="9144000" cy="6858000" type="screen4x3"/>
   <p:notesSz cx="6858000" cy="9144000"/>
@@ -270,7 +260,7 @@
               <a:pPr>
                 <a:defRPr/>
               </a:pPr>
-              <a:t>03/04/2012</a:t>
+              <a:t>04/04/2012</a:t>
             </a:fld>
             <a:endParaRPr lang="pt-BR"/>
           </a:p>
@@ -458,7 +448,7 @@
               <a:pPr>
                 <a:defRPr/>
               </a:pPr>
-              <a:t>‹#›</a:t>
+              <a:t>‹nº›</a:t>
             </a:fld>
             <a:endParaRPr lang="pt-BR"/>
           </a:p>
@@ -739,29 +729,19 @@
       </p:grpSpPr>
       <p:sp>
         <p:nvSpPr>
-          <p:cNvPr id="37890" name="Espaço Reservado para Imagem de Slide 1"/>
-          <p:cNvSpPr>
-            <a:spLocks noGrp="1" noRot="1" noChangeAspect="1" noTextEdit="1"/>
+          <p:cNvPr id="2" name="Espaço Reservado para Imagem de Slide 1"/>
+          <p:cNvSpPr>
+            <a:spLocks noGrp="1" noRot="1" noChangeAspect="1"/>
           </p:cNvSpPr>
           <p:nvPr>
             <p:ph type="sldImg"/>
           </p:nvPr>
         </p:nvSpPr>
-        <p:spPr bwMode="auto">
-          <a:noFill/>
-          <a:ln>
-            <a:solidFill>
-              <a:srgbClr val="000000"/>
-            </a:solidFill>
-            <a:miter lim="800000"/>
-            <a:headEnd/>
-            <a:tailEnd/>
-          </a:ln>
-        </p:spPr>
-      </p:sp>
-      <p:sp>
-        <p:nvSpPr>
-          <p:cNvPr id="37891" name="Espaço Reservado para Anotações 2"/>
+        <p:spPr/>
+      </p:sp>
+      <p:sp>
+        <p:nvSpPr>
+          <p:cNvPr id="3" name="Espaço Reservado para Anotações 2"/>
           <p:cNvSpPr>
             <a:spLocks noGrp="1"/>
           </p:cNvSpPr>
@@ -769,18 +749,14 @@
             <p:ph type="body" idx="1"/>
           </p:nvPr>
         </p:nvSpPr>
-        <p:spPr bwMode="auto">
-          <a:noFill/>
-        </p:spPr>
-        <p:txBody>
-          <a:bodyPr wrap="square" numCol="1" anchor="t" anchorCtr="0" compatLnSpc="1">
-            <a:prstTxWarp prst="textNoShape">
-              <a:avLst/>
-            </a:prstTxWarp>
+        <p:spPr/>
+        <p:txBody>
+          <a:bodyPr>
+            <a:normAutofit/>
           </a:bodyPr>
           <a:lstStyle/>
           <a:p>
-            <a:endParaRPr lang="pt-BR" smtClean="0"/>
+            <a:endParaRPr lang="pt-BR"/>
           </a:p>
         </p:txBody>
       </p:sp>
@@ -791,7 +767,7 @@
             <a:spLocks noGrp="1"/>
           </p:cNvSpPr>
           <p:nvPr>
-            <p:ph type="sldNum" sz="quarter" idx="5"/>
+            <p:ph type="sldNum" sz="quarter" idx="10"/>
           </p:nvPr>
         </p:nvSpPr>
         <p:spPr/>
@@ -802,7 +778,7 @@
             <a:pPr>
               <a:defRPr/>
             </a:pPr>
-            <a:fld id="{F411FB74-5088-4B71-B76C-308FDE5D2AD8}" type="slidenum">
+            <a:fld id="{A1564085-A201-4A92-B865-4522CAEE4E86}" type="slidenum">
               <a:rPr lang="pt-BR" smtClean="0"/>
               <a:pPr>
                 <a:defRPr/>
@@ -840,29 +816,19 @@
       </p:grpSpPr>
       <p:sp>
         <p:nvSpPr>
-          <p:cNvPr id="38914" name="Espaço Reservado para Imagem de Slide 1"/>
-          <p:cNvSpPr>
-            <a:spLocks noGrp="1" noRot="1" noChangeAspect="1" noTextEdit="1"/>
+          <p:cNvPr id="2" name="Espaço Reservado para Imagem de Slide 1"/>
+          <p:cNvSpPr>
+            <a:spLocks noGrp="1" noRot="1" noChangeAspect="1"/>
           </p:cNvSpPr>
           <p:nvPr>
             <p:ph type="sldImg"/>
           </p:nvPr>
         </p:nvSpPr>
-        <p:spPr bwMode="auto">
-          <a:noFill/>
-          <a:ln>
-            <a:solidFill>
-              <a:srgbClr val="000000"/>
-            </a:solidFill>
-            <a:miter lim="800000"/>
-            <a:headEnd/>
-            <a:tailEnd/>
-          </a:ln>
-        </p:spPr>
-      </p:sp>
-      <p:sp>
-        <p:nvSpPr>
-          <p:cNvPr id="38915" name="Espaço Reservado para Anotações 2"/>
+        <p:spPr/>
+      </p:sp>
+      <p:sp>
+        <p:nvSpPr>
+          <p:cNvPr id="3" name="Espaço Reservado para Anotações 2"/>
           <p:cNvSpPr>
             <a:spLocks noGrp="1"/>
           </p:cNvSpPr>
@@ -870,18 +836,14 @@
             <p:ph type="body" idx="1"/>
           </p:nvPr>
         </p:nvSpPr>
-        <p:spPr bwMode="auto">
-          <a:noFill/>
-        </p:spPr>
-        <p:txBody>
-          <a:bodyPr wrap="square" numCol="1" anchor="t" anchorCtr="0" compatLnSpc="1">
-            <a:prstTxWarp prst="textNoShape">
-              <a:avLst/>
-            </a:prstTxWarp>
+        <p:spPr/>
+        <p:txBody>
+          <a:bodyPr>
+            <a:normAutofit/>
           </a:bodyPr>
           <a:lstStyle/>
           <a:p>
-            <a:endParaRPr lang="pt-BR" smtClean="0"/>
+            <a:endParaRPr lang="pt-BR"/>
           </a:p>
         </p:txBody>
       </p:sp>
@@ -892,7 +854,7 @@
             <a:spLocks noGrp="1"/>
           </p:cNvSpPr>
           <p:nvPr>
-            <p:ph type="sldNum" sz="quarter" idx="5"/>
+            <p:ph type="sldNum" sz="quarter" idx="10"/>
           </p:nvPr>
         </p:nvSpPr>
         <p:spPr/>
@@ -903,7 +865,7 @@
             <a:pPr>
               <a:defRPr/>
             </a:pPr>
-            <a:fld id="{98346FD2-1930-4502-8AA5-D53C39FFB73F}" type="slidenum">
+            <a:fld id="{A1564085-A201-4A92-B865-4522CAEE4E86}" type="slidenum">
               <a:rPr lang="pt-BR" smtClean="0"/>
               <a:pPr>
                 <a:defRPr/>
@@ -941,29 +903,19 @@
       </p:grpSpPr>
       <p:sp>
         <p:nvSpPr>
-          <p:cNvPr id="39938" name="Espaço Reservado para Imagem de Slide 1"/>
-          <p:cNvSpPr>
-            <a:spLocks noGrp="1" noRot="1" noChangeAspect="1" noTextEdit="1"/>
+          <p:cNvPr id="2" name="Espaço Reservado para Imagem de Slide 1"/>
+          <p:cNvSpPr>
+            <a:spLocks noGrp="1" noRot="1" noChangeAspect="1"/>
           </p:cNvSpPr>
           <p:nvPr>
             <p:ph type="sldImg"/>
           </p:nvPr>
         </p:nvSpPr>
-        <p:spPr bwMode="auto">
-          <a:noFill/>
-          <a:ln>
-            <a:solidFill>
-              <a:srgbClr val="000000"/>
-            </a:solidFill>
-            <a:miter lim="800000"/>
-            <a:headEnd/>
-            <a:tailEnd/>
-          </a:ln>
-        </p:spPr>
-      </p:sp>
-      <p:sp>
-        <p:nvSpPr>
-          <p:cNvPr id="39939" name="Espaço Reservado para Anotações 2"/>
+        <p:spPr/>
+      </p:sp>
+      <p:sp>
+        <p:nvSpPr>
+          <p:cNvPr id="3" name="Espaço Reservado para Anotações 2"/>
           <p:cNvSpPr>
             <a:spLocks noGrp="1"/>
           </p:cNvSpPr>
@@ -971,18 +923,14 @@
             <p:ph type="body" idx="1"/>
           </p:nvPr>
         </p:nvSpPr>
-        <p:spPr bwMode="auto">
-          <a:noFill/>
-        </p:spPr>
-        <p:txBody>
-          <a:bodyPr wrap="square" numCol="1" anchor="t" anchorCtr="0" compatLnSpc="1">
-            <a:prstTxWarp prst="textNoShape">
-              <a:avLst/>
-            </a:prstTxWarp>
+        <p:spPr/>
+        <p:txBody>
+          <a:bodyPr>
+            <a:normAutofit/>
           </a:bodyPr>
           <a:lstStyle/>
           <a:p>
-            <a:endParaRPr lang="pt-BR" smtClean="0"/>
+            <a:endParaRPr lang="pt-BR"/>
           </a:p>
         </p:txBody>
       </p:sp>
@@ -993,7 +941,7 @@
             <a:spLocks noGrp="1"/>
           </p:cNvSpPr>
           <p:nvPr>
-            <p:ph type="sldNum" sz="quarter" idx="5"/>
+            <p:ph type="sldNum" sz="quarter" idx="10"/>
           </p:nvPr>
         </p:nvSpPr>
         <p:spPr/>
@@ -1004,719 +952,12 @@
             <a:pPr>
               <a:defRPr/>
             </a:pPr>
-            <a:fld id="{293468A4-C534-4AA8-A67F-C2F8417621B1}" type="slidenum">
+            <a:fld id="{A1564085-A201-4A92-B865-4522CAEE4E86}" type="slidenum">
               <a:rPr lang="pt-BR" smtClean="0"/>
               <a:pPr>
                 <a:defRPr/>
               </a:pPr>
               <a:t>12</a:t>
-            </a:fld>
-            <a:endParaRPr lang="pt-BR"/>
-          </a:p>
-        </p:txBody>
-      </p:sp>
-    </p:spTree>
-  </p:cSld>
-  <p:clrMapOvr>
-    <a:masterClrMapping/>
-  </p:clrMapOvr>
-</p:notes>
-</file>
-
-<file path=ppt/notesSlides/notesSlide13.xml><?xml version="1.0" encoding="utf-8"?>
-<p:notes xmlns:a="http://schemas.openxmlformats.org/drawingml/2006/main" xmlns:r="http://schemas.openxmlformats.org/officeDocument/2006/relationships" xmlns:p="http://schemas.openxmlformats.org/presentationml/2006/main">
-  <p:cSld>
-    <p:spTree>
-      <p:nvGrpSpPr>
-        <p:cNvPr id="1" name=""/>
-        <p:cNvGrpSpPr/>
-        <p:nvPr/>
-      </p:nvGrpSpPr>
-      <p:grpSpPr>
-        <a:xfrm>
-          <a:off x="0" y="0"/>
-          <a:ext cx="0" cy="0"/>
-          <a:chOff x="0" y="0"/>
-          <a:chExt cx="0" cy="0"/>
-        </a:xfrm>
-      </p:grpSpPr>
-      <p:sp>
-        <p:nvSpPr>
-          <p:cNvPr id="40962" name="Espaço Reservado para Imagem de Slide 1"/>
-          <p:cNvSpPr>
-            <a:spLocks noGrp="1" noRot="1" noChangeAspect="1" noTextEdit="1"/>
-          </p:cNvSpPr>
-          <p:nvPr>
-            <p:ph type="sldImg"/>
-          </p:nvPr>
-        </p:nvSpPr>
-        <p:spPr bwMode="auto">
-          <a:noFill/>
-          <a:ln>
-            <a:solidFill>
-              <a:srgbClr val="000000"/>
-            </a:solidFill>
-            <a:miter lim="800000"/>
-            <a:headEnd/>
-            <a:tailEnd/>
-          </a:ln>
-        </p:spPr>
-      </p:sp>
-      <p:sp>
-        <p:nvSpPr>
-          <p:cNvPr id="40963" name="Espaço Reservado para Anotações 2"/>
-          <p:cNvSpPr>
-            <a:spLocks noGrp="1"/>
-          </p:cNvSpPr>
-          <p:nvPr>
-            <p:ph type="body" idx="1"/>
-          </p:nvPr>
-        </p:nvSpPr>
-        <p:spPr bwMode="auto">
-          <a:noFill/>
-        </p:spPr>
-        <p:txBody>
-          <a:bodyPr wrap="square" numCol="1" anchor="t" anchorCtr="0" compatLnSpc="1">
-            <a:prstTxWarp prst="textNoShape">
-              <a:avLst/>
-            </a:prstTxWarp>
-          </a:bodyPr>
-          <a:lstStyle/>
-          <a:p>
-            <a:endParaRPr lang="pt-BR" smtClean="0"/>
-          </a:p>
-        </p:txBody>
-      </p:sp>
-      <p:sp>
-        <p:nvSpPr>
-          <p:cNvPr id="4" name="Espaço Reservado para Número de Slide 3"/>
-          <p:cNvSpPr>
-            <a:spLocks noGrp="1"/>
-          </p:cNvSpPr>
-          <p:nvPr>
-            <p:ph type="sldNum" sz="quarter" idx="5"/>
-          </p:nvPr>
-        </p:nvSpPr>
-        <p:spPr/>
-        <p:txBody>
-          <a:bodyPr/>
-          <a:lstStyle/>
-          <a:p>
-            <a:pPr>
-              <a:defRPr/>
-            </a:pPr>
-            <a:fld id="{0B2AB0B1-E7DB-4441-B14E-F41AC7592BC6}" type="slidenum">
-              <a:rPr lang="pt-BR" smtClean="0"/>
-              <a:pPr>
-                <a:defRPr/>
-              </a:pPr>
-              <a:t>13</a:t>
-            </a:fld>
-            <a:endParaRPr lang="pt-BR"/>
-          </a:p>
-        </p:txBody>
-      </p:sp>
-    </p:spTree>
-  </p:cSld>
-  <p:clrMapOvr>
-    <a:masterClrMapping/>
-  </p:clrMapOvr>
-</p:notes>
-</file>
-
-<file path=ppt/notesSlides/notesSlide14.xml><?xml version="1.0" encoding="utf-8"?>
-<p:notes xmlns:a="http://schemas.openxmlformats.org/drawingml/2006/main" xmlns:r="http://schemas.openxmlformats.org/officeDocument/2006/relationships" xmlns:p="http://schemas.openxmlformats.org/presentationml/2006/main">
-  <p:cSld>
-    <p:spTree>
-      <p:nvGrpSpPr>
-        <p:cNvPr id="1" name=""/>
-        <p:cNvGrpSpPr/>
-        <p:nvPr/>
-      </p:nvGrpSpPr>
-      <p:grpSpPr>
-        <a:xfrm>
-          <a:off x="0" y="0"/>
-          <a:ext cx="0" cy="0"/>
-          <a:chOff x="0" y="0"/>
-          <a:chExt cx="0" cy="0"/>
-        </a:xfrm>
-      </p:grpSpPr>
-      <p:sp>
-        <p:nvSpPr>
-          <p:cNvPr id="41986" name="Espaço Reservado para Imagem de Slide 1"/>
-          <p:cNvSpPr>
-            <a:spLocks noGrp="1" noRot="1" noChangeAspect="1" noTextEdit="1"/>
-          </p:cNvSpPr>
-          <p:nvPr>
-            <p:ph type="sldImg"/>
-          </p:nvPr>
-        </p:nvSpPr>
-        <p:spPr bwMode="auto">
-          <a:noFill/>
-          <a:ln>
-            <a:solidFill>
-              <a:srgbClr val="000000"/>
-            </a:solidFill>
-            <a:miter lim="800000"/>
-            <a:headEnd/>
-            <a:tailEnd/>
-          </a:ln>
-        </p:spPr>
-      </p:sp>
-      <p:sp>
-        <p:nvSpPr>
-          <p:cNvPr id="41987" name="Espaço Reservado para Anotações 2"/>
-          <p:cNvSpPr>
-            <a:spLocks noGrp="1"/>
-          </p:cNvSpPr>
-          <p:nvPr>
-            <p:ph type="body" idx="1"/>
-          </p:nvPr>
-        </p:nvSpPr>
-        <p:spPr bwMode="auto">
-          <a:noFill/>
-        </p:spPr>
-        <p:txBody>
-          <a:bodyPr wrap="square" numCol="1" anchor="t" anchorCtr="0" compatLnSpc="1">
-            <a:prstTxWarp prst="textNoShape">
-              <a:avLst/>
-            </a:prstTxWarp>
-          </a:bodyPr>
-          <a:lstStyle/>
-          <a:p>
-            <a:endParaRPr lang="pt-BR" smtClean="0"/>
-          </a:p>
-        </p:txBody>
-      </p:sp>
-      <p:sp>
-        <p:nvSpPr>
-          <p:cNvPr id="4" name="Espaço Reservado para Número de Slide 3"/>
-          <p:cNvSpPr>
-            <a:spLocks noGrp="1"/>
-          </p:cNvSpPr>
-          <p:nvPr>
-            <p:ph type="sldNum" sz="quarter" idx="5"/>
-          </p:nvPr>
-        </p:nvSpPr>
-        <p:spPr/>
-        <p:txBody>
-          <a:bodyPr/>
-          <a:lstStyle/>
-          <a:p>
-            <a:pPr>
-              <a:defRPr/>
-            </a:pPr>
-            <a:fld id="{81A16E30-942F-4350-92FA-D51ECB19C17C}" type="slidenum">
-              <a:rPr lang="pt-BR" smtClean="0"/>
-              <a:pPr>
-                <a:defRPr/>
-              </a:pPr>
-              <a:t>14</a:t>
-            </a:fld>
-            <a:endParaRPr lang="pt-BR"/>
-          </a:p>
-        </p:txBody>
-      </p:sp>
-    </p:spTree>
-  </p:cSld>
-  <p:clrMapOvr>
-    <a:masterClrMapping/>
-  </p:clrMapOvr>
-</p:notes>
-</file>
-
-<file path=ppt/notesSlides/notesSlide15.xml><?xml version="1.0" encoding="utf-8"?>
-<p:notes xmlns:a="http://schemas.openxmlformats.org/drawingml/2006/main" xmlns:r="http://schemas.openxmlformats.org/officeDocument/2006/relationships" xmlns:p="http://schemas.openxmlformats.org/presentationml/2006/main">
-  <p:cSld>
-    <p:spTree>
-      <p:nvGrpSpPr>
-        <p:cNvPr id="1" name=""/>
-        <p:cNvGrpSpPr/>
-        <p:nvPr/>
-      </p:nvGrpSpPr>
-      <p:grpSpPr>
-        <a:xfrm>
-          <a:off x="0" y="0"/>
-          <a:ext cx="0" cy="0"/>
-          <a:chOff x="0" y="0"/>
-          <a:chExt cx="0" cy="0"/>
-        </a:xfrm>
-      </p:grpSpPr>
-      <p:sp>
-        <p:nvSpPr>
-          <p:cNvPr id="43010" name="Espaço Reservado para Imagem de Slide 1"/>
-          <p:cNvSpPr>
-            <a:spLocks noGrp="1" noRot="1" noChangeAspect="1" noTextEdit="1"/>
-          </p:cNvSpPr>
-          <p:nvPr>
-            <p:ph type="sldImg"/>
-          </p:nvPr>
-        </p:nvSpPr>
-        <p:spPr bwMode="auto">
-          <a:noFill/>
-          <a:ln>
-            <a:solidFill>
-              <a:srgbClr val="000000"/>
-            </a:solidFill>
-            <a:miter lim="800000"/>
-            <a:headEnd/>
-            <a:tailEnd/>
-          </a:ln>
-        </p:spPr>
-      </p:sp>
-      <p:sp>
-        <p:nvSpPr>
-          <p:cNvPr id="43011" name="Espaço Reservado para Anotações 2"/>
-          <p:cNvSpPr>
-            <a:spLocks noGrp="1"/>
-          </p:cNvSpPr>
-          <p:nvPr>
-            <p:ph type="body" idx="1"/>
-          </p:nvPr>
-        </p:nvSpPr>
-        <p:spPr bwMode="auto">
-          <a:noFill/>
-        </p:spPr>
-        <p:txBody>
-          <a:bodyPr wrap="square" numCol="1" anchor="t" anchorCtr="0" compatLnSpc="1">
-            <a:prstTxWarp prst="textNoShape">
-              <a:avLst/>
-            </a:prstTxWarp>
-          </a:bodyPr>
-          <a:lstStyle/>
-          <a:p>
-            <a:endParaRPr lang="pt-BR" smtClean="0"/>
-          </a:p>
-        </p:txBody>
-      </p:sp>
-      <p:sp>
-        <p:nvSpPr>
-          <p:cNvPr id="4" name="Espaço Reservado para Número de Slide 3"/>
-          <p:cNvSpPr>
-            <a:spLocks noGrp="1"/>
-          </p:cNvSpPr>
-          <p:nvPr>
-            <p:ph type="sldNum" sz="quarter" idx="5"/>
-          </p:nvPr>
-        </p:nvSpPr>
-        <p:spPr/>
-        <p:txBody>
-          <a:bodyPr/>
-          <a:lstStyle/>
-          <a:p>
-            <a:pPr>
-              <a:defRPr/>
-            </a:pPr>
-            <a:fld id="{C593BDF1-7535-490D-B525-E6F7431B09DB}" type="slidenum">
-              <a:rPr lang="pt-BR" smtClean="0"/>
-              <a:pPr>
-                <a:defRPr/>
-              </a:pPr>
-              <a:t>15</a:t>
-            </a:fld>
-            <a:endParaRPr lang="pt-BR"/>
-          </a:p>
-        </p:txBody>
-      </p:sp>
-    </p:spTree>
-  </p:cSld>
-  <p:clrMapOvr>
-    <a:masterClrMapping/>
-  </p:clrMapOvr>
-</p:notes>
-</file>
-
-<file path=ppt/notesSlides/notesSlide16.xml><?xml version="1.0" encoding="utf-8"?>
-<p:notes xmlns:a="http://schemas.openxmlformats.org/drawingml/2006/main" xmlns:r="http://schemas.openxmlformats.org/officeDocument/2006/relationships" xmlns:p="http://schemas.openxmlformats.org/presentationml/2006/main">
-  <p:cSld>
-    <p:spTree>
-      <p:nvGrpSpPr>
-        <p:cNvPr id="1" name=""/>
-        <p:cNvGrpSpPr/>
-        <p:nvPr/>
-      </p:nvGrpSpPr>
-      <p:grpSpPr>
-        <a:xfrm>
-          <a:off x="0" y="0"/>
-          <a:ext cx="0" cy="0"/>
-          <a:chOff x="0" y="0"/>
-          <a:chExt cx="0" cy="0"/>
-        </a:xfrm>
-      </p:grpSpPr>
-      <p:sp>
-        <p:nvSpPr>
-          <p:cNvPr id="44034" name="Espaço Reservado para Imagem de Slide 1"/>
-          <p:cNvSpPr>
-            <a:spLocks noGrp="1" noRot="1" noChangeAspect="1" noTextEdit="1"/>
-          </p:cNvSpPr>
-          <p:nvPr>
-            <p:ph type="sldImg"/>
-          </p:nvPr>
-        </p:nvSpPr>
-        <p:spPr bwMode="auto">
-          <a:noFill/>
-          <a:ln>
-            <a:solidFill>
-              <a:srgbClr val="000000"/>
-            </a:solidFill>
-            <a:miter lim="800000"/>
-            <a:headEnd/>
-            <a:tailEnd/>
-          </a:ln>
-        </p:spPr>
-      </p:sp>
-      <p:sp>
-        <p:nvSpPr>
-          <p:cNvPr id="44035" name="Espaço Reservado para Anotações 2"/>
-          <p:cNvSpPr>
-            <a:spLocks noGrp="1"/>
-          </p:cNvSpPr>
-          <p:nvPr>
-            <p:ph type="body" idx="1"/>
-          </p:nvPr>
-        </p:nvSpPr>
-        <p:spPr bwMode="auto">
-          <a:noFill/>
-        </p:spPr>
-        <p:txBody>
-          <a:bodyPr wrap="square" numCol="1" anchor="t" anchorCtr="0" compatLnSpc="1">
-            <a:prstTxWarp prst="textNoShape">
-              <a:avLst/>
-            </a:prstTxWarp>
-          </a:bodyPr>
-          <a:lstStyle/>
-          <a:p>
-            <a:endParaRPr lang="pt-BR" smtClean="0"/>
-          </a:p>
-        </p:txBody>
-      </p:sp>
-      <p:sp>
-        <p:nvSpPr>
-          <p:cNvPr id="4" name="Espaço Reservado para Número de Slide 3"/>
-          <p:cNvSpPr>
-            <a:spLocks noGrp="1"/>
-          </p:cNvSpPr>
-          <p:nvPr>
-            <p:ph type="sldNum" sz="quarter" idx="5"/>
-          </p:nvPr>
-        </p:nvSpPr>
-        <p:spPr/>
-        <p:txBody>
-          <a:bodyPr/>
-          <a:lstStyle/>
-          <a:p>
-            <a:pPr>
-              <a:defRPr/>
-            </a:pPr>
-            <a:fld id="{A315C887-2A10-41A8-8081-D76E74C8C87D}" type="slidenum">
-              <a:rPr lang="pt-BR" smtClean="0"/>
-              <a:pPr>
-                <a:defRPr/>
-              </a:pPr>
-              <a:t>16</a:t>
-            </a:fld>
-            <a:endParaRPr lang="pt-BR"/>
-          </a:p>
-        </p:txBody>
-      </p:sp>
-    </p:spTree>
-  </p:cSld>
-  <p:clrMapOvr>
-    <a:masterClrMapping/>
-  </p:clrMapOvr>
-</p:notes>
-</file>
-
-<file path=ppt/notesSlides/notesSlide17.xml><?xml version="1.0" encoding="utf-8"?>
-<p:notes xmlns:a="http://schemas.openxmlformats.org/drawingml/2006/main" xmlns:r="http://schemas.openxmlformats.org/officeDocument/2006/relationships" xmlns:p="http://schemas.openxmlformats.org/presentationml/2006/main">
-  <p:cSld>
-    <p:spTree>
-      <p:nvGrpSpPr>
-        <p:cNvPr id="1" name=""/>
-        <p:cNvGrpSpPr/>
-        <p:nvPr/>
-      </p:nvGrpSpPr>
-      <p:grpSpPr>
-        <a:xfrm>
-          <a:off x="0" y="0"/>
-          <a:ext cx="0" cy="0"/>
-          <a:chOff x="0" y="0"/>
-          <a:chExt cx="0" cy="0"/>
-        </a:xfrm>
-      </p:grpSpPr>
-      <p:sp>
-        <p:nvSpPr>
-          <p:cNvPr id="45058" name="Espaço Reservado para Imagem de Slide 1"/>
-          <p:cNvSpPr>
-            <a:spLocks noGrp="1" noRot="1" noChangeAspect="1" noTextEdit="1"/>
-          </p:cNvSpPr>
-          <p:nvPr>
-            <p:ph type="sldImg"/>
-          </p:nvPr>
-        </p:nvSpPr>
-        <p:spPr bwMode="auto">
-          <a:noFill/>
-          <a:ln>
-            <a:solidFill>
-              <a:srgbClr val="000000"/>
-            </a:solidFill>
-            <a:miter lim="800000"/>
-            <a:headEnd/>
-            <a:tailEnd/>
-          </a:ln>
-        </p:spPr>
-      </p:sp>
-      <p:sp>
-        <p:nvSpPr>
-          <p:cNvPr id="45059" name="Espaço Reservado para Anotações 2"/>
-          <p:cNvSpPr>
-            <a:spLocks noGrp="1"/>
-          </p:cNvSpPr>
-          <p:nvPr>
-            <p:ph type="body" idx="1"/>
-          </p:nvPr>
-        </p:nvSpPr>
-        <p:spPr bwMode="auto">
-          <a:noFill/>
-        </p:spPr>
-        <p:txBody>
-          <a:bodyPr wrap="square" numCol="1" anchor="t" anchorCtr="0" compatLnSpc="1">
-            <a:prstTxWarp prst="textNoShape">
-              <a:avLst/>
-            </a:prstTxWarp>
-          </a:bodyPr>
-          <a:lstStyle/>
-          <a:p>
-            <a:endParaRPr lang="pt-BR" smtClean="0"/>
-          </a:p>
-        </p:txBody>
-      </p:sp>
-      <p:sp>
-        <p:nvSpPr>
-          <p:cNvPr id="4" name="Espaço Reservado para Número de Slide 3"/>
-          <p:cNvSpPr>
-            <a:spLocks noGrp="1"/>
-          </p:cNvSpPr>
-          <p:nvPr>
-            <p:ph type="sldNum" sz="quarter" idx="5"/>
-          </p:nvPr>
-        </p:nvSpPr>
-        <p:spPr/>
-        <p:txBody>
-          <a:bodyPr/>
-          <a:lstStyle/>
-          <a:p>
-            <a:pPr>
-              <a:defRPr/>
-            </a:pPr>
-            <a:fld id="{97F6EC01-7031-421E-98A0-54D62D802672}" type="slidenum">
-              <a:rPr lang="pt-BR" smtClean="0"/>
-              <a:pPr>
-                <a:defRPr/>
-              </a:pPr>
-              <a:t>17</a:t>
-            </a:fld>
-            <a:endParaRPr lang="pt-BR"/>
-          </a:p>
-        </p:txBody>
-      </p:sp>
-    </p:spTree>
-  </p:cSld>
-  <p:clrMapOvr>
-    <a:masterClrMapping/>
-  </p:clrMapOvr>
-</p:notes>
-</file>
-
-<file path=ppt/notesSlides/notesSlide18.xml><?xml version="1.0" encoding="utf-8"?>
-<p:notes xmlns:a="http://schemas.openxmlformats.org/drawingml/2006/main" xmlns:r="http://schemas.openxmlformats.org/officeDocument/2006/relationships" xmlns:p="http://schemas.openxmlformats.org/presentationml/2006/main">
-  <p:cSld>
-    <p:spTree>
-      <p:nvGrpSpPr>
-        <p:cNvPr id="1" name=""/>
-        <p:cNvGrpSpPr/>
-        <p:nvPr/>
-      </p:nvGrpSpPr>
-      <p:grpSpPr>
-        <a:xfrm>
-          <a:off x="0" y="0"/>
-          <a:ext cx="0" cy="0"/>
-          <a:chOff x="0" y="0"/>
-          <a:chExt cx="0" cy="0"/>
-        </a:xfrm>
-      </p:grpSpPr>
-      <p:sp>
-        <p:nvSpPr>
-          <p:cNvPr id="46082" name="Espaço Reservado para Imagem de Slide 1"/>
-          <p:cNvSpPr>
-            <a:spLocks noGrp="1" noRot="1" noChangeAspect="1" noTextEdit="1"/>
-          </p:cNvSpPr>
-          <p:nvPr>
-            <p:ph type="sldImg"/>
-          </p:nvPr>
-        </p:nvSpPr>
-        <p:spPr bwMode="auto">
-          <a:noFill/>
-          <a:ln>
-            <a:solidFill>
-              <a:srgbClr val="000000"/>
-            </a:solidFill>
-            <a:miter lim="800000"/>
-            <a:headEnd/>
-            <a:tailEnd/>
-          </a:ln>
-        </p:spPr>
-      </p:sp>
-      <p:sp>
-        <p:nvSpPr>
-          <p:cNvPr id="46083" name="Espaço Reservado para Anotações 2"/>
-          <p:cNvSpPr>
-            <a:spLocks noGrp="1"/>
-          </p:cNvSpPr>
-          <p:nvPr>
-            <p:ph type="body" idx="1"/>
-          </p:nvPr>
-        </p:nvSpPr>
-        <p:spPr bwMode="auto">
-          <a:noFill/>
-        </p:spPr>
-        <p:txBody>
-          <a:bodyPr wrap="square" numCol="1" anchor="t" anchorCtr="0" compatLnSpc="1">
-            <a:prstTxWarp prst="textNoShape">
-              <a:avLst/>
-            </a:prstTxWarp>
-          </a:bodyPr>
-          <a:lstStyle/>
-          <a:p>
-            <a:endParaRPr lang="pt-BR" smtClean="0"/>
-          </a:p>
-        </p:txBody>
-      </p:sp>
-      <p:sp>
-        <p:nvSpPr>
-          <p:cNvPr id="4" name="Espaço Reservado para Número de Slide 3"/>
-          <p:cNvSpPr>
-            <a:spLocks noGrp="1"/>
-          </p:cNvSpPr>
-          <p:nvPr>
-            <p:ph type="sldNum" sz="quarter" idx="5"/>
-          </p:nvPr>
-        </p:nvSpPr>
-        <p:spPr/>
-        <p:txBody>
-          <a:bodyPr/>
-          <a:lstStyle/>
-          <a:p>
-            <a:pPr>
-              <a:defRPr/>
-            </a:pPr>
-            <a:fld id="{849B40FC-32E5-4DC3-81F1-8B3B385D9012}" type="slidenum">
-              <a:rPr lang="pt-BR" smtClean="0"/>
-              <a:pPr>
-                <a:defRPr/>
-              </a:pPr>
-              <a:t>18</a:t>
-            </a:fld>
-            <a:endParaRPr lang="pt-BR"/>
-          </a:p>
-        </p:txBody>
-      </p:sp>
-    </p:spTree>
-  </p:cSld>
-  <p:clrMapOvr>
-    <a:masterClrMapping/>
-  </p:clrMapOvr>
-</p:notes>
-</file>
-
-<file path=ppt/notesSlides/notesSlide19.xml><?xml version="1.0" encoding="utf-8"?>
-<p:notes xmlns:a="http://schemas.openxmlformats.org/drawingml/2006/main" xmlns:r="http://schemas.openxmlformats.org/officeDocument/2006/relationships" xmlns:p="http://schemas.openxmlformats.org/presentationml/2006/main">
-  <p:cSld>
-    <p:spTree>
-      <p:nvGrpSpPr>
-        <p:cNvPr id="1" name=""/>
-        <p:cNvGrpSpPr/>
-        <p:nvPr/>
-      </p:nvGrpSpPr>
-      <p:grpSpPr>
-        <a:xfrm>
-          <a:off x="0" y="0"/>
-          <a:ext cx="0" cy="0"/>
-          <a:chOff x="0" y="0"/>
-          <a:chExt cx="0" cy="0"/>
-        </a:xfrm>
-      </p:grpSpPr>
-      <p:sp>
-        <p:nvSpPr>
-          <p:cNvPr id="47106" name="Espaço Reservado para Imagem de Slide 1"/>
-          <p:cNvSpPr>
-            <a:spLocks noGrp="1" noRot="1" noChangeAspect="1" noTextEdit="1"/>
-          </p:cNvSpPr>
-          <p:nvPr>
-            <p:ph type="sldImg"/>
-          </p:nvPr>
-        </p:nvSpPr>
-        <p:spPr bwMode="auto">
-          <a:noFill/>
-          <a:ln>
-            <a:solidFill>
-              <a:srgbClr val="000000"/>
-            </a:solidFill>
-            <a:miter lim="800000"/>
-            <a:headEnd/>
-            <a:tailEnd/>
-          </a:ln>
-        </p:spPr>
-      </p:sp>
-      <p:sp>
-        <p:nvSpPr>
-          <p:cNvPr id="47107" name="Espaço Reservado para Anotações 2"/>
-          <p:cNvSpPr>
-            <a:spLocks noGrp="1"/>
-          </p:cNvSpPr>
-          <p:nvPr>
-            <p:ph type="body" idx="1"/>
-          </p:nvPr>
-        </p:nvSpPr>
-        <p:spPr bwMode="auto">
-          <a:noFill/>
-        </p:spPr>
-        <p:txBody>
-          <a:bodyPr wrap="square" numCol="1" anchor="t" anchorCtr="0" compatLnSpc="1">
-            <a:prstTxWarp prst="textNoShape">
-              <a:avLst/>
-            </a:prstTxWarp>
-          </a:bodyPr>
-          <a:lstStyle/>
-          <a:p>
-            <a:endParaRPr lang="pt-BR" smtClean="0"/>
-          </a:p>
-        </p:txBody>
-      </p:sp>
-      <p:sp>
-        <p:nvSpPr>
-          <p:cNvPr id="4" name="Espaço Reservado para Número de Slide 3"/>
-          <p:cNvSpPr>
-            <a:spLocks noGrp="1"/>
-          </p:cNvSpPr>
-          <p:nvPr>
-            <p:ph type="sldNum" sz="quarter" idx="5"/>
-          </p:nvPr>
-        </p:nvSpPr>
-        <p:spPr/>
-        <p:txBody>
-          <a:bodyPr/>
-          <a:lstStyle/>
-          <a:p>
-            <a:pPr>
-              <a:defRPr/>
-            </a:pPr>
-            <a:fld id="{0BD78F79-256A-4491-8D73-5C562E4A5EB5}" type="slidenum">
-              <a:rPr lang="pt-BR" smtClean="0"/>
-              <a:pPr>
-                <a:defRPr/>
-              </a:pPr>
-              <a:t>19</a:t>
             </a:fld>
             <a:endParaRPr lang="pt-BR"/>
           </a:p>
@@ -1817,309 +1058,6 @@
 </p:notes>
 </file>
 
-<file path=ppt/notesSlides/notesSlide20.xml><?xml version="1.0" encoding="utf-8"?>
-<p:notes xmlns:a="http://schemas.openxmlformats.org/drawingml/2006/main" xmlns:r="http://schemas.openxmlformats.org/officeDocument/2006/relationships" xmlns:p="http://schemas.openxmlformats.org/presentationml/2006/main">
-  <p:cSld>
-    <p:spTree>
-      <p:nvGrpSpPr>
-        <p:cNvPr id="1" name=""/>
-        <p:cNvGrpSpPr/>
-        <p:nvPr/>
-      </p:nvGrpSpPr>
-      <p:grpSpPr>
-        <a:xfrm>
-          <a:off x="0" y="0"/>
-          <a:ext cx="0" cy="0"/>
-          <a:chOff x="0" y="0"/>
-          <a:chExt cx="0" cy="0"/>
-        </a:xfrm>
-      </p:grpSpPr>
-      <p:sp>
-        <p:nvSpPr>
-          <p:cNvPr id="48130" name="Espaço Reservado para Imagem de Slide 1"/>
-          <p:cNvSpPr>
-            <a:spLocks noGrp="1" noRot="1" noChangeAspect="1" noTextEdit="1"/>
-          </p:cNvSpPr>
-          <p:nvPr>
-            <p:ph type="sldImg"/>
-          </p:nvPr>
-        </p:nvSpPr>
-        <p:spPr bwMode="auto">
-          <a:noFill/>
-          <a:ln>
-            <a:solidFill>
-              <a:srgbClr val="000000"/>
-            </a:solidFill>
-            <a:miter lim="800000"/>
-            <a:headEnd/>
-            <a:tailEnd/>
-          </a:ln>
-        </p:spPr>
-      </p:sp>
-      <p:sp>
-        <p:nvSpPr>
-          <p:cNvPr id="48131" name="Espaço Reservado para Anotações 2"/>
-          <p:cNvSpPr>
-            <a:spLocks noGrp="1"/>
-          </p:cNvSpPr>
-          <p:nvPr>
-            <p:ph type="body" idx="1"/>
-          </p:nvPr>
-        </p:nvSpPr>
-        <p:spPr bwMode="auto">
-          <a:noFill/>
-        </p:spPr>
-        <p:txBody>
-          <a:bodyPr wrap="square" numCol="1" anchor="t" anchorCtr="0" compatLnSpc="1">
-            <a:prstTxWarp prst="textNoShape">
-              <a:avLst/>
-            </a:prstTxWarp>
-          </a:bodyPr>
-          <a:lstStyle/>
-          <a:p>
-            <a:endParaRPr lang="pt-BR" smtClean="0"/>
-          </a:p>
-        </p:txBody>
-      </p:sp>
-      <p:sp>
-        <p:nvSpPr>
-          <p:cNvPr id="4" name="Espaço Reservado para Número de Slide 3"/>
-          <p:cNvSpPr>
-            <a:spLocks noGrp="1"/>
-          </p:cNvSpPr>
-          <p:nvPr>
-            <p:ph type="sldNum" sz="quarter" idx="5"/>
-          </p:nvPr>
-        </p:nvSpPr>
-        <p:spPr/>
-        <p:txBody>
-          <a:bodyPr/>
-          <a:lstStyle/>
-          <a:p>
-            <a:pPr>
-              <a:defRPr/>
-            </a:pPr>
-            <a:fld id="{471344C1-6E8A-4015-A52B-9E23F1EDB36F}" type="slidenum">
-              <a:rPr lang="pt-BR" smtClean="0"/>
-              <a:pPr>
-                <a:defRPr/>
-              </a:pPr>
-              <a:t>20</a:t>
-            </a:fld>
-            <a:endParaRPr lang="pt-BR"/>
-          </a:p>
-        </p:txBody>
-      </p:sp>
-    </p:spTree>
-  </p:cSld>
-  <p:clrMapOvr>
-    <a:masterClrMapping/>
-  </p:clrMapOvr>
-</p:notes>
-</file>
-
-<file path=ppt/notesSlides/notesSlide21.xml><?xml version="1.0" encoding="utf-8"?>
-<p:notes xmlns:a="http://schemas.openxmlformats.org/drawingml/2006/main" xmlns:r="http://schemas.openxmlformats.org/officeDocument/2006/relationships" xmlns:p="http://schemas.openxmlformats.org/presentationml/2006/main">
-  <p:cSld>
-    <p:spTree>
-      <p:nvGrpSpPr>
-        <p:cNvPr id="1" name=""/>
-        <p:cNvGrpSpPr/>
-        <p:nvPr/>
-      </p:nvGrpSpPr>
-      <p:grpSpPr>
-        <a:xfrm>
-          <a:off x="0" y="0"/>
-          <a:ext cx="0" cy="0"/>
-          <a:chOff x="0" y="0"/>
-          <a:chExt cx="0" cy="0"/>
-        </a:xfrm>
-      </p:grpSpPr>
-      <p:sp>
-        <p:nvSpPr>
-          <p:cNvPr id="49154" name="Espaço Reservado para Imagem de Slide 1"/>
-          <p:cNvSpPr>
-            <a:spLocks noGrp="1" noRot="1" noChangeAspect="1" noTextEdit="1"/>
-          </p:cNvSpPr>
-          <p:nvPr>
-            <p:ph type="sldImg"/>
-          </p:nvPr>
-        </p:nvSpPr>
-        <p:spPr bwMode="auto">
-          <a:noFill/>
-          <a:ln>
-            <a:solidFill>
-              <a:srgbClr val="000000"/>
-            </a:solidFill>
-            <a:miter lim="800000"/>
-            <a:headEnd/>
-            <a:tailEnd/>
-          </a:ln>
-        </p:spPr>
-      </p:sp>
-      <p:sp>
-        <p:nvSpPr>
-          <p:cNvPr id="49155" name="Espaço Reservado para Anotações 2"/>
-          <p:cNvSpPr>
-            <a:spLocks noGrp="1"/>
-          </p:cNvSpPr>
-          <p:nvPr>
-            <p:ph type="body" idx="1"/>
-          </p:nvPr>
-        </p:nvSpPr>
-        <p:spPr bwMode="auto">
-          <a:noFill/>
-        </p:spPr>
-        <p:txBody>
-          <a:bodyPr wrap="square" numCol="1" anchor="t" anchorCtr="0" compatLnSpc="1">
-            <a:prstTxWarp prst="textNoShape">
-              <a:avLst/>
-            </a:prstTxWarp>
-          </a:bodyPr>
-          <a:lstStyle/>
-          <a:p>
-            <a:endParaRPr lang="pt-BR" smtClean="0"/>
-          </a:p>
-        </p:txBody>
-      </p:sp>
-      <p:sp>
-        <p:nvSpPr>
-          <p:cNvPr id="4" name="Espaço Reservado para Número de Slide 3"/>
-          <p:cNvSpPr>
-            <a:spLocks noGrp="1"/>
-          </p:cNvSpPr>
-          <p:nvPr>
-            <p:ph type="sldNum" sz="quarter" idx="5"/>
-          </p:nvPr>
-        </p:nvSpPr>
-        <p:spPr/>
-        <p:txBody>
-          <a:bodyPr/>
-          <a:lstStyle/>
-          <a:p>
-            <a:pPr>
-              <a:defRPr/>
-            </a:pPr>
-            <a:fld id="{05C13CB4-B9B6-42C0-B734-3E4CC7E5DFA4}" type="slidenum">
-              <a:rPr lang="pt-BR" smtClean="0"/>
-              <a:pPr>
-                <a:defRPr/>
-              </a:pPr>
-              <a:t>21</a:t>
-            </a:fld>
-            <a:endParaRPr lang="pt-BR"/>
-          </a:p>
-        </p:txBody>
-      </p:sp>
-    </p:spTree>
-  </p:cSld>
-  <p:clrMapOvr>
-    <a:masterClrMapping/>
-  </p:clrMapOvr>
-</p:notes>
-</file>
-
-<file path=ppt/notesSlides/notesSlide22.xml><?xml version="1.0" encoding="utf-8"?>
-<p:notes xmlns:a="http://schemas.openxmlformats.org/drawingml/2006/main" xmlns:r="http://schemas.openxmlformats.org/officeDocument/2006/relationships" xmlns:p="http://schemas.openxmlformats.org/presentationml/2006/main">
-  <p:cSld>
-    <p:spTree>
-      <p:nvGrpSpPr>
-        <p:cNvPr id="1" name=""/>
-        <p:cNvGrpSpPr/>
-        <p:nvPr/>
-      </p:nvGrpSpPr>
-      <p:grpSpPr>
-        <a:xfrm>
-          <a:off x="0" y="0"/>
-          <a:ext cx="0" cy="0"/>
-          <a:chOff x="0" y="0"/>
-          <a:chExt cx="0" cy="0"/>
-        </a:xfrm>
-      </p:grpSpPr>
-      <p:sp>
-        <p:nvSpPr>
-          <p:cNvPr id="50178" name="Espaço Reservado para Imagem de Slide 1"/>
-          <p:cNvSpPr>
-            <a:spLocks noGrp="1" noRot="1" noChangeAspect="1" noTextEdit="1"/>
-          </p:cNvSpPr>
-          <p:nvPr>
-            <p:ph type="sldImg"/>
-          </p:nvPr>
-        </p:nvSpPr>
-        <p:spPr bwMode="auto">
-          <a:noFill/>
-          <a:ln>
-            <a:solidFill>
-              <a:srgbClr val="000000"/>
-            </a:solidFill>
-            <a:miter lim="800000"/>
-            <a:headEnd/>
-            <a:tailEnd/>
-          </a:ln>
-        </p:spPr>
-      </p:sp>
-      <p:sp>
-        <p:nvSpPr>
-          <p:cNvPr id="50179" name="Espaço Reservado para Anotações 2"/>
-          <p:cNvSpPr>
-            <a:spLocks noGrp="1"/>
-          </p:cNvSpPr>
-          <p:nvPr>
-            <p:ph type="body" idx="1"/>
-          </p:nvPr>
-        </p:nvSpPr>
-        <p:spPr bwMode="auto">
-          <a:noFill/>
-        </p:spPr>
-        <p:txBody>
-          <a:bodyPr wrap="square" numCol="1" anchor="t" anchorCtr="0" compatLnSpc="1">
-            <a:prstTxWarp prst="textNoShape">
-              <a:avLst/>
-            </a:prstTxWarp>
-          </a:bodyPr>
-          <a:lstStyle/>
-          <a:p>
-            <a:endParaRPr lang="pt-BR" smtClean="0"/>
-          </a:p>
-        </p:txBody>
-      </p:sp>
-      <p:sp>
-        <p:nvSpPr>
-          <p:cNvPr id="4" name="Espaço Reservado para Número de Slide 3"/>
-          <p:cNvSpPr>
-            <a:spLocks noGrp="1"/>
-          </p:cNvSpPr>
-          <p:nvPr>
-            <p:ph type="sldNum" sz="quarter" idx="5"/>
-          </p:nvPr>
-        </p:nvSpPr>
-        <p:spPr/>
-        <p:txBody>
-          <a:bodyPr/>
-          <a:lstStyle/>
-          <a:p>
-            <a:pPr>
-              <a:defRPr/>
-            </a:pPr>
-            <a:fld id="{BC0E8E77-1609-4F37-AD23-1B6B1293036C}" type="slidenum">
-              <a:rPr lang="pt-BR" smtClean="0"/>
-              <a:pPr>
-                <a:defRPr/>
-              </a:pPr>
-              <a:t>22</a:t>
-            </a:fld>
-            <a:endParaRPr lang="pt-BR"/>
-          </a:p>
-        </p:txBody>
-      </p:sp>
-    </p:spTree>
-  </p:cSld>
-  <p:clrMapOvr>
-    <a:masterClrMapping/>
-  </p:clrMapOvr>
-</p:notes>
-</file>
-
 <file path=ppt/notesSlides/notesSlide3.xml><?xml version="1.0" encoding="utf-8"?>
 <p:notes xmlns:a="http://schemas.openxmlformats.org/drawingml/2006/main" xmlns:r="http://schemas.openxmlformats.org/officeDocument/2006/relationships" xmlns:p="http://schemas.openxmlformats.org/presentationml/2006/main">
   <p:cSld>
@@ -2139,29 +1077,19 @@
       </p:grpSpPr>
       <p:sp>
         <p:nvSpPr>
-          <p:cNvPr id="30722" name="Espaço Reservado para Imagem de Slide 1"/>
-          <p:cNvSpPr>
-            <a:spLocks noGrp="1" noRot="1" noChangeAspect="1" noTextEdit="1"/>
+          <p:cNvPr id="2" name="Espaço Reservado para Imagem de Slide 1"/>
+          <p:cNvSpPr>
+            <a:spLocks noGrp="1" noRot="1" noChangeAspect="1"/>
           </p:cNvSpPr>
           <p:nvPr>
             <p:ph type="sldImg"/>
           </p:nvPr>
         </p:nvSpPr>
-        <p:spPr bwMode="auto">
-          <a:noFill/>
-          <a:ln>
-            <a:solidFill>
-              <a:srgbClr val="000000"/>
-            </a:solidFill>
-            <a:miter lim="800000"/>
-            <a:headEnd/>
-            <a:tailEnd/>
-          </a:ln>
-        </p:spPr>
-      </p:sp>
-      <p:sp>
-        <p:nvSpPr>
-          <p:cNvPr id="30723" name="Espaço Reservado para Anotações 2"/>
+        <p:spPr/>
+      </p:sp>
+      <p:sp>
+        <p:nvSpPr>
+          <p:cNvPr id="3" name="Espaço Reservado para Anotações 2"/>
           <p:cNvSpPr>
             <a:spLocks noGrp="1"/>
           </p:cNvSpPr>
@@ -2169,18 +1097,14 @@
             <p:ph type="body" idx="1"/>
           </p:nvPr>
         </p:nvSpPr>
-        <p:spPr bwMode="auto">
-          <a:noFill/>
-        </p:spPr>
-        <p:txBody>
-          <a:bodyPr wrap="square" numCol="1" anchor="t" anchorCtr="0" compatLnSpc="1">
-            <a:prstTxWarp prst="textNoShape">
-              <a:avLst/>
-            </a:prstTxWarp>
+        <p:spPr/>
+        <p:txBody>
+          <a:bodyPr>
+            <a:normAutofit/>
           </a:bodyPr>
           <a:lstStyle/>
           <a:p>
-            <a:endParaRPr lang="pt-BR" smtClean="0"/>
+            <a:endParaRPr lang="pt-BR"/>
           </a:p>
         </p:txBody>
       </p:sp>
@@ -2191,7 +1115,7 @@
             <a:spLocks noGrp="1"/>
           </p:cNvSpPr>
           <p:nvPr>
-            <p:ph type="sldNum" sz="quarter" idx="5"/>
+            <p:ph type="sldNum" sz="quarter" idx="10"/>
           </p:nvPr>
         </p:nvSpPr>
         <p:spPr/>
@@ -2202,7 +1126,7 @@
             <a:pPr>
               <a:defRPr/>
             </a:pPr>
-            <a:fld id="{CB6CE914-73EC-43C6-9D5A-2AD60922656A}" type="slidenum">
+            <a:fld id="{A1564085-A201-4A92-B865-4522CAEE4E86}" type="slidenum">
               <a:rPr lang="pt-BR" smtClean="0"/>
               <a:pPr>
                 <a:defRPr/>
@@ -2240,29 +1164,19 @@
       </p:grpSpPr>
       <p:sp>
         <p:nvSpPr>
-          <p:cNvPr id="31746" name="Espaço Reservado para Imagem de Slide 1"/>
-          <p:cNvSpPr>
-            <a:spLocks noGrp="1" noRot="1" noChangeAspect="1" noTextEdit="1"/>
+          <p:cNvPr id="2" name="Espaço Reservado para Imagem de Slide 1"/>
+          <p:cNvSpPr>
+            <a:spLocks noGrp="1" noRot="1" noChangeAspect="1"/>
           </p:cNvSpPr>
           <p:nvPr>
             <p:ph type="sldImg"/>
           </p:nvPr>
         </p:nvSpPr>
-        <p:spPr bwMode="auto">
-          <a:noFill/>
-          <a:ln>
-            <a:solidFill>
-              <a:srgbClr val="000000"/>
-            </a:solidFill>
-            <a:miter lim="800000"/>
-            <a:headEnd/>
-            <a:tailEnd/>
-          </a:ln>
-        </p:spPr>
-      </p:sp>
-      <p:sp>
-        <p:nvSpPr>
-          <p:cNvPr id="31747" name="Espaço Reservado para Anotações 2"/>
+        <p:spPr/>
+      </p:sp>
+      <p:sp>
+        <p:nvSpPr>
+          <p:cNvPr id="3" name="Espaço Reservado para Anotações 2"/>
           <p:cNvSpPr>
             <a:spLocks noGrp="1"/>
           </p:cNvSpPr>
@@ -2270,18 +1184,14 @@
             <p:ph type="body" idx="1"/>
           </p:nvPr>
         </p:nvSpPr>
-        <p:spPr bwMode="auto">
-          <a:noFill/>
-        </p:spPr>
-        <p:txBody>
-          <a:bodyPr wrap="square" numCol="1" anchor="t" anchorCtr="0" compatLnSpc="1">
-            <a:prstTxWarp prst="textNoShape">
-              <a:avLst/>
-            </a:prstTxWarp>
+        <p:spPr/>
+        <p:txBody>
+          <a:bodyPr>
+            <a:normAutofit/>
           </a:bodyPr>
           <a:lstStyle/>
           <a:p>
-            <a:endParaRPr lang="pt-BR" smtClean="0"/>
+            <a:endParaRPr lang="pt-BR"/>
           </a:p>
         </p:txBody>
       </p:sp>
@@ -2292,7 +1202,7 @@
             <a:spLocks noGrp="1"/>
           </p:cNvSpPr>
           <p:nvPr>
-            <p:ph type="sldNum" sz="quarter" idx="5"/>
+            <p:ph type="sldNum" sz="quarter" idx="10"/>
           </p:nvPr>
         </p:nvSpPr>
         <p:spPr/>
@@ -2303,7 +1213,7 @@
             <a:pPr>
               <a:defRPr/>
             </a:pPr>
-            <a:fld id="{A4D1F9AD-A932-4450-928B-6576D7F66781}" type="slidenum">
+            <a:fld id="{A1564085-A201-4A92-B865-4522CAEE4E86}" type="slidenum">
               <a:rPr lang="pt-BR" smtClean="0"/>
               <a:pPr>
                 <a:defRPr/>
@@ -2341,29 +1251,19 @@
       </p:grpSpPr>
       <p:sp>
         <p:nvSpPr>
-          <p:cNvPr id="32770" name="Espaço Reservado para Imagem de Slide 1"/>
-          <p:cNvSpPr>
-            <a:spLocks noGrp="1" noRot="1" noChangeAspect="1" noTextEdit="1"/>
+          <p:cNvPr id="2" name="Espaço Reservado para Imagem de Slide 1"/>
+          <p:cNvSpPr>
+            <a:spLocks noGrp="1" noRot="1" noChangeAspect="1"/>
           </p:cNvSpPr>
           <p:nvPr>
             <p:ph type="sldImg"/>
           </p:nvPr>
         </p:nvSpPr>
-        <p:spPr bwMode="auto">
-          <a:noFill/>
-          <a:ln>
-            <a:solidFill>
-              <a:srgbClr val="000000"/>
-            </a:solidFill>
-            <a:miter lim="800000"/>
-            <a:headEnd/>
-            <a:tailEnd/>
-          </a:ln>
-        </p:spPr>
-      </p:sp>
-      <p:sp>
-        <p:nvSpPr>
-          <p:cNvPr id="32771" name="Espaço Reservado para Anotações 2"/>
+        <p:spPr/>
+      </p:sp>
+      <p:sp>
+        <p:nvSpPr>
+          <p:cNvPr id="3" name="Espaço Reservado para Anotações 2"/>
           <p:cNvSpPr>
             <a:spLocks noGrp="1"/>
           </p:cNvSpPr>
@@ -2371,18 +1271,14 @@
             <p:ph type="body" idx="1"/>
           </p:nvPr>
         </p:nvSpPr>
-        <p:spPr bwMode="auto">
-          <a:noFill/>
-        </p:spPr>
-        <p:txBody>
-          <a:bodyPr wrap="square" numCol="1" anchor="t" anchorCtr="0" compatLnSpc="1">
-            <a:prstTxWarp prst="textNoShape">
-              <a:avLst/>
-            </a:prstTxWarp>
+        <p:spPr/>
+        <p:txBody>
+          <a:bodyPr>
+            <a:normAutofit/>
           </a:bodyPr>
           <a:lstStyle/>
           <a:p>
-            <a:endParaRPr lang="pt-BR" smtClean="0"/>
+            <a:endParaRPr lang="pt-BR"/>
           </a:p>
         </p:txBody>
       </p:sp>
@@ -2393,7 +1289,7 @@
             <a:spLocks noGrp="1"/>
           </p:cNvSpPr>
           <p:nvPr>
-            <p:ph type="sldNum" sz="quarter" idx="5"/>
+            <p:ph type="sldNum" sz="quarter" idx="10"/>
           </p:nvPr>
         </p:nvSpPr>
         <p:spPr/>
@@ -2404,7 +1300,7 @@
             <a:pPr>
               <a:defRPr/>
             </a:pPr>
-            <a:fld id="{B7ABF50D-9568-4D81-9E95-D12B87733779}" type="slidenum">
+            <a:fld id="{A1564085-A201-4A92-B865-4522CAEE4E86}" type="slidenum">
               <a:rPr lang="pt-BR" smtClean="0"/>
               <a:pPr>
                 <a:defRPr/>
@@ -2442,29 +1338,19 @@
       </p:grpSpPr>
       <p:sp>
         <p:nvSpPr>
-          <p:cNvPr id="33794" name="Espaço Reservado para Imagem de Slide 1"/>
-          <p:cNvSpPr>
-            <a:spLocks noGrp="1" noRot="1" noChangeAspect="1" noTextEdit="1"/>
+          <p:cNvPr id="2" name="Espaço Reservado para Imagem de Slide 1"/>
+          <p:cNvSpPr>
+            <a:spLocks noGrp="1" noRot="1" noChangeAspect="1"/>
           </p:cNvSpPr>
           <p:nvPr>
             <p:ph type="sldImg"/>
           </p:nvPr>
         </p:nvSpPr>
-        <p:spPr bwMode="auto">
-          <a:noFill/>
-          <a:ln>
-            <a:solidFill>
-              <a:srgbClr val="000000"/>
-            </a:solidFill>
-            <a:miter lim="800000"/>
-            <a:headEnd/>
-            <a:tailEnd/>
-          </a:ln>
-        </p:spPr>
-      </p:sp>
-      <p:sp>
-        <p:nvSpPr>
-          <p:cNvPr id="33795" name="Espaço Reservado para Anotações 2"/>
+        <p:spPr/>
+      </p:sp>
+      <p:sp>
+        <p:nvSpPr>
+          <p:cNvPr id="3" name="Espaço Reservado para Anotações 2"/>
           <p:cNvSpPr>
             <a:spLocks noGrp="1"/>
           </p:cNvSpPr>
@@ -2472,18 +1358,14 @@
             <p:ph type="body" idx="1"/>
           </p:nvPr>
         </p:nvSpPr>
-        <p:spPr bwMode="auto">
-          <a:noFill/>
-        </p:spPr>
-        <p:txBody>
-          <a:bodyPr wrap="square" numCol="1" anchor="t" anchorCtr="0" compatLnSpc="1">
-            <a:prstTxWarp prst="textNoShape">
-              <a:avLst/>
-            </a:prstTxWarp>
+        <p:spPr/>
+        <p:txBody>
+          <a:bodyPr>
+            <a:normAutofit/>
           </a:bodyPr>
           <a:lstStyle/>
           <a:p>
-            <a:endParaRPr lang="pt-BR" smtClean="0"/>
+            <a:endParaRPr lang="pt-BR"/>
           </a:p>
         </p:txBody>
       </p:sp>
@@ -2494,7 +1376,7 @@
             <a:spLocks noGrp="1"/>
           </p:cNvSpPr>
           <p:nvPr>
-            <p:ph type="sldNum" sz="quarter" idx="5"/>
+            <p:ph type="sldNum" sz="quarter" idx="10"/>
           </p:nvPr>
         </p:nvSpPr>
         <p:spPr/>
@@ -2505,7 +1387,7 @@
             <a:pPr>
               <a:defRPr/>
             </a:pPr>
-            <a:fld id="{E53E0081-FFA7-42D0-928F-72360334276C}" type="slidenum">
+            <a:fld id="{A1564085-A201-4A92-B865-4522CAEE4E86}" type="slidenum">
               <a:rPr lang="pt-BR" smtClean="0"/>
               <a:pPr>
                 <a:defRPr/>
@@ -2543,29 +1425,19 @@
       </p:grpSpPr>
       <p:sp>
         <p:nvSpPr>
-          <p:cNvPr id="34818" name="Espaço Reservado para Imagem de Slide 1"/>
-          <p:cNvSpPr>
-            <a:spLocks noGrp="1" noRot="1" noChangeAspect="1" noTextEdit="1"/>
+          <p:cNvPr id="2" name="Espaço Reservado para Imagem de Slide 1"/>
+          <p:cNvSpPr>
+            <a:spLocks noGrp="1" noRot="1" noChangeAspect="1"/>
           </p:cNvSpPr>
           <p:nvPr>
             <p:ph type="sldImg"/>
           </p:nvPr>
         </p:nvSpPr>
-        <p:spPr bwMode="auto">
-          <a:noFill/>
-          <a:ln>
-            <a:solidFill>
-              <a:srgbClr val="000000"/>
-            </a:solidFill>
-            <a:miter lim="800000"/>
-            <a:headEnd/>
-            <a:tailEnd/>
-          </a:ln>
-        </p:spPr>
-      </p:sp>
-      <p:sp>
-        <p:nvSpPr>
-          <p:cNvPr id="34819" name="Espaço Reservado para Anotações 2"/>
+        <p:spPr/>
+      </p:sp>
+      <p:sp>
+        <p:nvSpPr>
+          <p:cNvPr id="3" name="Espaço Reservado para Anotações 2"/>
           <p:cNvSpPr>
             <a:spLocks noGrp="1"/>
           </p:cNvSpPr>
@@ -2573,18 +1445,14 @@
             <p:ph type="body" idx="1"/>
           </p:nvPr>
         </p:nvSpPr>
-        <p:spPr bwMode="auto">
-          <a:noFill/>
-        </p:spPr>
-        <p:txBody>
-          <a:bodyPr wrap="square" numCol="1" anchor="t" anchorCtr="0" compatLnSpc="1">
-            <a:prstTxWarp prst="textNoShape">
-              <a:avLst/>
-            </a:prstTxWarp>
+        <p:spPr/>
+        <p:txBody>
+          <a:bodyPr>
+            <a:normAutofit/>
           </a:bodyPr>
           <a:lstStyle/>
           <a:p>
-            <a:endParaRPr lang="pt-BR" smtClean="0"/>
+            <a:endParaRPr lang="pt-BR"/>
           </a:p>
         </p:txBody>
       </p:sp>
@@ -2595,7 +1463,7 @@
             <a:spLocks noGrp="1"/>
           </p:cNvSpPr>
           <p:nvPr>
-            <p:ph type="sldNum" sz="quarter" idx="5"/>
+            <p:ph type="sldNum" sz="quarter" idx="10"/>
           </p:nvPr>
         </p:nvSpPr>
         <p:spPr/>
@@ -2606,7 +1474,7 @@
             <a:pPr>
               <a:defRPr/>
             </a:pPr>
-            <a:fld id="{319856E9-B75C-4A38-AF1E-9C3A673690B5}" type="slidenum">
+            <a:fld id="{A1564085-A201-4A92-B865-4522CAEE4E86}" type="slidenum">
               <a:rPr lang="pt-BR" smtClean="0"/>
               <a:pPr>
                 <a:defRPr/>
@@ -2644,29 +1512,19 @@
       </p:grpSpPr>
       <p:sp>
         <p:nvSpPr>
-          <p:cNvPr id="35842" name="Espaço Reservado para Imagem de Slide 1"/>
-          <p:cNvSpPr>
-            <a:spLocks noGrp="1" noRot="1" noChangeAspect="1" noTextEdit="1"/>
+          <p:cNvPr id="2" name="Espaço Reservado para Imagem de Slide 1"/>
+          <p:cNvSpPr>
+            <a:spLocks noGrp="1" noRot="1" noChangeAspect="1"/>
           </p:cNvSpPr>
           <p:nvPr>
             <p:ph type="sldImg"/>
           </p:nvPr>
         </p:nvSpPr>
-        <p:spPr bwMode="auto">
-          <a:noFill/>
-          <a:ln>
-            <a:solidFill>
-              <a:srgbClr val="000000"/>
-            </a:solidFill>
-            <a:miter lim="800000"/>
-            <a:headEnd/>
-            <a:tailEnd/>
-          </a:ln>
-        </p:spPr>
-      </p:sp>
-      <p:sp>
-        <p:nvSpPr>
-          <p:cNvPr id="35843" name="Espaço Reservado para Anotações 2"/>
+        <p:spPr/>
+      </p:sp>
+      <p:sp>
+        <p:nvSpPr>
+          <p:cNvPr id="3" name="Espaço Reservado para Anotações 2"/>
           <p:cNvSpPr>
             <a:spLocks noGrp="1"/>
           </p:cNvSpPr>
@@ -2674,18 +1532,14 @@
             <p:ph type="body" idx="1"/>
           </p:nvPr>
         </p:nvSpPr>
-        <p:spPr bwMode="auto">
-          <a:noFill/>
-        </p:spPr>
-        <p:txBody>
-          <a:bodyPr wrap="square" numCol="1" anchor="t" anchorCtr="0" compatLnSpc="1">
-            <a:prstTxWarp prst="textNoShape">
-              <a:avLst/>
-            </a:prstTxWarp>
+        <p:spPr/>
+        <p:txBody>
+          <a:bodyPr>
+            <a:normAutofit/>
           </a:bodyPr>
           <a:lstStyle/>
           <a:p>
-            <a:endParaRPr lang="pt-BR" smtClean="0"/>
+            <a:endParaRPr lang="pt-BR"/>
           </a:p>
         </p:txBody>
       </p:sp>
@@ -2696,7 +1550,7 @@
             <a:spLocks noGrp="1"/>
           </p:cNvSpPr>
           <p:nvPr>
-            <p:ph type="sldNum" sz="quarter" idx="5"/>
+            <p:ph type="sldNum" sz="quarter" idx="10"/>
           </p:nvPr>
         </p:nvSpPr>
         <p:spPr/>
@@ -2707,7 +1561,7 @@
             <a:pPr>
               <a:defRPr/>
             </a:pPr>
-            <a:fld id="{0C035E5A-02ED-4680-8E90-FD32B7FBDF2E}" type="slidenum">
+            <a:fld id="{A1564085-A201-4A92-B865-4522CAEE4E86}" type="slidenum">
               <a:rPr lang="pt-BR" smtClean="0"/>
               <a:pPr>
                 <a:defRPr/>
@@ -2745,29 +1599,19 @@
       </p:grpSpPr>
       <p:sp>
         <p:nvSpPr>
-          <p:cNvPr id="36866" name="Espaço Reservado para Imagem de Slide 1"/>
-          <p:cNvSpPr>
-            <a:spLocks noGrp="1" noRot="1" noChangeAspect="1" noTextEdit="1"/>
+          <p:cNvPr id="2" name="Espaço Reservado para Imagem de Slide 1"/>
+          <p:cNvSpPr>
+            <a:spLocks noGrp="1" noRot="1" noChangeAspect="1"/>
           </p:cNvSpPr>
           <p:nvPr>
             <p:ph type="sldImg"/>
           </p:nvPr>
         </p:nvSpPr>
-        <p:spPr bwMode="auto">
-          <a:noFill/>
-          <a:ln>
-            <a:solidFill>
-              <a:srgbClr val="000000"/>
-            </a:solidFill>
-            <a:miter lim="800000"/>
-            <a:headEnd/>
-            <a:tailEnd/>
-          </a:ln>
-        </p:spPr>
-      </p:sp>
-      <p:sp>
-        <p:nvSpPr>
-          <p:cNvPr id="36867" name="Espaço Reservado para Anotações 2"/>
+        <p:spPr/>
+      </p:sp>
+      <p:sp>
+        <p:nvSpPr>
+          <p:cNvPr id="3" name="Espaço Reservado para Anotações 2"/>
           <p:cNvSpPr>
             <a:spLocks noGrp="1"/>
           </p:cNvSpPr>
@@ -2775,18 +1619,14 @@
             <p:ph type="body" idx="1"/>
           </p:nvPr>
         </p:nvSpPr>
-        <p:spPr bwMode="auto">
-          <a:noFill/>
-        </p:spPr>
-        <p:txBody>
-          <a:bodyPr wrap="square" numCol="1" anchor="t" anchorCtr="0" compatLnSpc="1">
-            <a:prstTxWarp prst="textNoShape">
-              <a:avLst/>
-            </a:prstTxWarp>
+        <p:spPr/>
+        <p:txBody>
+          <a:bodyPr>
+            <a:normAutofit/>
           </a:bodyPr>
           <a:lstStyle/>
           <a:p>
-            <a:endParaRPr lang="pt-BR" smtClean="0"/>
+            <a:endParaRPr lang="pt-BR"/>
           </a:p>
         </p:txBody>
       </p:sp>
@@ -2797,7 +1637,7 @@
             <a:spLocks noGrp="1"/>
           </p:cNvSpPr>
           <p:nvPr>
-            <p:ph type="sldNum" sz="quarter" idx="5"/>
+            <p:ph type="sldNum" sz="quarter" idx="10"/>
           </p:nvPr>
         </p:nvSpPr>
         <p:spPr/>
@@ -2808,7 +1648,7 @@
             <a:pPr>
               <a:defRPr/>
             </a:pPr>
-            <a:fld id="{A3BAC803-9722-43B5-84B4-E39DA62B38B1}" type="slidenum">
+            <a:fld id="{A1564085-A201-4A92-B865-4522CAEE4E86}" type="slidenum">
               <a:rPr lang="pt-BR" smtClean="0"/>
               <a:pPr>
                 <a:defRPr/>
@@ -3240,12 +2080,9 @@
             <a:pPr>
               <a:defRPr/>
             </a:pPr>
-            <a:fld id="{1C880B68-2A46-4331-A061-1A2C12E6858C}" type="datetimeFigureOut">
-              <a:rPr lang="pt-BR"/>
-              <a:pPr>
-                <a:defRPr/>
-              </a:pPr>
-              <a:t>03/04/2012</a:t>
+            <a:fld id="{EEA26EEE-DF2A-48EA-A73A-AB2D54A1DB2A}" type="datetime1">
+              <a:rPr lang="pt-BR" smtClean="0"/>
+              <a:t>04/04/2012</a:t>
             </a:fld>
             <a:endParaRPr lang="pt-BR"/>
           </a:p>
@@ -3304,7 +2141,7 @@
               <a:pPr>
                 <a:defRPr/>
               </a:pPr>
-              <a:t>‹#›</a:t>
+              <a:t>‹nº›</a:t>
             </a:fld>
             <a:endParaRPr lang="pt-BR"/>
           </a:p>
@@ -3432,12 +2269,9 @@
             <a:pPr>
               <a:defRPr/>
             </a:pPr>
-            <a:fld id="{C550E969-3AFE-4EA1-82D6-7D7F83A0FEEF}" type="datetimeFigureOut">
-              <a:rPr lang="pt-BR"/>
-              <a:pPr>
-                <a:defRPr/>
-              </a:pPr>
-              <a:t>03/04/2012</a:t>
+            <a:fld id="{413AD136-109B-416C-AB31-135BF8710F08}" type="datetime1">
+              <a:rPr lang="pt-BR" smtClean="0"/>
+              <a:t>04/04/2012</a:t>
             </a:fld>
             <a:endParaRPr lang="pt-BR"/>
           </a:p>
@@ -3496,7 +2330,7 @@
               <a:pPr>
                 <a:defRPr/>
               </a:pPr>
-              <a:t>‹#›</a:t>
+              <a:t>‹nº›</a:t>
             </a:fld>
             <a:endParaRPr lang="pt-BR"/>
           </a:p>
@@ -3634,12 +2468,9 @@
             <a:pPr>
               <a:defRPr/>
             </a:pPr>
-            <a:fld id="{38C1CADB-997A-4A1F-8894-C68E5058AE19}" type="datetimeFigureOut">
-              <a:rPr lang="pt-BR"/>
-              <a:pPr>
-                <a:defRPr/>
-              </a:pPr>
-              <a:t>03/04/2012</a:t>
+            <a:fld id="{EF6378E6-001B-4A8D-BA6B-320E1CDD92DF}" type="datetime1">
+              <a:rPr lang="pt-BR" smtClean="0"/>
+              <a:t>04/04/2012</a:t>
             </a:fld>
             <a:endParaRPr lang="pt-BR"/>
           </a:p>
@@ -3698,7 +2529,7 @@
               <a:pPr>
                 <a:defRPr/>
               </a:pPr>
-              <a:t>‹#›</a:t>
+              <a:t>‹nº›</a:t>
             </a:fld>
             <a:endParaRPr lang="pt-BR"/>
           </a:p>
@@ -3830,12 +2661,9 @@
             <a:pPr>
               <a:defRPr/>
             </a:pPr>
-            <a:fld id="{A14D583D-3648-4F37-8F9C-78DD5CB52AB8}" type="datetimeFigureOut">
-              <a:rPr lang="pt-BR"/>
-              <a:pPr>
-                <a:defRPr/>
-              </a:pPr>
-              <a:t>03/04/2012</a:t>
+            <a:fld id="{4923B301-4D33-472B-9EA1-FE4739FFB887}" type="datetime1">
+              <a:rPr lang="pt-BR" smtClean="0"/>
+              <a:t>04/04/2012</a:t>
             </a:fld>
             <a:endParaRPr lang="pt-BR"/>
           </a:p>
@@ -3894,7 +2722,7 @@
               <a:pPr>
                 <a:defRPr/>
               </a:pPr>
-              <a:t>‹#›</a:t>
+              <a:t>‹nº›</a:t>
             </a:fld>
             <a:endParaRPr lang="pt-BR"/>
           </a:p>
@@ -4336,12 +3164,9 @@
             <a:pPr>
               <a:defRPr/>
             </a:pPr>
-            <a:fld id="{4FE4B5B8-F62B-4F32-B407-99F72FA9A1D2}" type="datetimeFigureOut">
-              <a:rPr lang="pt-BR"/>
-              <a:pPr>
-                <a:defRPr/>
-              </a:pPr>
-              <a:t>03/04/2012</a:t>
+            <a:fld id="{C2782E46-77E0-4AB1-A75D-9CBA80F15487}" type="datetime1">
+              <a:rPr lang="pt-BR" smtClean="0"/>
+              <a:t>04/04/2012</a:t>
             </a:fld>
             <a:endParaRPr lang="pt-BR"/>
           </a:p>
@@ -4400,7 +3225,7 @@
               <a:pPr>
                 <a:defRPr/>
               </a:pPr>
-              <a:t>‹#›</a:t>
+              <a:t>‹nº›</a:t>
             </a:fld>
             <a:endParaRPr lang="pt-BR"/>
           </a:p>
@@ -4627,12 +3452,9 @@
             <a:pPr>
               <a:defRPr/>
             </a:pPr>
-            <a:fld id="{D82BC2BB-EB4B-467E-9E03-3655019F0E4C}" type="datetimeFigureOut">
-              <a:rPr lang="pt-BR"/>
-              <a:pPr>
-                <a:defRPr/>
-              </a:pPr>
-              <a:t>03/04/2012</a:t>
+            <a:fld id="{359D2ED1-D587-44B6-A55F-C7E9981403E2}" type="datetime1">
+              <a:rPr lang="pt-BR" smtClean="0"/>
+              <a:t>04/04/2012</a:t>
             </a:fld>
             <a:endParaRPr lang="pt-BR"/>
           </a:p>
@@ -4691,7 +3513,7 @@
               <a:pPr>
                 <a:defRPr/>
               </a:pPr>
-              <a:t>‹#›</a:t>
+              <a:t>‹nº›</a:t>
             </a:fld>
             <a:endParaRPr lang="pt-BR"/>
           </a:p>
@@ -5028,12 +3850,9 @@
             <a:pPr>
               <a:defRPr/>
             </a:pPr>
-            <a:fld id="{612B4DFF-4545-4348-8B4D-1C8C358554EC}" type="datetimeFigureOut">
-              <a:rPr lang="pt-BR"/>
-              <a:pPr>
-                <a:defRPr/>
-              </a:pPr>
-              <a:t>03/04/2012</a:t>
+            <a:fld id="{A2418DAE-4C14-46BA-B6A9-566ED2C85393}" type="datetime1">
+              <a:rPr lang="pt-BR" smtClean="0"/>
+              <a:t>04/04/2012</a:t>
             </a:fld>
             <a:endParaRPr lang="pt-BR"/>
           </a:p>
@@ -5092,7 +3911,7 @@
               <a:pPr>
                 <a:defRPr/>
               </a:pPr>
-              <a:t>‹#›</a:t>
+              <a:t>‹nº›</a:t>
             </a:fld>
             <a:endParaRPr lang="pt-BR"/>
           </a:p>
@@ -5177,12 +3996,9 @@
             <a:pPr>
               <a:defRPr/>
             </a:pPr>
-            <a:fld id="{C4123168-E4CF-48F8-87A4-A289C4AC4B6B}" type="datetimeFigureOut">
-              <a:rPr lang="pt-BR"/>
-              <a:pPr>
-                <a:defRPr/>
-              </a:pPr>
-              <a:t>03/04/2012</a:t>
+            <a:fld id="{BFA1B665-AFC7-49F0-8309-B0D524735A69}" type="datetime1">
+              <a:rPr lang="pt-BR" smtClean="0"/>
+              <a:t>04/04/2012</a:t>
             </a:fld>
             <a:endParaRPr lang="pt-BR"/>
           </a:p>
@@ -5241,7 +4057,7 @@
               <a:pPr>
                 <a:defRPr/>
               </a:pPr>
-              <a:t>‹#›</a:t>
+              <a:t>‹nº›</a:t>
             </a:fld>
             <a:endParaRPr lang="pt-BR"/>
           </a:p>
@@ -5294,12 +4110,9 @@
             <a:pPr>
               <a:defRPr/>
             </a:pPr>
-            <a:fld id="{B71E66A0-8958-44FE-82F1-DDB454740BD6}" type="datetimeFigureOut">
-              <a:rPr lang="pt-BR"/>
-              <a:pPr>
-                <a:defRPr/>
-              </a:pPr>
-              <a:t>03/04/2012</a:t>
+            <a:fld id="{224F40D6-50D9-41CF-A7D0-FF437F5524B1}" type="datetime1">
+              <a:rPr lang="pt-BR" smtClean="0"/>
+              <a:t>04/04/2012</a:t>
             </a:fld>
             <a:endParaRPr lang="pt-BR"/>
           </a:p>
@@ -5358,7 +4171,7 @@
               <a:pPr>
                 <a:defRPr/>
               </a:pPr>
-              <a:t>‹#›</a:t>
+              <a:t>‹nº›</a:t>
             </a:fld>
             <a:endParaRPr lang="pt-BR"/>
           </a:p>
@@ -5570,12 +4383,9 @@
             <a:pPr>
               <a:defRPr/>
             </a:pPr>
-            <a:fld id="{DC8A88C9-7CB2-46E7-86DE-9A6D74E2586E}" type="datetimeFigureOut">
-              <a:rPr lang="pt-BR"/>
-              <a:pPr>
-                <a:defRPr/>
-              </a:pPr>
-              <a:t>03/04/2012</a:t>
+            <a:fld id="{4BD6C902-3F3E-4D4C-ABB1-256ED3FA33D5}" type="datetime1">
+              <a:rPr lang="pt-BR" smtClean="0"/>
+              <a:t>04/04/2012</a:t>
             </a:fld>
             <a:endParaRPr lang="pt-BR"/>
           </a:p>
@@ -5639,7 +4449,7 @@
               <a:pPr>
                 <a:defRPr/>
               </a:pPr>
-              <a:t>‹#›</a:t>
+              <a:t>‹nº›</a:t>
             </a:fld>
             <a:endParaRPr lang="pt-BR"/>
           </a:p>
@@ -5854,12 +4664,9 @@
             <a:pPr>
               <a:defRPr/>
             </a:pPr>
-            <a:fld id="{4ABEED6A-6643-485B-91F8-DF12290D31C0}" type="datetimeFigureOut">
-              <a:rPr lang="pt-BR"/>
-              <a:pPr>
-                <a:defRPr/>
-              </a:pPr>
-              <a:t>03/04/2012</a:t>
+            <a:fld id="{57C2A98F-05F6-48F8-A21F-3ECAEA3B5D43}" type="datetime1">
+              <a:rPr lang="pt-BR" smtClean="0"/>
+              <a:t>04/04/2012</a:t>
             </a:fld>
             <a:endParaRPr lang="pt-BR"/>
           </a:p>
@@ -5918,7 +4725,7 @@
               <a:pPr>
                 <a:defRPr/>
               </a:pPr>
-              <a:t>‹#›</a:t>
+              <a:t>‹nº›</a:t>
             </a:fld>
             <a:endParaRPr lang="pt-BR"/>
           </a:p>
@@ -6332,12 +5139,9 @@
             <a:pPr>
               <a:defRPr/>
             </a:pPr>
-            <a:fld id="{03115094-3312-4FC6-BA6B-CDD85BAFC841}" type="datetimeFigureOut">
-              <a:rPr lang="pt-BR"/>
-              <a:pPr>
-                <a:defRPr/>
-              </a:pPr>
-              <a:t>03/04/2012</a:t>
+            <a:fld id="{F2EC0DF7-6950-4DFB-9681-08CDE4FE5FFA}" type="datetime1">
+              <a:rPr lang="pt-BR" smtClean="0"/>
+              <a:t>04/04/2012</a:t>
             </a:fld>
             <a:endParaRPr lang="pt-BR"/>
           </a:p>
@@ -6420,7 +5224,7 @@
               <a:spcAft>
                 <a:spcPts val="0"/>
               </a:spcAft>
-              <a:defRPr kumimoji="0" sz="1000">
+              <a:defRPr kumimoji="0" sz="1600">
                 <a:solidFill>
                   <a:schemeClr val="tx2">
                     <a:shade val="50000"/>
@@ -6436,11 +5240,11 @@
               <a:defRPr/>
             </a:pPr>
             <a:fld id="{8BBB4C41-CD07-4F35-A04E-31347E90ABD3}" type="slidenum">
-              <a:rPr lang="pt-BR"/>
+              <a:rPr lang="pt-BR" smtClean="0"/>
               <a:pPr>
                 <a:defRPr/>
               </a:pPr>
-              <a:t>‹#›</a:t>
+              <a:t>‹nº›</a:t>
             </a:fld>
             <a:endParaRPr lang="pt-BR"/>
           </a:p>
@@ -6462,6 +5266,7 @@
     <p:sldLayoutId id="2147483777" r:id="rId10"/>
     <p:sldLayoutId id="2147483778" r:id="rId11"/>
   </p:sldLayoutIdLst>
+  <p:hf hdr="0" ftr="0" dt="0"/>
   <p:txStyles>
     <p:titleStyle>
       <a:lvl1pPr algn="l" rtl="0" eaLnBrk="0" fontAlgn="base" hangingPunct="0">
@@ -6984,7 +5789,7 @@
       </p:grpSpPr>
       <p:sp>
         <p:nvSpPr>
-          <p:cNvPr id="15362" name="Título 1"/>
+          <p:cNvPr id="2" name="Título 1"/>
           <p:cNvSpPr>
             <a:spLocks noGrp="1"/>
           </p:cNvSpPr>
@@ -6997,17 +5802,36 @@
           <a:bodyPr/>
           <a:lstStyle/>
           <a:p>
-            <a:pPr eaLnBrk="1" hangingPunct="1"/>
-            <a:r>
-              <a:rPr lang="pt-BR" dirty="0" smtClean="0"/>
-              <a:t>Classe Throwable</a:t>
-            </a:r>
-          </a:p>
-        </p:txBody>
-      </p:sp>
-      <p:sp>
-        <p:nvSpPr>
-          <p:cNvPr id="15363" name="Espaço Reservado para Conteúdo 2"/>
+            <a:pPr rtl="0" eaLnBrk="1" fontAlgn="base" hangingPunct="1"/>
+            <a:r>
+              <a:rPr lang="pt-BR" sz="4600" kern="1200" dirty="0" smtClean="0">
+                <a:solidFill>
+                  <a:schemeClr val="tx1"/>
+                </a:solidFill>
+                <a:latin typeface="+mj-lt"/>
+                <a:ea typeface="+mj-ea"/>
+                <a:cs typeface="+mj-cs"/>
+              </a:rPr>
+              <a:t>Cláusula </a:t>
+            </a:r>
+            <a:r>
+              <a:rPr lang="pt-BR" sz="4600" kern="1200" dirty="0" err="1" smtClean="0">
+                <a:solidFill>
+                  <a:schemeClr val="tx1"/>
+                </a:solidFill>
+                <a:latin typeface="+mj-lt"/>
+                <a:ea typeface="+mj-ea"/>
+                <a:cs typeface="+mj-cs"/>
+              </a:rPr>
+              <a:t>finally</a:t>
+            </a:r>
+            <a:endParaRPr lang="pt-BR" dirty="0"/>
+          </a:p>
+        </p:txBody>
+      </p:sp>
+      <p:sp>
+        <p:nvSpPr>
+          <p:cNvPr id="6" name="Espaço Reservado para Conteúdo 5"/>
           <p:cNvSpPr>
             <a:spLocks noGrp="1"/>
           </p:cNvSpPr>
@@ -7020,7 +5844,36 @@
           <a:bodyPr/>
           <a:lstStyle/>
           <a:p>
-            <a:endParaRPr lang="pt-BR" smtClean="0"/>
+            <a:endParaRPr lang="pt-BR"/>
+          </a:p>
+        </p:txBody>
+      </p:sp>
+      <p:sp>
+        <p:nvSpPr>
+          <p:cNvPr id="5" name="Espaço Reservado para Número de Slide 4"/>
+          <p:cNvSpPr>
+            <a:spLocks noGrp="1"/>
+          </p:cNvSpPr>
+          <p:nvPr>
+            <p:ph type="sldNum" sz="quarter" idx="12"/>
+          </p:nvPr>
+        </p:nvSpPr>
+        <p:spPr/>
+        <p:txBody>
+          <a:bodyPr/>
+          <a:lstStyle/>
+          <a:p>
+            <a:pPr>
+              <a:defRPr/>
+            </a:pPr>
+            <a:fld id="{DAB16DC1-F000-4B90-9425-1E014EE80EC3}" type="slidenum">
+              <a:rPr lang="pt-BR" smtClean="0"/>
+              <a:pPr>
+                <a:defRPr/>
+              </a:pPr>
+              <a:t>10</a:t>
+            </a:fld>
+            <a:endParaRPr lang="pt-BR"/>
           </a:p>
         </p:txBody>
       </p:sp>
@@ -7051,7 +5904,7 @@
       </p:grpSpPr>
       <p:sp>
         <p:nvSpPr>
-          <p:cNvPr id="16386" name="Título 1"/>
+          <p:cNvPr id="2" name="Título 1"/>
           <p:cNvSpPr>
             <a:spLocks noGrp="1"/>
           </p:cNvSpPr>
@@ -7064,17 +5917,36 @@
           <a:bodyPr/>
           <a:lstStyle/>
           <a:p>
-            <a:pPr eaLnBrk="1" hangingPunct="1"/>
-            <a:r>
-              <a:rPr lang="pt-BR" dirty="0" smtClean="0"/>
-              <a:t>Construtores</a:t>
-            </a:r>
-          </a:p>
-        </p:txBody>
-      </p:sp>
-      <p:sp>
-        <p:nvSpPr>
-          <p:cNvPr id="16387" name="Espaço Reservado para Conteúdo 2"/>
+            <a:pPr rtl="0" eaLnBrk="1" fontAlgn="base" hangingPunct="1"/>
+            <a:r>
+              <a:rPr lang="pt-BR" sz="4600" kern="1200" dirty="0" smtClean="0">
+                <a:solidFill>
+                  <a:schemeClr val="tx1"/>
+                </a:solidFill>
+                <a:latin typeface="+mj-lt"/>
+                <a:ea typeface="+mj-ea"/>
+                <a:cs typeface="+mj-cs"/>
+              </a:rPr>
+              <a:t>Cláusula </a:t>
+            </a:r>
+            <a:r>
+              <a:rPr lang="pt-BR" sz="4600" kern="1200" dirty="0" err="1" smtClean="0">
+                <a:solidFill>
+                  <a:schemeClr val="tx1"/>
+                </a:solidFill>
+                <a:latin typeface="+mj-lt"/>
+                <a:ea typeface="+mj-ea"/>
+                <a:cs typeface="+mj-cs"/>
+              </a:rPr>
+              <a:t>throw</a:t>
+            </a:r>
+            <a:endParaRPr lang="pt-BR" dirty="0"/>
+          </a:p>
+        </p:txBody>
+      </p:sp>
+      <p:sp>
+        <p:nvSpPr>
+          <p:cNvPr id="6" name="Espaço Reservado para Conteúdo 5"/>
           <p:cNvSpPr>
             <a:spLocks noGrp="1"/>
           </p:cNvSpPr>
@@ -7087,7 +5959,36 @@
           <a:bodyPr/>
           <a:lstStyle/>
           <a:p>
-            <a:endParaRPr lang="pt-BR" smtClean="0"/>
+            <a:endParaRPr lang="pt-BR"/>
+          </a:p>
+        </p:txBody>
+      </p:sp>
+      <p:sp>
+        <p:nvSpPr>
+          <p:cNvPr id="5" name="Espaço Reservado para Número de Slide 4"/>
+          <p:cNvSpPr>
+            <a:spLocks noGrp="1"/>
+          </p:cNvSpPr>
+          <p:nvPr>
+            <p:ph type="sldNum" sz="quarter" idx="12"/>
+          </p:nvPr>
+        </p:nvSpPr>
+        <p:spPr/>
+        <p:txBody>
+          <a:bodyPr/>
+          <a:lstStyle/>
+          <a:p>
+            <a:pPr>
+              <a:defRPr/>
+            </a:pPr>
+            <a:fld id="{DAB16DC1-F000-4B90-9425-1E014EE80EC3}" type="slidenum">
+              <a:rPr lang="pt-BR" smtClean="0"/>
+              <a:pPr>
+                <a:defRPr/>
+              </a:pPr>
+              <a:t>11</a:t>
+            </a:fld>
+            <a:endParaRPr lang="pt-BR"/>
           </a:p>
         </p:txBody>
       </p:sp>
@@ -7118,7 +6019,7 @@
       </p:grpSpPr>
       <p:sp>
         <p:nvSpPr>
-          <p:cNvPr id="17410" name="Título 1"/>
+          <p:cNvPr id="2" name="Título 1"/>
           <p:cNvSpPr>
             <a:spLocks noGrp="1"/>
           </p:cNvSpPr>
@@ -7131,17 +6032,24 @@
           <a:bodyPr/>
           <a:lstStyle/>
           <a:p>
-            <a:pPr eaLnBrk="1" hangingPunct="1"/>
-            <a:r>
-              <a:rPr lang="pt-BR" dirty="0" smtClean="0"/>
-              <a:t>Métodos</a:t>
-            </a:r>
-          </a:p>
-        </p:txBody>
-      </p:sp>
-      <p:sp>
-        <p:nvSpPr>
-          <p:cNvPr id="17411" name="Espaço Reservado para Conteúdo 2"/>
+            <a:pPr rtl="0" eaLnBrk="1" fontAlgn="base" hangingPunct="1"/>
+            <a:r>
+              <a:rPr lang="pt-BR" sz="4600" kern="1200" dirty="0" smtClean="0">
+                <a:solidFill>
+                  <a:schemeClr val="tx1"/>
+                </a:solidFill>
+                <a:latin typeface="+mj-lt"/>
+                <a:ea typeface="+mj-ea"/>
+                <a:cs typeface="+mj-cs"/>
+              </a:rPr>
+              <a:t>Exceções personalizadas</a:t>
+            </a:r>
+          </a:p>
+        </p:txBody>
+      </p:sp>
+      <p:sp>
+        <p:nvSpPr>
+          <p:cNvPr id="6" name="Espaço Reservado para Conteúdo 5"/>
           <p:cNvSpPr>
             <a:spLocks noGrp="1"/>
           </p:cNvSpPr>
@@ -7154,43 +6062,18 @@
           <a:bodyPr/>
           <a:lstStyle/>
           <a:p>
-            <a:endParaRPr lang="pt-BR" smtClean="0"/>
-          </a:p>
-        </p:txBody>
-      </p:sp>
-    </p:spTree>
-  </p:cSld>
-  <p:clrMapOvr>
-    <a:masterClrMapping/>
-  </p:clrMapOvr>
-</p:sld>
-</file>
-
-<file path=ppt/slides/slide13.xml><?xml version="1.0" encoding="utf-8"?>
-<p:sld xmlns:a="http://schemas.openxmlformats.org/drawingml/2006/main" xmlns:r="http://schemas.openxmlformats.org/officeDocument/2006/relationships" xmlns:p="http://schemas.openxmlformats.org/presentationml/2006/main">
-  <p:cSld>
-    <p:spTree>
-      <p:nvGrpSpPr>
-        <p:cNvPr id="1" name=""/>
-        <p:cNvGrpSpPr/>
-        <p:nvPr/>
-      </p:nvGrpSpPr>
-      <p:grpSpPr>
-        <a:xfrm>
-          <a:off x="0" y="0"/>
-          <a:ext cx="0" cy="0"/>
-          <a:chOff x="0" y="0"/>
-          <a:chExt cx="0" cy="0"/>
-        </a:xfrm>
-      </p:grpSpPr>
-      <p:sp>
-        <p:nvSpPr>
-          <p:cNvPr id="18434" name="Título 1"/>
-          <p:cNvSpPr>
-            <a:spLocks noGrp="1"/>
-          </p:cNvSpPr>
-          <p:nvPr>
-            <p:ph type="title"/>
+            <a:endParaRPr lang="pt-BR"/>
+          </a:p>
+        </p:txBody>
+      </p:sp>
+      <p:sp>
+        <p:nvSpPr>
+          <p:cNvPr id="5" name="Espaço Reservado para Número de Slide 4"/>
+          <p:cNvSpPr>
+            <a:spLocks noGrp="1"/>
+          </p:cNvSpPr>
+          <p:nvPr>
+            <p:ph type="sldNum" sz="quarter" idx="12"/>
           </p:nvPr>
         </p:nvSpPr>
         <p:spPr/>
@@ -7198,432 +6081,17 @@
           <a:bodyPr/>
           <a:lstStyle/>
           <a:p>
-            <a:pPr eaLnBrk="1" hangingPunct="1"/>
-            <a:r>
-              <a:rPr lang="pt-BR" dirty="0" smtClean="0"/>
-              <a:t>Classe Exception</a:t>
-            </a:r>
-          </a:p>
-        </p:txBody>
-      </p:sp>
-      <p:sp>
-        <p:nvSpPr>
-          <p:cNvPr id="18435" name="Espaço Reservado para Conteúdo 2"/>
-          <p:cNvSpPr>
-            <a:spLocks noGrp="1"/>
-          </p:cNvSpPr>
-          <p:nvPr>
-            <p:ph idx="1"/>
-          </p:nvPr>
-        </p:nvSpPr>
-        <p:spPr/>
-        <p:txBody>
-          <a:bodyPr/>
-          <a:lstStyle/>
-          <a:p>
-            <a:endParaRPr lang="pt-BR" smtClean="0"/>
-          </a:p>
-        </p:txBody>
-      </p:sp>
-    </p:spTree>
-  </p:cSld>
-  <p:clrMapOvr>
-    <a:masterClrMapping/>
-  </p:clrMapOvr>
-</p:sld>
-</file>
-
-<file path=ppt/slides/slide14.xml><?xml version="1.0" encoding="utf-8"?>
-<p:sld xmlns:a="http://schemas.openxmlformats.org/drawingml/2006/main" xmlns:r="http://schemas.openxmlformats.org/officeDocument/2006/relationships" xmlns:p="http://schemas.openxmlformats.org/presentationml/2006/main">
-  <p:cSld>
-    <p:spTree>
-      <p:nvGrpSpPr>
-        <p:cNvPr id="1" name=""/>
-        <p:cNvGrpSpPr/>
-        <p:nvPr/>
-      </p:nvGrpSpPr>
-      <p:grpSpPr>
-        <a:xfrm>
-          <a:off x="0" y="0"/>
-          <a:ext cx="0" cy="0"/>
-          <a:chOff x="0" y="0"/>
-          <a:chExt cx="0" cy="0"/>
-        </a:xfrm>
-      </p:grpSpPr>
-      <p:sp>
-        <p:nvSpPr>
-          <p:cNvPr id="19458" name="Título 1"/>
-          <p:cNvSpPr>
-            <a:spLocks noGrp="1"/>
-          </p:cNvSpPr>
-          <p:nvPr>
-            <p:ph type="title"/>
-          </p:nvPr>
-        </p:nvSpPr>
-        <p:spPr/>
-        <p:txBody>
-          <a:bodyPr/>
-          <a:lstStyle/>
-          <a:p>
-            <a:pPr eaLnBrk="1" hangingPunct="1"/>
-            <a:r>
-              <a:rPr lang="pt-BR" dirty="0" smtClean="0"/>
-              <a:t>Construtores</a:t>
-            </a:r>
-          </a:p>
-        </p:txBody>
-      </p:sp>
-      <p:sp>
-        <p:nvSpPr>
-          <p:cNvPr id="19459" name="Espaço Reservado para Conteúdo 2"/>
-          <p:cNvSpPr>
-            <a:spLocks noGrp="1"/>
-          </p:cNvSpPr>
-          <p:nvPr>
-            <p:ph idx="1"/>
-          </p:nvPr>
-        </p:nvSpPr>
-        <p:spPr/>
-        <p:txBody>
-          <a:bodyPr/>
-          <a:lstStyle/>
-          <a:p>
-            <a:endParaRPr lang="pt-BR" smtClean="0"/>
-          </a:p>
-        </p:txBody>
-      </p:sp>
-    </p:spTree>
-  </p:cSld>
-  <p:clrMapOvr>
-    <a:masterClrMapping/>
-  </p:clrMapOvr>
-</p:sld>
-</file>
-
-<file path=ppt/slides/slide15.xml><?xml version="1.0" encoding="utf-8"?>
-<p:sld xmlns:a="http://schemas.openxmlformats.org/drawingml/2006/main" xmlns:r="http://schemas.openxmlformats.org/officeDocument/2006/relationships" xmlns:p="http://schemas.openxmlformats.org/presentationml/2006/main">
-  <p:cSld>
-    <p:spTree>
-      <p:nvGrpSpPr>
-        <p:cNvPr id="1" name=""/>
-        <p:cNvGrpSpPr/>
-        <p:nvPr/>
-      </p:nvGrpSpPr>
-      <p:grpSpPr>
-        <a:xfrm>
-          <a:off x="0" y="0"/>
-          <a:ext cx="0" cy="0"/>
-          <a:chOff x="0" y="0"/>
-          <a:chExt cx="0" cy="0"/>
-        </a:xfrm>
-      </p:grpSpPr>
-      <p:sp>
-        <p:nvSpPr>
-          <p:cNvPr id="20482" name="Título 1"/>
-          <p:cNvSpPr>
-            <a:spLocks noGrp="1"/>
-          </p:cNvSpPr>
-          <p:nvPr>
-            <p:ph type="title"/>
-          </p:nvPr>
-        </p:nvSpPr>
-        <p:spPr/>
-        <p:txBody>
-          <a:bodyPr/>
-          <a:lstStyle/>
-          <a:p>
-            <a:pPr eaLnBrk="1" hangingPunct="1"/>
-            <a:r>
-              <a:rPr lang="pt-BR" dirty="0" smtClean="0"/>
-              <a:t>Classe ExceptionList</a:t>
-            </a:r>
-          </a:p>
-        </p:txBody>
-      </p:sp>
-      <p:sp>
-        <p:nvSpPr>
-          <p:cNvPr id="20483" name="Espaço Reservado para Conteúdo 2"/>
-          <p:cNvSpPr>
-            <a:spLocks noGrp="1"/>
-          </p:cNvSpPr>
-          <p:nvPr>
-            <p:ph idx="1"/>
-          </p:nvPr>
-        </p:nvSpPr>
-        <p:spPr/>
-        <p:txBody>
-          <a:bodyPr/>
-          <a:lstStyle/>
-          <a:p>
-            <a:endParaRPr lang="pt-BR" smtClean="0"/>
-          </a:p>
-        </p:txBody>
-      </p:sp>
-    </p:spTree>
-  </p:cSld>
-  <p:clrMapOvr>
-    <a:masterClrMapping/>
-  </p:clrMapOvr>
-</p:sld>
-</file>
-
-<file path=ppt/slides/slide16.xml><?xml version="1.0" encoding="utf-8"?>
-<p:sld xmlns:a="http://schemas.openxmlformats.org/drawingml/2006/main" xmlns:r="http://schemas.openxmlformats.org/officeDocument/2006/relationships" xmlns:p="http://schemas.openxmlformats.org/presentationml/2006/main">
-  <p:cSld>
-    <p:spTree>
-      <p:nvGrpSpPr>
-        <p:cNvPr id="1" name=""/>
-        <p:cNvGrpSpPr/>
-        <p:nvPr/>
-      </p:nvGrpSpPr>
-      <p:grpSpPr>
-        <a:xfrm>
-          <a:off x="0" y="0"/>
-          <a:ext cx="0" cy="0"/>
-          <a:chOff x="0" y="0"/>
-          <a:chExt cx="0" cy="0"/>
-        </a:xfrm>
-      </p:grpSpPr>
-      <p:sp>
-        <p:nvSpPr>
-          <p:cNvPr id="21506" name="Título 1"/>
-          <p:cNvSpPr>
-            <a:spLocks noGrp="1"/>
-          </p:cNvSpPr>
-          <p:nvPr>
-            <p:ph type="title"/>
-          </p:nvPr>
-        </p:nvSpPr>
-        <p:spPr/>
-        <p:txBody>
-          <a:bodyPr/>
-          <a:lstStyle/>
-          <a:p>
-            <a:pPr eaLnBrk="1" hangingPunct="1"/>
-            <a:r>
-              <a:rPr lang="pt-BR" dirty="0" smtClean="0"/>
-              <a:t>Métodos</a:t>
-            </a:r>
-          </a:p>
-        </p:txBody>
-      </p:sp>
-      <p:sp>
-        <p:nvSpPr>
-          <p:cNvPr id="21507" name="Espaço Reservado para Conteúdo 2"/>
-          <p:cNvSpPr>
-            <a:spLocks noGrp="1"/>
-          </p:cNvSpPr>
-          <p:nvPr>
-            <p:ph idx="1"/>
-          </p:nvPr>
-        </p:nvSpPr>
-        <p:spPr/>
-        <p:txBody>
-          <a:bodyPr/>
-          <a:lstStyle/>
-          <a:p>
-            <a:endParaRPr lang="pt-BR" smtClean="0"/>
-          </a:p>
-        </p:txBody>
-      </p:sp>
-    </p:spTree>
-  </p:cSld>
-  <p:clrMapOvr>
-    <a:masterClrMapping/>
-  </p:clrMapOvr>
-</p:sld>
-</file>
-
-<file path=ppt/slides/slide17.xml><?xml version="1.0" encoding="utf-8"?>
-<p:sld xmlns:a="http://schemas.openxmlformats.org/drawingml/2006/main" xmlns:r="http://schemas.openxmlformats.org/officeDocument/2006/relationships" xmlns:p="http://schemas.openxmlformats.org/presentationml/2006/main">
-  <p:cSld>
-    <p:spTree>
-      <p:nvGrpSpPr>
-        <p:cNvPr id="1" name=""/>
-        <p:cNvGrpSpPr/>
-        <p:nvPr/>
-      </p:nvGrpSpPr>
-      <p:grpSpPr>
-        <a:xfrm>
-          <a:off x="0" y="0"/>
-          <a:ext cx="0" cy="0"/>
-          <a:chOff x="0" y="0"/>
-          <a:chExt cx="0" cy="0"/>
-        </a:xfrm>
-      </p:grpSpPr>
-      <p:sp>
-        <p:nvSpPr>
-          <p:cNvPr id="22530" name="Título 1"/>
-          <p:cNvSpPr>
-            <a:spLocks noGrp="1"/>
-          </p:cNvSpPr>
-          <p:nvPr>
-            <p:ph type="title"/>
-          </p:nvPr>
-        </p:nvSpPr>
-        <p:spPr/>
-        <p:txBody>
-          <a:bodyPr/>
-          <a:lstStyle/>
-          <a:p>
-            <a:pPr eaLnBrk="1" hangingPunct="1"/>
-            <a:r>
-              <a:rPr lang="pt-BR" dirty="0" smtClean="0"/>
-              <a:t>Classe Error</a:t>
-            </a:r>
-          </a:p>
-        </p:txBody>
-      </p:sp>
-      <p:sp>
-        <p:nvSpPr>
-          <p:cNvPr id="22531" name="Espaço Reservado para Conteúdo 2"/>
-          <p:cNvSpPr>
-            <a:spLocks noGrp="1"/>
-          </p:cNvSpPr>
-          <p:nvPr>
-            <p:ph idx="1"/>
-          </p:nvPr>
-        </p:nvSpPr>
-        <p:spPr/>
-        <p:txBody>
-          <a:bodyPr/>
-          <a:lstStyle/>
-          <a:p>
-            <a:endParaRPr lang="pt-BR" smtClean="0"/>
-          </a:p>
-        </p:txBody>
-      </p:sp>
-    </p:spTree>
-  </p:cSld>
-  <p:clrMapOvr>
-    <a:masterClrMapping/>
-  </p:clrMapOvr>
-</p:sld>
-</file>
-
-<file path=ppt/slides/slide18.xml><?xml version="1.0" encoding="utf-8"?>
-<p:sld xmlns:a="http://schemas.openxmlformats.org/drawingml/2006/main" xmlns:r="http://schemas.openxmlformats.org/officeDocument/2006/relationships" xmlns:p="http://schemas.openxmlformats.org/presentationml/2006/main">
-  <p:cSld>
-    <p:spTree>
-      <p:nvGrpSpPr>
-        <p:cNvPr id="1" name=""/>
-        <p:cNvGrpSpPr/>
-        <p:nvPr/>
-      </p:nvGrpSpPr>
-      <p:grpSpPr>
-        <a:xfrm>
-          <a:off x="0" y="0"/>
-          <a:ext cx="0" cy="0"/>
-          <a:chOff x="0" y="0"/>
-          <a:chExt cx="0" cy="0"/>
-        </a:xfrm>
-      </p:grpSpPr>
-      <p:sp>
-        <p:nvSpPr>
-          <p:cNvPr id="23554" name="Título 1"/>
-          <p:cNvSpPr>
-            <a:spLocks noGrp="1"/>
-          </p:cNvSpPr>
-          <p:nvPr>
-            <p:ph type="title"/>
-          </p:nvPr>
-        </p:nvSpPr>
-        <p:spPr/>
-        <p:txBody>
-          <a:bodyPr/>
-          <a:lstStyle/>
-          <a:p>
-            <a:pPr eaLnBrk="1" hangingPunct="1"/>
-            <a:r>
-              <a:rPr lang="pt-BR" dirty="0" smtClean="0"/>
-              <a:t>Construtores</a:t>
-            </a:r>
-          </a:p>
-        </p:txBody>
-      </p:sp>
-      <p:sp>
-        <p:nvSpPr>
-          <p:cNvPr id="23555" name="Espaço Reservado para Conteúdo 2"/>
-          <p:cNvSpPr>
-            <a:spLocks noGrp="1"/>
-          </p:cNvSpPr>
-          <p:nvPr>
-            <p:ph idx="1"/>
-          </p:nvPr>
-        </p:nvSpPr>
-        <p:spPr/>
-        <p:txBody>
-          <a:bodyPr/>
-          <a:lstStyle/>
-          <a:p>
-            <a:endParaRPr lang="pt-BR" smtClean="0"/>
-          </a:p>
-        </p:txBody>
-      </p:sp>
-    </p:spTree>
-  </p:cSld>
-  <p:clrMapOvr>
-    <a:masterClrMapping/>
-  </p:clrMapOvr>
-</p:sld>
-</file>
-
-<file path=ppt/slides/slide19.xml><?xml version="1.0" encoding="utf-8"?>
-<p:sld xmlns:a="http://schemas.openxmlformats.org/drawingml/2006/main" xmlns:r="http://schemas.openxmlformats.org/officeDocument/2006/relationships" xmlns:p="http://schemas.openxmlformats.org/presentationml/2006/main">
-  <p:cSld>
-    <p:spTree>
-      <p:nvGrpSpPr>
-        <p:cNvPr id="1" name=""/>
-        <p:cNvGrpSpPr/>
-        <p:nvPr/>
-      </p:nvGrpSpPr>
-      <p:grpSpPr>
-        <a:xfrm>
-          <a:off x="0" y="0"/>
-          <a:ext cx="0" cy="0"/>
-          <a:chOff x="0" y="0"/>
-          <a:chExt cx="0" cy="0"/>
-        </a:xfrm>
-      </p:grpSpPr>
-      <p:sp>
-        <p:nvSpPr>
-          <p:cNvPr id="24578" name="Título 1"/>
-          <p:cNvSpPr>
-            <a:spLocks noGrp="1"/>
-          </p:cNvSpPr>
-          <p:nvPr>
-            <p:ph type="title"/>
-          </p:nvPr>
-        </p:nvSpPr>
-        <p:spPr/>
-        <p:txBody>
-          <a:bodyPr/>
-          <a:lstStyle/>
-          <a:p>
-            <a:pPr eaLnBrk="1" hangingPunct="1"/>
-            <a:r>
-              <a:rPr lang="pt-BR" dirty="0" smtClean="0"/>
-              <a:t>Classe SQLException</a:t>
-            </a:r>
-          </a:p>
-        </p:txBody>
-      </p:sp>
-      <p:sp>
-        <p:nvSpPr>
-          <p:cNvPr id="24579" name="Espaço Reservado para Conteúdo 2"/>
-          <p:cNvSpPr>
-            <a:spLocks noGrp="1"/>
-          </p:cNvSpPr>
-          <p:nvPr>
-            <p:ph idx="1"/>
-          </p:nvPr>
-        </p:nvSpPr>
-        <p:spPr/>
-        <p:txBody>
-          <a:bodyPr/>
-          <a:lstStyle/>
-          <a:p>
-            <a:endParaRPr lang="pt-BR" smtClean="0"/>
+            <a:pPr>
+              <a:defRPr/>
+            </a:pPr>
+            <a:fld id="{DAB16DC1-F000-4B90-9425-1E014EE80EC3}" type="slidenum">
+              <a:rPr lang="pt-BR" smtClean="0"/>
+              <a:pPr>
+                <a:defRPr/>
+              </a:pPr>
+              <a:t>12</a:t>
+            </a:fld>
+            <a:endParaRPr lang="pt-BR"/>
           </a:p>
         </p:txBody>
       </p:sp>
@@ -7692,85 +6160,150 @@
           <a:p>
             <a:pPr eaLnBrk="1" hangingPunct="1"/>
             <a:r>
-              <a:rPr lang="pt-BR" sz="2400" dirty="0" smtClean="0"/>
-              <a:t>Introdução</a:t>
-            </a:r>
+              <a:rPr lang="pt-BR" sz="2800" dirty="0" smtClean="0"/>
+              <a:t>Exceptions</a:t>
+            </a:r>
+            <a:endParaRPr lang="pt-BR" sz="2800" dirty="0" smtClean="0"/>
           </a:p>
           <a:p>
             <a:pPr eaLnBrk="1" hangingPunct="1"/>
             <a:r>
-              <a:rPr lang="pt-BR" sz="2400" dirty="0" smtClean="0"/>
-              <a:t>try / </a:t>
-            </a:r>
-            <a:r>
-              <a:rPr lang="pt-BR" sz="2400" dirty="0" smtClean="0"/>
+              <a:rPr lang="pt-BR" sz="2800" b="1" dirty="0" smtClean="0"/>
+              <a:t>try</a:t>
+            </a:r>
+            <a:r>
+              <a:rPr lang="pt-BR" sz="2800" dirty="0" smtClean="0"/>
+              <a:t> / </a:t>
+            </a:r>
+            <a:r>
+              <a:rPr lang="pt-BR" sz="2800" b="1" dirty="0" smtClean="0"/>
               <a:t>catch</a:t>
             </a:r>
           </a:p>
           <a:p>
             <a:pPr eaLnBrk="1" hangingPunct="1"/>
             <a:r>
-              <a:rPr lang="pt-BR" sz="2400" dirty="0" smtClean="0"/>
-              <a:t>Hierarquia </a:t>
-            </a:r>
-            <a:r>
-              <a:rPr lang="pt-BR" sz="2400" dirty="0" smtClean="0"/>
-              <a:t>de Exceptions</a:t>
-            </a:r>
-            <a:endParaRPr lang="pt-BR" sz="2400" dirty="0" smtClean="0"/>
+              <a:rPr lang="pt-BR" sz="2800" dirty="0" smtClean="0"/>
+              <a:t>Hierarquia de </a:t>
+            </a:r>
+            <a:r>
+              <a:rPr lang="pt-BR" sz="2800" dirty="0" smtClean="0"/>
+              <a:t>Exceptions</a:t>
+            </a:r>
           </a:p>
           <a:p>
             <a:pPr eaLnBrk="1" hangingPunct="1"/>
             <a:r>
-              <a:rPr lang="pt-BR" sz="2400" dirty="0" smtClean="0"/>
+              <a:rPr lang="pt-BR" sz="2800" dirty="0" smtClean="0"/>
+              <a:t>Principais exceções</a:t>
+            </a:r>
+          </a:p>
+          <a:p>
+            <a:pPr eaLnBrk="1" hangingPunct="1"/>
+            <a:r>
+              <a:rPr lang="pt-BR" sz="2800" dirty="0" smtClean="0"/>
+              <a:t>Principais métodos de exceções</a:t>
+            </a:r>
+            <a:endParaRPr lang="pt-BR" sz="2800" dirty="0" smtClean="0"/>
+          </a:p>
+        </p:txBody>
+      </p:sp>
+      <p:sp>
+        <p:nvSpPr>
+          <p:cNvPr id="5" name="Content Placeholder 4"/>
+          <p:cNvSpPr>
+            <a:spLocks noGrp="1"/>
+          </p:cNvSpPr>
+          <p:nvPr>
+            <p:ph sz="half" idx="2"/>
+          </p:nvPr>
+        </p:nvSpPr>
+        <p:spPr/>
+        <p:txBody>
+          <a:bodyPr/>
+          <a:lstStyle/>
+          <a:p>
+            <a:pPr eaLnBrk="1" hangingPunct="1"/>
+            <a:r>
+              <a:rPr lang="pt-BR" sz="2800" dirty="0" smtClean="0"/>
+              <a:t>Exceções transferidas</a:t>
+            </a:r>
+          </a:p>
+          <a:p>
+            <a:pPr eaLnBrk="1" hangingPunct="1"/>
+            <a:r>
+              <a:rPr lang="pt-BR" sz="2600" kern="1200" dirty="0" smtClean="0">
+                <a:solidFill>
+                  <a:schemeClr val="tx1"/>
+                </a:solidFill>
+                <a:latin typeface="+mn-lt"/>
+                <a:ea typeface="+mn-ea"/>
+                <a:cs typeface="+mn-cs"/>
+              </a:rPr>
+              <a:t>Cláusula </a:t>
+            </a:r>
+            <a:r>
+              <a:rPr lang="pt-BR" sz="2800" b="1" dirty="0" err="1" smtClean="0"/>
               <a:t>throws</a:t>
             </a:r>
-            <a:endParaRPr lang="pt-BR" sz="2400" dirty="0" smtClean="0"/>
+            <a:endParaRPr lang="pt-BR" sz="2800" b="1" dirty="0" smtClean="0"/>
           </a:p>
           <a:p>
             <a:pPr eaLnBrk="1" hangingPunct="1"/>
             <a:r>
-              <a:rPr lang="pt-BR" sz="2400" dirty="0" smtClean="0"/>
-              <a:t>Exceções transferidas</a:t>
-            </a:r>
+              <a:rPr lang="pt-BR" sz="2600" kern="1200" dirty="0" smtClean="0">
+                <a:solidFill>
+                  <a:schemeClr val="tx1"/>
+                </a:solidFill>
+                <a:latin typeface="+mn-lt"/>
+                <a:ea typeface="+mn-ea"/>
+                <a:cs typeface="+mn-cs"/>
+              </a:rPr>
+              <a:t>Cláusula </a:t>
+            </a:r>
+            <a:r>
+              <a:rPr lang="pt-BR" sz="2800" b="1" dirty="0" err="1" smtClean="0"/>
+              <a:t>finally</a:t>
+            </a:r>
+            <a:endParaRPr lang="pt-BR" sz="2800" b="1" dirty="0" smtClean="0"/>
           </a:p>
           <a:p>
             <a:pPr eaLnBrk="1" hangingPunct="1"/>
             <a:r>
-              <a:rPr lang="pt-BR" sz="2400" dirty="0" smtClean="0"/>
-              <a:t>finally</a:t>
-            </a:r>
-            <a:endParaRPr lang="pt-BR" sz="2400" dirty="0" smtClean="0"/>
+              <a:rPr lang="pt-BR" sz="2600" kern="1200" dirty="0" smtClean="0">
+                <a:solidFill>
+                  <a:schemeClr val="tx1"/>
+                </a:solidFill>
+                <a:latin typeface="+mn-lt"/>
+                <a:ea typeface="+mn-ea"/>
+                <a:cs typeface="+mn-cs"/>
+              </a:rPr>
+              <a:t>Cláusula </a:t>
+            </a:r>
+            <a:r>
+              <a:rPr lang="pt-BR" sz="2800" b="1" dirty="0" err="1" smtClean="0"/>
+              <a:t>throw</a:t>
+            </a:r>
+            <a:endParaRPr lang="pt-BR" sz="2800" b="1" dirty="0" smtClean="0"/>
           </a:p>
           <a:p>
             <a:pPr eaLnBrk="1" hangingPunct="1"/>
             <a:r>
-              <a:rPr lang="pt-BR" sz="2400" dirty="0" smtClean="0"/>
-              <a:t>Classe </a:t>
-            </a:r>
-            <a:r>
-              <a:rPr lang="pt-BR" sz="2400" dirty="0" smtClean="0"/>
-              <a:t>Throwable</a:t>
-            </a:r>
-          </a:p>
-          <a:p>
-            <a:pPr eaLnBrk="1" hangingPunct="1"/>
-            <a:r>
-              <a:rPr lang="pt-BR" sz="2400" dirty="0" smtClean="0"/>
-              <a:t>throw</a:t>
-            </a:r>
-            <a:endParaRPr lang="pt-BR" sz="2400" dirty="0" smtClean="0"/>
-          </a:p>
-        </p:txBody>
-      </p:sp>
-      <p:sp>
-        <p:nvSpPr>
-          <p:cNvPr id="5" name="Content Placeholder 4"/>
-          <p:cNvSpPr>
-            <a:spLocks noGrp="1"/>
-          </p:cNvSpPr>
-          <p:nvPr>
-            <p:ph sz="half" idx="2"/>
+              <a:rPr lang="pt-BR" sz="2800" dirty="0" smtClean="0"/>
+              <a:t>Exceções personalizadas</a:t>
+            </a:r>
+            <a:endParaRPr lang="pt-BR" sz="2800" dirty="0" smtClean="0"/>
+          </a:p>
+        </p:txBody>
+      </p:sp>
+      <p:sp>
+        <p:nvSpPr>
+          <p:cNvPr id="6" name="Espaço Reservado para Número de Slide 5"/>
+          <p:cNvSpPr>
+            <a:spLocks noGrp="1"/>
+          </p:cNvSpPr>
+          <p:nvPr>
+            <p:ph type="sldNum" sz="quarter" idx="12"/>
           </p:nvPr>
         </p:nvSpPr>
         <p:spPr/>
@@ -7778,81 +6311,17 @@
           <a:bodyPr/>
           <a:lstStyle/>
           <a:p>
-            <a:pPr eaLnBrk="1" hangingPunct="1"/>
-            <a:r>
-              <a:rPr lang="pt-BR" sz="2400" dirty="0" smtClean="0"/>
-              <a:t>Classe </a:t>
-            </a:r>
-            <a:r>
-              <a:rPr lang="pt-BR" sz="2400" dirty="0" smtClean="0"/>
-              <a:t>Exception</a:t>
-            </a:r>
-          </a:p>
-          <a:p>
-            <a:pPr eaLnBrk="1" hangingPunct="1"/>
-            <a:r>
-              <a:rPr lang="pt-BR" sz="2400" dirty="0" smtClean="0"/>
-              <a:t>Construtores</a:t>
-            </a:r>
-          </a:p>
-          <a:p>
-            <a:pPr eaLnBrk="1" hangingPunct="1"/>
-            <a:r>
-              <a:rPr lang="pt-BR" sz="2400" dirty="0" smtClean="0"/>
-              <a:t>Classe ExceptionList</a:t>
-            </a:r>
-          </a:p>
-          <a:p>
-            <a:pPr eaLnBrk="1" hangingPunct="1"/>
-            <a:r>
-              <a:rPr lang="pt-BR" sz="2400" dirty="0" smtClean="0"/>
-              <a:t>Métodos</a:t>
-            </a:r>
-          </a:p>
-          <a:p>
-            <a:pPr eaLnBrk="1" hangingPunct="1"/>
-            <a:r>
-              <a:rPr lang="pt-BR" sz="2400" dirty="0" smtClean="0"/>
-              <a:t>Classe Error</a:t>
-            </a:r>
-          </a:p>
-          <a:p>
-            <a:pPr eaLnBrk="1" hangingPunct="1"/>
-            <a:r>
-              <a:rPr lang="pt-BR" sz="2400" dirty="0" smtClean="0"/>
-              <a:t>Construtores</a:t>
-            </a:r>
-          </a:p>
-          <a:p>
-            <a:pPr eaLnBrk="1" hangingPunct="1"/>
-            <a:r>
-              <a:rPr lang="pt-BR" sz="2400" dirty="0" smtClean="0"/>
-              <a:t>Classe SQLException</a:t>
-            </a:r>
-          </a:p>
-          <a:p>
-            <a:pPr eaLnBrk="1" hangingPunct="1"/>
-            <a:r>
-              <a:rPr lang="pt-BR" sz="2400" dirty="0" smtClean="0"/>
-              <a:t>Construtores</a:t>
-            </a:r>
-          </a:p>
-          <a:p>
-            <a:pPr eaLnBrk="1" hangingPunct="1"/>
-            <a:r>
-              <a:rPr lang="pt-BR" sz="2400" dirty="0" smtClean="0"/>
-              <a:t>Métodos</a:t>
-            </a:r>
-          </a:p>
-          <a:p>
-            <a:pPr eaLnBrk="1" hangingPunct="1"/>
-            <a:r>
-              <a:rPr lang="pt-BR" sz="2400" dirty="0" smtClean="0"/>
-              <a:t>Exceções personalizadas</a:t>
-            </a:r>
-          </a:p>
-          <a:p>
-            <a:endParaRPr lang="pt-BR" sz="2400" dirty="0"/>
+            <a:pPr>
+              <a:defRPr/>
+            </a:pPr>
+            <a:fld id="{DAB16DC1-F000-4B90-9425-1E014EE80EC3}" type="slidenum">
+              <a:rPr lang="pt-BR" smtClean="0"/>
+              <a:pPr>
+                <a:defRPr/>
+              </a:pPr>
+              <a:t>2</a:t>
+            </a:fld>
+            <a:endParaRPr lang="pt-BR"/>
           </a:p>
         </p:txBody>
       </p:sp>
@@ -7861,207 +6330,13 @@
   <p:clrMapOvr>
     <a:masterClrMapping/>
   </p:clrMapOvr>
-</p:sld>
-</file>
-
-<file path=ppt/slides/slide20.xml><?xml version="1.0" encoding="utf-8"?>
-<p:sld xmlns:a="http://schemas.openxmlformats.org/drawingml/2006/main" xmlns:r="http://schemas.openxmlformats.org/officeDocument/2006/relationships" xmlns:p="http://schemas.openxmlformats.org/presentationml/2006/main">
-  <p:cSld>
-    <p:spTree>
-      <p:nvGrpSpPr>
-        <p:cNvPr id="1" name=""/>
-        <p:cNvGrpSpPr/>
-        <p:nvPr/>
-      </p:nvGrpSpPr>
-      <p:grpSpPr>
-        <a:xfrm>
-          <a:off x="0" y="0"/>
-          <a:ext cx="0" cy="0"/>
-          <a:chOff x="0" y="0"/>
-          <a:chExt cx="0" cy="0"/>
-        </a:xfrm>
-      </p:grpSpPr>
-      <p:sp>
-        <p:nvSpPr>
-          <p:cNvPr id="25602" name="Título 1"/>
-          <p:cNvSpPr>
-            <a:spLocks noGrp="1"/>
-          </p:cNvSpPr>
-          <p:nvPr>
-            <p:ph type="title"/>
-          </p:nvPr>
-        </p:nvSpPr>
-        <p:spPr/>
-        <p:txBody>
-          <a:bodyPr/>
-          <a:lstStyle/>
-          <a:p>
-            <a:pPr eaLnBrk="1" hangingPunct="1"/>
-            <a:r>
-              <a:rPr lang="pt-BR" dirty="0" smtClean="0"/>
-              <a:t>Construtores</a:t>
-            </a:r>
-          </a:p>
-        </p:txBody>
-      </p:sp>
-      <p:sp>
-        <p:nvSpPr>
-          <p:cNvPr id="25603" name="Espaço Reservado para Conteúdo 2"/>
-          <p:cNvSpPr>
-            <a:spLocks noGrp="1"/>
-          </p:cNvSpPr>
-          <p:nvPr>
-            <p:ph idx="1"/>
-          </p:nvPr>
-        </p:nvSpPr>
-        <p:spPr/>
-        <p:txBody>
-          <a:bodyPr/>
-          <a:lstStyle/>
-          <a:p>
-            <a:endParaRPr lang="pt-BR" smtClean="0"/>
-          </a:p>
-        </p:txBody>
-      </p:sp>
-    </p:spTree>
-  </p:cSld>
-  <p:clrMapOvr>
-    <a:masterClrMapping/>
-  </p:clrMapOvr>
-</p:sld>
-</file>
-
-<file path=ppt/slides/slide21.xml><?xml version="1.0" encoding="utf-8"?>
-<p:sld xmlns:a="http://schemas.openxmlformats.org/drawingml/2006/main" xmlns:r="http://schemas.openxmlformats.org/officeDocument/2006/relationships" xmlns:p="http://schemas.openxmlformats.org/presentationml/2006/main">
-  <p:cSld>
-    <p:spTree>
-      <p:nvGrpSpPr>
-        <p:cNvPr id="1" name=""/>
-        <p:cNvGrpSpPr/>
-        <p:nvPr/>
-      </p:nvGrpSpPr>
-      <p:grpSpPr>
-        <a:xfrm>
-          <a:off x="0" y="0"/>
-          <a:ext cx="0" cy="0"/>
-          <a:chOff x="0" y="0"/>
-          <a:chExt cx="0" cy="0"/>
-        </a:xfrm>
-      </p:grpSpPr>
-      <p:sp>
-        <p:nvSpPr>
-          <p:cNvPr id="26626" name="Título 1"/>
-          <p:cNvSpPr>
-            <a:spLocks noGrp="1"/>
-          </p:cNvSpPr>
-          <p:nvPr>
-            <p:ph type="title"/>
-          </p:nvPr>
-        </p:nvSpPr>
-        <p:spPr/>
-        <p:txBody>
-          <a:bodyPr/>
-          <a:lstStyle/>
-          <a:p>
-            <a:pPr eaLnBrk="1" hangingPunct="1"/>
-            <a:r>
-              <a:rPr lang="pt-BR" dirty="0" smtClean="0"/>
-              <a:t>Métodos</a:t>
-            </a:r>
-          </a:p>
-        </p:txBody>
-      </p:sp>
-      <p:sp>
-        <p:nvSpPr>
-          <p:cNvPr id="26627" name="Espaço Reservado para Conteúdo 2"/>
-          <p:cNvSpPr>
-            <a:spLocks noGrp="1"/>
-          </p:cNvSpPr>
-          <p:nvPr>
-            <p:ph idx="1"/>
-          </p:nvPr>
-        </p:nvSpPr>
-        <p:spPr/>
-        <p:txBody>
-          <a:bodyPr/>
-          <a:lstStyle/>
-          <a:p>
-            <a:endParaRPr lang="pt-BR" smtClean="0"/>
-          </a:p>
-        </p:txBody>
-      </p:sp>
-    </p:spTree>
-  </p:cSld>
-  <p:clrMapOvr>
-    <a:masterClrMapping/>
-  </p:clrMapOvr>
-</p:sld>
-</file>
-
-<file path=ppt/slides/slide22.xml><?xml version="1.0" encoding="utf-8"?>
-<p:sld xmlns:a="http://schemas.openxmlformats.org/drawingml/2006/main" xmlns:r="http://schemas.openxmlformats.org/officeDocument/2006/relationships" xmlns:p="http://schemas.openxmlformats.org/presentationml/2006/main">
-  <p:cSld>
-    <p:spTree>
-      <p:nvGrpSpPr>
-        <p:cNvPr id="1" name=""/>
-        <p:cNvGrpSpPr/>
-        <p:nvPr/>
-      </p:nvGrpSpPr>
-      <p:grpSpPr>
-        <a:xfrm>
-          <a:off x="0" y="0"/>
-          <a:ext cx="0" cy="0"/>
-          <a:chOff x="0" y="0"/>
-          <a:chExt cx="0" cy="0"/>
-        </a:xfrm>
-      </p:grpSpPr>
-      <p:sp>
-        <p:nvSpPr>
-          <p:cNvPr id="27650" name="Título 1"/>
-          <p:cNvSpPr>
-            <a:spLocks noGrp="1"/>
-          </p:cNvSpPr>
-          <p:nvPr>
-            <p:ph type="title"/>
-          </p:nvPr>
-        </p:nvSpPr>
-        <p:spPr/>
-        <p:txBody>
-          <a:bodyPr/>
-          <a:lstStyle/>
-          <a:p>
-            <a:pPr eaLnBrk="1" hangingPunct="1"/>
-            <a:r>
-              <a:rPr lang="pt-BR" dirty="0" smtClean="0"/>
-              <a:t>Exceções personalizadas</a:t>
-            </a:r>
-          </a:p>
-        </p:txBody>
-      </p:sp>
-      <p:sp>
-        <p:nvSpPr>
-          <p:cNvPr id="27651" name="Espaço Reservado para Conteúdo 2"/>
-          <p:cNvSpPr>
-            <a:spLocks noGrp="1"/>
-          </p:cNvSpPr>
-          <p:nvPr>
-            <p:ph idx="1"/>
-          </p:nvPr>
-        </p:nvSpPr>
-        <p:spPr/>
-        <p:txBody>
-          <a:bodyPr/>
-          <a:lstStyle/>
-          <a:p>
-            <a:endParaRPr lang="pt-BR" smtClean="0"/>
-          </a:p>
-        </p:txBody>
-      </p:sp>
-    </p:spTree>
-  </p:cSld>
-  <p:clrMapOvr>
-    <a:masterClrMapping/>
-  </p:clrMapOvr>
+  <p:timing>
+    <p:tnLst>
+      <p:par>
+        <p:cTn id="1" dur="indefinite" restart="never" nodeType="tmRoot"/>
+      </p:par>
+    </p:tnLst>
+  </p:timing>
 </p:sld>
 </file>
 
@@ -8084,7 +6359,7 @@
       </p:grpSpPr>
       <p:sp>
         <p:nvSpPr>
-          <p:cNvPr id="8194" name="Título 1"/>
+          <p:cNvPr id="2" name="Título 1"/>
           <p:cNvSpPr>
             <a:spLocks noGrp="1"/>
           </p:cNvSpPr>
@@ -8097,22 +6372,69 @@
           <a:bodyPr/>
           <a:lstStyle/>
           <a:p>
-            <a:pPr eaLnBrk="1" hangingPunct="1"/>
+            <a:pPr rtl="0" eaLnBrk="1" fontAlgn="base" hangingPunct="1"/>
+            <a:r>
+              <a:rPr lang="pt-BR" sz="4600" kern="1200" dirty="0" smtClean="0">
+                <a:solidFill>
+                  <a:schemeClr val="tx1"/>
+                </a:solidFill>
+                <a:latin typeface="+mj-lt"/>
+                <a:ea typeface="+mj-ea"/>
+                <a:cs typeface="+mj-cs"/>
+              </a:rPr>
+              <a:t>Exceptions</a:t>
+            </a:r>
+            <a:endParaRPr lang="pt-BR" dirty="0"/>
+          </a:p>
+        </p:txBody>
+      </p:sp>
+      <p:sp>
+        <p:nvSpPr>
+          <p:cNvPr id="6" name="Espaço Reservado para Conteúdo 5"/>
+          <p:cNvSpPr>
+            <a:spLocks noGrp="1"/>
+          </p:cNvSpPr>
+          <p:nvPr>
+            <p:ph idx="1"/>
+          </p:nvPr>
+        </p:nvSpPr>
+        <p:spPr/>
+        <p:txBody>
+          <a:bodyPr/>
+          <a:lstStyle/>
+          <a:p>
+            <a:pPr>
+              <a:spcBef>
+                <a:spcPts val="3000"/>
+              </a:spcBef>
+            </a:pPr>
             <a:r>
               <a:rPr lang="pt-BR" dirty="0" smtClean="0"/>
-              <a:t>Exceções com try e catch</a:t>
-            </a:r>
-          </a:p>
-        </p:txBody>
-      </p:sp>
-      <p:sp>
-        <p:nvSpPr>
-          <p:cNvPr id="8195" name="Espaço Reservado para Conteúdo 2"/>
-          <p:cNvSpPr>
-            <a:spLocks noGrp="1"/>
-          </p:cNvSpPr>
-          <p:nvPr>
-            <p:ph idx="1"/>
+              <a:t>Mecanismo utilizado pelo Java para informar que algo inesperado aconteceu</a:t>
+            </a:r>
+          </a:p>
+          <a:p>
+            <a:pPr>
+              <a:spcBef>
+                <a:spcPts val="3000"/>
+              </a:spcBef>
+            </a:pPr>
+            <a:r>
+              <a:rPr lang="pt-BR" dirty="0" smtClean="0"/>
+              <a:t>Quando sua aplicação não contorna situações de exceptions, ocorre a interrupção abrupta</a:t>
+            </a:r>
+            <a:endParaRPr lang="pt-BR" dirty="0"/>
+          </a:p>
+        </p:txBody>
+      </p:sp>
+      <p:sp>
+        <p:nvSpPr>
+          <p:cNvPr id="5" name="Espaço Reservado para Número de Slide 4"/>
+          <p:cNvSpPr>
+            <a:spLocks noGrp="1"/>
+          </p:cNvSpPr>
+          <p:nvPr>
+            <p:ph type="sldNum" sz="quarter" idx="12"/>
           </p:nvPr>
         </p:nvSpPr>
         <p:spPr/>
@@ -8120,7 +6442,17 @@
           <a:bodyPr/>
           <a:lstStyle/>
           <a:p>
-            <a:endParaRPr lang="pt-BR" smtClean="0"/>
+            <a:pPr>
+              <a:defRPr/>
+            </a:pPr>
+            <a:fld id="{DAB16DC1-F000-4B90-9425-1E014EE80EC3}" type="slidenum">
+              <a:rPr lang="pt-BR" smtClean="0"/>
+              <a:pPr>
+                <a:defRPr/>
+              </a:pPr>
+              <a:t>3</a:t>
+            </a:fld>
+            <a:endParaRPr lang="pt-BR"/>
           </a:p>
         </p:txBody>
       </p:sp>
@@ -8129,6 +6461,13 @@
   <p:clrMapOvr>
     <a:masterClrMapping/>
   </p:clrMapOvr>
+  <p:timing>
+    <p:tnLst>
+      <p:par>
+        <p:cTn id="1" dur="indefinite" restart="never" nodeType="tmRoot"/>
+      </p:par>
+    </p:tnLst>
+  </p:timing>
 </p:sld>
 </file>
 
@@ -8151,7 +6490,7 @@
       </p:grpSpPr>
       <p:sp>
         <p:nvSpPr>
-          <p:cNvPr id="9218" name="Título 1"/>
+          <p:cNvPr id="2" name="Título 1"/>
           <p:cNvSpPr>
             <a:spLocks noGrp="1"/>
           </p:cNvSpPr>
@@ -8164,22 +6503,104 @@
           <a:bodyPr/>
           <a:lstStyle/>
           <a:p>
-            <a:pPr eaLnBrk="1" hangingPunct="1"/>
+            <a:pPr rtl="0" eaLnBrk="1" fontAlgn="base" hangingPunct="1"/>
+            <a:r>
+              <a:rPr lang="pt-BR" sz="4600" kern="1200" dirty="0" err="1" smtClean="0">
+                <a:solidFill>
+                  <a:schemeClr val="tx1"/>
+                </a:solidFill>
+                <a:latin typeface="+mj-lt"/>
+                <a:ea typeface="+mj-ea"/>
+                <a:cs typeface="+mj-cs"/>
+              </a:rPr>
+              <a:t>try</a:t>
+            </a:r>
+            <a:r>
+              <a:rPr lang="pt-BR" sz="4600" kern="1200" dirty="0" smtClean="0">
+                <a:solidFill>
+                  <a:schemeClr val="tx1"/>
+                </a:solidFill>
+                <a:latin typeface="+mj-lt"/>
+                <a:ea typeface="+mj-ea"/>
+                <a:cs typeface="+mj-cs"/>
+              </a:rPr>
+              <a:t> / catch</a:t>
+            </a:r>
+            <a:endParaRPr lang="pt-BR" dirty="0"/>
+          </a:p>
+        </p:txBody>
+      </p:sp>
+      <p:sp>
+        <p:nvSpPr>
+          <p:cNvPr id="6" name="Espaço Reservado para Conteúdo 5"/>
+          <p:cNvSpPr>
+            <a:spLocks noGrp="1"/>
+          </p:cNvSpPr>
+          <p:nvPr>
+            <p:ph idx="1"/>
+          </p:nvPr>
+        </p:nvSpPr>
+        <p:spPr/>
+        <p:txBody>
+          <a:bodyPr/>
+          <a:lstStyle/>
+          <a:p>
+            <a:r>
+              <a:rPr lang="pt-BR" dirty="0" err="1" smtClean="0"/>
+              <a:t>try</a:t>
+            </a:r>
             <a:r>
               <a:rPr lang="pt-BR" dirty="0" smtClean="0"/>
-              <a:t>Throws</a:t>
-            </a:r>
-          </a:p>
-        </p:txBody>
-      </p:sp>
-      <p:sp>
-        <p:nvSpPr>
-          <p:cNvPr id="9219" name="Espaço Reservado para Conteúdo 2"/>
-          <p:cNvSpPr>
-            <a:spLocks noGrp="1"/>
-          </p:cNvSpPr>
-          <p:nvPr>
-            <p:ph idx="1"/>
+              <a:t> {</a:t>
+            </a:r>
+          </a:p>
+          <a:p>
+            <a:r>
+              <a:rPr lang="pt-BR" dirty="0" smtClean="0"/>
+              <a:t>	// Instruções sujeitas</a:t>
+            </a:r>
+          </a:p>
+          <a:p>
+            <a:r>
+              <a:rPr lang="pt-BR" dirty="0" smtClean="0"/>
+              <a:t>	// a falhas</a:t>
+            </a:r>
+          </a:p>
+          <a:p>
+            <a:r>
+              <a:rPr lang="pt-BR" dirty="0" smtClean="0"/>
+              <a:t>} catch (Exception e) {</a:t>
+            </a:r>
+          </a:p>
+          <a:p>
+            <a:r>
+              <a:rPr lang="pt-BR" dirty="0" smtClean="0"/>
+              <a:t>	// Instruções a serem executadas</a:t>
+            </a:r>
+          </a:p>
+          <a:p>
+            <a:r>
+              <a:rPr lang="pt-BR" dirty="0" smtClean="0"/>
+              <a:t>	// em caso de falha</a:t>
+            </a:r>
+          </a:p>
+          <a:p>
+            <a:r>
+              <a:rPr lang="pt-BR" smtClean="0"/>
+              <a:t>}</a:t>
+            </a:r>
+            <a:endParaRPr lang="pt-BR"/>
+          </a:p>
+        </p:txBody>
+      </p:sp>
+      <p:sp>
+        <p:nvSpPr>
+          <p:cNvPr id="5" name="Espaço Reservado para Número de Slide 4"/>
+          <p:cNvSpPr>
+            <a:spLocks noGrp="1"/>
+          </p:cNvSpPr>
+          <p:nvPr>
+            <p:ph type="sldNum" sz="quarter" idx="12"/>
           </p:nvPr>
         </p:nvSpPr>
         <p:spPr/>
@@ -8187,7 +6608,17 @@
           <a:bodyPr/>
           <a:lstStyle/>
           <a:p>
-            <a:endParaRPr lang="pt-BR" smtClean="0"/>
+            <a:pPr>
+              <a:defRPr/>
+            </a:pPr>
+            <a:fld id="{DAB16DC1-F000-4B90-9425-1E014EE80EC3}" type="slidenum">
+              <a:rPr lang="pt-BR" smtClean="0"/>
+              <a:pPr>
+                <a:defRPr/>
+              </a:pPr>
+              <a:t>4</a:t>
+            </a:fld>
+            <a:endParaRPr lang="pt-BR"/>
           </a:p>
         </p:txBody>
       </p:sp>
@@ -8218,7 +6649,7 @@
       </p:grpSpPr>
       <p:sp>
         <p:nvSpPr>
-          <p:cNvPr id="10242" name="Título 1"/>
+          <p:cNvPr id="2" name="Título 1"/>
           <p:cNvSpPr>
             <a:spLocks noGrp="1"/>
           </p:cNvSpPr>
@@ -8231,17 +6662,25 @@
           <a:bodyPr/>
           <a:lstStyle/>
           <a:p>
-            <a:pPr eaLnBrk="1" hangingPunct="1"/>
-            <a:r>
-              <a:rPr lang="pt-BR" dirty="0" smtClean="0"/>
-              <a:t>Finally</a:t>
-            </a:r>
-          </a:p>
-        </p:txBody>
-      </p:sp>
-      <p:sp>
-        <p:nvSpPr>
-          <p:cNvPr id="10243" name="Espaço Reservado para Conteúdo 2"/>
+            <a:pPr rtl="0" eaLnBrk="1" fontAlgn="base" hangingPunct="1"/>
+            <a:r>
+              <a:rPr lang="pt-BR" sz="4600" kern="1200" dirty="0" smtClean="0">
+                <a:solidFill>
+                  <a:schemeClr val="tx1"/>
+                </a:solidFill>
+                <a:latin typeface="+mj-lt"/>
+                <a:ea typeface="+mj-ea"/>
+                <a:cs typeface="+mj-cs"/>
+              </a:rPr>
+              <a:t>Hierarquia de Exceptions</a:t>
+            </a:r>
+            <a:endParaRPr lang="pt-BR" dirty="0"/>
+          </a:p>
+        </p:txBody>
+      </p:sp>
+      <p:sp>
+        <p:nvSpPr>
+          <p:cNvPr id="6" name="Espaço Reservado para Conteúdo 5"/>
           <p:cNvSpPr>
             <a:spLocks noGrp="1"/>
           </p:cNvSpPr>
@@ -8254,7 +6693,36 @@
           <a:bodyPr/>
           <a:lstStyle/>
           <a:p>
-            <a:endParaRPr lang="pt-BR" smtClean="0"/>
+            <a:endParaRPr lang="pt-BR"/>
+          </a:p>
+        </p:txBody>
+      </p:sp>
+      <p:sp>
+        <p:nvSpPr>
+          <p:cNvPr id="5" name="Espaço Reservado para Número de Slide 4"/>
+          <p:cNvSpPr>
+            <a:spLocks noGrp="1"/>
+          </p:cNvSpPr>
+          <p:nvPr>
+            <p:ph type="sldNum" sz="quarter" idx="12"/>
+          </p:nvPr>
+        </p:nvSpPr>
+        <p:spPr/>
+        <p:txBody>
+          <a:bodyPr/>
+          <a:lstStyle/>
+          <a:p>
+            <a:pPr>
+              <a:defRPr/>
+            </a:pPr>
+            <a:fld id="{DAB16DC1-F000-4B90-9425-1E014EE80EC3}" type="slidenum">
+              <a:rPr lang="pt-BR" smtClean="0"/>
+              <a:pPr>
+                <a:defRPr/>
+              </a:pPr>
+              <a:t>5</a:t>
+            </a:fld>
+            <a:endParaRPr lang="pt-BR"/>
           </a:p>
         </p:txBody>
       </p:sp>
@@ -8285,7 +6753,7 @@
       </p:grpSpPr>
       <p:sp>
         <p:nvSpPr>
-          <p:cNvPr id="11266" name="Título 1"/>
+          <p:cNvPr id="2" name="Título 1"/>
           <p:cNvSpPr>
             <a:spLocks noGrp="1"/>
           </p:cNvSpPr>
@@ -8298,17 +6766,25 @@
           <a:bodyPr/>
           <a:lstStyle/>
           <a:p>
-            <a:pPr eaLnBrk="1" hangingPunct="1"/>
-            <a:r>
-              <a:rPr lang="pt-BR" dirty="0" smtClean="0"/>
-              <a:t>Exceções transferidas</a:t>
-            </a:r>
-          </a:p>
-        </p:txBody>
-      </p:sp>
-      <p:sp>
-        <p:nvSpPr>
-          <p:cNvPr id="11267" name="Espaço Reservado para Conteúdo 2"/>
+            <a:pPr rtl="0" eaLnBrk="1" fontAlgn="base" hangingPunct="1"/>
+            <a:r>
+              <a:rPr lang="pt-BR" sz="4600" kern="1200" dirty="0" smtClean="0">
+                <a:solidFill>
+                  <a:schemeClr val="tx1"/>
+                </a:solidFill>
+                <a:latin typeface="+mj-lt"/>
+                <a:ea typeface="+mj-ea"/>
+                <a:cs typeface="+mj-cs"/>
+              </a:rPr>
+              <a:t>Principais exceções</a:t>
+            </a:r>
+            <a:endParaRPr lang="pt-BR" dirty="0"/>
+          </a:p>
+        </p:txBody>
+      </p:sp>
+      <p:sp>
+        <p:nvSpPr>
+          <p:cNvPr id="6" name="Espaço Reservado para Conteúdo 5"/>
           <p:cNvSpPr>
             <a:spLocks noGrp="1"/>
           </p:cNvSpPr>
@@ -8321,7 +6797,36 @@
           <a:bodyPr/>
           <a:lstStyle/>
           <a:p>
-            <a:endParaRPr lang="pt-BR" smtClean="0"/>
+            <a:endParaRPr lang="pt-BR"/>
+          </a:p>
+        </p:txBody>
+      </p:sp>
+      <p:sp>
+        <p:nvSpPr>
+          <p:cNvPr id="5" name="Espaço Reservado para Número de Slide 4"/>
+          <p:cNvSpPr>
+            <a:spLocks noGrp="1"/>
+          </p:cNvSpPr>
+          <p:nvPr>
+            <p:ph type="sldNum" sz="quarter" idx="12"/>
+          </p:nvPr>
+        </p:nvSpPr>
+        <p:spPr/>
+        <p:txBody>
+          <a:bodyPr/>
+          <a:lstStyle/>
+          <a:p>
+            <a:pPr>
+              <a:defRPr/>
+            </a:pPr>
+            <a:fld id="{DAB16DC1-F000-4B90-9425-1E014EE80EC3}" type="slidenum">
+              <a:rPr lang="pt-BR" smtClean="0"/>
+              <a:pPr>
+                <a:defRPr/>
+              </a:pPr>
+              <a:t>6</a:t>
+            </a:fld>
+            <a:endParaRPr lang="pt-BR"/>
           </a:p>
         </p:txBody>
       </p:sp>
@@ -8352,7 +6857,7 @@
       </p:grpSpPr>
       <p:sp>
         <p:nvSpPr>
-          <p:cNvPr id="12290" name="Título 1"/>
+          <p:cNvPr id="2" name="Título 1"/>
           <p:cNvSpPr>
             <a:spLocks noGrp="1"/>
           </p:cNvSpPr>
@@ -8360,22 +6865,35 @@
             <p:ph type="title"/>
           </p:nvPr>
         </p:nvSpPr>
-        <p:spPr/>
+        <p:spPr>
+          <a:xfrm>
+            <a:off x="457200" y="274638"/>
+            <a:ext cx="8003232" cy="1143000"/>
+          </a:xfrm>
+        </p:spPr>
         <p:txBody>
           <a:bodyPr/>
           <a:lstStyle/>
           <a:p>
-            <a:pPr eaLnBrk="1" hangingPunct="1"/>
-            <a:r>
-              <a:rPr lang="pt-BR" dirty="0" smtClean="0"/>
-              <a:t>Hierarquia e correspondência</a:t>
-            </a:r>
-          </a:p>
-        </p:txBody>
-      </p:sp>
-      <p:sp>
-        <p:nvSpPr>
-          <p:cNvPr id="12291" name="Espaço Reservado para Conteúdo 2"/>
+            <a:pPr rtl="0" eaLnBrk="1" fontAlgn="base" hangingPunct="1"/>
+            <a:r>
+              <a:rPr lang="pt-BR" sz="4600" kern="1200" dirty="0" smtClean="0">
+                <a:solidFill>
+                  <a:schemeClr val="tx1"/>
+                </a:solidFill>
+                <a:latin typeface="+mj-lt"/>
+                <a:ea typeface="+mj-ea"/>
+                <a:cs typeface="+mj-cs"/>
+              </a:rPr>
+              <a:t>Principais métodos de exceções</a:t>
+            </a:r>
+            <a:endParaRPr lang="pt-BR" dirty="0"/>
+          </a:p>
+        </p:txBody>
+      </p:sp>
+      <p:sp>
+        <p:nvSpPr>
+          <p:cNvPr id="6" name="Espaço Reservado para Conteúdo 5"/>
           <p:cNvSpPr>
             <a:spLocks noGrp="1"/>
           </p:cNvSpPr>
@@ -8388,7 +6906,36 @@
           <a:bodyPr/>
           <a:lstStyle/>
           <a:p>
-            <a:endParaRPr lang="pt-BR" smtClean="0"/>
+            <a:endParaRPr lang="pt-BR"/>
+          </a:p>
+        </p:txBody>
+      </p:sp>
+      <p:sp>
+        <p:nvSpPr>
+          <p:cNvPr id="5" name="Espaço Reservado para Número de Slide 4"/>
+          <p:cNvSpPr>
+            <a:spLocks noGrp="1"/>
+          </p:cNvSpPr>
+          <p:nvPr>
+            <p:ph type="sldNum" sz="quarter" idx="12"/>
+          </p:nvPr>
+        </p:nvSpPr>
+        <p:spPr/>
+        <p:txBody>
+          <a:bodyPr/>
+          <a:lstStyle/>
+          <a:p>
+            <a:pPr>
+              <a:defRPr/>
+            </a:pPr>
+            <a:fld id="{DAB16DC1-F000-4B90-9425-1E014EE80EC3}" type="slidenum">
+              <a:rPr lang="pt-BR" smtClean="0"/>
+              <a:pPr>
+                <a:defRPr/>
+              </a:pPr>
+              <a:t>7</a:t>
+            </a:fld>
+            <a:endParaRPr lang="pt-BR"/>
           </a:p>
         </p:txBody>
       </p:sp>
@@ -8419,7 +6966,7 @@
       </p:grpSpPr>
       <p:sp>
         <p:nvSpPr>
-          <p:cNvPr id="13314" name="Título 1"/>
+          <p:cNvPr id="2" name="Título 1"/>
           <p:cNvSpPr>
             <a:spLocks noGrp="1"/>
           </p:cNvSpPr>
@@ -8432,17 +6979,25 @@
           <a:bodyPr/>
           <a:lstStyle/>
           <a:p>
-            <a:pPr eaLnBrk="1" hangingPunct="1"/>
-            <a:r>
-              <a:rPr lang="pt-BR" dirty="0" smtClean="0"/>
-              <a:t>Manipulador de exceção</a:t>
-            </a:r>
-          </a:p>
-        </p:txBody>
-      </p:sp>
-      <p:sp>
-        <p:nvSpPr>
-          <p:cNvPr id="13315" name="Espaço Reservado para Conteúdo 2"/>
+            <a:pPr rtl="0" eaLnBrk="1" fontAlgn="base" hangingPunct="1"/>
+            <a:r>
+              <a:rPr lang="pt-BR" sz="4600" kern="1200" dirty="0" smtClean="0">
+                <a:solidFill>
+                  <a:schemeClr val="tx1"/>
+                </a:solidFill>
+                <a:latin typeface="+mj-lt"/>
+                <a:ea typeface="+mj-ea"/>
+                <a:cs typeface="+mj-cs"/>
+              </a:rPr>
+              <a:t>Exceções transferidas</a:t>
+            </a:r>
+            <a:endParaRPr lang="pt-BR" dirty="0"/>
+          </a:p>
+        </p:txBody>
+      </p:sp>
+      <p:sp>
+        <p:nvSpPr>
+          <p:cNvPr id="6" name="Espaço Reservado para Conteúdo 5"/>
           <p:cNvSpPr>
             <a:spLocks noGrp="1"/>
           </p:cNvSpPr>
@@ -8455,7 +7010,36 @@
           <a:bodyPr/>
           <a:lstStyle/>
           <a:p>
-            <a:endParaRPr lang="pt-BR" smtClean="0"/>
+            <a:endParaRPr lang="pt-BR"/>
+          </a:p>
+        </p:txBody>
+      </p:sp>
+      <p:sp>
+        <p:nvSpPr>
+          <p:cNvPr id="5" name="Espaço Reservado para Número de Slide 4"/>
+          <p:cNvSpPr>
+            <a:spLocks noGrp="1"/>
+          </p:cNvSpPr>
+          <p:nvPr>
+            <p:ph type="sldNum" sz="quarter" idx="12"/>
+          </p:nvPr>
+        </p:nvSpPr>
+        <p:spPr/>
+        <p:txBody>
+          <a:bodyPr/>
+          <a:lstStyle/>
+          <a:p>
+            <a:pPr>
+              <a:defRPr/>
+            </a:pPr>
+            <a:fld id="{DAB16DC1-F000-4B90-9425-1E014EE80EC3}" type="slidenum">
+              <a:rPr lang="pt-BR" smtClean="0"/>
+              <a:pPr>
+                <a:defRPr/>
+              </a:pPr>
+              <a:t>8</a:t>
+            </a:fld>
+            <a:endParaRPr lang="pt-BR"/>
           </a:p>
         </p:txBody>
       </p:sp>
@@ -8486,7 +7070,7 @@
       </p:grpSpPr>
       <p:sp>
         <p:nvSpPr>
-          <p:cNvPr id="14338" name="Título 1"/>
+          <p:cNvPr id="2" name="Título 1"/>
           <p:cNvSpPr>
             <a:spLocks noGrp="1"/>
           </p:cNvSpPr>
@@ -8499,17 +7083,36 @@
           <a:bodyPr/>
           <a:lstStyle/>
           <a:p>
-            <a:pPr eaLnBrk="1" hangingPunct="1"/>
-            <a:r>
-              <a:rPr lang="pt-BR" dirty="0" smtClean="0"/>
-              <a:t>Interface pública</a:t>
-            </a:r>
-          </a:p>
-        </p:txBody>
-      </p:sp>
-      <p:sp>
-        <p:nvSpPr>
-          <p:cNvPr id="14339" name="Espaço Reservado para Conteúdo 2"/>
+            <a:pPr rtl="0" eaLnBrk="1" fontAlgn="base" hangingPunct="1"/>
+            <a:r>
+              <a:rPr lang="pt-BR" sz="4600" kern="1200" dirty="0" smtClean="0">
+                <a:solidFill>
+                  <a:schemeClr val="tx1"/>
+                </a:solidFill>
+                <a:latin typeface="+mj-lt"/>
+                <a:ea typeface="+mj-ea"/>
+                <a:cs typeface="+mj-cs"/>
+              </a:rPr>
+              <a:t>Cláusula </a:t>
+            </a:r>
+            <a:r>
+              <a:rPr lang="pt-BR" sz="4600" kern="1200" dirty="0" err="1" smtClean="0">
+                <a:solidFill>
+                  <a:schemeClr val="tx1"/>
+                </a:solidFill>
+                <a:latin typeface="+mj-lt"/>
+                <a:ea typeface="+mj-ea"/>
+                <a:cs typeface="+mj-cs"/>
+              </a:rPr>
+              <a:t>throws</a:t>
+            </a:r>
+            <a:endParaRPr lang="pt-BR" dirty="0"/>
+          </a:p>
+        </p:txBody>
+      </p:sp>
+      <p:sp>
+        <p:nvSpPr>
+          <p:cNvPr id="6" name="Espaço Reservado para Conteúdo 5"/>
           <p:cNvSpPr>
             <a:spLocks noGrp="1"/>
           </p:cNvSpPr>
@@ -8522,7 +7125,36 @@
           <a:bodyPr/>
           <a:lstStyle/>
           <a:p>
-            <a:endParaRPr lang="pt-BR" smtClean="0"/>
+            <a:endParaRPr lang="pt-BR"/>
+          </a:p>
+        </p:txBody>
+      </p:sp>
+      <p:sp>
+        <p:nvSpPr>
+          <p:cNvPr id="5" name="Espaço Reservado para Número de Slide 4"/>
+          <p:cNvSpPr>
+            <a:spLocks noGrp="1"/>
+          </p:cNvSpPr>
+          <p:nvPr>
+            <p:ph type="sldNum" sz="quarter" idx="12"/>
+          </p:nvPr>
+        </p:nvSpPr>
+        <p:spPr/>
+        <p:txBody>
+          <a:bodyPr/>
+          <a:lstStyle/>
+          <a:p>
+            <a:pPr>
+              <a:defRPr/>
+            </a:pPr>
+            <a:fld id="{DAB16DC1-F000-4B90-9425-1E014EE80EC3}" type="slidenum">
+              <a:rPr lang="pt-BR" smtClean="0"/>
+              <a:pPr>
+                <a:defRPr/>
+              </a:pPr>
+              <a:t>9</a:t>
+            </a:fld>
+            <a:endParaRPr lang="pt-BR"/>
           </a:p>
         </p:txBody>
       </p:sp>

--- a/2-Java-Programmer-Modulo-II/12.Capitulo06.pptx
+++ b/2-Java-Programmer-Modulo-II/12.Capitulo06.pptx
@@ -5,21 +5,22 @@
     <p:sldMasterId id="2147483660" r:id="rId1"/>
   </p:sldMasterIdLst>
   <p:notesMasterIdLst>
-    <p:notesMasterId r:id="rId14"/>
+    <p:notesMasterId r:id="rId15"/>
   </p:notesMasterIdLst>
   <p:sldIdLst>
     <p:sldId id="256" r:id="rId2"/>
     <p:sldId id="318" r:id="rId3"/>
     <p:sldId id="319" r:id="rId4"/>
     <p:sldId id="320" r:id="rId5"/>
-    <p:sldId id="321" r:id="rId6"/>
-    <p:sldId id="322" r:id="rId7"/>
-    <p:sldId id="323" r:id="rId8"/>
-    <p:sldId id="324" r:id="rId9"/>
-    <p:sldId id="325" r:id="rId10"/>
-    <p:sldId id="326" r:id="rId11"/>
-    <p:sldId id="327" r:id="rId12"/>
-    <p:sldId id="328" r:id="rId13"/>
+    <p:sldId id="329" r:id="rId6"/>
+    <p:sldId id="330" r:id="rId7"/>
+    <p:sldId id="322" r:id="rId8"/>
+    <p:sldId id="323" r:id="rId9"/>
+    <p:sldId id="324" r:id="rId10"/>
+    <p:sldId id="325" r:id="rId11"/>
+    <p:sldId id="326" r:id="rId12"/>
+    <p:sldId id="327" r:id="rId13"/>
+    <p:sldId id="328" r:id="rId14"/>
   </p:sldIdLst>
   <p:sldSz cx="9144000" cy="6858000" type="screen4x3"/>
   <p:notesSz cx="6858000" cy="9144000"/>
@@ -260,7 +261,7 @@
               <a:pPr>
                 <a:defRPr/>
               </a:pPr>
-              <a:t>04/04/2012</a:t>
+              <a:t>05/04/2012</a:t>
             </a:fld>
             <a:endParaRPr lang="pt-BR"/>
           </a:p>
@@ -971,6 +972,93 @@
 </p:notes>
 </file>
 
+<file path=ppt/notesSlides/notesSlide13.xml><?xml version="1.0" encoding="utf-8"?>
+<p:notes xmlns:a="http://schemas.openxmlformats.org/drawingml/2006/main" xmlns:r="http://schemas.openxmlformats.org/officeDocument/2006/relationships" xmlns:p="http://schemas.openxmlformats.org/presentationml/2006/main">
+  <p:cSld>
+    <p:spTree>
+      <p:nvGrpSpPr>
+        <p:cNvPr id="1" name=""/>
+        <p:cNvGrpSpPr/>
+        <p:nvPr/>
+      </p:nvGrpSpPr>
+      <p:grpSpPr>
+        <a:xfrm>
+          <a:off x="0" y="0"/>
+          <a:ext cx="0" cy="0"/>
+          <a:chOff x="0" y="0"/>
+          <a:chExt cx="0" cy="0"/>
+        </a:xfrm>
+      </p:grpSpPr>
+      <p:sp>
+        <p:nvSpPr>
+          <p:cNvPr id="2" name="Espaço Reservado para Imagem de Slide 1"/>
+          <p:cNvSpPr>
+            <a:spLocks noGrp="1" noRot="1" noChangeAspect="1"/>
+          </p:cNvSpPr>
+          <p:nvPr>
+            <p:ph type="sldImg"/>
+          </p:nvPr>
+        </p:nvSpPr>
+        <p:spPr/>
+      </p:sp>
+      <p:sp>
+        <p:nvSpPr>
+          <p:cNvPr id="3" name="Espaço Reservado para Anotações 2"/>
+          <p:cNvSpPr>
+            <a:spLocks noGrp="1"/>
+          </p:cNvSpPr>
+          <p:nvPr>
+            <p:ph type="body" idx="1"/>
+          </p:nvPr>
+        </p:nvSpPr>
+        <p:spPr/>
+        <p:txBody>
+          <a:bodyPr>
+            <a:normAutofit/>
+          </a:bodyPr>
+          <a:lstStyle/>
+          <a:p>
+            <a:endParaRPr lang="pt-BR"/>
+          </a:p>
+        </p:txBody>
+      </p:sp>
+      <p:sp>
+        <p:nvSpPr>
+          <p:cNvPr id="4" name="Espaço Reservado para Número de Slide 3"/>
+          <p:cNvSpPr>
+            <a:spLocks noGrp="1"/>
+          </p:cNvSpPr>
+          <p:nvPr>
+            <p:ph type="sldNum" sz="quarter" idx="10"/>
+          </p:nvPr>
+        </p:nvSpPr>
+        <p:spPr/>
+        <p:txBody>
+          <a:bodyPr/>
+          <a:lstStyle/>
+          <a:p>
+            <a:pPr>
+              <a:defRPr/>
+            </a:pPr>
+            <a:fld id="{A1564085-A201-4A92-B865-4522CAEE4E86}" type="slidenum">
+              <a:rPr lang="pt-BR" smtClean="0"/>
+              <a:pPr>
+                <a:defRPr/>
+              </a:pPr>
+              <a:t>13</a:t>
+            </a:fld>
+            <a:endParaRPr lang="pt-BR"/>
+          </a:p>
+        </p:txBody>
+      </p:sp>
+    </p:spTree>
+  </p:cSld>
+  <p:clrMapOvr>
+    <a:masterClrMapping/>
+  </p:clrMapOvr>
+</p:notes>
+</file>
+
 <file path=ppt/notesSlides/notesSlide2.xml><?xml version="1.0" encoding="utf-8"?>
 <p:notes xmlns:a="http://schemas.openxmlformats.org/drawingml/2006/main" xmlns:r="http://schemas.openxmlformats.org/officeDocument/2006/relationships" xmlns:p="http://schemas.openxmlformats.org/presentationml/2006/main">
   <p:cSld>
@@ -1384,14 +1472,9 @@
           <a:bodyPr/>
           <a:lstStyle/>
           <a:p>
-            <a:pPr>
-              <a:defRPr/>
-            </a:pPr>
-            <a:fld id="{A1564085-A201-4A92-B865-4522CAEE4E86}" type="slidenum">
+            <a:fld id="{47CE234B-CAFC-4F2B-98A6-DCA9BBF6B41C}" type="slidenum">
               <a:rPr lang="pt-BR" smtClean="0"/>
-              <a:pPr>
-                <a:defRPr/>
-              </a:pPr>
+              <a:pPr/>
               <a:t>6</a:t>
             </a:fld>
             <a:endParaRPr lang="pt-BR"/>
@@ -2082,7 +2165,10 @@
             </a:pPr>
             <a:fld id="{EEA26EEE-DF2A-48EA-A73A-AB2D54A1DB2A}" type="datetime1">
               <a:rPr lang="pt-BR" smtClean="0"/>
-              <a:t>04/04/2012</a:t>
+              <a:pPr>
+                <a:defRPr/>
+              </a:pPr>
+              <a:t>05/04/2012</a:t>
             </a:fld>
             <a:endParaRPr lang="pt-BR"/>
           </a:p>
@@ -2271,7 +2357,10 @@
             </a:pPr>
             <a:fld id="{413AD136-109B-416C-AB31-135BF8710F08}" type="datetime1">
               <a:rPr lang="pt-BR" smtClean="0"/>
-              <a:t>04/04/2012</a:t>
+              <a:pPr>
+                <a:defRPr/>
+              </a:pPr>
+              <a:t>05/04/2012</a:t>
             </a:fld>
             <a:endParaRPr lang="pt-BR"/>
           </a:p>
@@ -2470,7 +2559,10 @@
             </a:pPr>
             <a:fld id="{EF6378E6-001B-4A8D-BA6B-320E1CDD92DF}" type="datetime1">
               <a:rPr lang="pt-BR" smtClean="0"/>
-              <a:t>04/04/2012</a:t>
+              <a:pPr>
+                <a:defRPr/>
+              </a:pPr>
+              <a:t>05/04/2012</a:t>
             </a:fld>
             <a:endParaRPr lang="pt-BR"/>
           </a:p>
@@ -2663,7 +2755,10 @@
             </a:pPr>
             <a:fld id="{4923B301-4D33-472B-9EA1-FE4739FFB887}" type="datetime1">
               <a:rPr lang="pt-BR" smtClean="0"/>
-              <a:t>04/04/2012</a:t>
+              <a:pPr>
+                <a:defRPr/>
+              </a:pPr>
+              <a:t>05/04/2012</a:t>
             </a:fld>
             <a:endParaRPr lang="pt-BR"/>
           </a:p>
@@ -3166,7 +3261,10 @@
             </a:pPr>
             <a:fld id="{C2782E46-77E0-4AB1-A75D-9CBA80F15487}" type="datetime1">
               <a:rPr lang="pt-BR" smtClean="0"/>
-              <a:t>04/04/2012</a:t>
+              <a:pPr>
+                <a:defRPr/>
+              </a:pPr>
+              <a:t>05/04/2012</a:t>
             </a:fld>
             <a:endParaRPr lang="pt-BR"/>
           </a:p>
@@ -3454,7 +3552,10 @@
             </a:pPr>
             <a:fld id="{359D2ED1-D587-44B6-A55F-C7E9981403E2}" type="datetime1">
               <a:rPr lang="pt-BR" smtClean="0"/>
-              <a:t>04/04/2012</a:t>
+              <a:pPr>
+                <a:defRPr/>
+              </a:pPr>
+              <a:t>05/04/2012</a:t>
             </a:fld>
             <a:endParaRPr lang="pt-BR"/>
           </a:p>
@@ -3852,7 +3953,10 @@
             </a:pPr>
             <a:fld id="{A2418DAE-4C14-46BA-B6A9-566ED2C85393}" type="datetime1">
               <a:rPr lang="pt-BR" smtClean="0"/>
-              <a:t>04/04/2012</a:t>
+              <a:pPr>
+                <a:defRPr/>
+              </a:pPr>
+              <a:t>05/04/2012</a:t>
             </a:fld>
             <a:endParaRPr lang="pt-BR"/>
           </a:p>
@@ -3998,7 +4102,10 @@
             </a:pPr>
             <a:fld id="{BFA1B665-AFC7-49F0-8309-B0D524735A69}" type="datetime1">
               <a:rPr lang="pt-BR" smtClean="0"/>
-              <a:t>04/04/2012</a:t>
+              <a:pPr>
+                <a:defRPr/>
+              </a:pPr>
+              <a:t>05/04/2012</a:t>
             </a:fld>
             <a:endParaRPr lang="pt-BR"/>
           </a:p>
@@ -4112,7 +4219,10 @@
             </a:pPr>
             <a:fld id="{224F40D6-50D9-41CF-A7D0-FF437F5524B1}" type="datetime1">
               <a:rPr lang="pt-BR" smtClean="0"/>
-              <a:t>04/04/2012</a:t>
+              <a:pPr>
+                <a:defRPr/>
+              </a:pPr>
+              <a:t>05/04/2012</a:t>
             </a:fld>
             <a:endParaRPr lang="pt-BR"/>
           </a:p>
@@ -4385,7 +4495,10 @@
             </a:pPr>
             <a:fld id="{4BD6C902-3F3E-4D4C-ABB1-256ED3FA33D5}" type="datetime1">
               <a:rPr lang="pt-BR" smtClean="0"/>
-              <a:t>04/04/2012</a:t>
+              <a:pPr>
+                <a:defRPr/>
+              </a:pPr>
+              <a:t>05/04/2012</a:t>
             </a:fld>
             <a:endParaRPr lang="pt-BR"/>
           </a:p>
@@ -4666,7 +4779,10 @@
             </a:pPr>
             <a:fld id="{57C2A98F-05F6-48F8-A21F-3ECAEA3B5D43}" type="datetime1">
               <a:rPr lang="pt-BR" smtClean="0"/>
-              <a:t>04/04/2012</a:t>
+              <a:pPr>
+                <a:defRPr/>
+              </a:pPr>
+              <a:t>05/04/2012</a:t>
             </a:fld>
             <a:endParaRPr lang="pt-BR"/>
           </a:p>
@@ -5141,7 +5257,10 @@
             </a:pPr>
             <a:fld id="{F2EC0DF7-6950-4DFB-9681-08CDE4FE5FFA}" type="datetime1">
               <a:rPr lang="pt-BR" smtClean="0"/>
-              <a:t>04/04/2012</a:t>
+              <a:pPr>
+                <a:defRPr/>
+              </a:pPr>
+              <a:t>05/04/2012</a:t>
             </a:fld>
             <a:endParaRPr lang="pt-BR"/>
           </a:p>
@@ -5823,7 +5942,7 @@
                 <a:ea typeface="+mj-ea"/>
                 <a:cs typeface="+mj-cs"/>
               </a:rPr>
-              <a:t>finally</a:t>
+              <a:t>throws</a:t>
             </a:r>
             <a:endParaRPr lang="pt-BR" dirty="0"/>
           </a:p>
@@ -5938,7 +6057,7 @@
                 <a:ea typeface="+mj-ea"/>
                 <a:cs typeface="+mj-cs"/>
               </a:rPr>
-              <a:t>throw</a:t>
+              <a:t>finally</a:t>
             </a:r>
             <a:endParaRPr lang="pt-BR" dirty="0"/>
           </a:p>
@@ -6042,8 +6161,20 @@
                 <a:ea typeface="+mj-ea"/>
                 <a:cs typeface="+mj-cs"/>
               </a:rPr>
-              <a:t>Exceções personalizadas</a:t>
-            </a:r>
+              <a:t>Cláusula </a:t>
+            </a:r>
+            <a:r>
+              <a:rPr lang="pt-BR" sz="4600" kern="1200" dirty="0" err="1" smtClean="0">
+                <a:solidFill>
+                  <a:schemeClr val="tx1"/>
+                </a:solidFill>
+                <a:latin typeface="+mj-lt"/>
+                <a:ea typeface="+mj-ea"/>
+                <a:cs typeface="+mj-cs"/>
+              </a:rPr>
+              <a:t>throw</a:t>
+            </a:r>
+            <a:endParaRPr lang="pt-BR" dirty="0"/>
           </a:p>
         </p:txBody>
       </p:sp>
@@ -6090,6 +6221,109 @@
                 <a:defRPr/>
               </a:pPr>
               <a:t>12</a:t>
+            </a:fld>
+            <a:endParaRPr lang="pt-BR"/>
+          </a:p>
+        </p:txBody>
+      </p:sp>
+    </p:spTree>
+  </p:cSld>
+  <p:clrMapOvr>
+    <a:masterClrMapping/>
+  </p:clrMapOvr>
+</p:sld>
+</file>
+
+<file path=ppt/slides/slide13.xml><?xml version="1.0" encoding="utf-8"?>
+<p:sld xmlns:a="http://schemas.openxmlformats.org/drawingml/2006/main" xmlns:r="http://schemas.openxmlformats.org/officeDocument/2006/relationships" xmlns:p="http://schemas.openxmlformats.org/presentationml/2006/main">
+  <p:cSld>
+    <p:spTree>
+      <p:nvGrpSpPr>
+        <p:cNvPr id="1" name=""/>
+        <p:cNvGrpSpPr/>
+        <p:nvPr/>
+      </p:nvGrpSpPr>
+      <p:grpSpPr>
+        <a:xfrm>
+          <a:off x="0" y="0"/>
+          <a:ext cx="0" cy="0"/>
+          <a:chOff x="0" y="0"/>
+          <a:chExt cx="0" cy="0"/>
+        </a:xfrm>
+      </p:grpSpPr>
+      <p:sp>
+        <p:nvSpPr>
+          <p:cNvPr id="2" name="Título 1"/>
+          <p:cNvSpPr>
+            <a:spLocks noGrp="1"/>
+          </p:cNvSpPr>
+          <p:nvPr>
+            <p:ph type="title"/>
+          </p:nvPr>
+        </p:nvSpPr>
+        <p:spPr/>
+        <p:txBody>
+          <a:bodyPr/>
+          <a:lstStyle/>
+          <a:p>
+            <a:pPr rtl="0" eaLnBrk="1" fontAlgn="base" hangingPunct="1"/>
+            <a:r>
+              <a:rPr lang="pt-BR" sz="4600" kern="1200" dirty="0" smtClean="0">
+                <a:solidFill>
+                  <a:schemeClr val="tx1"/>
+                </a:solidFill>
+                <a:latin typeface="+mj-lt"/>
+                <a:ea typeface="+mj-ea"/>
+                <a:cs typeface="+mj-cs"/>
+              </a:rPr>
+              <a:t>Exceções personalizadas</a:t>
+            </a:r>
+          </a:p>
+        </p:txBody>
+      </p:sp>
+      <p:sp>
+        <p:nvSpPr>
+          <p:cNvPr id="6" name="Espaço Reservado para Conteúdo 5"/>
+          <p:cNvSpPr>
+            <a:spLocks noGrp="1"/>
+          </p:cNvSpPr>
+          <p:nvPr>
+            <p:ph idx="1"/>
+          </p:nvPr>
+        </p:nvSpPr>
+        <p:spPr/>
+        <p:txBody>
+          <a:bodyPr/>
+          <a:lstStyle/>
+          <a:p>
+            <a:endParaRPr lang="pt-BR"/>
+          </a:p>
+        </p:txBody>
+      </p:sp>
+      <p:sp>
+        <p:nvSpPr>
+          <p:cNvPr id="5" name="Espaço Reservado para Número de Slide 4"/>
+          <p:cNvSpPr>
+            <a:spLocks noGrp="1"/>
+          </p:cNvSpPr>
+          <p:nvPr>
+            <p:ph type="sldNum" sz="quarter" idx="12"/>
+          </p:nvPr>
+        </p:nvSpPr>
+        <p:spPr/>
+        <p:txBody>
+          <a:bodyPr/>
+          <a:lstStyle/>
+          <a:p>
+            <a:pPr>
+              <a:defRPr/>
+            </a:pPr>
+            <a:fld id="{DAB16DC1-F000-4B90-9425-1E014EE80EC3}" type="slidenum">
+              <a:rPr lang="pt-BR" smtClean="0"/>
+              <a:pPr>
+                <a:defRPr/>
+              </a:pPr>
+              <a:t>13</a:t>
             </a:fld>
             <a:endParaRPr lang="pt-BR"/>
           </a:p>
@@ -6163,7 +6397,6 @@
               <a:rPr lang="pt-BR" sz="2800" dirty="0" smtClean="0"/>
               <a:t>Exceptions</a:t>
             </a:r>
-            <a:endParaRPr lang="pt-BR" sz="2800" dirty="0" smtClean="0"/>
           </a:p>
           <a:p>
             <a:pPr eaLnBrk="1" hangingPunct="1"/>
@@ -6184,11 +6417,7 @@
             <a:pPr eaLnBrk="1" hangingPunct="1"/>
             <a:r>
               <a:rPr lang="pt-BR" sz="2800" dirty="0" smtClean="0"/>
-              <a:t>Hierarquia de </a:t>
-            </a:r>
-            <a:r>
-              <a:rPr lang="pt-BR" sz="2800" dirty="0" smtClean="0"/>
-              <a:t>Exceptions</a:t>
+              <a:t>Hierarquia de Exceptions</a:t>
             </a:r>
           </a:p>
           <a:p>
@@ -6204,7 +6433,6 @@
               <a:rPr lang="pt-BR" sz="2800" dirty="0" smtClean="0"/>
               <a:t>Principais métodos de exceções</a:t>
             </a:r>
-            <a:endParaRPr lang="pt-BR" sz="2800" dirty="0" smtClean="0"/>
           </a:p>
         </p:txBody>
       </p:sp>
@@ -6292,7 +6520,6 @@
               <a:rPr lang="pt-BR" sz="2800" dirty="0" smtClean="0"/>
               <a:t>Exceções personalizadas</a:t>
             </a:r>
-            <a:endParaRPr lang="pt-BR" sz="2800" dirty="0" smtClean="0"/>
           </a:p>
         </p:txBody>
       </p:sp>
@@ -6540,56 +6767,118 @@
             <p:ph idx="1"/>
           </p:nvPr>
         </p:nvSpPr>
-        <p:spPr/>
+        <p:spPr>
+          <a:xfrm>
+            <a:off x="713656" y="1600200"/>
+            <a:ext cx="6954688" cy="4525963"/>
+          </a:xfrm>
+        </p:spPr>
         <p:txBody>
           <a:bodyPr/>
           <a:lstStyle/>
           <a:p>
-            <a:r>
-              <a:rPr lang="pt-BR" dirty="0" err="1" smtClean="0"/>
+            <a:pPr marL="0" indent="0">
+              <a:buNone/>
+            </a:pPr>
+            <a:r>
+              <a:rPr lang="pt-BR" dirty="0" err="1" smtClean="0">
+                <a:solidFill>
+                  <a:srgbClr val="FFC000"/>
+                </a:solidFill>
+              </a:rPr>
               <a:t>try</a:t>
             </a:r>
             <a:r>
-              <a:rPr lang="pt-BR" dirty="0" smtClean="0"/>
+              <a:rPr lang="pt-BR" dirty="0" smtClean="0">
+                <a:solidFill>
+                  <a:srgbClr val="FFC000"/>
+                </a:solidFill>
+              </a:rPr>
               <a:t> {</a:t>
             </a:r>
           </a:p>
           <a:p>
-            <a:r>
-              <a:rPr lang="pt-BR" dirty="0" smtClean="0"/>
+            <a:pPr marL="0" indent="0">
+              <a:buNone/>
+            </a:pPr>
+            <a:r>
+              <a:rPr lang="pt-BR" dirty="0" smtClean="0">
+                <a:solidFill>
+                  <a:schemeClr val="accent6"/>
+                </a:solidFill>
+              </a:rPr>
               <a:t>	// Instruções sujeitas</a:t>
             </a:r>
           </a:p>
           <a:p>
-            <a:r>
-              <a:rPr lang="pt-BR" dirty="0" smtClean="0"/>
+            <a:pPr marL="0" indent="0">
+              <a:buNone/>
+            </a:pPr>
+            <a:r>
+              <a:rPr lang="pt-BR" dirty="0" smtClean="0">
+                <a:solidFill>
+                  <a:schemeClr val="accent6"/>
+                </a:solidFill>
+              </a:rPr>
               <a:t>	// a falhas</a:t>
             </a:r>
           </a:p>
           <a:p>
-            <a:r>
-              <a:rPr lang="pt-BR" dirty="0" smtClean="0"/>
+            <a:pPr marL="0" indent="0">
+              <a:buNone/>
+            </a:pPr>
+            <a:r>
+              <a:rPr lang="pt-BR" dirty="0" smtClean="0">
+                <a:solidFill>
+                  <a:srgbClr val="FFC000"/>
+                </a:solidFill>
+              </a:rPr>
               <a:t>} catch (Exception e) {</a:t>
             </a:r>
           </a:p>
           <a:p>
-            <a:r>
-              <a:rPr lang="pt-BR" dirty="0" smtClean="0"/>
+            <a:pPr marL="0" indent="0">
+              <a:buNone/>
+            </a:pPr>
+            <a:r>
+              <a:rPr lang="pt-BR" dirty="0" smtClean="0">
+                <a:solidFill>
+                  <a:schemeClr val="accent6"/>
+                </a:solidFill>
+              </a:rPr>
               <a:t>	// Instruções a serem executadas</a:t>
             </a:r>
           </a:p>
           <a:p>
-            <a:r>
-              <a:rPr lang="pt-BR" dirty="0" smtClean="0"/>
+            <a:pPr marL="0" indent="0">
+              <a:buNone/>
+            </a:pPr>
+            <a:r>
+              <a:rPr lang="pt-BR" dirty="0" smtClean="0">
+                <a:solidFill>
+                  <a:schemeClr val="accent6"/>
+                </a:solidFill>
+              </a:rPr>
               <a:t>	// em caso de falha</a:t>
             </a:r>
           </a:p>
           <a:p>
-            <a:r>
-              <a:rPr lang="pt-BR" smtClean="0"/>
+            <a:pPr marL="0" indent="0">
+              <a:buNone/>
+            </a:pPr>
+            <a:r>
+              <a:rPr lang="pt-BR" dirty="0" smtClean="0">
+                <a:solidFill>
+                  <a:srgbClr val="FFC000"/>
+                </a:solidFill>
+              </a:rPr>
               <a:t>}</a:t>
             </a:r>
-            <a:endParaRPr lang="pt-BR"/>
+            <a:endParaRPr lang="pt-BR" dirty="0">
+              <a:solidFill>
+                <a:srgbClr val="FFC000"/>
+              </a:solidFill>
+            </a:endParaRPr>
           </a:p>
         </p:txBody>
       </p:sp>
@@ -6627,6 +6916,13 @@
   <p:clrMapOvr>
     <a:masterClrMapping/>
   </p:clrMapOvr>
+  <p:timing>
+    <p:tnLst>
+      <p:par>
+        <p:cTn id="1" dur="indefinite" restart="never" nodeType="tmRoot"/>
+      </p:par>
+    </p:tnLst>
+  </p:timing>
 </p:sld>
 </file>
 
@@ -6664,6 +6960,17 @@
           <a:p>
             <a:pPr rtl="0" eaLnBrk="1" fontAlgn="base" hangingPunct="1"/>
             <a:r>
+              <a:rPr lang="pt-BR" sz="4600" kern="1200" dirty="0" err="1" smtClean="0">
+                <a:solidFill>
+                  <a:schemeClr val="tx1"/>
+                </a:solidFill>
+                <a:latin typeface="+mj-lt"/>
+                <a:ea typeface="+mj-ea"/>
+                <a:cs typeface="+mj-cs"/>
+              </a:rPr>
+              <a:t>try</a:t>
+            </a:r>
+            <a:r>
               <a:rPr lang="pt-BR" sz="4600" kern="1200" dirty="0" smtClean="0">
                 <a:solidFill>
                   <a:schemeClr val="tx1"/>
@@ -6672,7 +6979,22 @@
                 <a:ea typeface="+mj-ea"/>
                 <a:cs typeface="+mj-cs"/>
               </a:rPr>
-              <a:t>Hierarquia de Exceptions</a:t>
+              <a:t> / </a:t>
+            </a:r>
+            <a:r>
+              <a:rPr lang="pt-BR" sz="4600" kern="1200" dirty="0" smtClean="0">
+                <a:solidFill>
+                  <a:schemeClr val="tx1"/>
+                </a:solidFill>
+                <a:latin typeface="+mj-lt"/>
+                <a:ea typeface="+mj-ea"/>
+                <a:cs typeface="+mj-cs"/>
+              </a:rPr>
+              <a:t>catch – Exemp</a:t>
+            </a:r>
+            <a:r>
+              <a:rPr lang="pt-BR" dirty="0" smtClean="0"/>
+              <a:t>lo</a:t>
             </a:r>
             <a:endParaRPr lang="pt-BR" dirty="0"/>
           </a:p>
@@ -6688,12 +7010,186 @@
             <p:ph idx="1"/>
           </p:nvPr>
         </p:nvSpPr>
-        <p:spPr/>
+        <p:spPr>
+          <a:xfrm>
+            <a:off x="713656" y="1600200"/>
+            <a:ext cx="7458744" cy="4525963"/>
+          </a:xfrm>
+        </p:spPr>
         <p:txBody>
           <a:bodyPr/>
           <a:lstStyle/>
           <a:p>
-            <a:endParaRPr lang="pt-BR"/>
+            <a:pPr marL="0" indent="0">
+              <a:buNone/>
+            </a:pPr>
+            <a:r>
+              <a:rPr lang="pt-BR" dirty="0" err="1" smtClean="0">
+                <a:solidFill>
+                  <a:srgbClr val="FFC000"/>
+                </a:solidFill>
+              </a:rPr>
+              <a:t>try</a:t>
+            </a:r>
+            <a:r>
+              <a:rPr lang="pt-BR" dirty="0" smtClean="0">
+                <a:solidFill>
+                  <a:srgbClr val="FFC000"/>
+                </a:solidFill>
+              </a:rPr>
+              <a:t> {</a:t>
+            </a:r>
+          </a:p>
+          <a:p>
+            <a:pPr marL="0" indent="0">
+              <a:buNone/>
+            </a:pPr>
+            <a:r>
+              <a:rPr lang="pt-BR" dirty="0" smtClean="0"/>
+              <a:t>	</a:t>
+            </a:r>
+            <a:r>
+              <a:rPr lang="pt-BR" dirty="0" err="1" smtClean="0"/>
+              <a:t>Conexao</a:t>
+            </a:r>
+            <a:r>
+              <a:rPr lang="pt-BR" dirty="0" smtClean="0"/>
+              <a:t> </a:t>
+            </a:r>
+            <a:r>
+              <a:rPr lang="pt-BR" dirty="0" err="1" smtClean="0"/>
+              <a:t>cn</a:t>
+            </a:r>
+            <a:r>
+              <a:rPr lang="pt-BR" dirty="0" smtClean="0"/>
+              <a:t> = </a:t>
+            </a:r>
+            <a:r>
+              <a:rPr lang="pt-BR" dirty="0" err="1" smtClean="0"/>
+              <a:t>abrirConexao</a:t>
+            </a:r>
+            <a:r>
+              <a:rPr lang="pt-BR" dirty="0" smtClean="0"/>
+              <a:t>();</a:t>
+            </a:r>
+            <a:endParaRPr lang="pt-BR" dirty="0" smtClean="0"/>
+          </a:p>
+          <a:p>
+            <a:pPr marL="0" indent="0">
+              <a:buNone/>
+            </a:pPr>
+            <a:r>
+              <a:rPr lang="pt-BR" dirty="0" smtClean="0"/>
+              <a:t>	</a:t>
+            </a:r>
+            <a:r>
+              <a:rPr lang="pt-BR" dirty="0" err="1" smtClean="0"/>
+              <a:t>cn</a:t>
+            </a:r>
+            <a:r>
+              <a:rPr lang="pt-BR" dirty="0" smtClean="0"/>
+              <a:t>.</a:t>
+            </a:r>
+            <a:r>
+              <a:rPr lang="pt-BR" dirty="0" err="1" smtClean="0"/>
+              <a:t>gravarRegistro</a:t>
+            </a:r>
+            <a:r>
+              <a:rPr lang="pt-BR" dirty="0" smtClean="0"/>
+              <a:t>(aluno1);</a:t>
+            </a:r>
+            <a:endParaRPr lang="pt-BR" dirty="0" smtClean="0"/>
+          </a:p>
+          <a:p>
+            <a:pPr marL="0" indent="0">
+              <a:buNone/>
+            </a:pPr>
+            <a:r>
+              <a:rPr lang="pt-BR" dirty="0" smtClean="0">
+                <a:solidFill>
+                  <a:srgbClr val="FFC000"/>
+                </a:solidFill>
+              </a:rPr>
+              <a:t>} catch (Exception e) {</a:t>
+            </a:r>
+          </a:p>
+          <a:p>
+            <a:pPr marL="0" indent="0">
+              <a:buNone/>
+            </a:pPr>
+            <a:r>
+              <a:rPr lang="pt-BR" dirty="0" smtClean="0"/>
+              <a:t>	</a:t>
+            </a:r>
+            <a:r>
+              <a:rPr lang="pt-BR" dirty="0" smtClean="0"/>
+              <a:t>System.</a:t>
+            </a:r>
+            <a:r>
+              <a:rPr lang="pt-BR" dirty="0" err="1" smtClean="0"/>
+              <a:t>out.println</a:t>
+            </a:r>
+            <a:r>
+              <a:rPr lang="pt-BR" dirty="0" smtClean="0"/>
+              <a:t>(“Erro ao gravar”);</a:t>
+            </a:r>
+            <a:endParaRPr lang="pt-BR" dirty="0" smtClean="0"/>
+          </a:p>
+          <a:p>
+            <a:pPr marL="0" indent="0">
+              <a:buNone/>
+            </a:pPr>
+            <a:r>
+              <a:rPr lang="pt-BR" dirty="0" smtClean="0"/>
+              <a:t>	</a:t>
+            </a:r>
+            <a:r>
+              <a:rPr lang="pt-BR" dirty="0" smtClean="0"/>
+              <a:t>System.</a:t>
+            </a:r>
+            <a:r>
+              <a:rPr lang="pt-BR" dirty="0" err="1" smtClean="0"/>
+              <a:t>out.println</a:t>
+            </a:r>
+            <a:r>
+              <a:rPr lang="pt-BR" dirty="0" smtClean="0"/>
+              <a:t>(</a:t>
+            </a:r>
+            <a:r>
+              <a:rPr lang="pt-BR" dirty="0" err="1" smtClean="0">
+                <a:solidFill>
+                  <a:srgbClr val="FFC000"/>
+                </a:solidFill>
+              </a:rPr>
+              <a:t>e</a:t>
+            </a:r>
+            <a:r>
+              <a:rPr lang="pt-BR" dirty="0" err="1" smtClean="0"/>
+              <a:t>.getMessage</a:t>
+            </a:r>
+            <a:r>
+              <a:rPr lang="pt-BR" dirty="0" smtClean="0"/>
+              <a:t>());</a:t>
+            </a:r>
+            <a:endParaRPr lang="pt-BR" dirty="0" smtClean="0"/>
+          </a:p>
+          <a:p>
+            <a:pPr marL="0" indent="0">
+              <a:buNone/>
+            </a:pPr>
+            <a:r>
+              <a:rPr lang="pt-BR" dirty="0" smtClean="0">
+                <a:solidFill>
+                  <a:srgbClr val="FFC000"/>
+                </a:solidFill>
+              </a:rPr>
+              <a:t>}</a:t>
+            </a:r>
+            <a:endParaRPr lang="pt-BR" dirty="0">
+              <a:solidFill>
+                <a:srgbClr val="FFC000"/>
+              </a:solidFill>
+            </a:endParaRPr>
           </a:p>
         </p:txBody>
       </p:sp>
@@ -6731,6 +7227,13 @@
   <p:clrMapOvr>
     <a:masterClrMapping/>
   </p:clrMapOvr>
+  <p:timing>
+    <p:tnLst>
+      <p:par>
+        <p:cTn id="1" dur="indefinite" restart="never" nodeType="tmRoot"/>
+      </p:par>
+    </p:tnLst>
+  </p:timing>
 </p:sld>
 </file>
 
@@ -6753,9 +7256,9 @@
       </p:grpSpPr>
       <p:sp>
         <p:nvSpPr>
-          <p:cNvPr id="2" name="Título 1"/>
-          <p:cNvSpPr>
-            <a:spLocks noGrp="1"/>
+          <p:cNvPr id="510978" name="Rectangle 2"/>
+          <p:cNvSpPr>
+            <a:spLocks noGrp="1" noChangeArrowheads="1"/>
           </p:cNvSpPr>
           <p:nvPr>
             <p:ph type="title"/>
@@ -6766,33 +7269,1160 @@
           <a:bodyPr/>
           <a:lstStyle/>
           <a:p>
-            <a:pPr rtl="0" eaLnBrk="1" fontAlgn="base" hangingPunct="1"/>
-            <a:r>
-              <a:rPr lang="pt-BR" sz="4600" kern="1200" dirty="0" smtClean="0">
-                <a:solidFill>
-                  <a:schemeClr val="tx1"/>
-                </a:solidFill>
-                <a:latin typeface="+mj-lt"/>
-                <a:ea typeface="+mj-ea"/>
-                <a:cs typeface="+mj-cs"/>
-              </a:rPr>
-              <a:t>Principais exceções</a:t>
+            <a:r>
+              <a:rPr lang="pt-BR" dirty="0" smtClean="0"/>
+              <a:t>Hierarquia de Exceptions</a:t>
             </a:r>
             <a:endParaRPr lang="pt-BR" dirty="0"/>
           </a:p>
         </p:txBody>
       </p:sp>
-      <p:sp>
-        <p:nvSpPr>
-          <p:cNvPr id="6" name="Espaço Reservado para Conteúdo 5"/>
-          <p:cNvSpPr>
-            <a:spLocks noGrp="1"/>
-          </p:cNvSpPr>
-          <p:nvPr>
-            <p:ph idx="1"/>
-          </p:nvPr>
-        </p:nvSpPr>
-        <p:spPr/>
+      <p:graphicFrame>
+        <p:nvGraphicFramePr>
+          <p:cNvPr id="511009" name="Group 33"/>
+          <p:cNvGraphicFramePr>
+            <a:graphicFrameLocks noGrp="1"/>
+          </p:cNvGraphicFramePr>
+          <p:nvPr/>
+        </p:nvGraphicFramePr>
+        <p:xfrm>
+          <a:off x="3581400" y="1828800"/>
+          <a:ext cx="1905000" cy="398463"/>
+        </p:xfrm>
+        <a:graphic>
+          <a:graphicData uri="http://schemas.openxmlformats.org/drawingml/2006/table">
+            <a:tbl>
+              <a:tblPr/>
+              <a:tblGrid>
+                <a:gridCol w="1905000"/>
+              </a:tblGrid>
+              <a:tr h="398463">
+                <a:tc>
+                  <a:txBody>
+                    <a:bodyPr/>
+                    <a:lstStyle/>
+                    <a:p>
+                      <a:pPr marL="0" marR="0" lvl="0" indent="0" algn="ctr" defTabSz="914400" rtl="0" eaLnBrk="1" fontAlgn="base" latinLnBrk="0" hangingPunct="1">
+                        <a:lnSpc>
+                          <a:spcPct val="100000"/>
+                        </a:lnSpc>
+                        <a:spcBef>
+                          <a:spcPct val="60000"/>
+                        </a:spcBef>
+                        <a:spcAft>
+                          <a:spcPct val="0"/>
+                        </a:spcAft>
+                        <a:buClr>
+                          <a:schemeClr val="tx1"/>
+                        </a:buClr>
+                        <a:buSzTx/>
+                        <a:buFontTx/>
+                        <a:buNone/>
+                        <a:tabLst/>
+                      </a:pPr>
+                      <a:r>
+                        <a:rPr kumimoji="0" lang="pt-BR" sz="1600" b="0" i="0" u="none" strike="noStrike" cap="none" normalizeH="0" baseline="0" smtClean="0">
+                          <a:ln>
+                            <a:noFill/>
+                          </a:ln>
+                          <a:solidFill>
+                            <a:schemeClr val="tx1"/>
+                          </a:solidFill>
+                          <a:effectLst/>
+                          <a:latin typeface="Arial" charset="0"/>
+                        </a:rPr>
+                        <a:t>Throwable</a:t>
+                      </a:r>
+                    </a:p>
+                  </a:txBody>
+                  <a:tcPr horzOverflow="overflow">
+                    <a:lnL w="28575" cap="flat" cmpd="sng" algn="ctr">
+                      <a:solidFill>
+                        <a:schemeClr val="tx1"/>
+                      </a:solidFill>
+                      <a:prstDash val="solid"/>
+                      <a:round/>
+                      <a:headEnd type="none" w="med" len="med"/>
+                      <a:tailEnd type="none" w="med" len="med"/>
+                    </a:lnL>
+                    <a:lnR w="28575" cap="flat" cmpd="sng" algn="ctr">
+                      <a:solidFill>
+                        <a:schemeClr val="tx1"/>
+                      </a:solidFill>
+                      <a:prstDash val="solid"/>
+                      <a:round/>
+                      <a:headEnd type="none" w="med" len="med"/>
+                      <a:tailEnd type="none" w="med" len="med"/>
+                    </a:lnR>
+                    <a:lnT w="28575" cap="flat" cmpd="sng" algn="ctr">
+                      <a:solidFill>
+                        <a:schemeClr val="tx1"/>
+                      </a:solidFill>
+                      <a:prstDash val="solid"/>
+                      <a:round/>
+                      <a:headEnd type="none" w="med" len="med"/>
+                      <a:tailEnd type="none" w="med" len="med"/>
+                    </a:lnT>
+                    <a:lnB w="28575" cap="flat" cmpd="sng" algn="ctr">
+                      <a:solidFill>
+                        <a:schemeClr val="tx1"/>
+                      </a:solidFill>
+                      <a:prstDash val="solid"/>
+                      <a:round/>
+                      <a:headEnd type="none" w="med" len="med"/>
+                      <a:tailEnd type="none" w="med" len="med"/>
+                    </a:lnB>
+                    <a:lnTlToBr>
+                      <a:noFill/>
+                    </a:lnTlToBr>
+                    <a:lnBlToTr>
+                      <a:noFill/>
+                    </a:lnBlToTr>
+                    <a:noFill/>
+                  </a:tcPr>
+                </a:tc>
+              </a:tr>
+            </a:tbl>
+          </a:graphicData>
+        </a:graphic>
+      </p:graphicFrame>
+      <p:graphicFrame>
+        <p:nvGraphicFramePr>
+          <p:cNvPr id="511050" name="Group 74"/>
+          <p:cNvGraphicFramePr>
+            <a:graphicFrameLocks noGrp="1"/>
+          </p:cNvGraphicFramePr>
+          <p:nvPr/>
+        </p:nvGraphicFramePr>
+        <p:xfrm>
+          <a:off x="5029200" y="2619375"/>
+          <a:ext cx="1905000" cy="335280"/>
+        </p:xfrm>
+        <a:graphic>
+          <a:graphicData uri="http://schemas.openxmlformats.org/drawingml/2006/table">
+            <a:tbl>
+              <a:tblPr/>
+              <a:tblGrid>
+                <a:gridCol w="1905000"/>
+              </a:tblGrid>
+              <a:tr h="190500">
+                <a:tc>
+                  <a:txBody>
+                    <a:bodyPr/>
+                    <a:lstStyle/>
+                    <a:p>
+                      <a:pPr marL="0" marR="0" lvl="0" indent="0" algn="ctr" defTabSz="914400" rtl="0" eaLnBrk="1" fontAlgn="base" latinLnBrk="0" hangingPunct="1">
+                        <a:lnSpc>
+                          <a:spcPct val="100000"/>
+                        </a:lnSpc>
+                        <a:spcBef>
+                          <a:spcPct val="60000"/>
+                        </a:spcBef>
+                        <a:spcAft>
+                          <a:spcPct val="0"/>
+                        </a:spcAft>
+                        <a:buClr>
+                          <a:schemeClr val="tx1"/>
+                        </a:buClr>
+                        <a:buSzTx/>
+                        <a:buFontTx/>
+                        <a:buNone/>
+                        <a:tabLst/>
+                      </a:pPr>
+                      <a:r>
+                        <a:rPr kumimoji="0" lang="pt-BR" sz="1600" b="0" i="0" u="none" strike="noStrike" cap="none" normalizeH="0" baseline="0" smtClean="0">
+                          <a:ln>
+                            <a:noFill/>
+                          </a:ln>
+                          <a:solidFill>
+                            <a:schemeClr val="tx1"/>
+                          </a:solidFill>
+                          <a:effectLst/>
+                          <a:latin typeface="Arial" charset="0"/>
+                        </a:rPr>
+                        <a:t>Error</a:t>
+                      </a:r>
+                    </a:p>
+                  </a:txBody>
+                  <a:tcPr horzOverflow="overflow">
+                    <a:lnL w="28575" cap="flat" cmpd="sng" algn="ctr">
+                      <a:solidFill>
+                        <a:schemeClr val="tx1"/>
+                      </a:solidFill>
+                      <a:prstDash val="solid"/>
+                      <a:round/>
+                      <a:headEnd type="none" w="med" len="med"/>
+                      <a:tailEnd type="none" w="med" len="med"/>
+                    </a:lnL>
+                    <a:lnR w="28575" cap="flat" cmpd="sng" algn="ctr">
+                      <a:solidFill>
+                        <a:schemeClr val="tx1"/>
+                      </a:solidFill>
+                      <a:prstDash val="solid"/>
+                      <a:round/>
+                      <a:headEnd type="none" w="med" len="med"/>
+                      <a:tailEnd type="none" w="med" len="med"/>
+                    </a:lnR>
+                    <a:lnT w="28575" cap="flat" cmpd="sng" algn="ctr">
+                      <a:solidFill>
+                        <a:schemeClr val="tx1"/>
+                      </a:solidFill>
+                      <a:prstDash val="solid"/>
+                      <a:round/>
+                      <a:headEnd type="none" w="med" len="med"/>
+                      <a:tailEnd type="none" w="med" len="med"/>
+                    </a:lnT>
+                    <a:lnB w="28575" cap="flat" cmpd="sng" algn="ctr">
+                      <a:solidFill>
+                        <a:schemeClr val="tx1"/>
+                      </a:solidFill>
+                      <a:prstDash val="solid"/>
+                      <a:round/>
+                      <a:headEnd type="none" w="med" len="med"/>
+                      <a:tailEnd type="none" w="med" len="med"/>
+                    </a:lnB>
+                    <a:lnTlToBr>
+                      <a:noFill/>
+                    </a:lnTlToBr>
+                    <a:lnBlToTr>
+                      <a:noFill/>
+                    </a:lnBlToTr>
+                    <a:noFill/>
+                  </a:tcPr>
+                </a:tc>
+              </a:tr>
+            </a:tbl>
+          </a:graphicData>
+        </a:graphic>
+      </p:graphicFrame>
+      <p:graphicFrame>
+        <p:nvGraphicFramePr>
+          <p:cNvPr id="511049" name="Group 73"/>
+          <p:cNvGraphicFramePr>
+            <a:graphicFrameLocks noGrp="1"/>
+          </p:cNvGraphicFramePr>
+          <p:nvPr/>
+        </p:nvGraphicFramePr>
+        <p:xfrm>
+          <a:off x="2133600" y="2619375"/>
+          <a:ext cx="1905000" cy="335280"/>
+        </p:xfrm>
+        <a:graphic>
+          <a:graphicData uri="http://schemas.openxmlformats.org/drawingml/2006/table">
+            <a:tbl>
+              <a:tblPr/>
+              <a:tblGrid>
+                <a:gridCol w="1905000"/>
+              </a:tblGrid>
+              <a:tr h="190500">
+                <a:tc>
+                  <a:txBody>
+                    <a:bodyPr/>
+                    <a:lstStyle/>
+                    <a:p>
+                      <a:pPr marL="0" marR="0" lvl="0" indent="0" algn="ctr" defTabSz="914400" rtl="0" eaLnBrk="1" fontAlgn="base" latinLnBrk="0" hangingPunct="1">
+                        <a:lnSpc>
+                          <a:spcPct val="100000"/>
+                        </a:lnSpc>
+                        <a:spcBef>
+                          <a:spcPct val="60000"/>
+                        </a:spcBef>
+                        <a:spcAft>
+                          <a:spcPct val="0"/>
+                        </a:spcAft>
+                        <a:buClr>
+                          <a:schemeClr val="tx1"/>
+                        </a:buClr>
+                        <a:buSzTx/>
+                        <a:buFontTx/>
+                        <a:buNone/>
+                        <a:tabLst/>
+                      </a:pPr>
+                      <a:r>
+                        <a:rPr kumimoji="0" lang="pt-BR" sz="1600" b="0" i="0" u="none" strike="noStrike" cap="none" normalizeH="0" baseline="0" smtClean="0">
+                          <a:ln>
+                            <a:noFill/>
+                          </a:ln>
+                          <a:solidFill>
+                            <a:schemeClr val="tx1"/>
+                          </a:solidFill>
+                          <a:effectLst/>
+                          <a:latin typeface="Arial" charset="0"/>
+                        </a:rPr>
+                        <a:t>Exception</a:t>
+                      </a:r>
+                    </a:p>
+                  </a:txBody>
+                  <a:tcPr horzOverflow="overflow">
+                    <a:lnL w="28575" cap="flat" cmpd="sng" algn="ctr">
+                      <a:solidFill>
+                        <a:schemeClr val="tx1"/>
+                      </a:solidFill>
+                      <a:prstDash val="solid"/>
+                      <a:round/>
+                      <a:headEnd type="none" w="med" len="med"/>
+                      <a:tailEnd type="none" w="med" len="med"/>
+                    </a:lnL>
+                    <a:lnR w="28575" cap="flat" cmpd="sng" algn="ctr">
+                      <a:solidFill>
+                        <a:schemeClr val="tx1"/>
+                      </a:solidFill>
+                      <a:prstDash val="solid"/>
+                      <a:round/>
+                      <a:headEnd type="none" w="med" len="med"/>
+                      <a:tailEnd type="none" w="med" len="med"/>
+                    </a:lnR>
+                    <a:lnT w="28575" cap="flat" cmpd="sng" algn="ctr">
+                      <a:solidFill>
+                        <a:schemeClr val="tx1"/>
+                      </a:solidFill>
+                      <a:prstDash val="solid"/>
+                      <a:round/>
+                      <a:headEnd type="none" w="med" len="med"/>
+                      <a:tailEnd type="none" w="med" len="med"/>
+                    </a:lnT>
+                    <a:lnB w="28575" cap="flat" cmpd="sng" algn="ctr">
+                      <a:solidFill>
+                        <a:schemeClr val="tx1"/>
+                      </a:solidFill>
+                      <a:prstDash val="solid"/>
+                      <a:round/>
+                      <a:headEnd type="none" w="med" len="med"/>
+                      <a:tailEnd type="none" w="med" len="med"/>
+                    </a:lnB>
+                    <a:lnTlToBr>
+                      <a:noFill/>
+                    </a:lnTlToBr>
+                    <a:lnBlToTr>
+                      <a:noFill/>
+                    </a:lnBlToTr>
+                    <a:noFill/>
+                  </a:tcPr>
+                </a:tc>
+              </a:tr>
+            </a:tbl>
+          </a:graphicData>
+        </a:graphic>
+      </p:graphicFrame>
+      <p:grpSp>
+        <p:nvGrpSpPr>
+          <p:cNvPr id="2" name="Group 30"/>
+          <p:cNvGrpSpPr>
+            <a:grpSpLocks/>
+          </p:cNvGrpSpPr>
+          <p:nvPr/>
+        </p:nvGrpSpPr>
+        <p:grpSpPr bwMode="auto">
+          <a:xfrm rot="3773350">
+            <a:off x="3614737" y="2032001"/>
+            <a:ext cx="138113" cy="830262"/>
+            <a:chOff x="1134" y="4194"/>
+            <a:chExt cx="1440" cy="5580"/>
+          </a:xfrm>
+        </p:grpSpPr>
+        <p:sp>
+          <p:nvSpPr>
+            <p:cNvPr id="511007" name="AutoShape 31"/>
+            <p:cNvSpPr>
+              <a:spLocks noChangeArrowheads="1"/>
+            </p:cNvSpPr>
+            <p:nvPr/>
+          </p:nvSpPr>
+          <p:spPr bwMode="auto">
+            <a:xfrm>
+              <a:off x="1134" y="4194"/>
+              <a:ext cx="1440" cy="1260"/>
+            </a:xfrm>
+            <a:prstGeom prst="triangle">
+              <a:avLst>
+                <a:gd name="adj" fmla="val 50000"/>
+              </a:avLst>
+            </a:prstGeom>
+            <a:solidFill>
+              <a:srgbClr val="FFFFFF"/>
+            </a:solidFill>
+            <a:ln w="12700">
+              <a:solidFill>
+                <a:schemeClr val="tx1"/>
+              </a:solidFill>
+              <a:miter lim="800000"/>
+              <a:headEnd/>
+              <a:tailEnd/>
+            </a:ln>
+          </p:spPr>
+          <p:txBody>
+            <a:bodyPr/>
+            <a:lstStyle/>
+            <a:p>
+              <a:endParaRPr lang="pt-BR"/>
+            </a:p>
+          </p:txBody>
+        </p:sp>
+        <p:sp>
+          <p:nvSpPr>
+            <p:cNvPr id="511008" name="Line 32"/>
+            <p:cNvSpPr>
+              <a:spLocks noChangeShapeType="1"/>
+            </p:cNvSpPr>
+            <p:nvPr/>
+          </p:nvSpPr>
+          <p:spPr bwMode="auto">
+            <a:xfrm>
+              <a:off x="1854" y="5454"/>
+              <a:ext cx="0" cy="4320"/>
+            </a:xfrm>
+            <a:prstGeom prst="line">
+              <a:avLst/>
+            </a:prstGeom>
+            <a:noFill/>
+            <a:ln w="12700">
+              <a:solidFill>
+                <a:schemeClr val="tx1"/>
+              </a:solidFill>
+              <a:round/>
+              <a:headEnd/>
+              <a:tailEnd/>
+            </a:ln>
+          </p:spPr>
+          <p:txBody>
+            <a:bodyPr/>
+            <a:lstStyle/>
+            <a:p>
+              <a:endParaRPr lang="pt-BR"/>
+            </a:p>
+          </p:txBody>
+        </p:sp>
+      </p:grpSp>
+      <p:graphicFrame>
+        <p:nvGraphicFramePr>
+          <p:cNvPr id="511048" name="Group 72"/>
+          <p:cNvGraphicFramePr>
+            <a:graphicFrameLocks noGrp="1"/>
+          </p:cNvGraphicFramePr>
+          <p:nvPr/>
+        </p:nvGraphicFramePr>
+        <p:xfrm>
+          <a:off x="620713" y="3446463"/>
+          <a:ext cx="2035175" cy="335280"/>
+        </p:xfrm>
+        <a:graphic>
+          <a:graphicData uri="http://schemas.openxmlformats.org/drawingml/2006/table">
+            <a:tbl>
+              <a:tblPr/>
+              <a:tblGrid>
+                <a:gridCol w="2035175"/>
+              </a:tblGrid>
+              <a:tr h="190500">
+                <a:tc>
+                  <a:txBody>
+                    <a:bodyPr/>
+                    <a:lstStyle/>
+                    <a:p>
+                      <a:pPr marL="0" marR="0" lvl="0" indent="0" algn="ctr" defTabSz="914400" rtl="0" eaLnBrk="1" fontAlgn="base" latinLnBrk="0" hangingPunct="1">
+                        <a:lnSpc>
+                          <a:spcPct val="100000"/>
+                        </a:lnSpc>
+                        <a:spcBef>
+                          <a:spcPct val="60000"/>
+                        </a:spcBef>
+                        <a:spcAft>
+                          <a:spcPct val="0"/>
+                        </a:spcAft>
+                        <a:buClr>
+                          <a:schemeClr val="tx1"/>
+                        </a:buClr>
+                        <a:buSzTx/>
+                        <a:buFontTx/>
+                        <a:buNone/>
+                        <a:tabLst/>
+                      </a:pPr>
+                      <a:r>
+                        <a:rPr kumimoji="0" lang="pt-BR" sz="1600" b="0" i="0" u="none" strike="noStrike" cap="none" normalizeH="0" baseline="0" smtClean="0">
+                          <a:ln>
+                            <a:noFill/>
+                          </a:ln>
+                          <a:solidFill>
+                            <a:schemeClr val="tx1"/>
+                          </a:solidFill>
+                          <a:effectLst/>
+                          <a:latin typeface="Arial" charset="0"/>
+                        </a:rPr>
+                        <a:t>SQLException</a:t>
+                      </a:r>
+                    </a:p>
+                  </a:txBody>
+                  <a:tcPr horzOverflow="overflow">
+                    <a:lnL w="28575" cap="flat" cmpd="sng" algn="ctr">
+                      <a:solidFill>
+                        <a:schemeClr val="tx1"/>
+                      </a:solidFill>
+                      <a:prstDash val="solid"/>
+                      <a:round/>
+                      <a:headEnd type="none" w="med" len="med"/>
+                      <a:tailEnd type="none" w="med" len="med"/>
+                    </a:lnL>
+                    <a:lnR w="28575" cap="flat" cmpd="sng" algn="ctr">
+                      <a:solidFill>
+                        <a:schemeClr val="tx1"/>
+                      </a:solidFill>
+                      <a:prstDash val="solid"/>
+                      <a:round/>
+                      <a:headEnd type="none" w="med" len="med"/>
+                      <a:tailEnd type="none" w="med" len="med"/>
+                    </a:lnR>
+                    <a:lnT w="28575" cap="flat" cmpd="sng" algn="ctr">
+                      <a:solidFill>
+                        <a:schemeClr val="tx1"/>
+                      </a:solidFill>
+                      <a:prstDash val="solid"/>
+                      <a:round/>
+                      <a:headEnd type="none" w="med" len="med"/>
+                      <a:tailEnd type="none" w="med" len="med"/>
+                    </a:lnT>
+                    <a:lnB w="28575" cap="flat" cmpd="sng" algn="ctr">
+                      <a:solidFill>
+                        <a:schemeClr val="tx1"/>
+                      </a:solidFill>
+                      <a:prstDash val="solid"/>
+                      <a:round/>
+                      <a:headEnd type="none" w="med" len="med"/>
+                      <a:tailEnd type="none" w="med" len="med"/>
+                    </a:lnB>
+                    <a:lnTlToBr>
+                      <a:noFill/>
+                    </a:lnTlToBr>
+                    <a:lnBlToTr>
+                      <a:noFill/>
+                    </a:lnBlToTr>
+                    <a:noFill/>
+                  </a:tcPr>
+                </a:tc>
+              </a:tr>
+            </a:tbl>
+          </a:graphicData>
+        </a:graphic>
+      </p:graphicFrame>
+      <p:graphicFrame>
+        <p:nvGraphicFramePr>
+          <p:cNvPr id="511047" name="Group 71"/>
+          <p:cNvGraphicFramePr>
+            <a:graphicFrameLocks noGrp="1"/>
+          </p:cNvGraphicFramePr>
+          <p:nvPr/>
+        </p:nvGraphicFramePr>
+        <p:xfrm>
+          <a:off x="620713" y="4284663"/>
+          <a:ext cx="2035175" cy="335280"/>
+        </p:xfrm>
+        <a:graphic>
+          <a:graphicData uri="http://schemas.openxmlformats.org/drawingml/2006/table">
+            <a:tbl>
+              <a:tblPr/>
+              <a:tblGrid>
+                <a:gridCol w="2035175"/>
+              </a:tblGrid>
+              <a:tr h="190500">
+                <a:tc>
+                  <a:txBody>
+                    <a:bodyPr/>
+                    <a:lstStyle/>
+                    <a:p>
+                      <a:pPr marL="0" marR="0" lvl="0" indent="0" algn="ctr" defTabSz="914400" rtl="0" eaLnBrk="1" fontAlgn="base" latinLnBrk="0" hangingPunct="1">
+                        <a:lnSpc>
+                          <a:spcPct val="100000"/>
+                        </a:lnSpc>
+                        <a:spcBef>
+                          <a:spcPct val="60000"/>
+                        </a:spcBef>
+                        <a:spcAft>
+                          <a:spcPct val="0"/>
+                        </a:spcAft>
+                        <a:buClr>
+                          <a:schemeClr val="tx1"/>
+                        </a:buClr>
+                        <a:buSzTx/>
+                        <a:buFontTx/>
+                        <a:buNone/>
+                        <a:tabLst/>
+                      </a:pPr>
+                      <a:r>
+                        <a:rPr kumimoji="0" lang="pt-BR" sz="1600" b="0" i="0" u="none" strike="noStrike" cap="none" normalizeH="0" baseline="0" smtClean="0">
+                          <a:ln>
+                            <a:noFill/>
+                          </a:ln>
+                          <a:solidFill>
+                            <a:schemeClr val="tx1"/>
+                          </a:solidFill>
+                          <a:effectLst/>
+                          <a:latin typeface="Arial" charset="0"/>
+                        </a:rPr>
+                        <a:t>IOException</a:t>
+                      </a:r>
+                    </a:p>
+                  </a:txBody>
+                  <a:tcPr horzOverflow="overflow">
+                    <a:lnL w="28575" cap="flat" cmpd="sng" algn="ctr">
+                      <a:solidFill>
+                        <a:schemeClr val="tx1"/>
+                      </a:solidFill>
+                      <a:prstDash val="solid"/>
+                      <a:round/>
+                      <a:headEnd type="none" w="med" len="med"/>
+                      <a:tailEnd type="none" w="med" len="med"/>
+                    </a:lnL>
+                    <a:lnR w="28575" cap="flat" cmpd="sng" algn="ctr">
+                      <a:solidFill>
+                        <a:schemeClr val="tx1"/>
+                      </a:solidFill>
+                      <a:prstDash val="solid"/>
+                      <a:round/>
+                      <a:headEnd type="none" w="med" len="med"/>
+                      <a:tailEnd type="none" w="med" len="med"/>
+                    </a:lnR>
+                    <a:lnT w="28575" cap="flat" cmpd="sng" algn="ctr">
+                      <a:solidFill>
+                        <a:schemeClr val="tx1"/>
+                      </a:solidFill>
+                      <a:prstDash val="solid"/>
+                      <a:round/>
+                      <a:headEnd type="none" w="med" len="med"/>
+                      <a:tailEnd type="none" w="med" len="med"/>
+                    </a:lnT>
+                    <a:lnB w="28575" cap="flat" cmpd="sng" algn="ctr">
+                      <a:solidFill>
+                        <a:schemeClr val="tx1"/>
+                      </a:solidFill>
+                      <a:prstDash val="solid"/>
+                      <a:round/>
+                      <a:headEnd type="none" w="med" len="med"/>
+                      <a:tailEnd type="none" w="med" len="med"/>
+                    </a:lnB>
+                    <a:lnTlToBr>
+                      <a:noFill/>
+                    </a:lnTlToBr>
+                    <a:lnBlToTr>
+                      <a:noFill/>
+                    </a:lnBlToTr>
+                    <a:noFill/>
+                  </a:tcPr>
+                </a:tc>
+              </a:tr>
+            </a:tbl>
+          </a:graphicData>
+        </a:graphic>
+      </p:graphicFrame>
+      <p:graphicFrame>
+        <p:nvGraphicFramePr>
+          <p:cNvPr id="511046" name="Group 70"/>
+          <p:cNvGraphicFramePr>
+            <a:graphicFrameLocks noGrp="1"/>
+          </p:cNvGraphicFramePr>
+          <p:nvPr/>
+        </p:nvGraphicFramePr>
+        <p:xfrm>
+          <a:off x="3581400" y="3446463"/>
+          <a:ext cx="2035175" cy="335280"/>
+        </p:xfrm>
+        <a:graphic>
+          <a:graphicData uri="http://schemas.openxmlformats.org/drawingml/2006/table">
+            <a:tbl>
+              <a:tblPr/>
+              <a:tblGrid>
+                <a:gridCol w="2035175"/>
+              </a:tblGrid>
+              <a:tr h="190500">
+                <a:tc>
+                  <a:txBody>
+                    <a:bodyPr/>
+                    <a:lstStyle/>
+                    <a:p>
+                      <a:pPr marL="0" marR="0" lvl="0" indent="0" algn="ctr" defTabSz="914400" rtl="0" eaLnBrk="1" fontAlgn="base" latinLnBrk="0" hangingPunct="1">
+                        <a:lnSpc>
+                          <a:spcPct val="100000"/>
+                        </a:lnSpc>
+                        <a:spcBef>
+                          <a:spcPct val="60000"/>
+                        </a:spcBef>
+                        <a:spcAft>
+                          <a:spcPct val="0"/>
+                        </a:spcAft>
+                        <a:buClr>
+                          <a:schemeClr val="tx1"/>
+                        </a:buClr>
+                        <a:buSzTx/>
+                        <a:buFontTx/>
+                        <a:buNone/>
+                        <a:tabLst/>
+                      </a:pPr>
+                      <a:r>
+                        <a:rPr kumimoji="0" lang="pt-BR" sz="1600" b="0" i="0" u="none" strike="noStrike" cap="none" normalizeH="0" baseline="0" smtClean="0">
+                          <a:ln>
+                            <a:noFill/>
+                          </a:ln>
+                          <a:solidFill>
+                            <a:schemeClr val="tx1"/>
+                          </a:solidFill>
+                          <a:effectLst/>
+                          <a:latin typeface="Arial" charset="0"/>
+                        </a:rPr>
+                        <a:t>ParseException</a:t>
+                      </a:r>
+                    </a:p>
+                  </a:txBody>
+                  <a:tcPr horzOverflow="overflow">
+                    <a:lnL w="28575" cap="flat" cmpd="sng" algn="ctr">
+                      <a:solidFill>
+                        <a:schemeClr val="tx1"/>
+                      </a:solidFill>
+                      <a:prstDash val="solid"/>
+                      <a:round/>
+                      <a:headEnd type="none" w="med" len="med"/>
+                      <a:tailEnd type="none" w="med" len="med"/>
+                    </a:lnL>
+                    <a:lnR w="28575" cap="flat" cmpd="sng" algn="ctr">
+                      <a:solidFill>
+                        <a:schemeClr val="tx1"/>
+                      </a:solidFill>
+                      <a:prstDash val="solid"/>
+                      <a:round/>
+                      <a:headEnd type="none" w="med" len="med"/>
+                      <a:tailEnd type="none" w="med" len="med"/>
+                    </a:lnR>
+                    <a:lnT w="28575" cap="flat" cmpd="sng" algn="ctr">
+                      <a:solidFill>
+                        <a:schemeClr val="tx1"/>
+                      </a:solidFill>
+                      <a:prstDash val="solid"/>
+                      <a:round/>
+                      <a:headEnd type="none" w="med" len="med"/>
+                      <a:tailEnd type="none" w="med" len="med"/>
+                    </a:lnT>
+                    <a:lnB w="28575" cap="flat" cmpd="sng" algn="ctr">
+                      <a:solidFill>
+                        <a:schemeClr val="tx1"/>
+                      </a:solidFill>
+                      <a:prstDash val="solid"/>
+                      <a:round/>
+                      <a:headEnd type="none" w="med" len="med"/>
+                      <a:tailEnd type="none" w="med" len="med"/>
+                    </a:lnB>
+                    <a:lnTlToBr>
+                      <a:noFill/>
+                    </a:lnTlToBr>
+                    <a:lnBlToTr>
+                      <a:noFill/>
+                    </a:lnBlToTr>
+                    <a:noFill/>
+                  </a:tcPr>
+                </a:tc>
+              </a:tr>
+            </a:tbl>
+          </a:graphicData>
+        </a:graphic>
+      </p:graphicFrame>
+      <p:graphicFrame>
+        <p:nvGraphicFramePr>
+          <p:cNvPr id="511045" name="Group 69"/>
+          <p:cNvGraphicFramePr>
+            <a:graphicFrameLocks noGrp="1"/>
+          </p:cNvGraphicFramePr>
+          <p:nvPr/>
+        </p:nvGraphicFramePr>
+        <p:xfrm>
+          <a:off x="3581400" y="4284663"/>
+          <a:ext cx="2035175" cy="335280"/>
+        </p:xfrm>
+        <a:graphic>
+          <a:graphicData uri="http://schemas.openxmlformats.org/drawingml/2006/table">
+            <a:tbl>
+              <a:tblPr/>
+              <a:tblGrid>
+                <a:gridCol w="2035175"/>
+              </a:tblGrid>
+              <a:tr h="190500">
+                <a:tc>
+                  <a:txBody>
+                    <a:bodyPr/>
+                    <a:lstStyle/>
+                    <a:p>
+                      <a:pPr marL="0" marR="0" lvl="0" indent="0" algn="ctr" defTabSz="914400" rtl="0" eaLnBrk="1" fontAlgn="base" latinLnBrk="0" hangingPunct="1">
+                        <a:lnSpc>
+                          <a:spcPct val="100000"/>
+                        </a:lnSpc>
+                        <a:spcBef>
+                          <a:spcPct val="60000"/>
+                        </a:spcBef>
+                        <a:spcAft>
+                          <a:spcPct val="0"/>
+                        </a:spcAft>
+                        <a:buClr>
+                          <a:schemeClr val="tx1"/>
+                        </a:buClr>
+                        <a:buSzTx/>
+                        <a:buFontTx/>
+                        <a:buNone/>
+                        <a:tabLst/>
+                      </a:pPr>
+                      <a:r>
+                        <a:rPr kumimoji="0" lang="pt-BR" sz="1600" b="0" i="0" u="none" strike="noStrike" cap="none" normalizeH="0" baseline="0" smtClean="0">
+                          <a:ln>
+                            <a:noFill/>
+                          </a:ln>
+                          <a:solidFill>
+                            <a:schemeClr val="tx1"/>
+                          </a:solidFill>
+                          <a:effectLst/>
+                          <a:latin typeface="Arial" charset="0"/>
+                        </a:rPr>
+                        <a:t>RuntimeException</a:t>
+                      </a:r>
+                    </a:p>
+                  </a:txBody>
+                  <a:tcPr horzOverflow="overflow">
+                    <a:lnL w="28575" cap="flat" cmpd="sng" algn="ctr">
+                      <a:solidFill>
+                        <a:schemeClr val="tx1"/>
+                      </a:solidFill>
+                      <a:prstDash val="solid"/>
+                      <a:round/>
+                      <a:headEnd type="none" w="med" len="med"/>
+                      <a:tailEnd type="none" w="med" len="med"/>
+                    </a:lnL>
+                    <a:lnR w="28575" cap="flat" cmpd="sng" algn="ctr">
+                      <a:solidFill>
+                        <a:schemeClr val="tx1"/>
+                      </a:solidFill>
+                      <a:prstDash val="solid"/>
+                      <a:round/>
+                      <a:headEnd type="none" w="med" len="med"/>
+                      <a:tailEnd type="none" w="med" len="med"/>
+                    </a:lnR>
+                    <a:lnT w="28575" cap="flat" cmpd="sng" algn="ctr">
+                      <a:solidFill>
+                        <a:schemeClr val="tx1"/>
+                      </a:solidFill>
+                      <a:prstDash val="solid"/>
+                      <a:round/>
+                      <a:headEnd type="none" w="med" len="med"/>
+                      <a:tailEnd type="none" w="med" len="med"/>
+                    </a:lnT>
+                    <a:lnB w="28575" cap="flat" cmpd="sng" algn="ctr">
+                      <a:solidFill>
+                        <a:schemeClr val="tx1"/>
+                      </a:solidFill>
+                      <a:prstDash val="solid"/>
+                      <a:round/>
+                      <a:headEnd type="none" w="med" len="med"/>
+                      <a:tailEnd type="none" w="med" len="med"/>
+                    </a:lnB>
+                    <a:lnTlToBr>
+                      <a:noFill/>
+                    </a:lnTlToBr>
+                    <a:lnBlToTr>
+                      <a:noFill/>
+                    </a:lnBlToTr>
+                    <a:noFill/>
+                  </a:tcPr>
+                </a:tc>
+              </a:tr>
+            </a:tbl>
+          </a:graphicData>
+        </a:graphic>
+      </p:graphicFrame>
+      <p:grpSp>
+        <p:nvGrpSpPr>
+          <p:cNvPr id="3" name="Group 78"/>
+          <p:cNvGrpSpPr>
+            <a:grpSpLocks/>
+          </p:cNvGrpSpPr>
+          <p:nvPr/>
+        </p:nvGrpSpPr>
+        <p:grpSpPr bwMode="auto">
+          <a:xfrm rot="2987640">
+            <a:off x="2228057" y="2856706"/>
+            <a:ext cx="157162" cy="720725"/>
+            <a:chOff x="1134" y="4194"/>
+            <a:chExt cx="1440" cy="5580"/>
+          </a:xfrm>
+        </p:grpSpPr>
+        <p:sp>
+          <p:nvSpPr>
+            <p:cNvPr id="511055" name="AutoShape 79"/>
+            <p:cNvSpPr>
+              <a:spLocks noChangeArrowheads="1"/>
+            </p:cNvSpPr>
+            <p:nvPr/>
+          </p:nvSpPr>
+          <p:spPr bwMode="auto">
+            <a:xfrm>
+              <a:off x="1134" y="4194"/>
+              <a:ext cx="1440" cy="1260"/>
+            </a:xfrm>
+            <a:prstGeom prst="triangle">
+              <a:avLst>
+                <a:gd name="adj" fmla="val 50000"/>
+              </a:avLst>
+            </a:prstGeom>
+            <a:solidFill>
+              <a:srgbClr val="FFFFFF"/>
+            </a:solidFill>
+            <a:ln w="12700">
+              <a:solidFill>
+                <a:schemeClr val="tx1"/>
+              </a:solidFill>
+              <a:miter lim="800000"/>
+              <a:headEnd/>
+              <a:tailEnd/>
+            </a:ln>
+          </p:spPr>
+          <p:txBody>
+            <a:bodyPr/>
+            <a:lstStyle/>
+            <a:p>
+              <a:endParaRPr lang="pt-BR"/>
+            </a:p>
+          </p:txBody>
+        </p:sp>
+        <p:sp>
+          <p:nvSpPr>
+            <p:cNvPr id="511056" name="Line 80"/>
+            <p:cNvSpPr>
+              <a:spLocks noChangeShapeType="1"/>
+            </p:cNvSpPr>
+            <p:nvPr/>
+          </p:nvSpPr>
+          <p:spPr bwMode="auto">
+            <a:xfrm>
+              <a:off x="1854" y="5454"/>
+              <a:ext cx="0" cy="4320"/>
+            </a:xfrm>
+            <a:prstGeom prst="line">
+              <a:avLst/>
+            </a:prstGeom>
+            <a:noFill/>
+            <a:ln w="12700">
+              <a:solidFill>
+                <a:schemeClr val="tx1"/>
+              </a:solidFill>
+              <a:round/>
+              <a:headEnd/>
+              <a:tailEnd/>
+            </a:ln>
+          </p:spPr>
+          <p:txBody>
+            <a:bodyPr/>
+            <a:lstStyle/>
+            <a:p>
+              <a:endParaRPr lang="pt-BR"/>
+            </a:p>
+          </p:txBody>
+        </p:sp>
+      </p:grpSp>
+      <p:grpSp>
+        <p:nvGrpSpPr>
+          <p:cNvPr id="4" name="Group 81"/>
+          <p:cNvGrpSpPr>
+            <a:grpSpLocks/>
+          </p:cNvGrpSpPr>
+          <p:nvPr/>
+        </p:nvGrpSpPr>
+        <p:grpSpPr bwMode="auto">
+          <a:xfrm rot="18612360" flipH="1">
+            <a:off x="3863182" y="2856706"/>
+            <a:ext cx="157162" cy="720725"/>
+            <a:chOff x="1134" y="4194"/>
+            <a:chExt cx="1440" cy="5580"/>
+          </a:xfrm>
+        </p:grpSpPr>
+        <p:sp>
+          <p:nvSpPr>
+            <p:cNvPr id="511058" name="AutoShape 82"/>
+            <p:cNvSpPr>
+              <a:spLocks noChangeArrowheads="1"/>
+            </p:cNvSpPr>
+            <p:nvPr/>
+          </p:nvSpPr>
+          <p:spPr bwMode="auto">
+            <a:xfrm>
+              <a:off x="1134" y="4194"/>
+              <a:ext cx="1440" cy="1260"/>
+            </a:xfrm>
+            <a:prstGeom prst="triangle">
+              <a:avLst>
+                <a:gd name="adj" fmla="val 50000"/>
+              </a:avLst>
+            </a:prstGeom>
+            <a:solidFill>
+              <a:srgbClr val="FFFFFF"/>
+            </a:solidFill>
+            <a:ln w="12700">
+              <a:solidFill>
+                <a:schemeClr val="tx1"/>
+              </a:solidFill>
+              <a:miter lim="800000"/>
+              <a:headEnd/>
+              <a:tailEnd/>
+            </a:ln>
+          </p:spPr>
+          <p:txBody>
+            <a:bodyPr/>
+            <a:lstStyle/>
+            <a:p>
+              <a:endParaRPr lang="pt-BR"/>
+            </a:p>
+          </p:txBody>
+        </p:sp>
+        <p:sp>
+          <p:nvSpPr>
+            <p:cNvPr id="511059" name="Line 83"/>
+            <p:cNvSpPr>
+              <a:spLocks noChangeShapeType="1"/>
+            </p:cNvSpPr>
+            <p:nvPr/>
+          </p:nvSpPr>
+          <p:spPr bwMode="auto">
+            <a:xfrm>
+              <a:off x="1854" y="5454"/>
+              <a:ext cx="0" cy="4320"/>
+            </a:xfrm>
+            <a:prstGeom prst="line">
+              <a:avLst/>
+            </a:prstGeom>
+            <a:noFill/>
+            <a:ln w="12700">
+              <a:solidFill>
+                <a:schemeClr val="tx1"/>
+              </a:solidFill>
+              <a:round/>
+              <a:headEnd/>
+              <a:tailEnd/>
+            </a:ln>
+          </p:spPr>
+          <p:txBody>
+            <a:bodyPr/>
+            <a:lstStyle/>
+            <a:p>
+              <a:endParaRPr lang="pt-BR"/>
+            </a:p>
+          </p:txBody>
+        </p:sp>
+      </p:grpSp>
+      <p:grpSp>
+        <p:nvGrpSpPr>
+          <p:cNvPr id="5" name="Group 88"/>
+          <p:cNvGrpSpPr>
+            <a:grpSpLocks/>
+          </p:cNvGrpSpPr>
+          <p:nvPr/>
+        </p:nvGrpSpPr>
+        <p:grpSpPr bwMode="auto">
+          <a:xfrm>
+            <a:off x="2895600" y="2989263"/>
+            <a:ext cx="152400" cy="914400"/>
+            <a:chOff x="1134" y="4194"/>
+            <a:chExt cx="1440" cy="5580"/>
+          </a:xfrm>
+        </p:grpSpPr>
+        <p:sp>
+          <p:nvSpPr>
+            <p:cNvPr id="511065" name="AutoShape 89"/>
+            <p:cNvSpPr>
+              <a:spLocks noChangeArrowheads="1"/>
+            </p:cNvSpPr>
+            <p:nvPr/>
+          </p:nvSpPr>
+          <p:spPr bwMode="auto">
+            <a:xfrm>
+              <a:off x="1134" y="4194"/>
+              <a:ext cx="1440" cy="1260"/>
+            </a:xfrm>
+            <a:prstGeom prst="triangle">
+              <a:avLst>
+                <a:gd name="adj" fmla="val 50000"/>
+              </a:avLst>
+            </a:prstGeom>
+            <a:solidFill>
+              <a:srgbClr val="FFFFFF"/>
+            </a:solidFill>
+            <a:ln w="12700">
+              <a:solidFill>
+                <a:schemeClr val="tx1"/>
+              </a:solidFill>
+              <a:miter lim="800000"/>
+              <a:headEnd/>
+              <a:tailEnd/>
+            </a:ln>
+          </p:spPr>
+          <p:txBody>
+            <a:bodyPr/>
+            <a:lstStyle/>
+            <a:p>
+              <a:endParaRPr lang="pt-BR"/>
+            </a:p>
+          </p:txBody>
+        </p:sp>
+        <p:sp>
+          <p:nvSpPr>
+            <p:cNvPr id="511066" name="Line 90"/>
+            <p:cNvSpPr>
+              <a:spLocks noChangeShapeType="1"/>
+            </p:cNvSpPr>
+            <p:nvPr/>
+          </p:nvSpPr>
+          <p:spPr bwMode="auto">
+            <a:xfrm>
+              <a:off x="1854" y="5454"/>
+              <a:ext cx="0" cy="4320"/>
+            </a:xfrm>
+            <a:prstGeom prst="line">
+              <a:avLst/>
+            </a:prstGeom>
+            <a:noFill/>
+            <a:ln w="12700">
+              <a:solidFill>
+                <a:schemeClr val="tx1"/>
+              </a:solidFill>
+              <a:round/>
+              <a:headEnd/>
+              <a:tailEnd/>
+            </a:ln>
+          </p:spPr>
+          <p:txBody>
+            <a:bodyPr/>
+            <a:lstStyle/>
+            <a:p>
+              <a:endParaRPr lang="pt-BR"/>
+            </a:p>
+          </p:txBody>
+        </p:sp>
+      </p:grpSp>
+      <p:sp>
+        <p:nvSpPr>
+          <p:cNvPr id="511067" name="Line 91"/>
+          <p:cNvSpPr>
+            <a:spLocks noChangeShapeType="1"/>
+          </p:cNvSpPr>
+          <p:nvPr/>
+        </p:nvSpPr>
+        <p:spPr bwMode="auto">
+          <a:xfrm flipH="1">
+            <a:off x="1676400" y="3903663"/>
+            <a:ext cx="1295400" cy="381000"/>
+          </a:xfrm>
+          <a:prstGeom prst="line">
+            <a:avLst/>
+          </a:prstGeom>
+          <a:noFill/>
+          <a:ln w="9525">
+            <a:solidFill>
+              <a:schemeClr val="tx1"/>
+            </a:solidFill>
+            <a:miter lim="800000"/>
+            <a:headEnd/>
+            <a:tailEnd/>
+          </a:ln>
+          <a:effectLst/>
+        </p:spPr>
         <p:txBody>
           <a:bodyPr/>
           <a:lstStyle/>
@@ -6801,40 +8431,1093 @@
           </a:p>
         </p:txBody>
       </p:sp>
-      <p:sp>
-        <p:nvSpPr>
-          <p:cNvPr id="5" name="Espaço Reservado para Número de Slide 4"/>
-          <p:cNvSpPr>
-            <a:spLocks noGrp="1"/>
-          </p:cNvSpPr>
-          <p:nvPr>
-            <p:ph type="sldNum" sz="quarter" idx="12"/>
-          </p:nvPr>
-        </p:nvSpPr>
-        <p:spPr/>
+      <p:grpSp>
+        <p:nvGrpSpPr>
+          <p:cNvPr id="6" name="Group 92"/>
+          <p:cNvGrpSpPr>
+            <a:grpSpLocks/>
+          </p:cNvGrpSpPr>
+          <p:nvPr/>
+        </p:nvGrpSpPr>
+        <p:grpSpPr bwMode="auto">
+          <a:xfrm>
+            <a:off x="3124200" y="2989263"/>
+            <a:ext cx="152400" cy="914400"/>
+            <a:chOff x="1134" y="4194"/>
+            <a:chExt cx="1440" cy="5580"/>
+          </a:xfrm>
+        </p:grpSpPr>
+        <p:sp>
+          <p:nvSpPr>
+            <p:cNvPr id="511069" name="AutoShape 93"/>
+            <p:cNvSpPr>
+              <a:spLocks noChangeArrowheads="1"/>
+            </p:cNvSpPr>
+            <p:nvPr/>
+          </p:nvSpPr>
+          <p:spPr bwMode="auto">
+            <a:xfrm>
+              <a:off x="1134" y="4194"/>
+              <a:ext cx="1440" cy="1260"/>
+            </a:xfrm>
+            <a:prstGeom prst="triangle">
+              <a:avLst>
+                <a:gd name="adj" fmla="val 50000"/>
+              </a:avLst>
+            </a:prstGeom>
+            <a:solidFill>
+              <a:srgbClr val="FFFFFF"/>
+            </a:solidFill>
+            <a:ln w="12700">
+              <a:solidFill>
+                <a:schemeClr val="tx1"/>
+              </a:solidFill>
+              <a:miter lim="800000"/>
+              <a:headEnd/>
+              <a:tailEnd/>
+            </a:ln>
+          </p:spPr>
+          <p:txBody>
+            <a:bodyPr/>
+            <a:lstStyle/>
+            <a:p>
+              <a:endParaRPr lang="pt-BR"/>
+            </a:p>
+          </p:txBody>
+        </p:sp>
+        <p:sp>
+          <p:nvSpPr>
+            <p:cNvPr id="511070" name="Line 94"/>
+            <p:cNvSpPr>
+              <a:spLocks noChangeShapeType="1"/>
+            </p:cNvSpPr>
+            <p:nvPr/>
+          </p:nvSpPr>
+          <p:spPr bwMode="auto">
+            <a:xfrm>
+              <a:off x="1854" y="5454"/>
+              <a:ext cx="0" cy="4320"/>
+            </a:xfrm>
+            <a:prstGeom prst="line">
+              <a:avLst/>
+            </a:prstGeom>
+            <a:noFill/>
+            <a:ln w="12700">
+              <a:solidFill>
+                <a:schemeClr val="tx1"/>
+              </a:solidFill>
+              <a:round/>
+              <a:headEnd/>
+              <a:tailEnd/>
+            </a:ln>
+          </p:spPr>
+          <p:txBody>
+            <a:bodyPr/>
+            <a:lstStyle/>
+            <a:p>
+              <a:endParaRPr lang="pt-BR"/>
+            </a:p>
+          </p:txBody>
+        </p:sp>
+      </p:grpSp>
+      <p:sp>
+        <p:nvSpPr>
+          <p:cNvPr id="511071" name="Line 95"/>
+          <p:cNvSpPr>
+            <a:spLocks noChangeShapeType="1"/>
+          </p:cNvSpPr>
+          <p:nvPr/>
+        </p:nvSpPr>
+        <p:spPr bwMode="auto">
+          <a:xfrm>
+            <a:off x="3200400" y="3903663"/>
+            <a:ext cx="1295400" cy="381000"/>
+          </a:xfrm>
+          <a:prstGeom prst="line">
+            <a:avLst/>
+          </a:prstGeom>
+          <a:noFill/>
+          <a:ln w="9525">
+            <a:solidFill>
+              <a:schemeClr val="tx1"/>
+            </a:solidFill>
+            <a:miter lim="800000"/>
+            <a:headEnd/>
+            <a:tailEnd/>
+          </a:ln>
+          <a:effectLst/>
+        </p:spPr>
         <p:txBody>
           <a:bodyPr/>
           <a:lstStyle/>
           <a:p>
-            <a:pPr>
-              <a:defRPr/>
-            </a:pPr>
-            <a:fld id="{DAB16DC1-F000-4B90-9425-1E014EE80EC3}" type="slidenum">
-              <a:rPr lang="pt-BR" smtClean="0"/>
-              <a:pPr>
-                <a:defRPr/>
-              </a:pPr>
-              <a:t>6</a:t>
-            </a:fld>
             <a:endParaRPr lang="pt-BR"/>
           </a:p>
         </p:txBody>
       </p:sp>
+      <p:graphicFrame>
+        <p:nvGraphicFramePr>
+          <p:cNvPr id="511099" name="Group 123"/>
+          <p:cNvGraphicFramePr>
+            <a:graphicFrameLocks noGrp="1"/>
+          </p:cNvGraphicFramePr>
+          <p:nvPr/>
+        </p:nvGraphicFramePr>
+        <p:xfrm>
+          <a:off x="971550" y="5638800"/>
+          <a:ext cx="3352800" cy="335280"/>
+        </p:xfrm>
+        <a:graphic>
+          <a:graphicData uri="http://schemas.openxmlformats.org/drawingml/2006/table">
+            <a:tbl>
+              <a:tblPr/>
+              <a:tblGrid>
+                <a:gridCol w="3352800"/>
+              </a:tblGrid>
+              <a:tr h="190500">
+                <a:tc>
+                  <a:txBody>
+                    <a:bodyPr/>
+                    <a:lstStyle/>
+                    <a:p>
+                      <a:pPr marL="0" marR="0" lvl="0" indent="0" algn="ctr" defTabSz="914400" rtl="0" eaLnBrk="1" fontAlgn="base" latinLnBrk="0" hangingPunct="1">
+                        <a:lnSpc>
+                          <a:spcPct val="100000"/>
+                        </a:lnSpc>
+                        <a:spcBef>
+                          <a:spcPct val="60000"/>
+                        </a:spcBef>
+                        <a:spcAft>
+                          <a:spcPct val="0"/>
+                        </a:spcAft>
+                        <a:buClr>
+                          <a:schemeClr val="tx1"/>
+                        </a:buClr>
+                        <a:buSzTx/>
+                        <a:buFontTx/>
+                        <a:buNone/>
+                        <a:tabLst/>
+                      </a:pPr>
+                      <a:r>
+                        <a:rPr kumimoji="0" lang="pt-BR" sz="1600" b="0" i="0" u="none" strike="noStrike" cap="none" normalizeH="0" baseline="0" smtClean="0">
+                          <a:ln>
+                            <a:noFill/>
+                          </a:ln>
+                          <a:solidFill>
+                            <a:schemeClr val="tx1"/>
+                          </a:solidFill>
+                          <a:effectLst/>
+                          <a:latin typeface="Arial" charset="0"/>
+                        </a:rPr>
+                        <a:t>ArrayIndexOutOfBoundsException</a:t>
+                      </a:r>
+                    </a:p>
+                  </a:txBody>
+                  <a:tcPr horzOverflow="overflow">
+                    <a:lnL w="28575" cap="flat" cmpd="sng" algn="ctr">
+                      <a:solidFill>
+                        <a:schemeClr val="tx1"/>
+                      </a:solidFill>
+                      <a:prstDash val="solid"/>
+                      <a:round/>
+                      <a:headEnd type="none" w="med" len="med"/>
+                      <a:tailEnd type="none" w="med" len="med"/>
+                    </a:lnL>
+                    <a:lnR w="28575" cap="flat" cmpd="sng" algn="ctr">
+                      <a:solidFill>
+                        <a:schemeClr val="tx1"/>
+                      </a:solidFill>
+                      <a:prstDash val="solid"/>
+                      <a:round/>
+                      <a:headEnd type="none" w="med" len="med"/>
+                      <a:tailEnd type="none" w="med" len="med"/>
+                    </a:lnR>
+                    <a:lnT w="28575" cap="flat" cmpd="sng" algn="ctr">
+                      <a:solidFill>
+                        <a:schemeClr val="tx1"/>
+                      </a:solidFill>
+                      <a:prstDash val="solid"/>
+                      <a:round/>
+                      <a:headEnd type="none" w="med" len="med"/>
+                      <a:tailEnd type="none" w="med" len="med"/>
+                    </a:lnT>
+                    <a:lnB w="28575" cap="flat" cmpd="sng" algn="ctr">
+                      <a:solidFill>
+                        <a:schemeClr val="tx1"/>
+                      </a:solidFill>
+                      <a:prstDash val="solid"/>
+                      <a:round/>
+                      <a:headEnd type="none" w="med" len="med"/>
+                      <a:tailEnd type="none" w="med" len="med"/>
+                    </a:lnB>
+                    <a:lnTlToBr>
+                      <a:noFill/>
+                    </a:lnTlToBr>
+                    <a:lnBlToTr>
+                      <a:noFill/>
+                    </a:lnBlToTr>
+                    <a:noFill/>
+                  </a:tcPr>
+                </a:tc>
+              </a:tr>
+            </a:tbl>
+          </a:graphicData>
+        </a:graphic>
+      </p:graphicFrame>
+      <p:graphicFrame>
+        <p:nvGraphicFramePr>
+          <p:cNvPr id="511080" name="Group 104"/>
+          <p:cNvGraphicFramePr>
+            <a:graphicFrameLocks noGrp="1"/>
+          </p:cNvGraphicFramePr>
+          <p:nvPr/>
+        </p:nvGraphicFramePr>
+        <p:xfrm>
+          <a:off x="838200" y="5029200"/>
+          <a:ext cx="2035175" cy="335280"/>
+        </p:xfrm>
+        <a:graphic>
+          <a:graphicData uri="http://schemas.openxmlformats.org/drawingml/2006/table">
+            <a:tbl>
+              <a:tblPr/>
+              <a:tblGrid>
+                <a:gridCol w="2035175"/>
+              </a:tblGrid>
+              <a:tr h="190500">
+                <a:tc>
+                  <a:txBody>
+                    <a:bodyPr/>
+                    <a:lstStyle/>
+                    <a:p>
+                      <a:pPr marL="0" marR="0" lvl="0" indent="0" algn="ctr" defTabSz="914400" rtl="0" eaLnBrk="1" fontAlgn="base" latinLnBrk="0" hangingPunct="1">
+                        <a:lnSpc>
+                          <a:spcPct val="100000"/>
+                        </a:lnSpc>
+                        <a:spcBef>
+                          <a:spcPct val="60000"/>
+                        </a:spcBef>
+                        <a:spcAft>
+                          <a:spcPct val="0"/>
+                        </a:spcAft>
+                        <a:buClr>
+                          <a:schemeClr val="tx1"/>
+                        </a:buClr>
+                        <a:buSzTx/>
+                        <a:buFontTx/>
+                        <a:buNone/>
+                        <a:tabLst/>
+                      </a:pPr>
+                      <a:r>
+                        <a:rPr kumimoji="0" lang="pt-BR" sz="1600" b="0" i="0" u="none" strike="noStrike" cap="none" normalizeH="0" baseline="0" smtClean="0">
+                          <a:ln>
+                            <a:noFill/>
+                          </a:ln>
+                          <a:solidFill>
+                            <a:schemeClr val="tx1"/>
+                          </a:solidFill>
+                          <a:effectLst/>
+                          <a:latin typeface="Arial" charset="0"/>
+                        </a:rPr>
+                        <a:t>ArithmeticException</a:t>
+                      </a:r>
+                    </a:p>
+                  </a:txBody>
+                  <a:tcPr horzOverflow="overflow">
+                    <a:lnL w="28575" cap="flat" cmpd="sng" algn="ctr">
+                      <a:solidFill>
+                        <a:schemeClr val="tx1"/>
+                      </a:solidFill>
+                      <a:prstDash val="solid"/>
+                      <a:round/>
+                      <a:headEnd type="none" w="med" len="med"/>
+                      <a:tailEnd type="none" w="med" len="med"/>
+                    </a:lnL>
+                    <a:lnR w="28575" cap="flat" cmpd="sng" algn="ctr">
+                      <a:solidFill>
+                        <a:schemeClr val="tx1"/>
+                      </a:solidFill>
+                      <a:prstDash val="solid"/>
+                      <a:round/>
+                      <a:headEnd type="none" w="med" len="med"/>
+                      <a:tailEnd type="none" w="med" len="med"/>
+                    </a:lnR>
+                    <a:lnT w="28575" cap="flat" cmpd="sng" algn="ctr">
+                      <a:solidFill>
+                        <a:schemeClr val="tx1"/>
+                      </a:solidFill>
+                      <a:prstDash val="solid"/>
+                      <a:round/>
+                      <a:headEnd type="none" w="med" len="med"/>
+                      <a:tailEnd type="none" w="med" len="med"/>
+                    </a:lnT>
+                    <a:lnB w="28575" cap="flat" cmpd="sng" algn="ctr">
+                      <a:solidFill>
+                        <a:schemeClr val="tx1"/>
+                      </a:solidFill>
+                      <a:prstDash val="solid"/>
+                      <a:round/>
+                      <a:headEnd type="none" w="med" len="med"/>
+                      <a:tailEnd type="none" w="med" len="med"/>
+                    </a:lnB>
+                    <a:lnTlToBr>
+                      <a:noFill/>
+                    </a:lnTlToBr>
+                    <a:lnBlToTr>
+                      <a:noFill/>
+                    </a:lnBlToTr>
+                    <a:noFill/>
+                  </a:tcPr>
+                </a:tc>
+              </a:tr>
+            </a:tbl>
+          </a:graphicData>
+        </a:graphic>
+      </p:graphicFrame>
+      <p:graphicFrame>
+        <p:nvGraphicFramePr>
+          <p:cNvPr id="511096" name="Group 120"/>
+          <p:cNvGraphicFramePr>
+            <a:graphicFrameLocks noGrp="1"/>
+          </p:cNvGraphicFramePr>
+          <p:nvPr/>
+        </p:nvGraphicFramePr>
+        <p:xfrm>
+          <a:off x="4953000" y="5638800"/>
+          <a:ext cx="2514600" cy="335280"/>
+        </p:xfrm>
+        <a:graphic>
+          <a:graphicData uri="http://schemas.openxmlformats.org/drawingml/2006/table">
+            <a:tbl>
+              <a:tblPr/>
+              <a:tblGrid>
+                <a:gridCol w="2514600"/>
+              </a:tblGrid>
+              <a:tr h="190500">
+                <a:tc>
+                  <a:txBody>
+                    <a:bodyPr/>
+                    <a:lstStyle/>
+                    <a:p>
+                      <a:pPr marL="0" marR="0" lvl="0" indent="0" algn="ctr" defTabSz="914400" rtl="0" eaLnBrk="1" fontAlgn="base" latinLnBrk="0" hangingPunct="1">
+                        <a:lnSpc>
+                          <a:spcPct val="100000"/>
+                        </a:lnSpc>
+                        <a:spcBef>
+                          <a:spcPct val="60000"/>
+                        </a:spcBef>
+                        <a:spcAft>
+                          <a:spcPct val="0"/>
+                        </a:spcAft>
+                        <a:buClr>
+                          <a:schemeClr val="tx1"/>
+                        </a:buClr>
+                        <a:buSzTx/>
+                        <a:buFontTx/>
+                        <a:buNone/>
+                        <a:tabLst/>
+                      </a:pPr>
+                      <a:r>
+                        <a:rPr kumimoji="0" lang="pt-BR" sz="1600" b="0" i="0" u="none" strike="noStrike" cap="none" normalizeH="0" baseline="0" smtClean="0">
+                          <a:ln>
+                            <a:noFill/>
+                          </a:ln>
+                          <a:solidFill>
+                            <a:schemeClr val="tx1"/>
+                          </a:solidFill>
+                          <a:effectLst/>
+                          <a:latin typeface="Arial" charset="0"/>
+                        </a:rPr>
+                        <a:t>NumberFormatException</a:t>
+                      </a:r>
+                    </a:p>
+                  </a:txBody>
+                  <a:tcPr horzOverflow="overflow">
+                    <a:lnL w="28575" cap="flat" cmpd="sng" algn="ctr">
+                      <a:solidFill>
+                        <a:schemeClr val="tx1"/>
+                      </a:solidFill>
+                      <a:prstDash val="solid"/>
+                      <a:round/>
+                      <a:headEnd type="none" w="med" len="med"/>
+                      <a:tailEnd type="none" w="med" len="med"/>
+                    </a:lnL>
+                    <a:lnR w="28575" cap="flat" cmpd="sng" algn="ctr">
+                      <a:solidFill>
+                        <a:schemeClr val="tx1"/>
+                      </a:solidFill>
+                      <a:prstDash val="solid"/>
+                      <a:round/>
+                      <a:headEnd type="none" w="med" len="med"/>
+                      <a:tailEnd type="none" w="med" len="med"/>
+                    </a:lnR>
+                    <a:lnT w="28575" cap="flat" cmpd="sng" algn="ctr">
+                      <a:solidFill>
+                        <a:schemeClr val="tx1"/>
+                      </a:solidFill>
+                      <a:prstDash val="solid"/>
+                      <a:round/>
+                      <a:headEnd type="none" w="med" len="med"/>
+                      <a:tailEnd type="none" w="med" len="med"/>
+                    </a:lnT>
+                    <a:lnB w="28575" cap="flat" cmpd="sng" algn="ctr">
+                      <a:solidFill>
+                        <a:schemeClr val="tx1"/>
+                      </a:solidFill>
+                      <a:prstDash val="solid"/>
+                      <a:round/>
+                      <a:headEnd type="none" w="med" len="med"/>
+                      <a:tailEnd type="none" w="med" len="med"/>
+                    </a:lnB>
+                    <a:lnTlToBr>
+                      <a:noFill/>
+                    </a:lnTlToBr>
+                    <a:lnBlToTr>
+                      <a:noFill/>
+                    </a:lnBlToTr>
+                    <a:noFill/>
+                  </a:tcPr>
+                </a:tc>
+              </a:tr>
+            </a:tbl>
+          </a:graphicData>
+        </a:graphic>
+      </p:graphicFrame>
+      <p:grpSp>
+        <p:nvGrpSpPr>
+          <p:cNvPr id="7" name="Group 124"/>
+          <p:cNvGrpSpPr>
+            <a:grpSpLocks/>
+          </p:cNvGrpSpPr>
+          <p:nvPr/>
+        </p:nvGrpSpPr>
+        <p:grpSpPr bwMode="auto">
+          <a:xfrm rot="17826650" flipH="1">
+            <a:off x="5307012" y="2032001"/>
+            <a:ext cx="138113" cy="830262"/>
+            <a:chOff x="1134" y="4194"/>
+            <a:chExt cx="1440" cy="5580"/>
+          </a:xfrm>
+        </p:grpSpPr>
+        <p:sp>
+          <p:nvSpPr>
+            <p:cNvPr id="511101" name="AutoShape 125"/>
+            <p:cNvSpPr>
+              <a:spLocks noChangeArrowheads="1"/>
+            </p:cNvSpPr>
+            <p:nvPr/>
+          </p:nvSpPr>
+          <p:spPr bwMode="auto">
+            <a:xfrm>
+              <a:off x="1134" y="4194"/>
+              <a:ext cx="1440" cy="1260"/>
+            </a:xfrm>
+            <a:prstGeom prst="triangle">
+              <a:avLst>
+                <a:gd name="adj" fmla="val 50000"/>
+              </a:avLst>
+            </a:prstGeom>
+            <a:solidFill>
+              <a:srgbClr val="FFFFFF"/>
+            </a:solidFill>
+            <a:ln w="12700">
+              <a:solidFill>
+                <a:schemeClr val="tx1"/>
+              </a:solidFill>
+              <a:miter lim="800000"/>
+              <a:headEnd/>
+              <a:tailEnd/>
+            </a:ln>
+          </p:spPr>
+          <p:txBody>
+            <a:bodyPr/>
+            <a:lstStyle/>
+            <a:p>
+              <a:endParaRPr lang="pt-BR"/>
+            </a:p>
+          </p:txBody>
+        </p:sp>
+        <p:sp>
+          <p:nvSpPr>
+            <p:cNvPr id="511102" name="Line 126"/>
+            <p:cNvSpPr>
+              <a:spLocks noChangeShapeType="1"/>
+            </p:cNvSpPr>
+            <p:nvPr/>
+          </p:nvSpPr>
+          <p:spPr bwMode="auto">
+            <a:xfrm>
+              <a:off x="1854" y="5454"/>
+              <a:ext cx="0" cy="4320"/>
+            </a:xfrm>
+            <a:prstGeom prst="line">
+              <a:avLst/>
+            </a:prstGeom>
+            <a:noFill/>
+            <a:ln w="12700">
+              <a:solidFill>
+                <a:schemeClr val="tx1"/>
+              </a:solidFill>
+              <a:round/>
+              <a:headEnd/>
+              <a:tailEnd/>
+            </a:ln>
+          </p:spPr>
+          <p:txBody>
+            <a:bodyPr/>
+            <a:lstStyle/>
+            <a:p>
+              <a:endParaRPr lang="pt-BR"/>
+            </a:p>
+          </p:txBody>
+        </p:sp>
+      </p:grpSp>
+      <p:graphicFrame>
+        <p:nvGraphicFramePr>
+          <p:cNvPr id="511110" name="Group 134"/>
+          <p:cNvGraphicFramePr>
+            <a:graphicFrameLocks noGrp="1"/>
+          </p:cNvGraphicFramePr>
+          <p:nvPr/>
+        </p:nvGraphicFramePr>
+        <p:xfrm>
+          <a:off x="6553200" y="5029200"/>
+          <a:ext cx="2122488" cy="335280"/>
+        </p:xfrm>
+        <a:graphic>
+          <a:graphicData uri="http://schemas.openxmlformats.org/drawingml/2006/table">
+            <a:tbl>
+              <a:tblPr/>
+              <a:tblGrid>
+                <a:gridCol w="2122488"/>
+              </a:tblGrid>
+              <a:tr h="304800">
+                <a:tc>
+                  <a:txBody>
+                    <a:bodyPr/>
+                    <a:lstStyle/>
+                    <a:p>
+                      <a:pPr marL="0" marR="0" lvl="0" indent="0" algn="ctr" defTabSz="914400" rtl="0" eaLnBrk="1" fontAlgn="base" latinLnBrk="0" hangingPunct="1">
+                        <a:lnSpc>
+                          <a:spcPct val="100000"/>
+                        </a:lnSpc>
+                        <a:spcBef>
+                          <a:spcPct val="60000"/>
+                        </a:spcBef>
+                        <a:spcAft>
+                          <a:spcPct val="0"/>
+                        </a:spcAft>
+                        <a:buClr>
+                          <a:schemeClr val="tx1"/>
+                        </a:buClr>
+                        <a:buSzTx/>
+                        <a:buFontTx/>
+                        <a:buNone/>
+                        <a:tabLst/>
+                      </a:pPr>
+                      <a:r>
+                        <a:rPr kumimoji="0" lang="pt-BR" sz="1600" b="0" i="0" u="none" strike="noStrike" cap="none" normalizeH="0" baseline="0" smtClean="0">
+                          <a:ln>
+                            <a:noFill/>
+                          </a:ln>
+                          <a:solidFill>
+                            <a:schemeClr val="tx1"/>
+                          </a:solidFill>
+                          <a:effectLst/>
+                          <a:latin typeface="Arial" charset="0"/>
+                        </a:rPr>
+                        <a:t>NullPointerException</a:t>
+                      </a:r>
+                    </a:p>
+                  </a:txBody>
+                  <a:tcPr horzOverflow="overflow">
+                    <a:lnL w="28575" cap="flat" cmpd="sng" algn="ctr">
+                      <a:solidFill>
+                        <a:schemeClr val="tx1"/>
+                      </a:solidFill>
+                      <a:prstDash val="solid"/>
+                      <a:round/>
+                      <a:headEnd type="none" w="med" len="med"/>
+                      <a:tailEnd type="none" w="med" len="med"/>
+                    </a:lnL>
+                    <a:lnR w="28575" cap="flat" cmpd="sng" algn="ctr">
+                      <a:solidFill>
+                        <a:schemeClr val="tx1"/>
+                      </a:solidFill>
+                      <a:prstDash val="solid"/>
+                      <a:round/>
+                      <a:headEnd type="none" w="med" len="med"/>
+                      <a:tailEnd type="none" w="med" len="med"/>
+                    </a:lnR>
+                    <a:lnT w="28575" cap="flat" cmpd="sng" algn="ctr">
+                      <a:solidFill>
+                        <a:schemeClr val="tx1"/>
+                      </a:solidFill>
+                      <a:prstDash val="solid"/>
+                      <a:round/>
+                      <a:headEnd type="none" w="med" len="med"/>
+                      <a:tailEnd type="none" w="med" len="med"/>
+                    </a:lnT>
+                    <a:lnB w="28575" cap="flat" cmpd="sng" algn="ctr">
+                      <a:solidFill>
+                        <a:schemeClr val="tx1"/>
+                      </a:solidFill>
+                      <a:prstDash val="solid"/>
+                      <a:round/>
+                      <a:headEnd type="none" w="med" len="med"/>
+                      <a:tailEnd type="none" w="med" len="med"/>
+                    </a:lnB>
+                    <a:lnTlToBr>
+                      <a:noFill/>
+                    </a:lnTlToBr>
+                    <a:lnBlToTr>
+                      <a:noFill/>
+                    </a:lnBlToTr>
+                    <a:noFill/>
+                  </a:tcPr>
+                </a:tc>
+              </a:tr>
+            </a:tbl>
+          </a:graphicData>
+        </a:graphic>
+      </p:graphicFrame>
+      <p:grpSp>
+        <p:nvGrpSpPr>
+          <p:cNvPr id="8" name="Group 135"/>
+          <p:cNvGrpSpPr>
+            <a:grpSpLocks/>
+          </p:cNvGrpSpPr>
+          <p:nvPr/>
+        </p:nvGrpSpPr>
+        <p:grpSpPr bwMode="auto">
+          <a:xfrm rot="2987640">
+            <a:off x="3558381" y="4518819"/>
+            <a:ext cx="157163" cy="720725"/>
+            <a:chOff x="1134" y="4194"/>
+            <a:chExt cx="1440" cy="5580"/>
+          </a:xfrm>
+        </p:grpSpPr>
+        <p:sp>
+          <p:nvSpPr>
+            <p:cNvPr id="511112" name="AutoShape 136"/>
+            <p:cNvSpPr>
+              <a:spLocks noChangeArrowheads="1"/>
+            </p:cNvSpPr>
+            <p:nvPr/>
+          </p:nvSpPr>
+          <p:spPr bwMode="auto">
+            <a:xfrm>
+              <a:off x="1134" y="4194"/>
+              <a:ext cx="1440" cy="1260"/>
+            </a:xfrm>
+            <a:prstGeom prst="triangle">
+              <a:avLst>
+                <a:gd name="adj" fmla="val 50000"/>
+              </a:avLst>
+            </a:prstGeom>
+            <a:solidFill>
+              <a:srgbClr val="FFFFFF"/>
+            </a:solidFill>
+            <a:ln w="12700">
+              <a:solidFill>
+                <a:schemeClr val="tx1"/>
+              </a:solidFill>
+              <a:miter lim="800000"/>
+              <a:headEnd/>
+              <a:tailEnd/>
+            </a:ln>
+          </p:spPr>
+          <p:txBody>
+            <a:bodyPr/>
+            <a:lstStyle/>
+            <a:p>
+              <a:endParaRPr lang="pt-BR"/>
+            </a:p>
+          </p:txBody>
+        </p:sp>
+        <p:sp>
+          <p:nvSpPr>
+            <p:cNvPr id="511113" name="Line 137"/>
+            <p:cNvSpPr>
+              <a:spLocks noChangeShapeType="1"/>
+            </p:cNvSpPr>
+            <p:nvPr/>
+          </p:nvSpPr>
+          <p:spPr bwMode="auto">
+            <a:xfrm>
+              <a:off x="1854" y="5454"/>
+              <a:ext cx="0" cy="4320"/>
+            </a:xfrm>
+            <a:prstGeom prst="line">
+              <a:avLst/>
+            </a:prstGeom>
+            <a:noFill/>
+            <a:ln w="12700">
+              <a:solidFill>
+                <a:schemeClr val="tx1"/>
+              </a:solidFill>
+              <a:round/>
+              <a:headEnd/>
+              <a:tailEnd/>
+            </a:ln>
+          </p:spPr>
+          <p:txBody>
+            <a:bodyPr/>
+            <a:lstStyle/>
+            <a:p>
+              <a:endParaRPr lang="pt-BR"/>
+            </a:p>
+          </p:txBody>
+        </p:sp>
+      </p:grpSp>
+      <p:grpSp>
+        <p:nvGrpSpPr>
+          <p:cNvPr id="9" name="Group 138"/>
+          <p:cNvGrpSpPr>
+            <a:grpSpLocks/>
+          </p:cNvGrpSpPr>
+          <p:nvPr/>
+        </p:nvGrpSpPr>
+        <p:grpSpPr bwMode="auto">
+          <a:xfrm rot="18612360" flipH="1">
+            <a:off x="5463381" y="4518819"/>
+            <a:ext cx="157163" cy="720725"/>
+            <a:chOff x="1134" y="4194"/>
+            <a:chExt cx="1440" cy="5580"/>
+          </a:xfrm>
+        </p:grpSpPr>
+        <p:sp>
+          <p:nvSpPr>
+            <p:cNvPr id="511115" name="AutoShape 139"/>
+            <p:cNvSpPr>
+              <a:spLocks noChangeArrowheads="1"/>
+            </p:cNvSpPr>
+            <p:nvPr/>
+          </p:nvSpPr>
+          <p:spPr bwMode="auto">
+            <a:xfrm>
+              <a:off x="1134" y="4194"/>
+              <a:ext cx="1440" cy="1260"/>
+            </a:xfrm>
+            <a:prstGeom prst="triangle">
+              <a:avLst>
+                <a:gd name="adj" fmla="val 50000"/>
+              </a:avLst>
+            </a:prstGeom>
+            <a:solidFill>
+              <a:srgbClr val="FFFFFF"/>
+            </a:solidFill>
+            <a:ln w="12700">
+              <a:solidFill>
+                <a:schemeClr val="tx1"/>
+              </a:solidFill>
+              <a:miter lim="800000"/>
+              <a:headEnd/>
+              <a:tailEnd/>
+            </a:ln>
+          </p:spPr>
+          <p:txBody>
+            <a:bodyPr/>
+            <a:lstStyle/>
+            <a:p>
+              <a:endParaRPr lang="pt-BR"/>
+            </a:p>
+          </p:txBody>
+        </p:sp>
+        <p:sp>
+          <p:nvSpPr>
+            <p:cNvPr id="511116" name="Line 140"/>
+            <p:cNvSpPr>
+              <a:spLocks noChangeShapeType="1"/>
+            </p:cNvSpPr>
+            <p:nvPr/>
+          </p:nvSpPr>
+          <p:spPr bwMode="auto">
+            <a:xfrm>
+              <a:off x="1854" y="5454"/>
+              <a:ext cx="0" cy="4320"/>
+            </a:xfrm>
+            <a:prstGeom prst="line">
+              <a:avLst/>
+            </a:prstGeom>
+            <a:noFill/>
+            <a:ln w="12700">
+              <a:solidFill>
+                <a:schemeClr val="tx1"/>
+              </a:solidFill>
+              <a:round/>
+              <a:headEnd/>
+              <a:tailEnd/>
+            </a:ln>
+          </p:spPr>
+          <p:txBody>
+            <a:bodyPr/>
+            <a:lstStyle/>
+            <a:p>
+              <a:endParaRPr lang="pt-BR"/>
+            </a:p>
+          </p:txBody>
+        </p:sp>
+      </p:grpSp>
+      <p:sp>
+        <p:nvSpPr>
+          <p:cNvPr id="511117" name="Line 141"/>
+          <p:cNvSpPr>
+            <a:spLocks noChangeShapeType="1"/>
+          </p:cNvSpPr>
+          <p:nvPr/>
+        </p:nvSpPr>
+        <p:spPr bwMode="auto">
+          <a:xfrm>
+            <a:off x="5791200" y="5105400"/>
+            <a:ext cx="762000" cy="0"/>
+          </a:xfrm>
+          <a:prstGeom prst="line">
+            <a:avLst/>
+          </a:prstGeom>
+          <a:noFill/>
+          <a:ln w="9525">
+            <a:solidFill>
+              <a:schemeClr val="tx1"/>
+            </a:solidFill>
+            <a:miter lim="800000"/>
+            <a:headEnd/>
+            <a:tailEnd/>
+          </a:ln>
+          <a:effectLst/>
+        </p:spPr>
+        <p:txBody>
+          <a:bodyPr/>
+          <a:lstStyle/>
+          <a:p>
+            <a:endParaRPr lang="pt-BR"/>
+          </a:p>
+        </p:txBody>
+      </p:sp>
+      <p:sp>
+        <p:nvSpPr>
+          <p:cNvPr id="511118" name="Line 142"/>
+          <p:cNvSpPr>
+            <a:spLocks noChangeShapeType="1"/>
+          </p:cNvSpPr>
+          <p:nvPr/>
+        </p:nvSpPr>
+        <p:spPr bwMode="auto">
+          <a:xfrm>
+            <a:off x="2895600" y="5105400"/>
+            <a:ext cx="457200" cy="0"/>
+          </a:xfrm>
+          <a:prstGeom prst="line">
+            <a:avLst/>
+          </a:prstGeom>
+          <a:noFill/>
+          <a:ln w="9525">
+            <a:solidFill>
+              <a:schemeClr val="tx1"/>
+            </a:solidFill>
+            <a:miter lim="800000"/>
+            <a:headEnd/>
+            <a:tailEnd/>
+          </a:ln>
+          <a:effectLst/>
+        </p:spPr>
+        <p:txBody>
+          <a:bodyPr/>
+          <a:lstStyle/>
+          <a:p>
+            <a:endParaRPr lang="pt-BR"/>
+          </a:p>
+        </p:txBody>
+      </p:sp>
+      <p:grpSp>
+        <p:nvGrpSpPr>
+          <p:cNvPr id="10" name="Group 143"/>
+          <p:cNvGrpSpPr>
+            <a:grpSpLocks/>
+          </p:cNvGrpSpPr>
+          <p:nvPr/>
+        </p:nvGrpSpPr>
+        <p:grpSpPr bwMode="auto">
+          <a:xfrm>
+            <a:off x="4067175" y="4648200"/>
+            <a:ext cx="152400" cy="990600"/>
+            <a:chOff x="1134" y="4194"/>
+            <a:chExt cx="1440" cy="5580"/>
+          </a:xfrm>
+        </p:grpSpPr>
+        <p:sp>
+          <p:nvSpPr>
+            <p:cNvPr id="511120" name="AutoShape 144"/>
+            <p:cNvSpPr>
+              <a:spLocks noChangeArrowheads="1"/>
+            </p:cNvSpPr>
+            <p:nvPr/>
+          </p:nvSpPr>
+          <p:spPr bwMode="auto">
+            <a:xfrm>
+              <a:off x="1134" y="4194"/>
+              <a:ext cx="1440" cy="1260"/>
+            </a:xfrm>
+            <a:prstGeom prst="triangle">
+              <a:avLst>
+                <a:gd name="adj" fmla="val 50000"/>
+              </a:avLst>
+            </a:prstGeom>
+            <a:solidFill>
+              <a:srgbClr val="FFFFFF"/>
+            </a:solidFill>
+            <a:ln w="12700">
+              <a:solidFill>
+                <a:schemeClr val="tx1"/>
+              </a:solidFill>
+              <a:miter lim="800000"/>
+              <a:headEnd/>
+              <a:tailEnd/>
+            </a:ln>
+          </p:spPr>
+          <p:txBody>
+            <a:bodyPr/>
+            <a:lstStyle/>
+            <a:p>
+              <a:endParaRPr lang="pt-BR"/>
+            </a:p>
+          </p:txBody>
+        </p:sp>
+        <p:sp>
+          <p:nvSpPr>
+            <p:cNvPr id="511121" name="Line 145"/>
+            <p:cNvSpPr>
+              <a:spLocks noChangeShapeType="1"/>
+            </p:cNvSpPr>
+            <p:nvPr/>
+          </p:nvSpPr>
+          <p:spPr bwMode="auto">
+            <a:xfrm>
+              <a:off x="1854" y="5454"/>
+              <a:ext cx="0" cy="4320"/>
+            </a:xfrm>
+            <a:prstGeom prst="line">
+              <a:avLst/>
+            </a:prstGeom>
+            <a:noFill/>
+            <a:ln w="12700">
+              <a:solidFill>
+                <a:schemeClr val="tx1"/>
+              </a:solidFill>
+              <a:round/>
+              <a:headEnd/>
+              <a:tailEnd/>
+            </a:ln>
+          </p:spPr>
+          <p:txBody>
+            <a:bodyPr/>
+            <a:lstStyle/>
+            <a:p>
+              <a:endParaRPr lang="pt-BR"/>
+            </a:p>
+          </p:txBody>
+        </p:sp>
+      </p:grpSp>
+      <p:grpSp>
+        <p:nvGrpSpPr>
+          <p:cNvPr id="11" name="Group 146"/>
+          <p:cNvGrpSpPr>
+            <a:grpSpLocks/>
+          </p:cNvGrpSpPr>
+          <p:nvPr/>
+        </p:nvGrpSpPr>
+        <p:grpSpPr bwMode="auto">
+          <a:xfrm>
+            <a:off x="5029200" y="4648200"/>
+            <a:ext cx="152400" cy="990600"/>
+            <a:chOff x="1134" y="4194"/>
+            <a:chExt cx="1440" cy="5580"/>
+          </a:xfrm>
+        </p:grpSpPr>
+        <p:sp>
+          <p:nvSpPr>
+            <p:cNvPr id="511123" name="AutoShape 147"/>
+            <p:cNvSpPr>
+              <a:spLocks noChangeArrowheads="1"/>
+            </p:cNvSpPr>
+            <p:nvPr/>
+          </p:nvSpPr>
+          <p:spPr bwMode="auto">
+            <a:xfrm>
+              <a:off x="1134" y="4194"/>
+              <a:ext cx="1440" cy="1260"/>
+            </a:xfrm>
+            <a:prstGeom prst="triangle">
+              <a:avLst>
+                <a:gd name="adj" fmla="val 50000"/>
+              </a:avLst>
+            </a:prstGeom>
+            <a:solidFill>
+              <a:srgbClr val="FFFFFF"/>
+            </a:solidFill>
+            <a:ln w="12700">
+              <a:solidFill>
+                <a:schemeClr val="tx1"/>
+              </a:solidFill>
+              <a:miter lim="800000"/>
+              <a:headEnd/>
+              <a:tailEnd/>
+            </a:ln>
+          </p:spPr>
+          <p:txBody>
+            <a:bodyPr/>
+            <a:lstStyle/>
+            <a:p>
+              <a:endParaRPr lang="pt-BR"/>
+            </a:p>
+          </p:txBody>
+        </p:sp>
+        <p:sp>
+          <p:nvSpPr>
+            <p:cNvPr id="511124" name="Line 148"/>
+            <p:cNvSpPr>
+              <a:spLocks noChangeShapeType="1"/>
+            </p:cNvSpPr>
+            <p:nvPr/>
+          </p:nvSpPr>
+          <p:spPr bwMode="auto">
+            <a:xfrm>
+              <a:off x="1854" y="5454"/>
+              <a:ext cx="0" cy="4320"/>
+            </a:xfrm>
+            <a:prstGeom prst="line">
+              <a:avLst/>
+            </a:prstGeom>
+            <a:noFill/>
+            <a:ln w="12700">
+              <a:solidFill>
+                <a:schemeClr val="tx1"/>
+              </a:solidFill>
+              <a:round/>
+              <a:headEnd/>
+              <a:tailEnd/>
+            </a:ln>
+          </p:spPr>
+          <p:txBody>
+            <a:bodyPr/>
+            <a:lstStyle/>
+            <a:p>
+              <a:endParaRPr lang="pt-BR"/>
+            </a:p>
+          </p:txBody>
+        </p:sp>
+      </p:grpSp>
     </p:spTree>
   </p:cSld>
   <p:clrMapOvr>
     <a:masterClrMapping/>
   </p:clrMapOvr>
+  <p:timing>
+    <p:tnLst>
+      <p:par>
+        <p:cTn id="1" dur="indefinite" restart="never" nodeType="tmRoot"/>
+      </p:par>
+    </p:tnLst>
+  </p:timing>
 </p:sld>
 </file>
 
@@ -6865,12 +9548,7 @@
             <p:ph type="title"/>
           </p:nvPr>
         </p:nvSpPr>
-        <p:spPr>
-          <a:xfrm>
-            <a:off x="457200" y="274638"/>
-            <a:ext cx="8003232" cy="1143000"/>
-          </a:xfrm>
-        </p:spPr>
+        <p:spPr/>
         <p:txBody>
           <a:bodyPr/>
           <a:lstStyle/>
@@ -6885,7 +9563,7 @@
                 <a:ea typeface="+mj-ea"/>
                 <a:cs typeface="+mj-cs"/>
               </a:rPr>
-              <a:t>Principais métodos de exceções</a:t>
+              <a:t>Principais exceções</a:t>
             </a:r>
             <a:endParaRPr lang="pt-BR" dirty="0"/>
           </a:p>
@@ -6944,6 +9622,13 @@
   <p:clrMapOvr>
     <a:masterClrMapping/>
   </p:clrMapOvr>
+  <p:timing>
+    <p:tnLst>
+      <p:par>
+        <p:cTn id="1" dur="indefinite" restart="never" nodeType="tmRoot"/>
+      </p:par>
+    </p:tnLst>
+  </p:timing>
 </p:sld>
 </file>
 
@@ -6974,7 +9659,12 @@
             <p:ph type="title"/>
           </p:nvPr>
         </p:nvSpPr>
-        <p:spPr/>
+        <p:spPr>
+          <a:xfrm>
+            <a:off x="457200" y="274638"/>
+            <a:ext cx="8003232" cy="1143000"/>
+          </a:xfrm>
+        </p:spPr>
         <p:txBody>
           <a:bodyPr/>
           <a:lstStyle/>
@@ -6989,7 +9679,7 @@
                 <a:ea typeface="+mj-ea"/>
                 <a:cs typeface="+mj-cs"/>
               </a:rPr>
-              <a:t>Exceções transferidas</a:t>
+              <a:t>Principais métodos de exceções</a:t>
             </a:r>
             <a:endParaRPr lang="pt-BR" dirty="0"/>
           </a:p>
@@ -7048,6 +9738,13 @@
   <p:clrMapOvr>
     <a:masterClrMapping/>
   </p:clrMapOvr>
+  <p:timing>
+    <p:tnLst>
+      <p:par>
+        <p:cTn id="1" dur="indefinite" restart="never" nodeType="tmRoot"/>
+      </p:par>
+    </p:tnLst>
+  </p:timing>
 </p:sld>
 </file>
 
@@ -7093,18 +9790,7 @@
                 <a:ea typeface="+mj-ea"/>
                 <a:cs typeface="+mj-cs"/>
               </a:rPr>
-              <a:t>Cláusula </a:t>
-            </a:r>
-            <a:r>
-              <a:rPr lang="pt-BR" sz="4600" kern="1200" dirty="0" err="1" smtClean="0">
-                <a:solidFill>
-                  <a:schemeClr val="tx1"/>
-                </a:solidFill>
-                <a:latin typeface="+mj-lt"/>
-                <a:ea typeface="+mj-ea"/>
-                <a:cs typeface="+mj-cs"/>
-              </a:rPr>
-              <a:t>throws</a:t>
+              <a:t>Exceções transferidas</a:t>
             </a:r>
             <a:endParaRPr lang="pt-BR" dirty="0"/>
           </a:p>

--- a/2-Java-Programmer-Modulo-II/12.Capitulo06.pptx
+++ b/2-Java-Programmer-Modulo-II/12.Capitulo06.pptx
@@ -5,7 +5,7 @@
     <p:sldMasterId id="2147483660" r:id="rId1"/>
   </p:sldMasterIdLst>
   <p:notesMasterIdLst>
-    <p:notesMasterId r:id="rId15"/>
+    <p:notesMasterId r:id="rId28"/>
   </p:notesMasterIdLst>
   <p:sldIdLst>
     <p:sldId id="256" r:id="rId2"/>
@@ -14,13 +14,26 @@
     <p:sldId id="320" r:id="rId5"/>
     <p:sldId id="329" r:id="rId6"/>
     <p:sldId id="330" r:id="rId7"/>
-    <p:sldId id="322" r:id="rId8"/>
-    <p:sldId id="323" r:id="rId9"/>
-    <p:sldId id="324" r:id="rId10"/>
-    <p:sldId id="325" r:id="rId11"/>
-    <p:sldId id="326" r:id="rId12"/>
-    <p:sldId id="327" r:id="rId13"/>
-    <p:sldId id="328" r:id="rId14"/>
+    <p:sldId id="331" r:id="rId8"/>
+    <p:sldId id="333" r:id="rId9"/>
+    <p:sldId id="334" r:id="rId10"/>
+    <p:sldId id="332" r:id="rId11"/>
+    <p:sldId id="324" r:id="rId12"/>
+    <p:sldId id="335" r:id="rId13"/>
+    <p:sldId id="336" r:id="rId14"/>
+    <p:sldId id="337" r:id="rId15"/>
+    <p:sldId id="326" r:id="rId16"/>
+    <p:sldId id="344" r:id="rId17"/>
+    <p:sldId id="322" r:id="rId18"/>
+    <p:sldId id="345" r:id="rId19"/>
+    <p:sldId id="346" r:id="rId20"/>
+    <p:sldId id="347" r:id="rId21"/>
+    <p:sldId id="349" r:id="rId22"/>
+    <p:sldId id="348" r:id="rId23"/>
+    <p:sldId id="338" r:id="rId24"/>
+    <p:sldId id="323" r:id="rId25"/>
+    <p:sldId id="327" r:id="rId26"/>
+    <p:sldId id="328" r:id="rId27"/>
   </p:sldIdLst>
   <p:sldSz cx="9144000" cy="6858000" type="screen4x3"/>
   <p:notesSz cx="6858000" cy="9144000"/>
@@ -261,7 +274,7 @@
               <a:pPr>
                 <a:defRPr/>
               </a:pPr>
-              <a:t>05/04/2012</a:t>
+              <a:t>06/04/2012</a:t>
             </a:fld>
             <a:endParaRPr lang="pt-BR"/>
           </a:p>
@@ -776,14 +789,9 @@
           <a:bodyPr/>
           <a:lstStyle/>
           <a:p>
-            <a:pPr>
-              <a:defRPr/>
-            </a:pPr>
-            <a:fld id="{A1564085-A201-4A92-B865-4522CAEE4E86}" type="slidenum">
+            <a:fld id="{47CE234B-CAFC-4F2B-98A6-DCA9BBF6B41C}" type="slidenum">
               <a:rPr lang="pt-BR" smtClean="0"/>
-              <a:pPr>
-                <a:defRPr/>
-              </a:pPr>
+              <a:pPr/>
               <a:t>10</a:t>
             </a:fld>
             <a:endParaRPr lang="pt-BR"/>
@@ -950,14 +958,9 @@
           <a:bodyPr/>
           <a:lstStyle/>
           <a:p>
-            <a:pPr>
-              <a:defRPr/>
-            </a:pPr>
-            <a:fld id="{A1564085-A201-4A92-B865-4522CAEE4E86}" type="slidenum">
+            <a:fld id="{F0D7FA56-F7E5-4E13-9B6B-53B9FEFBB410}" type="slidenum">
               <a:rPr lang="pt-BR" smtClean="0"/>
-              <a:pPr>
-                <a:defRPr/>
-              </a:pPr>
+              <a:pPr/>
               <a:t>12</a:t>
             </a:fld>
             <a:endParaRPr lang="pt-BR"/>
@@ -1059,6 +1062,528 @@
 </p:notes>
 </file>
 
+<file path=ppt/notesSlides/notesSlide14.xml><?xml version="1.0" encoding="utf-8"?>
+<p:notes xmlns:a="http://schemas.openxmlformats.org/drawingml/2006/main" xmlns:r="http://schemas.openxmlformats.org/officeDocument/2006/relationships" xmlns:p="http://schemas.openxmlformats.org/presentationml/2006/main">
+  <p:cSld>
+    <p:spTree>
+      <p:nvGrpSpPr>
+        <p:cNvPr id="1" name=""/>
+        <p:cNvGrpSpPr/>
+        <p:nvPr/>
+      </p:nvGrpSpPr>
+      <p:grpSpPr>
+        <a:xfrm>
+          <a:off x="0" y="0"/>
+          <a:ext cx="0" cy="0"/>
+          <a:chOff x="0" y="0"/>
+          <a:chExt cx="0" cy="0"/>
+        </a:xfrm>
+      </p:grpSpPr>
+      <p:sp>
+        <p:nvSpPr>
+          <p:cNvPr id="2" name="Espaço Reservado para Imagem de Slide 1"/>
+          <p:cNvSpPr>
+            <a:spLocks noGrp="1" noRot="1" noChangeAspect="1"/>
+          </p:cNvSpPr>
+          <p:nvPr>
+            <p:ph type="sldImg"/>
+          </p:nvPr>
+        </p:nvSpPr>
+        <p:spPr/>
+      </p:sp>
+      <p:sp>
+        <p:nvSpPr>
+          <p:cNvPr id="3" name="Espaço Reservado para Anotações 2"/>
+          <p:cNvSpPr>
+            <a:spLocks noGrp="1"/>
+          </p:cNvSpPr>
+          <p:nvPr>
+            <p:ph type="body" idx="1"/>
+          </p:nvPr>
+        </p:nvSpPr>
+        <p:spPr/>
+        <p:txBody>
+          <a:bodyPr>
+            <a:normAutofit/>
+          </a:bodyPr>
+          <a:lstStyle/>
+          <a:p>
+            <a:endParaRPr lang="pt-BR"/>
+          </a:p>
+        </p:txBody>
+      </p:sp>
+      <p:sp>
+        <p:nvSpPr>
+          <p:cNvPr id="4" name="Espaço Reservado para Número de Slide 3"/>
+          <p:cNvSpPr>
+            <a:spLocks noGrp="1"/>
+          </p:cNvSpPr>
+          <p:nvPr>
+            <p:ph type="sldNum" sz="quarter" idx="10"/>
+          </p:nvPr>
+        </p:nvSpPr>
+        <p:spPr/>
+        <p:txBody>
+          <a:bodyPr/>
+          <a:lstStyle/>
+          <a:p>
+            <a:pPr>
+              <a:defRPr/>
+            </a:pPr>
+            <a:fld id="{A1564085-A201-4A92-B865-4522CAEE4E86}" type="slidenum">
+              <a:rPr lang="pt-BR" smtClean="0"/>
+              <a:pPr>
+                <a:defRPr/>
+              </a:pPr>
+              <a:t>14</a:t>
+            </a:fld>
+            <a:endParaRPr lang="pt-BR"/>
+          </a:p>
+        </p:txBody>
+      </p:sp>
+    </p:spTree>
+  </p:cSld>
+  <p:clrMapOvr>
+    <a:masterClrMapping/>
+  </p:clrMapOvr>
+</p:notes>
+</file>
+
+<file path=ppt/notesSlides/notesSlide15.xml><?xml version="1.0" encoding="utf-8"?>
+<p:notes xmlns:a="http://schemas.openxmlformats.org/drawingml/2006/main" xmlns:r="http://schemas.openxmlformats.org/officeDocument/2006/relationships" xmlns:p="http://schemas.openxmlformats.org/presentationml/2006/main">
+  <p:cSld>
+    <p:spTree>
+      <p:nvGrpSpPr>
+        <p:cNvPr id="1" name=""/>
+        <p:cNvGrpSpPr/>
+        <p:nvPr/>
+      </p:nvGrpSpPr>
+      <p:grpSpPr>
+        <a:xfrm>
+          <a:off x="0" y="0"/>
+          <a:ext cx="0" cy="0"/>
+          <a:chOff x="0" y="0"/>
+          <a:chExt cx="0" cy="0"/>
+        </a:xfrm>
+      </p:grpSpPr>
+      <p:sp>
+        <p:nvSpPr>
+          <p:cNvPr id="2" name="Espaço Reservado para Imagem de Slide 1"/>
+          <p:cNvSpPr>
+            <a:spLocks noGrp="1" noRot="1" noChangeAspect="1"/>
+          </p:cNvSpPr>
+          <p:nvPr>
+            <p:ph type="sldImg"/>
+          </p:nvPr>
+        </p:nvSpPr>
+        <p:spPr/>
+      </p:sp>
+      <p:sp>
+        <p:nvSpPr>
+          <p:cNvPr id="3" name="Espaço Reservado para Anotações 2"/>
+          <p:cNvSpPr>
+            <a:spLocks noGrp="1"/>
+          </p:cNvSpPr>
+          <p:nvPr>
+            <p:ph type="body" idx="1"/>
+          </p:nvPr>
+        </p:nvSpPr>
+        <p:spPr/>
+        <p:txBody>
+          <a:bodyPr>
+            <a:normAutofit/>
+          </a:bodyPr>
+          <a:lstStyle/>
+          <a:p>
+            <a:endParaRPr lang="pt-BR"/>
+          </a:p>
+        </p:txBody>
+      </p:sp>
+      <p:sp>
+        <p:nvSpPr>
+          <p:cNvPr id="4" name="Espaço Reservado para Número de Slide 3"/>
+          <p:cNvSpPr>
+            <a:spLocks noGrp="1"/>
+          </p:cNvSpPr>
+          <p:nvPr>
+            <p:ph type="sldNum" sz="quarter" idx="10"/>
+          </p:nvPr>
+        </p:nvSpPr>
+        <p:spPr/>
+        <p:txBody>
+          <a:bodyPr/>
+          <a:lstStyle/>
+          <a:p>
+            <a:pPr>
+              <a:defRPr/>
+            </a:pPr>
+            <a:fld id="{A1564085-A201-4A92-B865-4522CAEE4E86}" type="slidenum">
+              <a:rPr lang="pt-BR" smtClean="0"/>
+              <a:pPr>
+                <a:defRPr/>
+              </a:pPr>
+              <a:t>15</a:t>
+            </a:fld>
+            <a:endParaRPr lang="pt-BR"/>
+          </a:p>
+        </p:txBody>
+      </p:sp>
+    </p:spTree>
+  </p:cSld>
+  <p:clrMapOvr>
+    <a:masterClrMapping/>
+  </p:clrMapOvr>
+</p:notes>
+</file>
+
+<file path=ppt/notesSlides/notesSlide16.xml><?xml version="1.0" encoding="utf-8"?>
+<p:notes xmlns:a="http://schemas.openxmlformats.org/drawingml/2006/main" xmlns:r="http://schemas.openxmlformats.org/officeDocument/2006/relationships" xmlns:p="http://schemas.openxmlformats.org/presentationml/2006/main">
+  <p:cSld>
+    <p:spTree>
+      <p:nvGrpSpPr>
+        <p:cNvPr id="1" name=""/>
+        <p:cNvGrpSpPr/>
+        <p:nvPr/>
+      </p:nvGrpSpPr>
+      <p:grpSpPr>
+        <a:xfrm>
+          <a:off x="0" y="0"/>
+          <a:ext cx="0" cy="0"/>
+          <a:chOff x="0" y="0"/>
+          <a:chExt cx="0" cy="0"/>
+        </a:xfrm>
+      </p:grpSpPr>
+      <p:sp>
+        <p:nvSpPr>
+          <p:cNvPr id="2" name="Espaço Reservado para Imagem de Slide 1"/>
+          <p:cNvSpPr>
+            <a:spLocks noGrp="1" noRot="1" noChangeAspect="1"/>
+          </p:cNvSpPr>
+          <p:nvPr>
+            <p:ph type="sldImg"/>
+          </p:nvPr>
+        </p:nvSpPr>
+        <p:spPr/>
+      </p:sp>
+      <p:sp>
+        <p:nvSpPr>
+          <p:cNvPr id="3" name="Espaço Reservado para Anotações 2"/>
+          <p:cNvSpPr>
+            <a:spLocks noGrp="1"/>
+          </p:cNvSpPr>
+          <p:nvPr>
+            <p:ph type="body" idx="1"/>
+          </p:nvPr>
+        </p:nvSpPr>
+        <p:spPr/>
+        <p:txBody>
+          <a:bodyPr>
+            <a:normAutofit/>
+          </a:bodyPr>
+          <a:lstStyle/>
+          <a:p>
+            <a:endParaRPr lang="pt-BR"/>
+          </a:p>
+        </p:txBody>
+      </p:sp>
+      <p:sp>
+        <p:nvSpPr>
+          <p:cNvPr id="4" name="Espaço Reservado para Número de Slide 3"/>
+          <p:cNvSpPr>
+            <a:spLocks noGrp="1"/>
+          </p:cNvSpPr>
+          <p:nvPr>
+            <p:ph type="sldNum" sz="quarter" idx="10"/>
+          </p:nvPr>
+        </p:nvSpPr>
+        <p:spPr/>
+        <p:txBody>
+          <a:bodyPr/>
+          <a:lstStyle/>
+          <a:p>
+            <a:pPr>
+              <a:defRPr/>
+            </a:pPr>
+            <a:fld id="{A1564085-A201-4A92-B865-4522CAEE4E86}" type="slidenum">
+              <a:rPr lang="pt-BR" smtClean="0"/>
+              <a:pPr>
+                <a:defRPr/>
+              </a:pPr>
+              <a:t>16</a:t>
+            </a:fld>
+            <a:endParaRPr lang="pt-BR"/>
+          </a:p>
+        </p:txBody>
+      </p:sp>
+    </p:spTree>
+  </p:cSld>
+  <p:clrMapOvr>
+    <a:masterClrMapping/>
+  </p:clrMapOvr>
+</p:notes>
+</file>
+
+<file path=ppt/notesSlides/notesSlide17.xml><?xml version="1.0" encoding="utf-8"?>
+<p:notes xmlns:a="http://schemas.openxmlformats.org/drawingml/2006/main" xmlns:r="http://schemas.openxmlformats.org/officeDocument/2006/relationships" xmlns:p="http://schemas.openxmlformats.org/presentationml/2006/main">
+  <p:cSld>
+    <p:spTree>
+      <p:nvGrpSpPr>
+        <p:cNvPr id="1" name=""/>
+        <p:cNvGrpSpPr/>
+        <p:nvPr/>
+      </p:nvGrpSpPr>
+      <p:grpSpPr>
+        <a:xfrm>
+          <a:off x="0" y="0"/>
+          <a:ext cx="0" cy="0"/>
+          <a:chOff x="0" y="0"/>
+          <a:chExt cx="0" cy="0"/>
+        </a:xfrm>
+      </p:grpSpPr>
+      <p:sp>
+        <p:nvSpPr>
+          <p:cNvPr id="2" name="Espaço Reservado para Imagem de Slide 1"/>
+          <p:cNvSpPr>
+            <a:spLocks noGrp="1" noRot="1" noChangeAspect="1"/>
+          </p:cNvSpPr>
+          <p:nvPr>
+            <p:ph type="sldImg"/>
+          </p:nvPr>
+        </p:nvSpPr>
+        <p:spPr/>
+      </p:sp>
+      <p:sp>
+        <p:nvSpPr>
+          <p:cNvPr id="3" name="Espaço Reservado para Anotações 2"/>
+          <p:cNvSpPr>
+            <a:spLocks noGrp="1"/>
+          </p:cNvSpPr>
+          <p:nvPr>
+            <p:ph type="body" idx="1"/>
+          </p:nvPr>
+        </p:nvSpPr>
+        <p:spPr/>
+        <p:txBody>
+          <a:bodyPr>
+            <a:normAutofit/>
+          </a:bodyPr>
+          <a:lstStyle/>
+          <a:p>
+            <a:endParaRPr lang="pt-BR"/>
+          </a:p>
+        </p:txBody>
+      </p:sp>
+      <p:sp>
+        <p:nvSpPr>
+          <p:cNvPr id="4" name="Espaço Reservado para Número de Slide 3"/>
+          <p:cNvSpPr>
+            <a:spLocks noGrp="1"/>
+          </p:cNvSpPr>
+          <p:nvPr>
+            <p:ph type="sldNum" sz="quarter" idx="10"/>
+          </p:nvPr>
+        </p:nvSpPr>
+        <p:spPr/>
+        <p:txBody>
+          <a:bodyPr/>
+          <a:lstStyle/>
+          <a:p>
+            <a:pPr>
+              <a:defRPr/>
+            </a:pPr>
+            <a:fld id="{A1564085-A201-4A92-B865-4522CAEE4E86}" type="slidenum">
+              <a:rPr lang="pt-BR" smtClean="0"/>
+              <a:pPr>
+                <a:defRPr/>
+              </a:pPr>
+              <a:t>17</a:t>
+            </a:fld>
+            <a:endParaRPr lang="pt-BR"/>
+          </a:p>
+        </p:txBody>
+      </p:sp>
+    </p:spTree>
+  </p:cSld>
+  <p:clrMapOvr>
+    <a:masterClrMapping/>
+  </p:clrMapOvr>
+</p:notes>
+</file>
+
+<file path=ppt/notesSlides/notesSlide18.xml><?xml version="1.0" encoding="utf-8"?>
+<p:notes xmlns:a="http://schemas.openxmlformats.org/drawingml/2006/main" xmlns:r="http://schemas.openxmlformats.org/officeDocument/2006/relationships" xmlns:p="http://schemas.openxmlformats.org/presentationml/2006/main">
+  <p:cSld>
+    <p:spTree>
+      <p:nvGrpSpPr>
+        <p:cNvPr id="1" name=""/>
+        <p:cNvGrpSpPr/>
+        <p:nvPr/>
+      </p:nvGrpSpPr>
+      <p:grpSpPr>
+        <a:xfrm>
+          <a:off x="0" y="0"/>
+          <a:ext cx="0" cy="0"/>
+          <a:chOff x="0" y="0"/>
+          <a:chExt cx="0" cy="0"/>
+        </a:xfrm>
+      </p:grpSpPr>
+      <p:sp>
+        <p:nvSpPr>
+          <p:cNvPr id="2" name="Espaço Reservado para Imagem de Slide 1"/>
+          <p:cNvSpPr>
+            <a:spLocks noGrp="1" noRot="1" noChangeAspect="1"/>
+          </p:cNvSpPr>
+          <p:nvPr>
+            <p:ph type="sldImg"/>
+          </p:nvPr>
+        </p:nvSpPr>
+        <p:spPr/>
+      </p:sp>
+      <p:sp>
+        <p:nvSpPr>
+          <p:cNvPr id="3" name="Espaço Reservado para Anotações 2"/>
+          <p:cNvSpPr>
+            <a:spLocks noGrp="1"/>
+          </p:cNvSpPr>
+          <p:nvPr>
+            <p:ph type="body" idx="1"/>
+          </p:nvPr>
+        </p:nvSpPr>
+        <p:spPr/>
+        <p:txBody>
+          <a:bodyPr>
+            <a:normAutofit/>
+          </a:bodyPr>
+          <a:lstStyle/>
+          <a:p>
+            <a:endParaRPr lang="pt-BR"/>
+          </a:p>
+        </p:txBody>
+      </p:sp>
+      <p:sp>
+        <p:nvSpPr>
+          <p:cNvPr id="4" name="Espaço Reservado para Número de Slide 3"/>
+          <p:cNvSpPr>
+            <a:spLocks noGrp="1"/>
+          </p:cNvSpPr>
+          <p:nvPr>
+            <p:ph type="sldNum" sz="quarter" idx="10"/>
+          </p:nvPr>
+        </p:nvSpPr>
+        <p:spPr/>
+        <p:txBody>
+          <a:bodyPr/>
+          <a:lstStyle/>
+          <a:p>
+            <a:pPr>
+              <a:defRPr/>
+            </a:pPr>
+            <a:fld id="{A1564085-A201-4A92-B865-4522CAEE4E86}" type="slidenum">
+              <a:rPr lang="pt-BR" smtClean="0"/>
+              <a:pPr>
+                <a:defRPr/>
+              </a:pPr>
+              <a:t>18</a:t>
+            </a:fld>
+            <a:endParaRPr lang="pt-BR"/>
+          </a:p>
+        </p:txBody>
+      </p:sp>
+    </p:spTree>
+  </p:cSld>
+  <p:clrMapOvr>
+    <a:masterClrMapping/>
+  </p:clrMapOvr>
+</p:notes>
+</file>
+
+<file path=ppt/notesSlides/notesSlide19.xml><?xml version="1.0" encoding="utf-8"?>
+<p:notes xmlns:a="http://schemas.openxmlformats.org/drawingml/2006/main" xmlns:r="http://schemas.openxmlformats.org/officeDocument/2006/relationships" xmlns:p="http://schemas.openxmlformats.org/presentationml/2006/main">
+  <p:cSld>
+    <p:spTree>
+      <p:nvGrpSpPr>
+        <p:cNvPr id="1" name=""/>
+        <p:cNvGrpSpPr/>
+        <p:nvPr/>
+      </p:nvGrpSpPr>
+      <p:grpSpPr>
+        <a:xfrm>
+          <a:off x="0" y="0"/>
+          <a:ext cx="0" cy="0"/>
+          <a:chOff x="0" y="0"/>
+          <a:chExt cx="0" cy="0"/>
+        </a:xfrm>
+      </p:grpSpPr>
+      <p:sp>
+        <p:nvSpPr>
+          <p:cNvPr id="2" name="Espaço Reservado para Imagem de Slide 1"/>
+          <p:cNvSpPr>
+            <a:spLocks noGrp="1" noRot="1" noChangeAspect="1"/>
+          </p:cNvSpPr>
+          <p:nvPr>
+            <p:ph type="sldImg"/>
+          </p:nvPr>
+        </p:nvSpPr>
+        <p:spPr/>
+      </p:sp>
+      <p:sp>
+        <p:nvSpPr>
+          <p:cNvPr id="3" name="Espaço Reservado para Anotações 2"/>
+          <p:cNvSpPr>
+            <a:spLocks noGrp="1"/>
+          </p:cNvSpPr>
+          <p:nvPr>
+            <p:ph type="body" idx="1"/>
+          </p:nvPr>
+        </p:nvSpPr>
+        <p:spPr/>
+        <p:txBody>
+          <a:bodyPr>
+            <a:normAutofit/>
+          </a:bodyPr>
+          <a:lstStyle/>
+          <a:p>
+            <a:endParaRPr lang="pt-BR"/>
+          </a:p>
+        </p:txBody>
+      </p:sp>
+      <p:sp>
+        <p:nvSpPr>
+          <p:cNvPr id="4" name="Espaço Reservado para Número de Slide 3"/>
+          <p:cNvSpPr>
+            <a:spLocks noGrp="1"/>
+          </p:cNvSpPr>
+          <p:nvPr>
+            <p:ph type="sldNum" sz="quarter" idx="10"/>
+          </p:nvPr>
+        </p:nvSpPr>
+        <p:spPr/>
+        <p:txBody>
+          <a:bodyPr/>
+          <a:lstStyle/>
+          <a:p>
+            <a:pPr>
+              <a:defRPr/>
+            </a:pPr>
+            <a:fld id="{A1564085-A201-4A92-B865-4522CAEE4E86}" type="slidenum">
+              <a:rPr lang="pt-BR" smtClean="0"/>
+              <a:pPr>
+                <a:defRPr/>
+              </a:pPr>
+              <a:t>19</a:t>
+            </a:fld>
+            <a:endParaRPr lang="pt-BR"/>
+          </a:p>
+        </p:txBody>
+      </p:sp>
+    </p:spTree>
+  </p:cSld>
+  <p:clrMapOvr>
+    <a:masterClrMapping/>
+  </p:clrMapOvr>
+</p:notes>
+</file>
+
 <file path=ppt/notesSlides/notesSlide2.xml><?xml version="1.0" encoding="utf-8"?>
 <p:notes xmlns:a="http://schemas.openxmlformats.org/drawingml/2006/main" xmlns:r="http://schemas.openxmlformats.org/officeDocument/2006/relationships" xmlns:p="http://schemas.openxmlformats.org/presentationml/2006/main">
   <p:cSld>
@@ -1133,6 +1658,615 @@
                 <a:defRPr/>
               </a:pPr>
               <a:t>2</a:t>
+            </a:fld>
+            <a:endParaRPr lang="pt-BR"/>
+          </a:p>
+        </p:txBody>
+      </p:sp>
+    </p:spTree>
+  </p:cSld>
+  <p:clrMapOvr>
+    <a:masterClrMapping/>
+  </p:clrMapOvr>
+</p:notes>
+</file>
+
+<file path=ppt/notesSlides/notesSlide20.xml><?xml version="1.0" encoding="utf-8"?>
+<p:notes xmlns:a="http://schemas.openxmlformats.org/drawingml/2006/main" xmlns:r="http://schemas.openxmlformats.org/officeDocument/2006/relationships" xmlns:p="http://schemas.openxmlformats.org/presentationml/2006/main">
+  <p:cSld>
+    <p:spTree>
+      <p:nvGrpSpPr>
+        <p:cNvPr id="1" name=""/>
+        <p:cNvGrpSpPr/>
+        <p:nvPr/>
+      </p:nvGrpSpPr>
+      <p:grpSpPr>
+        <a:xfrm>
+          <a:off x="0" y="0"/>
+          <a:ext cx="0" cy="0"/>
+          <a:chOff x="0" y="0"/>
+          <a:chExt cx="0" cy="0"/>
+        </a:xfrm>
+      </p:grpSpPr>
+      <p:sp>
+        <p:nvSpPr>
+          <p:cNvPr id="2" name="Espaço Reservado para Imagem de Slide 1"/>
+          <p:cNvSpPr>
+            <a:spLocks noGrp="1" noRot="1" noChangeAspect="1"/>
+          </p:cNvSpPr>
+          <p:nvPr>
+            <p:ph type="sldImg"/>
+          </p:nvPr>
+        </p:nvSpPr>
+        <p:spPr/>
+      </p:sp>
+      <p:sp>
+        <p:nvSpPr>
+          <p:cNvPr id="3" name="Espaço Reservado para Anotações 2"/>
+          <p:cNvSpPr>
+            <a:spLocks noGrp="1"/>
+          </p:cNvSpPr>
+          <p:nvPr>
+            <p:ph type="body" idx="1"/>
+          </p:nvPr>
+        </p:nvSpPr>
+        <p:spPr/>
+        <p:txBody>
+          <a:bodyPr>
+            <a:normAutofit/>
+          </a:bodyPr>
+          <a:lstStyle/>
+          <a:p>
+            <a:endParaRPr lang="pt-BR"/>
+          </a:p>
+        </p:txBody>
+      </p:sp>
+      <p:sp>
+        <p:nvSpPr>
+          <p:cNvPr id="4" name="Espaço Reservado para Número de Slide 3"/>
+          <p:cNvSpPr>
+            <a:spLocks noGrp="1"/>
+          </p:cNvSpPr>
+          <p:nvPr>
+            <p:ph type="sldNum" sz="quarter" idx="10"/>
+          </p:nvPr>
+        </p:nvSpPr>
+        <p:spPr/>
+        <p:txBody>
+          <a:bodyPr/>
+          <a:lstStyle/>
+          <a:p>
+            <a:pPr>
+              <a:defRPr/>
+            </a:pPr>
+            <a:fld id="{A1564085-A201-4A92-B865-4522CAEE4E86}" type="slidenum">
+              <a:rPr lang="pt-BR" smtClean="0"/>
+              <a:pPr>
+                <a:defRPr/>
+              </a:pPr>
+              <a:t>20</a:t>
+            </a:fld>
+            <a:endParaRPr lang="pt-BR"/>
+          </a:p>
+        </p:txBody>
+      </p:sp>
+    </p:spTree>
+  </p:cSld>
+  <p:clrMapOvr>
+    <a:masterClrMapping/>
+  </p:clrMapOvr>
+</p:notes>
+</file>
+
+<file path=ppt/notesSlides/notesSlide21.xml><?xml version="1.0" encoding="utf-8"?>
+<p:notes xmlns:a="http://schemas.openxmlformats.org/drawingml/2006/main" xmlns:r="http://schemas.openxmlformats.org/officeDocument/2006/relationships" xmlns:p="http://schemas.openxmlformats.org/presentationml/2006/main">
+  <p:cSld>
+    <p:spTree>
+      <p:nvGrpSpPr>
+        <p:cNvPr id="1" name=""/>
+        <p:cNvGrpSpPr/>
+        <p:nvPr/>
+      </p:nvGrpSpPr>
+      <p:grpSpPr>
+        <a:xfrm>
+          <a:off x="0" y="0"/>
+          <a:ext cx="0" cy="0"/>
+          <a:chOff x="0" y="0"/>
+          <a:chExt cx="0" cy="0"/>
+        </a:xfrm>
+      </p:grpSpPr>
+      <p:sp>
+        <p:nvSpPr>
+          <p:cNvPr id="2" name="Espaço Reservado para Imagem de Slide 1"/>
+          <p:cNvSpPr>
+            <a:spLocks noGrp="1" noRot="1" noChangeAspect="1"/>
+          </p:cNvSpPr>
+          <p:nvPr>
+            <p:ph type="sldImg"/>
+          </p:nvPr>
+        </p:nvSpPr>
+        <p:spPr/>
+      </p:sp>
+      <p:sp>
+        <p:nvSpPr>
+          <p:cNvPr id="3" name="Espaço Reservado para Anotações 2"/>
+          <p:cNvSpPr>
+            <a:spLocks noGrp="1"/>
+          </p:cNvSpPr>
+          <p:nvPr>
+            <p:ph type="body" idx="1"/>
+          </p:nvPr>
+        </p:nvSpPr>
+        <p:spPr/>
+        <p:txBody>
+          <a:bodyPr>
+            <a:normAutofit/>
+          </a:bodyPr>
+          <a:lstStyle/>
+          <a:p>
+            <a:endParaRPr lang="pt-BR"/>
+          </a:p>
+        </p:txBody>
+      </p:sp>
+      <p:sp>
+        <p:nvSpPr>
+          <p:cNvPr id="4" name="Espaço Reservado para Número de Slide 3"/>
+          <p:cNvSpPr>
+            <a:spLocks noGrp="1"/>
+          </p:cNvSpPr>
+          <p:nvPr>
+            <p:ph type="sldNum" sz="quarter" idx="10"/>
+          </p:nvPr>
+        </p:nvSpPr>
+        <p:spPr/>
+        <p:txBody>
+          <a:bodyPr/>
+          <a:lstStyle/>
+          <a:p>
+            <a:pPr>
+              <a:defRPr/>
+            </a:pPr>
+            <a:fld id="{A1564085-A201-4A92-B865-4522CAEE4E86}" type="slidenum">
+              <a:rPr lang="pt-BR" smtClean="0"/>
+              <a:pPr>
+                <a:defRPr/>
+              </a:pPr>
+              <a:t>21</a:t>
+            </a:fld>
+            <a:endParaRPr lang="pt-BR"/>
+          </a:p>
+        </p:txBody>
+      </p:sp>
+    </p:spTree>
+  </p:cSld>
+  <p:clrMapOvr>
+    <a:masterClrMapping/>
+  </p:clrMapOvr>
+</p:notes>
+</file>
+
+<file path=ppt/notesSlides/notesSlide22.xml><?xml version="1.0" encoding="utf-8"?>
+<p:notes xmlns:a="http://schemas.openxmlformats.org/drawingml/2006/main" xmlns:r="http://schemas.openxmlformats.org/officeDocument/2006/relationships" xmlns:p="http://schemas.openxmlformats.org/presentationml/2006/main">
+  <p:cSld>
+    <p:spTree>
+      <p:nvGrpSpPr>
+        <p:cNvPr id="1" name=""/>
+        <p:cNvGrpSpPr/>
+        <p:nvPr/>
+      </p:nvGrpSpPr>
+      <p:grpSpPr>
+        <a:xfrm>
+          <a:off x="0" y="0"/>
+          <a:ext cx="0" cy="0"/>
+          <a:chOff x="0" y="0"/>
+          <a:chExt cx="0" cy="0"/>
+        </a:xfrm>
+      </p:grpSpPr>
+      <p:sp>
+        <p:nvSpPr>
+          <p:cNvPr id="2" name="Espaço Reservado para Imagem de Slide 1"/>
+          <p:cNvSpPr>
+            <a:spLocks noGrp="1" noRot="1" noChangeAspect="1"/>
+          </p:cNvSpPr>
+          <p:nvPr>
+            <p:ph type="sldImg"/>
+          </p:nvPr>
+        </p:nvSpPr>
+        <p:spPr/>
+      </p:sp>
+      <p:sp>
+        <p:nvSpPr>
+          <p:cNvPr id="3" name="Espaço Reservado para Anotações 2"/>
+          <p:cNvSpPr>
+            <a:spLocks noGrp="1"/>
+          </p:cNvSpPr>
+          <p:nvPr>
+            <p:ph type="body" idx="1"/>
+          </p:nvPr>
+        </p:nvSpPr>
+        <p:spPr/>
+        <p:txBody>
+          <a:bodyPr>
+            <a:normAutofit/>
+          </a:bodyPr>
+          <a:lstStyle/>
+          <a:p>
+            <a:endParaRPr lang="pt-BR"/>
+          </a:p>
+        </p:txBody>
+      </p:sp>
+      <p:sp>
+        <p:nvSpPr>
+          <p:cNvPr id="4" name="Espaço Reservado para Número de Slide 3"/>
+          <p:cNvSpPr>
+            <a:spLocks noGrp="1"/>
+          </p:cNvSpPr>
+          <p:nvPr>
+            <p:ph type="sldNum" sz="quarter" idx="10"/>
+          </p:nvPr>
+        </p:nvSpPr>
+        <p:spPr/>
+        <p:txBody>
+          <a:bodyPr/>
+          <a:lstStyle/>
+          <a:p>
+            <a:pPr>
+              <a:defRPr/>
+            </a:pPr>
+            <a:fld id="{A1564085-A201-4A92-B865-4522CAEE4E86}" type="slidenum">
+              <a:rPr lang="pt-BR" smtClean="0"/>
+              <a:pPr>
+                <a:defRPr/>
+              </a:pPr>
+              <a:t>22</a:t>
+            </a:fld>
+            <a:endParaRPr lang="pt-BR"/>
+          </a:p>
+        </p:txBody>
+      </p:sp>
+    </p:spTree>
+  </p:cSld>
+  <p:clrMapOvr>
+    <a:masterClrMapping/>
+  </p:clrMapOvr>
+</p:notes>
+</file>
+
+<file path=ppt/notesSlides/notesSlide23.xml><?xml version="1.0" encoding="utf-8"?>
+<p:notes xmlns:a="http://schemas.openxmlformats.org/drawingml/2006/main" xmlns:r="http://schemas.openxmlformats.org/officeDocument/2006/relationships" xmlns:p="http://schemas.openxmlformats.org/presentationml/2006/main">
+  <p:cSld>
+    <p:spTree>
+      <p:nvGrpSpPr>
+        <p:cNvPr id="1" name=""/>
+        <p:cNvGrpSpPr/>
+        <p:nvPr/>
+      </p:nvGrpSpPr>
+      <p:grpSpPr>
+        <a:xfrm>
+          <a:off x="0" y="0"/>
+          <a:ext cx="0" cy="0"/>
+          <a:chOff x="0" y="0"/>
+          <a:chExt cx="0" cy="0"/>
+        </a:xfrm>
+      </p:grpSpPr>
+      <p:sp>
+        <p:nvSpPr>
+          <p:cNvPr id="2" name="Espaço Reservado para Imagem de Slide 1"/>
+          <p:cNvSpPr>
+            <a:spLocks noGrp="1" noRot="1" noChangeAspect="1"/>
+          </p:cNvSpPr>
+          <p:nvPr>
+            <p:ph type="sldImg"/>
+          </p:nvPr>
+        </p:nvSpPr>
+        <p:spPr/>
+      </p:sp>
+      <p:sp>
+        <p:nvSpPr>
+          <p:cNvPr id="3" name="Espaço Reservado para Anotações 2"/>
+          <p:cNvSpPr>
+            <a:spLocks noGrp="1"/>
+          </p:cNvSpPr>
+          <p:nvPr>
+            <p:ph type="body" idx="1"/>
+          </p:nvPr>
+        </p:nvSpPr>
+        <p:spPr/>
+        <p:txBody>
+          <a:bodyPr>
+            <a:normAutofit/>
+          </a:bodyPr>
+          <a:lstStyle/>
+          <a:p>
+            <a:endParaRPr lang="pt-BR"/>
+          </a:p>
+        </p:txBody>
+      </p:sp>
+      <p:sp>
+        <p:nvSpPr>
+          <p:cNvPr id="4" name="Espaço Reservado para Número de Slide 3"/>
+          <p:cNvSpPr>
+            <a:spLocks noGrp="1"/>
+          </p:cNvSpPr>
+          <p:nvPr>
+            <p:ph type="sldNum" sz="quarter" idx="10"/>
+          </p:nvPr>
+        </p:nvSpPr>
+        <p:spPr/>
+        <p:txBody>
+          <a:bodyPr/>
+          <a:lstStyle/>
+          <a:p>
+            <a:pPr>
+              <a:defRPr/>
+            </a:pPr>
+            <a:fld id="{A1564085-A201-4A92-B865-4522CAEE4E86}" type="slidenum">
+              <a:rPr lang="pt-BR" smtClean="0"/>
+              <a:pPr>
+                <a:defRPr/>
+              </a:pPr>
+              <a:t>23</a:t>
+            </a:fld>
+            <a:endParaRPr lang="pt-BR"/>
+          </a:p>
+        </p:txBody>
+      </p:sp>
+    </p:spTree>
+  </p:cSld>
+  <p:clrMapOvr>
+    <a:masterClrMapping/>
+  </p:clrMapOvr>
+</p:notes>
+</file>
+
+<file path=ppt/notesSlides/notesSlide24.xml><?xml version="1.0" encoding="utf-8"?>
+<p:notes xmlns:a="http://schemas.openxmlformats.org/drawingml/2006/main" xmlns:r="http://schemas.openxmlformats.org/officeDocument/2006/relationships" xmlns:p="http://schemas.openxmlformats.org/presentationml/2006/main">
+  <p:cSld>
+    <p:spTree>
+      <p:nvGrpSpPr>
+        <p:cNvPr id="1" name=""/>
+        <p:cNvGrpSpPr/>
+        <p:nvPr/>
+      </p:nvGrpSpPr>
+      <p:grpSpPr>
+        <a:xfrm>
+          <a:off x="0" y="0"/>
+          <a:ext cx="0" cy="0"/>
+          <a:chOff x="0" y="0"/>
+          <a:chExt cx="0" cy="0"/>
+        </a:xfrm>
+      </p:grpSpPr>
+      <p:sp>
+        <p:nvSpPr>
+          <p:cNvPr id="2" name="Espaço Reservado para Imagem de Slide 1"/>
+          <p:cNvSpPr>
+            <a:spLocks noGrp="1" noRot="1" noChangeAspect="1"/>
+          </p:cNvSpPr>
+          <p:nvPr>
+            <p:ph type="sldImg"/>
+          </p:nvPr>
+        </p:nvSpPr>
+        <p:spPr/>
+      </p:sp>
+      <p:sp>
+        <p:nvSpPr>
+          <p:cNvPr id="3" name="Espaço Reservado para Anotações 2"/>
+          <p:cNvSpPr>
+            <a:spLocks noGrp="1"/>
+          </p:cNvSpPr>
+          <p:nvPr>
+            <p:ph type="body" idx="1"/>
+          </p:nvPr>
+        </p:nvSpPr>
+        <p:spPr/>
+        <p:txBody>
+          <a:bodyPr>
+            <a:normAutofit/>
+          </a:bodyPr>
+          <a:lstStyle/>
+          <a:p>
+            <a:endParaRPr lang="pt-BR"/>
+          </a:p>
+        </p:txBody>
+      </p:sp>
+      <p:sp>
+        <p:nvSpPr>
+          <p:cNvPr id="4" name="Espaço Reservado para Número de Slide 3"/>
+          <p:cNvSpPr>
+            <a:spLocks noGrp="1"/>
+          </p:cNvSpPr>
+          <p:nvPr>
+            <p:ph type="sldNum" sz="quarter" idx="10"/>
+          </p:nvPr>
+        </p:nvSpPr>
+        <p:spPr/>
+        <p:txBody>
+          <a:bodyPr/>
+          <a:lstStyle/>
+          <a:p>
+            <a:pPr>
+              <a:defRPr/>
+            </a:pPr>
+            <a:fld id="{A1564085-A201-4A92-B865-4522CAEE4E86}" type="slidenum">
+              <a:rPr lang="pt-BR" smtClean="0"/>
+              <a:pPr>
+                <a:defRPr/>
+              </a:pPr>
+              <a:t>24</a:t>
+            </a:fld>
+            <a:endParaRPr lang="pt-BR"/>
+          </a:p>
+        </p:txBody>
+      </p:sp>
+    </p:spTree>
+  </p:cSld>
+  <p:clrMapOvr>
+    <a:masterClrMapping/>
+  </p:clrMapOvr>
+</p:notes>
+</file>
+
+<file path=ppt/notesSlides/notesSlide25.xml><?xml version="1.0" encoding="utf-8"?>
+<p:notes xmlns:a="http://schemas.openxmlformats.org/drawingml/2006/main" xmlns:r="http://schemas.openxmlformats.org/officeDocument/2006/relationships" xmlns:p="http://schemas.openxmlformats.org/presentationml/2006/main">
+  <p:cSld>
+    <p:spTree>
+      <p:nvGrpSpPr>
+        <p:cNvPr id="1" name=""/>
+        <p:cNvGrpSpPr/>
+        <p:nvPr/>
+      </p:nvGrpSpPr>
+      <p:grpSpPr>
+        <a:xfrm>
+          <a:off x="0" y="0"/>
+          <a:ext cx="0" cy="0"/>
+          <a:chOff x="0" y="0"/>
+          <a:chExt cx="0" cy="0"/>
+        </a:xfrm>
+      </p:grpSpPr>
+      <p:sp>
+        <p:nvSpPr>
+          <p:cNvPr id="2" name="Espaço Reservado para Imagem de Slide 1"/>
+          <p:cNvSpPr>
+            <a:spLocks noGrp="1" noRot="1" noChangeAspect="1"/>
+          </p:cNvSpPr>
+          <p:nvPr>
+            <p:ph type="sldImg"/>
+          </p:nvPr>
+        </p:nvSpPr>
+        <p:spPr/>
+      </p:sp>
+      <p:sp>
+        <p:nvSpPr>
+          <p:cNvPr id="3" name="Espaço Reservado para Anotações 2"/>
+          <p:cNvSpPr>
+            <a:spLocks noGrp="1"/>
+          </p:cNvSpPr>
+          <p:nvPr>
+            <p:ph type="body" idx="1"/>
+          </p:nvPr>
+        </p:nvSpPr>
+        <p:spPr/>
+        <p:txBody>
+          <a:bodyPr>
+            <a:normAutofit/>
+          </a:bodyPr>
+          <a:lstStyle/>
+          <a:p>
+            <a:endParaRPr lang="pt-BR"/>
+          </a:p>
+        </p:txBody>
+      </p:sp>
+      <p:sp>
+        <p:nvSpPr>
+          <p:cNvPr id="4" name="Espaço Reservado para Número de Slide 3"/>
+          <p:cNvSpPr>
+            <a:spLocks noGrp="1"/>
+          </p:cNvSpPr>
+          <p:nvPr>
+            <p:ph type="sldNum" sz="quarter" idx="10"/>
+          </p:nvPr>
+        </p:nvSpPr>
+        <p:spPr/>
+        <p:txBody>
+          <a:bodyPr/>
+          <a:lstStyle/>
+          <a:p>
+            <a:pPr>
+              <a:defRPr/>
+            </a:pPr>
+            <a:fld id="{A1564085-A201-4A92-B865-4522CAEE4E86}" type="slidenum">
+              <a:rPr lang="pt-BR" smtClean="0"/>
+              <a:pPr>
+                <a:defRPr/>
+              </a:pPr>
+              <a:t>25</a:t>
+            </a:fld>
+            <a:endParaRPr lang="pt-BR"/>
+          </a:p>
+        </p:txBody>
+      </p:sp>
+    </p:spTree>
+  </p:cSld>
+  <p:clrMapOvr>
+    <a:masterClrMapping/>
+  </p:clrMapOvr>
+</p:notes>
+</file>
+
+<file path=ppt/notesSlides/notesSlide26.xml><?xml version="1.0" encoding="utf-8"?>
+<p:notes xmlns:a="http://schemas.openxmlformats.org/drawingml/2006/main" xmlns:r="http://schemas.openxmlformats.org/officeDocument/2006/relationships" xmlns:p="http://schemas.openxmlformats.org/presentationml/2006/main">
+  <p:cSld>
+    <p:spTree>
+      <p:nvGrpSpPr>
+        <p:cNvPr id="1" name=""/>
+        <p:cNvGrpSpPr/>
+        <p:nvPr/>
+      </p:nvGrpSpPr>
+      <p:grpSpPr>
+        <a:xfrm>
+          <a:off x="0" y="0"/>
+          <a:ext cx="0" cy="0"/>
+          <a:chOff x="0" y="0"/>
+          <a:chExt cx="0" cy="0"/>
+        </a:xfrm>
+      </p:grpSpPr>
+      <p:sp>
+        <p:nvSpPr>
+          <p:cNvPr id="2" name="Espaço Reservado para Imagem de Slide 1"/>
+          <p:cNvSpPr>
+            <a:spLocks noGrp="1" noRot="1" noChangeAspect="1"/>
+          </p:cNvSpPr>
+          <p:nvPr>
+            <p:ph type="sldImg"/>
+          </p:nvPr>
+        </p:nvSpPr>
+        <p:spPr/>
+      </p:sp>
+      <p:sp>
+        <p:nvSpPr>
+          <p:cNvPr id="3" name="Espaço Reservado para Anotações 2"/>
+          <p:cNvSpPr>
+            <a:spLocks noGrp="1"/>
+          </p:cNvSpPr>
+          <p:nvPr>
+            <p:ph type="body" idx="1"/>
+          </p:nvPr>
+        </p:nvSpPr>
+        <p:spPr/>
+        <p:txBody>
+          <a:bodyPr>
+            <a:normAutofit/>
+          </a:bodyPr>
+          <a:lstStyle/>
+          <a:p>
+            <a:endParaRPr lang="pt-BR"/>
+          </a:p>
+        </p:txBody>
+      </p:sp>
+      <p:sp>
+        <p:nvSpPr>
+          <p:cNvPr id="4" name="Espaço Reservado para Número de Slide 3"/>
+          <p:cNvSpPr>
+            <a:spLocks noGrp="1"/>
+          </p:cNvSpPr>
+          <p:nvPr>
+            <p:ph type="sldNum" sz="quarter" idx="10"/>
+          </p:nvPr>
+        </p:nvSpPr>
+        <p:spPr/>
+        <p:txBody>
+          <a:bodyPr/>
+          <a:lstStyle/>
+          <a:p>
+            <a:pPr>
+              <a:defRPr/>
+            </a:pPr>
+            <a:fld id="{A1564085-A201-4A92-B865-4522CAEE4E86}" type="slidenum">
+              <a:rPr lang="pt-BR" smtClean="0"/>
+              <a:pPr>
+                <a:defRPr/>
+              </a:pPr>
+              <a:t>26</a:t>
             </a:fld>
             <a:endParaRPr lang="pt-BR"/>
           </a:p>
@@ -1554,14 +2688,9 @@
           <a:bodyPr/>
           <a:lstStyle/>
           <a:p>
-            <a:pPr>
-              <a:defRPr/>
-            </a:pPr>
-            <a:fld id="{A1564085-A201-4A92-B865-4522CAEE4E86}" type="slidenum">
+            <a:fld id="{F0D7FA56-F7E5-4E13-9B6B-53B9FEFBB410}" type="slidenum">
               <a:rPr lang="pt-BR" smtClean="0"/>
-              <a:pPr>
-                <a:defRPr/>
-              </a:pPr>
+              <a:pPr/>
               <a:t>7</a:t>
             </a:fld>
             <a:endParaRPr lang="pt-BR"/>
@@ -1641,14 +2770,9 @@
           <a:bodyPr/>
           <a:lstStyle/>
           <a:p>
-            <a:pPr>
-              <a:defRPr/>
-            </a:pPr>
-            <a:fld id="{A1564085-A201-4A92-B865-4522CAEE4E86}" type="slidenum">
+            <a:fld id="{F0D7FA56-F7E5-4E13-9B6B-53B9FEFBB410}" type="slidenum">
               <a:rPr lang="pt-BR" smtClean="0"/>
-              <a:pPr>
-                <a:defRPr/>
-              </a:pPr>
+              <a:pPr/>
               <a:t>8</a:t>
             </a:fld>
             <a:endParaRPr lang="pt-BR"/>
@@ -1728,14 +2852,9 @@
           <a:bodyPr/>
           <a:lstStyle/>
           <a:p>
-            <a:pPr>
-              <a:defRPr/>
-            </a:pPr>
-            <a:fld id="{A1564085-A201-4A92-B865-4522CAEE4E86}" type="slidenum">
+            <a:fld id="{F0D7FA56-F7E5-4E13-9B6B-53B9FEFBB410}" type="slidenum">
               <a:rPr lang="pt-BR" smtClean="0"/>
-              <a:pPr>
-                <a:defRPr/>
-              </a:pPr>
+              <a:pPr/>
               <a:t>9</a:t>
             </a:fld>
             <a:endParaRPr lang="pt-BR"/>
@@ -2168,7 +3287,7 @@
               <a:pPr>
                 <a:defRPr/>
               </a:pPr>
-              <a:t>05/04/2012</a:t>
+              <a:t>06/04/2012</a:t>
             </a:fld>
             <a:endParaRPr lang="pt-BR"/>
           </a:p>
@@ -2360,7 +3479,7 @@
               <a:pPr>
                 <a:defRPr/>
               </a:pPr>
-              <a:t>05/04/2012</a:t>
+              <a:t>06/04/2012</a:t>
             </a:fld>
             <a:endParaRPr lang="pt-BR"/>
           </a:p>
@@ -2562,7 +3681,7 @@
               <a:pPr>
                 <a:defRPr/>
               </a:pPr>
-              <a:t>05/04/2012</a:t>
+              <a:t>06/04/2012</a:t>
             </a:fld>
             <a:endParaRPr lang="pt-BR"/>
           </a:p>
@@ -2758,7 +3877,7 @@
               <a:pPr>
                 <a:defRPr/>
               </a:pPr>
-              <a:t>05/04/2012</a:t>
+              <a:t>06/04/2012</a:t>
             </a:fld>
             <a:endParaRPr lang="pt-BR"/>
           </a:p>
@@ -3264,7 +4383,7 @@
               <a:pPr>
                 <a:defRPr/>
               </a:pPr>
-              <a:t>05/04/2012</a:t>
+              <a:t>06/04/2012</a:t>
             </a:fld>
             <a:endParaRPr lang="pt-BR"/>
           </a:p>
@@ -3555,7 +4674,7 @@
               <a:pPr>
                 <a:defRPr/>
               </a:pPr>
-              <a:t>05/04/2012</a:t>
+              <a:t>06/04/2012</a:t>
             </a:fld>
             <a:endParaRPr lang="pt-BR"/>
           </a:p>
@@ -3956,7 +5075,7 @@
               <a:pPr>
                 <a:defRPr/>
               </a:pPr>
-              <a:t>05/04/2012</a:t>
+              <a:t>06/04/2012</a:t>
             </a:fld>
             <a:endParaRPr lang="pt-BR"/>
           </a:p>
@@ -4105,7 +5224,7 @@
               <a:pPr>
                 <a:defRPr/>
               </a:pPr>
-              <a:t>05/04/2012</a:t>
+              <a:t>06/04/2012</a:t>
             </a:fld>
             <a:endParaRPr lang="pt-BR"/>
           </a:p>
@@ -4222,7 +5341,7 @@
               <a:pPr>
                 <a:defRPr/>
               </a:pPr>
-              <a:t>05/04/2012</a:t>
+              <a:t>06/04/2012</a:t>
             </a:fld>
             <a:endParaRPr lang="pt-BR"/>
           </a:p>
@@ -4498,7 +5617,7 @@
               <a:pPr>
                 <a:defRPr/>
               </a:pPr>
-              <a:t>05/04/2012</a:t>
+              <a:t>06/04/2012</a:t>
             </a:fld>
             <a:endParaRPr lang="pt-BR"/>
           </a:p>
@@ -4782,7 +5901,7 @@
               <a:pPr>
                 <a:defRPr/>
               </a:pPr>
-              <a:t>05/04/2012</a:t>
+              <a:t>06/04/2012</a:t>
             </a:fld>
             <a:endParaRPr lang="pt-BR"/>
           </a:p>
@@ -5260,7 +6379,7 @@
               <a:pPr>
                 <a:defRPr/>
               </a:pPr>
-              <a:t>05/04/2012</a:t>
+              <a:t>06/04/2012</a:t>
             </a:fld>
             <a:endParaRPr lang="pt-BR"/>
           </a:p>
@@ -5908,9 +7027,9 @@
       </p:grpSpPr>
       <p:sp>
         <p:nvSpPr>
-          <p:cNvPr id="2" name="Título 1"/>
-          <p:cNvSpPr>
-            <a:spLocks noGrp="1"/>
+          <p:cNvPr id="510978" name="Rectangle 2"/>
+          <p:cNvSpPr>
+            <a:spLocks noGrp="1" noChangeArrowheads="1"/>
           </p:cNvSpPr>
           <p:nvPr>
             <p:ph type="title"/>
@@ -5921,44 +7040,1198 @@
           <a:bodyPr/>
           <a:lstStyle/>
           <a:p>
-            <a:pPr rtl="0" eaLnBrk="1" fontAlgn="base" hangingPunct="1"/>
-            <a:r>
-              <a:rPr lang="pt-BR" sz="4600" kern="1200" dirty="0" smtClean="0">
-                <a:solidFill>
-                  <a:schemeClr val="tx1"/>
-                </a:solidFill>
-                <a:latin typeface="+mj-lt"/>
-                <a:ea typeface="+mj-ea"/>
-                <a:cs typeface="+mj-cs"/>
-              </a:rPr>
-              <a:t>Cláusula </a:t>
-            </a:r>
-            <a:r>
-              <a:rPr lang="pt-BR" sz="4600" kern="1200" dirty="0" err="1" smtClean="0">
-                <a:solidFill>
-                  <a:schemeClr val="tx1"/>
-                </a:solidFill>
-                <a:latin typeface="+mj-lt"/>
-                <a:ea typeface="+mj-ea"/>
-                <a:cs typeface="+mj-cs"/>
-              </a:rPr>
-              <a:t>throws</a:t>
+            <a:r>
+              <a:rPr lang="pt-BR" dirty="0" smtClean="0"/>
+              <a:t>Exceções verificadas</a:t>
             </a:r>
             <a:endParaRPr lang="pt-BR" dirty="0"/>
           </a:p>
         </p:txBody>
       </p:sp>
-      <p:sp>
-        <p:nvSpPr>
-          <p:cNvPr id="6" name="Espaço Reservado para Conteúdo 5"/>
-          <p:cNvSpPr>
-            <a:spLocks noGrp="1"/>
-          </p:cNvSpPr>
-          <p:nvPr>
-            <p:ph idx="1"/>
-          </p:nvPr>
-        </p:nvSpPr>
-        <p:spPr/>
+      <p:graphicFrame>
+        <p:nvGraphicFramePr>
+          <p:cNvPr id="511009" name="Group 33"/>
+          <p:cNvGraphicFramePr>
+            <a:graphicFrameLocks noGrp="1"/>
+          </p:cNvGraphicFramePr>
+          <p:nvPr/>
+        </p:nvGraphicFramePr>
+        <p:xfrm>
+          <a:off x="3581400" y="1828800"/>
+          <a:ext cx="1905000" cy="398463"/>
+        </p:xfrm>
+        <a:graphic>
+          <a:graphicData uri="http://schemas.openxmlformats.org/drawingml/2006/table">
+            <a:tbl>
+              <a:tblPr/>
+              <a:tblGrid>
+                <a:gridCol w="1905000"/>
+              </a:tblGrid>
+              <a:tr h="398463">
+                <a:tc>
+                  <a:txBody>
+                    <a:bodyPr/>
+                    <a:lstStyle/>
+                    <a:p>
+                      <a:pPr marL="0" marR="0" lvl="0" indent="0" algn="ctr" defTabSz="914400" rtl="0" eaLnBrk="1" fontAlgn="base" latinLnBrk="0" hangingPunct="1">
+                        <a:lnSpc>
+                          <a:spcPct val="100000"/>
+                        </a:lnSpc>
+                        <a:spcBef>
+                          <a:spcPct val="60000"/>
+                        </a:spcBef>
+                        <a:spcAft>
+                          <a:spcPct val="0"/>
+                        </a:spcAft>
+                        <a:buClr>
+                          <a:schemeClr val="tx1"/>
+                        </a:buClr>
+                        <a:buSzTx/>
+                        <a:buFontTx/>
+                        <a:buNone/>
+                        <a:tabLst/>
+                      </a:pPr>
+                      <a:r>
+                        <a:rPr kumimoji="0" lang="pt-BR" sz="1600" b="0" i="0" u="none" strike="noStrike" cap="none" normalizeH="0" baseline="0" smtClean="0">
+                          <a:ln>
+                            <a:noFill/>
+                          </a:ln>
+                          <a:solidFill>
+                            <a:schemeClr val="tx1"/>
+                          </a:solidFill>
+                          <a:effectLst/>
+                          <a:latin typeface="Arial" charset="0"/>
+                        </a:rPr>
+                        <a:t>Throwable</a:t>
+                      </a:r>
+                    </a:p>
+                  </a:txBody>
+                  <a:tcPr horzOverflow="overflow">
+                    <a:lnL w="28575" cap="flat" cmpd="sng" algn="ctr">
+                      <a:solidFill>
+                        <a:schemeClr val="tx1"/>
+                      </a:solidFill>
+                      <a:prstDash val="solid"/>
+                      <a:round/>
+                      <a:headEnd type="none" w="med" len="med"/>
+                      <a:tailEnd type="none" w="med" len="med"/>
+                    </a:lnL>
+                    <a:lnR w="28575" cap="flat" cmpd="sng" algn="ctr">
+                      <a:solidFill>
+                        <a:schemeClr val="tx1"/>
+                      </a:solidFill>
+                      <a:prstDash val="solid"/>
+                      <a:round/>
+                      <a:headEnd type="none" w="med" len="med"/>
+                      <a:tailEnd type="none" w="med" len="med"/>
+                    </a:lnR>
+                    <a:lnT w="28575" cap="flat" cmpd="sng" algn="ctr">
+                      <a:solidFill>
+                        <a:schemeClr val="tx1"/>
+                      </a:solidFill>
+                      <a:prstDash val="solid"/>
+                      <a:round/>
+                      <a:headEnd type="none" w="med" len="med"/>
+                      <a:tailEnd type="none" w="med" len="med"/>
+                    </a:lnT>
+                    <a:lnB w="28575" cap="flat" cmpd="sng" algn="ctr">
+                      <a:solidFill>
+                        <a:schemeClr val="tx1"/>
+                      </a:solidFill>
+                      <a:prstDash val="solid"/>
+                      <a:round/>
+                      <a:headEnd type="none" w="med" len="med"/>
+                      <a:tailEnd type="none" w="med" len="med"/>
+                    </a:lnB>
+                    <a:lnTlToBr>
+                      <a:noFill/>
+                    </a:lnTlToBr>
+                    <a:lnBlToTr>
+                      <a:noFill/>
+                    </a:lnBlToTr>
+                    <a:noFill/>
+                  </a:tcPr>
+                </a:tc>
+              </a:tr>
+            </a:tbl>
+          </a:graphicData>
+        </a:graphic>
+      </p:graphicFrame>
+      <p:graphicFrame>
+        <p:nvGraphicFramePr>
+          <p:cNvPr id="511050" name="Group 74"/>
+          <p:cNvGraphicFramePr>
+            <a:graphicFrameLocks noGrp="1"/>
+          </p:cNvGraphicFramePr>
+          <p:nvPr/>
+        </p:nvGraphicFramePr>
+        <p:xfrm>
+          <a:off x="5029200" y="2619375"/>
+          <a:ext cx="1905000" cy="335280"/>
+        </p:xfrm>
+        <a:graphic>
+          <a:graphicData uri="http://schemas.openxmlformats.org/drawingml/2006/table">
+            <a:tbl>
+              <a:tblPr/>
+              <a:tblGrid>
+                <a:gridCol w="1905000"/>
+              </a:tblGrid>
+              <a:tr h="190500">
+                <a:tc>
+                  <a:txBody>
+                    <a:bodyPr/>
+                    <a:lstStyle/>
+                    <a:p>
+                      <a:pPr marL="0" marR="0" lvl="0" indent="0" algn="ctr" defTabSz="914400" rtl="0" eaLnBrk="1" fontAlgn="base" latinLnBrk="0" hangingPunct="1">
+                        <a:lnSpc>
+                          <a:spcPct val="100000"/>
+                        </a:lnSpc>
+                        <a:spcBef>
+                          <a:spcPct val="60000"/>
+                        </a:spcBef>
+                        <a:spcAft>
+                          <a:spcPct val="0"/>
+                        </a:spcAft>
+                        <a:buClr>
+                          <a:schemeClr val="tx1"/>
+                        </a:buClr>
+                        <a:buSzTx/>
+                        <a:buFontTx/>
+                        <a:buNone/>
+                        <a:tabLst/>
+                      </a:pPr>
+                      <a:r>
+                        <a:rPr kumimoji="0" lang="pt-BR" sz="1600" b="0" i="0" u="none" strike="noStrike" cap="none" normalizeH="0" baseline="0" smtClean="0">
+                          <a:ln>
+                            <a:noFill/>
+                          </a:ln>
+                          <a:solidFill>
+                            <a:schemeClr val="tx1"/>
+                          </a:solidFill>
+                          <a:effectLst/>
+                          <a:latin typeface="Arial" charset="0"/>
+                        </a:rPr>
+                        <a:t>Error</a:t>
+                      </a:r>
+                    </a:p>
+                  </a:txBody>
+                  <a:tcPr horzOverflow="overflow">
+                    <a:lnL w="28575" cap="flat" cmpd="sng" algn="ctr">
+                      <a:solidFill>
+                        <a:schemeClr val="tx1"/>
+                      </a:solidFill>
+                      <a:prstDash val="solid"/>
+                      <a:round/>
+                      <a:headEnd type="none" w="med" len="med"/>
+                      <a:tailEnd type="none" w="med" len="med"/>
+                    </a:lnL>
+                    <a:lnR w="28575" cap="flat" cmpd="sng" algn="ctr">
+                      <a:solidFill>
+                        <a:schemeClr val="tx1"/>
+                      </a:solidFill>
+                      <a:prstDash val="solid"/>
+                      <a:round/>
+                      <a:headEnd type="none" w="med" len="med"/>
+                      <a:tailEnd type="none" w="med" len="med"/>
+                    </a:lnR>
+                    <a:lnT w="28575" cap="flat" cmpd="sng" algn="ctr">
+                      <a:solidFill>
+                        <a:schemeClr val="tx1"/>
+                      </a:solidFill>
+                      <a:prstDash val="solid"/>
+                      <a:round/>
+                      <a:headEnd type="none" w="med" len="med"/>
+                      <a:tailEnd type="none" w="med" len="med"/>
+                    </a:lnT>
+                    <a:lnB w="28575" cap="flat" cmpd="sng" algn="ctr">
+                      <a:solidFill>
+                        <a:schemeClr val="tx1"/>
+                      </a:solidFill>
+                      <a:prstDash val="solid"/>
+                      <a:round/>
+                      <a:headEnd type="none" w="med" len="med"/>
+                      <a:tailEnd type="none" w="med" len="med"/>
+                    </a:lnB>
+                    <a:lnTlToBr>
+                      <a:noFill/>
+                    </a:lnTlToBr>
+                    <a:lnBlToTr>
+                      <a:noFill/>
+                    </a:lnBlToTr>
+                    <a:noFill/>
+                  </a:tcPr>
+                </a:tc>
+              </a:tr>
+            </a:tbl>
+          </a:graphicData>
+        </a:graphic>
+      </p:graphicFrame>
+      <p:graphicFrame>
+        <p:nvGraphicFramePr>
+          <p:cNvPr id="511049" name="Group 73"/>
+          <p:cNvGraphicFramePr>
+            <a:graphicFrameLocks noGrp="1"/>
+          </p:cNvGraphicFramePr>
+          <p:nvPr/>
+        </p:nvGraphicFramePr>
+        <p:xfrm>
+          <a:off x="2133600" y="2619375"/>
+          <a:ext cx="1905000" cy="335280"/>
+        </p:xfrm>
+        <a:graphic>
+          <a:graphicData uri="http://schemas.openxmlformats.org/drawingml/2006/table">
+            <a:tbl>
+              <a:tblPr/>
+              <a:tblGrid>
+                <a:gridCol w="1905000"/>
+              </a:tblGrid>
+              <a:tr h="190500">
+                <a:tc>
+                  <a:txBody>
+                    <a:bodyPr/>
+                    <a:lstStyle/>
+                    <a:p>
+                      <a:pPr marL="0" marR="0" lvl="0" indent="0" algn="ctr" defTabSz="914400" rtl="0" eaLnBrk="1" fontAlgn="base" latinLnBrk="0" hangingPunct="1">
+                        <a:lnSpc>
+                          <a:spcPct val="100000"/>
+                        </a:lnSpc>
+                        <a:spcBef>
+                          <a:spcPct val="60000"/>
+                        </a:spcBef>
+                        <a:spcAft>
+                          <a:spcPct val="0"/>
+                        </a:spcAft>
+                        <a:buClr>
+                          <a:schemeClr val="tx1"/>
+                        </a:buClr>
+                        <a:buSzTx/>
+                        <a:buFontTx/>
+                        <a:buNone/>
+                        <a:tabLst/>
+                      </a:pPr>
+                      <a:r>
+                        <a:rPr kumimoji="0" lang="pt-BR" sz="1600" b="0" i="0" u="none" strike="noStrike" cap="none" normalizeH="0" baseline="0" dirty="0" smtClean="0">
+                          <a:ln>
+                            <a:noFill/>
+                          </a:ln>
+                          <a:solidFill>
+                            <a:schemeClr val="tx1"/>
+                          </a:solidFill>
+                          <a:effectLst/>
+                          <a:latin typeface="Arial" charset="0"/>
+                        </a:rPr>
+                        <a:t>Exception</a:t>
+                      </a:r>
+                    </a:p>
+                  </a:txBody>
+                  <a:tcPr horzOverflow="overflow">
+                    <a:lnL w="28575" cap="flat" cmpd="sng" algn="ctr">
+                      <a:solidFill>
+                        <a:schemeClr val="tx1"/>
+                      </a:solidFill>
+                      <a:prstDash val="solid"/>
+                      <a:round/>
+                      <a:headEnd type="none" w="med" len="med"/>
+                      <a:tailEnd type="none" w="med" len="med"/>
+                    </a:lnL>
+                    <a:lnR w="28575" cap="flat" cmpd="sng" algn="ctr">
+                      <a:solidFill>
+                        <a:schemeClr val="tx1"/>
+                      </a:solidFill>
+                      <a:prstDash val="solid"/>
+                      <a:round/>
+                      <a:headEnd type="none" w="med" len="med"/>
+                      <a:tailEnd type="none" w="med" len="med"/>
+                    </a:lnR>
+                    <a:lnT w="28575" cap="flat" cmpd="sng" algn="ctr">
+                      <a:solidFill>
+                        <a:schemeClr val="tx1"/>
+                      </a:solidFill>
+                      <a:prstDash val="solid"/>
+                      <a:round/>
+                      <a:headEnd type="none" w="med" len="med"/>
+                      <a:tailEnd type="none" w="med" len="med"/>
+                    </a:lnT>
+                    <a:lnB w="28575" cap="flat" cmpd="sng" algn="ctr">
+                      <a:solidFill>
+                        <a:schemeClr val="tx1"/>
+                      </a:solidFill>
+                      <a:prstDash val="solid"/>
+                      <a:round/>
+                      <a:headEnd type="none" w="med" len="med"/>
+                      <a:tailEnd type="none" w="med" len="med"/>
+                    </a:lnB>
+                    <a:lnTlToBr>
+                      <a:noFill/>
+                    </a:lnTlToBr>
+                    <a:lnBlToTr>
+                      <a:noFill/>
+                    </a:lnBlToTr>
+                    <a:solidFill>
+                      <a:srgbClr val="FF0000"/>
+                    </a:solidFill>
+                  </a:tcPr>
+                </a:tc>
+              </a:tr>
+            </a:tbl>
+          </a:graphicData>
+        </a:graphic>
+      </p:graphicFrame>
+      <p:grpSp>
+        <p:nvGrpSpPr>
+          <p:cNvPr id="2" name="Group 30"/>
+          <p:cNvGrpSpPr>
+            <a:grpSpLocks/>
+          </p:cNvGrpSpPr>
+          <p:nvPr/>
+        </p:nvGrpSpPr>
+        <p:grpSpPr bwMode="auto">
+          <a:xfrm rot="3773350">
+            <a:off x="3614737" y="2032001"/>
+            <a:ext cx="138113" cy="830262"/>
+            <a:chOff x="1134" y="4194"/>
+            <a:chExt cx="1440" cy="5580"/>
+          </a:xfrm>
+        </p:grpSpPr>
+        <p:sp>
+          <p:nvSpPr>
+            <p:cNvPr id="511007" name="AutoShape 31"/>
+            <p:cNvSpPr>
+              <a:spLocks noChangeArrowheads="1"/>
+            </p:cNvSpPr>
+            <p:nvPr/>
+          </p:nvSpPr>
+          <p:spPr bwMode="auto">
+            <a:xfrm>
+              <a:off x="1134" y="4194"/>
+              <a:ext cx="1440" cy="1260"/>
+            </a:xfrm>
+            <a:prstGeom prst="triangle">
+              <a:avLst>
+                <a:gd name="adj" fmla="val 50000"/>
+              </a:avLst>
+            </a:prstGeom>
+            <a:solidFill>
+              <a:srgbClr val="FFFFFF"/>
+            </a:solidFill>
+            <a:ln w="12700">
+              <a:solidFill>
+                <a:schemeClr val="tx1"/>
+              </a:solidFill>
+              <a:miter lim="800000"/>
+              <a:headEnd/>
+              <a:tailEnd/>
+            </a:ln>
+          </p:spPr>
+          <p:txBody>
+            <a:bodyPr/>
+            <a:lstStyle/>
+            <a:p>
+              <a:endParaRPr lang="pt-BR"/>
+            </a:p>
+          </p:txBody>
+        </p:sp>
+        <p:sp>
+          <p:nvSpPr>
+            <p:cNvPr id="511008" name="Line 32"/>
+            <p:cNvSpPr>
+              <a:spLocks noChangeShapeType="1"/>
+            </p:cNvSpPr>
+            <p:nvPr/>
+          </p:nvSpPr>
+          <p:spPr bwMode="auto">
+            <a:xfrm>
+              <a:off x="1854" y="5454"/>
+              <a:ext cx="0" cy="4320"/>
+            </a:xfrm>
+            <a:prstGeom prst="line">
+              <a:avLst/>
+            </a:prstGeom>
+            <a:noFill/>
+            <a:ln w="12700">
+              <a:solidFill>
+                <a:schemeClr val="tx1"/>
+              </a:solidFill>
+              <a:round/>
+              <a:headEnd/>
+              <a:tailEnd/>
+            </a:ln>
+          </p:spPr>
+          <p:txBody>
+            <a:bodyPr/>
+            <a:lstStyle/>
+            <a:p>
+              <a:endParaRPr lang="pt-BR"/>
+            </a:p>
+          </p:txBody>
+        </p:sp>
+      </p:grpSp>
+      <p:graphicFrame>
+        <p:nvGraphicFramePr>
+          <p:cNvPr id="511048" name="Group 72"/>
+          <p:cNvGraphicFramePr>
+            <a:graphicFrameLocks noGrp="1"/>
+          </p:cNvGraphicFramePr>
+          <p:nvPr/>
+        </p:nvGraphicFramePr>
+        <p:xfrm>
+          <a:off x="620713" y="3446463"/>
+          <a:ext cx="2035175" cy="335280"/>
+        </p:xfrm>
+        <a:graphic>
+          <a:graphicData uri="http://schemas.openxmlformats.org/drawingml/2006/table">
+            <a:tbl>
+              <a:tblPr/>
+              <a:tblGrid>
+                <a:gridCol w="2035175"/>
+              </a:tblGrid>
+              <a:tr h="190500">
+                <a:tc>
+                  <a:txBody>
+                    <a:bodyPr/>
+                    <a:lstStyle/>
+                    <a:p>
+                      <a:pPr marL="0" marR="0" lvl="0" indent="0" algn="ctr" defTabSz="914400" rtl="0" eaLnBrk="1" fontAlgn="base" latinLnBrk="0" hangingPunct="1">
+                        <a:lnSpc>
+                          <a:spcPct val="100000"/>
+                        </a:lnSpc>
+                        <a:spcBef>
+                          <a:spcPct val="60000"/>
+                        </a:spcBef>
+                        <a:spcAft>
+                          <a:spcPct val="0"/>
+                        </a:spcAft>
+                        <a:buClr>
+                          <a:schemeClr val="tx1"/>
+                        </a:buClr>
+                        <a:buSzTx/>
+                        <a:buFontTx/>
+                        <a:buNone/>
+                        <a:tabLst/>
+                      </a:pPr>
+                      <a:r>
+                        <a:rPr kumimoji="0" lang="pt-BR" sz="1600" b="0" i="0" u="none" strike="noStrike" cap="none" normalizeH="0" baseline="0" dirty="0" err="1" smtClean="0">
+                          <a:ln>
+                            <a:noFill/>
+                          </a:ln>
+                          <a:solidFill>
+                            <a:schemeClr val="tx1"/>
+                          </a:solidFill>
+                          <a:effectLst/>
+                          <a:latin typeface="Arial" charset="0"/>
+                        </a:rPr>
+                        <a:t>SQLException</a:t>
+                      </a:r>
+                      <a:endParaRPr kumimoji="0" lang="pt-BR" sz="1600" b="0" i="0" u="none" strike="noStrike" cap="none" normalizeH="0" baseline="0" dirty="0" smtClean="0">
+                        <a:ln>
+                          <a:noFill/>
+                        </a:ln>
+                        <a:solidFill>
+                          <a:schemeClr val="tx1"/>
+                        </a:solidFill>
+                        <a:effectLst/>
+                        <a:latin typeface="Arial" charset="0"/>
+                      </a:endParaRPr>
+                    </a:p>
+                  </a:txBody>
+                  <a:tcPr horzOverflow="overflow">
+                    <a:lnL w="28575" cap="flat" cmpd="sng" algn="ctr">
+                      <a:solidFill>
+                        <a:schemeClr val="tx1"/>
+                      </a:solidFill>
+                      <a:prstDash val="solid"/>
+                      <a:round/>
+                      <a:headEnd type="none" w="med" len="med"/>
+                      <a:tailEnd type="none" w="med" len="med"/>
+                    </a:lnL>
+                    <a:lnR w="28575" cap="flat" cmpd="sng" algn="ctr">
+                      <a:solidFill>
+                        <a:schemeClr val="tx1"/>
+                      </a:solidFill>
+                      <a:prstDash val="solid"/>
+                      <a:round/>
+                      <a:headEnd type="none" w="med" len="med"/>
+                      <a:tailEnd type="none" w="med" len="med"/>
+                    </a:lnR>
+                    <a:lnT w="28575" cap="flat" cmpd="sng" algn="ctr">
+                      <a:solidFill>
+                        <a:schemeClr val="tx1"/>
+                      </a:solidFill>
+                      <a:prstDash val="solid"/>
+                      <a:round/>
+                      <a:headEnd type="none" w="med" len="med"/>
+                      <a:tailEnd type="none" w="med" len="med"/>
+                    </a:lnT>
+                    <a:lnB w="28575" cap="flat" cmpd="sng" algn="ctr">
+                      <a:solidFill>
+                        <a:schemeClr val="tx1"/>
+                      </a:solidFill>
+                      <a:prstDash val="solid"/>
+                      <a:round/>
+                      <a:headEnd type="none" w="med" len="med"/>
+                      <a:tailEnd type="none" w="med" len="med"/>
+                    </a:lnB>
+                    <a:lnTlToBr>
+                      <a:noFill/>
+                    </a:lnTlToBr>
+                    <a:lnBlToTr>
+                      <a:noFill/>
+                    </a:lnBlToTr>
+                    <a:solidFill>
+                      <a:srgbClr val="FF0000"/>
+                    </a:solidFill>
+                  </a:tcPr>
+                </a:tc>
+              </a:tr>
+            </a:tbl>
+          </a:graphicData>
+        </a:graphic>
+      </p:graphicFrame>
+      <p:graphicFrame>
+        <p:nvGraphicFramePr>
+          <p:cNvPr id="511047" name="Group 71"/>
+          <p:cNvGraphicFramePr>
+            <a:graphicFrameLocks noGrp="1"/>
+          </p:cNvGraphicFramePr>
+          <p:nvPr/>
+        </p:nvGraphicFramePr>
+        <p:xfrm>
+          <a:off x="620713" y="4284663"/>
+          <a:ext cx="2035175" cy="335280"/>
+        </p:xfrm>
+        <a:graphic>
+          <a:graphicData uri="http://schemas.openxmlformats.org/drawingml/2006/table">
+            <a:tbl>
+              <a:tblPr/>
+              <a:tblGrid>
+                <a:gridCol w="2035175"/>
+              </a:tblGrid>
+              <a:tr h="190500">
+                <a:tc>
+                  <a:txBody>
+                    <a:bodyPr/>
+                    <a:lstStyle/>
+                    <a:p>
+                      <a:pPr marL="0" marR="0" lvl="0" indent="0" algn="ctr" defTabSz="914400" rtl="0" eaLnBrk="1" fontAlgn="base" latinLnBrk="0" hangingPunct="1">
+                        <a:lnSpc>
+                          <a:spcPct val="100000"/>
+                        </a:lnSpc>
+                        <a:spcBef>
+                          <a:spcPct val="60000"/>
+                        </a:spcBef>
+                        <a:spcAft>
+                          <a:spcPct val="0"/>
+                        </a:spcAft>
+                        <a:buClr>
+                          <a:schemeClr val="tx1"/>
+                        </a:buClr>
+                        <a:buSzTx/>
+                        <a:buFontTx/>
+                        <a:buNone/>
+                        <a:tabLst/>
+                      </a:pPr>
+                      <a:r>
+                        <a:rPr kumimoji="0" lang="pt-BR" sz="1600" b="0" i="0" u="none" strike="noStrike" cap="none" normalizeH="0" baseline="0" dirty="0" err="1" smtClean="0">
+                          <a:ln>
+                            <a:noFill/>
+                          </a:ln>
+                          <a:solidFill>
+                            <a:schemeClr val="tx1"/>
+                          </a:solidFill>
+                          <a:effectLst/>
+                          <a:latin typeface="Arial" charset="0"/>
+                        </a:rPr>
+                        <a:t>IOException</a:t>
+                      </a:r>
+                      <a:endParaRPr kumimoji="0" lang="pt-BR" sz="1600" b="0" i="0" u="none" strike="noStrike" cap="none" normalizeH="0" baseline="0" dirty="0" smtClean="0">
+                        <a:ln>
+                          <a:noFill/>
+                        </a:ln>
+                        <a:solidFill>
+                          <a:schemeClr val="tx1"/>
+                        </a:solidFill>
+                        <a:effectLst/>
+                        <a:latin typeface="Arial" charset="0"/>
+                      </a:endParaRPr>
+                    </a:p>
+                  </a:txBody>
+                  <a:tcPr horzOverflow="overflow">
+                    <a:lnL w="28575" cap="flat" cmpd="sng" algn="ctr">
+                      <a:solidFill>
+                        <a:schemeClr val="tx1"/>
+                      </a:solidFill>
+                      <a:prstDash val="solid"/>
+                      <a:round/>
+                      <a:headEnd type="none" w="med" len="med"/>
+                      <a:tailEnd type="none" w="med" len="med"/>
+                    </a:lnL>
+                    <a:lnR w="28575" cap="flat" cmpd="sng" algn="ctr">
+                      <a:solidFill>
+                        <a:schemeClr val="tx1"/>
+                      </a:solidFill>
+                      <a:prstDash val="solid"/>
+                      <a:round/>
+                      <a:headEnd type="none" w="med" len="med"/>
+                      <a:tailEnd type="none" w="med" len="med"/>
+                    </a:lnR>
+                    <a:lnT w="28575" cap="flat" cmpd="sng" algn="ctr">
+                      <a:solidFill>
+                        <a:schemeClr val="tx1"/>
+                      </a:solidFill>
+                      <a:prstDash val="solid"/>
+                      <a:round/>
+                      <a:headEnd type="none" w="med" len="med"/>
+                      <a:tailEnd type="none" w="med" len="med"/>
+                    </a:lnT>
+                    <a:lnB w="28575" cap="flat" cmpd="sng" algn="ctr">
+                      <a:solidFill>
+                        <a:schemeClr val="tx1"/>
+                      </a:solidFill>
+                      <a:prstDash val="solid"/>
+                      <a:round/>
+                      <a:headEnd type="none" w="med" len="med"/>
+                      <a:tailEnd type="none" w="med" len="med"/>
+                    </a:lnB>
+                    <a:lnTlToBr>
+                      <a:noFill/>
+                    </a:lnTlToBr>
+                    <a:lnBlToTr>
+                      <a:noFill/>
+                    </a:lnBlToTr>
+                    <a:solidFill>
+                      <a:srgbClr val="FF0000"/>
+                    </a:solidFill>
+                  </a:tcPr>
+                </a:tc>
+              </a:tr>
+            </a:tbl>
+          </a:graphicData>
+        </a:graphic>
+      </p:graphicFrame>
+      <p:graphicFrame>
+        <p:nvGraphicFramePr>
+          <p:cNvPr id="511046" name="Group 70"/>
+          <p:cNvGraphicFramePr>
+            <a:graphicFrameLocks noGrp="1"/>
+          </p:cNvGraphicFramePr>
+          <p:nvPr/>
+        </p:nvGraphicFramePr>
+        <p:xfrm>
+          <a:off x="3581400" y="3446463"/>
+          <a:ext cx="2035175" cy="335280"/>
+        </p:xfrm>
+        <a:graphic>
+          <a:graphicData uri="http://schemas.openxmlformats.org/drawingml/2006/table">
+            <a:tbl>
+              <a:tblPr/>
+              <a:tblGrid>
+                <a:gridCol w="2035175"/>
+              </a:tblGrid>
+              <a:tr h="190500">
+                <a:tc>
+                  <a:txBody>
+                    <a:bodyPr/>
+                    <a:lstStyle/>
+                    <a:p>
+                      <a:pPr marL="0" marR="0" lvl="0" indent="0" algn="ctr" defTabSz="914400" rtl="0" eaLnBrk="1" fontAlgn="base" latinLnBrk="0" hangingPunct="1">
+                        <a:lnSpc>
+                          <a:spcPct val="100000"/>
+                        </a:lnSpc>
+                        <a:spcBef>
+                          <a:spcPct val="60000"/>
+                        </a:spcBef>
+                        <a:spcAft>
+                          <a:spcPct val="0"/>
+                        </a:spcAft>
+                        <a:buClr>
+                          <a:schemeClr val="tx1"/>
+                        </a:buClr>
+                        <a:buSzTx/>
+                        <a:buFontTx/>
+                        <a:buNone/>
+                        <a:tabLst/>
+                      </a:pPr>
+                      <a:r>
+                        <a:rPr kumimoji="0" lang="pt-BR" sz="1600" b="0" i="0" u="none" strike="noStrike" cap="none" normalizeH="0" baseline="0" dirty="0" err="1" smtClean="0">
+                          <a:ln>
+                            <a:noFill/>
+                          </a:ln>
+                          <a:solidFill>
+                            <a:schemeClr val="tx1"/>
+                          </a:solidFill>
+                          <a:effectLst/>
+                          <a:latin typeface="Arial" charset="0"/>
+                        </a:rPr>
+                        <a:t>ParseException</a:t>
+                      </a:r>
+                      <a:endParaRPr kumimoji="0" lang="pt-BR" sz="1600" b="0" i="0" u="none" strike="noStrike" cap="none" normalizeH="0" baseline="0" dirty="0" smtClean="0">
+                        <a:ln>
+                          <a:noFill/>
+                        </a:ln>
+                        <a:solidFill>
+                          <a:schemeClr val="tx1"/>
+                        </a:solidFill>
+                        <a:effectLst/>
+                        <a:latin typeface="Arial" charset="0"/>
+                      </a:endParaRPr>
+                    </a:p>
+                  </a:txBody>
+                  <a:tcPr horzOverflow="overflow">
+                    <a:lnL w="28575" cap="flat" cmpd="sng" algn="ctr">
+                      <a:solidFill>
+                        <a:schemeClr val="tx1"/>
+                      </a:solidFill>
+                      <a:prstDash val="solid"/>
+                      <a:round/>
+                      <a:headEnd type="none" w="med" len="med"/>
+                      <a:tailEnd type="none" w="med" len="med"/>
+                    </a:lnL>
+                    <a:lnR w="28575" cap="flat" cmpd="sng" algn="ctr">
+                      <a:solidFill>
+                        <a:schemeClr val="tx1"/>
+                      </a:solidFill>
+                      <a:prstDash val="solid"/>
+                      <a:round/>
+                      <a:headEnd type="none" w="med" len="med"/>
+                      <a:tailEnd type="none" w="med" len="med"/>
+                    </a:lnR>
+                    <a:lnT w="28575" cap="flat" cmpd="sng" algn="ctr">
+                      <a:solidFill>
+                        <a:schemeClr val="tx1"/>
+                      </a:solidFill>
+                      <a:prstDash val="solid"/>
+                      <a:round/>
+                      <a:headEnd type="none" w="med" len="med"/>
+                      <a:tailEnd type="none" w="med" len="med"/>
+                    </a:lnT>
+                    <a:lnB w="28575" cap="flat" cmpd="sng" algn="ctr">
+                      <a:solidFill>
+                        <a:schemeClr val="tx1"/>
+                      </a:solidFill>
+                      <a:prstDash val="solid"/>
+                      <a:round/>
+                      <a:headEnd type="none" w="med" len="med"/>
+                      <a:tailEnd type="none" w="med" len="med"/>
+                    </a:lnB>
+                    <a:lnTlToBr>
+                      <a:noFill/>
+                    </a:lnTlToBr>
+                    <a:lnBlToTr>
+                      <a:noFill/>
+                    </a:lnBlToTr>
+                    <a:solidFill>
+                      <a:srgbClr val="FF0000"/>
+                    </a:solidFill>
+                  </a:tcPr>
+                </a:tc>
+              </a:tr>
+            </a:tbl>
+          </a:graphicData>
+        </a:graphic>
+      </p:graphicFrame>
+      <p:graphicFrame>
+        <p:nvGraphicFramePr>
+          <p:cNvPr id="511045" name="Group 69"/>
+          <p:cNvGraphicFramePr>
+            <a:graphicFrameLocks noGrp="1"/>
+          </p:cNvGraphicFramePr>
+          <p:nvPr/>
+        </p:nvGraphicFramePr>
+        <p:xfrm>
+          <a:off x="3581400" y="4284663"/>
+          <a:ext cx="2035175" cy="335280"/>
+        </p:xfrm>
+        <a:graphic>
+          <a:graphicData uri="http://schemas.openxmlformats.org/drawingml/2006/table">
+            <a:tbl>
+              <a:tblPr/>
+              <a:tblGrid>
+                <a:gridCol w="2035175"/>
+              </a:tblGrid>
+              <a:tr h="190500">
+                <a:tc>
+                  <a:txBody>
+                    <a:bodyPr/>
+                    <a:lstStyle/>
+                    <a:p>
+                      <a:pPr marL="0" marR="0" lvl="0" indent="0" algn="ctr" defTabSz="914400" rtl="0" eaLnBrk="1" fontAlgn="base" latinLnBrk="0" hangingPunct="1">
+                        <a:lnSpc>
+                          <a:spcPct val="100000"/>
+                        </a:lnSpc>
+                        <a:spcBef>
+                          <a:spcPct val="60000"/>
+                        </a:spcBef>
+                        <a:spcAft>
+                          <a:spcPct val="0"/>
+                        </a:spcAft>
+                        <a:buClr>
+                          <a:schemeClr val="tx1"/>
+                        </a:buClr>
+                        <a:buSzTx/>
+                        <a:buFontTx/>
+                        <a:buNone/>
+                        <a:tabLst/>
+                      </a:pPr>
+                      <a:r>
+                        <a:rPr kumimoji="0" lang="pt-BR" sz="1600" b="0" i="0" u="none" strike="noStrike" cap="none" normalizeH="0" baseline="0" smtClean="0">
+                          <a:ln>
+                            <a:noFill/>
+                          </a:ln>
+                          <a:solidFill>
+                            <a:schemeClr val="tx1"/>
+                          </a:solidFill>
+                          <a:effectLst/>
+                          <a:latin typeface="Arial" charset="0"/>
+                        </a:rPr>
+                        <a:t>RuntimeException</a:t>
+                      </a:r>
+                    </a:p>
+                  </a:txBody>
+                  <a:tcPr horzOverflow="overflow">
+                    <a:lnL w="28575" cap="flat" cmpd="sng" algn="ctr">
+                      <a:solidFill>
+                        <a:schemeClr val="tx1"/>
+                      </a:solidFill>
+                      <a:prstDash val="solid"/>
+                      <a:round/>
+                      <a:headEnd type="none" w="med" len="med"/>
+                      <a:tailEnd type="none" w="med" len="med"/>
+                    </a:lnL>
+                    <a:lnR w="28575" cap="flat" cmpd="sng" algn="ctr">
+                      <a:solidFill>
+                        <a:schemeClr val="tx1"/>
+                      </a:solidFill>
+                      <a:prstDash val="solid"/>
+                      <a:round/>
+                      <a:headEnd type="none" w="med" len="med"/>
+                      <a:tailEnd type="none" w="med" len="med"/>
+                    </a:lnR>
+                    <a:lnT w="28575" cap="flat" cmpd="sng" algn="ctr">
+                      <a:solidFill>
+                        <a:schemeClr val="tx1"/>
+                      </a:solidFill>
+                      <a:prstDash val="solid"/>
+                      <a:round/>
+                      <a:headEnd type="none" w="med" len="med"/>
+                      <a:tailEnd type="none" w="med" len="med"/>
+                    </a:lnT>
+                    <a:lnB w="28575" cap="flat" cmpd="sng" algn="ctr">
+                      <a:solidFill>
+                        <a:schemeClr val="tx1"/>
+                      </a:solidFill>
+                      <a:prstDash val="solid"/>
+                      <a:round/>
+                      <a:headEnd type="none" w="med" len="med"/>
+                      <a:tailEnd type="none" w="med" len="med"/>
+                    </a:lnB>
+                    <a:lnTlToBr>
+                      <a:noFill/>
+                    </a:lnTlToBr>
+                    <a:lnBlToTr>
+                      <a:noFill/>
+                    </a:lnBlToTr>
+                    <a:noFill/>
+                  </a:tcPr>
+                </a:tc>
+              </a:tr>
+            </a:tbl>
+          </a:graphicData>
+        </a:graphic>
+      </p:graphicFrame>
+      <p:grpSp>
+        <p:nvGrpSpPr>
+          <p:cNvPr id="3" name="Group 78"/>
+          <p:cNvGrpSpPr>
+            <a:grpSpLocks/>
+          </p:cNvGrpSpPr>
+          <p:nvPr/>
+        </p:nvGrpSpPr>
+        <p:grpSpPr bwMode="auto">
+          <a:xfrm rot="2987640">
+            <a:off x="2228057" y="2856706"/>
+            <a:ext cx="157162" cy="720725"/>
+            <a:chOff x="1134" y="4194"/>
+            <a:chExt cx="1440" cy="5580"/>
+          </a:xfrm>
+        </p:grpSpPr>
+        <p:sp>
+          <p:nvSpPr>
+            <p:cNvPr id="511055" name="AutoShape 79"/>
+            <p:cNvSpPr>
+              <a:spLocks noChangeArrowheads="1"/>
+            </p:cNvSpPr>
+            <p:nvPr/>
+          </p:nvSpPr>
+          <p:spPr bwMode="auto">
+            <a:xfrm>
+              <a:off x="1134" y="4194"/>
+              <a:ext cx="1440" cy="1260"/>
+            </a:xfrm>
+            <a:prstGeom prst="triangle">
+              <a:avLst>
+                <a:gd name="adj" fmla="val 50000"/>
+              </a:avLst>
+            </a:prstGeom>
+            <a:solidFill>
+              <a:srgbClr val="FFFFFF"/>
+            </a:solidFill>
+            <a:ln w="12700">
+              <a:solidFill>
+                <a:schemeClr val="tx1"/>
+              </a:solidFill>
+              <a:miter lim="800000"/>
+              <a:headEnd/>
+              <a:tailEnd/>
+            </a:ln>
+          </p:spPr>
+          <p:txBody>
+            <a:bodyPr/>
+            <a:lstStyle/>
+            <a:p>
+              <a:endParaRPr lang="pt-BR"/>
+            </a:p>
+          </p:txBody>
+        </p:sp>
+        <p:sp>
+          <p:nvSpPr>
+            <p:cNvPr id="511056" name="Line 80"/>
+            <p:cNvSpPr>
+              <a:spLocks noChangeShapeType="1"/>
+            </p:cNvSpPr>
+            <p:nvPr/>
+          </p:nvSpPr>
+          <p:spPr bwMode="auto">
+            <a:xfrm>
+              <a:off x="1854" y="5454"/>
+              <a:ext cx="0" cy="4320"/>
+            </a:xfrm>
+            <a:prstGeom prst="line">
+              <a:avLst/>
+            </a:prstGeom>
+            <a:noFill/>
+            <a:ln w="12700">
+              <a:solidFill>
+                <a:schemeClr val="tx1"/>
+              </a:solidFill>
+              <a:round/>
+              <a:headEnd/>
+              <a:tailEnd/>
+            </a:ln>
+          </p:spPr>
+          <p:txBody>
+            <a:bodyPr/>
+            <a:lstStyle/>
+            <a:p>
+              <a:endParaRPr lang="pt-BR"/>
+            </a:p>
+          </p:txBody>
+        </p:sp>
+      </p:grpSp>
+      <p:grpSp>
+        <p:nvGrpSpPr>
+          <p:cNvPr id="4" name="Group 81"/>
+          <p:cNvGrpSpPr>
+            <a:grpSpLocks/>
+          </p:cNvGrpSpPr>
+          <p:nvPr/>
+        </p:nvGrpSpPr>
+        <p:grpSpPr bwMode="auto">
+          <a:xfrm rot="18612360" flipH="1">
+            <a:off x="3863182" y="2856706"/>
+            <a:ext cx="157162" cy="720725"/>
+            <a:chOff x="1134" y="4194"/>
+            <a:chExt cx="1440" cy="5580"/>
+          </a:xfrm>
+        </p:grpSpPr>
+        <p:sp>
+          <p:nvSpPr>
+            <p:cNvPr id="511058" name="AutoShape 82"/>
+            <p:cNvSpPr>
+              <a:spLocks noChangeArrowheads="1"/>
+            </p:cNvSpPr>
+            <p:nvPr/>
+          </p:nvSpPr>
+          <p:spPr bwMode="auto">
+            <a:xfrm>
+              <a:off x="1134" y="4194"/>
+              <a:ext cx="1440" cy="1260"/>
+            </a:xfrm>
+            <a:prstGeom prst="triangle">
+              <a:avLst>
+                <a:gd name="adj" fmla="val 50000"/>
+              </a:avLst>
+            </a:prstGeom>
+            <a:solidFill>
+              <a:srgbClr val="FFFFFF"/>
+            </a:solidFill>
+            <a:ln w="12700">
+              <a:solidFill>
+                <a:schemeClr val="tx1"/>
+              </a:solidFill>
+              <a:miter lim="800000"/>
+              <a:headEnd/>
+              <a:tailEnd/>
+            </a:ln>
+          </p:spPr>
+          <p:txBody>
+            <a:bodyPr/>
+            <a:lstStyle/>
+            <a:p>
+              <a:endParaRPr lang="pt-BR"/>
+            </a:p>
+          </p:txBody>
+        </p:sp>
+        <p:sp>
+          <p:nvSpPr>
+            <p:cNvPr id="511059" name="Line 83"/>
+            <p:cNvSpPr>
+              <a:spLocks noChangeShapeType="1"/>
+            </p:cNvSpPr>
+            <p:nvPr/>
+          </p:nvSpPr>
+          <p:spPr bwMode="auto">
+            <a:xfrm>
+              <a:off x="1854" y="5454"/>
+              <a:ext cx="0" cy="4320"/>
+            </a:xfrm>
+            <a:prstGeom prst="line">
+              <a:avLst/>
+            </a:prstGeom>
+            <a:noFill/>
+            <a:ln w="12700">
+              <a:solidFill>
+                <a:schemeClr val="tx1"/>
+              </a:solidFill>
+              <a:round/>
+              <a:headEnd/>
+              <a:tailEnd/>
+            </a:ln>
+          </p:spPr>
+          <p:txBody>
+            <a:bodyPr/>
+            <a:lstStyle/>
+            <a:p>
+              <a:endParaRPr lang="pt-BR"/>
+            </a:p>
+          </p:txBody>
+        </p:sp>
+      </p:grpSp>
+      <p:grpSp>
+        <p:nvGrpSpPr>
+          <p:cNvPr id="5" name="Group 88"/>
+          <p:cNvGrpSpPr>
+            <a:grpSpLocks/>
+          </p:cNvGrpSpPr>
+          <p:nvPr/>
+        </p:nvGrpSpPr>
+        <p:grpSpPr bwMode="auto">
+          <a:xfrm>
+            <a:off x="2895600" y="2989263"/>
+            <a:ext cx="152400" cy="914400"/>
+            <a:chOff x="1134" y="4194"/>
+            <a:chExt cx="1440" cy="5580"/>
+          </a:xfrm>
+        </p:grpSpPr>
+        <p:sp>
+          <p:nvSpPr>
+            <p:cNvPr id="511065" name="AutoShape 89"/>
+            <p:cNvSpPr>
+              <a:spLocks noChangeArrowheads="1"/>
+            </p:cNvSpPr>
+            <p:nvPr/>
+          </p:nvSpPr>
+          <p:spPr bwMode="auto">
+            <a:xfrm>
+              <a:off x="1134" y="4194"/>
+              <a:ext cx="1440" cy="1260"/>
+            </a:xfrm>
+            <a:prstGeom prst="triangle">
+              <a:avLst>
+                <a:gd name="adj" fmla="val 50000"/>
+              </a:avLst>
+            </a:prstGeom>
+            <a:solidFill>
+              <a:srgbClr val="FFFFFF"/>
+            </a:solidFill>
+            <a:ln w="12700">
+              <a:solidFill>
+                <a:schemeClr val="tx1"/>
+              </a:solidFill>
+              <a:miter lim="800000"/>
+              <a:headEnd/>
+              <a:tailEnd/>
+            </a:ln>
+          </p:spPr>
+          <p:txBody>
+            <a:bodyPr/>
+            <a:lstStyle/>
+            <a:p>
+              <a:endParaRPr lang="pt-BR"/>
+            </a:p>
+          </p:txBody>
+        </p:sp>
+        <p:sp>
+          <p:nvSpPr>
+            <p:cNvPr id="511066" name="Line 90"/>
+            <p:cNvSpPr>
+              <a:spLocks noChangeShapeType="1"/>
+            </p:cNvSpPr>
+            <p:nvPr/>
+          </p:nvSpPr>
+          <p:spPr bwMode="auto">
+            <a:xfrm>
+              <a:off x="1854" y="5454"/>
+              <a:ext cx="0" cy="4320"/>
+            </a:xfrm>
+            <a:prstGeom prst="line">
+              <a:avLst/>
+            </a:prstGeom>
+            <a:noFill/>
+            <a:ln w="12700">
+              <a:solidFill>
+                <a:schemeClr val="tx1"/>
+              </a:solidFill>
+              <a:round/>
+              <a:headEnd/>
+              <a:tailEnd/>
+            </a:ln>
+          </p:spPr>
+          <p:txBody>
+            <a:bodyPr/>
+            <a:lstStyle/>
+            <a:p>
+              <a:endParaRPr lang="pt-BR"/>
+            </a:p>
+          </p:txBody>
+        </p:sp>
+      </p:grpSp>
+      <p:sp>
+        <p:nvSpPr>
+          <p:cNvPr id="511067" name="Line 91"/>
+          <p:cNvSpPr>
+            <a:spLocks noChangeShapeType="1"/>
+          </p:cNvSpPr>
+          <p:nvPr/>
+        </p:nvSpPr>
+        <p:spPr bwMode="auto">
+          <a:xfrm flipH="1">
+            <a:off x="1676400" y="3903663"/>
+            <a:ext cx="1295400" cy="381000"/>
+          </a:xfrm>
+          <a:prstGeom prst="line">
+            <a:avLst/>
+          </a:prstGeom>
+          <a:noFill/>
+          <a:ln w="9525">
+            <a:solidFill>
+              <a:schemeClr val="tx1"/>
+            </a:solidFill>
+            <a:miter lim="800000"/>
+            <a:headEnd/>
+            <a:tailEnd/>
+          </a:ln>
+          <a:effectLst/>
+        </p:spPr>
         <p:txBody>
           <a:bodyPr/>
           <a:lstStyle/>
@@ -5967,40 +8240,1093 @@
           </a:p>
         </p:txBody>
       </p:sp>
-      <p:sp>
-        <p:nvSpPr>
-          <p:cNvPr id="5" name="Espaço Reservado para Número de Slide 4"/>
-          <p:cNvSpPr>
-            <a:spLocks noGrp="1"/>
-          </p:cNvSpPr>
-          <p:nvPr>
-            <p:ph type="sldNum" sz="quarter" idx="12"/>
-          </p:nvPr>
-        </p:nvSpPr>
-        <p:spPr/>
+      <p:grpSp>
+        <p:nvGrpSpPr>
+          <p:cNvPr id="6" name="Group 92"/>
+          <p:cNvGrpSpPr>
+            <a:grpSpLocks/>
+          </p:cNvGrpSpPr>
+          <p:nvPr/>
+        </p:nvGrpSpPr>
+        <p:grpSpPr bwMode="auto">
+          <a:xfrm>
+            <a:off x="3124200" y="2989263"/>
+            <a:ext cx="152400" cy="914400"/>
+            <a:chOff x="1134" y="4194"/>
+            <a:chExt cx="1440" cy="5580"/>
+          </a:xfrm>
+        </p:grpSpPr>
+        <p:sp>
+          <p:nvSpPr>
+            <p:cNvPr id="511069" name="AutoShape 93"/>
+            <p:cNvSpPr>
+              <a:spLocks noChangeArrowheads="1"/>
+            </p:cNvSpPr>
+            <p:nvPr/>
+          </p:nvSpPr>
+          <p:spPr bwMode="auto">
+            <a:xfrm>
+              <a:off x="1134" y="4194"/>
+              <a:ext cx="1440" cy="1260"/>
+            </a:xfrm>
+            <a:prstGeom prst="triangle">
+              <a:avLst>
+                <a:gd name="adj" fmla="val 50000"/>
+              </a:avLst>
+            </a:prstGeom>
+            <a:solidFill>
+              <a:srgbClr val="FFFFFF"/>
+            </a:solidFill>
+            <a:ln w="12700">
+              <a:solidFill>
+                <a:schemeClr val="tx1"/>
+              </a:solidFill>
+              <a:miter lim="800000"/>
+              <a:headEnd/>
+              <a:tailEnd/>
+            </a:ln>
+          </p:spPr>
+          <p:txBody>
+            <a:bodyPr/>
+            <a:lstStyle/>
+            <a:p>
+              <a:endParaRPr lang="pt-BR"/>
+            </a:p>
+          </p:txBody>
+        </p:sp>
+        <p:sp>
+          <p:nvSpPr>
+            <p:cNvPr id="511070" name="Line 94"/>
+            <p:cNvSpPr>
+              <a:spLocks noChangeShapeType="1"/>
+            </p:cNvSpPr>
+            <p:nvPr/>
+          </p:nvSpPr>
+          <p:spPr bwMode="auto">
+            <a:xfrm>
+              <a:off x="1854" y="5454"/>
+              <a:ext cx="0" cy="4320"/>
+            </a:xfrm>
+            <a:prstGeom prst="line">
+              <a:avLst/>
+            </a:prstGeom>
+            <a:noFill/>
+            <a:ln w="12700">
+              <a:solidFill>
+                <a:schemeClr val="tx1"/>
+              </a:solidFill>
+              <a:round/>
+              <a:headEnd/>
+              <a:tailEnd/>
+            </a:ln>
+          </p:spPr>
+          <p:txBody>
+            <a:bodyPr/>
+            <a:lstStyle/>
+            <a:p>
+              <a:endParaRPr lang="pt-BR"/>
+            </a:p>
+          </p:txBody>
+        </p:sp>
+      </p:grpSp>
+      <p:sp>
+        <p:nvSpPr>
+          <p:cNvPr id="511071" name="Line 95"/>
+          <p:cNvSpPr>
+            <a:spLocks noChangeShapeType="1"/>
+          </p:cNvSpPr>
+          <p:nvPr/>
+        </p:nvSpPr>
+        <p:spPr bwMode="auto">
+          <a:xfrm>
+            <a:off x="3200400" y="3903663"/>
+            <a:ext cx="1295400" cy="381000"/>
+          </a:xfrm>
+          <a:prstGeom prst="line">
+            <a:avLst/>
+          </a:prstGeom>
+          <a:noFill/>
+          <a:ln w="9525">
+            <a:solidFill>
+              <a:schemeClr val="tx1"/>
+            </a:solidFill>
+            <a:miter lim="800000"/>
+            <a:headEnd/>
+            <a:tailEnd/>
+          </a:ln>
+          <a:effectLst/>
+        </p:spPr>
         <p:txBody>
           <a:bodyPr/>
           <a:lstStyle/>
           <a:p>
-            <a:pPr>
-              <a:defRPr/>
-            </a:pPr>
-            <a:fld id="{DAB16DC1-F000-4B90-9425-1E014EE80EC3}" type="slidenum">
-              <a:rPr lang="pt-BR" smtClean="0"/>
-              <a:pPr>
-                <a:defRPr/>
-              </a:pPr>
-              <a:t>10</a:t>
-            </a:fld>
             <a:endParaRPr lang="pt-BR"/>
           </a:p>
         </p:txBody>
       </p:sp>
+      <p:graphicFrame>
+        <p:nvGraphicFramePr>
+          <p:cNvPr id="511099" name="Group 123"/>
+          <p:cNvGraphicFramePr>
+            <a:graphicFrameLocks noGrp="1"/>
+          </p:cNvGraphicFramePr>
+          <p:nvPr/>
+        </p:nvGraphicFramePr>
+        <p:xfrm>
+          <a:off x="971550" y="5638800"/>
+          <a:ext cx="3352800" cy="335280"/>
+        </p:xfrm>
+        <a:graphic>
+          <a:graphicData uri="http://schemas.openxmlformats.org/drawingml/2006/table">
+            <a:tbl>
+              <a:tblPr/>
+              <a:tblGrid>
+                <a:gridCol w="3352800"/>
+              </a:tblGrid>
+              <a:tr h="190500">
+                <a:tc>
+                  <a:txBody>
+                    <a:bodyPr/>
+                    <a:lstStyle/>
+                    <a:p>
+                      <a:pPr marL="0" marR="0" lvl="0" indent="0" algn="ctr" defTabSz="914400" rtl="0" eaLnBrk="1" fontAlgn="base" latinLnBrk="0" hangingPunct="1">
+                        <a:lnSpc>
+                          <a:spcPct val="100000"/>
+                        </a:lnSpc>
+                        <a:spcBef>
+                          <a:spcPct val="60000"/>
+                        </a:spcBef>
+                        <a:spcAft>
+                          <a:spcPct val="0"/>
+                        </a:spcAft>
+                        <a:buClr>
+                          <a:schemeClr val="tx1"/>
+                        </a:buClr>
+                        <a:buSzTx/>
+                        <a:buFontTx/>
+                        <a:buNone/>
+                        <a:tabLst/>
+                      </a:pPr>
+                      <a:r>
+                        <a:rPr kumimoji="0" lang="pt-BR" sz="1600" b="0" i="0" u="none" strike="noStrike" cap="none" normalizeH="0" baseline="0" smtClean="0">
+                          <a:ln>
+                            <a:noFill/>
+                          </a:ln>
+                          <a:solidFill>
+                            <a:schemeClr val="tx1"/>
+                          </a:solidFill>
+                          <a:effectLst/>
+                          <a:latin typeface="Arial" charset="0"/>
+                        </a:rPr>
+                        <a:t>ArrayIndexOutOfBoundsException</a:t>
+                      </a:r>
+                    </a:p>
+                  </a:txBody>
+                  <a:tcPr horzOverflow="overflow">
+                    <a:lnL w="28575" cap="flat" cmpd="sng" algn="ctr">
+                      <a:solidFill>
+                        <a:schemeClr val="tx1"/>
+                      </a:solidFill>
+                      <a:prstDash val="solid"/>
+                      <a:round/>
+                      <a:headEnd type="none" w="med" len="med"/>
+                      <a:tailEnd type="none" w="med" len="med"/>
+                    </a:lnL>
+                    <a:lnR w="28575" cap="flat" cmpd="sng" algn="ctr">
+                      <a:solidFill>
+                        <a:schemeClr val="tx1"/>
+                      </a:solidFill>
+                      <a:prstDash val="solid"/>
+                      <a:round/>
+                      <a:headEnd type="none" w="med" len="med"/>
+                      <a:tailEnd type="none" w="med" len="med"/>
+                    </a:lnR>
+                    <a:lnT w="28575" cap="flat" cmpd="sng" algn="ctr">
+                      <a:solidFill>
+                        <a:schemeClr val="tx1"/>
+                      </a:solidFill>
+                      <a:prstDash val="solid"/>
+                      <a:round/>
+                      <a:headEnd type="none" w="med" len="med"/>
+                      <a:tailEnd type="none" w="med" len="med"/>
+                    </a:lnT>
+                    <a:lnB w="28575" cap="flat" cmpd="sng" algn="ctr">
+                      <a:solidFill>
+                        <a:schemeClr val="tx1"/>
+                      </a:solidFill>
+                      <a:prstDash val="solid"/>
+                      <a:round/>
+                      <a:headEnd type="none" w="med" len="med"/>
+                      <a:tailEnd type="none" w="med" len="med"/>
+                    </a:lnB>
+                    <a:lnTlToBr>
+                      <a:noFill/>
+                    </a:lnTlToBr>
+                    <a:lnBlToTr>
+                      <a:noFill/>
+                    </a:lnBlToTr>
+                    <a:noFill/>
+                  </a:tcPr>
+                </a:tc>
+              </a:tr>
+            </a:tbl>
+          </a:graphicData>
+        </a:graphic>
+      </p:graphicFrame>
+      <p:graphicFrame>
+        <p:nvGraphicFramePr>
+          <p:cNvPr id="511080" name="Group 104"/>
+          <p:cNvGraphicFramePr>
+            <a:graphicFrameLocks noGrp="1"/>
+          </p:cNvGraphicFramePr>
+          <p:nvPr/>
+        </p:nvGraphicFramePr>
+        <p:xfrm>
+          <a:off x="838200" y="5029200"/>
+          <a:ext cx="2035175" cy="335280"/>
+        </p:xfrm>
+        <a:graphic>
+          <a:graphicData uri="http://schemas.openxmlformats.org/drawingml/2006/table">
+            <a:tbl>
+              <a:tblPr/>
+              <a:tblGrid>
+                <a:gridCol w="2035175"/>
+              </a:tblGrid>
+              <a:tr h="190500">
+                <a:tc>
+                  <a:txBody>
+                    <a:bodyPr/>
+                    <a:lstStyle/>
+                    <a:p>
+                      <a:pPr marL="0" marR="0" lvl="0" indent="0" algn="ctr" defTabSz="914400" rtl="0" eaLnBrk="1" fontAlgn="base" latinLnBrk="0" hangingPunct="1">
+                        <a:lnSpc>
+                          <a:spcPct val="100000"/>
+                        </a:lnSpc>
+                        <a:spcBef>
+                          <a:spcPct val="60000"/>
+                        </a:spcBef>
+                        <a:spcAft>
+                          <a:spcPct val="0"/>
+                        </a:spcAft>
+                        <a:buClr>
+                          <a:schemeClr val="tx1"/>
+                        </a:buClr>
+                        <a:buSzTx/>
+                        <a:buFontTx/>
+                        <a:buNone/>
+                        <a:tabLst/>
+                      </a:pPr>
+                      <a:r>
+                        <a:rPr kumimoji="0" lang="pt-BR" sz="1600" b="0" i="0" u="none" strike="noStrike" cap="none" normalizeH="0" baseline="0" smtClean="0">
+                          <a:ln>
+                            <a:noFill/>
+                          </a:ln>
+                          <a:solidFill>
+                            <a:schemeClr val="tx1"/>
+                          </a:solidFill>
+                          <a:effectLst/>
+                          <a:latin typeface="Arial" charset="0"/>
+                        </a:rPr>
+                        <a:t>ArithmeticException</a:t>
+                      </a:r>
+                    </a:p>
+                  </a:txBody>
+                  <a:tcPr horzOverflow="overflow">
+                    <a:lnL w="28575" cap="flat" cmpd="sng" algn="ctr">
+                      <a:solidFill>
+                        <a:schemeClr val="tx1"/>
+                      </a:solidFill>
+                      <a:prstDash val="solid"/>
+                      <a:round/>
+                      <a:headEnd type="none" w="med" len="med"/>
+                      <a:tailEnd type="none" w="med" len="med"/>
+                    </a:lnL>
+                    <a:lnR w="28575" cap="flat" cmpd="sng" algn="ctr">
+                      <a:solidFill>
+                        <a:schemeClr val="tx1"/>
+                      </a:solidFill>
+                      <a:prstDash val="solid"/>
+                      <a:round/>
+                      <a:headEnd type="none" w="med" len="med"/>
+                      <a:tailEnd type="none" w="med" len="med"/>
+                    </a:lnR>
+                    <a:lnT w="28575" cap="flat" cmpd="sng" algn="ctr">
+                      <a:solidFill>
+                        <a:schemeClr val="tx1"/>
+                      </a:solidFill>
+                      <a:prstDash val="solid"/>
+                      <a:round/>
+                      <a:headEnd type="none" w="med" len="med"/>
+                      <a:tailEnd type="none" w="med" len="med"/>
+                    </a:lnT>
+                    <a:lnB w="28575" cap="flat" cmpd="sng" algn="ctr">
+                      <a:solidFill>
+                        <a:schemeClr val="tx1"/>
+                      </a:solidFill>
+                      <a:prstDash val="solid"/>
+                      <a:round/>
+                      <a:headEnd type="none" w="med" len="med"/>
+                      <a:tailEnd type="none" w="med" len="med"/>
+                    </a:lnB>
+                    <a:lnTlToBr>
+                      <a:noFill/>
+                    </a:lnTlToBr>
+                    <a:lnBlToTr>
+                      <a:noFill/>
+                    </a:lnBlToTr>
+                    <a:noFill/>
+                  </a:tcPr>
+                </a:tc>
+              </a:tr>
+            </a:tbl>
+          </a:graphicData>
+        </a:graphic>
+      </p:graphicFrame>
+      <p:graphicFrame>
+        <p:nvGraphicFramePr>
+          <p:cNvPr id="511096" name="Group 120"/>
+          <p:cNvGraphicFramePr>
+            <a:graphicFrameLocks noGrp="1"/>
+          </p:cNvGraphicFramePr>
+          <p:nvPr/>
+        </p:nvGraphicFramePr>
+        <p:xfrm>
+          <a:off x="4953000" y="5638800"/>
+          <a:ext cx="2514600" cy="335280"/>
+        </p:xfrm>
+        <a:graphic>
+          <a:graphicData uri="http://schemas.openxmlformats.org/drawingml/2006/table">
+            <a:tbl>
+              <a:tblPr/>
+              <a:tblGrid>
+                <a:gridCol w="2514600"/>
+              </a:tblGrid>
+              <a:tr h="190500">
+                <a:tc>
+                  <a:txBody>
+                    <a:bodyPr/>
+                    <a:lstStyle/>
+                    <a:p>
+                      <a:pPr marL="0" marR="0" lvl="0" indent="0" algn="ctr" defTabSz="914400" rtl="0" eaLnBrk="1" fontAlgn="base" latinLnBrk="0" hangingPunct="1">
+                        <a:lnSpc>
+                          <a:spcPct val="100000"/>
+                        </a:lnSpc>
+                        <a:spcBef>
+                          <a:spcPct val="60000"/>
+                        </a:spcBef>
+                        <a:spcAft>
+                          <a:spcPct val="0"/>
+                        </a:spcAft>
+                        <a:buClr>
+                          <a:schemeClr val="tx1"/>
+                        </a:buClr>
+                        <a:buSzTx/>
+                        <a:buFontTx/>
+                        <a:buNone/>
+                        <a:tabLst/>
+                      </a:pPr>
+                      <a:r>
+                        <a:rPr kumimoji="0" lang="pt-BR" sz="1600" b="0" i="0" u="none" strike="noStrike" cap="none" normalizeH="0" baseline="0" smtClean="0">
+                          <a:ln>
+                            <a:noFill/>
+                          </a:ln>
+                          <a:solidFill>
+                            <a:schemeClr val="tx1"/>
+                          </a:solidFill>
+                          <a:effectLst/>
+                          <a:latin typeface="Arial" charset="0"/>
+                        </a:rPr>
+                        <a:t>NumberFormatException</a:t>
+                      </a:r>
+                    </a:p>
+                  </a:txBody>
+                  <a:tcPr horzOverflow="overflow">
+                    <a:lnL w="28575" cap="flat" cmpd="sng" algn="ctr">
+                      <a:solidFill>
+                        <a:schemeClr val="tx1"/>
+                      </a:solidFill>
+                      <a:prstDash val="solid"/>
+                      <a:round/>
+                      <a:headEnd type="none" w="med" len="med"/>
+                      <a:tailEnd type="none" w="med" len="med"/>
+                    </a:lnL>
+                    <a:lnR w="28575" cap="flat" cmpd="sng" algn="ctr">
+                      <a:solidFill>
+                        <a:schemeClr val="tx1"/>
+                      </a:solidFill>
+                      <a:prstDash val="solid"/>
+                      <a:round/>
+                      <a:headEnd type="none" w="med" len="med"/>
+                      <a:tailEnd type="none" w="med" len="med"/>
+                    </a:lnR>
+                    <a:lnT w="28575" cap="flat" cmpd="sng" algn="ctr">
+                      <a:solidFill>
+                        <a:schemeClr val="tx1"/>
+                      </a:solidFill>
+                      <a:prstDash val="solid"/>
+                      <a:round/>
+                      <a:headEnd type="none" w="med" len="med"/>
+                      <a:tailEnd type="none" w="med" len="med"/>
+                    </a:lnT>
+                    <a:lnB w="28575" cap="flat" cmpd="sng" algn="ctr">
+                      <a:solidFill>
+                        <a:schemeClr val="tx1"/>
+                      </a:solidFill>
+                      <a:prstDash val="solid"/>
+                      <a:round/>
+                      <a:headEnd type="none" w="med" len="med"/>
+                      <a:tailEnd type="none" w="med" len="med"/>
+                    </a:lnB>
+                    <a:lnTlToBr>
+                      <a:noFill/>
+                    </a:lnTlToBr>
+                    <a:lnBlToTr>
+                      <a:noFill/>
+                    </a:lnBlToTr>
+                    <a:noFill/>
+                  </a:tcPr>
+                </a:tc>
+              </a:tr>
+            </a:tbl>
+          </a:graphicData>
+        </a:graphic>
+      </p:graphicFrame>
+      <p:grpSp>
+        <p:nvGrpSpPr>
+          <p:cNvPr id="7" name="Group 124"/>
+          <p:cNvGrpSpPr>
+            <a:grpSpLocks/>
+          </p:cNvGrpSpPr>
+          <p:nvPr/>
+        </p:nvGrpSpPr>
+        <p:grpSpPr bwMode="auto">
+          <a:xfrm rot="17826650" flipH="1">
+            <a:off x="5307012" y="2032001"/>
+            <a:ext cx="138113" cy="830262"/>
+            <a:chOff x="1134" y="4194"/>
+            <a:chExt cx="1440" cy="5580"/>
+          </a:xfrm>
+        </p:grpSpPr>
+        <p:sp>
+          <p:nvSpPr>
+            <p:cNvPr id="511101" name="AutoShape 125"/>
+            <p:cNvSpPr>
+              <a:spLocks noChangeArrowheads="1"/>
+            </p:cNvSpPr>
+            <p:nvPr/>
+          </p:nvSpPr>
+          <p:spPr bwMode="auto">
+            <a:xfrm>
+              <a:off x="1134" y="4194"/>
+              <a:ext cx="1440" cy="1260"/>
+            </a:xfrm>
+            <a:prstGeom prst="triangle">
+              <a:avLst>
+                <a:gd name="adj" fmla="val 50000"/>
+              </a:avLst>
+            </a:prstGeom>
+            <a:solidFill>
+              <a:srgbClr val="FFFFFF"/>
+            </a:solidFill>
+            <a:ln w="12700">
+              <a:solidFill>
+                <a:schemeClr val="tx1"/>
+              </a:solidFill>
+              <a:miter lim="800000"/>
+              <a:headEnd/>
+              <a:tailEnd/>
+            </a:ln>
+          </p:spPr>
+          <p:txBody>
+            <a:bodyPr/>
+            <a:lstStyle/>
+            <a:p>
+              <a:endParaRPr lang="pt-BR"/>
+            </a:p>
+          </p:txBody>
+        </p:sp>
+        <p:sp>
+          <p:nvSpPr>
+            <p:cNvPr id="511102" name="Line 126"/>
+            <p:cNvSpPr>
+              <a:spLocks noChangeShapeType="1"/>
+            </p:cNvSpPr>
+            <p:nvPr/>
+          </p:nvSpPr>
+          <p:spPr bwMode="auto">
+            <a:xfrm>
+              <a:off x="1854" y="5454"/>
+              <a:ext cx="0" cy="4320"/>
+            </a:xfrm>
+            <a:prstGeom prst="line">
+              <a:avLst/>
+            </a:prstGeom>
+            <a:noFill/>
+            <a:ln w="12700">
+              <a:solidFill>
+                <a:schemeClr val="tx1"/>
+              </a:solidFill>
+              <a:round/>
+              <a:headEnd/>
+              <a:tailEnd/>
+            </a:ln>
+          </p:spPr>
+          <p:txBody>
+            <a:bodyPr/>
+            <a:lstStyle/>
+            <a:p>
+              <a:endParaRPr lang="pt-BR"/>
+            </a:p>
+          </p:txBody>
+        </p:sp>
+      </p:grpSp>
+      <p:graphicFrame>
+        <p:nvGraphicFramePr>
+          <p:cNvPr id="511110" name="Group 134"/>
+          <p:cNvGraphicFramePr>
+            <a:graphicFrameLocks noGrp="1"/>
+          </p:cNvGraphicFramePr>
+          <p:nvPr/>
+        </p:nvGraphicFramePr>
+        <p:xfrm>
+          <a:off x="6553200" y="5029200"/>
+          <a:ext cx="2122488" cy="335280"/>
+        </p:xfrm>
+        <a:graphic>
+          <a:graphicData uri="http://schemas.openxmlformats.org/drawingml/2006/table">
+            <a:tbl>
+              <a:tblPr/>
+              <a:tblGrid>
+                <a:gridCol w="2122488"/>
+              </a:tblGrid>
+              <a:tr h="304800">
+                <a:tc>
+                  <a:txBody>
+                    <a:bodyPr/>
+                    <a:lstStyle/>
+                    <a:p>
+                      <a:pPr marL="0" marR="0" lvl="0" indent="0" algn="ctr" defTabSz="914400" rtl="0" eaLnBrk="1" fontAlgn="base" latinLnBrk="0" hangingPunct="1">
+                        <a:lnSpc>
+                          <a:spcPct val="100000"/>
+                        </a:lnSpc>
+                        <a:spcBef>
+                          <a:spcPct val="60000"/>
+                        </a:spcBef>
+                        <a:spcAft>
+                          <a:spcPct val="0"/>
+                        </a:spcAft>
+                        <a:buClr>
+                          <a:schemeClr val="tx1"/>
+                        </a:buClr>
+                        <a:buSzTx/>
+                        <a:buFontTx/>
+                        <a:buNone/>
+                        <a:tabLst/>
+                      </a:pPr>
+                      <a:r>
+                        <a:rPr kumimoji="0" lang="pt-BR" sz="1600" b="0" i="0" u="none" strike="noStrike" cap="none" normalizeH="0" baseline="0" smtClean="0">
+                          <a:ln>
+                            <a:noFill/>
+                          </a:ln>
+                          <a:solidFill>
+                            <a:schemeClr val="tx1"/>
+                          </a:solidFill>
+                          <a:effectLst/>
+                          <a:latin typeface="Arial" charset="0"/>
+                        </a:rPr>
+                        <a:t>NullPointerException</a:t>
+                      </a:r>
+                    </a:p>
+                  </a:txBody>
+                  <a:tcPr horzOverflow="overflow">
+                    <a:lnL w="28575" cap="flat" cmpd="sng" algn="ctr">
+                      <a:solidFill>
+                        <a:schemeClr val="tx1"/>
+                      </a:solidFill>
+                      <a:prstDash val="solid"/>
+                      <a:round/>
+                      <a:headEnd type="none" w="med" len="med"/>
+                      <a:tailEnd type="none" w="med" len="med"/>
+                    </a:lnL>
+                    <a:lnR w="28575" cap="flat" cmpd="sng" algn="ctr">
+                      <a:solidFill>
+                        <a:schemeClr val="tx1"/>
+                      </a:solidFill>
+                      <a:prstDash val="solid"/>
+                      <a:round/>
+                      <a:headEnd type="none" w="med" len="med"/>
+                      <a:tailEnd type="none" w="med" len="med"/>
+                    </a:lnR>
+                    <a:lnT w="28575" cap="flat" cmpd="sng" algn="ctr">
+                      <a:solidFill>
+                        <a:schemeClr val="tx1"/>
+                      </a:solidFill>
+                      <a:prstDash val="solid"/>
+                      <a:round/>
+                      <a:headEnd type="none" w="med" len="med"/>
+                      <a:tailEnd type="none" w="med" len="med"/>
+                    </a:lnT>
+                    <a:lnB w="28575" cap="flat" cmpd="sng" algn="ctr">
+                      <a:solidFill>
+                        <a:schemeClr val="tx1"/>
+                      </a:solidFill>
+                      <a:prstDash val="solid"/>
+                      <a:round/>
+                      <a:headEnd type="none" w="med" len="med"/>
+                      <a:tailEnd type="none" w="med" len="med"/>
+                    </a:lnB>
+                    <a:lnTlToBr>
+                      <a:noFill/>
+                    </a:lnTlToBr>
+                    <a:lnBlToTr>
+                      <a:noFill/>
+                    </a:lnBlToTr>
+                    <a:noFill/>
+                  </a:tcPr>
+                </a:tc>
+              </a:tr>
+            </a:tbl>
+          </a:graphicData>
+        </a:graphic>
+      </p:graphicFrame>
+      <p:grpSp>
+        <p:nvGrpSpPr>
+          <p:cNvPr id="8" name="Group 135"/>
+          <p:cNvGrpSpPr>
+            <a:grpSpLocks/>
+          </p:cNvGrpSpPr>
+          <p:nvPr/>
+        </p:nvGrpSpPr>
+        <p:grpSpPr bwMode="auto">
+          <a:xfrm rot="2987640">
+            <a:off x="3558381" y="4518819"/>
+            <a:ext cx="157163" cy="720725"/>
+            <a:chOff x="1134" y="4194"/>
+            <a:chExt cx="1440" cy="5580"/>
+          </a:xfrm>
+        </p:grpSpPr>
+        <p:sp>
+          <p:nvSpPr>
+            <p:cNvPr id="511112" name="AutoShape 136"/>
+            <p:cNvSpPr>
+              <a:spLocks noChangeArrowheads="1"/>
+            </p:cNvSpPr>
+            <p:nvPr/>
+          </p:nvSpPr>
+          <p:spPr bwMode="auto">
+            <a:xfrm>
+              <a:off x="1134" y="4194"/>
+              <a:ext cx="1440" cy="1260"/>
+            </a:xfrm>
+            <a:prstGeom prst="triangle">
+              <a:avLst>
+                <a:gd name="adj" fmla="val 50000"/>
+              </a:avLst>
+            </a:prstGeom>
+            <a:solidFill>
+              <a:srgbClr val="FFFFFF"/>
+            </a:solidFill>
+            <a:ln w="12700">
+              <a:solidFill>
+                <a:schemeClr val="tx1"/>
+              </a:solidFill>
+              <a:miter lim="800000"/>
+              <a:headEnd/>
+              <a:tailEnd/>
+            </a:ln>
+          </p:spPr>
+          <p:txBody>
+            <a:bodyPr/>
+            <a:lstStyle/>
+            <a:p>
+              <a:endParaRPr lang="pt-BR"/>
+            </a:p>
+          </p:txBody>
+        </p:sp>
+        <p:sp>
+          <p:nvSpPr>
+            <p:cNvPr id="511113" name="Line 137"/>
+            <p:cNvSpPr>
+              <a:spLocks noChangeShapeType="1"/>
+            </p:cNvSpPr>
+            <p:nvPr/>
+          </p:nvSpPr>
+          <p:spPr bwMode="auto">
+            <a:xfrm>
+              <a:off x="1854" y="5454"/>
+              <a:ext cx="0" cy="4320"/>
+            </a:xfrm>
+            <a:prstGeom prst="line">
+              <a:avLst/>
+            </a:prstGeom>
+            <a:noFill/>
+            <a:ln w="12700">
+              <a:solidFill>
+                <a:schemeClr val="tx1"/>
+              </a:solidFill>
+              <a:round/>
+              <a:headEnd/>
+              <a:tailEnd/>
+            </a:ln>
+          </p:spPr>
+          <p:txBody>
+            <a:bodyPr/>
+            <a:lstStyle/>
+            <a:p>
+              <a:endParaRPr lang="pt-BR"/>
+            </a:p>
+          </p:txBody>
+        </p:sp>
+      </p:grpSp>
+      <p:grpSp>
+        <p:nvGrpSpPr>
+          <p:cNvPr id="9" name="Group 138"/>
+          <p:cNvGrpSpPr>
+            <a:grpSpLocks/>
+          </p:cNvGrpSpPr>
+          <p:nvPr/>
+        </p:nvGrpSpPr>
+        <p:grpSpPr bwMode="auto">
+          <a:xfrm rot="18612360" flipH="1">
+            <a:off x="5463381" y="4518819"/>
+            <a:ext cx="157163" cy="720725"/>
+            <a:chOff x="1134" y="4194"/>
+            <a:chExt cx="1440" cy="5580"/>
+          </a:xfrm>
+        </p:grpSpPr>
+        <p:sp>
+          <p:nvSpPr>
+            <p:cNvPr id="511115" name="AutoShape 139"/>
+            <p:cNvSpPr>
+              <a:spLocks noChangeArrowheads="1"/>
+            </p:cNvSpPr>
+            <p:nvPr/>
+          </p:nvSpPr>
+          <p:spPr bwMode="auto">
+            <a:xfrm>
+              <a:off x="1134" y="4194"/>
+              <a:ext cx="1440" cy="1260"/>
+            </a:xfrm>
+            <a:prstGeom prst="triangle">
+              <a:avLst>
+                <a:gd name="adj" fmla="val 50000"/>
+              </a:avLst>
+            </a:prstGeom>
+            <a:solidFill>
+              <a:srgbClr val="FFFFFF"/>
+            </a:solidFill>
+            <a:ln w="12700">
+              <a:solidFill>
+                <a:schemeClr val="tx1"/>
+              </a:solidFill>
+              <a:miter lim="800000"/>
+              <a:headEnd/>
+              <a:tailEnd/>
+            </a:ln>
+          </p:spPr>
+          <p:txBody>
+            <a:bodyPr/>
+            <a:lstStyle/>
+            <a:p>
+              <a:endParaRPr lang="pt-BR"/>
+            </a:p>
+          </p:txBody>
+        </p:sp>
+        <p:sp>
+          <p:nvSpPr>
+            <p:cNvPr id="511116" name="Line 140"/>
+            <p:cNvSpPr>
+              <a:spLocks noChangeShapeType="1"/>
+            </p:cNvSpPr>
+            <p:nvPr/>
+          </p:nvSpPr>
+          <p:spPr bwMode="auto">
+            <a:xfrm>
+              <a:off x="1854" y="5454"/>
+              <a:ext cx="0" cy="4320"/>
+            </a:xfrm>
+            <a:prstGeom prst="line">
+              <a:avLst/>
+            </a:prstGeom>
+            <a:noFill/>
+            <a:ln w="12700">
+              <a:solidFill>
+                <a:schemeClr val="tx1"/>
+              </a:solidFill>
+              <a:round/>
+              <a:headEnd/>
+              <a:tailEnd/>
+            </a:ln>
+          </p:spPr>
+          <p:txBody>
+            <a:bodyPr/>
+            <a:lstStyle/>
+            <a:p>
+              <a:endParaRPr lang="pt-BR"/>
+            </a:p>
+          </p:txBody>
+        </p:sp>
+      </p:grpSp>
+      <p:sp>
+        <p:nvSpPr>
+          <p:cNvPr id="511117" name="Line 141"/>
+          <p:cNvSpPr>
+            <a:spLocks noChangeShapeType="1"/>
+          </p:cNvSpPr>
+          <p:nvPr/>
+        </p:nvSpPr>
+        <p:spPr bwMode="auto">
+          <a:xfrm>
+            <a:off x="5791200" y="5105400"/>
+            <a:ext cx="762000" cy="0"/>
+          </a:xfrm>
+          <a:prstGeom prst="line">
+            <a:avLst/>
+          </a:prstGeom>
+          <a:noFill/>
+          <a:ln w="9525">
+            <a:solidFill>
+              <a:schemeClr val="tx1"/>
+            </a:solidFill>
+            <a:miter lim="800000"/>
+            <a:headEnd/>
+            <a:tailEnd/>
+          </a:ln>
+          <a:effectLst/>
+        </p:spPr>
+        <p:txBody>
+          <a:bodyPr/>
+          <a:lstStyle/>
+          <a:p>
+            <a:endParaRPr lang="pt-BR"/>
+          </a:p>
+        </p:txBody>
+      </p:sp>
+      <p:sp>
+        <p:nvSpPr>
+          <p:cNvPr id="511118" name="Line 142"/>
+          <p:cNvSpPr>
+            <a:spLocks noChangeShapeType="1"/>
+          </p:cNvSpPr>
+          <p:nvPr/>
+        </p:nvSpPr>
+        <p:spPr bwMode="auto">
+          <a:xfrm>
+            <a:off x="2895600" y="5105400"/>
+            <a:ext cx="457200" cy="0"/>
+          </a:xfrm>
+          <a:prstGeom prst="line">
+            <a:avLst/>
+          </a:prstGeom>
+          <a:noFill/>
+          <a:ln w="9525">
+            <a:solidFill>
+              <a:schemeClr val="tx1"/>
+            </a:solidFill>
+            <a:miter lim="800000"/>
+            <a:headEnd/>
+            <a:tailEnd/>
+          </a:ln>
+          <a:effectLst/>
+        </p:spPr>
+        <p:txBody>
+          <a:bodyPr/>
+          <a:lstStyle/>
+          <a:p>
+            <a:endParaRPr lang="pt-BR"/>
+          </a:p>
+        </p:txBody>
+      </p:sp>
+      <p:grpSp>
+        <p:nvGrpSpPr>
+          <p:cNvPr id="10" name="Group 143"/>
+          <p:cNvGrpSpPr>
+            <a:grpSpLocks/>
+          </p:cNvGrpSpPr>
+          <p:nvPr/>
+        </p:nvGrpSpPr>
+        <p:grpSpPr bwMode="auto">
+          <a:xfrm>
+            <a:off x="4067175" y="4648200"/>
+            <a:ext cx="152400" cy="990600"/>
+            <a:chOff x="1134" y="4194"/>
+            <a:chExt cx="1440" cy="5580"/>
+          </a:xfrm>
+        </p:grpSpPr>
+        <p:sp>
+          <p:nvSpPr>
+            <p:cNvPr id="511120" name="AutoShape 144"/>
+            <p:cNvSpPr>
+              <a:spLocks noChangeArrowheads="1"/>
+            </p:cNvSpPr>
+            <p:nvPr/>
+          </p:nvSpPr>
+          <p:spPr bwMode="auto">
+            <a:xfrm>
+              <a:off x="1134" y="4194"/>
+              <a:ext cx="1440" cy="1260"/>
+            </a:xfrm>
+            <a:prstGeom prst="triangle">
+              <a:avLst>
+                <a:gd name="adj" fmla="val 50000"/>
+              </a:avLst>
+            </a:prstGeom>
+            <a:solidFill>
+              <a:srgbClr val="FFFFFF"/>
+            </a:solidFill>
+            <a:ln w="12700">
+              <a:solidFill>
+                <a:schemeClr val="tx1"/>
+              </a:solidFill>
+              <a:miter lim="800000"/>
+              <a:headEnd/>
+              <a:tailEnd/>
+            </a:ln>
+          </p:spPr>
+          <p:txBody>
+            <a:bodyPr/>
+            <a:lstStyle/>
+            <a:p>
+              <a:endParaRPr lang="pt-BR"/>
+            </a:p>
+          </p:txBody>
+        </p:sp>
+        <p:sp>
+          <p:nvSpPr>
+            <p:cNvPr id="511121" name="Line 145"/>
+            <p:cNvSpPr>
+              <a:spLocks noChangeShapeType="1"/>
+            </p:cNvSpPr>
+            <p:nvPr/>
+          </p:nvSpPr>
+          <p:spPr bwMode="auto">
+            <a:xfrm>
+              <a:off x="1854" y="5454"/>
+              <a:ext cx="0" cy="4320"/>
+            </a:xfrm>
+            <a:prstGeom prst="line">
+              <a:avLst/>
+            </a:prstGeom>
+            <a:noFill/>
+            <a:ln w="12700">
+              <a:solidFill>
+                <a:schemeClr val="tx1"/>
+              </a:solidFill>
+              <a:round/>
+              <a:headEnd/>
+              <a:tailEnd/>
+            </a:ln>
+          </p:spPr>
+          <p:txBody>
+            <a:bodyPr/>
+            <a:lstStyle/>
+            <a:p>
+              <a:endParaRPr lang="pt-BR"/>
+            </a:p>
+          </p:txBody>
+        </p:sp>
+      </p:grpSp>
+      <p:grpSp>
+        <p:nvGrpSpPr>
+          <p:cNvPr id="11" name="Group 146"/>
+          <p:cNvGrpSpPr>
+            <a:grpSpLocks/>
+          </p:cNvGrpSpPr>
+          <p:nvPr/>
+        </p:nvGrpSpPr>
+        <p:grpSpPr bwMode="auto">
+          <a:xfrm>
+            <a:off x="5029200" y="4648200"/>
+            <a:ext cx="152400" cy="990600"/>
+            <a:chOff x="1134" y="4194"/>
+            <a:chExt cx="1440" cy="5580"/>
+          </a:xfrm>
+        </p:grpSpPr>
+        <p:sp>
+          <p:nvSpPr>
+            <p:cNvPr id="511123" name="AutoShape 147"/>
+            <p:cNvSpPr>
+              <a:spLocks noChangeArrowheads="1"/>
+            </p:cNvSpPr>
+            <p:nvPr/>
+          </p:nvSpPr>
+          <p:spPr bwMode="auto">
+            <a:xfrm>
+              <a:off x="1134" y="4194"/>
+              <a:ext cx="1440" cy="1260"/>
+            </a:xfrm>
+            <a:prstGeom prst="triangle">
+              <a:avLst>
+                <a:gd name="adj" fmla="val 50000"/>
+              </a:avLst>
+            </a:prstGeom>
+            <a:solidFill>
+              <a:srgbClr val="FFFFFF"/>
+            </a:solidFill>
+            <a:ln w="12700">
+              <a:solidFill>
+                <a:schemeClr val="tx1"/>
+              </a:solidFill>
+              <a:miter lim="800000"/>
+              <a:headEnd/>
+              <a:tailEnd/>
+            </a:ln>
+          </p:spPr>
+          <p:txBody>
+            <a:bodyPr/>
+            <a:lstStyle/>
+            <a:p>
+              <a:endParaRPr lang="pt-BR"/>
+            </a:p>
+          </p:txBody>
+        </p:sp>
+        <p:sp>
+          <p:nvSpPr>
+            <p:cNvPr id="511124" name="Line 148"/>
+            <p:cNvSpPr>
+              <a:spLocks noChangeShapeType="1"/>
+            </p:cNvSpPr>
+            <p:nvPr/>
+          </p:nvSpPr>
+          <p:spPr bwMode="auto">
+            <a:xfrm>
+              <a:off x="1854" y="5454"/>
+              <a:ext cx="0" cy="4320"/>
+            </a:xfrm>
+            <a:prstGeom prst="line">
+              <a:avLst/>
+            </a:prstGeom>
+            <a:noFill/>
+            <a:ln w="12700">
+              <a:solidFill>
+                <a:schemeClr val="tx1"/>
+              </a:solidFill>
+              <a:round/>
+              <a:headEnd/>
+              <a:tailEnd/>
+            </a:ln>
+          </p:spPr>
+          <p:txBody>
+            <a:bodyPr/>
+            <a:lstStyle/>
+            <a:p>
+              <a:endParaRPr lang="pt-BR"/>
+            </a:p>
+          </p:txBody>
+        </p:sp>
+      </p:grpSp>
     </p:spTree>
   </p:cSld>
   <p:clrMapOvr>
     <a:masterClrMapping/>
   </p:clrMapOvr>
+  <p:timing>
+    <p:tnLst>
+      <p:par>
+        <p:cTn id="1" dur="indefinite" restart="never" nodeType="tmRoot"/>
+      </p:par>
+    </p:tnLst>
+  </p:timing>
 </p:sld>
 </file>
 
@@ -6046,18 +9372,7 @@
                 <a:ea typeface="+mj-ea"/>
                 <a:cs typeface="+mj-cs"/>
               </a:rPr>
-              <a:t>Cláusula </a:t>
-            </a:r>
-            <a:r>
-              <a:rPr lang="pt-BR" sz="4600" kern="1200" dirty="0" err="1" smtClean="0">
-                <a:solidFill>
-                  <a:schemeClr val="tx1"/>
-                </a:solidFill>
-                <a:latin typeface="+mj-lt"/>
-                <a:ea typeface="+mj-ea"/>
-                <a:cs typeface="+mj-cs"/>
-              </a:rPr>
-              <a:t>finally</a:t>
+              <a:t>Exceções transferidas</a:t>
             </a:r>
             <a:endParaRPr lang="pt-BR" dirty="0"/>
           </a:p>
@@ -6078,7 +9393,50 @@
           <a:bodyPr/>
           <a:lstStyle/>
           <a:p>
-            <a:endParaRPr lang="pt-BR"/>
+            <a:r>
+              <a:rPr lang="pt-BR" dirty="0" smtClean="0"/>
+              <a:t>Ao utilizar instruções que exigem o tratamento de exceptions, temos duas opções:</a:t>
+            </a:r>
+          </a:p>
+          <a:p>
+            <a:pPr lvl="1">
+              <a:spcBef>
+                <a:spcPts val="3000"/>
+              </a:spcBef>
+            </a:pPr>
+            <a:r>
+              <a:rPr lang="pt-BR" dirty="0" smtClean="0"/>
+              <a:t>Tratar a exception com </a:t>
+            </a:r>
+            <a:r>
+              <a:rPr lang="pt-BR" b="1" i="1" dirty="0" err="1" smtClean="0"/>
+              <a:t>try</a:t>
+            </a:r>
+            <a:r>
+              <a:rPr lang="pt-BR" b="1" i="1" dirty="0" smtClean="0"/>
+              <a:t> / catch</a:t>
+            </a:r>
+            <a:r>
+              <a:rPr lang="pt-BR" dirty="0" smtClean="0"/>
+              <a:t>, conforme já visto</a:t>
+            </a:r>
+            <a:endParaRPr lang="pt-BR" b="1" i="1" dirty="0" smtClean="0"/>
+          </a:p>
+          <a:p>
+            <a:pPr lvl="1">
+              <a:spcBef>
+                <a:spcPts val="3000"/>
+              </a:spcBef>
+            </a:pPr>
+            <a:r>
+              <a:rPr lang="pt-BR" dirty="0" smtClean="0"/>
+              <a:t>Transferir a exception para quem chamou o método atual através da cláusula </a:t>
+            </a:r>
+            <a:r>
+              <a:rPr lang="pt-BR" b="1" i="1" dirty="0" err="1" smtClean="0"/>
+              <a:t>throws</a:t>
+            </a:r>
+            <a:endParaRPr lang="pt-BR" b="1" i="1" dirty="0" smtClean="0"/>
           </a:p>
         </p:txBody>
       </p:sp>
@@ -6116,6 +9474,13 @@
   <p:clrMapOvr>
     <a:masterClrMapping/>
   </p:clrMapOvr>
+  <p:timing>
+    <p:tnLst>
+      <p:par>
+        <p:cTn id="1" dur="indefinite" restart="never" nodeType="tmRoot"/>
+      </p:par>
+    </p:tnLst>
+  </p:timing>
 </p:sld>
 </file>
 
@@ -6138,9 +9503,9 @@
       </p:grpSpPr>
       <p:sp>
         <p:nvSpPr>
-          <p:cNvPr id="2" name="Título 1"/>
-          <p:cNvSpPr>
-            <a:spLocks noGrp="1"/>
+          <p:cNvPr id="512002" name="Rectangle 2"/>
+          <p:cNvSpPr>
+            <a:spLocks noGrp="1" noChangeArrowheads="1"/>
           </p:cNvSpPr>
           <p:nvPr>
             <p:ph type="title"/>
@@ -6151,28 +9516,9 @@
           <a:bodyPr/>
           <a:lstStyle/>
           <a:p>
-            <a:pPr rtl="0" eaLnBrk="1" fontAlgn="base" hangingPunct="1"/>
-            <a:r>
-              <a:rPr lang="pt-BR" sz="4600" kern="1200" dirty="0" smtClean="0">
-                <a:solidFill>
-                  <a:schemeClr val="tx1"/>
-                </a:solidFill>
-                <a:latin typeface="+mj-lt"/>
-                <a:ea typeface="+mj-ea"/>
-                <a:cs typeface="+mj-cs"/>
-              </a:rPr>
-              <a:t>Cláusula </a:t>
-            </a:r>
-            <a:r>
-              <a:rPr lang="pt-BR" sz="4600" kern="1200" dirty="0" err="1" smtClean="0">
-                <a:solidFill>
-                  <a:schemeClr val="tx1"/>
-                </a:solidFill>
-                <a:latin typeface="+mj-lt"/>
-                <a:ea typeface="+mj-ea"/>
-                <a:cs typeface="+mj-cs"/>
-              </a:rPr>
-              <a:t>throw</a:t>
+            <a:r>
+              <a:rPr lang="pt-BR" dirty="0" smtClean="0"/>
+              <a:t>Exceções transferidas</a:t>
             </a:r>
             <a:endParaRPr lang="pt-BR" dirty="0"/>
           </a:p>
@@ -6180,49 +9526,215 @@
       </p:sp>
       <p:sp>
         <p:nvSpPr>
-          <p:cNvPr id="6" name="Espaço Reservado para Conteúdo 5"/>
-          <p:cNvSpPr>
-            <a:spLocks noGrp="1"/>
+          <p:cNvPr id="512003" name="Rectangle 3"/>
+          <p:cNvSpPr>
+            <a:spLocks noGrp="1" noChangeArrowheads="1"/>
           </p:cNvSpPr>
           <p:nvPr>
             <p:ph idx="1"/>
           </p:nvPr>
         </p:nvSpPr>
-        <p:spPr/>
+        <p:spPr>
+          <a:xfrm>
+            <a:off x="457200" y="1600200"/>
+            <a:ext cx="7787208" cy="4525963"/>
+          </a:xfrm>
+        </p:spPr>
         <p:txBody>
           <a:bodyPr/>
           <a:lstStyle/>
           <a:p>
-            <a:endParaRPr lang="pt-BR"/>
-          </a:p>
-        </p:txBody>
-      </p:sp>
-      <p:sp>
-        <p:nvSpPr>
-          <p:cNvPr id="5" name="Espaço Reservado para Número de Slide 4"/>
-          <p:cNvSpPr>
-            <a:spLocks noGrp="1"/>
-          </p:cNvSpPr>
-          <p:nvPr>
-            <p:ph type="sldNum" sz="quarter" idx="12"/>
-          </p:nvPr>
-        </p:nvSpPr>
-        <p:spPr/>
-        <p:txBody>
-          <a:bodyPr/>
-          <a:lstStyle/>
-          <a:p>
-            <a:pPr>
-              <a:defRPr/>
-            </a:pPr>
-            <a:fld id="{DAB16DC1-F000-4B90-9425-1E014EE80EC3}" type="slidenum">
-              <a:rPr lang="pt-BR" smtClean="0"/>
-              <a:pPr>
-                <a:defRPr/>
-              </a:pPr>
-              <a:t>12</a:t>
-            </a:fld>
-            <a:endParaRPr lang="pt-BR"/>
+            <a:r>
+              <a:rPr lang="pt-BR" sz="3200" dirty="0" smtClean="0"/>
+              <a:t>Cláusula </a:t>
+            </a:r>
+            <a:r>
+              <a:rPr lang="pt-BR" sz="3200" dirty="0" err="1" smtClean="0"/>
+              <a:t>throws</a:t>
+            </a:r>
+            <a:endParaRPr lang="pt-BR" sz="3200" dirty="0" smtClean="0"/>
+          </a:p>
+          <a:p>
+            <a:pPr marL="442913" indent="0">
+              <a:spcBef>
+                <a:spcPts val="400"/>
+              </a:spcBef>
+              <a:buFontTx/>
+              <a:buNone/>
+            </a:pPr>
+            <a:endParaRPr lang="pt-BR" sz="2400" dirty="0" smtClean="0"/>
+          </a:p>
+          <a:p>
+            <a:pPr marL="442913" indent="0">
+              <a:spcBef>
+                <a:spcPts val="400"/>
+              </a:spcBef>
+              <a:buFontTx/>
+              <a:buNone/>
+            </a:pPr>
+            <a:r>
+              <a:rPr lang="pt-BR" sz="2400" dirty="0" err="1" smtClean="0"/>
+              <a:t>void</a:t>
+            </a:r>
+            <a:r>
+              <a:rPr lang="pt-BR" sz="2400" dirty="0" smtClean="0"/>
+              <a:t> </a:t>
+            </a:r>
+            <a:r>
+              <a:rPr lang="pt-BR" sz="2400" dirty="0" err="1" smtClean="0"/>
+              <a:t>abrirArquivo</a:t>
+            </a:r>
+            <a:r>
+              <a:rPr lang="pt-BR" sz="2400" dirty="0" smtClean="0"/>
+              <a:t>() </a:t>
+            </a:r>
+            <a:r>
+              <a:rPr lang="pt-BR" sz="2400" b="1" dirty="0" err="1" smtClean="0">
+                <a:solidFill>
+                  <a:srgbClr val="FFC000"/>
+                </a:solidFill>
+              </a:rPr>
+              <a:t>throws</a:t>
+            </a:r>
+            <a:r>
+              <a:rPr lang="pt-BR" sz="2400" dirty="0" smtClean="0">
+                <a:solidFill>
+                  <a:srgbClr val="FFC000"/>
+                </a:solidFill>
+              </a:rPr>
+              <a:t> </a:t>
+            </a:r>
+            <a:r>
+              <a:rPr lang="pt-BR" sz="2400" dirty="0" err="1" smtClean="0">
+                <a:solidFill>
+                  <a:srgbClr val="FFC000"/>
+                </a:solidFill>
+              </a:rPr>
+              <a:t>FileNotFountException</a:t>
+            </a:r>
+            <a:r>
+              <a:rPr lang="pt-BR" sz="2400" dirty="0" smtClean="0"/>
+              <a:t> {</a:t>
+            </a:r>
+          </a:p>
+          <a:p>
+            <a:pPr marL="442913" indent="0">
+              <a:spcBef>
+                <a:spcPts val="400"/>
+              </a:spcBef>
+              <a:buFontTx/>
+              <a:buNone/>
+            </a:pPr>
+            <a:endParaRPr lang="pt-BR" sz="2400" dirty="0" smtClean="0"/>
+          </a:p>
+          <a:p>
+            <a:pPr marL="442913" indent="0">
+              <a:spcBef>
+                <a:spcPts val="400"/>
+              </a:spcBef>
+              <a:buFontTx/>
+              <a:buNone/>
+            </a:pPr>
+            <a:r>
+              <a:rPr lang="pt-BR" sz="2400" dirty="0" smtClean="0"/>
+              <a:t>	</a:t>
+            </a:r>
+            <a:r>
+              <a:rPr lang="pt-BR" sz="2400" dirty="0" err="1" smtClean="0"/>
+              <a:t>FileReader</a:t>
+            </a:r>
+            <a:r>
+              <a:rPr lang="pt-BR" sz="2400" dirty="0" smtClean="0"/>
+              <a:t> texto;</a:t>
+            </a:r>
+          </a:p>
+          <a:p>
+            <a:pPr marL="442913" indent="0">
+              <a:spcBef>
+                <a:spcPts val="400"/>
+              </a:spcBef>
+              <a:buFontTx/>
+              <a:buNone/>
+            </a:pPr>
+            <a:r>
+              <a:rPr lang="pt-BR" sz="2400" dirty="0" smtClean="0"/>
+              <a:t>	...</a:t>
+            </a:r>
+          </a:p>
+          <a:p>
+            <a:pPr marL="442913" indent="0">
+              <a:spcBef>
+                <a:spcPts val="400"/>
+              </a:spcBef>
+              <a:buFontTx/>
+              <a:buNone/>
+            </a:pPr>
+            <a:r>
+              <a:rPr lang="pt-BR" sz="2400" dirty="0" smtClean="0"/>
+              <a:t>	texto = </a:t>
+            </a:r>
+            <a:r>
+              <a:rPr lang="pt-BR" sz="2400" dirty="0" err="1" smtClean="0">
+                <a:solidFill>
+                  <a:srgbClr val="FFC000"/>
+                </a:solidFill>
+              </a:rPr>
+              <a:t>new</a:t>
+            </a:r>
+            <a:r>
+              <a:rPr lang="pt-BR" sz="2400" dirty="0" smtClean="0">
+                <a:solidFill>
+                  <a:srgbClr val="FFC000"/>
+                </a:solidFill>
+              </a:rPr>
+              <a:t> </a:t>
+            </a:r>
+            <a:r>
+              <a:rPr lang="pt-BR" sz="2400" dirty="0" err="1" smtClean="0">
+                <a:solidFill>
+                  <a:srgbClr val="FFC000"/>
+                </a:solidFill>
+              </a:rPr>
+              <a:t>FileReader</a:t>
+            </a:r>
+            <a:r>
+              <a:rPr lang="pt-BR" sz="2400" dirty="0" smtClean="0">
+                <a:solidFill>
+                  <a:srgbClr val="FFC000"/>
+                </a:solidFill>
+              </a:rPr>
+              <a:t>(“C:\\arquivos\\carta.txt”)</a:t>
+            </a:r>
+            <a:r>
+              <a:rPr lang="pt-BR" sz="2400" dirty="0" smtClean="0"/>
+              <a:t>;</a:t>
+            </a:r>
+          </a:p>
+          <a:p>
+            <a:pPr marL="442913" indent="0">
+              <a:spcBef>
+                <a:spcPts val="400"/>
+              </a:spcBef>
+              <a:buFontTx/>
+              <a:buNone/>
+            </a:pPr>
+            <a:r>
+              <a:rPr lang="pt-BR" sz="2400" dirty="0" smtClean="0"/>
+              <a:t>	...</a:t>
+            </a:r>
+          </a:p>
+          <a:p>
+            <a:pPr marL="442913" indent="0">
+              <a:spcBef>
+                <a:spcPts val="400"/>
+              </a:spcBef>
+              <a:buFontTx/>
+              <a:buNone/>
+            </a:pPr>
+            <a:r>
+              <a:rPr lang="pt-BR" sz="2400" dirty="0" smtClean="0"/>
+              <a:t>}</a:t>
+            </a:r>
           </a:p>
         </p:txBody>
       </p:sp>
@@ -6231,6 +9743,13 @@
   <p:clrMapOvr>
     <a:masterClrMapping/>
   </p:clrMapOvr>
+  <p:timing>
+    <p:tnLst>
+      <p:par>
+        <p:cTn id="1" dur="indefinite" restart="never" nodeType="tmRoot"/>
+      </p:par>
+    </p:tnLst>
+  </p:timing>
 </p:sld>
 </file>
 
@@ -6266,6 +9785,102 @@
           <a:bodyPr/>
           <a:lstStyle/>
           <a:p>
+            <a:r>
+              <a:rPr lang="pt-BR" dirty="0" smtClean="0"/>
+              <a:t>Exercício</a:t>
+            </a:r>
+            <a:endParaRPr lang="pt-BR" dirty="0"/>
+          </a:p>
+        </p:txBody>
+      </p:sp>
+      <p:sp>
+        <p:nvSpPr>
+          <p:cNvPr id="3" name="Espaço Reservado para Conteúdo 2"/>
+          <p:cNvSpPr>
+            <a:spLocks noGrp="1"/>
+          </p:cNvSpPr>
+          <p:nvPr>
+            <p:ph idx="1"/>
+          </p:nvPr>
+        </p:nvSpPr>
+        <p:spPr/>
+        <p:txBody>
+          <a:bodyPr/>
+          <a:lstStyle/>
+          <a:p>
+            <a:endParaRPr lang="pt-BR"/>
+          </a:p>
+        </p:txBody>
+      </p:sp>
+      <p:sp>
+        <p:nvSpPr>
+          <p:cNvPr id="4" name="Espaço Reservado para Número de Slide 3"/>
+          <p:cNvSpPr>
+            <a:spLocks noGrp="1"/>
+          </p:cNvSpPr>
+          <p:nvPr>
+            <p:ph type="sldNum" sz="quarter" idx="12"/>
+          </p:nvPr>
+        </p:nvSpPr>
+        <p:spPr/>
+        <p:txBody>
+          <a:bodyPr/>
+          <a:lstStyle/>
+          <a:p>
+            <a:pPr>
+              <a:defRPr/>
+            </a:pPr>
+            <a:fld id="{52A4181B-C67A-4EAE-8041-178118B632CB}" type="slidenum">
+              <a:rPr lang="pt-BR" smtClean="0"/>
+              <a:pPr>
+                <a:defRPr/>
+              </a:pPr>
+              <a:t>13</a:t>
+            </a:fld>
+            <a:endParaRPr lang="pt-BR"/>
+          </a:p>
+        </p:txBody>
+      </p:sp>
+    </p:spTree>
+  </p:cSld>
+  <p:clrMapOvr>
+    <a:masterClrMapping/>
+  </p:clrMapOvr>
+</p:sld>
+</file>
+
+<file path=ppt/slides/slide14.xml><?xml version="1.0" encoding="utf-8"?>
+<p:sld xmlns:a="http://schemas.openxmlformats.org/drawingml/2006/main" xmlns:r="http://schemas.openxmlformats.org/officeDocument/2006/relationships" xmlns:p="http://schemas.openxmlformats.org/presentationml/2006/main">
+  <p:cSld>
+    <p:spTree>
+      <p:nvGrpSpPr>
+        <p:cNvPr id="1" name=""/>
+        <p:cNvGrpSpPr/>
+        <p:nvPr/>
+      </p:nvGrpSpPr>
+      <p:grpSpPr>
+        <a:xfrm>
+          <a:off x="0" y="0"/>
+          <a:ext cx="0" cy="0"/>
+          <a:chOff x="0" y="0"/>
+          <a:chExt cx="0" cy="0"/>
+        </a:xfrm>
+      </p:grpSpPr>
+      <p:sp>
+        <p:nvSpPr>
+          <p:cNvPr id="2" name="Título 1"/>
+          <p:cNvSpPr>
+            <a:spLocks noGrp="1"/>
+          </p:cNvSpPr>
+          <p:nvPr>
+            <p:ph type="title"/>
+          </p:nvPr>
+        </p:nvSpPr>
+        <p:spPr/>
+        <p:txBody>
+          <a:bodyPr/>
+          <a:lstStyle/>
+          <a:p>
             <a:pPr rtl="0" eaLnBrk="1" fontAlgn="base" hangingPunct="1"/>
             <a:r>
               <a:rPr lang="pt-BR" sz="4600" kern="1200" dirty="0" smtClean="0">
@@ -6276,8 +9891,20 @@
                 <a:ea typeface="+mj-ea"/>
                 <a:cs typeface="+mj-cs"/>
               </a:rPr>
-              <a:t>Exceções personalizadas</a:t>
-            </a:r>
+              <a:t>Cláusula </a:t>
+            </a:r>
+            <a:r>
+              <a:rPr lang="pt-BR" sz="4600" kern="1200" dirty="0" err="1" smtClean="0">
+                <a:solidFill>
+                  <a:schemeClr val="tx1"/>
+                </a:solidFill>
+                <a:latin typeface="+mj-lt"/>
+                <a:ea typeface="+mj-ea"/>
+                <a:cs typeface="+mj-cs"/>
+              </a:rPr>
+              <a:t>finally</a:t>
+            </a:r>
+            <a:endParaRPr lang="pt-BR" dirty="0"/>
           </a:p>
         </p:txBody>
       </p:sp>
@@ -6296,7 +9923,46 @@
           <a:bodyPr/>
           <a:lstStyle/>
           <a:p>
-            <a:endParaRPr lang="pt-BR"/>
+            <a:pPr>
+              <a:spcBef>
+                <a:spcPts val="3000"/>
+              </a:spcBef>
+            </a:pPr>
+            <a:r>
+              <a:rPr lang="pt-BR" sz="2800" dirty="0" smtClean="0"/>
+              <a:t>Bloco de código associado ao </a:t>
+            </a:r>
+            <a:r>
+              <a:rPr lang="pt-BR" sz="2800" dirty="0" err="1" smtClean="0"/>
+              <a:t>try</a:t>
+            </a:r>
+            <a:r>
+              <a:rPr lang="pt-BR" sz="2800" dirty="0" smtClean="0"/>
+              <a:t>/catch que garante a execução de um conjunto de instruções independente mesmo quando não ocorre exceções</a:t>
+            </a:r>
+          </a:p>
+          <a:p>
+            <a:pPr>
+              <a:spcBef>
+                <a:spcPts val="3000"/>
+              </a:spcBef>
+            </a:pPr>
+            <a:r>
+              <a:rPr lang="pt-BR" sz="2800" dirty="0" smtClean="0"/>
+              <a:t>Define um bloco de código que será executado 100% das vezes</a:t>
+            </a:r>
+          </a:p>
+          <a:p>
+            <a:pPr>
+              <a:spcBef>
+                <a:spcPts val="3000"/>
+              </a:spcBef>
+            </a:pPr>
+            <a:r>
+              <a:rPr lang="pt-BR" sz="2800" dirty="0" smtClean="0"/>
+              <a:t>Geralmente utilizado para finalizar alguma pendência que o método deixou</a:t>
+            </a:r>
+            <a:endParaRPr lang="pt-BR" sz="2800" dirty="0"/>
           </a:p>
         </p:txBody>
       </p:sp>
@@ -6323,7 +9989,7 @@
               <a:pPr>
                 <a:defRPr/>
               </a:pPr>
-              <a:t>13</a:t>
+              <a:t>14</a:t>
             </a:fld>
             <a:endParaRPr lang="pt-BR"/>
           </a:p>
@@ -6334,6 +10000,1630 @@
   <p:clrMapOvr>
     <a:masterClrMapping/>
   </p:clrMapOvr>
+  <p:timing>
+    <p:tnLst>
+      <p:par>
+        <p:cTn id="1" dur="indefinite" restart="never" nodeType="tmRoot"/>
+      </p:par>
+    </p:tnLst>
+  </p:timing>
+</p:sld>
+</file>
+
+<file path=ppt/slides/slide15.xml><?xml version="1.0" encoding="utf-8"?>
+<p:sld xmlns:a="http://schemas.openxmlformats.org/drawingml/2006/main" xmlns:r="http://schemas.openxmlformats.org/officeDocument/2006/relationships" xmlns:p="http://schemas.openxmlformats.org/presentationml/2006/main">
+  <p:cSld>
+    <p:spTree>
+      <p:nvGrpSpPr>
+        <p:cNvPr id="1" name=""/>
+        <p:cNvGrpSpPr/>
+        <p:nvPr/>
+      </p:nvGrpSpPr>
+      <p:grpSpPr>
+        <a:xfrm>
+          <a:off x="0" y="0"/>
+          <a:ext cx="0" cy="0"/>
+          <a:chOff x="0" y="0"/>
+          <a:chExt cx="0" cy="0"/>
+        </a:xfrm>
+      </p:grpSpPr>
+      <p:sp>
+        <p:nvSpPr>
+          <p:cNvPr id="2" name="Título 1"/>
+          <p:cNvSpPr>
+            <a:spLocks noGrp="1"/>
+          </p:cNvSpPr>
+          <p:nvPr>
+            <p:ph type="title"/>
+          </p:nvPr>
+        </p:nvSpPr>
+        <p:spPr/>
+        <p:txBody>
+          <a:bodyPr/>
+          <a:lstStyle/>
+          <a:p>
+            <a:pPr rtl="0" eaLnBrk="1" fontAlgn="base" hangingPunct="1"/>
+            <a:r>
+              <a:rPr lang="pt-BR" sz="4600" kern="1200" dirty="0" smtClean="0">
+                <a:solidFill>
+                  <a:schemeClr val="tx1"/>
+                </a:solidFill>
+                <a:latin typeface="+mj-lt"/>
+                <a:ea typeface="+mj-ea"/>
+                <a:cs typeface="+mj-cs"/>
+              </a:rPr>
+              <a:t>Cláusula </a:t>
+            </a:r>
+            <a:r>
+              <a:rPr lang="pt-BR" sz="4600" kern="1200" dirty="0" err="1" smtClean="0">
+                <a:solidFill>
+                  <a:schemeClr val="tx1"/>
+                </a:solidFill>
+                <a:latin typeface="+mj-lt"/>
+                <a:ea typeface="+mj-ea"/>
+                <a:cs typeface="+mj-cs"/>
+              </a:rPr>
+              <a:t>finally</a:t>
+            </a:r>
+            <a:endParaRPr lang="pt-BR" dirty="0"/>
+          </a:p>
+        </p:txBody>
+      </p:sp>
+      <p:sp>
+        <p:nvSpPr>
+          <p:cNvPr id="6" name="Espaço Reservado para Conteúdo 5"/>
+          <p:cNvSpPr>
+            <a:spLocks noGrp="1"/>
+          </p:cNvSpPr>
+          <p:nvPr>
+            <p:ph idx="1"/>
+          </p:nvPr>
+        </p:nvSpPr>
+        <p:spPr>
+          <a:xfrm>
+            <a:off x="1289720" y="1351309"/>
+            <a:ext cx="5802560" cy="4525963"/>
+          </a:xfrm>
+        </p:spPr>
+        <p:txBody>
+          <a:bodyPr/>
+          <a:lstStyle/>
+          <a:p>
+            <a:pPr marL="0" indent="0">
+              <a:spcBef>
+                <a:spcPts val="0"/>
+              </a:spcBef>
+              <a:buNone/>
+              <a:tabLst>
+                <a:tab pos="442913" algn="l"/>
+                <a:tab pos="900113" algn="l"/>
+              </a:tabLst>
+            </a:pPr>
+            <a:r>
+              <a:rPr lang="pt-BR" sz="2000" dirty="0" err="1" smtClean="0"/>
+              <a:t>public</a:t>
+            </a:r>
+            <a:r>
+              <a:rPr lang="pt-BR" sz="2000" dirty="0" smtClean="0"/>
+              <a:t> </a:t>
+            </a:r>
+            <a:r>
+              <a:rPr lang="pt-BR" sz="2000" dirty="0" err="1" smtClean="0"/>
+              <a:t>double</a:t>
+            </a:r>
+            <a:r>
+              <a:rPr lang="pt-BR" sz="2000" dirty="0" smtClean="0"/>
+              <a:t> </a:t>
+            </a:r>
+            <a:r>
+              <a:rPr lang="pt-BR" sz="2000" dirty="0" err="1" smtClean="0"/>
+              <a:t>obterSaldo</a:t>
+            </a:r>
+            <a:r>
+              <a:rPr lang="pt-BR" sz="2000" dirty="0" smtClean="0"/>
+              <a:t>() </a:t>
+            </a:r>
+            <a:r>
+              <a:rPr lang="pt-BR" sz="2000" dirty="0" err="1" smtClean="0"/>
+              <a:t>throws</a:t>
+            </a:r>
+            <a:r>
+              <a:rPr lang="pt-BR" sz="2000" dirty="0" smtClean="0"/>
+              <a:t> </a:t>
+            </a:r>
+            <a:r>
+              <a:rPr lang="pt-BR" sz="2000" dirty="0" err="1" smtClean="0">
+                <a:solidFill>
+                  <a:srgbClr val="FFC000"/>
+                </a:solidFill>
+              </a:rPr>
+              <a:t>IOException</a:t>
+            </a:r>
+            <a:r>
+              <a:rPr lang="pt-BR" sz="2000" dirty="0" smtClean="0"/>
+              <a:t> {</a:t>
+            </a:r>
+          </a:p>
+          <a:p>
+            <a:pPr marL="0" indent="0">
+              <a:spcBef>
+                <a:spcPts val="0"/>
+              </a:spcBef>
+              <a:buNone/>
+              <a:tabLst>
+                <a:tab pos="442913" algn="l"/>
+                <a:tab pos="900113" algn="l"/>
+              </a:tabLst>
+            </a:pPr>
+            <a:r>
+              <a:rPr lang="pt-BR" sz="2000" dirty="0" smtClean="0"/>
+              <a:t>	</a:t>
+            </a:r>
+            <a:r>
+              <a:rPr lang="pt-BR" sz="2000" dirty="0" err="1" smtClean="0"/>
+              <a:t>Conexao</a:t>
+            </a:r>
+            <a:r>
+              <a:rPr lang="pt-BR" sz="2000" dirty="0" smtClean="0"/>
+              <a:t> </a:t>
+            </a:r>
+            <a:r>
+              <a:rPr lang="pt-BR" sz="2000" dirty="0" err="1" smtClean="0"/>
+              <a:t>cn</a:t>
+            </a:r>
+            <a:r>
+              <a:rPr lang="pt-BR" sz="2000" dirty="0" smtClean="0"/>
+              <a:t> = </a:t>
+            </a:r>
+            <a:r>
+              <a:rPr lang="pt-BR" sz="2000" dirty="0" err="1" smtClean="0"/>
+              <a:t>abrirConexao</a:t>
+            </a:r>
+            <a:r>
+              <a:rPr lang="pt-BR" sz="2000" dirty="0" smtClean="0"/>
+              <a:t>();</a:t>
+            </a:r>
+          </a:p>
+          <a:p>
+            <a:pPr marL="0" indent="0">
+              <a:spcBef>
+                <a:spcPts val="0"/>
+              </a:spcBef>
+              <a:buNone/>
+              <a:tabLst>
+                <a:tab pos="442913" algn="l"/>
+                <a:tab pos="900113" algn="l"/>
+              </a:tabLst>
+            </a:pPr>
+            <a:r>
+              <a:rPr lang="pt-BR" sz="2000" dirty="0" smtClean="0"/>
+              <a:t>	</a:t>
+            </a:r>
+            <a:r>
+              <a:rPr lang="pt-BR" sz="2000" dirty="0" err="1" smtClean="0"/>
+              <a:t>try</a:t>
+            </a:r>
+            <a:r>
+              <a:rPr lang="pt-BR" sz="2000" dirty="0" smtClean="0"/>
+              <a:t> {</a:t>
+            </a:r>
+          </a:p>
+          <a:p>
+            <a:pPr marL="0" indent="0">
+              <a:spcBef>
+                <a:spcPts val="0"/>
+              </a:spcBef>
+              <a:buNone/>
+              <a:tabLst>
+                <a:tab pos="442913" algn="l"/>
+                <a:tab pos="900113" algn="l"/>
+              </a:tabLst>
+            </a:pPr>
+            <a:endParaRPr lang="pt-BR" sz="2000" dirty="0" smtClean="0"/>
+          </a:p>
+          <a:p>
+            <a:pPr marL="0" indent="0">
+              <a:spcBef>
+                <a:spcPts val="0"/>
+              </a:spcBef>
+              <a:buNone/>
+              <a:tabLst>
+                <a:tab pos="442913" algn="l"/>
+                <a:tab pos="900113" algn="l"/>
+              </a:tabLst>
+            </a:pPr>
+            <a:r>
+              <a:rPr lang="pt-BR" sz="2000" dirty="0" smtClean="0"/>
+              <a:t>		Conta c1 = </a:t>
+            </a:r>
+            <a:r>
+              <a:rPr lang="pt-BR" sz="2000" dirty="0" err="1" smtClean="0"/>
+              <a:t>cn</a:t>
+            </a:r>
+            <a:r>
+              <a:rPr lang="pt-BR" sz="2000" dirty="0" smtClean="0"/>
+              <a:t>.</a:t>
+            </a:r>
+            <a:r>
+              <a:rPr lang="pt-BR" sz="2000" dirty="0" err="1" smtClean="0"/>
+              <a:t>obterConta</a:t>
+            </a:r>
+            <a:r>
+              <a:rPr lang="pt-BR" sz="2000" dirty="0" smtClean="0"/>
+              <a:t>();</a:t>
+            </a:r>
+          </a:p>
+          <a:p>
+            <a:pPr marL="0" indent="0">
+              <a:spcBef>
+                <a:spcPts val="0"/>
+              </a:spcBef>
+              <a:buNone/>
+              <a:tabLst>
+                <a:tab pos="442913" algn="l"/>
+                <a:tab pos="900113" algn="l"/>
+              </a:tabLst>
+            </a:pPr>
+            <a:r>
+              <a:rPr lang="pt-BR" sz="2000" dirty="0" smtClean="0"/>
+              <a:t>		</a:t>
+            </a:r>
+            <a:r>
+              <a:rPr lang="pt-BR" sz="2000" dirty="0" err="1" smtClean="0"/>
+              <a:t>double</a:t>
+            </a:r>
+            <a:r>
+              <a:rPr lang="pt-BR" sz="2000" dirty="0" smtClean="0"/>
+              <a:t> saldo = c1.</a:t>
+            </a:r>
+            <a:r>
+              <a:rPr lang="pt-BR" sz="2000" dirty="0" err="1" smtClean="0"/>
+              <a:t>getSaldo</a:t>
+            </a:r>
+            <a:r>
+              <a:rPr lang="pt-BR" sz="2000" dirty="0" smtClean="0"/>
+              <a:t>();</a:t>
+            </a:r>
+          </a:p>
+          <a:p>
+            <a:pPr marL="0" indent="0">
+              <a:spcBef>
+                <a:spcPts val="0"/>
+              </a:spcBef>
+              <a:buNone/>
+              <a:tabLst>
+                <a:tab pos="442913" algn="l"/>
+                <a:tab pos="900113" algn="l"/>
+              </a:tabLst>
+            </a:pPr>
+            <a:r>
+              <a:rPr lang="pt-BR" sz="2000" dirty="0" smtClean="0"/>
+              <a:t>		</a:t>
+            </a:r>
+            <a:r>
+              <a:rPr lang="pt-BR" sz="2000" dirty="0" err="1" smtClean="0"/>
+              <a:t>cn</a:t>
+            </a:r>
+            <a:r>
+              <a:rPr lang="pt-BR" sz="2000" dirty="0" smtClean="0"/>
+              <a:t>.</a:t>
+            </a:r>
+            <a:r>
+              <a:rPr lang="pt-BR" sz="2000" dirty="0" err="1" smtClean="0"/>
+              <a:t>gravarNoArquivo</a:t>
+            </a:r>
+            <a:r>
+              <a:rPr lang="pt-BR" sz="2000" dirty="0" smtClean="0"/>
+              <a:t>(saldo);</a:t>
+            </a:r>
+          </a:p>
+          <a:p>
+            <a:pPr marL="0" indent="0">
+              <a:spcBef>
+                <a:spcPts val="0"/>
+              </a:spcBef>
+              <a:buNone/>
+              <a:tabLst>
+                <a:tab pos="442913" algn="l"/>
+                <a:tab pos="900113" algn="l"/>
+              </a:tabLst>
+            </a:pPr>
+            <a:r>
+              <a:rPr lang="pt-BR" sz="2000" dirty="0" smtClean="0"/>
+              <a:t>		</a:t>
+            </a:r>
+            <a:r>
+              <a:rPr lang="pt-BR" sz="2000" dirty="0" err="1" smtClean="0"/>
+              <a:t>return</a:t>
+            </a:r>
+            <a:r>
+              <a:rPr lang="pt-BR" sz="2000" dirty="0" smtClean="0"/>
+              <a:t> saldo;</a:t>
+            </a:r>
+          </a:p>
+          <a:p>
+            <a:pPr marL="0" indent="0">
+              <a:spcBef>
+                <a:spcPts val="0"/>
+              </a:spcBef>
+              <a:buNone/>
+              <a:tabLst>
+                <a:tab pos="442913" algn="l"/>
+                <a:tab pos="900113" algn="l"/>
+              </a:tabLst>
+            </a:pPr>
+            <a:endParaRPr lang="pt-BR" sz="2000" dirty="0" smtClean="0"/>
+          </a:p>
+          <a:p>
+            <a:pPr marL="0" indent="0">
+              <a:spcBef>
+                <a:spcPts val="0"/>
+              </a:spcBef>
+              <a:buNone/>
+              <a:tabLst>
+                <a:tab pos="442913" algn="l"/>
+                <a:tab pos="900113" algn="l"/>
+              </a:tabLst>
+            </a:pPr>
+            <a:r>
+              <a:rPr lang="pt-BR" sz="2000" dirty="0" smtClean="0"/>
+              <a:t>	} catch (</a:t>
+            </a:r>
+            <a:r>
+              <a:rPr lang="pt-BR" sz="2000" dirty="0" err="1" smtClean="0">
+                <a:solidFill>
+                  <a:srgbClr val="FFC000"/>
+                </a:solidFill>
+              </a:rPr>
+              <a:t>SQLException</a:t>
+            </a:r>
+            <a:r>
+              <a:rPr lang="pt-BR" sz="2000" dirty="0" smtClean="0"/>
+              <a:t> </a:t>
+            </a:r>
+            <a:r>
+              <a:rPr lang="pt-BR" sz="2000" dirty="0" err="1" smtClean="0"/>
+              <a:t>sqle</a:t>
+            </a:r>
+            <a:r>
+              <a:rPr lang="pt-BR" sz="2000" dirty="0" smtClean="0"/>
+              <a:t>) {</a:t>
+            </a:r>
+          </a:p>
+          <a:p>
+            <a:pPr marL="0" indent="0">
+              <a:spcBef>
+                <a:spcPts val="0"/>
+              </a:spcBef>
+              <a:buNone/>
+              <a:tabLst>
+                <a:tab pos="442913" algn="l"/>
+                <a:tab pos="900113" algn="l"/>
+              </a:tabLst>
+            </a:pPr>
+            <a:r>
+              <a:rPr lang="pt-BR" sz="2000" dirty="0" smtClean="0"/>
+              <a:t>		System.</a:t>
+            </a:r>
+            <a:r>
+              <a:rPr lang="pt-BR" sz="2000" dirty="0" err="1" smtClean="0"/>
+              <a:t>out.println</a:t>
+            </a:r>
+            <a:r>
+              <a:rPr lang="pt-BR" sz="2000" dirty="0" smtClean="0"/>
+              <a:t>("Erro ao acessar BD");</a:t>
+            </a:r>
+          </a:p>
+          <a:p>
+            <a:pPr marL="0" indent="0">
+              <a:spcBef>
+                <a:spcPts val="0"/>
+              </a:spcBef>
+              <a:buNone/>
+              <a:tabLst>
+                <a:tab pos="442913" algn="l"/>
+                <a:tab pos="900113" algn="l"/>
+              </a:tabLst>
+            </a:pPr>
+            <a:r>
+              <a:rPr lang="pt-BR" sz="2000" dirty="0" smtClean="0"/>
+              <a:t>	} catch (</a:t>
+            </a:r>
+            <a:r>
+              <a:rPr lang="pt-BR" sz="2000" dirty="0" err="1" smtClean="0">
+                <a:solidFill>
+                  <a:srgbClr val="FFC000"/>
+                </a:solidFill>
+              </a:rPr>
+              <a:t>RuntimeException</a:t>
+            </a:r>
+            <a:r>
+              <a:rPr lang="pt-BR" sz="2000" dirty="0" smtClean="0"/>
+              <a:t> e) {</a:t>
+            </a:r>
+          </a:p>
+          <a:p>
+            <a:pPr marL="0" indent="0">
+              <a:spcBef>
+                <a:spcPts val="0"/>
+              </a:spcBef>
+              <a:buNone/>
+              <a:tabLst>
+                <a:tab pos="442913" algn="l"/>
+                <a:tab pos="900113" algn="l"/>
+              </a:tabLst>
+            </a:pPr>
+            <a:r>
+              <a:rPr lang="pt-BR" sz="2000" dirty="0" smtClean="0"/>
+              <a:t>		System.</a:t>
+            </a:r>
+            <a:r>
+              <a:rPr lang="pt-BR" sz="2000" dirty="0" err="1" smtClean="0"/>
+              <a:t>out.println</a:t>
+            </a:r>
+            <a:r>
+              <a:rPr lang="pt-BR" sz="2000" dirty="0" smtClean="0"/>
+              <a:t>("Erro inesperado");</a:t>
+            </a:r>
+          </a:p>
+          <a:p>
+            <a:pPr marL="0" indent="0">
+              <a:spcBef>
+                <a:spcPts val="0"/>
+              </a:spcBef>
+              <a:buNone/>
+              <a:tabLst>
+                <a:tab pos="442913" algn="l"/>
+                <a:tab pos="900113" algn="l"/>
+              </a:tabLst>
+            </a:pPr>
+            <a:r>
+              <a:rPr lang="pt-BR" sz="2000" dirty="0" smtClean="0"/>
+              <a:t>	} </a:t>
+            </a:r>
+            <a:r>
+              <a:rPr lang="pt-BR" sz="2000" dirty="0" err="1" smtClean="0">
+                <a:solidFill>
+                  <a:srgbClr val="FFC000"/>
+                </a:solidFill>
+              </a:rPr>
+              <a:t>finally</a:t>
+            </a:r>
+            <a:r>
+              <a:rPr lang="pt-BR" sz="2000" dirty="0" smtClean="0"/>
+              <a:t> {</a:t>
+            </a:r>
+          </a:p>
+          <a:p>
+            <a:pPr marL="0" indent="0">
+              <a:spcBef>
+                <a:spcPts val="0"/>
+              </a:spcBef>
+              <a:buNone/>
+              <a:tabLst>
+                <a:tab pos="442913" algn="l"/>
+                <a:tab pos="900113" algn="l"/>
+              </a:tabLst>
+            </a:pPr>
+            <a:r>
+              <a:rPr lang="pt-BR" sz="2000" dirty="0" smtClean="0"/>
+              <a:t>		</a:t>
+            </a:r>
+            <a:r>
+              <a:rPr lang="pt-BR" sz="2000" dirty="0" err="1" smtClean="0"/>
+              <a:t>fecharConexao</a:t>
+            </a:r>
+            <a:r>
+              <a:rPr lang="pt-BR" sz="2000" dirty="0" smtClean="0"/>
+              <a:t>();</a:t>
+            </a:r>
+          </a:p>
+          <a:p>
+            <a:pPr marL="0" indent="0">
+              <a:spcBef>
+                <a:spcPts val="0"/>
+              </a:spcBef>
+              <a:buNone/>
+              <a:tabLst>
+                <a:tab pos="442913" algn="l"/>
+                <a:tab pos="900113" algn="l"/>
+              </a:tabLst>
+            </a:pPr>
+            <a:r>
+              <a:rPr lang="pt-BR" sz="2000" dirty="0" smtClean="0"/>
+              <a:t>	}</a:t>
+            </a:r>
+          </a:p>
+          <a:p>
+            <a:pPr marL="0" indent="0">
+              <a:spcBef>
+                <a:spcPts val="0"/>
+              </a:spcBef>
+              <a:buNone/>
+              <a:tabLst>
+                <a:tab pos="442913" algn="l"/>
+                <a:tab pos="900113" algn="l"/>
+              </a:tabLst>
+            </a:pPr>
+            <a:r>
+              <a:rPr lang="pt-BR" sz="2000" dirty="0" smtClean="0"/>
+              <a:t>}</a:t>
+            </a:r>
+          </a:p>
+        </p:txBody>
+      </p:sp>
+      <p:sp>
+        <p:nvSpPr>
+          <p:cNvPr id="5" name="Espaço Reservado para Número de Slide 4"/>
+          <p:cNvSpPr>
+            <a:spLocks noGrp="1"/>
+          </p:cNvSpPr>
+          <p:nvPr>
+            <p:ph type="sldNum" sz="quarter" idx="12"/>
+          </p:nvPr>
+        </p:nvSpPr>
+        <p:spPr/>
+        <p:txBody>
+          <a:bodyPr/>
+          <a:lstStyle/>
+          <a:p>
+            <a:pPr>
+              <a:defRPr/>
+            </a:pPr>
+            <a:fld id="{DAB16DC1-F000-4B90-9425-1E014EE80EC3}" type="slidenum">
+              <a:rPr lang="pt-BR" smtClean="0"/>
+              <a:pPr>
+                <a:defRPr/>
+              </a:pPr>
+              <a:t>15</a:t>
+            </a:fld>
+            <a:endParaRPr lang="pt-BR"/>
+          </a:p>
+        </p:txBody>
+      </p:sp>
+    </p:spTree>
+  </p:cSld>
+  <p:clrMapOvr>
+    <a:masterClrMapping/>
+  </p:clrMapOvr>
+  <p:timing>
+    <p:tnLst>
+      <p:par>
+        <p:cTn id="1" dur="indefinite" restart="never" nodeType="tmRoot"/>
+      </p:par>
+    </p:tnLst>
+  </p:timing>
+</p:sld>
+</file>
+
+<file path=ppt/slides/slide16.xml><?xml version="1.0" encoding="utf-8"?>
+<p:sld xmlns:a="http://schemas.openxmlformats.org/drawingml/2006/main" xmlns:r="http://schemas.openxmlformats.org/officeDocument/2006/relationships" xmlns:p="http://schemas.openxmlformats.org/presentationml/2006/main">
+  <p:cSld>
+    <p:spTree>
+      <p:nvGrpSpPr>
+        <p:cNvPr id="1" name=""/>
+        <p:cNvGrpSpPr/>
+        <p:nvPr/>
+      </p:nvGrpSpPr>
+      <p:grpSpPr>
+        <a:xfrm>
+          <a:off x="0" y="0"/>
+          <a:ext cx="0" cy="0"/>
+          <a:chOff x="0" y="0"/>
+          <a:chExt cx="0" cy="0"/>
+        </a:xfrm>
+      </p:grpSpPr>
+      <p:sp>
+        <p:nvSpPr>
+          <p:cNvPr id="2" name="Título 1"/>
+          <p:cNvSpPr>
+            <a:spLocks noGrp="1"/>
+          </p:cNvSpPr>
+          <p:nvPr>
+            <p:ph type="title"/>
+          </p:nvPr>
+        </p:nvSpPr>
+        <p:spPr/>
+        <p:txBody>
+          <a:bodyPr/>
+          <a:lstStyle/>
+          <a:p>
+            <a:pPr rtl="0" eaLnBrk="1" fontAlgn="base" hangingPunct="1"/>
+            <a:r>
+              <a:rPr lang="pt-BR" sz="4600" kern="1200" dirty="0" smtClean="0">
+                <a:solidFill>
+                  <a:schemeClr val="tx1"/>
+                </a:solidFill>
+                <a:latin typeface="+mj-lt"/>
+                <a:ea typeface="+mj-ea"/>
+                <a:cs typeface="+mj-cs"/>
+              </a:rPr>
+              <a:t>Principais exceções</a:t>
+            </a:r>
+            <a:endParaRPr lang="pt-BR" dirty="0"/>
+          </a:p>
+        </p:txBody>
+      </p:sp>
+      <p:sp>
+        <p:nvSpPr>
+          <p:cNvPr id="6" name="Espaço Reservado para Conteúdo 5"/>
+          <p:cNvSpPr>
+            <a:spLocks noGrp="1"/>
+          </p:cNvSpPr>
+          <p:nvPr>
+            <p:ph idx="1"/>
+          </p:nvPr>
+        </p:nvSpPr>
+        <p:spPr/>
+        <p:txBody>
+          <a:bodyPr/>
+          <a:lstStyle/>
+          <a:p>
+            <a:r>
+              <a:rPr lang="pt-BR" sz="2400" dirty="0" err="1" smtClean="0"/>
+              <a:t>java</a:t>
+            </a:r>
+            <a:r>
+              <a:rPr lang="pt-BR" sz="2400" dirty="0" smtClean="0"/>
+              <a:t>.</a:t>
+            </a:r>
+            <a:r>
+              <a:rPr lang="pt-BR" sz="2400" dirty="0" err="1" smtClean="0"/>
+              <a:t>lang</a:t>
+            </a:r>
+            <a:r>
+              <a:rPr lang="pt-BR" sz="2400" dirty="0" smtClean="0"/>
+              <a:t>.</a:t>
+            </a:r>
+            <a:r>
+              <a:rPr lang="pt-BR" sz="2400" dirty="0" err="1" smtClean="0"/>
+              <a:t>NullPointerException</a:t>
+            </a:r>
+            <a:endParaRPr lang="pt-BR" sz="2400" dirty="0" smtClean="0"/>
+          </a:p>
+          <a:p>
+            <a:r>
+              <a:rPr lang="pt-BR" sz="2400" dirty="0" err="1" smtClean="0"/>
+              <a:t>java</a:t>
+            </a:r>
+            <a:r>
+              <a:rPr lang="pt-BR" sz="2400" dirty="0" smtClean="0"/>
+              <a:t>.</a:t>
+            </a:r>
+            <a:r>
+              <a:rPr lang="pt-BR" sz="2400" dirty="0" err="1" smtClean="0"/>
+              <a:t>lang</a:t>
+            </a:r>
+            <a:r>
+              <a:rPr lang="pt-BR" sz="2400" dirty="0" smtClean="0"/>
+              <a:t>.</a:t>
+            </a:r>
+            <a:r>
+              <a:rPr lang="pt-BR" sz="2400" dirty="0" err="1" smtClean="0"/>
+              <a:t>NumberFormatException</a:t>
+            </a:r>
+            <a:endParaRPr lang="pt-BR" sz="2400" dirty="0" smtClean="0"/>
+          </a:p>
+          <a:p>
+            <a:r>
+              <a:rPr lang="pt-BR" sz="2400" dirty="0" err="1" smtClean="0"/>
+              <a:t>java</a:t>
+            </a:r>
+            <a:r>
+              <a:rPr lang="pt-BR" sz="2400" dirty="0" smtClean="0"/>
+              <a:t>.</a:t>
+            </a:r>
+            <a:r>
+              <a:rPr lang="pt-BR" sz="2400" dirty="0" err="1" smtClean="0"/>
+              <a:t>lang</a:t>
+            </a:r>
+            <a:r>
+              <a:rPr lang="pt-BR" sz="2400" dirty="0" smtClean="0"/>
+              <a:t>.</a:t>
+            </a:r>
+            <a:r>
+              <a:rPr lang="pt-BR" sz="2400" dirty="0" err="1" smtClean="0"/>
+              <a:t>ArrayIndexOutOfBoundsException</a:t>
+            </a:r>
+            <a:endParaRPr lang="pt-BR" sz="2400" dirty="0" smtClean="0"/>
+          </a:p>
+          <a:p>
+            <a:r>
+              <a:rPr lang="pt-BR" sz="2400" dirty="0" err="1" smtClean="0"/>
+              <a:t>java</a:t>
+            </a:r>
+            <a:r>
+              <a:rPr lang="pt-BR" sz="2400" dirty="0" smtClean="0"/>
+              <a:t>.</a:t>
+            </a:r>
+            <a:r>
+              <a:rPr lang="pt-BR" sz="2400" dirty="0" err="1" smtClean="0"/>
+              <a:t>lang</a:t>
+            </a:r>
+            <a:r>
+              <a:rPr lang="pt-BR" sz="2400" dirty="0" smtClean="0"/>
+              <a:t>.</a:t>
+            </a:r>
+            <a:r>
+              <a:rPr lang="pt-BR" sz="2400" dirty="0" err="1" smtClean="0"/>
+              <a:t>ArithmeticException</a:t>
+            </a:r>
+            <a:endParaRPr lang="pt-BR" sz="2400" dirty="0" smtClean="0"/>
+          </a:p>
+          <a:p>
+            <a:r>
+              <a:rPr lang="pt-BR" sz="2400" dirty="0" err="1" smtClean="0"/>
+              <a:t>java</a:t>
+            </a:r>
+            <a:r>
+              <a:rPr lang="pt-BR" sz="2400" dirty="0" smtClean="0"/>
+              <a:t>.</a:t>
+            </a:r>
+            <a:r>
+              <a:rPr lang="pt-BR" sz="2400" dirty="0" err="1" smtClean="0"/>
+              <a:t>lang</a:t>
+            </a:r>
+            <a:r>
+              <a:rPr lang="pt-BR" sz="2400" dirty="0" smtClean="0"/>
+              <a:t>.</a:t>
+            </a:r>
+            <a:r>
+              <a:rPr lang="pt-BR" sz="2400" dirty="0" err="1" smtClean="0"/>
+              <a:t>ClassCastException</a:t>
+            </a:r>
+            <a:endParaRPr lang="pt-BR" sz="2400" dirty="0" smtClean="0"/>
+          </a:p>
+          <a:p>
+            <a:r>
+              <a:rPr lang="pt-BR" sz="2400" dirty="0" err="1" smtClean="0"/>
+              <a:t>java</a:t>
+            </a:r>
+            <a:r>
+              <a:rPr lang="pt-BR" sz="2400" dirty="0" smtClean="0"/>
+              <a:t>.</a:t>
+            </a:r>
+            <a:r>
+              <a:rPr lang="pt-BR" sz="2400" dirty="0" err="1" smtClean="0"/>
+              <a:t>io</a:t>
+            </a:r>
+            <a:r>
+              <a:rPr lang="pt-BR" sz="2400" dirty="0" smtClean="0"/>
+              <a:t>.</a:t>
+            </a:r>
+            <a:r>
+              <a:rPr lang="pt-BR" sz="2400" dirty="0" err="1" smtClean="0"/>
+              <a:t>IOException</a:t>
+            </a:r>
+            <a:endParaRPr lang="pt-BR" sz="2400" dirty="0" smtClean="0"/>
+          </a:p>
+          <a:p>
+            <a:r>
+              <a:rPr lang="pt-BR" sz="2400" dirty="0" err="1" smtClean="0"/>
+              <a:t>java</a:t>
+            </a:r>
+            <a:r>
+              <a:rPr lang="pt-BR" sz="2400" dirty="0" smtClean="0"/>
+              <a:t>.</a:t>
+            </a:r>
+            <a:r>
+              <a:rPr lang="pt-BR" sz="2400" dirty="0" err="1" smtClean="0"/>
+              <a:t>sql</a:t>
+            </a:r>
+            <a:r>
+              <a:rPr lang="pt-BR" sz="2400" dirty="0" smtClean="0"/>
+              <a:t>.</a:t>
+            </a:r>
+            <a:r>
+              <a:rPr lang="pt-BR" sz="2400" dirty="0" err="1" smtClean="0"/>
+              <a:t>SQLException</a:t>
+            </a:r>
+            <a:endParaRPr lang="pt-BR" sz="2400" dirty="0"/>
+          </a:p>
+        </p:txBody>
+      </p:sp>
+      <p:sp>
+        <p:nvSpPr>
+          <p:cNvPr id="5" name="Espaço Reservado para Número de Slide 4"/>
+          <p:cNvSpPr>
+            <a:spLocks noGrp="1"/>
+          </p:cNvSpPr>
+          <p:nvPr>
+            <p:ph type="sldNum" sz="quarter" idx="12"/>
+          </p:nvPr>
+        </p:nvSpPr>
+        <p:spPr/>
+        <p:txBody>
+          <a:bodyPr/>
+          <a:lstStyle/>
+          <a:p>
+            <a:pPr>
+              <a:defRPr/>
+            </a:pPr>
+            <a:fld id="{DAB16DC1-F000-4B90-9425-1E014EE80EC3}" type="slidenum">
+              <a:rPr lang="pt-BR" smtClean="0"/>
+              <a:pPr>
+                <a:defRPr/>
+              </a:pPr>
+              <a:t>16</a:t>
+            </a:fld>
+            <a:endParaRPr lang="pt-BR"/>
+          </a:p>
+        </p:txBody>
+      </p:sp>
+    </p:spTree>
+  </p:cSld>
+  <p:clrMapOvr>
+    <a:masterClrMapping/>
+  </p:clrMapOvr>
+  <p:timing>
+    <p:tnLst>
+      <p:par>
+        <p:cTn id="1" dur="indefinite" restart="never" nodeType="tmRoot"/>
+      </p:par>
+    </p:tnLst>
+  </p:timing>
+</p:sld>
+</file>
+
+<file path=ppt/slides/slide17.xml><?xml version="1.0" encoding="utf-8"?>
+<p:sld xmlns:a="http://schemas.openxmlformats.org/drawingml/2006/main" xmlns:r="http://schemas.openxmlformats.org/officeDocument/2006/relationships" xmlns:p="http://schemas.openxmlformats.org/presentationml/2006/main">
+  <p:cSld>
+    <p:spTree>
+      <p:nvGrpSpPr>
+        <p:cNvPr id="1" name=""/>
+        <p:cNvGrpSpPr/>
+        <p:nvPr/>
+      </p:nvGrpSpPr>
+      <p:grpSpPr>
+        <a:xfrm>
+          <a:off x="0" y="0"/>
+          <a:ext cx="0" cy="0"/>
+          <a:chOff x="0" y="0"/>
+          <a:chExt cx="0" cy="0"/>
+        </a:xfrm>
+      </p:grpSpPr>
+      <p:sp>
+        <p:nvSpPr>
+          <p:cNvPr id="2" name="Título 1"/>
+          <p:cNvSpPr>
+            <a:spLocks noGrp="1"/>
+          </p:cNvSpPr>
+          <p:nvPr>
+            <p:ph type="title"/>
+          </p:nvPr>
+        </p:nvSpPr>
+        <p:spPr/>
+        <p:txBody>
+          <a:bodyPr/>
+          <a:lstStyle/>
+          <a:p>
+            <a:pPr rtl="0" eaLnBrk="1" fontAlgn="base" hangingPunct="1"/>
+            <a:r>
+              <a:rPr lang="pt-BR" sz="4600" kern="1200" dirty="0" smtClean="0">
+                <a:solidFill>
+                  <a:schemeClr val="tx1"/>
+                </a:solidFill>
+                <a:latin typeface="+mj-lt"/>
+                <a:ea typeface="+mj-ea"/>
+                <a:cs typeface="+mj-cs"/>
+              </a:rPr>
+              <a:t>Principais exceções</a:t>
+            </a:r>
+            <a:endParaRPr lang="pt-BR" dirty="0"/>
+          </a:p>
+        </p:txBody>
+      </p:sp>
+      <p:sp>
+        <p:nvSpPr>
+          <p:cNvPr id="6" name="Espaço Reservado para Conteúdo 5"/>
+          <p:cNvSpPr>
+            <a:spLocks noGrp="1"/>
+          </p:cNvSpPr>
+          <p:nvPr>
+            <p:ph idx="1"/>
+          </p:nvPr>
+        </p:nvSpPr>
+        <p:spPr/>
+        <p:txBody>
+          <a:bodyPr/>
+          <a:lstStyle/>
+          <a:p>
+            <a:r>
+              <a:rPr lang="pt-BR" dirty="0" err="1" smtClean="0"/>
+              <a:t>NullPointerException</a:t>
+            </a:r>
+            <a:endParaRPr lang="pt-BR" dirty="0" smtClean="0"/>
+          </a:p>
+          <a:p>
+            <a:pPr lvl="1">
+              <a:spcBef>
+                <a:spcPts val="1800"/>
+              </a:spcBef>
+            </a:pPr>
+            <a:r>
+              <a:rPr lang="pt-BR" dirty="0" smtClean="0"/>
+              <a:t>Exceção não verificada pertencente </a:t>
+            </a:r>
+            <a:r>
+              <a:rPr lang="pt-BR" dirty="0" smtClean="0"/>
+              <a:t>ao pacote </a:t>
+            </a:r>
+            <a:r>
+              <a:rPr lang="pt-BR" b="1" i="1" dirty="0" err="1" smtClean="0"/>
+              <a:t>java</a:t>
+            </a:r>
+            <a:r>
+              <a:rPr lang="pt-BR" b="1" i="1" dirty="0" smtClean="0"/>
+              <a:t>.</a:t>
+            </a:r>
+            <a:r>
+              <a:rPr lang="pt-BR" b="1" i="1" dirty="0" err="1" smtClean="0"/>
+              <a:t>lang</a:t>
+            </a:r>
+            <a:endParaRPr lang="pt-BR" dirty="0" smtClean="0"/>
+          </a:p>
+          <a:p>
+            <a:pPr lvl="1">
+              <a:spcBef>
+                <a:spcPts val="1800"/>
+              </a:spcBef>
+            </a:pPr>
+            <a:r>
+              <a:rPr lang="pt-BR" dirty="0" smtClean="0"/>
+              <a:t>Ocorre ao tentar executar um método sobre uma variável que não possui um objeto referenciado</a:t>
+            </a:r>
+          </a:p>
+          <a:p>
+            <a:pPr marL="442913" lvl="1" indent="6350">
+              <a:spcBef>
+                <a:spcPts val="0"/>
+              </a:spcBef>
+              <a:buNone/>
+            </a:pPr>
+            <a:endParaRPr lang="pt-BR" dirty="0" smtClean="0"/>
+          </a:p>
+          <a:p>
+            <a:pPr marL="1441450" lvl="1" indent="6350">
+              <a:spcBef>
+                <a:spcPts val="0"/>
+              </a:spcBef>
+              <a:buNone/>
+            </a:pPr>
+            <a:r>
+              <a:rPr lang="pt-BR" dirty="0" smtClean="0">
+                <a:solidFill>
+                  <a:srgbClr val="FFC000"/>
+                </a:solidFill>
+              </a:rPr>
+              <a:t>Cliente c = </a:t>
+            </a:r>
+            <a:r>
+              <a:rPr lang="pt-BR" dirty="0" err="1" smtClean="0">
+                <a:solidFill>
+                  <a:srgbClr val="FFC000"/>
+                </a:solidFill>
+              </a:rPr>
+              <a:t>null</a:t>
+            </a:r>
+            <a:r>
+              <a:rPr lang="pt-BR" dirty="0" smtClean="0">
+                <a:solidFill>
+                  <a:srgbClr val="FFC000"/>
+                </a:solidFill>
+              </a:rPr>
+              <a:t>;</a:t>
+            </a:r>
+          </a:p>
+          <a:p>
+            <a:pPr marL="1441450" lvl="1" indent="6350">
+              <a:spcBef>
+                <a:spcPts val="0"/>
+              </a:spcBef>
+              <a:buNone/>
+            </a:pPr>
+            <a:r>
+              <a:rPr lang="pt-BR" dirty="0" err="1" smtClean="0">
+                <a:solidFill>
+                  <a:srgbClr val="FFC000"/>
+                </a:solidFill>
+              </a:rPr>
+              <a:t>c.setNome</a:t>
+            </a:r>
+            <a:r>
+              <a:rPr lang="pt-BR" dirty="0" smtClean="0">
+                <a:solidFill>
+                  <a:srgbClr val="FFC000"/>
+                </a:solidFill>
+              </a:rPr>
+              <a:t>(“Manuel da silva”);</a:t>
+            </a:r>
+          </a:p>
+        </p:txBody>
+      </p:sp>
+      <p:sp>
+        <p:nvSpPr>
+          <p:cNvPr id="5" name="Espaço Reservado para Número de Slide 4"/>
+          <p:cNvSpPr>
+            <a:spLocks noGrp="1"/>
+          </p:cNvSpPr>
+          <p:nvPr>
+            <p:ph type="sldNum" sz="quarter" idx="12"/>
+          </p:nvPr>
+        </p:nvSpPr>
+        <p:spPr/>
+        <p:txBody>
+          <a:bodyPr/>
+          <a:lstStyle/>
+          <a:p>
+            <a:pPr>
+              <a:defRPr/>
+            </a:pPr>
+            <a:fld id="{DAB16DC1-F000-4B90-9425-1E014EE80EC3}" type="slidenum">
+              <a:rPr lang="pt-BR" smtClean="0"/>
+              <a:pPr>
+                <a:defRPr/>
+              </a:pPr>
+              <a:t>17</a:t>
+            </a:fld>
+            <a:endParaRPr lang="pt-BR"/>
+          </a:p>
+        </p:txBody>
+      </p:sp>
+    </p:spTree>
+  </p:cSld>
+  <p:clrMapOvr>
+    <a:masterClrMapping/>
+  </p:clrMapOvr>
+  <p:timing>
+    <p:tnLst>
+      <p:par>
+        <p:cTn id="1" dur="indefinite" restart="never" nodeType="tmRoot"/>
+      </p:par>
+    </p:tnLst>
+  </p:timing>
+</p:sld>
+</file>
+
+<file path=ppt/slides/slide18.xml><?xml version="1.0" encoding="utf-8"?>
+<p:sld xmlns:a="http://schemas.openxmlformats.org/drawingml/2006/main" xmlns:r="http://schemas.openxmlformats.org/officeDocument/2006/relationships" xmlns:p="http://schemas.openxmlformats.org/presentationml/2006/main">
+  <p:cSld>
+    <p:spTree>
+      <p:nvGrpSpPr>
+        <p:cNvPr id="1" name=""/>
+        <p:cNvGrpSpPr/>
+        <p:nvPr/>
+      </p:nvGrpSpPr>
+      <p:grpSpPr>
+        <a:xfrm>
+          <a:off x="0" y="0"/>
+          <a:ext cx="0" cy="0"/>
+          <a:chOff x="0" y="0"/>
+          <a:chExt cx="0" cy="0"/>
+        </a:xfrm>
+      </p:grpSpPr>
+      <p:sp>
+        <p:nvSpPr>
+          <p:cNvPr id="2" name="Título 1"/>
+          <p:cNvSpPr>
+            <a:spLocks noGrp="1"/>
+          </p:cNvSpPr>
+          <p:nvPr>
+            <p:ph type="title"/>
+          </p:nvPr>
+        </p:nvSpPr>
+        <p:spPr/>
+        <p:txBody>
+          <a:bodyPr/>
+          <a:lstStyle/>
+          <a:p>
+            <a:pPr rtl="0" eaLnBrk="1" fontAlgn="base" hangingPunct="1"/>
+            <a:r>
+              <a:rPr lang="pt-BR" sz="4600" kern="1200" dirty="0" smtClean="0">
+                <a:solidFill>
+                  <a:schemeClr val="tx1"/>
+                </a:solidFill>
+                <a:latin typeface="+mj-lt"/>
+                <a:ea typeface="+mj-ea"/>
+                <a:cs typeface="+mj-cs"/>
+              </a:rPr>
+              <a:t>Principais exceções</a:t>
+            </a:r>
+            <a:endParaRPr lang="pt-BR" dirty="0"/>
+          </a:p>
+        </p:txBody>
+      </p:sp>
+      <p:sp>
+        <p:nvSpPr>
+          <p:cNvPr id="6" name="Espaço Reservado para Conteúdo 5"/>
+          <p:cNvSpPr>
+            <a:spLocks noGrp="1"/>
+          </p:cNvSpPr>
+          <p:nvPr>
+            <p:ph idx="1"/>
+          </p:nvPr>
+        </p:nvSpPr>
+        <p:spPr/>
+        <p:txBody>
+          <a:bodyPr/>
+          <a:lstStyle/>
+          <a:p>
+            <a:r>
+              <a:rPr lang="pt-BR" dirty="0" err="1" smtClean="0"/>
+              <a:t>NumberFormatException</a:t>
+            </a:r>
+            <a:endParaRPr lang="pt-BR" dirty="0" smtClean="0"/>
+          </a:p>
+          <a:p>
+            <a:pPr lvl="1">
+              <a:spcBef>
+                <a:spcPts val="1800"/>
+              </a:spcBef>
+            </a:pPr>
+            <a:r>
+              <a:rPr lang="pt-BR" dirty="0" smtClean="0"/>
+              <a:t>Exceção não verificada pertencente </a:t>
+            </a:r>
+            <a:r>
+              <a:rPr lang="pt-BR" dirty="0" smtClean="0"/>
+              <a:t>ao pacote </a:t>
+            </a:r>
+            <a:r>
+              <a:rPr lang="pt-BR" b="1" i="1" dirty="0" err="1" smtClean="0"/>
+              <a:t>java</a:t>
+            </a:r>
+            <a:r>
+              <a:rPr lang="pt-BR" b="1" i="1" dirty="0" smtClean="0"/>
+              <a:t>.</a:t>
+            </a:r>
+            <a:r>
+              <a:rPr lang="pt-BR" b="1" i="1" dirty="0" err="1" smtClean="0"/>
+              <a:t>lang</a:t>
+            </a:r>
+            <a:endParaRPr lang="pt-BR" dirty="0" smtClean="0"/>
+          </a:p>
+          <a:p>
+            <a:pPr lvl="1">
+              <a:spcBef>
+                <a:spcPts val="1800"/>
+              </a:spcBef>
+            </a:pPr>
+            <a:r>
+              <a:rPr lang="pt-BR" dirty="0" smtClean="0"/>
+              <a:t>Ocorre ao tentar realizar a conversão de um String para um valor numérico</a:t>
+            </a:r>
+          </a:p>
+          <a:p>
+            <a:pPr marL="442913" lvl="1" indent="6350">
+              <a:spcBef>
+                <a:spcPts val="0"/>
+              </a:spcBef>
+              <a:buNone/>
+            </a:pPr>
+            <a:endParaRPr lang="pt-BR" dirty="0" smtClean="0"/>
+          </a:p>
+          <a:p>
+            <a:pPr marL="1081088" lvl="1" indent="6350">
+              <a:spcBef>
+                <a:spcPts val="0"/>
+              </a:spcBef>
+              <a:buNone/>
+            </a:pPr>
+            <a:endParaRPr lang="pt-BR" dirty="0" smtClean="0">
+              <a:solidFill>
+                <a:srgbClr val="FFC000"/>
+              </a:solidFill>
+            </a:endParaRPr>
+          </a:p>
+          <a:p>
+            <a:pPr marL="1081088" lvl="1" indent="6350">
+              <a:spcBef>
+                <a:spcPts val="0"/>
+              </a:spcBef>
+              <a:buNone/>
+            </a:pPr>
+            <a:r>
+              <a:rPr lang="pt-BR" dirty="0" smtClean="0">
+                <a:solidFill>
+                  <a:srgbClr val="FFC000"/>
+                </a:solidFill>
+              </a:rPr>
+              <a:t>String texto = “10xpt23”;</a:t>
+            </a:r>
+          </a:p>
+          <a:p>
+            <a:pPr marL="1081088" lvl="1" indent="6350">
+              <a:spcBef>
+                <a:spcPts val="0"/>
+              </a:spcBef>
+              <a:buNone/>
+            </a:pPr>
+            <a:r>
+              <a:rPr lang="pt-BR" dirty="0" err="1" smtClean="0">
+                <a:solidFill>
+                  <a:srgbClr val="FFC000"/>
+                </a:solidFill>
+              </a:rPr>
+              <a:t>int</a:t>
+            </a:r>
+            <a:r>
+              <a:rPr lang="pt-BR" dirty="0" smtClean="0">
+                <a:solidFill>
+                  <a:srgbClr val="FFC000"/>
+                </a:solidFill>
+              </a:rPr>
+              <a:t> idade = </a:t>
+            </a:r>
+            <a:r>
+              <a:rPr lang="pt-BR" dirty="0" err="1" smtClean="0">
+                <a:solidFill>
+                  <a:srgbClr val="FFC000"/>
+                </a:solidFill>
+              </a:rPr>
+              <a:t>Integer</a:t>
+            </a:r>
+            <a:r>
+              <a:rPr lang="pt-BR" dirty="0" smtClean="0">
+                <a:solidFill>
+                  <a:srgbClr val="FFC000"/>
+                </a:solidFill>
+              </a:rPr>
+              <a:t>.</a:t>
+            </a:r>
+            <a:r>
+              <a:rPr lang="pt-BR" dirty="0" err="1" smtClean="0">
+                <a:solidFill>
+                  <a:srgbClr val="FFC000"/>
+                </a:solidFill>
+              </a:rPr>
+              <a:t>parseInt</a:t>
+            </a:r>
+            <a:r>
+              <a:rPr lang="pt-BR" dirty="0" smtClean="0">
+                <a:solidFill>
+                  <a:srgbClr val="FFC000"/>
+                </a:solidFill>
+              </a:rPr>
+              <a:t>(texto);</a:t>
+            </a:r>
+          </a:p>
+        </p:txBody>
+      </p:sp>
+      <p:sp>
+        <p:nvSpPr>
+          <p:cNvPr id="5" name="Espaço Reservado para Número de Slide 4"/>
+          <p:cNvSpPr>
+            <a:spLocks noGrp="1"/>
+          </p:cNvSpPr>
+          <p:nvPr>
+            <p:ph type="sldNum" sz="quarter" idx="12"/>
+          </p:nvPr>
+        </p:nvSpPr>
+        <p:spPr/>
+        <p:txBody>
+          <a:bodyPr/>
+          <a:lstStyle/>
+          <a:p>
+            <a:pPr>
+              <a:defRPr/>
+            </a:pPr>
+            <a:fld id="{DAB16DC1-F000-4B90-9425-1E014EE80EC3}" type="slidenum">
+              <a:rPr lang="pt-BR" smtClean="0"/>
+              <a:pPr>
+                <a:defRPr/>
+              </a:pPr>
+              <a:t>18</a:t>
+            </a:fld>
+            <a:endParaRPr lang="pt-BR"/>
+          </a:p>
+        </p:txBody>
+      </p:sp>
+    </p:spTree>
+  </p:cSld>
+  <p:clrMapOvr>
+    <a:masterClrMapping/>
+  </p:clrMapOvr>
+  <p:timing>
+    <p:tnLst>
+      <p:par>
+        <p:cTn id="1" dur="indefinite" restart="never" nodeType="tmRoot"/>
+      </p:par>
+    </p:tnLst>
+  </p:timing>
+</p:sld>
+</file>
+
+<file path=ppt/slides/slide19.xml><?xml version="1.0" encoding="utf-8"?>
+<p:sld xmlns:a="http://schemas.openxmlformats.org/drawingml/2006/main" xmlns:r="http://schemas.openxmlformats.org/officeDocument/2006/relationships" xmlns:p="http://schemas.openxmlformats.org/presentationml/2006/main">
+  <p:cSld>
+    <p:spTree>
+      <p:nvGrpSpPr>
+        <p:cNvPr id="1" name=""/>
+        <p:cNvGrpSpPr/>
+        <p:nvPr/>
+      </p:nvGrpSpPr>
+      <p:grpSpPr>
+        <a:xfrm>
+          <a:off x="0" y="0"/>
+          <a:ext cx="0" cy="0"/>
+          <a:chOff x="0" y="0"/>
+          <a:chExt cx="0" cy="0"/>
+        </a:xfrm>
+      </p:grpSpPr>
+      <p:sp>
+        <p:nvSpPr>
+          <p:cNvPr id="2" name="Título 1"/>
+          <p:cNvSpPr>
+            <a:spLocks noGrp="1"/>
+          </p:cNvSpPr>
+          <p:nvPr>
+            <p:ph type="title"/>
+          </p:nvPr>
+        </p:nvSpPr>
+        <p:spPr/>
+        <p:txBody>
+          <a:bodyPr/>
+          <a:lstStyle/>
+          <a:p>
+            <a:pPr rtl="0" eaLnBrk="1" fontAlgn="base" hangingPunct="1"/>
+            <a:r>
+              <a:rPr lang="pt-BR" sz="4600" kern="1200" dirty="0" smtClean="0">
+                <a:solidFill>
+                  <a:schemeClr val="tx1"/>
+                </a:solidFill>
+                <a:latin typeface="+mj-lt"/>
+                <a:ea typeface="+mj-ea"/>
+                <a:cs typeface="+mj-cs"/>
+              </a:rPr>
+              <a:t>Principais exceções</a:t>
+            </a:r>
+            <a:endParaRPr lang="pt-BR" dirty="0"/>
+          </a:p>
+        </p:txBody>
+      </p:sp>
+      <p:sp>
+        <p:nvSpPr>
+          <p:cNvPr id="6" name="Espaço Reservado para Conteúdo 5"/>
+          <p:cNvSpPr>
+            <a:spLocks noGrp="1"/>
+          </p:cNvSpPr>
+          <p:nvPr>
+            <p:ph idx="1"/>
+          </p:nvPr>
+        </p:nvSpPr>
+        <p:spPr/>
+        <p:txBody>
+          <a:bodyPr/>
+          <a:lstStyle/>
+          <a:p>
+            <a:r>
+              <a:rPr lang="pt-BR" dirty="0" err="1" smtClean="0"/>
+              <a:t>ArrayIndexOutOfBoundsException</a:t>
+            </a:r>
+            <a:endParaRPr lang="pt-BR" dirty="0" smtClean="0"/>
+          </a:p>
+          <a:p>
+            <a:pPr lvl="1">
+              <a:spcBef>
+                <a:spcPts val="1800"/>
+              </a:spcBef>
+            </a:pPr>
+            <a:r>
+              <a:rPr lang="pt-BR" dirty="0" smtClean="0"/>
+              <a:t>Exceção </a:t>
+            </a:r>
+            <a:r>
+              <a:rPr lang="pt-BR" dirty="0" smtClean="0"/>
+              <a:t>não verificada pertencente </a:t>
+            </a:r>
+            <a:r>
+              <a:rPr lang="pt-BR" dirty="0" smtClean="0"/>
+              <a:t>ao pacote </a:t>
+            </a:r>
+            <a:r>
+              <a:rPr lang="pt-BR" b="1" i="1" dirty="0" err="1" smtClean="0"/>
+              <a:t>java</a:t>
+            </a:r>
+            <a:r>
+              <a:rPr lang="pt-BR" b="1" i="1" dirty="0" smtClean="0"/>
+              <a:t>.</a:t>
+            </a:r>
+            <a:r>
+              <a:rPr lang="pt-BR" b="1" i="1" dirty="0" err="1" smtClean="0"/>
+              <a:t>lang</a:t>
+            </a:r>
+            <a:endParaRPr lang="pt-BR" dirty="0" smtClean="0"/>
+          </a:p>
+          <a:p>
+            <a:pPr lvl="1">
+              <a:spcBef>
+                <a:spcPts val="1800"/>
+              </a:spcBef>
+            </a:pPr>
+            <a:r>
+              <a:rPr lang="pt-BR" dirty="0" smtClean="0"/>
+              <a:t>Ocorre ao tentar </a:t>
+            </a:r>
+            <a:r>
+              <a:rPr lang="pt-BR" dirty="0" smtClean="0"/>
+              <a:t>um item inexistente em um </a:t>
+            </a:r>
+            <a:r>
+              <a:rPr lang="pt-BR" dirty="0" err="1" smtClean="0"/>
+              <a:t>array</a:t>
+            </a:r>
+            <a:endParaRPr lang="pt-BR" dirty="0" smtClean="0"/>
+          </a:p>
+          <a:p>
+            <a:pPr marL="442913" lvl="1" indent="6350">
+              <a:spcBef>
+                <a:spcPts val="0"/>
+              </a:spcBef>
+              <a:buNone/>
+            </a:pPr>
+            <a:endParaRPr lang="pt-BR" dirty="0" smtClean="0"/>
+          </a:p>
+          <a:p>
+            <a:pPr marL="720725" lvl="1" indent="6350">
+              <a:spcBef>
+                <a:spcPts val="0"/>
+              </a:spcBef>
+              <a:buNone/>
+            </a:pPr>
+            <a:endParaRPr lang="pt-BR" dirty="0" smtClean="0">
+              <a:solidFill>
+                <a:srgbClr val="FFC000"/>
+              </a:solidFill>
+            </a:endParaRPr>
+          </a:p>
+          <a:p>
+            <a:pPr marL="720725" lvl="1" indent="6350">
+              <a:spcBef>
+                <a:spcPts val="0"/>
+              </a:spcBef>
+              <a:buNone/>
+            </a:pPr>
+            <a:r>
+              <a:rPr lang="pt-BR" dirty="0" err="1" smtClean="0">
+                <a:solidFill>
+                  <a:srgbClr val="FFC000"/>
+                </a:solidFill>
+              </a:rPr>
+              <a:t>double</a:t>
+            </a:r>
+            <a:r>
+              <a:rPr lang="pt-BR" dirty="0" smtClean="0">
+                <a:solidFill>
+                  <a:srgbClr val="FFC000"/>
+                </a:solidFill>
+              </a:rPr>
+              <a:t>[] </a:t>
+            </a:r>
+            <a:r>
+              <a:rPr lang="pt-BR" dirty="0" err="1" smtClean="0">
+                <a:solidFill>
+                  <a:srgbClr val="FFC000"/>
+                </a:solidFill>
+              </a:rPr>
+              <a:t>salario</a:t>
+            </a:r>
+            <a:r>
+              <a:rPr lang="pt-BR" dirty="0" smtClean="0">
+                <a:solidFill>
+                  <a:srgbClr val="FFC000"/>
+                </a:solidFill>
+              </a:rPr>
+              <a:t> </a:t>
+            </a:r>
+            <a:r>
+              <a:rPr lang="pt-BR" dirty="0" smtClean="0">
+                <a:solidFill>
+                  <a:srgbClr val="FFC000"/>
+                </a:solidFill>
+              </a:rPr>
+              <a:t>= </a:t>
+            </a:r>
+            <a:r>
+              <a:rPr lang="pt-BR" dirty="0" smtClean="0">
+                <a:solidFill>
+                  <a:srgbClr val="FFC000"/>
+                </a:solidFill>
+              </a:rPr>
+              <a:t>{ 1200.5, 630.0, 950.15 };</a:t>
+            </a:r>
+            <a:endParaRPr lang="pt-BR" dirty="0" smtClean="0">
+              <a:solidFill>
+                <a:srgbClr val="FFC000"/>
+              </a:solidFill>
+            </a:endParaRPr>
+          </a:p>
+          <a:p>
+            <a:pPr marL="720725" lvl="1" indent="6350">
+              <a:spcBef>
+                <a:spcPts val="0"/>
+              </a:spcBef>
+              <a:buNone/>
+            </a:pPr>
+            <a:r>
+              <a:rPr lang="pt-BR" dirty="0" err="1" smtClean="0">
+                <a:solidFill>
+                  <a:srgbClr val="FFC000"/>
+                </a:solidFill>
+              </a:rPr>
+              <a:t>double</a:t>
+            </a:r>
+            <a:r>
+              <a:rPr lang="pt-BR" dirty="0" smtClean="0">
+                <a:solidFill>
+                  <a:srgbClr val="FFC000"/>
+                </a:solidFill>
+              </a:rPr>
+              <a:t> s = </a:t>
+            </a:r>
+            <a:r>
+              <a:rPr lang="pt-BR" dirty="0" err="1" smtClean="0">
+                <a:solidFill>
+                  <a:srgbClr val="FFC000"/>
+                </a:solidFill>
+              </a:rPr>
+              <a:t>salario</a:t>
+            </a:r>
+            <a:r>
+              <a:rPr lang="pt-BR" dirty="0" smtClean="0">
+                <a:solidFill>
+                  <a:srgbClr val="FFC000"/>
+                </a:solidFill>
+              </a:rPr>
+              <a:t>[3];</a:t>
+            </a:r>
+            <a:endParaRPr lang="pt-BR" dirty="0" smtClean="0">
+              <a:solidFill>
+                <a:srgbClr val="FFC000"/>
+              </a:solidFill>
+            </a:endParaRPr>
+          </a:p>
+        </p:txBody>
+      </p:sp>
+      <p:sp>
+        <p:nvSpPr>
+          <p:cNvPr id="5" name="Espaço Reservado para Número de Slide 4"/>
+          <p:cNvSpPr>
+            <a:spLocks noGrp="1"/>
+          </p:cNvSpPr>
+          <p:nvPr>
+            <p:ph type="sldNum" sz="quarter" idx="12"/>
+          </p:nvPr>
+        </p:nvSpPr>
+        <p:spPr/>
+        <p:txBody>
+          <a:bodyPr/>
+          <a:lstStyle/>
+          <a:p>
+            <a:pPr>
+              <a:defRPr/>
+            </a:pPr>
+            <a:fld id="{DAB16DC1-F000-4B90-9425-1E014EE80EC3}" type="slidenum">
+              <a:rPr lang="pt-BR" smtClean="0"/>
+              <a:pPr>
+                <a:defRPr/>
+              </a:pPr>
+              <a:t>19</a:t>
+            </a:fld>
+            <a:endParaRPr lang="pt-BR"/>
+          </a:p>
+        </p:txBody>
+      </p:sp>
+    </p:spTree>
+  </p:cSld>
+  <p:clrMapOvr>
+    <a:masterClrMapping/>
+  </p:clrMapOvr>
+  <p:timing>
+    <p:tnLst>
+      <p:par>
+        <p:cTn id="1" dur="indefinite" restart="never" nodeType="tmRoot"/>
+      </p:par>
+    </p:tnLst>
+  </p:timing>
 </p:sld>
 </file>
 
@@ -6424,15 +11714,27 @@
             <a:pPr eaLnBrk="1" hangingPunct="1"/>
             <a:r>
               <a:rPr lang="pt-BR" sz="2800" dirty="0" smtClean="0"/>
-              <a:t>Principais exceções</a:t>
+              <a:t>Exceções verificadas</a:t>
             </a:r>
           </a:p>
           <a:p>
             <a:pPr eaLnBrk="1" hangingPunct="1"/>
             <a:r>
               <a:rPr lang="pt-BR" sz="2800" dirty="0" smtClean="0"/>
-              <a:t>Principais métodos de exceções</a:t>
-            </a:r>
+              <a:t>Exceções transferidas</a:t>
+            </a:r>
+          </a:p>
+          <a:p>
+            <a:pPr eaLnBrk="1" hangingPunct="1"/>
+            <a:r>
+              <a:rPr lang="pt-BR" sz="2800" dirty="0" smtClean="0"/>
+              <a:t>Cláusula </a:t>
+            </a:r>
+            <a:r>
+              <a:rPr lang="pt-BR" sz="2800" b="1" dirty="0" err="1" smtClean="0"/>
+              <a:t>throws</a:t>
+            </a:r>
+            <a:endParaRPr lang="pt-BR" sz="2800" b="1" dirty="0" smtClean="0"/>
           </a:p>
         </p:txBody>
       </p:sp>
@@ -6453,14 +11755,7 @@
           <a:p>
             <a:pPr eaLnBrk="1" hangingPunct="1"/>
             <a:r>
-              <a:rPr lang="pt-BR" sz="2800" dirty="0" smtClean="0"/>
-              <a:t>Exceções transferidas</a:t>
-            </a:r>
-          </a:p>
-          <a:p>
-            <a:pPr eaLnBrk="1" hangingPunct="1"/>
-            <a:r>
-              <a:rPr lang="pt-BR" sz="2600" kern="1200" dirty="0" smtClean="0">
+              <a:rPr lang="pt-BR" sz="2800" kern="1200" dirty="0" smtClean="0">
                 <a:solidFill>
                   <a:schemeClr val="tx1"/>
                 </a:solidFill>
@@ -6472,33 +11767,28 @@
             </a:r>
             <a:r>
               <a:rPr lang="pt-BR" sz="2800" b="1" dirty="0" err="1" smtClean="0"/>
-              <a:t>throws</a:t>
+              <a:t>finally</a:t>
             </a:r>
             <a:endParaRPr lang="pt-BR" sz="2800" b="1" dirty="0" smtClean="0"/>
           </a:p>
           <a:p>
             <a:pPr eaLnBrk="1" hangingPunct="1"/>
             <a:r>
-              <a:rPr lang="pt-BR" sz="2600" kern="1200" dirty="0" smtClean="0">
-                <a:solidFill>
-                  <a:schemeClr val="tx1"/>
-                </a:solidFill>
-                <a:latin typeface="+mn-lt"/>
-                <a:ea typeface="+mn-ea"/>
-                <a:cs typeface="+mn-cs"/>
-              </a:rPr>
-              <a:t>Cláusula </a:t>
-            </a:r>
-            <a:r>
-              <a:rPr lang="pt-BR" sz="2800" b="1" dirty="0" err="1" smtClean="0"/>
-              <a:t>finally</a:t>
-            </a:r>
-            <a:endParaRPr lang="pt-BR" sz="2800" b="1" dirty="0" smtClean="0"/>
+              <a:rPr lang="pt-BR" sz="2800" dirty="0" smtClean="0"/>
+              <a:t>Principais exceções</a:t>
+            </a:r>
           </a:p>
           <a:p>
             <a:pPr eaLnBrk="1" hangingPunct="1"/>
             <a:r>
-              <a:rPr lang="pt-BR" sz="2600" kern="1200" dirty="0" smtClean="0">
+              <a:rPr lang="pt-BR" sz="2800" dirty="0" smtClean="0"/>
+              <a:t>Principais métodos de exceções</a:t>
+            </a:r>
+          </a:p>
+          <a:p>
+            <a:pPr eaLnBrk="1" hangingPunct="1"/>
+            <a:r>
+              <a:rPr lang="pt-BR" sz="2800" kern="1200" dirty="0" smtClean="0">
                 <a:solidFill>
                   <a:schemeClr val="tx1"/>
                 </a:solidFill>
@@ -6564,6 +11854,1374 @@
       </p:par>
     </p:tnLst>
   </p:timing>
+</p:sld>
+</file>
+
+<file path=ppt/slides/slide20.xml><?xml version="1.0" encoding="utf-8"?>
+<p:sld xmlns:a="http://schemas.openxmlformats.org/drawingml/2006/main" xmlns:r="http://schemas.openxmlformats.org/officeDocument/2006/relationships" xmlns:p="http://schemas.openxmlformats.org/presentationml/2006/main">
+  <p:cSld>
+    <p:spTree>
+      <p:nvGrpSpPr>
+        <p:cNvPr id="1" name=""/>
+        <p:cNvGrpSpPr/>
+        <p:nvPr/>
+      </p:nvGrpSpPr>
+      <p:grpSpPr>
+        <a:xfrm>
+          <a:off x="0" y="0"/>
+          <a:ext cx="0" cy="0"/>
+          <a:chOff x="0" y="0"/>
+          <a:chExt cx="0" cy="0"/>
+        </a:xfrm>
+      </p:grpSpPr>
+      <p:sp>
+        <p:nvSpPr>
+          <p:cNvPr id="2" name="Título 1"/>
+          <p:cNvSpPr>
+            <a:spLocks noGrp="1"/>
+          </p:cNvSpPr>
+          <p:nvPr>
+            <p:ph type="title"/>
+          </p:nvPr>
+        </p:nvSpPr>
+        <p:spPr/>
+        <p:txBody>
+          <a:bodyPr/>
+          <a:lstStyle/>
+          <a:p>
+            <a:pPr rtl="0" eaLnBrk="1" fontAlgn="base" hangingPunct="1"/>
+            <a:r>
+              <a:rPr lang="pt-BR" sz="4600" kern="1200" dirty="0" smtClean="0">
+                <a:solidFill>
+                  <a:schemeClr val="tx1"/>
+                </a:solidFill>
+                <a:latin typeface="+mj-lt"/>
+                <a:ea typeface="+mj-ea"/>
+                <a:cs typeface="+mj-cs"/>
+              </a:rPr>
+              <a:t>Principais exceções</a:t>
+            </a:r>
+            <a:endParaRPr lang="pt-BR" dirty="0"/>
+          </a:p>
+        </p:txBody>
+      </p:sp>
+      <p:sp>
+        <p:nvSpPr>
+          <p:cNvPr id="6" name="Espaço Reservado para Conteúdo 5"/>
+          <p:cNvSpPr>
+            <a:spLocks noGrp="1"/>
+          </p:cNvSpPr>
+          <p:nvPr>
+            <p:ph idx="1"/>
+          </p:nvPr>
+        </p:nvSpPr>
+        <p:spPr/>
+        <p:txBody>
+          <a:bodyPr/>
+          <a:lstStyle/>
+          <a:p>
+            <a:r>
+              <a:rPr lang="pt-BR" dirty="0" err="1" smtClean="0"/>
+              <a:t>ArithmeticException</a:t>
+            </a:r>
+            <a:endParaRPr lang="pt-BR" dirty="0" smtClean="0"/>
+          </a:p>
+          <a:p>
+            <a:pPr lvl="1">
+              <a:spcBef>
+                <a:spcPts val="1800"/>
+              </a:spcBef>
+            </a:pPr>
+            <a:r>
+              <a:rPr lang="pt-BR" dirty="0" smtClean="0"/>
+              <a:t>Exceção </a:t>
+            </a:r>
+            <a:r>
+              <a:rPr lang="pt-BR" dirty="0" smtClean="0"/>
+              <a:t>não verificada pertencente </a:t>
+            </a:r>
+            <a:r>
+              <a:rPr lang="pt-BR" dirty="0" smtClean="0"/>
+              <a:t>ao pacote </a:t>
+            </a:r>
+            <a:r>
+              <a:rPr lang="pt-BR" b="1" i="1" dirty="0" err="1" smtClean="0"/>
+              <a:t>java</a:t>
+            </a:r>
+            <a:r>
+              <a:rPr lang="pt-BR" b="1" i="1" dirty="0" smtClean="0"/>
+              <a:t>.</a:t>
+            </a:r>
+            <a:r>
+              <a:rPr lang="pt-BR" b="1" i="1" dirty="0" err="1" smtClean="0"/>
+              <a:t>lang</a:t>
+            </a:r>
+            <a:endParaRPr lang="pt-BR" dirty="0" smtClean="0"/>
+          </a:p>
+          <a:p>
+            <a:pPr lvl="1">
+              <a:spcBef>
+                <a:spcPts val="1800"/>
+              </a:spcBef>
+            </a:pPr>
+            <a:r>
+              <a:rPr lang="pt-BR" dirty="0" smtClean="0"/>
+              <a:t>Ocorre </a:t>
+            </a:r>
+            <a:r>
+              <a:rPr lang="pt-BR" dirty="0" smtClean="0"/>
+              <a:t>em operações aritméticas com inteiros que possuem resultado inválido</a:t>
+            </a:r>
+            <a:endParaRPr lang="pt-BR" dirty="0" smtClean="0"/>
+          </a:p>
+          <a:p>
+            <a:pPr marL="720725" lvl="1" indent="6350">
+              <a:spcBef>
+                <a:spcPts val="0"/>
+              </a:spcBef>
+              <a:buNone/>
+            </a:pPr>
+            <a:endParaRPr lang="pt-BR" dirty="0" smtClean="0">
+              <a:solidFill>
+                <a:srgbClr val="FFC000"/>
+              </a:solidFill>
+            </a:endParaRPr>
+          </a:p>
+          <a:p>
+            <a:pPr marL="720725" lvl="1" indent="6350">
+              <a:spcBef>
+                <a:spcPts val="0"/>
+              </a:spcBef>
+              <a:buNone/>
+            </a:pPr>
+            <a:r>
+              <a:rPr lang="pt-BR" dirty="0" err="1" smtClean="0">
+                <a:solidFill>
+                  <a:srgbClr val="FFC000"/>
+                </a:solidFill>
+              </a:rPr>
+              <a:t>int</a:t>
+            </a:r>
+            <a:r>
+              <a:rPr lang="pt-BR" dirty="0" smtClean="0">
+                <a:solidFill>
+                  <a:srgbClr val="FFC000"/>
+                </a:solidFill>
+              </a:rPr>
+              <a:t> </a:t>
+            </a:r>
+            <a:r>
+              <a:rPr lang="pt-BR" dirty="0" err="1" smtClean="0">
+                <a:solidFill>
+                  <a:srgbClr val="FFC000"/>
+                </a:solidFill>
+              </a:rPr>
+              <a:t>valorTotal</a:t>
+            </a:r>
+            <a:r>
+              <a:rPr lang="pt-BR" dirty="0" smtClean="0">
+                <a:solidFill>
+                  <a:srgbClr val="FFC000"/>
+                </a:solidFill>
+              </a:rPr>
+              <a:t> = 25;</a:t>
+            </a:r>
+          </a:p>
+          <a:p>
+            <a:pPr marL="720725" lvl="1" indent="6350">
+              <a:spcBef>
+                <a:spcPts val="0"/>
+              </a:spcBef>
+              <a:buNone/>
+            </a:pPr>
+            <a:r>
+              <a:rPr lang="pt-BR" dirty="0" err="1" smtClean="0">
+                <a:solidFill>
+                  <a:srgbClr val="FFC000"/>
+                </a:solidFill>
+              </a:rPr>
+              <a:t>int</a:t>
+            </a:r>
+            <a:r>
+              <a:rPr lang="pt-BR" dirty="0" smtClean="0">
+                <a:solidFill>
+                  <a:srgbClr val="FFC000"/>
+                </a:solidFill>
+              </a:rPr>
+              <a:t> </a:t>
+            </a:r>
+            <a:r>
+              <a:rPr lang="pt-BR" dirty="0" err="1" smtClean="0">
+                <a:solidFill>
+                  <a:srgbClr val="FFC000"/>
+                </a:solidFill>
+              </a:rPr>
+              <a:t>quantidadePessoas</a:t>
+            </a:r>
+            <a:r>
+              <a:rPr lang="pt-BR" dirty="0" smtClean="0">
+                <a:solidFill>
+                  <a:srgbClr val="FFC000"/>
+                </a:solidFill>
+              </a:rPr>
+              <a:t> = 0;</a:t>
+            </a:r>
+            <a:endParaRPr lang="pt-BR" dirty="0" smtClean="0">
+              <a:solidFill>
+                <a:srgbClr val="FFC000"/>
+              </a:solidFill>
+            </a:endParaRPr>
+          </a:p>
+          <a:p>
+            <a:pPr marL="720725" lvl="1" indent="6350">
+              <a:spcBef>
+                <a:spcPts val="0"/>
+              </a:spcBef>
+              <a:buNone/>
+            </a:pPr>
+            <a:r>
+              <a:rPr lang="pt-BR" dirty="0" err="1" smtClean="0">
+                <a:solidFill>
+                  <a:srgbClr val="FFC000"/>
+                </a:solidFill>
+              </a:rPr>
+              <a:t>int</a:t>
+            </a:r>
+            <a:r>
+              <a:rPr lang="pt-BR" dirty="0" smtClean="0">
+                <a:solidFill>
+                  <a:srgbClr val="FFC000"/>
+                </a:solidFill>
+              </a:rPr>
+              <a:t> rateio = </a:t>
+            </a:r>
+            <a:r>
+              <a:rPr lang="pt-BR" dirty="0" err="1" smtClean="0">
+                <a:solidFill>
+                  <a:srgbClr val="FFC000"/>
+                </a:solidFill>
+              </a:rPr>
+              <a:t>valorTotal</a:t>
+            </a:r>
+            <a:r>
+              <a:rPr lang="pt-BR" dirty="0" smtClean="0">
+                <a:solidFill>
+                  <a:srgbClr val="FFC000"/>
+                </a:solidFill>
+              </a:rPr>
+              <a:t> / </a:t>
+            </a:r>
+            <a:r>
+              <a:rPr lang="pt-BR" dirty="0" err="1" smtClean="0">
+                <a:solidFill>
+                  <a:srgbClr val="FFC000"/>
+                </a:solidFill>
+              </a:rPr>
+              <a:t>quantidadePessoas</a:t>
+            </a:r>
+            <a:r>
+              <a:rPr lang="pt-BR" dirty="0" smtClean="0">
+                <a:solidFill>
+                  <a:srgbClr val="FFC000"/>
+                </a:solidFill>
+              </a:rPr>
+              <a:t>;</a:t>
+            </a:r>
+            <a:endParaRPr lang="pt-BR" dirty="0" smtClean="0">
+              <a:solidFill>
+                <a:srgbClr val="FFC000"/>
+              </a:solidFill>
+            </a:endParaRPr>
+          </a:p>
+        </p:txBody>
+      </p:sp>
+      <p:sp>
+        <p:nvSpPr>
+          <p:cNvPr id="5" name="Espaço Reservado para Número de Slide 4"/>
+          <p:cNvSpPr>
+            <a:spLocks noGrp="1"/>
+          </p:cNvSpPr>
+          <p:nvPr>
+            <p:ph type="sldNum" sz="quarter" idx="12"/>
+          </p:nvPr>
+        </p:nvSpPr>
+        <p:spPr/>
+        <p:txBody>
+          <a:bodyPr/>
+          <a:lstStyle/>
+          <a:p>
+            <a:pPr>
+              <a:defRPr/>
+            </a:pPr>
+            <a:fld id="{DAB16DC1-F000-4B90-9425-1E014EE80EC3}" type="slidenum">
+              <a:rPr lang="pt-BR" smtClean="0"/>
+              <a:pPr>
+                <a:defRPr/>
+              </a:pPr>
+              <a:t>20</a:t>
+            </a:fld>
+            <a:endParaRPr lang="pt-BR"/>
+          </a:p>
+        </p:txBody>
+      </p:sp>
+    </p:spTree>
+  </p:cSld>
+  <p:clrMapOvr>
+    <a:masterClrMapping/>
+  </p:clrMapOvr>
+  <p:timing>
+    <p:tnLst>
+      <p:par>
+        <p:cTn id="1" dur="indefinite" restart="never" nodeType="tmRoot"/>
+      </p:par>
+    </p:tnLst>
+  </p:timing>
+</p:sld>
+</file>
+
+<file path=ppt/slides/slide21.xml><?xml version="1.0" encoding="utf-8"?>
+<p:sld xmlns:a="http://schemas.openxmlformats.org/drawingml/2006/main" xmlns:r="http://schemas.openxmlformats.org/officeDocument/2006/relationships" xmlns:p="http://schemas.openxmlformats.org/presentationml/2006/main">
+  <p:cSld>
+    <p:spTree>
+      <p:nvGrpSpPr>
+        <p:cNvPr id="1" name=""/>
+        <p:cNvGrpSpPr/>
+        <p:nvPr/>
+      </p:nvGrpSpPr>
+      <p:grpSpPr>
+        <a:xfrm>
+          <a:off x="0" y="0"/>
+          <a:ext cx="0" cy="0"/>
+          <a:chOff x="0" y="0"/>
+          <a:chExt cx="0" cy="0"/>
+        </a:xfrm>
+      </p:grpSpPr>
+      <p:sp>
+        <p:nvSpPr>
+          <p:cNvPr id="2" name="Título 1"/>
+          <p:cNvSpPr>
+            <a:spLocks noGrp="1"/>
+          </p:cNvSpPr>
+          <p:nvPr>
+            <p:ph type="title"/>
+          </p:nvPr>
+        </p:nvSpPr>
+        <p:spPr/>
+        <p:txBody>
+          <a:bodyPr/>
+          <a:lstStyle/>
+          <a:p>
+            <a:pPr rtl="0" eaLnBrk="1" fontAlgn="base" hangingPunct="1"/>
+            <a:r>
+              <a:rPr lang="pt-BR" sz="4600" kern="1200" dirty="0" smtClean="0">
+                <a:solidFill>
+                  <a:schemeClr val="tx1"/>
+                </a:solidFill>
+                <a:latin typeface="+mj-lt"/>
+                <a:ea typeface="+mj-ea"/>
+                <a:cs typeface="+mj-cs"/>
+              </a:rPr>
+              <a:t>Principais exceções</a:t>
+            </a:r>
+            <a:endParaRPr lang="pt-BR" dirty="0"/>
+          </a:p>
+        </p:txBody>
+      </p:sp>
+      <p:sp>
+        <p:nvSpPr>
+          <p:cNvPr id="6" name="Espaço Reservado para Conteúdo 5"/>
+          <p:cNvSpPr>
+            <a:spLocks noGrp="1"/>
+          </p:cNvSpPr>
+          <p:nvPr>
+            <p:ph idx="1"/>
+          </p:nvPr>
+        </p:nvSpPr>
+        <p:spPr/>
+        <p:txBody>
+          <a:bodyPr/>
+          <a:lstStyle/>
+          <a:p>
+            <a:r>
+              <a:rPr lang="pt-BR" dirty="0" err="1" smtClean="0"/>
+              <a:t>ClassCastException</a:t>
+            </a:r>
+            <a:endParaRPr lang="pt-BR" dirty="0" smtClean="0"/>
+          </a:p>
+          <a:p>
+            <a:pPr lvl="1">
+              <a:spcBef>
+                <a:spcPts val="1800"/>
+              </a:spcBef>
+            </a:pPr>
+            <a:r>
+              <a:rPr lang="pt-BR" dirty="0" smtClean="0"/>
+              <a:t>Exceção </a:t>
+            </a:r>
+            <a:r>
+              <a:rPr lang="pt-BR" dirty="0" smtClean="0"/>
+              <a:t>não verificada pertencente </a:t>
+            </a:r>
+            <a:r>
+              <a:rPr lang="pt-BR" dirty="0" smtClean="0"/>
+              <a:t>ao pacote </a:t>
+            </a:r>
+            <a:r>
+              <a:rPr lang="pt-BR" b="1" i="1" dirty="0" err="1" smtClean="0"/>
+              <a:t>java</a:t>
+            </a:r>
+            <a:r>
+              <a:rPr lang="pt-BR" b="1" i="1" dirty="0" smtClean="0"/>
+              <a:t>.</a:t>
+            </a:r>
+            <a:r>
+              <a:rPr lang="pt-BR" b="1" i="1" dirty="0" err="1" smtClean="0"/>
+              <a:t>lang</a:t>
+            </a:r>
+            <a:endParaRPr lang="pt-BR" dirty="0" smtClean="0"/>
+          </a:p>
+          <a:p>
+            <a:pPr lvl="1">
+              <a:spcBef>
+                <a:spcPts val="1800"/>
+              </a:spcBef>
+            </a:pPr>
+            <a:r>
+              <a:rPr lang="pt-BR" dirty="0" smtClean="0"/>
+              <a:t>Ocorre </a:t>
+            </a:r>
+            <a:r>
+              <a:rPr lang="pt-BR" dirty="0" smtClean="0"/>
+              <a:t>ao tentar realizar o </a:t>
+            </a:r>
+            <a:r>
+              <a:rPr lang="pt-BR" i="1" dirty="0" err="1" smtClean="0"/>
+              <a:t>cast</a:t>
+            </a:r>
+            <a:r>
+              <a:rPr lang="pt-BR" dirty="0" smtClean="0"/>
+              <a:t> (</a:t>
+            </a:r>
+            <a:r>
+              <a:rPr lang="pt-BR" dirty="0" err="1" smtClean="0"/>
+              <a:t>tipagem</a:t>
+            </a:r>
+            <a:r>
+              <a:rPr lang="pt-BR" dirty="0" smtClean="0"/>
+              <a:t>) para um tipo incompatível com o objeto</a:t>
+            </a:r>
+            <a:endParaRPr lang="pt-BR" dirty="0" smtClean="0"/>
+          </a:p>
+          <a:p>
+            <a:pPr marL="720725" lvl="1" indent="6350">
+              <a:spcBef>
+                <a:spcPts val="0"/>
+              </a:spcBef>
+              <a:buNone/>
+            </a:pPr>
+            <a:endParaRPr lang="pt-BR" dirty="0" smtClean="0">
+              <a:solidFill>
+                <a:srgbClr val="FFC000"/>
+              </a:solidFill>
+            </a:endParaRPr>
+          </a:p>
+          <a:p>
+            <a:pPr marL="720725" lvl="1" indent="6350">
+              <a:spcBef>
+                <a:spcPts val="0"/>
+              </a:spcBef>
+              <a:buNone/>
+            </a:pPr>
+            <a:endParaRPr lang="pt-BR" dirty="0" smtClean="0">
+              <a:solidFill>
+                <a:srgbClr val="FFC000"/>
+              </a:solidFill>
+            </a:endParaRPr>
+          </a:p>
+          <a:p>
+            <a:pPr marL="720725" lvl="1" indent="6350">
+              <a:spcBef>
+                <a:spcPts val="0"/>
+              </a:spcBef>
+              <a:buNone/>
+            </a:pPr>
+            <a:r>
+              <a:rPr lang="pt-BR" dirty="0" smtClean="0">
+                <a:solidFill>
+                  <a:srgbClr val="FFC000"/>
+                </a:solidFill>
+              </a:rPr>
+              <a:t>Cliente c = </a:t>
+            </a:r>
+            <a:r>
+              <a:rPr lang="pt-BR" dirty="0" err="1" smtClean="0">
+                <a:solidFill>
+                  <a:srgbClr val="FFC000"/>
+                </a:solidFill>
+              </a:rPr>
+              <a:t>new</a:t>
+            </a:r>
+            <a:r>
+              <a:rPr lang="pt-BR" dirty="0" smtClean="0">
+                <a:solidFill>
+                  <a:srgbClr val="FFC000"/>
+                </a:solidFill>
+              </a:rPr>
+              <a:t> </a:t>
+            </a:r>
+            <a:r>
+              <a:rPr lang="pt-BR" dirty="0" err="1" smtClean="0">
+                <a:solidFill>
+                  <a:srgbClr val="FFC000"/>
+                </a:solidFill>
+              </a:rPr>
+              <a:t>PessoaFisica</a:t>
+            </a:r>
+            <a:r>
+              <a:rPr lang="pt-BR" dirty="0" smtClean="0">
+                <a:solidFill>
+                  <a:srgbClr val="FFC000"/>
+                </a:solidFill>
+              </a:rPr>
+              <a:t>();</a:t>
+            </a:r>
+          </a:p>
+          <a:p>
+            <a:pPr marL="720725" lvl="1" indent="6350">
+              <a:spcBef>
+                <a:spcPts val="0"/>
+              </a:spcBef>
+              <a:buNone/>
+            </a:pPr>
+            <a:r>
+              <a:rPr lang="pt-BR" dirty="0" err="1" smtClean="0">
+                <a:solidFill>
+                  <a:srgbClr val="FFC000"/>
+                </a:solidFill>
+              </a:rPr>
+              <a:t>Funcionario</a:t>
+            </a:r>
+            <a:r>
+              <a:rPr lang="pt-BR" dirty="0" smtClean="0">
+                <a:solidFill>
+                  <a:srgbClr val="FFC000"/>
+                </a:solidFill>
+              </a:rPr>
+              <a:t> f = (</a:t>
+            </a:r>
+            <a:r>
+              <a:rPr lang="pt-BR" dirty="0" err="1" smtClean="0">
+                <a:solidFill>
+                  <a:srgbClr val="FFC000"/>
+                </a:solidFill>
+              </a:rPr>
+              <a:t>Funcionario</a:t>
+            </a:r>
+            <a:r>
+              <a:rPr lang="pt-BR" dirty="0" smtClean="0">
+                <a:solidFill>
+                  <a:srgbClr val="FFC000"/>
+                </a:solidFill>
+              </a:rPr>
+              <a:t>) c;</a:t>
+            </a:r>
+            <a:endParaRPr lang="pt-BR" dirty="0" smtClean="0">
+              <a:solidFill>
+                <a:srgbClr val="FFC000"/>
+              </a:solidFill>
+            </a:endParaRPr>
+          </a:p>
+        </p:txBody>
+      </p:sp>
+      <p:sp>
+        <p:nvSpPr>
+          <p:cNvPr id="5" name="Espaço Reservado para Número de Slide 4"/>
+          <p:cNvSpPr>
+            <a:spLocks noGrp="1"/>
+          </p:cNvSpPr>
+          <p:nvPr>
+            <p:ph type="sldNum" sz="quarter" idx="12"/>
+          </p:nvPr>
+        </p:nvSpPr>
+        <p:spPr/>
+        <p:txBody>
+          <a:bodyPr/>
+          <a:lstStyle/>
+          <a:p>
+            <a:pPr>
+              <a:defRPr/>
+            </a:pPr>
+            <a:fld id="{DAB16DC1-F000-4B90-9425-1E014EE80EC3}" type="slidenum">
+              <a:rPr lang="pt-BR" smtClean="0"/>
+              <a:pPr>
+                <a:defRPr/>
+              </a:pPr>
+              <a:t>21</a:t>
+            </a:fld>
+            <a:endParaRPr lang="pt-BR"/>
+          </a:p>
+        </p:txBody>
+      </p:sp>
+    </p:spTree>
+  </p:cSld>
+  <p:clrMapOvr>
+    <a:masterClrMapping/>
+  </p:clrMapOvr>
+  <p:timing>
+    <p:tnLst>
+      <p:par>
+        <p:cTn id="1" dur="indefinite" restart="never" nodeType="tmRoot"/>
+      </p:par>
+    </p:tnLst>
+  </p:timing>
+</p:sld>
+</file>
+
+<file path=ppt/slides/slide22.xml><?xml version="1.0" encoding="utf-8"?>
+<p:sld xmlns:a="http://schemas.openxmlformats.org/drawingml/2006/main" xmlns:r="http://schemas.openxmlformats.org/officeDocument/2006/relationships" xmlns:p="http://schemas.openxmlformats.org/presentationml/2006/main">
+  <p:cSld>
+    <p:spTree>
+      <p:nvGrpSpPr>
+        <p:cNvPr id="1" name=""/>
+        <p:cNvGrpSpPr/>
+        <p:nvPr/>
+      </p:nvGrpSpPr>
+      <p:grpSpPr>
+        <a:xfrm>
+          <a:off x="0" y="0"/>
+          <a:ext cx="0" cy="0"/>
+          <a:chOff x="0" y="0"/>
+          <a:chExt cx="0" cy="0"/>
+        </a:xfrm>
+      </p:grpSpPr>
+      <p:sp>
+        <p:nvSpPr>
+          <p:cNvPr id="2" name="Título 1"/>
+          <p:cNvSpPr>
+            <a:spLocks noGrp="1"/>
+          </p:cNvSpPr>
+          <p:nvPr>
+            <p:ph type="title"/>
+          </p:nvPr>
+        </p:nvSpPr>
+        <p:spPr/>
+        <p:txBody>
+          <a:bodyPr/>
+          <a:lstStyle/>
+          <a:p>
+            <a:pPr rtl="0" eaLnBrk="1" fontAlgn="base" hangingPunct="1"/>
+            <a:r>
+              <a:rPr lang="pt-BR" sz="4600" kern="1200" dirty="0" smtClean="0">
+                <a:solidFill>
+                  <a:schemeClr val="tx1"/>
+                </a:solidFill>
+                <a:latin typeface="+mj-lt"/>
+                <a:ea typeface="+mj-ea"/>
+                <a:cs typeface="+mj-cs"/>
+              </a:rPr>
+              <a:t>Principais exceções</a:t>
+            </a:r>
+            <a:endParaRPr lang="pt-BR" dirty="0"/>
+          </a:p>
+        </p:txBody>
+      </p:sp>
+      <p:sp>
+        <p:nvSpPr>
+          <p:cNvPr id="6" name="Espaço Reservado para Conteúdo 5"/>
+          <p:cNvSpPr>
+            <a:spLocks noGrp="1"/>
+          </p:cNvSpPr>
+          <p:nvPr>
+            <p:ph idx="1"/>
+          </p:nvPr>
+        </p:nvSpPr>
+        <p:spPr/>
+        <p:txBody>
+          <a:bodyPr/>
+          <a:lstStyle/>
+          <a:p>
+            <a:r>
+              <a:rPr lang="pt-BR" dirty="0" err="1" smtClean="0"/>
+              <a:t>IOException</a:t>
+            </a:r>
+            <a:endParaRPr lang="pt-BR" dirty="0" smtClean="0"/>
+          </a:p>
+          <a:p>
+            <a:pPr lvl="1">
+              <a:spcBef>
+                <a:spcPts val="1800"/>
+              </a:spcBef>
+            </a:pPr>
+            <a:r>
+              <a:rPr lang="pt-BR" sz="2000" dirty="0" smtClean="0"/>
+              <a:t>Exceção </a:t>
+            </a:r>
+            <a:r>
+              <a:rPr lang="pt-BR" sz="2000" u="sng" dirty="0" smtClean="0"/>
+              <a:t>verificada</a:t>
+            </a:r>
+            <a:r>
+              <a:rPr lang="pt-BR" sz="2000" dirty="0" smtClean="0"/>
+              <a:t> </a:t>
+            </a:r>
+            <a:r>
+              <a:rPr lang="pt-BR" sz="2000" dirty="0" smtClean="0"/>
+              <a:t>pertencente </a:t>
+            </a:r>
+            <a:r>
+              <a:rPr lang="pt-BR" sz="2000" dirty="0" smtClean="0"/>
+              <a:t>ao pacote </a:t>
+            </a:r>
+            <a:r>
+              <a:rPr lang="pt-BR" sz="2000" b="1" i="1" dirty="0" err="1" smtClean="0"/>
+              <a:t>java</a:t>
+            </a:r>
+            <a:r>
+              <a:rPr lang="pt-BR" sz="2000" b="1" i="1" dirty="0" smtClean="0"/>
+              <a:t>.</a:t>
+            </a:r>
+            <a:r>
+              <a:rPr lang="pt-BR" sz="2000" b="1" i="1" dirty="0" err="1" smtClean="0"/>
+              <a:t>io</a:t>
+            </a:r>
+            <a:r>
+              <a:rPr lang="pt-BR" sz="2000" dirty="0" smtClean="0"/>
+              <a:t> (será visto no capítulo 10)</a:t>
+            </a:r>
+            <a:endParaRPr lang="pt-BR" sz="2000" dirty="0" smtClean="0"/>
+          </a:p>
+          <a:p>
+            <a:pPr lvl="1">
+              <a:spcBef>
+                <a:spcPts val="1800"/>
+              </a:spcBef>
+            </a:pPr>
+            <a:r>
+              <a:rPr lang="pt-BR" sz="2000" dirty="0" smtClean="0"/>
+              <a:t>Ocorre </a:t>
+            </a:r>
+            <a:r>
+              <a:rPr lang="pt-BR" sz="2000" dirty="0" smtClean="0"/>
+              <a:t>em</a:t>
+            </a:r>
+            <a:r>
+              <a:rPr lang="pt-BR" sz="2000" dirty="0" smtClean="0"/>
+              <a:t> operações de input/output, como leitura de arquivos, comunicação por rede que não são realizados com sucesso.</a:t>
+            </a:r>
+          </a:p>
+          <a:p>
+            <a:pPr lvl="1">
+              <a:spcBef>
+                <a:spcPts val="1800"/>
+              </a:spcBef>
+            </a:pPr>
+            <a:r>
+              <a:rPr lang="pt-BR" sz="2000" dirty="0" smtClean="0"/>
+              <a:t>Possui diversas classes filhas que representam subtipos de problemas do gênero I/O</a:t>
+            </a:r>
+            <a:endParaRPr lang="pt-BR" sz="2000" dirty="0" smtClean="0"/>
+          </a:p>
+          <a:p>
+            <a:pPr marL="720725" lvl="1" indent="6350">
+              <a:spcBef>
+                <a:spcPts val="0"/>
+              </a:spcBef>
+              <a:buNone/>
+            </a:pPr>
+            <a:endParaRPr lang="pt-BR" dirty="0" smtClean="0">
+              <a:solidFill>
+                <a:srgbClr val="FFC000"/>
+              </a:solidFill>
+            </a:endParaRPr>
+          </a:p>
+          <a:p>
+            <a:pPr marL="720725" lvl="1" indent="6350">
+              <a:spcBef>
+                <a:spcPts val="0"/>
+              </a:spcBef>
+              <a:buNone/>
+            </a:pPr>
+            <a:r>
+              <a:rPr lang="pt-BR" dirty="0" err="1" smtClean="0">
+                <a:solidFill>
+                  <a:srgbClr val="FFC000"/>
+                </a:solidFill>
+              </a:rPr>
+              <a:t>FileReader</a:t>
+            </a:r>
+            <a:r>
+              <a:rPr lang="pt-BR" dirty="0" smtClean="0">
+                <a:solidFill>
+                  <a:srgbClr val="FFC000"/>
+                </a:solidFill>
+              </a:rPr>
+              <a:t> </a:t>
+            </a:r>
+            <a:r>
+              <a:rPr lang="pt-BR" dirty="0" err="1" smtClean="0">
+                <a:solidFill>
+                  <a:srgbClr val="FFC000"/>
+                </a:solidFill>
+              </a:rPr>
+              <a:t>doc</a:t>
+            </a:r>
+            <a:r>
+              <a:rPr lang="pt-BR" dirty="0" smtClean="0">
+                <a:solidFill>
+                  <a:srgbClr val="FFC000"/>
+                </a:solidFill>
+              </a:rPr>
+              <a:t>;</a:t>
+            </a:r>
+          </a:p>
+          <a:p>
+            <a:pPr marL="720725" lvl="1" indent="6350">
+              <a:spcBef>
+                <a:spcPts val="0"/>
+              </a:spcBef>
+              <a:buNone/>
+            </a:pPr>
+            <a:r>
+              <a:rPr lang="pt-BR" dirty="0" err="1" smtClean="0">
+                <a:solidFill>
+                  <a:srgbClr val="FFC000"/>
+                </a:solidFill>
+              </a:rPr>
+              <a:t>doc</a:t>
+            </a:r>
+            <a:r>
+              <a:rPr lang="pt-BR" dirty="0" smtClean="0">
+                <a:solidFill>
+                  <a:srgbClr val="FFC000"/>
+                </a:solidFill>
+              </a:rPr>
+              <a:t> = </a:t>
+            </a:r>
+            <a:r>
+              <a:rPr lang="pt-BR" dirty="0" err="1" smtClean="0">
+                <a:solidFill>
+                  <a:srgbClr val="FFC000"/>
+                </a:solidFill>
+              </a:rPr>
+              <a:t>new</a:t>
+            </a:r>
+            <a:r>
+              <a:rPr lang="pt-BR" dirty="0" smtClean="0">
+                <a:solidFill>
+                  <a:srgbClr val="FFC000"/>
+                </a:solidFill>
+              </a:rPr>
+              <a:t> </a:t>
+            </a:r>
+            <a:r>
+              <a:rPr lang="pt-BR" dirty="0" err="1" smtClean="0">
+                <a:solidFill>
+                  <a:srgbClr val="FFC000"/>
+                </a:solidFill>
+              </a:rPr>
+              <a:t>FileReader</a:t>
+            </a:r>
+            <a:r>
+              <a:rPr lang="pt-BR" dirty="0" smtClean="0">
+                <a:solidFill>
+                  <a:srgbClr val="FFC000"/>
+                </a:solidFill>
+              </a:rPr>
+              <a:t>(“C:\\carta.txt”);</a:t>
+            </a:r>
+          </a:p>
+        </p:txBody>
+      </p:sp>
+      <p:sp>
+        <p:nvSpPr>
+          <p:cNvPr id="5" name="Espaço Reservado para Número de Slide 4"/>
+          <p:cNvSpPr>
+            <a:spLocks noGrp="1"/>
+          </p:cNvSpPr>
+          <p:nvPr>
+            <p:ph type="sldNum" sz="quarter" idx="12"/>
+          </p:nvPr>
+        </p:nvSpPr>
+        <p:spPr/>
+        <p:txBody>
+          <a:bodyPr/>
+          <a:lstStyle/>
+          <a:p>
+            <a:pPr>
+              <a:defRPr/>
+            </a:pPr>
+            <a:fld id="{DAB16DC1-F000-4B90-9425-1E014EE80EC3}" type="slidenum">
+              <a:rPr lang="pt-BR" smtClean="0"/>
+              <a:pPr>
+                <a:defRPr/>
+              </a:pPr>
+              <a:t>22</a:t>
+            </a:fld>
+            <a:endParaRPr lang="pt-BR"/>
+          </a:p>
+        </p:txBody>
+      </p:sp>
+    </p:spTree>
+  </p:cSld>
+  <p:clrMapOvr>
+    <a:masterClrMapping/>
+  </p:clrMapOvr>
+  <p:timing>
+    <p:tnLst>
+      <p:par>
+        <p:cTn id="1" dur="indefinite" restart="never" nodeType="tmRoot"/>
+      </p:par>
+    </p:tnLst>
+  </p:timing>
+</p:sld>
+</file>
+
+<file path=ppt/slides/slide23.xml><?xml version="1.0" encoding="utf-8"?>
+<p:sld xmlns:a="http://schemas.openxmlformats.org/drawingml/2006/main" xmlns:r="http://schemas.openxmlformats.org/officeDocument/2006/relationships" xmlns:p="http://schemas.openxmlformats.org/presentationml/2006/main">
+  <p:cSld>
+    <p:spTree>
+      <p:nvGrpSpPr>
+        <p:cNvPr id="1" name=""/>
+        <p:cNvGrpSpPr/>
+        <p:nvPr/>
+      </p:nvGrpSpPr>
+      <p:grpSpPr>
+        <a:xfrm>
+          <a:off x="0" y="0"/>
+          <a:ext cx="0" cy="0"/>
+          <a:chOff x="0" y="0"/>
+          <a:chExt cx="0" cy="0"/>
+        </a:xfrm>
+      </p:grpSpPr>
+      <p:sp>
+        <p:nvSpPr>
+          <p:cNvPr id="2" name="Título 1"/>
+          <p:cNvSpPr>
+            <a:spLocks noGrp="1"/>
+          </p:cNvSpPr>
+          <p:nvPr>
+            <p:ph type="title"/>
+          </p:nvPr>
+        </p:nvSpPr>
+        <p:spPr/>
+        <p:txBody>
+          <a:bodyPr/>
+          <a:lstStyle/>
+          <a:p>
+            <a:pPr rtl="0" eaLnBrk="1" fontAlgn="base" hangingPunct="1"/>
+            <a:r>
+              <a:rPr lang="pt-BR" sz="4600" kern="1200" dirty="0" smtClean="0">
+                <a:solidFill>
+                  <a:schemeClr val="tx1"/>
+                </a:solidFill>
+                <a:latin typeface="+mj-lt"/>
+                <a:ea typeface="+mj-ea"/>
+                <a:cs typeface="+mj-cs"/>
+              </a:rPr>
+              <a:t>Principais exceções</a:t>
+            </a:r>
+            <a:endParaRPr lang="pt-BR" dirty="0"/>
+          </a:p>
+        </p:txBody>
+      </p:sp>
+      <p:sp>
+        <p:nvSpPr>
+          <p:cNvPr id="6" name="Espaço Reservado para Conteúdo 5"/>
+          <p:cNvSpPr>
+            <a:spLocks noGrp="1"/>
+          </p:cNvSpPr>
+          <p:nvPr>
+            <p:ph idx="1"/>
+          </p:nvPr>
+        </p:nvSpPr>
+        <p:spPr/>
+        <p:txBody>
+          <a:bodyPr/>
+          <a:lstStyle/>
+          <a:p>
+            <a:r>
+              <a:rPr lang="pt-BR" dirty="0" err="1" smtClean="0"/>
+              <a:t>SQLException</a:t>
+            </a:r>
+            <a:endParaRPr lang="pt-BR" dirty="0"/>
+          </a:p>
+        </p:txBody>
+      </p:sp>
+      <p:sp>
+        <p:nvSpPr>
+          <p:cNvPr id="5" name="Espaço Reservado para Número de Slide 4"/>
+          <p:cNvSpPr>
+            <a:spLocks noGrp="1"/>
+          </p:cNvSpPr>
+          <p:nvPr>
+            <p:ph type="sldNum" sz="quarter" idx="12"/>
+          </p:nvPr>
+        </p:nvSpPr>
+        <p:spPr/>
+        <p:txBody>
+          <a:bodyPr/>
+          <a:lstStyle/>
+          <a:p>
+            <a:pPr>
+              <a:defRPr/>
+            </a:pPr>
+            <a:fld id="{DAB16DC1-F000-4B90-9425-1E014EE80EC3}" type="slidenum">
+              <a:rPr lang="pt-BR" smtClean="0"/>
+              <a:pPr>
+                <a:defRPr/>
+              </a:pPr>
+              <a:t>23</a:t>
+            </a:fld>
+            <a:endParaRPr lang="pt-BR"/>
+          </a:p>
+        </p:txBody>
+      </p:sp>
+    </p:spTree>
+  </p:cSld>
+  <p:clrMapOvr>
+    <a:masterClrMapping/>
+  </p:clrMapOvr>
+  <p:timing>
+    <p:tnLst>
+      <p:par>
+        <p:cTn id="1" dur="indefinite" restart="never" nodeType="tmRoot"/>
+      </p:par>
+    </p:tnLst>
+  </p:timing>
+</p:sld>
+</file>
+
+<file path=ppt/slides/slide24.xml><?xml version="1.0" encoding="utf-8"?>
+<p:sld xmlns:a="http://schemas.openxmlformats.org/drawingml/2006/main" xmlns:r="http://schemas.openxmlformats.org/officeDocument/2006/relationships" xmlns:p="http://schemas.openxmlformats.org/presentationml/2006/main">
+  <p:cSld>
+    <p:spTree>
+      <p:nvGrpSpPr>
+        <p:cNvPr id="1" name=""/>
+        <p:cNvGrpSpPr/>
+        <p:nvPr/>
+      </p:nvGrpSpPr>
+      <p:grpSpPr>
+        <a:xfrm>
+          <a:off x="0" y="0"/>
+          <a:ext cx="0" cy="0"/>
+          <a:chOff x="0" y="0"/>
+          <a:chExt cx="0" cy="0"/>
+        </a:xfrm>
+      </p:grpSpPr>
+      <p:sp>
+        <p:nvSpPr>
+          <p:cNvPr id="2" name="Título 1"/>
+          <p:cNvSpPr>
+            <a:spLocks noGrp="1"/>
+          </p:cNvSpPr>
+          <p:nvPr>
+            <p:ph type="title"/>
+          </p:nvPr>
+        </p:nvSpPr>
+        <p:spPr>
+          <a:xfrm>
+            <a:off x="457200" y="274638"/>
+            <a:ext cx="8003232" cy="1143000"/>
+          </a:xfrm>
+        </p:spPr>
+        <p:txBody>
+          <a:bodyPr/>
+          <a:lstStyle/>
+          <a:p>
+            <a:pPr rtl="0" eaLnBrk="1" fontAlgn="base" hangingPunct="1"/>
+            <a:r>
+              <a:rPr lang="pt-BR" sz="4600" kern="1200" dirty="0" smtClean="0">
+                <a:solidFill>
+                  <a:schemeClr val="tx1"/>
+                </a:solidFill>
+                <a:latin typeface="+mj-lt"/>
+                <a:ea typeface="+mj-ea"/>
+                <a:cs typeface="+mj-cs"/>
+              </a:rPr>
+              <a:t>Principais métodos de exceções</a:t>
+            </a:r>
+            <a:endParaRPr lang="pt-BR" dirty="0"/>
+          </a:p>
+        </p:txBody>
+      </p:sp>
+      <p:sp>
+        <p:nvSpPr>
+          <p:cNvPr id="6" name="Espaço Reservado para Conteúdo 5"/>
+          <p:cNvSpPr>
+            <a:spLocks noGrp="1"/>
+          </p:cNvSpPr>
+          <p:nvPr>
+            <p:ph idx="1"/>
+          </p:nvPr>
+        </p:nvSpPr>
+        <p:spPr/>
+        <p:txBody>
+          <a:bodyPr/>
+          <a:lstStyle/>
+          <a:p>
+            <a:endParaRPr lang="pt-BR"/>
+          </a:p>
+        </p:txBody>
+      </p:sp>
+      <p:sp>
+        <p:nvSpPr>
+          <p:cNvPr id="5" name="Espaço Reservado para Número de Slide 4"/>
+          <p:cNvSpPr>
+            <a:spLocks noGrp="1"/>
+          </p:cNvSpPr>
+          <p:nvPr>
+            <p:ph type="sldNum" sz="quarter" idx="12"/>
+          </p:nvPr>
+        </p:nvSpPr>
+        <p:spPr/>
+        <p:txBody>
+          <a:bodyPr/>
+          <a:lstStyle/>
+          <a:p>
+            <a:pPr>
+              <a:defRPr/>
+            </a:pPr>
+            <a:fld id="{DAB16DC1-F000-4B90-9425-1E014EE80EC3}" type="slidenum">
+              <a:rPr lang="pt-BR" smtClean="0"/>
+              <a:pPr>
+                <a:defRPr/>
+              </a:pPr>
+              <a:t>24</a:t>
+            </a:fld>
+            <a:endParaRPr lang="pt-BR"/>
+          </a:p>
+        </p:txBody>
+      </p:sp>
+    </p:spTree>
+  </p:cSld>
+  <p:clrMapOvr>
+    <a:masterClrMapping/>
+  </p:clrMapOvr>
+  <p:timing>
+    <p:tnLst>
+      <p:par>
+        <p:cTn id="1" dur="indefinite" restart="never" nodeType="tmRoot"/>
+      </p:par>
+    </p:tnLst>
+  </p:timing>
+</p:sld>
+</file>
+
+<file path=ppt/slides/slide25.xml><?xml version="1.0" encoding="utf-8"?>
+<p:sld xmlns:a="http://schemas.openxmlformats.org/drawingml/2006/main" xmlns:r="http://schemas.openxmlformats.org/officeDocument/2006/relationships" xmlns:p="http://schemas.openxmlformats.org/presentationml/2006/main">
+  <p:cSld>
+    <p:spTree>
+      <p:nvGrpSpPr>
+        <p:cNvPr id="1" name=""/>
+        <p:cNvGrpSpPr/>
+        <p:nvPr/>
+      </p:nvGrpSpPr>
+      <p:grpSpPr>
+        <a:xfrm>
+          <a:off x="0" y="0"/>
+          <a:ext cx="0" cy="0"/>
+          <a:chOff x="0" y="0"/>
+          <a:chExt cx="0" cy="0"/>
+        </a:xfrm>
+      </p:grpSpPr>
+      <p:sp>
+        <p:nvSpPr>
+          <p:cNvPr id="2" name="Título 1"/>
+          <p:cNvSpPr>
+            <a:spLocks noGrp="1"/>
+          </p:cNvSpPr>
+          <p:nvPr>
+            <p:ph type="title"/>
+          </p:nvPr>
+        </p:nvSpPr>
+        <p:spPr/>
+        <p:txBody>
+          <a:bodyPr/>
+          <a:lstStyle/>
+          <a:p>
+            <a:pPr rtl="0" eaLnBrk="1" fontAlgn="base" hangingPunct="1"/>
+            <a:r>
+              <a:rPr lang="pt-BR" sz="4600" kern="1200" dirty="0" smtClean="0">
+                <a:solidFill>
+                  <a:schemeClr val="tx1"/>
+                </a:solidFill>
+                <a:latin typeface="+mj-lt"/>
+                <a:ea typeface="+mj-ea"/>
+                <a:cs typeface="+mj-cs"/>
+              </a:rPr>
+              <a:t>Cláusula </a:t>
+            </a:r>
+            <a:r>
+              <a:rPr lang="pt-BR" sz="4600" kern="1200" dirty="0" err="1" smtClean="0">
+                <a:solidFill>
+                  <a:schemeClr val="tx1"/>
+                </a:solidFill>
+                <a:latin typeface="+mj-lt"/>
+                <a:ea typeface="+mj-ea"/>
+                <a:cs typeface="+mj-cs"/>
+              </a:rPr>
+              <a:t>throw</a:t>
+            </a:r>
+            <a:endParaRPr lang="pt-BR" dirty="0"/>
+          </a:p>
+        </p:txBody>
+      </p:sp>
+      <p:sp>
+        <p:nvSpPr>
+          <p:cNvPr id="6" name="Espaço Reservado para Conteúdo 5"/>
+          <p:cNvSpPr>
+            <a:spLocks noGrp="1"/>
+          </p:cNvSpPr>
+          <p:nvPr>
+            <p:ph idx="1"/>
+          </p:nvPr>
+        </p:nvSpPr>
+        <p:spPr/>
+        <p:txBody>
+          <a:bodyPr/>
+          <a:lstStyle/>
+          <a:p>
+            <a:endParaRPr lang="pt-BR"/>
+          </a:p>
+        </p:txBody>
+      </p:sp>
+      <p:sp>
+        <p:nvSpPr>
+          <p:cNvPr id="5" name="Espaço Reservado para Número de Slide 4"/>
+          <p:cNvSpPr>
+            <a:spLocks noGrp="1"/>
+          </p:cNvSpPr>
+          <p:nvPr>
+            <p:ph type="sldNum" sz="quarter" idx="12"/>
+          </p:nvPr>
+        </p:nvSpPr>
+        <p:spPr/>
+        <p:txBody>
+          <a:bodyPr/>
+          <a:lstStyle/>
+          <a:p>
+            <a:pPr>
+              <a:defRPr/>
+            </a:pPr>
+            <a:fld id="{DAB16DC1-F000-4B90-9425-1E014EE80EC3}" type="slidenum">
+              <a:rPr lang="pt-BR" smtClean="0"/>
+              <a:pPr>
+                <a:defRPr/>
+              </a:pPr>
+              <a:t>25</a:t>
+            </a:fld>
+            <a:endParaRPr lang="pt-BR"/>
+          </a:p>
+        </p:txBody>
+      </p:sp>
+    </p:spTree>
+  </p:cSld>
+  <p:clrMapOvr>
+    <a:masterClrMapping/>
+  </p:clrMapOvr>
+</p:sld>
+</file>
+
+<file path=ppt/slides/slide26.xml><?xml version="1.0" encoding="utf-8"?>
+<p:sld xmlns:a="http://schemas.openxmlformats.org/drawingml/2006/main" xmlns:r="http://schemas.openxmlformats.org/officeDocument/2006/relationships" xmlns:p="http://schemas.openxmlformats.org/presentationml/2006/main">
+  <p:cSld>
+    <p:spTree>
+      <p:nvGrpSpPr>
+        <p:cNvPr id="1" name=""/>
+        <p:cNvGrpSpPr/>
+        <p:nvPr/>
+      </p:nvGrpSpPr>
+      <p:grpSpPr>
+        <a:xfrm>
+          <a:off x="0" y="0"/>
+          <a:ext cx="0" cy="0"/>
+          <a:chOff x="0" y="0"/>
+          <a:chExt cx="0" cy="0"/>
+        </a:xfrm>
+      </p:grpSpPr>
+      <p:sp>
+        <p:nvSpPr>
+          <p:cNvPr id="2" name="Título 1"/>
+          <p:cNvSpPr>
+            <a:spLocks noGrp="1"/>
+          </p:cNvSpPr>
+          <p:nvPr>
+            <p:ph type="title"/>
+          </p:nvPr>
+        </p:nvSpPr>
+        <p:spPr/>
+        <p:txBody>
+          <a:bodyPr/>
+          <a:lstStyle/>
+          <a:p>
+            <a:pPr rtl="0" eaLnBrk="1" fontAlgn="base" hangingPunct="1"/>
+            <a:r>
+              <a:rPr lang="pt-BR" sz="4600" kern="1200" dirty="0" smtClean="0">
+                <a:solidFill>
+                  <a:schemeClr val="tx1"/>
+                </a:solidFill>
+                <a:latin typeface="+mj-lt"/>
+                <a:ea typeface="+mj-ea"/>
+                <a:cs typeface="+mj-cs"/>
+              </a:rPr>
+              <a:t>Exceções personalizadas</a:t>
+            </a:r>
+          </a:p>
+        </p:txBody>
+      </p:sp>
+      <p:sp>
+        <p:nvSpPr>
+          <p:cNvPr id="6" name="Espaço Reservado para Conteúdo 5"/>
+          <p:cNvSpPr>
+            <a:spLocks noGrp="1"/>
+          </p:cNvSpPr>
+          <p:nvPr>
+            <p:ph idx="1"/>
+          </p:nvPr>
+        </p:nvSpPr>
+        <p:spPr/>
+        <p:txBody>
+          <a:bodyPr/>
+          <a:lstStyle/>
+          <a:p>
+            <a:endParaRPr lang="pt-BR"/>
+          </a:p>
+        </p:txBody>
+      </p:sp>
+      <p:sp>
+        <p:nvSpPr>
+          <p:cNvPr id="5" name="Espaço Reservado para Número de Slide 4"/>
+          <p:cNvSpPr>
+            <a:spLocks noGrp="1"/>
+          </p:cNvSpPr>
+          <p:nvPr>
+            <p:ph type="sldNum" sz="quarter" idx="12"/>
+          </p:nvPr>
+        </p:nvSpPr>
+        <p:spPr/>
+        <p:txBody>
+          <a:bodyPr/>
+          <a:lstStyle/>
+          <a:p>
+            <a:pPr>
+              <a:defRPr/>
+            </a:pPr>
+            <a:fld id="{DAB16DC1-F000-4B90-9425-1E014EE80EC3}" type="slidenum">
+              <a:rPr lang="pt-BR" smtClean="0"/>
+              <a:pPr>
+                <a:defRPr/>
+              </a:pPr>
+              <a:t>26</a:t>
+            </a:fld>
+            <a:endParaRPr lang="pt-BR"/>
+          </a:p>
+        </p:txBody>
+      </p:sp>
+    </p:spTree>
+  </p:cSld>
+  <p:clrMapOvr>
+    <a:masterClrMapping/>
+  </p:clrMapOvr>
 </p:sld>
 </file>
 
@@ -6979,18 +13637,7 @@
                 <a:ea typeface="+mj-ea"/>
                 <a:cs typeface="+mj-cs"/>
               </a:rPr>
-              <a:t> / </a:t>
-            </a:r>
-            <a:r>
-              <a:rPr lang="pt-BR" sz="4600" kern="1200" dirty="0" smtClean="0">
-                <a:solidFill>
-                  <a:schemeClr val="tx1"/>
-                </a:solidFill>
-                <a:latin typeface="+mj-lt"/>
-                <a:ea typeface="+mj-ea"/>
-                <a:cs typeface="+mj-cs"/>
-              </a:rPr>
-              <a:t>catch – Exemp</a:t>
+              <a:t> / catch – Exemp</a:t>
             </a:r>
             <a:r>
               <a:rPr lang="pt-BR" dirty="0" smtClean="0"/>
@@ -7072,7 +13719,6 @@
               <a:rPr lang="pt-BR" dirty="0" smtClean="0"/>
               <a:t>();</a:t>
             </a:r>
-            <a:endParaRPr lang="pt-BR" dirty="0" smtClean="0"/>
           </a:p>
           <a:p>
             <a:pPr marL="0" indent="0">
@@ -7098,7 +13744,6 @@
               <a:rPr lang="pt-BR" dirty="0" smtClean="0"/>
               <a:t>(aluno1);</a:t>
             </a:r>
-            <a:endParaRPr lang="pt-BR" dirty="0" smtClean="0"/>
           </a:p>
           <a:p>
             <a:pPr marL="0" indent="0">
@@ -7119,11 +13764,7 @@
             </a:pPr>
             <a:r>
               <a:rPr lang="pt-BR" dirty="0" smtClean="0"/>
-              <a:t>	</a:t>
-            </a:r>
-            <a:r>
-              <a:rPr lang="pt-BR" dirty="0" smtClean="0"/>
-              <a:t>System.</a:t>
+              <a:t>	System.</a:t>
             </a:r>
             <a:r>
               <a:rPr lang="pt-BR" dirty="0" err="1" smtClean="0"/>
@@ -7133,7 +13774,6 @@
               <a:rPr lang="pt-BR" dirty="0" smtClean="0"/>
               <a:t>(“Erro ao gravar”);</a:t>
             </a:r>
-            <a:endParaRPr lang="pt-BR" dirty="0" smtClean="0"/>
           </a:p>
           <a:p>
             <a:pPr marL="0" indent="0">
@@ -7141,11 +13781,7 @@
             </a:pPr>
             <a:r>
               <a:rPr lang="pt-BR" dirty="0" smtClean="0"/>
-              <a:t>	</a:t>
-            </a:r>
-            <a:r>
-              <a:rPr lang="pt-BR" dirty="0" smtClean="0"/>
-              <a:t>System.</a:t>
+              <a:t>	System.</a:t>
             </a:r>
             <a:r>
               <a:rPr lang="pt-BR" dirty="0" err="1" smtClean="0"/>
@@ -7171,7 +13807,6 @@
               <a:rPr lang="pt-BR" dirty="0" smtClean="0"/>
               <a:t>());</a:t>
             </a:r>
-            <a:endParaRPr lang="pt-BR" dirty="0" smtClean="0"/>
           </a:p>
           <a:p>
             <a:pPr marL="0" indent="0">
@@ -9540,9 +16175,9 @@
       </p:grpSpPr>
       <p:sp>
         <p:nvSpPr>
-          <p:cNvPr id="2" name="Título 1"/>
-          <p:cNvSpPr>
-            <a:spLocks noGrp="1"/>
+          <p:cNvPr id="512002" name="Rectangle 2"/>
+          <p:cNvSpPr>
+            <a:spLocks noGrp="1" noChangeArrowheads="1"/>
           </p:cNvSpPr>
           <p:nvPr>
             <p:ph type="title"/>
@@ -9553,17 +16188,9 @@
           <a:bodyPr/>
           <a:lstStyle/>
           <a:p>
-            <a:pPr rtl="0" eaLnBrk="1" fontAlgn="base" hangingPunct="1"/>
-            <a:r>
-              <a:rPr lang="pt-BR" sz="4600" kern="1200" dirty="0" smtClean="0">
-                <a:solidFill>
-                  <a:schemeClr val="tx1"/>
-                </a:solidFill>
-                <a:latin typeface="+mj-lt"/>
-                <a:ea typeface="+mj-ea"/>
-                <a:cs typeface="+mj-cs"/>
-              </a:rPr>
-              <a:t>Principais exceções</a:t>
+            <a:r>
+              <a:rPr lang="pt-BR" dirty="0" smtClean="0"/>
+              <a:t>Hierarquia de Exceptions</a:t>
             </a:r>
             <a:endParaRPr lang="pt-BR" dirty="0"/>
           </a:p>
@@ -9571,49 +16198,342 @@
       </p:sp>
       <p:sp>
         <p:nvSpPr>
-          <p:cNvPr id="6" name="Espaço Reservado para Conteúdo 5"/>
-          <p:cNvSpPr>
-            <a:spLocks noGrp="1"/>
-          </p:cNvSpPr>
-          <p:nvPr>
-            <p:ph idx="1"/>
-          </p:nvPr>
-        </p:nvSpPr>
-        <p:spPr/>
+          <p:cNvPr id="512003" name="Rectangle 3"/>
+          <p:cNvSpPr>
+            <a:spLocks noGrp="1" noChangeArrowheads="1"/>
+          </p:cNvSpPr>
+          <p:nvPr>
+            <p:ph type="body" idx="1"/>
+          </p:nvPr>
+        </p:nvSpPr>
+        <p:spPr>
+          <a:xfrm>
+            <a:off x="611560" y="1741512"/>
+            <a:ext cx="7992888" cy="4495800"/>
+          </a:xfrm>
+        </p:spPr>
         <p:txBody>
           <a:bodyPr/>
           <a:lstStyle/>
           <a:p>
-            <a:endParaRPr lang="pt-BR"/>
-          </a:p>
-        </p:txBody>
-      </p:sp>
-      <p:sp>
-        <p:nvSpPr>
-          <p:cNvPr id="5" name="Espaço Reservado para Número de Slide 4"/>
-          <p:cNvSpPr>
-            <a:spLocks noGrp="1"/>
-          </p:cNvSpPr>
-          <p:nvPr>
-            <p:ph type="sldNum" sz="quarter" idx="12"/>
-          </p:nvPr>
-        </p:nvSpPr>
-        <p:spPr/>
-        <p:txBody>
-          <a:bodyPr/>
-          <a:lstStyle/>
-          <a:p>
             <a:pPr>
-              <a:defRPr/>
-            </a:pPr>
-            <a:fld id="{DAB16DC1-F000-4B90-9425-1E014EE80EC3}" type="slidenum">
-              <a:rPr lang="pt-BR" smtClean="0"/>
-              <a:pPr>
-                <a:defRPr/>
-              </a:pPr>
-              <a:t>7</a:t>
-            </a:fld>
-            <a:endParaRPr lang="pt-BR"/>
+              <a:spcBef>
+                <a:spcPts val="400"/>
+              </a:spcBef>
+              <a:buFontTx/>
+              <a:buNone/>
+            </a:pPr>
+            <a:r>
+              <a:rPr lang="pt-BR" sz="2400" dirty="0" err="1" smtClean="0">
+                <a:solidFill>
+                  <a:srgbClr val="FFC000"/>
+                </a:solidFill>
+              </a:rPr>
+              <a:t>try</a:t>
+            </a:r>
+            <a:r>
+              <a:rPr lang="pt-BR" sz="2400" dirty="0" smtClean="0">
+                <a:solidFill>
+                  <a:srgbClr val="FFC000"/>
+                </a:solidFill>
+              </a:rPr>
+              <a:t> {</a:t>
+            </a:r>
+          </a:p>
+          <a:p>
+            <a:pPr>
+              <a:spcBef>
+                <a:spcPts val="400"/>
+              </a:spcBef>
+              <a:buFontTx/>
+              <a:buNone/>
+            </a:pPr>
+            <a:r>
+              <a:rPr lang="pt-BR" sz="2400" dirty="0" smtClean="0"/>
+              <a:t>	</a:t>
+            </a:r>
+            <a:r>
+              <a:rPr lang="pt-BR" sz="2400" dirty="0" err="1" smtClean="0"/>
+              <a:t>Conexao</a:t>
+            </a:r>
+            <a:r>
+              <a:rPr lang="pt-BR" sz="2400" dirty="0" smtClean="0"/>
+              <a:t> </a:t>
+            </a:r>
+            <a:r>
+              <a:rPr lang="pt-BR" sz="2400" dirty="0" err="1" smtClean="0"/>
+              <a:t>cn</a:t>
+            </a:r>
+            <a:r>
+              <a:rPr lang="pt-BR" sz="2400" dirty="0" smtClean="0"/>
+              <a:t> = </a:t>
+            </a:r>
+            <a:r>
+              <a:rPr lang="pt-BR" sz="2400" dirty="0" err="1" smtClean="0"/>
+              <a:t>abrirConexao</a:t>
+            </a:r>
+            <a:r>
+              <a:rPr lang="pt-BR" sz="2400" dirty="0" smtClean="0"/>
+              <a:t>();</a:t>
+            </a:r>
+          </a:p>
+          <a:p>
+            <a:pPr>
+              <a:spcBef>
+                <a:spcPts val="400"/>
+              </a:spcBef>
+              <a:buFontTx/>
+              <a:buNone/>
+            </a:pPr>
+            <a:r>
+              <a:rPr lang="pt-BR" sz="2400" dirty="0" smtClean="0"/>
+              <a:t>	Aluno aluno1 = </a:t>
+            </a:r>
+            <a:r>
+              <a:rPr lang="pt-BR" sz="2400" dirty="0" err="1" smtClean="0"/>
+              <a:t>cn</a:t>
+            </a:r>
+            <a:r>
+              <a:rPr lang="pt-BR" sz="2400" dirty="0" smtClean="0"/>
+              <a:t>.</a:t>
+            </a:r>
+            <a:r>
+              <a:rPr lang="pt-BR" sz="2400" dirty="0" err="1" smtClean="0"/>
+              <a:t>obterDados</a:t>
+            </a:r>
+            <a:r>
+              <a:rPr lang="pt-BR" sz="2400" dirty="0" smtClean="0"/>
+              <a:t>();</a:t>
+            </a:r>
+          </a:p>
+          <a:p>
+            <a:pPr>
+              <a:spcBef>
+                <a:spcPts val="400"/>
+              </a:spcBef>
+              <a:buFontTx/>
+              <a:buNone/>
+            </a:pPr>
+            <a:r>
+              <a:rPr lang="pt-BR" sz="2400" dirty="0" smtClean="0"/>
+              <a:t>	</a:t>
+            </a:r>
+            <a:r>
+              <a:rPr lang="pt-BR" sz="2400" dirty="0" err="1" smtClean="0"/>
+              <a:t>cn</a:t>
+            </a:r>
+            <a:r>
+              <a:rPr lang="pt-BR" sz="2400" dirty="0" smtClean="0"/>
+              <a:t>.</a:t>
+            </a:r>
+            <a:r>
+              <a:rPr lang="pt-BR" sz="2400" dirty="0" err="1" smtClean="0"/>
+              <a:t>gravarNoArquivo</a:t>
+            </a:r>
+            <a:r>
+              <a:rPr lang="pt-BR" sz="2400" dirty="0" smtClean="0"/>
+              <a:t>(aluno1);</a:t>
+            </a:r>
+          </a:p>
+          <a:p>
+            <a:pPr>
+              <a:spcBef>
+                <a:spcPts val="400"/>
+              </a:spcBef>
+              <a:buFontTx/>
+              <a:buNone/>
+            </a:pPr>
+            <a:r>
+              <a:rPr lang="pt-BR" sz="2400" dirty="0" smtClean="0">
+                <a:solidFill>
+                  <a:srgbClr val="FFC000"/>
+                </a:solidFill>
+              </a:rPr>
+              <a:t>} catch (</a:t>
+            </a:r>
+            <a:r>
+              <a:rPr lang="pt-BR" sz="2400" dirty="0" err="1" smtClean="0">
+                <a:solidFill>
+                  <a:srgbClr val="FFC000"/>
+                </a:solidFill>
+              </a:rPr>
+              <a:t>SQLException</a:t>
+            </a:r>
+            <a:r>
+              <a:rPr lang="pt-BR" sz="2400" dirty="0" smtClean="0">
+                <a:solidFill>
+                  <a:srgbClr val="FFC000"/>
+                </a:solidFill>
+              </a:rPr>
+              <a:t> </a:t>
+            </a:r>
+            <a:r>
+              <a:rPr lang="pt-BR" sz="2400" dirty="0" err="1" smtClean="0">
+                <a:solidFill>
+                  <a:srgbClr val="FFC000"/>
+                </a:solidFill>
+              </a:rPr>
+              <a:t>sqle</a:t>
+            </a:r>
+            <a:r>
+              <a:rPr lang="pt-BR" sz="2400" dirty="0" smtClean="0">
+                <a:solidFill>
+                  <a:srgbClr val="FFC000"/>
+                </a:solidFill>
+              </a:rPr>
+              <a:t>) {</a:t>
+            </a:r>
+          </a:p>
+          <a:p>
+            <a:pPr>
+              <a:spcBef>
+                <a:spcPts val="400"/>
+              </a:spcBef>
+              <a:buFontTx/>
+              <a:buNone/>
+            </a:pPr>
+            <a:r>
+              <a:rPr lang="pt-BR" sz="2400" dirty="0" smtClean="0"/>
+              <a:t>	System.</a:t>
+            </a:r>
+            <a:r>
+              <a:rPr lang="pt-BR" sz="2400" dirty="0" err="1" smtClean="0"/>
+              <a:t>out.println</a:t>
+            </a:r>
+            <a:r>
+              <a:rPr lang="pt-BR" sz="2400" dirty="0" smtClean="0"/>
+              <a:t>(“Erro ao acessar banco de dados”);</a:t>
+            </a:r>
+          </a:p>
+          <a:p>
+            <a:pPr>
+              <a:spcBef>
+                <a:spcPts val="400"/>
+              </a:spcBef>
+              <a:buFontTx/>
+              <a:buNone/>
+            </a:pPr>
+            <a:r>
+              <a:rPr lang="pt-BR" sz="2400" dirty="0" smtClean="0">
+                <a:solidFill>
+                  <a:srgbClr val="FFC000"/>
+                </a:solidFill>
+              </a:rPr>
+              <a:t>} catch (</a:t>
+            </a:r>
+            <a:r>
+              <a:rPr lang="pt-BR" sz="2400" dirty="0" err="1" smtClean="0">
+                <a:solidFill>
+                  <a:srgbClr val="FFC000"/>
+                </a:solidFill>
+              </a:rPr>
+              <a:t>IOException</a:t>
+            </a:r>
+            <a:r>
+              <a:rPr lang="pt-BR" sz="2400" dirty="0" smtClean="0">
+                <a:solidFill>
+                  <a:srgbClr val="FFC000"/>
+                </a:solidFill>
+              </a:rPr>
+              <a:t> </a:t>
+            </a:r>
+            <a:r>
+              <a:rPr lang="pt-BR" sz="2400" dirty="0" err="1" smtClean="0">
+                <a:solidFill>
+                  <a:srgbClr val="FFC000"/>
+                </a:solidFill>
+              </a:rPr>
+              <a:t>ioe</a:t>
+            </a:r>
+            <a:r>
+              <a:rPr lang="pt-BR" sz="2400" dirty="0" smtClean="0">
+                <a:solidFill>
+                  <a:srgbClr val="FFC000"/>
+                </a:solidFill>
+              </a:rPr>
+              <a:t>) {</a:t>
+            </a:r>
+          </a:p>
+          <a:p>
+            <a:pPr>
+              <a:spcBef>
+                <a:spcPts val="400"/>
+              </a:spcBef>
+              <a:buFontTx/>
+              <a:buNone/>
+            </a:pPr>
+            <a:r>
+              <a:rPr lang="pt-BR" sz="2400" dirty="0" smtClean="0"/>
+              <a:t>	System.</a:t>
+            </a:r>
+            <a:r>
+              <a:rPr lang="pt-BR" sz="2400" dirty="0" err="1" smtClean="0"/>
+              <a:t>out.println</a:t>
+            </a:r>
+            <a:r>
+              <a:rPr lang="pt-BR" sz="2400" dirty="0" smtClean="0"/>
+              <a:t>(“Erro ao gravar no arquivo”);</a:t>
+            </a:r>
+          </a:p>
+          <a:p>
+            <a:pPr>
+              <a:spcBef>
+                <a:spcPts val="400"/>
+              </a:spcBef>
+              <a:buFontTx/>
+              <a:buNone/>
+            </a:pPr>
+            <a:r>
+              <a:rPr lang="pt-BR" sz="2400" dirty="0" smtClean="0">
+                <a:solidFill>
+                  <a:srgbClr val="FFC000"/>
+                </a:solidFill>
+              </a:rPr>
+              <a:t>} catch (Exception e) {</a:t>
+            </a:r>
+          </a:p>
+          <a:p>
+            <a:pPr>
+              <a:spcBef>
+                <a:spcPts val="400"/>
+              </a:spcBef>
+              <a:buFontTx/>
+              <a:buNone/>
+            </a:pPr>
+            <a:r>
+              <a:rPr lang="pt-BR" sz="2400" dirty="0" smtClean="0"/>
+              <a:t>	System.</a:t>
+            </a:r>
+            <a:r>
+              <a:rPr lang="pt-BR" sz="2400" dirty="0" err="1" smtClean="0"/>
+              <a:t>out.println</a:t>
+            </a:r>
+            <a:r>
+              <a:rPr lang="pt-BR" sz="2400" dirty="0" smtClean="0"/>
+              <a:t>(“Erro inesperado”);</a:t>
+            </a:r>
+          </a:p>
+          <a:p>
+            <a:pPr>
+              <a:spcBef>
+                <a:spcPts val="400"/>
+              </a:spcBef>
+              <a:buFontTx/>
+              <a:buNone/>
+            </a:pPr>
+            <a:r>
+              <a:rPr lang="pt-BR" sz="2400" dirty="0" smtClean="0">
+                <a:solidFill>
+                  <a:srgbClr val="FFC000"/>
+                </a:solidFill>
+              </a:rPr>
+              <a:t>}</a:t>
+            </a:r>
+            <a:endParaRPr lang="pt-BR" sz="2400" dirty="0">
+              <a:solidFill>
+                <a:srgbClr val="FFC000"/>
+              </a:solidFill>
+            </a:endParaRPr>
           </a:p>
         </p:txBody>
       </p:sp>
@@ -9651,85 +16571,280 @@
       </p:grpSpPr>
       <p:sp>
         <p:nvSpPr>
-          <p:cNvPr id="2" name="Título 1"/>
-          <p:cNvSpPr>
-            <a:spLocks noGrp="1"/>
+          <p:cNvPr id="512002" name="Rectangle 2"/>
+          <p:cNvSpPr>
+            <a:spLocks noGrp="1" noChangeArrowheads="1"/>
           </p:cNvSpPr>
           <p:nvPr>
             <p:ph type="title"/>
+          </p:nvPr>
+        </p:nvSpPr>
+        <p:spPr/>
+        <p:txBody>
+          <a:bodyPr/>
+          <a:lstStyle/>
+          <a:p>
+            <a:r>
+              <a:rPr lang="pt-BR" dirty="0" smtClean="0"/>
+              <a:t>Exceções verificadas</a:t>
+            </a:r>
+            <a:endParaRPr lang="pt-BR" dirty="0"/>
+          </a:p>
+        </p:txBody>
+      </p:sp>
+      <p:sp>
+        <p:nvSpPr>
+          <p:cNvPr id="512003" name="Rectangle 3"/>
+          <p:cNvSpPr>
+            <a:spLocks noGrp="1" noChangeArrowheads="1"/>
+          </p:cNvSpPr>
+          <p:nvPr>
+            <p:ph idx="1"/>
           </p:nvPr>
         </p:nvSpPr>
         <p:spPr>
           <a:xfrm>
-            <a:off x="457200" y="274638"/>
-            <a:ext cx="8003232" cy="1143000"/>
+            <a:off x="457200" y="2425154"/>
+            <a:ext cx="7715200" cy="3812157"/>
           </a:xfrm>
         </p:spPr>
         <p:txBody>
           <a:bodyPr/>
           <a:lstStyle/>
           <a:p>
-            <a:pPr rtl="0" eaLnBrk="1" fontAlgn="base" hangingPunct="1"/>
-            <a:r>
-              <a:rPr lang="pt-BR" sz="4600" kern="1200" dirty="0" smtClean="0">
+            <a:pPr marL="442913" indent="0">
+              <a:spcBef>
+                <a:spcPts val="400"/>
+              </a:spcBef>
+              <a:buFontTx/>
+              <a:buNone/>
+            </a:pPr>
+            <a:r>
+              <a:rPr lang="pt-BR" sz="2400" dirty="0" err="1" smtClean="0">
                 <a:solidFill>
-                  <a:schemeClr val="tx1"/>
+                  <a:srgbClr val="FFC000"/>
                 </a:solidFill>
-                <a:latin typeface="+mj-lt"/>
-                <a:ea typeface="+mj-ea"/>
-                <a:cs typeface="+mj-cs"/>
               </a:rPr>
-              <a:t>Principais métodos de exceções</a:t>
+              <a:t>FileReader</a:t>
+            </a:r>
+            <a:r>
+              <a:rPr lang="pt-BR" sz="2400" dirty="0" smtClean="0">
+                <a:solidFill>
+                  <a:srgbClr val="FFC000"/>
+                </a:solidFill>
+              </a:rPr>
+              <a:t> texto;</a:t>
+            </a:r>
+          </a:p>
+          <a:p>
+            <a:pPr marL="442913" indent="0">
+              <a:spcBef>
+                <a:spcPts val="400"/>
+              </a:spcBef>
+              <a:buFontTx/>
+              <a:buNone/>
+            </a:pPr>
+            <a:r>
+              <a:rPr lang="pt-BR" sz="2400" dirty="0" smtClean="0">
+                <a:solidFill>
+                  <a:srgbClr val="FFC000"/>
+                </a:solidFill>
+              </a:rPr>
+              <a:t>...</a:t>
+            </a:r>
+          </a:p>
+          <a:p>
+            <a:pPr marL="442913" indent="0">
+              <a:spcBef>
+                <a:spcPts val="400"/>
+              </a:spcBef>
+              <a:buFontTx/>
+              <a:buNone/>
+            </a:pPr>
+            <a:endParaRPr lang="pt-BR" sz="2400" dirty="0" smtClean="0">
+              <a:solidFill>
+                <a:srgbClr val="FFC000"/>
+              </a:solidFill>
+            </a:endParaRPr>
+          </a:p>
+          <a:p>
+            <a:pPr marL="442913" indent="0">
+              <a:spcBef>
+                <a:spcPts val="400"/>
+              </a:spcBef>
+              <a:buFontTx/>
+              <a:buNone/>
+            </a:pPr>
+            <a:r>
+              <a:rPr lang="pt-BR" sz="2400" dirty="0" smtClean="0">
+                <a:solidFill>
+                  <a:srgbClr val="FFC000"/>
+                </a:solidFill>
+              </a:rPr>
+              <a:t>texto = </a:t>
+            </a:r>
+            <a:r>
+              <a:rPr lang="pt-BR" sz="2400" dirty="0" err="1" smtClean="0">
+                <a:solidFill>
+                  <a:srgbClr val="FFC000"/>
+                </a:solidFill>
+              </a:rPr>
+              <a:t>new</a:t>
+            </a:r>
+            <a:r>
+              <a:rPr lang="pt-BR" sz="2400" dirty="0" smtClean="0">
+                <a:solidFill>
+                  <a:srgbClr val="FFC000"/>
+                </a:solidFill>
+              </a:rPr>
+              <a:t> </a:t>
+            </a:r>
+            <a:r>
+              <a:rPr lang="pt-BR" sz="2400" dirty="0" err="1" smtClean="0">
+                <a:solidFill>
+                  <a:srgbClr val="FFC000"/>
+                </a:solidFill>
+              </a:rPr>
+              <a:t>FileReader</a:t>
+            </a:r>
+            <a:r>
+              <a:rPr lang="pt-BR" sz="2400" dirty="0" smtClean="0">
+                <a:solidFill>
+                  <a:srgbClr val="FFC000"/>
+                </a:solidFill>
+              </a:rPr>
+              <a:t>(“C:\\arquivos\\carta.txt”);</a:t>
+            </a:r>
+          </a:p>
+          <a:p>
+            <a:pPr marL="442913" indent="0">
+              <a:spcBef>
+                <a:spcPts val="400"/>
+              </a:spcBef>
+              <a:buFontTx/>
+              <a:buNone/>
+            </a:pPr>
+            <a:endParaRPr lang="pt-BR" sz="2400" dirty="0" smtClean="0">
+              <a:solidFill>
+                <a:srgbClr val="FFC000"/>
+              </a:solidFill>
+            </a:endParaRPr>
+          </a:p>
+          <a:p>
+            <a:pPr marL="442913" indent="0">
+              <a:spcBef>
+                <a:spcPts val="400"/>
+              </a:spcBef>
+              <a:buFontTx/>
+              <a:buNone/>
+            </a:pPr>
+            <a:endParaRPr lang="pt-BR" sz="2400" dirty="0" smtClean="0">
+              <a:solidFill>
+                <a:srgbClr val="FFC000"/>
+              </a:solidFill>
+            </a:endParaRPr>
+          </a:p>
+          <a:p>
+            <a:pPr>
+              <a:spcBef>
+                <a:spcPts val="400"/>
+              </a:spcBef>
+            </a:pPr>
+            <a:r>
+              <a:rPr lang="pt-BR" sz="2400" dirty="0" smtClean="0"/>
+              <a:t>A instrução acima oferece risco de utilização (</a:t>
+            </a:r>
+            <a:r>
+              <a:rPr lang="pt-BR" sz="2400" dirty="0" err="1" smtClean="0"/>
+              <a:t>FileNotFoundException</a:t>
+            </a:r>
+            <a:r>
+              <a:rPr lang="pt-BR" sz="2400" dirty="0" smtClean="0"/>
+              <a:t>) e deve possuir tratamento de erro.</a:t>
+            </a:r>
+          </a:p>
+        </p:txBody>
+      </p:sp>
+      <p:cxnSp>
+        <p:nvCxnSpPr>
+          <p:cNvPr id="4" name="Conector reto 3"/>
+          <p:cNvCxnSpPr/>
+          <p:nvPr/>
+        </p:nvCxnSpPr>
+        <p:spPr>
+          <a:xfrm>
+            <a:off x="1979712" y="3932734"/>
+            <a:ext cx="5400600" cy="0"/>
+          </a:xfrm>
+          <a:prstGeom prst="line">
+            <a:avLst/>
+          </a:prstGeom>
+          <a:ln w="28575">
+            <a:solidFill>
+              <a:schemeClr val="tx1"/>
+            </a:solidFill>
+          </a:ln>
+        </p:spPr>
+        <p:style>
+          <a:lnRef idx="1">
+            <a:schemeClr val="accent1"/>
+          </a:lnRef>
+          <a:fillRef idx="0">
+            <a:schemeClr val="accent1"/>
+          </a:fillRef>
+          <a:effectRef idx="0">
+            <a:schemeClr val="accent1"/>
+          </a:effectRef>
+          <a:fontRef idx="minor">
+            <a:schemeClr val="tx1"/>
+          </a:fontRef>
+        </p:style>
+      </p:cxnSp>
+      <p:sp>
+        <p:nvSpPr>
+          <p:cNvPr id="5" name="CaixaDeTexto 4"/>
+          <p:cNvSpPr txBox="1">
+            <a:spLocks noChangeArrowheads="1"/>
+          </p:cNvSpPr>
+          <p:nvPr/>
+        </p:nvSpPr>
+        <p:spPr bwMode="auto">
+          <a:xfrm>
+            <a:off x="5580112" y="2996952"/>
+            <a:ext cx="2313454" cy="646331"/>
+          </a:xfrm>
+          <a:prstGeom prst="rect">
+            <a:avLst/>
+          </a:prstGeom>
+          <a:noFill/>
+          <a:ln w="9525">
+            <a:solidFill>
+              <a:schemeClr val="tx1"/>
+            </a:solidFill>
+            <a:miter lim="800000"/>
+            <a:headEnd/>
+            <a:tailEnd/>
+          </a:ln>
+        </p:spPr>
+        <p:txBody>
+          <a:bodyPr wrap="none">
+            <a:spAutoFit/>
+          </a:bodyPr>
+          <a:lstStyle/>
+          <a:p>
+            <a:pPr algn="ctr"/>
+            <a:r>
+              <a:rPr lang="pt-BR" dirty="0" smtClean="0"/>
+              <a:t>Não é permitido sem</a:t>
+            </a:r>
+          </a:p>
+          <a:p>
+            <a:pPr algn="ctr"/>
+            <a:r>
+              <a:rPr lang="pt-BR" dirty="0" smtClean="0"/>
+              <a:t>Tratamento de erro</a:t>
             </a:r>
             <a:endParaRPr lang="pt-BR" dirty="0"/>
-          </a:p>
-        </p:txBody>
-      </p:sp>
-      <p:sp>
-        <p:nvSpPr>
-          <p:cNvPr id="6" name="Espaço Reservado para Conteúdo 5"/>
-          <p:cNvSpPr>
-            <a:spLocks noGrp="1"/>
-          </p:cNvSpPr>
-          <p:nvPr>
-            <p:ph idx="1"/>
-          </p:nvPr>
-        </p:nvSpPr>
-        <p:spPr/>
-        <p:txBody>
-          <a:bodyPr/>
-          <a:lstStyle/>
-          <a:p>
-            <a:endParaRPr lang="pt-BR"/>
-          </a:p>
-        </p:txBody>
-      </p:sp>
-      <p:sp>
-        <p:nvSpPr>
-          <p:cNvPr id="5" name="Espaço Reservado para Número de Slide 4"/>
-          <p:cNvSpPr>
-            <a:spLocks noGrp="1"/>
-          </p:cNvSpPr>
-          <p:nvPr>
-            <p:ph type="sldNum" sz="quarter" idx="12"/>
-          </p:nvPr>
-        </p:nvSpPr>
-        <p:spPr/>
-        <p:txBody>
-          <a:bodyPr/>
-          <a:lstStyle/>
-          <a:p>
-            <a:pPr>
-              <a:defRPr/>
-            </a:pPr>
-            <a:fld id="{DAB16DC1-F000-4B90-9425-1E014EE80EC3}" type="slidenum">
-              <a:rPr lang="pt-BR" smtClean="0"/>
-              <a:pPr>
-                <a:defRPr/>
-              </a:pPr>
-              <a:t>8</a:t>
-            </a:fld>
-            <a:endParaRPr lang="pt-BR"/>
           </a:p>
         </p:txBody>
       </p:sp>
@@ -9741,9 +16856,302 @@
   <p:timing>
     <p:tnLst>
       <p:par>
-        <p:cTn id="1" dur="indefinite" restart="never" nodeType="tmRoot"/>
+        <p:cTn id="1" dur="indefinite" restart="never" nodeType="tmRoot">
+          <p:childTnLst>
+            <p:seq concurrent="1" nextAc="seek">
+              <p:cTn id="2" dur="indefinite" nodeType="mainSeq">
+                <p:childTnLst>
+                  <p:par>
+                    <p:cTn id="3" fill="hold">
+                      <p:stCondLst>
+                        <p:cond delay="indefinite"/>
+                      </p:stCondLst>
+                      <p:childTnLst>
+                        <p:par>
+                          <p:cTn id="4" fill="hold">
+                            <p:stCondLst>
+                              <p:cond delay="0"/>
+                            </p:stCondLst>
+                            <p:childTnLst>
+                              <p:par>
+                                <p:cTn id="5" presetID="2" presetClass="entr" presetSubtype="2" fill="hold" nodeType="clickEffect">
+                                  <p:stCondLst>
+                                    <p:cond delay="0"/>
+                                  </p:stCondLst>
+                                  <p:childTnLst>
+                                    <p:set>
+                                      <p:cBhvr>
+                                        <p:cTn id="6" dur="1" fill="hold">
+                                          <p:stCondLst>
+                                            <p:cond delay="0"/>
+                                          </p:stCondLst>
+                                        </p:cTn>
+                                        <p:tgtEl>
+                                          <p:spTgt spid="4"/>
+                                        </p:tgtEl>
+                                        <p:attrNameLst>
+                                          <p:attrName>style.visibility</p:attrName>
+                                        </p:attrNameLst>
+                                      </p:cBhvr>
+                                      <p:to>
+                                        <p:strVal val="visible"/>
+                                      </p:to>
+                                    </p:set>
+                                    <p:anim calcmode="lin" valueType="num">
+                                      <p:cBhvr additive="base">
+                                        <p:cTn id="7" dur="500" fill="hold"/>
+                                        <p:tgtEl>
+                                          <p:spTgt spid="4"/>
+                                        </p:tgtEl>
+                                        <p:attrNameLst>
+                                          <p:attrName>ppt_x</p:attrName>
+                                        </p:attrNameLst>
+                                      </p:cBhvr>
+                                      <p:tavLst>
+                                        <p:tav tm="0">
+                                          <p:val>
+                                            <p:strVal val="1+#ppt_w/2"/>
+                                          </p:val>
+                                        </p:tav>
+                                        <p:tav tm="100000">
+                                          <p:val>
+                                            <p:strVal val="#ppt_x"/>
+                                          </p:val>
+                                        </p:tav>
+                                      </p:tavLst>
+                                    </p:anim>
+                                    <p:anim calcmode="lin" valueType="num">
+                                      <p:cBhvr additive="base">
+                                        <p:cTn id="8" dur="500" fill="hold"/>
+                                        <p:tgtEl>
+                                          <p:spTgt spid="4"/>
+                                        </p:tgtEl>
+                                        <p:attrNameLst>
+                                          <p:attrName>ppt_y</p:attrName>
+                                        </p:attrNameLst>
+                                      </p:cBhvr>
+                                      <p:tavLst>
+                                        <p:tav tm="0">
+                                          <p:val>
+                                            <p:strVal val="#ppt_y"/>
+                                          </p:val>
+                                        </p:tav>
+                                        <p:tav tm="100000">
+                                          <p:val>
+                                            <p:strVal val="#ppt_y"/>
+                                          </p:val>
+                                        </p:tav>
+                                      </p:tavLst>
+                                    </p:anim>
+                                  </p:childTnLst>
+                                </p:cTn>
+                              </p:par>
+                              <p:par>
+                                <p:cTn id="9" presetID="2" presetClass="entr" presetSubtype="2" fill="hold" grpId="0" nodeType="withEffect">
+                                  <p:stCondLst>
+                                    <p:cond delay="0"/>
+                                  </p:stCondLst>
+                                  <p:childTnLst>
+                                    <p:set>
+                                      <p:cBhvr>
+                                        <p:cTn id="10" dur="1" fill="hold">
+                                          <p:stCondLst>
+                                            <p:cond delay="0"/>
+                                          </p:stCondLst>
+                                        </p:cTn>
+                                        <p:tgtEl>
+                                          <p:spTgt spid="5"/>
+                                        </p:tgtEl>
+                                        <p:attrNameLst>
+                                          <p:attrName>style.visibility</p:attrName>
+                                        </p:attrNameLst>
+                                      </p:cBhvr>
+                                      <p:to>
+                                        <p:strVal val="visible"/>
+                                      </p:to>
+                                    </p:set>
+                                    <p:anim calcmode="lin" valueType="num">
+                                      <p:cBhvr additive="base">
+                                        <p:cTn id="11" dur="500" fill="hold"/>
+                                        <p:tgtEl>
+                                          <p:spTgt spid="5"/>
+                                        </p:tgtEl>
+                                        <p:attrNameLst>
+                                          <p:attrName>ppt_x</p:attrName>
+                                        </p:attrNameLst>
+                                      </p:cBhvr>
+                                      <p:tavLst>
+                                        <p:tav tm="0">
+                                          <p:val>
+                                            <p:strVal val="1+#ppt_w/2"/>
+                                          </p:val>
+                                        </p:tav>
+                                        <p:tav tm="100000">
+                                          <p:val>
+                                            <p:strVal val="#ppt_x"/>
+                                          </p:val>
+                                        </p:tav>
+                                      </p:tavLst>
+                                    </p:anim>
+                                    <p:anim calcmode="lin" valueType="num">
+                                      <p:cBhvr additive="base">
+                                        <p:cTn id="12" dur="500" fill="hold"/>
+                                        <p:tgtEl>
+                                          <p:spTgt spid="5"/>
+                                        </p:tgtEl>
+                                        <p:attrNameLst>
+                                          <p:attrName>ppt_y</p:attrName>
+                                        </p:attrNameLst>
+                                      </p:cBhvr>
+                                      <p:tavLst>
+                                        <p:tav tm="0">
+                                          <p:val>
+                                            <p:strVal val="#ppt_y"/>
+                                          </p:val>
+                                        </p:tav>
+                                        <p:tav tm="100000">
+                                          <p:val>
+                                            <p:strVal val="#ppt_y"/>
+                                          </p:val>
+                                        </p:tav>
+                                      </p:tavLst>
+                                    </p:anim>
+                                  </p:childTnLst>
+                                </p:cTn>
+                              </p:par>
+                            </p:childTnLst>
+                          </p:cTn>
+                        </p:par>
+                      </p:childTnLst>
+                    </p:cTn>
+                  </p:par>
+                  <p:par>
+                    <p:cTn id="13" fill="hold">
+                      <p:stCondLst>
+                        <p:cond delay="indefinite"/>
+                      </p:stCondLst>
+                      <p:childTnLst>
+                        <p:par>
+                          <p:cTn id="14" fill="hold">
+                            <p:stCondLst>
+                              <p:cond delay="0"/>
+                            </p:stCondLst>
+                            <p:childTnLst>
+                              <p:par>
+                                <p:cTn id="15" presetID="2" presetClass="entr" presetSubtype="4" fill="hold" nodeType="clickEffect">
+                                  <p:stCondLst>
+                                    <p:cond delay="0"/>
+                                  </p:stCondLst>
+                                  <p:childTnLst>
+                                    <p:set>
+                                      <p:cBhvr>
+                                        <p:cTn id="16" dur="1" fill="hold">
+                                          <p:stCondLst>
+                                            <p:cond delay="0"/>
+                                          </p:stCondLst>
+                                        </p:cTn>
+                                        <p:tgtEl>
+                                          <p:spTgt spid="512003">
+                                            <p:txEl>
+                                              <p:pRg st="6" end="6"/>
+                                            </p:txEl>
+                                          </p:spTgt>
+                                        </p:tgtEl>
+                                        <p:attrNameLst>
+                                          <p:attrName>style.visibility</p:attrName>
+                                        </p:attrNameLst>
+                                      </p:cBhvr>
+                                      <p:to>
+                                        <p:strVal val="visible"/>
+                                      </p:to>
+                                    </p:set>
+                                    <p:anim calcmode="lin" valueType="num">
+                                      <p:cBhvr additive="base">
+                                        <p:cTn id="17" dur="500" fill="hold"/>
+                                        <p:tgtEl>
+                                          <p:spTgt spid="512003">
+                                            <p:txEl>
+                                              <p:pRg st="6" end="6"/>
+                                            </p:txEl>
+                                          </p:spTgt>
+                                        </p:tgtEl>
+                                        <p:attrNameLst>
+                                          <p:attrName>ppt_x</p:attrName>
+                                        </p:attrNameLst>
+                                      </p:cBhvr>
+                                      <p:tavLst>
+                                        <p:tav tm="0">
+                                          <p:val>
+                                            <p:strVal val="#ppt_x"/>
+                                          </p:val>
+                                        </p:tav>
+                                        <p:tav tm="100000">
+                                          <p:val>
+                                            <p:strVal val="#ppt_x"/>
+                                          </p:val>
+                                        </p:tav>
+                                      </p:tavLst>
+                                    </p:anim>
+                                    <p:anim calcmode="lin" valueType="num">
+                                      <p:cBhvr additive="base">
+                                        <p:cTn id="18" dur="500" fill="hold"/>
+                                        <p:tgtEl>
+                                          <p:spTgt spid="512003">
+                                            <p:txEl>
+                                              <p:pRg st="6" end="6"/>
+                                            </p:txEl>
+                                          </p:spTgt>
+                                        </p:tgtEl>
+                                        <p:attrNameLst>
+                                          <p:attrName>ppt_y</p:attrName>
+                                        </p:attrNameLst>
+                                      </p:cBhvr>
+                                      <p:tavLst>
+                                        <p:tav tm="0">
+                                          <p:val>
+                                            <p:strVal val="1+#ppt_h/2"/>
+                                          </p:val>
+                                        </p:tav>
+                                        <p:tav tm="100000">
+                                          <p:val>
+                                            <p:strVal val="#ppt_y"/>
+                                          </p:val>
+                                        </p:tav>
+                                      </p:tavLst>
+                                    </p:anim>
+                                  </p:childTnLst>
+                                </p:cTn>
+                              </p:par>
+                            </p:childTnLst>
+                          </p:cTn>
+                        </p:par>
+                      </p:childTnLst>
+                    </p:cTn>
+                  </p:par>
+                </p:childTnLst>
+              </p:cTn>
+              <p:prevCondLst>
+                <p:cond evt="onPrev" delay="0">
+                  <p:tgtEl>
+                    <p:sldTgt/>
+                  </p:tgtEl>
+                </p:cond>
+              </p:prevCondLst>
+              <p:nextCondLst>
+                <p:cond evt="onNext" delay="0">
+                  <p:tgtEl>
+                    <p:sldTgt/>
+                  </p:tgtEl>
+                </p:cond>
+              </p:nextCondLst>
+            </p:seq>
+          </p:childTnLst>
+        </p:cTn>
       </p:par>
     </p:tnLst>
+    <p:bldLst>
+      <p:bldP spid="5" grpId="0" animBg="1"/>
+    </p:bldLst>
   </p:timing>
 </p:sld>
 </file>
@@ -9767,9 +17175,9 @@
       </p:grpSpPr>
       <p:sp>
         <p:nvSpPr>
-          <p:cNvPr id="2" name="Título 1"/>
-          <p:cNvSpPr>
-            <a:spLocks noGrp="1"/>
+          <p:cNvPr id="512002" name="Rectangle 2"/>
+          <p:cNvSpPr>
+            <a:spLocks noGrp="1" noChangeArrowheads="1"/>
           </p:cNvSpPr>
           <p:nvPr>
             <p:ph type="title"/>
@@ -9780,17 +17188,9 @@
           <a:bodyPr/>
           <a:lstStyle/>
           <a:p>
-            <a:pPr rtl="0" eaLnBrk="1" fontAlgn="base" hangingPunct="1"/>
-            <a:r>
-              <a:rPr lang="pt-BR" sz="4600" kern="1200" dirty="0" smtClean="0">
-                <a:solidFill>
-                  <a:schemeClr val="tx1"/>
-                </a:solidFill>
-                <a:latin typeface="+mj-lt"/>
-                <a:ea typeface="+mj-ea"/>
-                <a:cs typeface="+mj-cs"/>
-              </a:rPr>
-              <a:t>Exceções transferidas</a:t>
+            <a:r>
+              <a:rPr lang="pt-BR" dirty="0" smtClean="0"/>
+              <a:t>Exceções verificadas</a:t>
             </a:r>
             <a:endParaRPr lang="pt-BR" dirty="0"/>
           </a:p>
@@ -9798,49 +17198,189 @@
       </p:sp>
       <p:sp>
         <p:nvSpPr>
-          <p:cNvPr id="6" name="Espaço Reservado para Conteúdo 5"/>
-          <p:cNvSpPr>
-            <a:spLocks noGrp="1"/>
+          <p:cNvPr id="512003" name="Rectangle 3"/>
+          <p:cNvSpPr>
+            <a:spLocks noGrp="1" noChangeArrowheads="1"/>
           </p:cNvSpPr>
           <p:nvPr>
             <p:ph idx="1"/>
           </p:nvPr>
         </p:nvSpPr>
-        <p:spPr/>
+        <p:spPr>
+          <a:xfrm>
+            <a:off x="457200" y="2425154"/>
+            <a:ext cx="7715200" cy="3812157"/>
+          </a:xfrm>
+        </p:spPr>
         <p:txBody>
           <a:bodyPr/>
           <a:lstStyle/>
           <a:p>
-            <a:endParaRPr lang="pt-BR"/>
-          </a:p>
-        </p:txBody>
-      </p:sp>
-      <p:sp>
-        <p:nvSpPr>
-          <p:cNvPr id="5" name="Espaço Reservado para Número de Slide 4"/>
-          <p:cNvSpPr>
-            <a:spLocks noGrp="1"/>
-          </p:cNvSpPr>
-          <p:nvPr>
-            <p:ph type="sldNum" sz="quarter" idx="12"/>
-          </p:nvPr>
-        </p:nvSpPr>
-        <p:spPr/>
-        <p:txBody>
-          <a:bodyPr/>
-          <a:lstStyle/>
-          <a:p>
-            <a:pPr>
-              <a:defRPr/>
-            </a:pPr>
-            <a:fld id="{DAB16DC1-F000-4B90-9425-1E014EE80EC3}" type="slidenum">
-              <a:rPr lang="pt-BR" smtClean="0"/>
-              <a:pPr>
-                <a:defRPr/>
-              </a:pPr>
-              <a:t>9</a:t>
-            </a:fld>
-            <a:endParaRPr lang="pt-BR"/>
+            <a:pPr marL="442913" indent="0">
+              <a:spcBef>
+                <a:spcPts val="400"/>
+              </a:spcBef>
+              <a:buFontTx/>
+              <a:buNone/>
+            </a:pPr>
+            <a:r>
+              <a:rPr lang="pt-BR" sz="2400" dirty="0" err="1" smtClean="0">
+                <a:solidFill>
+                  <a:srgbClr val="FFC000"/>
+                </a:solidFill>
+              </a:rPr>
+              <a:t>FileReader</a:t>
+            </a:r>
+            <a:r>
+              <a:rPr lang="pt-BR" sz="2400" dirty="0" smtClean="0">
+                <a:solidFill>
+                  <a:srgbClr val="FFC000"/>
+                </a:solidFill>
+              </a:rPr>
+              <a:t> texto;</a:t>
+            </a:r>
+          </a:p>
+          <a:p>
+            <a:pPr marL="442913" indent="0">
+              <a:spcBef>
+                <a:spcPts val="400"/>
+              </a:spcBef>
+              <a:buFontTx/>
+              <a:buNone/>
+            </a:pPr>
+            <a:r>
+              <a:rPr lang="pt-BR" sz="2400" dirty="0" smtClean="0">
+                <a:solidFill>
+                  <a:srgbClr val="FFC000"/>
+                </a:solidFill>
+              </a:rPr>
+              <a:t>...</a:t>
+            </a:r>
+          </a:p>
+          <a:p>
+            <a:pPr marL="442913" indent="0">
+              <a:spcBef>
+                <a:spcPts val="400"/>
+              </a:spcBef>
+              <a:buFontTx/>
+              <a:buNone/>
+            </a:pPr>
+            <a:r>
+              <a:rPr lang="pt-BR" sz="2400" dirty="0" err="1" smtClean="0"/>
+              <a:t>try</a:t>
+            </a:r>
+            <a:r>
+              <a:rPr lang="pt-BR" sz="2400" dirty="0" smtClean="0"/>
+              <a:t> {</a:t>
+            </a:r>
+          </a:p>
+          <a:p>
+            <a:pPr marL="442913" indent="0">
+              <a:spcBef>
+                <a:spcPts val="400"/>
+              </a:spcBef>
+              <a:buFontTx/>
+              <a:buNone/>
+            </a:pPr>
+            <a:r>
+              <a:rPr lang="pt-BR" sz="2400" dirty="0" smtClean="0">
+                <a:solidFill>
+                  <a:srgbClr val="FFC000"/>
+                </a:solidFill>
+              </a:rPr>
+              <a:t>	texto = </a:t>
+            </a:r>
+            <a:r>
+              <a:rPr lang="pt-BR" sz="2400" dirty="0" err="1" smtClean="0">
+                <a:solidFill>
+                  <a:srgbClr val="FFC000"/>
+                </a:solidFill>
+              </a:rPr>
+              <a:t>new</a:t>
+            </a:r>
+            <a:r>
+              <a:rPr lang="pt-BR" sz="2400" dirty="0" smtClean="0">
+                <a:solidFill>
+                  <a:srgbClr val="FFC000"/>
+                </a:solidFill>
+              </a:rPr>
+              <a:t> </a:t>
+            </a:r>
+            <a:r>
+              <a:rPr lang="pt-BR" sz="2400" dirty="0" err="1" smtClean="0">
+                <a:solidFill>
+                  <a:srgbClr val="FFC000"/>
+                </a:solidFill>
+              </a:rPr>
+              <a:t>FileReader</a:t>
+            </a:r>
+            <a:r>
+              <a:rPr lang="pt-BR" sz="2400" dirty="0" smtClean="0">
+                <a:solidFill>
+                  <a:srgbClr val="FFC000"/>
+                </a:solidFill>
+              </a:rPr>
+              <a:t>(“C:\\arquivos\\carta.txt”);</a:t>
+            </a:r>
+          </a:p>
+          <a:p>
+            <a:pPr marL="442913" indent="0">
+              <a:spcBef>
+                <a:spcPts val="400"/>
+              </a:spcBef>
+              <a:buFontTx/>
+              <a:buNone/>
+            </a:pPr>
+            <a:r>
+              <a:rPr lang="pt-BR" sz="2400" dirty="0" smtClean="0"/>
+              <a:t>} catch (</a:t>
+            </a:r>
+            <a:r>
+              <a:rPr lang="pt-BR" sz="2400" dirty="0" err="1" smtClean="0">
+                <a:solidFill>
+                  <a:srgbClr val="FFC000"/>
+                </a:solidFill>
+              </a:rPr>
+              <a:t>FileNotFoundException</a:t>
+            </a:r>
+            <a:r>
+              <a:rPr lang="pt-BR" sz="2400" dirty="0" smtClean="0"/>
+              <a:t> e) {</a:t>
+            </a:r>
+          </a:p>
+          <a:p>
+            <a:pPr marL="442913" indent="0">
+              <a:spcBef>
+                <a:spcPts val="400"/>
+              </a:spcBef>
+              <a:buFontTx/>
+              <a:buNone/>
+            </a:pPr>
+            <a:r>
+              <a:rPr lang="pt-BR" sz="2400" dirty="0" smtClean="0"/>
+              <a:t>	System.</a:t>
+            </a:r>
+            <a:r>
+              <a:rPr lang="pt-BR" sz="2400" dirty="0" err="1" smtClean="0"/>
+              <a:t>out.println</a:t>
+            </a:r>
+            <a:r>
+              <a:rPr lang="pt-BR" sz="2400" dirty="0" smtClean="0"/>
+              <a:t>(“Arquivo não encontrado”);</a:t>
+            </a:r>
+          </a:p>
+          <a:p>
+            <a:pPr marL="442913" indent="0">
+              <a:spcBef>
+                <a:spcPts val="400"/>
+              </a:spcBef>
+              <a:buFontTx/>
+              <a:buNone/>
+            </a:pPr>
+            <a:r>
+              <a:rPr lang="pt-BR" sz="2400" dirty="0" smtClean="0"/>
+              <a:t>}</a:t>
+            </a:r>
           </a:p>
         </p:txBody>
       </p:sp>
@@ -9849,6 +17389,13 @@
   <p:clrMapOvr>
     <a:masterClrMapping/>
   </p:clrMapOvr>
+  <p:timing>
+    <p:tnLst>
+      <p:par>
+        <p:cTn id="1" dur="indefinite" restart="never" nodeType="tmRoot"/>
+      </p:par>
+    </p:tnLst>
+  </p:timing>
 </p:sld>
 </file>
 

--- a/2-Java-Programmer-Modulo-II/12.Capitulo06.pptx
+++ b/2-Java-Programmer-Modulo-II/12.Capitulo06.pptx
@@ -5,7 +5,7 @@
     <p:sldMasterId id="2147483660" r:id="rId1"/>
   </p:sldMasterIdLst>
   <p:notesMasterIdLst>
-    <p:notesMasterId r:id="rId28"/>
+    <p:notesMasterId r:id="rId35"/>
   </p:notesMasterIdLst>
   <p:sldIdLst>
     <p:sldId id="256" r:id="rId2"/>
@@ -23,17 +23,24 @@
     <p:sldId id="336" r:id="rId14"/>
     <p:sldId id="337" r:id="rId15"/>
     <p:sldId id="326" r:id="rId16"/>
-    <p:sldId id="344" r:id="rId17"/>
-    <p:sldId id="322" r:id="rId18"/>
-    <p:sldId id="345" r:id="rId19"/>
-    <p:sldId id="346" r:id="rId20"/>
-    <p:sldId id="347" r:id="rId21"/>
-    <p:sldId id="349" r:id="rId22"/>
-    <p:sldId id="348" r:id="rId23"/>
-    <p:sldId id="338" r:id="rId24"/>
-    <p:sldId id="323" r:id="rId25"/>
-    <p:sldId id="327" r:id="rId26"/>
-    <p:sldId id="328" r:id="rId27"/>
+    <p:sldId id="323" r:id="rId17"/>
+    <p:sldId id="353" r:id="rId18"/>
+    <p:sldId id="344" r:id="rId19"/>
+    <p:sldId id="322" r:id="rId20"/>
+    <p:sldId id="345" r:id="rId21"/>
+    <p:sldId id="346" r:id="rId22"/>
+    <p:sldId id="347" r:id="rId23"/>
+    <p:sldId id="349" r:id="rId24"/>
+    <p:sldId id="348" r:id="rId25"/>
+    <p:sldId id="350" r:id="rId26"/>
+    <p:sldId id="355" r:id="rId27"/>
+    <p:sldId id="327" r:id="rId28"/>
+    <p:sldId id="354" r:id="rId29"/>
+    <p:sldId id="328" r:id="rId30"/>
+    <p:sldId id="356" r:id="rId31"/>
+    <p:sldId id="357" r:id="rId32"/>
+    <p:sldId id="358" r:id="rId33"/>
+    <p:sldId id="359" r:id="rId34"/>
   </p:sldIdLst>
   <p:sldSz cx="9144000" cy="6858000" type="screen4x3"/>
   <p:notesSz cx="6858000" cy="9144000"/>
@@ -274,7 +281,7 @@
               <a:pPr>
                 <a:defRPr/>
               </a:pPr>
-              <a:t>06/04/2012</a:t>
+              <a:t>08/04/2012</a:t>
             </a:fld>
             <a:endParaRPr lang="pt-BR"/>
           </a:p>
@@ -2280,6 +2287,267 @@
 </p:notes>
 </file>
 
+<file path=ppt/notesSlides/notesSlide27.xml><?xml version="1.0" encoding="utf-8"?>
+<p:notes xmlns:a="http://schemas.openxmlformats.org/drawingml/2006/main" xmlns:r="http://schemas.openxmlformats.org/officeDocument/2006/relationships" xmlns:p="http://schemas.openxmlformats.org/presentationml/2006/main">
+  <p:cSld>
+    <p:spTree>
+      <p:nvGrpSpPr>
+        <p:cNvPr id="1" name=""/>
+        <p:cNvGrpSpPr/>
+        <p:nvPr/>
+      </p:nvGrpSpPr>
+      <p:grpSpPr>
+        <a:xfrm>
+          <a:off x="0" y="0"/>
+          <a:ext cx="0" cy="0"/>
+          <a:chOff x="0" y="0"/>
+          <a:chExt cx="0" cy="0"/>
+        </a:xfrm>
+      </p:grpSpPr>
+      <p:sp>
+        <p:nvSpPr>
+          <p:cNvPr id="2" name="Espaço Reservado para Imagem de Slide 1"/>
+          <p:cNvSpPr>
+            <a:spLocks noGrp="1" noRot="1" noChangeAspect="1"/>
+          </p:cNvSpPr>
+          <p:nvPr>
+            <p:ph type="sldImg"/>
+          </p:nvPr>
+        </p:nvSpPr>
+        <p:spPr/>
+      </p:sp>
+      <p:sp>
+        <p:nvSpPr>
+          <p:cNvPr id="3" name="Espaço Reservado para Anotações 2"/>
+          <p:cNvSpPr>
+            <a:spLocks noGrp="1"/>
+          </p:cNvSpPr>
+          <p:nvPr>
+            <p:ph type="body" idx="1"/>
+          </p:nvPr>
+        </p:nvSpPr>
+        <p:spPr/>
+        <p:txBody>
+          <a:bodyPr>
+            <a:normAutofit/>
+          </a:bodyPr>
+          <a:lstStyle/>
+          <a:p>
+            <a:endParaRPr lang="pt-BR"/>
+          </a:p>
+        </p:txBody>
+      </p:sp>
+      <p:sp>
+        <p:nvSpPr>
+          <p:cNvPr id="4" name="Espaço Reservado para Número de Slide 3"/>
+          <p:cNvSpPr>
+            <a:spLocks noGrp="1"/>
+          </p:cNvSpPr>
+          <p:nvPr>
+            <p:ph type="sldNum" sz="quarter" idx="10"/>
+          </p:nvPr>
+        </p:nvSpPr>
+        <p:spPr/>
+        <p:txBody>
+          <a:bodyPr/>
+          <a:lstStyle/>
+          <a:p>
+            <a:pPr>
+              <a:defRPr/>
+            </a:pPr>
+            <a:fld id="{A1564085-A201-4A92-B865-4522CAEE4E86}" type="slidenum">
+              <a:rPr lang="pt-BR" smtClean="0"/>
+              <a:pPr>
+                <a:defRPr/>
+              </a:pPr>
+              <a:t>27</a:t>
+            </a:fld>
+            <a:endParaRPr lang="pt-BR"/>
+          </a:p>
+        </p:txBody>
+      </p:sp>
+    </p:spTree>
+  </p:cSld>
+  <p:clrMapOvr>
+    <a:masterClrMapping/>
+  </p:clrMapOvr>
+</p:notes>
+</file>
+
+<file path=ppt/notesSlides/notesSlide28.xml><?xml version="1.0" encoding="utf-8"?>
+<p:notes xmlns:a="http://schemas.openxmlformats.org/drawingml/2006/main" xmlns:r="http://schemas.openxmlformats.org/officeDocument/2006/relationships" xmlns:p="http://schemas.openxmlformats.org/presentationml/2006/main">
+  <p:cSld>
+    <p:spTree>
+      <p:nvGrpSpPr>
+        <p:cNvPr id="1" name=""/>
+        <p:cNvGrpSpPr/>
+        <p:nvPr/>
+      </p:nvGrpSpPr>
+      <p:grpSpPr>
+        <a:xfrm>
+          <a:off x="0" y="0"/>
+          <a:ext cx="0" cy="0"/>
+          <a:chOff x="0" y="0"/>
+          <a:chExt cx="0" cy="0"/>
+        </a:xfrm>
+      </p:grpSpPr>
+      <p:sp>
+        <p:nvSpPr>
+          <p:cNvPr id="2" name="Espaço Reservado para Imagem de Slide 1"/>
+          <p:cNvSpPr>
+            <a:spLocks noGrp="1" noRot="1" noChangeAspect="1"/>
+          </p:cNvSpPr>
+          <p:nvPr>
+            <p:ph type="sldImg"/>
+          </p:nvPr>
+        </p:nvSpPr>
+        <p:spPr/>
+      </p:sp>
+      <p:sp>
+        <p:nvSpPr>
+          <p:cNvPr id="3" name="Espaço Reservado para Anotações 2"/>
+          <p:cNvSpPr>
+            <a:spLocks noGrp="1"/>
+          </p:cNvSpPr>
+          <p:nvPr>
+            <p:ph type="body" idx="1"/>
+          </p:nvPr>
+        </p:nvSpPr>
+        <p:spPr/>
+        <p:txBody>
+          <a:bodyPr>
+            <a:normAutofit/>
+          </a:bodyPr>
+          <a:lstStyle/>
+          <a:p>
+            <a:endParaRPr lang="pt-BR"/>
+          </a:p>
+        </p:txBody>
+      </p:sp>
+      <p:sp>
+        <p:nvSpPr>
+          <p:cNvPr id="4" name="Espaço Reservado para Número de Slide 3"/>
+          <p:cNvSpPr>
+            <a:spLocks noGrp="1"/>
+          </p:cNvSpPr>
+          <p:nvPr>
+            <p:ph type="sldNum" sz="quarter" idx="10"/>
+          </p:nvPr>
+        </p:nvSpPr>
+        <p:spPr/>
+        <p:txBody>
+          <a:bodyPr/>
+          <a:lstStyle/>
+          <a:p>
+            <a:pPr>
+              <a:defRPr/>
+            </a:pPr>
+            <a:fld id="{A1564085-A201-4A92-B865-4522CAEE4E86}" type="slidenum">
+              <a:rPr lang="pt-BR" smtClean="0"/>
+              <a:pPr>
+                <a:defRPr/>
+              </a:pPr>
+              <a:t>28</a:t>
+            </a:fld>
+            <a:endParaRPr lang="pt-BR"/>
+          </a:p>
+        </p:txBody>
+      </p:sp>
+    </p:spTree>
+  </p:cSld>
+  <p:clrMapOvr>
+    <a:masterClrMapping/>
+  </p:clrMapOvr>
+</p:notes>
+</file>
+
+<file path=ppt/notesSlides/notesSlide29.xml><?xml version="1.0" encoding="utf-8"?>
+<p:notes xmlns:a="http://schemas.openxmlformats.org/drawingml/2006/main" xmlns:r="http://schemas.openxmlformats.org/officeDocument/2006/relationships" xmlns:p="http://schemas.openxmlformats.org/presentationml/2006/main">
+  <p:cSld>
+    <p:spTree>
+      <p:nvGrpSpPr>
+        <p:cNvPr id="1" name=""/>
+        <p:cNvGrpSpPr/>
+        <p:nvPr/>
+      </p:nvGrpSpPr>
+      <p:grpSpPr>
+        <a:xfrm>
+          <a:off x="0" y="0"/>
+          <a:ext cx="0" cy="0"/>
+          <a:chOff x="0" y="0"/>
+          <a:chExt cx="0" cy="0"/>
+        </a:xfrm>
+      </p:grpSpPr>
+      <p:sp>
+        <p:nvSpPr>
+          <p:cNvPr id="2" name="Espaço Reservado para Imagem de Slide 1"/>
+          <p:cNvSpPr>
+            <a:spLocks noGrp="1" noRot="1" noChangeAspect="1"/>
+          </p:cNvSpPr>
+          <p:nvPr>
+            <p:ph type="sldImg"/>
+          </p:nvPr>
+        </p:nvSpPr>
+        <p:spPr/>
+      </p:sp>
+      <p:sp>
+        <p:nvSpPr>
+          <p:cNvPr id="3" name="Espaço Reservado para Anotações 2"/>
+          <p:cNvSpPr>
+            <a:spLocks noGrp="1"/>
+          </p:cNvSpPr>
+          <p:nvPr>
+            <p:ph type="body" idx="1"/>
+          </p:nvPr>
+        </p:nvSpPr>
+        <p:spPr/>
+        <p:txBody>
+          <a:bodyPr>
+            <a:normAutofit/>
+          </a:bodyPr>
+          <a:lstStyle/>
+          <a:p>
+            <a:endParaRPr lang="pt-BR"/>
+          </a:p>
+        </p:txBody>
+      </p:sp>
+      <p:sp>
+        <p:nvSpPr>
+          <p:cNvPr id="4" name="Espaço Reservado para Número de Slide 3"/>
+          <p:cNvSpPr>
+            <a:spLocks noGrp="1"/>
+          </p:cNvSpPr>
+          <p:nvPr>
+            <p:ph type="sldNum" sz="quarter" idx="10"/>
+          </p:nvPr>
+        </p:nvSpPr>
+        <p:spPr/>
+        <p:txBody>
+          <a:bodyPr/>
+          <a:lstStyle/>
+          <a:p>
+            <a:pPr>
+              <a:defRPr/>
+            </a:pPr>
+            <a:fld id="{A1564085-A201-4A92-B865-4522CAEE4E86}" type="slidenum">
+              <a:rPr lang="pt-BR" smtClean="0"/>
+              <a:pPr>
+                <a:defRPr/>
+              </a:pPr>
+              <a:t>29</a:t>
+            </a:fld>
+            <a:endParaRPr lang="pt-BR"/>
+          </a:p>
+        </p:txBody>
+      </p:sp>
+    </p:spTree>
+  </p:cSld>
+  <p:clrMapOvr>
+    <a:masterClrMapping/>
+  </p:clrMapOvr>
+</p:notes>
+</file>
+
 <file path=ppt/notesSlides/notesSlide3.xml><?xml version="1.0" encoding="utf-8"?>
 <p:notes xmlns:a="http://schemas.openxmlformats.org/drawingml/2006/main" xmlns:r="http://schemas.openxmlformats.org/officeDocument/2006/relationships" xmlns:p="http://schemas.openxmlformats.org/presentationml/2006/main">
   <p:cSld>
@@ -2354,6 +2622,354 @@
                 <a:defRPr/>
               </a:pPr>
               <a:t>3</a:t>
+            </a:fld>
+            <a:endParaRPr lang="pt-BR"/>
+          </a:p>
+        </p:txBody>
+      </p:sp>
+    </p:spTree>
+  </p:cSld>
+  <p:clrMapOvr>
+    <a:masterClrMapping/>
+  </p:clrMapOvr>
+</p:notes>
+</file>
+
+<file path=ppt/notesSlides/notesSlide30.xml><?xml version="1.0" encoding="utf-8"?>
+<p:notes xmlns:a="http://schemas.openxmlformats.org/drawingml/2006/main" xmlns:r="http://schemas.openxmlformats.org/officeDocument/2006/relationships" xmlns:p="http://schemas.openxmlformats.org/presentationml/2006/main">
+  <p:cSld>
+    <p:spTree>
+      <p:nvGrpSpPr>
+        <p:cNvPr id="1" name=""/>
+        <p:cNvGrpSpPr/>
+        <p:nvPr/>
+      </p:nvGrpSpPr>
+      <p:grpSpPr>
+        <a:xfrm>
+          <a:off x="0" y="0"/>
+          <a:ext cx="0" cy="0"/>
+          <a:chOff x="0" y="0"/>
+          <a:chExt cx="0" cy="0"/>
+        </a:xfrm>
+      </p:grpSpPr>
+      <p:sp>
+        <p:nvSpPr>
+          <p:cNvPr id="2" name="Espaço Reservado para Imagem de Slide 1"/>
+          <p:cNvSpPr>
+            <a:spLocks noGrp="1" noRot="1" noChangeAspect="1"/>
+          </p:cNvSpPr>
+          <p:nvPr>
+            <p:ph type="sldImg"/>
+          </p:nvPr>
+        </p:nvSpPr>
+        <p:spPr/>
+      </p:sp>
+      <p:sp>
+        <p:nvSpPr>
+          <p:cNvPr id="3" name="Espaço Reservado para Anotações 2"/>
+          <p:cNvSpPr>
+            <a:spLocks noGrp="1"/>
+          </p:cNvSpPr>
+          <p:nvPr>
+            <p:ph type="body" idx="1"/>
+          </p:nvPr>
+        </p:nvSpPr>
+        <p:spPr/>
+        <p:txBody>
+          <a:bodyPr>
+            <a:normAutofit/>
+          </a:bodyPr>
+          <a:lstStyle/>
+          <a:p>
+            <a:endParaRPr lang="pt-BR"/>
+          </a:p>
+        </p:txBody>
+      </p:sp>
+      <p:sp>
+        <p:nvSpPr>
+          <p:cNvPr id="4" name="Espaço Reservado para Número de Slide 3"/>
+          <p:cNvSpPr>
+            <a:spLocks noGrp="1"/>
+          </p:cNvSpPr>
+          <p:nvPr>
+            <p:ph type="sldNum" sz="quarter" idx="10"/>
+          </p:nvPr>
+        </p:nvSpPr>
+        <p:spPr/>
+        <p:txBody>
+          <a:bodyPr/>
+          <a:lstStyle/>
+          <a:p>
+            <a:pPr>
+              <a:defRPr/>
+            </a:pPr>
+            <a:fld id="{A1564085-A201-4A92-B865-4522CAEE4E86}" type="slidenum">
+              <a:rPr lang="pt-BR" smtClean="0"/>
+              <a:pPr>
+                <a:defRPr/>
+              </a:pPr>
+              <a:t>30</a:t>
+            </a:fld>
+            <a:endParaRPr lang="pt-BR"/>
+          </a:p>
+        </p:txBody>
+      </p:sp>
+    </p:spTree>
+  </p:cSld>
+  <p:clrMapOvr>
+    <a:masterClrMapping/>
+  </p:clrMapOvr>
+</p:notes>
+</file>
+
+<file path=ppt/notesSlides/notesSlide31.xml><?xml version="1.0" encoding="utf-8"?>
+<p:notes xmlns:a="http://schemas.openxmlformats.org/drawingml/2006/main" xmlns:r="http://schemas.openxmlformats.org/officeDocument/2006/relationships" xmlns:p="http://schemas.openxmlformats.org/presentationml/2006/main">
+  <p:cSld>
+    <p:spTree>
+      <p:nvGrpSpPr>
+        <p:cNvPr id="1" name=""/>
+        <p:cNvGrpSpPr/>
+        <p:nvPr/>
+      </p:nvGrpSpPr>
+      <p:grpSpPr>
+        <a:xfrm>
+          <a:off x="0" y="0"/>
+          <a:ext cx="0" cy="0"/>
+          <a:chOff x="0" y="0"/>
+          <a:chExt cx="0" cy="0"/>
+        </a:xfrm>
+      </p:grpSpPr>
+      <p:sp>
+        <p:nvSpPr>
+          <p:cNvPr id="2" name="Espaço Reservado para Imagem de Slide 1"/>
+          <p:cNvSpPr>
+            <a:spLocks noGrp="1" noRot="1" noChangeAspect="1"/>
+          </p:cNvSpPr>
+          <p:nvPr>
+            <p:ph type="sldImg"/>
+          </p:nvPr>
+        </p:nvSpPr>
+        <p:spPr/>
+      </p:sp>
+      <p:sp>
+        <p:nvSpPr>
+          <p:cNvPr id="3" name="Espaço Reservado para Anotações 2"/>
+          <p:cNvSpPr>
+            <a:spLocks noGrp="1"/>
+          </p:cNvSpPr>
+          <p:nvPr>
+            <p:ph type="body" idx="1"/>
+          </p:nvPr>
+        </p:nvSpPr>
+        <p:spPr/>
+        <p:txBody>
+          <a:bodyPr>
+            <a:normAutofit/>
+          </a:bodyPr>
+          <a:lstStyle/>
+          <a:p>
+            <a:endParaRPr lang="pt-BR"/>
+          </a:p>
+        </p:txBody>
+      </p:sp>
+      <p:sp>
+        <p:nvSpPr>
+          <p:cNvPr id="4" name="Espaço Reservado para Número de Slide 3"/>
+          <p:cNvSpPr>
+            <a:spLocks noGrp="1"/>
+          </p:cNvSpPr>
+          <p:nvPr>
+            <p:ph type="sldNum" sz="quarter" idx="10"/>
+          </p:nvPr>
+        </p:nvSpPr>
+        <p:spPr/>
+        <p:txBody>
+          <a:bodyPr/>
+          <a:lstStyle/>
+          <a:p>
+            <a:pPr>
+              <a:defRPr/>
+            </a:pPr>
+            <a:fld id="{A1564085-A201-4A92-B865-4522CAEE4E86}" type="slidenum">
+              <a:rPr lang="pt-BR" smtClean="0"/>
+              <a:pPr>
+                <a:defRPr/>
+              </a:pPr>
+              <a:t>31</a:t>
+            </a:fld>
+            <a:endParaRPr lang="pt-BR"/>
+          </a:p>
+        </p:txBody>
+      </p:sp>
+    </p:spTree>
+  </p:cSld>
+  <p:clrMapOvr>
+    <a:masterClrMapping/>
+  </p:clrMapOvr>
+</p:notes>
+</file>
+
+<file path=ppt/notesSlides/notesSlide32.xml><?xml version="1.0" encoding="utf-8"?>
+<p:notes xmlns:a="http://schemas.openxmlformats.org/drawingml/2006/main" xmlns:r="http://schemas.openxmlformats.org/officeDocument/2006/relationships" xmlns:p="http://schemas.openxmlformats.org/presentationml/2006/main">
+  <p:cSld>
+    <p:spTree>
+      <p:nvGrpSpPr>
+        <p:cNvPr id="1" name=""/>
+        <p:cNvGrpSpPr/>
+        <p:nvPr/>
+      </p:nvGrpSpPr>
+      <p:grpSpPr>
+        <a:xfrm>
+          <a:off x="0" y="0"/>
+          <a:ext cx="0" cy="0"/>
+          <a:chOff x="0" y="0"/>
+          <a:chExt cx="0" cy="0"/>
+        </a:xfrm>
+      </p:grpSpPr>
+      <p:sp>
+        <p:nvSpPr>
+          <p:cNvPr id="2" name="Espaço Reservado para Imagem de Slide 1"/>
+          <p:cNvSpPr>
+            <a:spLocks noGrp="1" noRot="1" noChangeAspect="1"/>
+          </p:cNvSpPr>
+          <p:nvPr>
+            <p:ph type="sldImg"/>
+          </p:nvPr>
+        </p:nvSpPr>
+        <p:spPr/>
+      </p:sp>
+      <p:sp>
+        <p:nvSpPr>
+          <p:cNvPr id="3" name="Espaço Reservado para Anotações 2"/>
+          <p:cNvSpPr>
+            <a:spLocks noGrp="1"/>
+          </p:cNvSpPr>
+          <p:nvPr>
+            <p:ph type="body" idx="1"/>
+          </p:nvPr>
+        </p:nvSpPr>
+        <p:spPr/>
+        <p:txBody>
+          <a:bodyPr>
+            <a:normAutofit/>
+          </a:bodyPr>
+          <a:lstStyle/>
+          <a:p>
+            <a:endParaRPr lang="pt-BR"/>
+          </a:p>
+        </p:txBody>
+      </p:sp>
+      <p:sp>
+        <p:nvSpPr>
+          <p:cNvPr id="4" name="Espaço Reservado para Número de Slide 3"/>
+          <p:cNvSpPr>
+            <a:spLocks noGrp="1"/>
+          </p:cNvSpPr>
+          <p:nvPr>
+            <p:ph type="sldNum" sz="quarter" idx="10"/>
+          </p:nvPr>
+        </p:nvSpPr>
+        <p:spPr/>
+        <p:txBody>
+          <a:bodyPr/>
+          <a:lstStyle/>
+          <a:p>
+            <a:pPr>
+              <a:defRPr/>
+            </a:pPr>
+            <a:fld id="{A1564085-A201-4A92-B865-4522CAEE4E86}" type="slidenum">
+              <a:rPr lang="pt-BR" smtClean="0"/>
+              <a:pPr>
+                <a:defRPr/>
+              </a:pPr>
+              <a:t>32</a:t>
+            </a:fld>
+            <a:endParaRPr lang="pt-BR"/>
+          </a:p>
+        </p:txBody>
+      </p:sp>
+    </p:spTree>
+  </p:cSld>
+  <p:clrMapOvr>
+    <a:masterClrMapping/>
+  </p:clrMapOvr>
+</p:notes>
+</file>
+
+<file path=ppt/notesSlides/notesSlide33.xml><?xml version="1.0" encoding="utf-8"?>
+<p:notes xmlns:a="http://schemas.openxmlformats.org/drawingml/2006/main" xmlns:r="http://schemas.openxmlformats.org/officeDocument/2006/relationships" xmlns:p="http://schemas.openxmlformats.org/presentationml/2006/main">
+  <p:cSld>
+    <p:spTree>
+      <p:nvGrpSpPr>
+        <p:cNvPr id="1" name=""/>
+        <p:cNvGrpSpPr/>
+        <p:nvPr/>
+      </p:nvGrpSpPr>
+      <p:grpSpPr>
+        <a:xfrm>
+          <a:off x="0" y="0"/>
+          <a:ext cx="0" cy="0"/>
+          <a:chOff x="0" y="0"/>
+          <a:chExt cx="0" cy="0"/>
+        </a:xfrm>
+      </p:grpSpPr>
+      <p:sp>
+        <p:nvSpPr>
+          <p:cNvPr id="2" name="Espaço Reservado para Imagem de Slide 1"/>
+          <p:cNvSpPr>
+            <a:spLocks noGrp="1" noRot="1" noChangeAspect="1"/>
+          </p:cNvSpPr>
+          <p:nvPr>
+            <p:ph type="sldImg"/>
+          </p:nvPr>
+        </p:nvSpPr>
+        <p:spPr/>
+      </p:sp>
+      <p:sp>
+        <p:nvSpPr>
+          <p:cNvPr id="3" name="Espaço Reservado para Anotações 2"/>
+          <p:cNvSpPr>
+            <a:spLocks noGrp="1"/>
+          </p:cNvSpPr>
+          <p:nvPr>
+            <p:ph type="body" idx="1"/>
+          </p:nvPr>
+        </p:nvSpPr>
+        <p:spPr/>
+        <p:txBody>
+          <a:bodyPr>
+            <a:normAutofit/>
+          </a:bodyPr>
+          <a:lstStyle/>
+          <a:p>
+            <a:endParaRPr lang="pt-BR"/>
+          </a:p>
+        </p:txBody>
+      </p:sp>
+      <p:sp>
+        <p:nvSpPr>
+          <p:cNvPr id="4" name="Espaço Reservado para Número de Slide 3"/>
+          <p:cNvSpPr>
+            <a:spLocks noGrp="1"/>
+          </p:cNvSpPr>
+          <p:nvPr>
+            <p:ph type="sldNum" sz="quarter" idx="10"/>
+          </p:nvPr>
+        </p:nvSpPr>
+        <p:spPr/>
+        <p:txBody>
+          <a:bodyPr/>
+          <a:lstStyle/>
+          <a:p>
+            <a:pPr>
+              <a:defRPr/>
+            </a:pPr>
+            <a:fld id="{A1564085-A201-4A92-B865-4522CAEE4E86}" type="slidenum">
+              <a:rPr lang="pt-BR" smtClean="0"/>
+              <a:pPr>
+                <a:defRPr/>
+              </a:pPr>
+              <a:t>33</a:t>
             </a:fld>
             <a:endParaRPr lang="pt-BR"/>
           </a:p>
@@ -3287,7 +3903,7 @@
               <a:pPr>
                 <a:defRPr/>
               </a:pPr>
-              <a:t>06/04/2012</a:t>
+              <a:t>08/04/2012</a:t>
             </a:fld>
             <a:endParaRPr lang="pt-BR"/>
           </a:p>
@@ -3479,7 +4095,7 @@
               <a:pPr>
                 <a:defRPr/>
               </a:pPr>
-              <a:t>06/04/2012</a:t>
+              <a:t>08/04/2012</a:t>
             </a:fld>
             <a:endParaRPr lang="pt-BR"/>
           </a:p>
@@ -3681,7 +4297,7 @@
               <a:pPr>
                 <a:defRPr/>
               </a:pPr>
-              <a:t>06/04/2012</a:t>
+              <a:t>08/04/2012</a:t>
             </a:fld>
             <a:endParaRPr lang="pt-BR"/>
           </a:p>
@@ -3877,7 +4493,7 @@
               <a:pPr>
                 <a:defRPr/>
               </a:pPr>
-              <a:t>06/04/2012</a:t>
+              <a:t>08/04/2012</a:t>
             </a:fld>
             <a:endParaRPr lang="pt-BR"/>
           </a:p>
@@ -4383,7 +4999,7 @@
               <a:pPr>
                 <a:defRPr/>
               </a:pPr>
-              <a:t>06/04/2012</a:t>
+              <a:t>08/04/2012</a:t>
             </a:fld>
             <a:endParaRPr lang="pt-BR"/>
           </a:p>
@@ -4674,7 +5290,7 @@
               <a:pPr>
                 <a:defRPr/>
               </a:pPr>
-              <a:t>06/04/2012</a:t>
+              <a:t>08/04/2012</a:t>
             </a:fld>
             <a:endParaRPr lang="pt-BR"/>
           </a:p>
@@ -5075,7 +5691,7 @@
               <a:pPr>
                 <a:defRPr/>
               </a:pPr>
-              <a:t>06/04/2012</a:t>
+              <a:t>08/04/2012</a:t>
             </a:fld>
             <a:endParaRPr lang="pt-BR"/>
           </a:p>
@@ -5224,7 +5840,7 @@
               <a:pPr>
                 <a:defRPr/>
               </a:pPr>
-              <a:t>06/04/2012</a:t>
+              <a:t>08/04/2012</a:t>
             </a:fld>
             <a:endParaRPr lang="pt-BR"/>
           </a:p>
@@ -5341,7 +5957,7 @@
               <a:pPr>
                 <a:defRPr/>
               </a:pPr>
-              <a:t>06/04/2012</a:t>
+              <a:t>08/04/2012</a:t>
             </a:fld>
             <a:endParaRPr lang="pt-BR"/>
           </a:p>
@@ -5617,7 +6233,7 @@
               <a:pPr>
                 <a:defRPr/>
               </a:pPr>
-              <a:t>06/04/2012</a:t>
+              <a:t>08/04/2012</a:t>
             </a:fld>
             <a:endParaRPr lang="pt-BR"/>
           </a:p>
@@ -5901,7 +6517,7 @@
               <a:pPr>
                 <a:defRPr/>
               </a:pPr>
-              <a:t>06/04/2012</a:t>
+              <a:t>08/04/2012</a:t>
             </a:fld>
             <a:endParaRPr lang="pt-BR"/>
           </a:p>
@@ -6379,7 +6995,7 @@
               <a:pPr>
                 <a:defRPr/>
               </a:pPr>
-              <a:t>06/04/2012</a:t>
+              <a:t>08/04/2012</a:t>
             </a:fld>
             <a:endParaRPr lang="pt-BR"/>
           </a:p>
@@ -7025,29 +7641,6 @@
           <a:chExt cx="0" cy="0"/>
         </a:xfrm>
       </p:grpSpPr>
-      <p:sp>
-        <p:nvSpPr>
-          <p:cNvPr id="510978" name="Rectangle 2"/>
-          <p:cNvSpPr>
-            <a:spLocks noGrp="1" noChangeArrowheads="1"/>
-          </p:cNvSpPr>
-          <p:nvPr>
-            <p:ph type="title"/>
-          </p:nvPr>
-        </p:nvSpPr>
-        <p:spPr/>
-        <p:txBody>
-          <a:bodyPr/>
-          <a:lstStyle/>
-          <a:p>
-            <a:r>
-              <a:rPr lang="pt-BR" dirty="0" smtClean="0"/>
-              <a:t>Exceções verificadas</a:t>
-            </a:r>
-            <a:endParaRPr lang="pt-BR" dirty="0"/>
-          </a:p>
-        </p:txBody>
-      </p:sp>
       <p:graphicFrame>
         <p:nvGraphicFramePr>
           <p:cNvPr id="511009" name="Group 33"/>
@@ -9315,6 +9908,29 @@
           </p:txBody>
         </p:sp>
       </p:grpSp>
+      <p:sp>
+        <p:nvSpPr>
+          <p:cNvPr id="48" name="Título 47"/>
+          <p:cNvSpPr>
+            <a:spLocks noGrp="1"/>
+          </p:cNvSpPr>
+          <p:nvPr>
+            <p:ph type="title"/>
+          </p:nvPr>
+        </p:nvSpPr>
+        <p:spPr/>
+        <p:txBody>
+          <a:bodyPr/>
+          <a:lstStyle/>
+          <a:p>
+            <a:r>
+              <a:rPr lang="pt-BR" dirty="0" smtClean="0"/>
+              <a:t>Exceções verificadas</a:t>
+            </a:r>
+            <a:endParaRPr lang="pt-BR" dirty="0"/>
+          </a:p>
+        </p:txBody>
+      </p:sp>
     </p:spTree>
   </p:cSld>
   <p:clrMapOvr>
@@ -9372,7 +9988,7 @@
                 <a:ea typeface="+mj-ea"/>
                 <a:cs typeface="+mj-cs"/>
               </a:rPr>
-              <a:t>Exceções transferidas</a:t>
+              <a:t>Transferindo exceções</a:t>
             </a:r>
             <a:endParaRPr lang="pt-BR" dirty="0"/>
           </a:p>
@@ -9518,7 +10134,7 @@
           <a:p>
             <a:r>
               <a:rPr lang="pt-BR" dirty="0" smtClean="0"/>
-              <a:t>Exceções transferidas</a:t>
+              <a:t>Transferindo exceções</a:t>
             </a:r>
             <a:endParaRPr lang="pt-BR" dirty="0"/>
           </a:p>
@@ -9846,6 +10462,13 @@
   <p:clrMapOvr>
     <a:masterClrMapping/>
   </p:clrMapOvr>
+  <p:timing>
+    <p:tnLst>
+      <p:par>
+        <p:cTn id="1" dur="indefinite" restart="never" nodeType="tmRoot"/>
+      </p:par>
+    </p:tnLst>
+  </p:timing>
 </p:sld>
 </file>
 
@@ -9938,7 +10561,15 @@
             </a:r>
             <a:r>
               <a:rPr lang="pt-BR" sz="2800" dirty="0" smtClean="0"/>
-              <a:t>/catch que garante a execução de um conjunto de instruções independente mesmo quando não ocorre exceções</a:t>
+              <a:t>/catch que garante a execução de </a:t>
+            </a:r>
+            <a:r>
+              <a:rPr lang="pt-BR" sz="2800" smtClean="0"/>
+              <a:t>instruções mesmo </a:t>
+            </a:r>
+            <a:r>
+              <a:rPr lang="pt-BR" sz="2800" dirty="0" smtClean="0"/>
+              <a:t>quando não ocorre exceções</a:t>
             </a:r>
           </a:p>
           <a:p>
@@ -10177,11 +10808,11 @@
             </a:r>
             <a:r>
               <a:rPr lang="pt-BR" sz="2000" dirty="0" err="1" smtClean="0"/>
-              <a:t>abrirConexao</a:t>
+              <a:t>null</a:t>
             </a:r>
             <a:r>
               <a:rPr lang="pt-BR" sz="2000" dirty="0" smtClean="0"/>
-              <a:t>();</a:t>
+              <a:t>;</a:t>
             </a:r>
           </a:p>
           <a:p>
@@ -10219,7 +10850,26 @@
                 <a:tab pos="900113" algn="l"/>
               </a:tabLst>
             </a:pPr>
-            <a:endParaRPr lang="pt-BR" sz="2000" dirty="0" smtClean="0"/>
+            <a:r>
+              <a:rPr lang="pt-BR" sz="2000" dirty="0" smtClean="0"/>
+              <a:t>		</a:t>
+            </a:r>
+            <a:r>
+              <a:rPr lang="pt-BR" sz="2000" dirty="0" err="1" smtClean="0"/>
+              <a:t>cn</a:t>
+            </a:r>
+            <a:r>
+              <a:rPr lang="pt-BR" sz="2000" dirty="0" smtClean="0"/>
+              <a:t> = </a:t>
+            </a:r>
+            <a:r>
+              <a:rPr lang="pt-BR" sz="2000" dirty="0" err="1" smtClean="0"/>
+              <a:t>abrirConexao</a:t>
+            </a:r>
+            <a:r>
+              <a:rPr lang="pt-BR" sz="2000" dirty="0" smtClean="0"/>
+              <a:t>();</a:t>
+            </a:r>
           </a:p>
           <a:p>
             <a:pPr marL="0" indent="0">
@@ -10515,7 +11165,15 @@
             </a:r>
             <a:r>
               <a:rPr lang="pt-BR" sz="2000" dirty="0" smtClean="0"/>
-              <a:t>();</a:t>
+              <a:t>(</a:t>
+            </a:r>
+            <a:r>
+              <a:rPr lang="pt-BR" sz="2000" dirty="0" err="1" smtClean="0"/>
+              <a:t>cn</a:t>
+            </a:r>
+            <a:r>
+              <a:rPr lang="pt-BR" sz="2000" dirty="0" smtClean="0"/>
+              <a:t>);</a:t>
             </a:r>
           </a:p>
           <a:p>
@@ -10623,7 +11281,12 @@
             <p:ph type="title"/>
           </p:nvPr>
         </p:nvSpPr>
-        <p:spPr/>
+        <p:spPr>
+          <a:xfrm>
+            <a:off x="457200" y="274638"/>
+            <a:ext cx="8003232" cy="1143000"/>
+          </a:xfrm>
+        </p:spPr>
         <p:txBody>
           <a:bodyPr/>
           <a:lstStyle/>
@@ -10638,7 +11301,7 @@
                 <a:ea typeface="+mj-ea"/>
                 <a:cs typeface="+mj-cs"/>
               </a:rPr>
-              <a:t>Principais exceções</a:t>
+              <a:t>Principais métodos de exceções</a:t>
             </a:r>
             <a:endParaRPr lang="pt-BR" dirty="0"/>
           </a:p>
@@ -10660,164 +11323,163 @@
           <a:lstStyle/>
           <a:p>
             <a:r>
-              <a:rPr lang="pt-BR" sz="2400" dirty="0" err="1" smtClean="0"/>
-              <a:t>java</a:t>
-            </a:r>
-            <a:r>
-              <a:rPr lang="pt-BR" sz="2400" dirty="0" smtClean="0"/>
-              <a:t>.</a:t>
-            </a:r>
-            <a:r>
-              <a:rPr lang="pt-BR" sz="2400" dirty="0" err="1" smtClean="0"/>
-              <a:t>lang</a:t>
-            </a:r>
-            <a:r>
-              <a:rPr lang="pt-BR" sz="2400" dirty="0" smtClean="0"/>
-              <a:t>.</a:t>
-            </a:r>
-            <a:r>
-              <a:rPr lang="pt-BR" sz="2400" dirty="0" err="1" smtClean="0"/>
-              <a:t>NullPointerException</a:t>
-            </a:r>
-            <a:endParaRPr lang="pt-BR" sz="2400" dirty="0" smtClean="0"/>
-          </a:p>
-          <a:p>
-            <a:r>
-              <a:rPr lang="pt-BR" sz="2400" dirty="0" err="1" smtClean="0"/>
-              <a:t>java</a:t>
-            </a:r>
-            <a:r>
-              <a:rPr lang="pt-BR" sz="2400" dirty="0" smtClean="0"/>
-              <a:t>.</a:t>
-            </a:r>
-            <a:r>
-              <a:rPr lang="pt-BR" sz="2400" dirty="0" err="1" smtClean="0"/>
-              <a:t>lang</a:t>
-            </a:r>
-            <a:r>
-              <a:rPr lang="pt-BR" sz="2400" dirty="0" smtClean="0"/>
-              <a:t>.</a:t>
-            </a:r>
-            <a:r>
-              <a:rPr lang="pt-BR" sz="2400" dirty="0" err="1" smtClean="0"/>
-              <a:t>NumberFormatException</a:t>
-            </a:r>
-            <a:endParaRPr lang="pt-BR" sz="2400" dirty="0" smtClean="0"/>
-          </a:p>
-          <a:p>
-            <a:r>
-              <a:rPr lang="pt-BR" sz="2400" dirty="0" err="1" smtClean="0"/>
-              <a:t>java</a:t>
-            </a:r>
-            <a:r>
-              <a:rPr lang="pt-BR" sz="2400" dirty="0" smtClean="0"/>
-              <a:t>.</a:t>
-            </a:r>
-            <a:r>
-              <a:rPr lang="pt-BR" sz="2400" dirty="0" err="1" smtClean="0"/>
-              <a:t>lang</a:t>
-            </a:r>
-            <a:r>
-              <a:rPr lang="pt-BR" sz="2400" dirty="0" smtClean="0"/>
-              <a:t>.</a:t>
-            </a:r>
-            <a:r>
-              <a:rPr lang="pt-BR" sz="2400" dirty="0" err="1" smtClean="0"/>
-              <a:t>ArrayIndexOutOfBoundsException</a:t>
-            </a:r>
-            <a:endParaRPr lang="pt-BR" sz="2400" dirty="0" smtClean="0"/>
-          </a:p>
-          <a:p>
-            <a:r>
-              <a:rPr lang="pt-BR" sz="2400" dirty="0" err="1" smtClean="0"/>
-              <a:t>java</a:t>
-            </a:r>
-            <a:r>
-              <a:rPr lang="pt-BR" sz="2400" dirty="0" smtClean="0"/>
-              <a:t>.</a:t>
-            </a:r>
-            <a:r>
-              <a:rPr lang="pt-BR" sz="2400" dirty="0" err="1" smtClean="0"/>
-              <a:t>lang</a:t>
-            </a:r>
-            <a:r>
-              <a:rPr lang="pt-BR" sz="2400" dirty="0" smtClean="0"/>
-              <a:t>.</a:t>
-            </a:r>
-            <a:r>
-              <a:rPr lang="pt-BR" sz="2400" dirty="0" err="1" smtClean="0"/>
-              <a:t>ArithmeticException</a:t>
-            </a:r>
-            <a:endParaRPr lang="pt-BR" sz="2400" dirty="0" smtClean="0"/>
-          </a:p>
-          <a:p>
-            <a:r>
-              <a:rPr lang="pt-BR" sz="2400" dirty="0" err="1" smtClean="0"/>
-              <a:t>java</a:t>
-            </a:r>
-            <a:r>
-              <a:rPr lang="pt-BR" sz="2400" dirty="0" smtClean="0"/>
-              <a:t>.</a:t>
-            </a:r>
-            <a:r>
-              <a:rPr lang="pt-BR" sz="2400" dirty="0" err="1" smtClean="0"/>
-              <a:t>lang</a:t>
-            </a:r>
-            <a:r>
-              <a:rPr lang="pt-BR" sz="2400" dirty="0" smtClean="0"/>
-              <a:t>.</a:t>
-            </a:r>
-            <a:r>
-              <a:rPr lang="pt-BR" sz="2400" dirty="0" err="1" smtClean="0"/>
-              <a:t>ClassCastException</a:t>
-            </a:r>
-            <a:endParaRPr lang="pt-BR" sz="2400" dirty="0" smtClean="0"/>
-          </a:p>
-          <a:p>
-            <a:r>
-              <a:rPr lang="pt-BR" sz="2400" dirty="0" err="1" smtClean="0"/>
-              <a:t>java</a:t>
-            </a:r>
-            <a:r>
-              <a:rPr lang="pt-BR" sz="2400" dirty="0" smtClean="0"/>
-              <a:t>.</a:t>
-            </a:r>
-            <a:r>
-              <a:rPr lang="pt-BR" sz="2400" dirty="0" err="1" smtClean="0"/>
-              <a:t>io</a:t>
-            </a:r>
-            <a:r>
-              <a:rPr lang="pt-BR" sz="2400" dirty="0" smtClean="0"/>
-              <a:t>.</a:t>
-            </a:r>
-            <a:r>
-              <a:rPr lang="pt-BR" sz="2400" dirty="0" err="1" smtClean="0"/>
-              <a:t>IOException</a:t>
-            </a:r>
-            <a:endParaRPr lang="pt-BR" sz="2400" dirty="0" smtClean="0"/>
-          </a:p>
-          <a:p>
-            <a:r>
-              <a:rPr lang="pt-BR" sz="2400" dirty="0" err="1" smtClean="0"/>
-              <a:t>java</a:t>
-            </a:r>
-            <a:r>
-              <a:rPr lang="pt-BR" sz="2400" dirty="0" smtClean="0"/>
-              <a:t>.</a:t>
-            </a:r>
-            <a:r>
-              <a:rPr lang="pt-BR" sz="2400" dirty="0" err="1" smtClean="0"/>
-              <a:t>sql</a:t>
-            </a:r>
-            <a:r>
-              <a:rPr lang="pt-BR" sz="2400" dirty="0" smtClean="0"/>
-              <a:t>.</a:t>
-            </a:r>
-            <a:r>
-              <a:rPr lang="pt-BR" sz="2400" dirty="0" err="1" smtClean="0"/>
-              <a:t>SQLException</a:t>
-            </a:r>
-            <a:endParaRPr lang="pt-BR" sz="2400" dirty="0"/>
+              <a:rPr lang="pt-BR" dirty="0" err="1" smtClean="0"/>
+              <a:t>getMessage</a:t>
+            </a:r>
+            <a:r>
+              <a:rPr lang="pt-BR" dirty="0" smtClean="0"/>
+              <a:t>()</a:t>
+            </a:r>
+          </a:p>
+          <a:p>
+            <a:pPr lvl="1"/>
+            <a:r>
+              <a:rPr lang="pt-BR" dirty="0" smtClean="0"/>
+              <a:t>Retorna uma mensagem a respeito do problema que provocou a exception.</a:t>
+            </a:r>
+          </a:p>
+          <a:p>
+            <a:pPr marL="1260475" indent="0" defTabSz="873125">
+              <a:buNone/>
+              <a:tabLst>
+                <a:tab pos="1787525" algn="l"/>
+                <a:tab pos="2244725" algn="l"/>
+                <a:tab pos="2687638" algn="l"/>
+              </a:tabLst>
+            </a:pPr>
+            <a:endParaRPr lang="pt-BR" sz="2000" dirty="0" smtClean="0"/>
+          </a:p>
+          <a:p>
+            <a:pPr marL="1260475" indent="0" defTabSz="873125">
+              <a:buNone/>
+              <a:tabLst>
+                <a:tab pos="1787525" algn="l"/>
+                <a:tab pos="2244725" algn="l"/>
+                <a:tab pos="2687638" algn="l"/>
+              </a:tabLst>
+            </a:pPr>
+            <a:r>
+              <a:rPr lang="pt-BR" sz="2000" dirty="0" err="1" smtClean="0"/>
+              <a:t>try</a:t>
+            </a:r>
+            <a:r>
+              <a:rPr lang="pt-BR" sz="2000" dirty="0" smtClean="0"/>
+              <a:t> {</a:t>
+            </a:r>
+          </a:p>
+          <a:p>
+            <a:pPr marL="1260475" indent="0" defTabSz="873125">
+              <a:buNone/>
+              <a:tabLst>
+                <a:tab pos="1787525" algn="l"/>
+                <a:tab pos="2244725" algn="l"/>
+                <a:tab pos="2687638" algn="l"/>
+              </a:tabLst>
+            </a:pPr>
+            <a:r>
+              <a:rPr lang="pt-BR" sz="2000" dirty="0" smtClean="0"/>
+              <a:t>	...</a:t>
+            </a:r>
+          </a:p>
+          <a:p>
+            <a:pPr marL="1260475" indent="0" defTabSz="873125">
+              <a:buNone/>
+              <a:tabLst>
+                <a:tab pos="1787525" algn="l"/>
+                <a:tab pos="2244725" algn="l"/>
+                <a:tab pos="2687638" algn="l"/>
+              </a:tabLst>
+            </a:pPr>
+            <a:r>
+              <a:rPr lang="pt-BR" sz="2000" dirty="0" smtClean="0"/>
+              <a:t>} catch (Exception </a:t>
+            </a:r>
+            <a:r>
+              <a:rPr lang="pt-BR" sz="2000" dirty="0" smtClean="0">
+                <a:solidFill>
+                  <a:srgbClr val="FFC000"/>
+                </a:solidFill>
+              </a:rPr>
+              <a:t>e</a:t>
+            </a:r>
+            <a:r>
+              <a:rPr lang="pt-BR" sz="2000" dirty="0" smtClean="0"/>
+              <a:t>) {</a:t>
+            </a:r>
+          </a:p>
+          <a:p>
+            <a:pPr marL="1260475" indent="0" defTabSz="873125">
+              <a:buNone/>
+              <a:tabLst>
+                <a:tab pos="1787525" algn="l"/>
+                <a:tab pos="2244725" algn="l"/>
+                <a:tab pos="2687638" algn="l"/>
+              </a:tabLst>
+            </a:pPr>
+            <a:r>
+              <a:rPr lang="pt-BR" sz="2000" dirty="0" smtClean="0"/>
+              <a:t>	System.</a:t>
+            </a:r>
+            <a:r>
+              <a:rPr lang="pt-BR" sz="2000" dirty="0" err="1" smtClean="0"/>
+              <a:t>out.println</a:t>
+            </a:r>
+            <a:r>
+              <a:rPr lang="pt-BR" sz="2000" dirty="0" smtClean="0"/>
+              <a:t>(“Ocorreu um problema: ” +</a:t>
+            </a:r>
+          </a:p>
+          <a:p>
+            <a:pPr marL="1260475" indent="0" defTabSz="873125">
+              <a:buNone/>
+              <a:tabLst>
+                <a:tab pos="1787525" algn="l"/>
+                <a:tab pos="2244725" algn="l"/>
+                <a:tab pos="2687638" algn="l"/>
+              </a:tabLst>
+            </a:pPr>
+            <a:r>
+              <a:rPr lang="pt-BR" sz="2000" dirty="0" smtClean="0">
+                <a:solidFill>
+                  <a:srgbClr val="FFC000"/>
+                </a:solidFill>
+              </a:rPr>
+              <a:t>			</a:t>
+            </a:r>
+            <a:r>
+              <a:rPr lang="pt-BR" sz="2000" dirty="0" err="1" smtClean="0">
+                <a:solidFill>
+                  <a:srgbClr val="FFC000"/>
+                </a:solidFill>
+              </a:rPr>
+              <a:t>e.getMessage</a:t>
+            </a:r>
+            <a:r>
+              <a:rPr lang="pt-BR" sz="2000" dirty="0" smtClean="0">
+                <a:solidFill>
+                  <a:srgbClr val="FFC000"/>
+                </a:solidFill>
+              </a:rPr>
+              <a:t>()</a:t>
+            </a:r>
+            <a:r>
+              <a:rPr lang="pt-BR" sz="2000" dirty="0" smtClean="0"/>
+              <a:t>);</a:t>
+            </a:r>
+          </a:p>
+          <a:p>
+            <a:pPr marL="1260475" indent="0" defTabSz="873125">
+              <a:buNone/>
+              <a:tabLst>
+                <a:tab pos="1787525" algn="l"/>
+                <a:tab pos="2244725" algn="l"/>
+                <a:tab pos="2687638" algn="l"/>
+              </a:tabLst>
+            </a:pPr>
+            <a:r>
+              <a:rPr lang="pt-BR" sz="2000" dirty="0" smtClean="0"/>
+              <a:t>}</a:t>
+            </a:r>
           </a:p>
         </p:txBody>
       </p:sp>
@@ -10892,7 +11554,12 @@
             <p:ph type="title"/>
           </p:nvPr>
         </p:nvSpPr>
-        <p:spPr/>
+        <p:spPr>
+          <a:xfrm>
+            <a:off x="457200" y="274638"/>
+            <a:ext cx="8003232" cy="1143000"/>
+          </a:xfrm>
+        </p:spPr>
         <p:txBody>
           <a:bodyPr/>
           <a:lstStyle/>
@@ -10907,7 +11574,7 @@
                 <a:ea typeface="+mj-ea"/>
                 <a:cs typeface="+mj-cs"/>
               </a:rPr>
-              <a:t>Principais exceções</a:t>
+              <a:t>Principais métodos de exceções</a:t>
             </a:r>
             <a:endParaRPr lang="pt-BR" dirty="0"/>
           </a:p>
@@ -10930,112 +11597,137 @@
           <a:p>
             <a:r>
               <a:rPr lang="pt-BR" dirty="0" err="1" smtClean="0"/>
-              <a:t>NullPointerException</a:t>
-            </a:r>
-            <a:endParaRPr lang="pt-BR" dirty="0" smtClean="0"/>
-          </a:p>
-          <a:p>
-            <a:pPr lvl="1">
-              <a:spcBef>
-                <a:spcPts val="1800"/>
-              </a:spcBef>
-            </a:pPr>
+              <a:t>printStackTrace</a:t>
+            </a:r>
             <a:r>
               <a:rPr lang="pt-BR" dirty="0" smtClean="0"/>
-              <a:t>Exceção não verificada pertencente </a:t>
-            </a:r>
+              <a:t>()</a:t>
+            </a:r>
+          </a:p>
+          <a:p>
+            <a:pPr lvl="1"/>
             <a:r>
               <a:rPr lang="pt-BR" dirty="0" smtClean="0"/>
-              <a:t>ao pacote </a:t>
-            </a:r>
-            <a:r>
-              <a:rPr lang="pt-BR" b="1" i="1" dirty="0" err="1" smtClean="0"/>
-              <a:t>java</a:t>
-            </a:r>
-            <a:r>
-              <a:rPr lang="pt-BR" b="1" i="1" dirty="0" smtClean="0"/>
-              <a:t>.</a:t>
-            </a:r>
-            <a:r>
-              <a:rPr lang="pt-BR" b="1" i="1" dirty="0" err="1" smtClean="0"/>
-              <a:t>lang</a:t>
-            </a:r>
-            <a:endParaRPr lang="pt-BR" dirty="0" smtClean="0"/>
-          </a:p>
-          <a:p>
-            <a:pPr lvl="1">
-              <a:spcBef>
-                <a:spcPts val="1800"/>
-              </a:spcBef>
-            </a:pPr>
+              <a:t>Exibe em console a pilha de chamadas de métodos desde o método </a:t>
+            </a:r>
+            <a:r>
+              <a:rPr lang="pt-BR" dirty="0" err="1" smtClean="0"/>
+              <a:t>main</a:t>
+            </a:r>
             <a:r>
               <a:rPr lang="pt-BR" dirty="0" smtClean="0"/>
-              <a:t>Ocorre ao tentar executar um método sobre uma variável que não possui um objeto referenciado</a:t>
-            </a:r>
-          </a:p>
-          <a:p>
-            <a:pPr marL="442913" lvl="1" indent="6350">
-              <a:spcBef>
-                <a:spcPts val="0"/>
-              </a:spcBef>
+              <a:t> até o momento em que a exception ocorreu.</a:t>
+            </a:r>
+          </a:p>
+          <a:p>
+            <a:pPr marL="1884363" indent="0" defTabSz="873125">
               <a:buNone/>
-            </a:pPr>
-            <a:endParaRPr lang="pt-BR" dirty="0" smtClean="0"/>
-          </a:p>
-          <a:p>
-            <a:pPr marL="1441450" lvl="1" indent="6350">
-              <a:spcBef>
-                <a:spcPts val="0"/>
-              </a:spcBef>
+              <a:tabLst>
+                <a:tab pos="2327275" algn="l"/>
+                <a:tab pos="2784475" algn="l"/>
+              </a:tabLst>
+            </a:pPr>
+            <a:endParaRPr lang="pt-BR" sz="2400" dirty="0" smtClean="0"/>
+          </a:p>
+          <a:p>
+            <a:pPr marL="1884363" indent="0" defTabSz="873125">
               <a:buNone/>
-            </a:pPr>
-            <a:r>
-              <a:rPr lang="pt-BR" dirty="0" smtClean="0">
+              <a:tabLst>
+                <a:tab pos="2327275" algn="l"/>
+                <a:tab pos="2784475" algn="l"/>
+              </a:tabLst>
+            </a:pPr>
+            <a:r>
+              <a:rPr lang="pt-BR" sz="2400" dirty="0" err="1" smtClean="0"/>
+              <a:t>try</a:t>
+            </a:r>
+            <a:r>
+              <a:rPr lang="pt-BR" sz="2400" dirty="0" smtClean="0"/>
+              <a:t> {</a:t>
+            </a:r>
+          </a:p>
+          <a:p>
+            <a:pPr marL="1884363" indent="0" defTabSz="873125">
+              <a:buNone/>
+              <a:tabLst>
+                <a:tab pos="2327275" algn="l"/>
+                <a:tab pos="2784475" algn="l"/>
+              </a:tabLst>
+            </a:pPr>
+            <a:r>
+              <a:rPr lang="pt-BR" sz="2400" dirty="0" smtClean="0"/>
+              <a:t>	...</a:t>
+            </a:r>
+          </a:p>
+          <a:p>
+            <a:pPr marL="1884363" indent="0" defTabSz="873125">
+              <a:buNone/>
+              <a:tabLst>
+                <a:tab pos="2327275" algn="l"/>
+                <a:tab pos="2784475" algn="l"/>
+              </a:tabLst>
+            </a:pPr>
+            <a:r>
+              <a:rPr lang="pt-BR" sz="2400" dirty="0" smtClean="0"/>
+              <a:t>} catch (Exception </a:t>
+            </a:r>
+            <a:r>
+              <a:rPr lang="pt-BR" sz="2400" dirty="0" smtClean="0">
                 <a:solidFill>
                   <a:srgbClr val="FFC000"/>
                 </a:solidFill>
               </a:rPr>
-              <a:t>Cliente c = </a:t>
-            </a:r>
-            <a:r>
-              <a:rPr lang="pt-BR" dirty="0" err="1" smtClean="0">
+              <a:t>e</a:t>
+            </a:r>
+            <a:r>
+              <a:rPr lang="pt-BR" sz="2400" dirty="0" smtClean="0"/>
+              <a:t>) {</a:t>
+            </a:r>
+          </a:p>
+          <a:p>
+            <a:pPr marL="1884363" indent="0" defTabSz="873125">
+              <a:buNone/>
+              <a:tabLst>
+                <a:tab pos="2327275" algn="l"/>
+                <a:tab pos="2784475" algn="l"/>
+              </a:tabLst>
+            </a:pPr>
+            <a:r>
+              <a:rPr lang="pt-BR" sz="2400" dirty="0" smtClean="0"/>
+              <a:t>	</a:t>
+            </a:r>
+            <a:r>
+              <a:rPr lang="pt-BR" sz="2400" dirty="0" err="1" smtClean="0">
                 <a:solidFill>
                   <a:srgbClr val="FFC000"/>
                 </a:solidFill>
               </a:rPr>
-              <a:t>null</a:t>
-            </a:r>
-            <a:r>
-              <a:rPr lang="pt-BR" dirty="0" smtClean="0">
+              <a:t>e.printStackTrace</a:t>
+            </a:r>
+            <a:r>
+              <a:rPr lang="pt-BR" sz="2400" dirty="0" smtClean="0">
                 <a:solidFill>
                   <a:srgbClr val="FFC000"/>
                 </a:solidFill>
               </a:rPr>
+              <a:t>()</a:t>
+            </a:r>
+            <a:r>
+              <a:rPr lang="pt-BR" sz="2400" dirty="0" smtClean="0"/>
               <a:t>;</a:t>
             </a:r>
           </a:p>
           <a:p>
-            <a:pPr marL="1441450" lvl="1" indent="6350">
-              <a:spcBef>
-                <a:spcPts val="0"/>
-              </a:spcBef>
+            <a:pPr marL="1884363" indent="0" defTabSz="873125">
               <a:buNone/>
-            </a:pPr>
-            <a:r>
-              <a:rPr lang="pt-BR" dirty="0" err="1" smtClean="0">
-                <a:solidFill>
-                  <a:srgbClr val="FFC000"/>
-                </a:solidFill>
-              </a:rPr>
-              <a:t>c.setNome</a:t>
-            </a:r>
-            <a:r>
-              <a:rPr lang="pt-BR" dirty="0" smtClean="0">
-                <a:solidFill>
-                  <a:srgbClr val="FFC000"/>
-                </a:solidFill>
-              </a:rPr>
-              <a:t>(“Manuel da silva”);</a:t>
+              <a:tabLst>
+                <a:tab pos="2327275" algn="l"/>
+                <a:tab pos="2784475" algn="l"/>
+              </a:tabLst>
+            </a:pPr>
+            <a:r>
+              <a:rPr lang="pt-BR" sz="2400" dirty="0" smtClean="0"/>
+              <a:t>}</a:t>
             </a:r>
           </a:p>
         </p:txBody>
@@ -11148,143 +11840,164 @@
           <a:lstStyle/>
           <a:p>
             <a:r>
-              <a:rPr lang="pt-BR" dirty="0" err="1" smtClean="0"/>
+              <a:rPr lang="pt-BR" sz="2400" dirty="0" err="1" smtClean="0"/>
+              <a:t>java</a:t>
+            </a:r>
+            <a:r>
+              <a:rPr lang="pt-BR" sz="2400" dirty="0" smtClean="0"/>
+              <a:t>.</a:t>
+            </a:r>
+            <a:r>
+              <a:rPr lang="pt-BR" sz="2400" dirty="0" err="1" smtClean="0"/>
+              <a:t>lang</a:t>
+            </a:r>
+            <a:r>
+              <a:rPr lang="pt-BR" sz="2400" dirty="0" smtClean="0"/>
+              <a:t>.</a:t>
+            </a:r>
+            <a:r>
+              <a:rPr lang="pt-BR" sz="2400" dirty="0" err="1" smtClean="0"/>
+              <a:t>NullPointerException</a:t>
+            </a:r>
+            <a:endParaRPr lang="pt-BR" sz="2400" dirty="0" smtClean="0"/>
+          </a:p>
+          <a:p>
+            <a:r>
+              <a:rPr lang="pt-BR" sz="2400" dirty="0" err="1" smtClean="0"/>
+              <a:t>java</a:t>
+            </a:r>
+            <a:r>
+              <a:rPr lang="pt-BR" sz="2400" dirty="0" smtClean="0"/>
+              <a:t>.</a:t>
+            </a:r>
+            <a:r>
+              <a:rPr lang="pt-BR" sz="2400" dirty="0" err="1" smtClean="0"/>
+              <a:t>lang</a:t>
+            </a:r>
+            <a:r>
+              <a:rPr lang="pt-BR" sz="2400" dirty="0" smtClean="0"/>
+              <a:t>.</a:t>
+            </a:r>
+            <a:r>
+              <a:rPr lang="pt-BR" sz="2400" dirty="0" err="1" smtClean="0"/>
               <a:t>NumberFormatException</a:t>
             </a:r>
-            <a:endParaRPr lang="pt-BR" dirty="0" smtClean="0"/>
-          </a:p>
-          <a:p>
-            <a:pPr lvl="1">
-              <a:spcBef>
-                <a:spcPts val="1800"/>
-              </a:spcBef>
-            </a:pPr>
-            <a:r>
-              <a:rPr lang="pt-BR" dirty="0" smtClean="0"/>
-              <a:t>Exceção não verificada pertencente </a:t>
-            </a:r>
-            <a:r>
-              <a:rPr lang="pt-BR" dirty="0" smtClean="0"/>
-              <a:t>ao pacote </a:t>
-            </a:r>
-            <a:r>
-              <a:rPr lang="pt-BR" b="1" i="1" dirty="0" err="1" smtClean="0"/>
+            <a:endParaRPr lang="pt-BR" sz="2400" dirty="0" smtClean="0"/>
+          </a:p>
+          <a:p>
+            <a:r>
+              <a:rPr lang="pt-BR" sz="2400" dirty="0" err="1" smtClean="0"/>
               <a:t>java</a:t>
             </a:r>
             <a:r>
-              <a:rPr lang="pt-BR" b="1" i="1" dirty="0" smtClean="0"/>
+              <a:rPr lang="pt-BR" sz="2400" dirty="0" smtClean="0"/>
               <a:t>.</a:t>
             </a:r>
             <a:r>
-              <a:rPr lang="pt-BR" b="1" i="1" dirty="0" err="1" smtClean="0"/>
+              <a:rPr lang="pt-BR" sz="2400" dirty="0" err="1" smtClean="0"/>
               <a:t>lang</a:t>
             </a:r>
-            <a:endParaRPr lang="pt-BR" dirty="0" smtClean="0"/>
-          </a:p>
-          <a:p>
-            <a:pPr lvl="1">
-              <a:spcBef>
-                <a:spcPts val="1800"/>
-              </a:spcBef>
-            </a:pPr>
-            <a:r>
-              <a:rPr lang="pt-BR" dirty="0" smtClean="0"/>
-              <a:t>Ocorre ao tentar realizar a conversão de um String para um valor numérico</a:t>
-            </a:r>
-          </a:p>
-          <a:p>
-            <a:pPr marL="442913" lvl="1" indent="6350">
-              <a:spcBef>
-                <a:spcPts val="0"/>
-              </a:spcBef>
-              <a:buNone/>
-            </a:pPr>
-            <a:endParaRPr lang="pt-BR" dirty="0" smtClean="0"/>
-          </a:p>
-          <a:p>
-            <a:pPr marL="1081088" lvl="1" indent="6350">
-              <a:spcBef>
-                <a:spcPts val="0"/>
-              </a:spcBef>
-              <a:buNone/>
-            </a:pPr>
-            <a:endParaRPr lang="pt-BR" dirty="0" smtClean="0">
-              <a:solidFill>
-                <a:srgbClr val="FFC000"/>
-              </a:solidFill>
-            </a:endParaRPr>
-          </a:p>
-          <a:p>
-            <a:pPr marL="1081088" lvl="1" indent="6350">
-              <a:spcBef>
-                <a:spcPts val="0"/>
-              </a:spcBef>
-              <a:buNone/>
-            </a:pPr>
-            <a:r>
-              <a:rPr lang="pt-BR" dirty="0" smtClean="0">
-                <a:solidFill>
-                  <a:srgbClr val="FFC000"/>
-                </a:solidFill>
-              </a:rPr>
-              <a:t>String texto = “10xpt23”;</a:t>
-            </a:r>
-          </a:p>
-          <a:p>
-            <a:pPr marL="1081088" lvl="1" indent="6350">
-              <a:spcBef>
-                <a:spcPts val="0"/>
-              </a:spcBef>
-              <a:buNone/>
-            </a:pPr>
-            <a:r>
-              <a:rPr lang="pt-BR" dirty="0" err="1" smtClean="0">
-                <a:solidFill>
-                  <a:srgbClr val="FFC000"/>
-                </a:solidFill>
-              </a:rPr>
-              <a:t>int</a:t>
-            </a:r>
-            <a:r>
-              <a:rPr lang="pt-BR" dirty="0" smtClean="0">
-                <a:solidFill>
-                  <a:srgbClr val="FFC000"/>
-                </a:solidFill>
-              </a:rPr>
-              <a:t> idade = </a:t>
-            </a:r>
-            <a:r>
-              <a:rPr lang="pt-BR" dirty="0" err="1" smtClean="0">
-                <a:solidFill>
-                  <a:srgbClr val="FFC000"/>
-                </a:solidFill>
-              </a:rPr>
-              <a:t>Integer</a:t>
-            </a:r>
-            <a:r>
-              <a:rPr lang="pt-BR" dirty="0" smtClean="0">
-                <a:solidFill>
-                  <a:srgbClr val="FFC000"/>
-                </a:solidFill>
-              </a:rPr>
+            <a:r>
+              <a:rPr lang="pt-BR" sz="2400" dirty="0" smtClean="0"/>
               <a:t>.</a:t>
             </a:r>
             <a:r>
-              <a:rPr lang="pt-BR" dirty="0" err="1" smtClean="0">
-                <a:solidFill>
-                  <a:srgbClr val="FFC000"/>
-                </a:solidFill>
-              </a:rPr>
-              <a:t>parseInt</a:t>
-            </a:r>
-            <a:r>
-              <a:rPr lang="pt-BR" dirty="0" smtClean="0">
-                <a:solidFill>
-                  <a:srgbClr val="FFC000"/>
-                </a:solidFill>
-              </a:rPr>
-              <a:t>(texto);</a:t>
-            </a:r>
+              <a:rPr lang="pt-BR" sz="2400" dirty="0" err="1" smtClean="0"/>
+              <a:t>ArrayIndexOutOfBoundsException</a:t>
+            </a:r>
+            <a:endParaRPr lang="pt-BR" sz="2400" dirty="0" smtClean="0"/>
+          </a:p>
+          <a:p>
+            <a:r>
+              <a:rPr lang="pt-BR" sz="2400" dirty="0" err="1" smtClean="0"/>
+              <a:t>java</a:t>
+            </a:r>
+            <a:r>
+              <a:rPr lang="pt-BR" sz="2400" dirty="0" smtClean="0"/>
+              <a:t>.</a:t>
+            </a:r>
+            <a:r>
+              <a:rPr lang="pt-BR" sz="2400" dirty="0" err="1" smtClean="0"/>
+              <a:t>lang</a:t>
+            </a:r>
+            <a:r>
+              <a:rPr lang="pt-BR" sz="2400" dirty="0" smtClean="0"/>
+              <a:t>.</a:t>
+            </a:r>
+            <a:r>
+              <a:rPr lang="pt-BR" sz="2400" dirty="0" err="1" smtClean="0"/>
+              <a:t>ArithmeticException</a:t>
+            </a:r>
+            <a:endParaRPr lang="pt-BR" sz="2400" dirty="0" smtClean="0"/>
+          </a:p>
+          <a:p>
+            <a:r>
+              <a:rPr lang="pt-BR" sz="2400" dirty="0" err="1" smtClean="0"/>
+              <a:t>java</a:t>
+            </a:r>
+            <a:r>
+              <a:rPr lang="pt-BR" sz="2400" dirty="0" smtClean="0"/>
+              <a:t>.</a:t>
+            </a:r>
+            <a:r>
+              <a:rPr lang="pt-BR" sz="2400" dirty="0" err="1" smtClean="0"/>
+              <a:t>lang</a:t>
+            </a:r>
+            <a:r>
+              <a:rPr lang="pt-BR" sz="2400" dirty="0" smtClean="0"/>
+              <a:t>.</a:t>
+            </a:r>
+            <a:r>
+              <a:rPr lang="pt-BR" sz="2400" dirty="0" err="1" smtClean="0"/>
+              <a:t>ClassCastException</a:t>
+            </a:r>
+            <a:endParaRPr lang="pt-BR" sz="2400" dirty="0" smtClean="0"/>
+          </a:p>
+          <a:p>
+            <a:r>
+              <a:rPr lang="pt-BR" sz="2400" dirty="0" err="1" smtClean="0"/>
+              <a:t>java</a:t>
+            </a:r>
+            <a:r>
+              <a:rPr lang="pt-BR" sz="2400" dirty="0" smtClean="0"/>
+              <a:t>.</a:t>
+            </a:r>
+            <a:r>
+              <a:rPr lang="pt-BR" sz="2400" dirty="0" err="1" smtClean="0"/>
+              <a:t>io</a:t>
+            </a:r>
+            <a:r>
+              <a:rPr lang="pt-BR" sz="2400" dirty="0" smtClean="0"/>
+              <a:t>.</a:t>
+            </a:r>
+            <a:r>
+              <a:rPr lang="pt-BR" sz="2400" dirty="0" err="1" smtClean="0"/>
+              <a:t>IOException</a:t>
+            </a:r>
+            <a:endParaRPr lang="pt-BR" sz="2400" dirty="0" smtClean="0"/>
+          </a:p>
+          <a:p>
+            <a:r>
+              <a:rPr lang="pt-BR" sz="2400" dirty="0" err="1" smtClean="0"/>
+              <a:t>java</a:t>
+            </a:r>
+            <a:r>
+              <a:rPr lang="pt-BR" sz="2400" dirty="0" smtClean="0"/>
+              <a:t>.</a:t>
+            </a:r>
+            <a:r>
+              <a:rPr lang="pt-BR" sz="2400" dirty="0" err="1" smtClean="0"/>
+              <a:t>sql</a:t>
+            </a:r>
+            <a:r>
+              <a:rPr lang="pt-BR" sz="2400" dirty="0" smtClean="0"/>
+              <a:t>.</a:t>
+            </a:r>
+            <a:r>
+              <a:rPr lang="pt-BR" sz="2400" dirty="0" err="1" smtClean="0"/>
+              <a:t>SQLException</a:t>
+            </a:r>
+            <a:endParaRPr lang="pt-BR" sz="2400" dirty="0"/>
           </a:p>
         </p:txBody>
       </p:sp>
@@ -11397,7 +12110,7 @@
           <a:p>
             <a:r>
               <a:rPr lang="pt-BR" dirty="0" err="1" smtClean="0"/>
-              <a:t>ArrayIndexOutOfBoundsException</a:t>
+              <a:t>NullPointerException</a:t>
             </a:r>
             <a:endParaRPr lang="pt-BR" dirty="0" smtClean="0"/>
           </a:p>
@@ -11409,15 +12122,7 @@
             </a:pPr>
             <a:r>
               <a:rPr lang="pt-BR" dirty="0" smtClean="0"/>
-              <a:t>Exceção </a:t>
-            </a:r>
-            <a:r>
-              <a:rPr lang="pt-BR" dirty="0" smtClean="0"/>
-              <a:t>não verificada pertencente </a:t>
-            </a:r>
-            <a:r>
-              <a:rPr lang="pt-BR" dirty="0" smtClean="0"/>
-              <a:t>ao pacote </a:t>
+              <a:t>Exceção não verificada pertencente ao pacote </a:t>
             </a:r>
             <a:r>
               <a:rPr lang="pt-BR" b="1" i="1" dirty="0" err="1" smtClean="0"/>
@@ -11441,17 +12146,8 @@
             </a:pPr>
             <a:r>
               <a:rPr lang="pt-BR" dirty="0" smtClean="0"/>
-              <a:t>Ocorre ao tentar </a:t>
-            </a:r>
-            <a:r>
-              <a:rPr lang="pt-BR" dirty="0" smtClean="0"/>
-              <a:t>um item inexistente em um </a:t>
-            </a:r>
-            <a:r>
-              <a:rPr lang="pt-BR" dirty="0" err="1" smtClean="0"/>
-              <a:t>array</a:t>
-            </a:r>
-            <a:endParaRPr lang="pt-BR" dirty="0" smtClean="0"/>
+              <a:t>Ocorre ao tentar executar um método sobre uma variável que não possui um objeto referenciado</a:t>
+            </a:r>
           </a:p>
           <a:p>
             <a:pPr marL="442913" lvl="1" indent="6350">
@@ -11463,32 +12159,27 @@
             <a:endParaRPr lang="pt-BR" dirty="0" smtClean="0"/>
           </a:p>
           <a:p>
-            <a:pPr marL="720725" lvl="1" indent="6350">
+            <a:pPr marL="1441450" lvl="1" indent="6350">
               <a:spcBef>
                 <a:spcPts val="0"/>
               </a:spcBef>
               <a:buNone/>
             </a:pPr>
-            <a:endParaRPr lang="pt-BR" dirty="0" smtClean="0">
-              <a:solidFill>
-                <a:srgbClr val="FFC000"/>
-              </a:solidFill>
-            </a:endParaRPr>
-          </a:p>
-          <a:p>
-            <a:pPr marL="720725" lvl="1" indent="6350">
-              <a:spcBef>
-                <a:spcPts val="0"/>
-              </a:spcBef>
-              <a:buNone/>
-            </a:pPr>
+            <a:r>
+              <a:rPr lang="pt-BR" dirty="0" smtClean="0">
+                <a:solidFill>
+                  <a:srgbClr val="FFC000"/>
+                </a:solidFill>
+              </a:rPr>
+              <a:t>Cliente c = </a:t>
+            </a:r>
             <a:r>
               <a:rPr lang="pt-BR" dirty="0" err="1" smtClean="0">
                 <a:solidFill>
                   <a:srgbClr val="FFC000"/>
                 </a:solidFill>
               </a:rPr>
-              <a:t>double</a:t>
+              <a:t>null</a:t>
             </a:r>
             <a:r>
               <a:rPr lang="pt-BR" dirty="0" smtClean="0">
@@ -11496,15 +12187,23 @@
                   <a:srgbClr val="FFC000"/>
                 </a:solidFill>
               </a:rPr>
-              <a:t>[] </a:t>
-            </a:r>
+              <a:t>;</a:t>
+            </a:r>
+          </a:p>
+          <a:p>
+            <a:pPr marL="1441450" lvl="1" indent="6350">
+              <a:spcBef>
+                <a:spcPts val="0"/>
+              </a:spcBef>
+              <a:buNone/>
+            </a:pPr>
             <a:r>
               <a:rPr lang="pt-BR" dirty="0" err="1" smtClean="0">
                 <a:solidFill>
                   <a:srgbClr val="FFC000"/>
                 </a:solidFill>
               </a:rPr>
-              <a:t>salario</a:t>
+              <a:t>c.setNome</a:t>
             </a:r>
             <a:r>
               <a:rPr lang="pt-BR" dirty="0" smtClean="0">
@@ -11512,74 +12211,8 @@
                   <a:srgbClr val="FFC000"/>
                 </a:solidFill>
               </a:rPr>
-              <a:t> </a:t>
-            </a:r>
-            <a:r>
-              <a:rPr lang="pt-BR" dirty="0" smtClean="0">
-                <a:solidFill>
-                  <a:srgbClr val="FFC000"/>
-                </a:solidFill>
-              </a:rPr>
-              <a:t>= </a:t>
-            </a:r>
-            <a:r>
-              <a:rPr lang="pt-BR" dirty="0" smtClean="0">
-                <a:solidFill>
-                  <a:srgbClr val="FFC000"/>
-                </a:solidFill>
-              </a:rPr>
-              <a:t>{ 1200.5, 630.0, 950.15 };</a:t>
-            </a:r>
-            <a:endParaRPr lang="pt-BR" dirty="0" smtClean="0">
-              <a:solidFill>
-                <a:srgbClr val="FFC000"/>
-              </a:solidFill>
-            </a:endParaRPr>
-          </a:p>
-          <a:p>
-            <a:pPr marL="720725" lvl="1" indent="6350">
-              <a:spcBef>
-                <a:spcPts val="0"/>
-              </a:spcBef>
-              <a:buNone/>
-            </a:pPr>
-            <a:r>
-              <a:rPr lang="pt-BR" dirty="0" err="1" smtClean="0">
-                <a:solidFill>
-                  <a:srgbClr val="FFC000"/>
-                </a:solidFill>
-              </a:rPr>
-              <a:t>double</a:t>
-            </a:r>
-            <a:r>
-              <a:rPr lang="pt-BR" dirty="0" smtClean="0">
-                <a:solidFill>
-                  <a:srgbClr val="FFC000"/>
-                </a:solidFill>
-              </a:rPr>
-              <a:t> s = </a:t>
-            </a:r>
-            <a:r>
-              <a:rPr lang="pt-BR" dirty="0" err="1" smtClean="0">
-                <a:solidFill>
-                  <a:srgbClr val="FFC000"/>
-                </a:solidFill>
-              </a:rPr>
-              <a:t>salario</a:t>
-            </a:r>
-            <a:r>
-              <a:rPr lang="pt-BR" dirty="0" smtClean="0">
-                <a:solidFill>
-                  <a:srgbClr val="FFC000"/>
-                </a:solidFill>
-              </a:rPr>
-              <a:t>[3];</a:t>
-            </a:r>
-            <a:endParaRPr lang="pt-BR" dirty="0" smtClean="0">
-              <a:solidFill>
-                <a:srgbClr val="FFC000"/>
-              </a:solidFill>
-            </a:endParaRPr>
+              <a:t>(“Manuel da silva”);</a:t>
+            </a:r>
           </a:p>
         </p:txBody>
       </p:sp>
@@ -11721,7 +12354,7 @@
             <a:pPr eaLnBrk="1" hangingPunct="1"/>
             <a:r>
               <a:rPr lang="pt-BR" sz="2800" dirty="0" smtClean="0"/>
-              <a:t>Exceções transferidas</a:t>
+              <a:t>Transferindo exceções</a:t>
             </a:r>
           </a:p>
           <a:p>
@@ -11775,14 +12408,14 @@
             <a:pPr eaLnBrk="1" hangingPunct="1"/>
             <a:r>
               <a:rPr lang="pt-BR" sz="2800" dirty="0" smtClean="0"/>
+              <a:t>Principais métodos de exceções</a:t>
+            </a:r>
+          </a:p>
+          <a:p>
+            <a:pPr eaLnBrk="1" hangingPunct="1"/>
+            <a:r>
+              <a:rPr lang="pt-BR" sz="2800" dirty="0" smtClean="0"/>
               <a:t>Principais exceções</a:t>
-            </a:r>
-          </a:p>
-          <a:p>
-            <a:pPr eaLnBrk="1" hangingPunct="1"/>
-            <a:r>
-              <a:rPr lang="pt-BR" sz="2800" dirty="0" smtClean="0"/>
-              <a:t>Principais métodos de exceções</a:t>
             </a:r>
           </a:p>
           <a:p>
@@ -11922,7 +12555,7 @@
           <a:p>
             <a:r>
               <a:rPr lang="pt-BR" dirty="0" err="1" smtClean="0"/>
-              <a:t>ArithmeticException</a:t>
+              <a:t>NumberFormatException</a:t>
             </a:r>
             <a:endParaRPr lang="pt-BR" dirty="0" smtClean="0"/>
           </a:p>
@@ -11934,15 +12567,7 @@
             </a:pPr>
             <a:r>
               <a:rPr lang="pt-BR" dirty="0" smtClean="0"/>
-              <a:t>Exceção </a:t>
-            </a:r>
-            <a:r>
-              <a:rPr lang="pt-BR" dirty="0" smtClean="0"/>
-              <a:t>não verificada pertencente </a:t>
-            </a:r>
-            <a:r>
-              <a:rPr lang="pt-BR" dirty="0" smtClean="0"/>
-              <a:t>ao pacote </a:t>
+              <a:t>Exceção não verificada pertencente ao pacote </a:t>
             </a:r>
             <a:r>
               <a:rPr lang="pt-BR" b="1" i="1" dirty="0" err="1" smtClean="0"/>
@@ -11966,16 +12591,20 @@
             </a:pPr>
             <a:r>
               <a:rPr lang="pt-BR" dirty="0" smtClean="0"/>
-              <a:t>Ocorre </a:t>
-            </a:r>
-            <a:r>
-              <a:rPr lang="pt-BR" dirty="0" smtClean="0"/>
-              <a:t>em operações aritméticas com inteiros que possuem resultado inválido</a:t>
-            </a:r>
+              <a:t>Ocorre ao tentar realizar a conversão de um String para um valor numérico</a:t>
+            </a:r>
+          </a:p>
+          <a:p>
+            <a:pPr marL="442913" lvl="1" indent="6350">
+              <a:spcBef>
+                <a:spcPts val="0"/>
+              </a:spcBef>
+              <a:buNone/>
+            </a:pPr>
             <a:endParaRPr lang="pt-BR" dirty="0" smtClean="0"/>
           </a:p>
           <a:p>
-            <a:pPr marL="720725" lvl="1" indent="6350">
+            <a:pPr marL="1081088" lvl="1" indent="6350">
               <a:spcBef>
                 <a:spcPts val="0"/>
               </a:spcBef>
@@ -11988,7 +12617,23 @@
             </a:endParaRPr>
           </a:p>
           <a:p>
-            <a:pPr marL="720725" lvl="1" indent="6350">
+            <a:pPr marL="1081088" lvl="1" indent="6350">
+              <a:spcBef>
+                <a:spcPts val="0"/>
+              </a:spcBef>
+              <a:buNone/>
+            </a:pPr>
+            <a:r>
+              <a:rPr lang="pt-BR" dirty="0" smtClean="0">
+                <a:solidFill>
+                  <a:srgbClr val="FFC000"/>
+                </a:solidFill>
+              </a:rPr>
+              <a:t>String texto = “10xpt23”;</a:t>
+            </a:r>
+          </a:p>
+          <a:p>
+            <a:pPr marL="1081088" lvl="1" indent="6350">
               <a:spcBef>
                 <a:spcPts val="0"/>
               </a:spcBef>
@@ -12008,7 +12653,7 @@
                   <a:srgbClr val="FFC000"/>
                 </a:solidFill>
               </a:rPr>
-              <a:t> </a:t>
+              <a:t> idade = </a:t>
             </a:r>
             <a:r>
               <a:rPr lang="pt-BR" dirty="0" err="1" smtClean="0">
@@ -12016,7 +12661,7 @@
                   <a:srgbClr val="FFC000"/>
                 </a:solidFill>
               </a:rPr>
-              <a:t>valorTotal</a:t>
+              <a:t>Integer</a:t>
             </a:r>
             <a:r>
               <a:rPr lang="pt-BR" dirty="0" smtClean="0">
@@ -12024,23 +12669,15 @@
                   <a:srgbClr val="FFC000"/>
                 </a:solidFill>
               </a:rPr>
-              <a:t> = 25;</a:t>
-            </a:r>
-          </a:p>
-          <a:p>
-            <a:pPr marL="720725" lvl="1" indent="6350">
-              <a:spcBef>
-                <a:spcPts val="0"/>
-              </a:spcBef>
-              <a:buNone/>
-            </a:pPr>
+              <a:t>.</a:t>
+            </a:r>
             <a:r>
               <a:rPr lang="pt-BR" dirty="0" err="1" smtClean="0">
                 <a:solidFill>
                   <a:srgbClr val="FFC000"/>
                 </a:solidFill>
               </a:rPr>
-              <a:t>int</a:t>
+              <a:t>parseInt</a:t>
             </a:r>
             <a:r>
               <a:rPr lang="pt-BR" dirty="0" smtClean="0">
@@ -12048,90 +12685,8 @@
                   <a:srgbClr val="FFC000"/>
                 </a:solidFill>
               </a:rPr>
-              <a:t> </a:t>
-            </a:r>
-            <a:r>
-              <a:rPr lang="pt-BR" dirty="0" err="1" smtClean="0">
-                <a:solidFill>
-                  <a:srgbClr val="FFC000"/>
-                </a:solidFill>
-              </a:rPr>
-              <a:t>quantidadePessoas</a:t>
-            </a:r>
-            <a:r>
-              <a:rPr lang="pt-BR" dirty="0" smtClean="0">
-                <a:solidFill>
-                  <a:srgbClr val="FFC000"/>
-                </a:solidFill>
-              </a:rPr>
-              <a:t> = 0;</a:t>
-            </a:r>
-            <a:endParaRPr lang="pt-BR" dirty="0" smtClean="0">
-              <a:solidFill>
-                <a:srgbClr val="FFC000"/>
-              </a:solidFill>
-            </a:endParaRPr>
-          </a:p>
-          <a:p>
-            <a:pPr marL="720725" lvl="1" indent="6350">
-              <a:spcBef>
-                <a:spcPts val="0"/>
-              </a:spcBef>
-              <a:buNone/>
-            </a:pPr>
-            <a:r>
-              <a:rPr lang="pt-BR" dirty="0" err="1" smtClean="0">
-                <a:solidFill>
-                  <a:srgbClr val="FFC000"/>
-                </a:solidFill>
-              </a:rPr>
-              <a:t>int</a:t>
-            </a:r>
-            <a:r>
-              <a:rPr lang="pt-BR" dirty="0" smtClean="0">
-                <a:solidFill>
-                  <a:srgbClr val="FFC000"/>
-                </a:solidFill>
-              </a:rPr>
-              <a:t> rateio = </a:t>
-            </a:r>
-            <a:r>
-              <a:rPr lang="pt-BR" dirty="0" err="1" smtClean="0">
-                <a:solidFill>
-                  <a:srgbClr val="FFC000"/>
-                </a:solidFill>
-              </a:rPr>
-              <a:t>valorTotal</a:t>
-            </a:r>
-            <a:r>
-              <a:rPr lang="pt-BR" dirty="0" smtClean="0">
-                <a:solidFill>
-                  <a:srgbClr val="FFC000"/>
-                </a:solidFill>
-              </a:rPr>
-              <a:t> / </a:t>
-            </a:r>
-            <a:r>
-              <a:rPr lang="pt-BR" dirty="0" err="1" smtClean="0">
-                <a:solidFill>
-                  <a:srgbClr val="FFC000"/>
-                </a:solidFill>
-              </a:rPr>
-              <a:t>quantidadePessoas</a:t>
-            </a:r>
-            <a:r>
-              <a:rPr lang="pt-BR" dirty="0" smtClean="0">
-                <a:solidFill>
-                  <a:srgbClr val="FFC000"/>
-                </a:solidFill>
-              </a:rPr>
-              <a:t>;</a:t>
-            </a:r>
-            <a:endParaRPr lang="pt-BR" dirty="0" smtClean="0">
-              <a:solidFill>
-                <a:srgbClr val="FFC000"/>
-              </a:solidFill>
-            </a:endParaRPr>
+              <a:t>(texto);</a:t>
+            </a:r>
           </a:p>
         </p:txBody>
       </p:sp>
@@ -12244,7 +12799,7 @@
           <a:p>
             <a:r>
               <a:rPr lang="pt-BR" dirty="0" err="1" smtClean="0"/>
-              <a:t>ClassCastException</a:t>
+              <a:t>ArrayIndexOutOfBoundsException</a:t>
             </a:r>
             <a:endParaRPr lang="pt-BR" dirty="0" smtClean="0"/>
           </a:p>
@@ -12256,15 +12811,7 @@
             </a:pPr>
             <a:r>
               <a:rPr lang="pt-BR" dirty="0" smtClean="0"/>
-              <a:t>Exceção </a:t>
-            </a:r>
-            <a:r>
-              <a:rPr lang="pt-BR" dirty="0" smtClean="0"/>
-              <a:t>não verificada pertencente </a:t>
-            </a:r>
-            <a:r>
-              <a:rPr lang="pt-BR" dirty="0" smtClean="0"/>
-              <a:t>ao pacote </a:t>
+              <a:t>Exceção não verificada pertencente ao pacote </a:t>
             </a:r>
             <a:r>
               <a:rPr lang="pt-BR" b="1" i="1" dirty="0" err="1" smtClean="0"/>
@@ -12288,28 +12835,21 @@
             </a:pPr>
             <a:r>
               <a:rPr lang="pt-BR" dirty="0" smtClean="0"/>
-              <a:t>Ocorre </a:t>
-            </a:r>
-            <a:r>
-              <a:rPr lang="pt-BR" dirty="0" smtClean="0"/>
-              <a:t>ao tentar realizar o </a:t>
-            </a:r>
-            <a:r>
-              <a:rPr lang="pt-BR" i="1" dirty="0" err="1" smtClean="0"/>
-              <a:t>cast</a:t>
-            </a:r>
-            <a:r>
-              <a:rPr lang="pt-BR" dirty="0" smtClean="0"/>
-              <a:t> (</a:t>
+              <a:t>Ocorre ao tentar um item inexistente em um </a:t>
             </a:r>
             <a:r>
               <a:rPr lang="pt-BR" dirty="0" err="1" smtClean="0"/>
-              <a:t>tipagem</a:t>
-            </a:r>
-            <a:r>
-              <a:rPr lang="pt-BR" dirty="0" smtClean="0"/>
-              <a:t>) para um tipo incompatível com o objeto</a:t>
-            </a:r>
+              <a:t>array</a:t>
+            </a:r>
+            <a:endParaRPr lang="pt-BR" dirty="0" smtClean="0"/>
+          </a:p>
+          <a:p>
+            <a:pPr marL="442913" lvl="1" indent="6350">
+              <a:spcBef>
+                <a:spcPts val="0"/>
+              </a:spcBef>
+              <a:buNone/>
+            </a:pPr>
             <a:endParaRPr lang="pt-BR" dirty="0" smtClean="0"/>
           </a:p>
           <a:p>
@@ -12332,11 +12872,38 @@
               </a:spcBef>
               <a:buNone/>
             </a:pPr>
-            <a:endParaRPr lang="pt-BR" dirty="0" smtClean="0">
-              <a:solidFill>
-                <a:srgbClr val="FFC000"/>
-              </a:solidFill>
-            </a:endParaRPr>
+            <a:r>
+              <a:rPr lang="pt-BR" dirty="0" err="1" smtClean="0">
+                <a:solidFill>
+                  <a:srgbClr val="FFC000"/>
+                </a:solidFill>
+              </a:rPr>
+              <a:t>double</a:t>
+            </a:r>
+            <a:r>
+              <a:rPr lang="pt-BR" dirty="0" smtClean="0">
+                <a:solidFill>
+                  <a:srgbClr val="FFC000"/>
+                </a:solidFill>
+              </a:rPr>
+              <a:t>[] </a:t>
+            </a:r>
+            <a:r>
+              <a:rPr lang="pt-BR" dirty="0" err="1" smtClean="0">
+                <a:solidFill>
+                  <a:srgbClr val="FFC000"/>
+                </a:solidFill>
+              </a:rPr>
+              <a:t>salario</a:t>
+            </a:r>
+            <a:r>
+              <a:rPr lang="pt-BR" dirty="0" smtClean="0">
+                <a:solidFill>
+                  <a:srgbClr val="FFC000"/>
+                </a:solidFill>
+              </a:rPr>
+              <a:t> = { 1200.5, 630.0, 950.15 };</a:t>
+            </a:r>
           </a:p>
           <a:p>
             <a:pPr marL="720725" lvl="1" indent="6350">
@@ -12346,12 +12913,20 @@
               <a:buNone/>
             </a:pPr>
             <a:r>
+              <a:rPr lang="pt-BR" dirty="0" err="1" smtClean="0">
+                <a:solidFill>
+                  <a:srgbClr val="FFC000"/>
+                </a:solidFill>
+              </a:rPr>
+              <a:t>double</a:t>
+            </a:r>
+            <a:r>
               <a:rPr lang="pt-BR" dirty="0" smtClean="0">
                 <a:solidFill>
                   <a:srgbClr val="FFC000"/>
                 </a:solidFill>
               </a:rPr>
-              <a:t>Cliente c = </a:t>
+              <a:t> s = </a:t>
             </a:r>
             <a:r>
               <a:rPr lang="pt-BR" dirty="0" err="1" smtClean="0">
@@ -12359,7 +12934,7 @@
                   <a:srgbClr val="FFC000"/>
                 </a:solidFill>
               </a:rPr>
-              <a:t>new</a:t>
+              <a:t>salario</a:t>
             </a:r>
             <a:r>
               <a:rPr lang="pt-BR" dirty="0" smtClean="0">
@@ -12367,69 +12942,8 @@
                   <a:srgbClr val="FFC000"/>
                 </a:solidFill>
               </a:rPr>
-              <a:t> </a:t>
-            </a:r>
-            <a:r>
-              <a:rPr lang="pt-BR" dirty="0" err="1" smtClean="0">
-                <a:solidFill>
-                  <a:srgbClr val="FFC000"/>
-                </a:solidFill>
-              </a:rPr>
-              <a:t>PessoaFisica</a:t>
-            </a:r>
-            <a:r>
-              <a:rPr lang="pt-BR" dirty="0" smtClean="0">
-                <a:solidFill>
-                  <a:srgbClr val="FFC000"/>
-                </a:solidFill>
-              </a:rPr>
-              <a:t>();</a:t>
-            </a:r>
-          </a:p>
-          <a:p>
-            <a:pPr marL="720725" lvl="1" indent="6350">
-              <a:spcBef>
-                <a:spcPts val="0"/>
-              </a:spcBef>
-              <a:buNone/>
-            </a:pPr>
-            <a:r>
-              <a:rPr lang="pt-BR" dirty="0" err="1" smtClean="0">
-                <a:solidFill>
-                  <a:srgbClr val="FFC000"/>
-                </a:solidFill>
-              </a:rPr>
-              <a:t>Funcionario</a:t>
-            </a:r>
-            <a:r>
-              <a:rPr lang="pt-BR" dirty="0" smtClean="0">
-                <a:solidFill>
-                  <a:srgbClr val="FFC000"/>
-                </a:solidFill>
-              </a:rPr>
-              <a:t> f = (</a:t>
-            </a:r>
-            <a:r>
-              <a:rPr lang="pt-BR" dirty="0" err="1" smtClean="0">
-                <a:solidFill>
-                  <a:srgbClr val="FFC000"/>
-                </a:solidFill>
-              </a:rPr>
-              <a:t>Funcionario</a:t>
-            </a:r>
-            <a:r>
-              <a:rPr lang="pt-BR" dirty="0" smtClean="0">
-                <a:solidFill>
-                  <a:srgbClr val="FFC000"/>
-                </a:solidFill>
-              </a:rPr>
-              <a:t>) c;</a:t>
-            </a:r>
-            <a:endParaRPr lang="pt-BR" dirty="0" smtClean="0">
-              <a:solidFill>
-                <a:srgbClr val="FFC000"/>
-              </a:solidFill>
-            </a:endParaRPr>
+              <a:t>[3];</a:t>
+            </a:r>
           </a:p>
         </p:txBody>
       </p:sp>
@@ -12542,7 +13056,7 @@
           <a:p>
             <a:r>
               <a:rPr lang="pt-BR" dirty="0" err="1" smtClean="0"/>
-              <a:t>IOException</a:t>
+              <a:t>ArithmeticException</a:t>
             </a:r>
             <a:endParaRPr lang="pt-BR" dirty="0" smtClean="0"/>
           </a:p>
@@ -12553,42 +13067,22 @@
               </a:spcBef>
             </a:pPr>
             <a:r>
-              <a:rPr lang="pt-BR" sz="2000" dirty="0" smtClean="0"/>
-              <a:t>Exceção </a:t>
-            </a:r>
-            <a:r>
-              <a:rPr lang="pt-BR" sz="2000" u="sng" dirty="0" smtClean="0"/>
-              <a:t>verificada</a:t>
-            </a:r>
-            <a:r>
-              <a:rPr lang="pt-BR" sz="2000" dirty="0" smtClean="0"/>
-              <a:t> </a:t>
-            </a:r>
-            <a:r>
-              <a:rPr lang="pt-BR" sz="2000" dirty="0" smtClean="0"/>
-              <a:t>pertencente </a:t>
-            </a:r>
-            <a:r>
-              <a:rPr lang="pt-BR" sz="2000" dirty="0" smtClean="0"/>
-              <a:t>ao pacote </a:t>
-            </a:r>
-            <a:r>
-              <a:rPr lang="pt-BR" sz="2000" b="1" i="1" dirty="0" err="1" smtClean="0"/>
+              <a:rPr lang="pt-BR" dirty="0" smtClean="0"/>
+              <a:t>Exceção não verificada pertencente ao pacote </a:t>
+            </a:r>
+            <a:r>
+              <a:rPr lang="pt-BR" b="1" i="1" dirty="0" err="1" smtClean="0"/>
               <a:t>java</a:t>
             </a:r>
             <a:r>
-              <a:rPr lang="pt-BR" sz="2000" b="1" i="1" dirty="0" smtClean="0"/>
+              <a:rPr lang="pt-BR" b="1" i="1" dirty="0" smtClean="0"/>
               <a:t>.</a:t>
             </a:r>
             <a:r>
-              <a:rPr lang="pt-BR" sz="2000" b="1" i="1" dirty="0" err="1" smtClean="0"/>
-              <a:t>io</a:t>
-            </a:r>
-            <a:r>
-              <a:rPr lang="pt-BR" sz="2000" dirty="0" smtClean="0"/>
-              <a:t> (será visto no capítulo 10)</a:t>
-            </a:r>
-            <a:endParaRPr lang="pt-BR" sz="2000" dirty="0" smtClean="0"/>
+              <a:rPr lang="pt-BR" b="1" i="1" dirty="0" err="1" smtClean="0"/>
+              <a:t>lang</a:t>
+            </a:r>
+            <a:endParaRPr lang="pt-BR" dirty="0" smtClean="0"/>
           </a:p>
           <a:p>
             <a:pPr lvl="1">
@@ -12597,29 +13091,9 @@
               </a:spcBef>
             </a:pPr>
             <a:r>
-              <a:rPr lang="pt-BR" sz="2000" dirty="0" smtClean="0"/>
-              <a:t>Ocorre </a:t>
-            </a:r>
-            <a:r>
-              <a:rPr lang="pt-BR" sz="2000" dirty="0" smtClean="0"/>
-              <a:t>em</a:t>
-            </a:r>
-            <a:r>
-              <a:rPr lang="pt-BR" sz="2000" dirty="0" smtClean="0"/>
-              <a:t> operações de input/output, como leitura de arquivos, comunicação por rede que não são realizados com sucesso.</a:t>
-            </a:r>
-          </a:p>
-          <a:p>
-            <a:pPr lvl="1">
-              <a:spcBef>
-                <a:spcPts val="1800"/>
-              </a:spcBef>
-            </a:pPr>
-            <a:r>
-              <a:rPr lang="pt-BR" sz="2000" dirty="0" smtClean="0"/>
-              <a:t>Possui diversas classes filhas que representam subtipos de problemas do gênero I/O</a:t>
-            </a:r>
-            <a:endParaRPr lang="pt-BR" sz="2000" dirty="0" smtClean="0"/>
+              <a:rPr lang="pt-BR" dirty="0" smtClean="0"/>
+              <a:t>Ocorre em operações aritméticas com inteiros que possuem resultado inválido</a:t>
+            </a:r>
           </a:p>
           <a:p>
             <a:pPr marL="720725" lvl="1" indent="6350">
@@ -12647,7 +13121,7 @@
                   <a:srgbClr val="FFC000"/>
                 </a:solidFill>
               </a:rPr>
-              <a:t>FileReader</a:t>
+              <a:t>int</a:t>
             </a:r>
             <a:r>
               <a:rPr lang="pt-BR" dirty="0" smtClean="0">
@@ -12663,7 +13137,103 @@
                   <a:srgbClr val="FFC000"/>
                 </a:solidFill>
               </a:rPr>
-              <a:t>doc</a:t>
+              <a:t>valorTotal</a:t>
+            </a:r>
+            <a:r>
+              <a:rPr lang="pt-BR" dirty="0" smtClean="0">
+                <a:solidFill>
+                  <a:srgbClr val="FFC000"/>
+                </a:solidFill>
+              </a:rPr>
+              <a:t> = 25;</a:t>
+            </a:r>
+          </a:p>
+          <a:p>
+            <a:pPr marL="720725" lvl="1" indent="6350">
+              <a:spcBef>
+                <a:spcPts val="0"/>
+              </a:spcBef>
+              <a:buNone/>
+            </a:pPr>
+            <a:r>
+              <a:rPr lang="pt-BR" dirty="0" err="1" smtClean="0">
+                <a:solidFill>
+                  <a:srgbClr val="FFC000"/>
+                </a:solidFill>
+              </a:rPr>
+              <a:t>int</a:t>
+            </a:r>
+            <a:r>
+              <a:rPr lang="pt-BR" dirty="0" smtClean="0">
+                <a:solidFill>
+                  <a:srgbClr val="FFC000"/>
+                </a:solidFill>
+              </a:rPr>
+              <a:t> </a:t>
+            </a:r>
+            <a:r>
+              <a:rPr lang="pt-BR" dirty="0" err="1" smtClean="0">
+                <a:solidFill>
+                  <a:srgbClr val="FFC000"/>
+                </a:solidFill>
+              </a:rPr>
+              <a:t>quantidadePessoas</a:t>
+            </a:r>
+            <a:r>
+              <a:rPr lang="pt-BR" dirty="0" smtClean="0">
+                <a:solidFill>
+                  <a:srgbClr val="FFC000"/>
+                </a:solidFill>
+              </a:rPr>
+              <a:t> = 0;</a:t>
+            </a:r>
+          </a:p>
+          <a:p>
+            <a:pPr marL="720725" lvl="1" indent="6350">
+              <a:spcBef>
+                <a:spcPts val="0"/>
+              </a:spcBef>
+              <a:buNone/>
+            </a:pPr>
+            <a:r>
+              <a:rPr lang="pt-BR" dirty="0" err="1" smtClean="0">
+                <a:solidFill>
+                  <a:srgbClr val="FFC000"/>
+                </a:solidFill>
+              </a:rPr>
+              <a:t>int</a:t>
+            </a:r>
+            <a:r>
+              <a:rPr lang="pt-BR" dirty="0" smtClean="0">
+                <a:solidFill>
+                  <a:srgbClr val="FFC000"/>
+                </a:solidFill>
+              </a:rPr>
+              <a:t> rateio = </a:t>
+            </a:r>
+            <a:r>
+              <a:rPr lang="pt-BR" dirty="0" err="1" smtClean="0">
+                <a:solidFill>
+                  <a:srgbClr val="FFC000"/>
+                </a:solidFill>
+              </a:rPr>
+              <a:t>valorTotal</a:t>
+            </a:r>
+            <a:r>
+              <a:rPr lang="pt-BR" dirty="0" smtClean="0">
+                <a:solidFill>
+                  <a:srgbClr val="FFC000"/>
+                </a:solidFill>
+              </a:rPr>
+              <a:t> / </a:t>
+            </a:r>
+            <a:r>
+              <a:rPr lang="pt-BR" dirty="0" err="1" smtClean="0">
+                <a:solidFill>
+                  <a:srgbClr val="FFC000"/>
+                </a:solidFill>
+              </a:rPr>
+              <a:t>quantidadePessoas</a:t>
             </a:r>
             <a:r>
               <a:rPr lang="pt-BR" dirty="0" smtClean="0">
@@ -12672,62 +13242,6 @@
                 </a:solidFill>
               </a:rPr>
               <a:t>;</a:t>
-            </a:r>
-          </a:p>
-          <a:p>
-            <a:pPr marL="720725" lvl="1" indent="6350">
-              <a:spcBef>
-                <a:spcPts val="0"/>
-              </a:spcBef>
-              <a:buNone/>
-            </a:pPr>
-            <a:r>
-              <a:rPr lang="pt-BR" dirty="0" err="1" smtClean="0">
-                <a:solidFill>
-                  <a:srgbClr val="FFC000"/>
-                </a:solidFill>
-              </a:rPr>
-              <a:t>doc</a:t>
-            </a:r>
-            <a:r>
-              <a:rPr lang="pt-BR" dirty="0" smtClean="0">
-                <a:solidFill>
-                  <a:srgbClr val="FFC000"/>
-                </a:solidFill>
-              </a:rPr>
-              <a:t> = </a:t>
-            </a:r>
-            <a:r>
-              <a:rPr lang="pt-BR" dirty="0" err="1" smtClean="0">
-                <a:solidFill>
-                  <a:srgbClr val="FFC000"/>
-                </a:solidFill>
-              </a:rPr>
-              <a:t>new</a:t>
-            </a:r>
-            <a:r>
-              <a:rPr lang="pt-BR" dirty="0" smtClean="0">
-                <a:solidFill>
-                  <a:srgbClr val="FFC000"/>
-                </a:solidFill>
-              </a:rPr>
-              <a:t> </a:t>
-            </a:r>
-            <a:r>
-              <a:rPr lang="pt-BR" dirty="0" err="1" smtClean="0">
-                <a:solidFill>
-                  <a:srgbClr val="FFC000"/>
-                </a:solidFill>
-              </a:rPr>
-              <a:t>FileReader</a:t>
-            </a:r>
-            <a:r>
-              <a:rPr lang="pt-BR" dirty="0" smtClean="0">
-                <a:solidFill>
-                  <a:srgbClr val="FFC000"/>
-                </a:solidFill>
-              </a:rPr>
-              <a:t>(“C:\\carta.txt”);</a:t>
             </a:r>
           </a:p>
         </p:txBody>
@@ -12841,9 +13355,174 @@
           <a:p>
             <a:r>
               <a:rPr lang="pt-BR" dirty="0" err="1" smtClean="0"/>
-              <a:t>SQLException</a:t>
-            </a:r>
-            <a:endParaRPr lang="pt-BR" dirty="0"/>
+              <a:t>ClassCastException</a:t>
+            </a:r>
+            <a:endParaRPr lang="pt-BR" dirty="0" smtClean="0"/>
+          </a:p>
+          <a:p>
+            <a:pPr lvl="1">
+              <a:spcBef>
+                <a:spcPts val="1800"/>
+              </a:spcBef>
+            </a:pPr>
+            <a:r>
+              <a:rPr lang="pt-BR" dirty="0" smtClean="0"/>
+              <a:t>Exceção não verificada pertencente ao pacote </a:t>
+            </a:r>
+            <a:r>
+              <a:rPr lang="pt-BR" b="1" i="1" dirty="0" err="1" smtClean="0"/>
+              <a:t>java</a:t>
+            </a:r>
+            <a:r>
+              <a:rPr lang="pt-BR" b="1" i="1" dirty="0" smtClean="0"/>
+              <a:t>.</a:t>
+            </a:r>
+            <a:r>
+              <a:rPr lang="pt-BR" b="1" i="1" dirty="0" err="1" smtClean="0"/>
+              <a:t>lang</a:t>
+            </a:r>
+            <a:endParaRPr lang="pt-BR" dirty="0" smtClean="0"/>
+          </a:p>
+          <a:p>
+            <a:pPr lvl="1">
+              <a:spcBef>
+                <a:spcPts val="1800"/>
+              </a:spcBef>
+            </a:pPr>
+            <a:r>
+              <a:rPr lang="pt-BR" dirty="0" smtClean="0"/>
+              <a:t>Ocorre ao tentar realizar o </a:t>
+            </a:r>
+            <a:r>
+              <a:rPr lang="pt-BR" i="1" dirty="0" err="1" smtClean="0"/>
+              <a:t>cast</a:t>
+            </a:r>
+            <a:r>
+              <a:rPr lang="pt-BR" dirty="0" smtClean="0"/>
+              <a:t> (</a:t>
+            </a:r>
+            <a:r>
+              <a:rPr lang="pt-BR" dirty="0" err="1" smtClean="0"/>
+              <a:t>tipagem</a:t>
+            </a:r>
+            <a:r>
+              <a:rPr lang="pt-BR" dirty="0" smtClean="0"/>
+              <a:t>) para um tipo incompatível com o objeto</a:t>
+            </a:r>
+          </a:p>
+          <a:p>
+            <a:pPr marL="720725" lvl="1" indent="6350">
+              <a:spcBef>
+                <a:spcPts val="0"/>
+              </a:spcBef>
+              <a:buNone/>
+            </a:pPr>
+            <a:endParaRPr lang="pt-BR" dirty="0" smtClean="0">
+              <a:solidFill>
+                <a:srgbClr val="FFC000"/>
+              </a:solidFill>
+            </a:endParaRPr>
+          </a:p>
+          <a:p>
+            <a:pPr marL="720725" lvl="1" indent="6350">
+              <a:spcBef>
+                <a:spcPts val="0"/>
+              </a:spcBef>
+              <a:buNone/>
+            </a:pPr>
+            <a:endParaRPr lang="pt-BR" dirty="0" smtClean="0">
+              <a:solidFill>
+                <a:srgbClr val="FFC000"/>
+              </a:solidFill>
+            </a:endParaRPr>
+          </a:p>
+          <a:p>
+            <a:pPr marL="720725" lvl="1" indent="6350">
+              <a:spcBef>
+                <a:spcPts val="0"/>
+              </a:spcBef>
+              <a:buNone/>
+            </a:pPr>
+            <a:r>
+              <a:rPr lang="pt-BR" dirty="0" smtClean="0">
+                <a:solidFill>
+                  <a:srgbClr val="FFC000"/>
+                </a:solidFill>
+              </a:rPr>
+              <a:t>Cliente c = </a:t>
+            </a:r>
+            <a:r>
+              <a:rPr lang="pt-BR" dirty="0" err="1" smtClean="0">
+                <a:solidFill>
+                  <a:srgbClr val="FFC000"/>
+                </a:solidFill>
+              </a:rPr>
+              <a:t>new</a:t>
+            </a:r>
+            <a:r>
+              <a:rPr lang="pt-BR" dirty="0" smtClean="0">
+                <a:solidFill>
+                  <a:srgbClr val="FFC000"/>
+                </a:solidFill>
+              </a:rPr>
+              <a:t> </a:t>
+            </a:r>
+            <a:r>
+              <a:rPr lang="pt-BR" dirty="0" err="1" smtClean="0">
+                <a:solidFill>
+                  <a:srgbClr val="FFC000"/>
+                </a:solidFill>
+              </a:rPr>
+              <a:t>PessoaFisica</a:t>
+            </a:r>
+            <a:r>
+              <a:rPr lang="pt-BR" dirty="0" smtClean="0">
+                <a:solidFill>
+                  <a:srgbClr val="FFC000"/>
+                </a:solidFill>
+              </a:rPr>
+              <a:t>();</a:t>
+            </a:r>
+          </a:p>
+          <a:p>
+            <a:pPr marL="720725" lvl="1" indent="6350">
+              <a:spcBef>
+                <a:spcPts val="0"/>
+              </a:spcBef>
+              <a:buNone/>
+            </a:pPr>
+            <a:r>
+              <a:rPr lang="pt-BR" dirty="0" err="1" smtClean="0">
+                <a:solidFill>
+                  <a:srgbClr val="FFC000"/>
+                </a:solidFill>
+              </a:rPr>
+              <a:t>Funcionario</a:t>
+            </a:r>
+            <a:r>
+              <a:rPr lang="pt-BR" dirty="0" smtClean="0">
+                <a:solidFill>
+                  <a:srgbClr val="FFC000"/>
+                </a:solidFill>
+              </a:rPr>
+              <a:t> f = (</a:t>
+            </a:r>
+            <a:r>
+              <a:rPr lang="pt-BR" dirty="0" err="1" smtClean="0">
+                <a:solidFill>
+                  <a:srgbClr val="FFC000"/>
+                </a:solidFill>
+              </a:rPr>
+              <a:t>Funcionario</a:t>
+            </a:r>
+            <a:r>
+              <a:rPr lang="pt-BR" dirty="0" smtClean="0">
+                <a:solidFill>
+                  <a:srgbClr val="FFC000"/>
+                </a:solidFill>
+              </a:rPr>
+              <a:t>) c;</a:t>
+            </a:r>
           </a:p>
         </p:txBody>
       </p:sp>
@@ -12918,12 +13597,7 @@
             <p:ph type="title"/>
           </p:nvPr>
         </p:nvSpPr>
-        <p:spPr>
-          <a:xfrm>
-            <a:off x="457200" y="274638"/>
-            <a:ext cx="8003232" cy="1143000"/>
-          </a:xfrm>
-        </p:spPr>
+        <p:spPr/>
         <p:txBody>
           <a:bodyPr/>
           <a:lstStyle/>
@@ -12938,7 +13612,7 @@
                 <a:ea typeface="+mj-ea"/>
                 <a:cs typeface="+mj-cs"/>
               </a:rPr>
-              <a:t>Principais métodos de exceções</a:t>
+              <a:t>Principais exceções</a:t>
             </a:r>
             <a:endParaRPr lang="pt-BR" dirty="0"/>
           </a:p>
@@ -12959,7 +13633,177 @@
           <a:bodyPr/>
           <a:lstStyle/>
           <a:p>
-            <a:endParaRPr lang="pt-BR"/>
+            <a:r>
+              <a:rPr lang="pt-BR" dirty="0" err="1" smtClean="0"/>
+              <a:t>IOException</a:t>
+            </a:r>
+            <a:endParaRPr lang="pt-BR" dirty="0" smtClean="0"/>
+          </a:p>
+          <a:p>
+            <a:pPr lvl="1">
+              <a:spcBef>
+                <a:spcPts val="1800"/>
+              </a:spcBef>
+            </a:pPr>
+            <a:r>
+              <a:rPr lang="pt-BR" sz="2000" dirty="0" smtClean="0"/>
+              <a:t>Exceção </a:t>
+            </a:r>
+            <a:r>
+              <a:rPr lang="pt-BR" sz="2000" u="sng" dirty="0" smtClean="0"/>
+              <a:t>verificada</a:t>
+            </a:r>
+            <a:r>
+              <a:rPr lang="pt-BR" sz="2000" dirty="0" smtClean="0"/>
+              <a:t> pertencente ao pacote </a:t>
+            </a:r>
+            <a:r>
+              <a:rPr lang="pt-BR" sz="2000" b="1" i="1" dirty="0" err="1" smtClean="0"/>
+              <a:t>java</a:t>
+            </a:r>
+            <a:r>
+              <a:rPr lang="pt-BR" sz="2000" b="1" i="1" dirty="0" smtClean="0"/>
+              <a:t>.</a:t>
+            </a:r>
+            <a:r>
+              <a:rPr lang="pt-BR" sz="2000" b="1" i="1" dirty="0" err="1" smtClean="0"/>
+              <a:t>io</a:t>
+            </a:r>
+            <a:r>
+              <a:rPr lang="pt-BR" sz="2000" dirty="0" smtClean="0"/>
+              <a:t> (será visto no capítulo 10)</a:t>
+            </a:r>
+          </a:p>
+          <a:p>
+            <a:pPr lvl="1">
+              <a:spcBef>
+                <a:spcPts val="1800"/>
+              </a:spcBef>
+            </a:pPr>
+            <a:r>
+              <a:rPr lang="pt-BR" sz="2000" dirty="0" smtClean="0"/>
+              <a:t>Ocorre em operações de input/output, como leitura de arquivos, comunicação por rede que não são realizados com sucesso.</a:t>
+            </a:r>
+          </a:p>
+          <a:p>
+            <a:pPr lvl="1">
+              <a:spcBef>
+                <a:spcPts val="1800"/>
+              </a:spcBef>
+            </a:pPr>
+            <a:r>
+              <a:rPr lang="pt-BR" sz="2000" dirty="0" smtClean="0"/>
+              <a:t>Possui diversas classes filhas que representam subtipos de problemas do gênero I/O</a:t>
+            </a:r>
+          </a:p>
+          <a:p>
+            <a:pPr marL="720725" lvl="1" indent="6350">
+              <a:spcBef>
+                <a:spcPts val="0"/>
+              </a:spcBef>
+              <a:buNone/>
+            </a:pPr>
+            <a:endParaRPr lang="pt-BR" dirty="0" smtClean="0">
+              <a:solidFill>
+                <a:srgbClr val="FFC000"/>
+              </a:solidFill>
+            </a:endParaRPr>
+          </a:p>
+          <a:p>
+            <a:pPr marL="720725" lvl="1" indent="6350">
+              <a:spcBef>
+                <a:spcPts val="0"/>
+              </a:spcBef>
+              <a:buNone/>
+            </a:pPr>
+            <a:r>
+              <a:rPr lang="pt-BR" dirty="0" err="1" smtClean="0">
+                <a:solidFill>
+                  <a:srgbClr val="FFC000"/>
+                </a:solidFill>
+              </a:rPr>
+              <a:t>FileReader</a:t>
+            </a:r>
+            <a:r>
+              <a:rPr lang="pt-BR" dirty="0" smtClean="0">
+                <a:solidFill>
+                  <a:srgbClr val="FFC000"/>
+                </a:solidFill>
+              </a:rPr>
+              <a:t> </a:t>
+            </a:r>
+            <a:r>
+              <a:rPr lang="pt-BR" dirty="0" err="1" smtClean="0">
+                <a:solidFill>
+                  <a:srgbClr val="FFC000"/>
+                </a:solidFill>
+              </a:rPr>
+              <a:t>doc</a:t>
+            </a:r>
+            <a:r>
+              <a:rPr lang="pt-BR" dirty="0" smtClean="0">
+                <a:solidFill>
+                  <a:srgbClr val="FFC000"/>
+                </a:solidFill>
+              </a:rPr>
+              <a:t>;</a:t>
+            </a:r>
+          </a:p>
+          <a:p>
+            <a:pPr marL="720725" lvl="1" indent="6350">
+              <a:spcBef>
+                <a:spcPts val="0"/>
+              </a:spcBef>
+              <a:buNone/>
+            </a:pPr>
+            <a:r>
+              <a:rPr lang="pt-BR" dirty="0" err="1" smtClean="0">
+                <a:solidFill>
+                  <a:srgbClr val="FFC000"/>
+                </a:solidFill>
+              </a:rPr>
+              <a:t>doc</a:t>
+            </a:r>
+            <a:r>
+              <a:rPr lang="pt-BR" dirty="0" smtClean="0">
+                <a:solidFill>
+                  <a:srgbClr val="FFC000"/>
+                </a:solidFill>
+              </a:rPr>
+              <a:t> = </a:t>
+            </a:r>
+            <a:r>
+              <a:rPr lang="pt-BR" dirty="0" err="1" smtClean="0">
+                <a:solidFill>
+                  <a:srgbClr val="FFC000"/>
+                </a:solidFill>
+              </a:rPr>
+              <a:t>new</a:t>
+            </a:r>
+            <a:r>
+              <a:rPr lang="pt-BR" dirty="0" smtClean="0">
+                <a:solidFill>
+                  <a:srgbClr val="FFC000"/>
+                </a:solidFill>
+              </a:rPr>
+              <a:t> </a:t>
+            </a:r>
+            <a:r>
+              <a:rPr lang="pt-BR" dirty="0" err="1" smtClean="0">
+                <a:solidFill>
+                  <a:srgbClr val="FFC000"/>
+                </a:solidFill>
+              </a:rPr>
+              <a:t>FileReader</a:t>
+            </a:r>
+            <a:r>
+              <a:rPr lang="pt-BR" dirty="0" smtClean="0">
+                <a:solidFill>
+                  <a:srgbClr val="FFC000"/>
+                </a:solidFill>
+              </a:rPr>
+              <a:t>(“C:\\carta.txt”);</a:t>
+            </a:r>
           </a:p>
         </p:txBody>
       </p:sp>
@@ -13049,18 +13893,7 @@
                 <a:ea typeface="+mj-ea"/>
                 <a:cs typeface="+mj-cs"/>
               </a:rPr>
-              <a:t>Cláusula </a:t>
-            </a:r>
-            <a:r>
-              <a:rPr lang="pt-BR" sz="4600" kern="1200" dirty="0" err="1" smtClean="0">
-                <a:solidFill>
-                  <a:schemeClr val="tx1"/>
-                </a:solidFill>
-                <a:latin typeface="+mj-lt"/>
-                <a:ea typeface="+mj-ea"/>
-                <a:cs typeface="+mj-cs"/>
-              </a:rPr>
-              <a:t>throw</a:t>
+              <a:t>Principais exceções</a:t>
             </a:r>
             <a:endParaRPr lang="pt-BR" dirty="0"/>
           </a:p>
@@ -13076,12 +13909,210 @@
             <p:ph idx="1"/>
           </p:nvPr>
         </p:nvSpPr>
-        <p:spPr/>
+        <p:spPr>
+          <a:xfrm>
+            <a:off x="457200" y="1600200"/>
+            <a:ext cx="8219256" cy="4525963"/>
+          </a:xfrm>
+        </p:spPr>
         <p:txBody>
           <a:bodyPr/>
           <a:lstStyle/>
           <a:p>
-            <a:endParaRPr lang="pt-BR"/>
+            <a:r>
+              <a:rPr lang="pt-BR" dirty="0" err="1" smtClean="0"/>
+              <a:t>SQLException</a:t>
+            </a:r>
+            <a:endParaRPr lang="pt-BR" dirty="0" smtClean="0"/>
+          </a:p>
+          <a:p>
+            <a:pPr lvl="1">
+              <a:spcBef>
+                <a:spcPts val="1800"/>
+              </a:spcBef>
+            </a:pPr>
+            <a:r>
+              <a:rPr lang="pt-BR" sz="2000" dirty="0" smtClean="0"/>
+              <a:t>Exceção </a:t>
+            </a:r>
+            <a:r>
+              <a:rPr lang="pt-BR" sz="2000" u="sng" dirty="0" smtClean="0"/>
+              <a:t>verificada</a:t>
+            </a:r>
+            <a:r>
+              <a:rPr lang="pt-BR" sz="2000" dirty="0" smtClean="0"/>
+              <a:t> pertencente ao pacote </a:t>
+            </a:r>
+            <a:r>
+              <a:rPr lang="pt-BR" sz="2000" b="1" i="1" dirty="0" err="1" smtClean="0"/>
+              <a:t>java</a:t>
+            </a:r>
+            <a:r>
+              <a:rPr lang="pt-BR" sz="2000" b="1" i="1" dirty="0" smtClean="0"/>
+              <a:t>.</a:t>
+            </a:r>
+            <a:r>
+              <a:rPr lang="pt-BR" sz="2000" b="1" i="1" dirty="0" err="1" smtClean="0"/>
+              <a:t>sql</a:t>
+            </a:r>
+            <a:r>
+              <a:rPr lang="pt-BR" sz="2000" dirty="0" smtClean="0"/>
+              <a:t> (será visto no capítulo 11)</a:t>
+            </a:r>
+          </a:p>
+          <a:p>
+            <a:pPr lvl="1">
+              <a:spcBef>
+                <a:spcPts val="1800"/>
+              </a:spcBef>
+            </a:pPr>
+            <a:r>
+              <a:rPr lang="pt-BR" sz="2000" dirty="0" smtClean="0"/>
+              <a:t>Ocorre ao tentar realizar operações de acesso a bancos de dados que resultam em problemas, tais como:</a:t>
+            </a:r>
+          </a:p>
+          <a:p>
+            <a:pPr lvl="2">
+              <a:spcBef>
+                <a:spcPts val="600"/>
+              </a:spcBef>
+            </a:pPr>
+            <a:endParaRPr lang="pt-BR" sz="1800" dirty="0" smtClean="0"/>
+          </a:p>
+          <a:p>
+            <a:pPr lvl="2">
+              <a:spcBef>
+                <a:spcPts val="600"/>
+              </a:spcBef>
+            </a:pPr>
+            <a:r>
+              <a:rPr lang="pt-BR" sz="1800" dirty="0" smtClean="0"/>
+              <a:t>Tentar acessar um banco de dados que não está no ar;</a:t>
+            </a:r>
+          </a:p>
+          <a:p>
+            <a:pPr lvl="2">
+              <a:spcBef>
+                <a:spcPts val="600"/>
+              </a:spcBef>
+            </a:pPr>
+            <a:r>
+              <a:rPr lang="pt-BR" sz="1800" dirty="0" smtClean="0"/>
+              <a:t>Tentar conectar com usuário ou senha inválidos;</a:t>
+            </a:r>
+          </a:p>
+          <a:p>
+            <a:pPr lvl="2">
+              <a:spcBef>
+                <a:spcPts val="600"/>
+              </a:spcBef>
+            </a:pPr>
+            <a:r>
+              <a:rPr lang="pt-BR" sz="1800" dirty="0" smtClean="0"/>
+              <a:t>Tentar acessar uma tabela inexistente.</a:t>
+            </a:r>
+            <a:endParaRPr lang="pt-BR" sz="2000" dirty="0" smtClean="0"/>
+          </a:p>
+          <a:p>
+            <a:pPr marL="0" lvl="1" indent="6350" algn="ctr">
+              <a:spcBef>
+                <a:spcPts val="0"/>
+              </a:spcBef>
+              <a:buNone/>
+            </a:pPr>
+            <a:endParaRPr lang="pt-BR" sz="2000" spc="-30" dirty="0" smtClean="0">
+              <a:solidFill>
+                <a:srgbClr val="FFC000"/>
+              </a:solidFill>
+            </a:endParaRPr>
+          </a:p>
+          <a:p>
+            <a:pPr marL="0" lvl="1" indent="6350" algn="ctr">
+              <a:spcBef>
+                <a:spcPts val="0"/>
+              </a:spcBef>
+              <a:buNone/>
+            </a:pPr>
+            <a:r>
+              <a:rPr lang="pt-BR" sz="2000" spc="-30" dirty="0" err="1" smtClean="0">
+                <a:solidFill>
+                  <a:srgbClr val="FFC000"/>
+                </a:solidFill>
+              </a:rPr>
+              <a:t>rs</a:t>
+            </a:r>
+            <a:r>
+              <a:rPr lang="pt-BR" sz="2000" spc="-30" dirty="0" smtClean="0">
+                <a:solidFill>
+                  <a:srgbClr val="FFC000"/>
+                </a:solidFill>
+              </a:rPr>
+              <a:t> = </a:t>
+            </a:r>
+            <a:r>
+              <a:rPr lang="pt-BR" sz="2000" spc="-30" dirty="0" err="1" smtClean="0">
+                <a:solidFill>
+                  <a:srgbClr val="FFC000"/>
+                </a:solidFill>
+              </a:rPr>
+              <a:t>st</a:t>
+            </a:r>
+            <a:r>
+              <a:rPr lang="pt-BR" sz="2000" spc="-30" dirty="0" smtClean="0">
+                <a:solidFill>
+                  <a:srgbClr val="FFC000"/>
+                </a:solidFill>
+              </a:rPr>
+              <a:t>.</a:t>
+            </a:r>
+            <a:r>
+              <a:rPr lang="pt-BR" sz="2000" spc="-30" dirty="0" err="1" smtClean="0">
+                <a:solidFill>
+                  <a:srgbClr val="FFC000"/>
+                </a:solidFill>
+              </a:rPr>
+              <a:t>executeUpdate</a:t>
+            </a:r>
+            <a:r>
+              <a:rPr lang="pt-BR" sz="2000" spc="-30" dirty="0" smtClean="0">
+                <a:solidFill>
+                  <a:srgbClr val="FFC000"/>
+                </a:solidFill>
+              </a:rPr>
+              <a:t>(“SELECT nome, </a:t>
+            </a:r>
+            <a:r>
+              <a:rPr lang="pt-BR" sz="2000" spc="-30" dirty="0" err="1" smtClean="0">
+                <a:solidFill>
+                  <a:srgbClr val="FFC000"/>
+                </a:solidFill>
+              </a:rPr>
+              <a:t>salario</a:t>
+            </a:r>
+            <a:r>
+              <a:rPr lang="pt-BR" sz="2000" spc="-30" dirty="0" smtClean="0">
+                <a:solidFill>
+                  <a:srgbClr val="FFC000"/>
+                </a:solidFill>
+              </a:rPr>
+              <a:t> FROM </a:t>
+            </a:r>
+            <a:r>
+              <a:rPr lang="pt-BR" sz="2000" spc="-30" dirty="0" err="1" smtClean="0">
+                <a:solidFill>
+                  <a:srgbClr val="FFC000"/>
+                </a:solidFill>
+              </a:rPr>
+              <a:t>tab_funcionario</a:t>
+            </a:r>
+            <a:r>
+              <a:rPr lang="pt-BR" sz="2000" spc="-30" dirty="0" smtClean="0">
+                <a:solidFill>
+                  <a:srgbClr val="FFC000"/>
+                </a:solidFill>
+              </a:rPr>
+              <a:t>”);</a:t>
+            </a:r>
           </a:p>
         </p:txBody>
       </p:sp>
@@ -13119,6 +14150,13 @@
   <p:clrMapOvr>
     <a:masterClrMapping/>
   </p:clrMapOvr>
+  <p:timing>
+    <p:tnLst>
+      <p:par>
+        <p:cTn id="1" dur="indefinite" restart="never" nodeType="tmRoot"/>
+      </p:par>
+    </p:tnLst>
+  </p:timing>
 </p:sld>
 </file>
 
@@ -13164,8 +14202,20 @@
                 <a:ea typeface="+mj-ea"/>
                 <a:cs typeface="+mj-cs"/>
               </a:rPr>
-              <a:t>Exceções personalizadas</a:t>
-            </a:r>
+              <a:t>Cláusula </a:t>
+            </a:r>
+            <a:r>
+              <a:rPr lang="pt-BR" sz="4600" kern="1200" dirty="0" err="1" smtClean="0">
+                <a:solidFill>
+                  <a:schemeClr val="tx1"/>
+                </a:solidFill>
+                <a:latin typeface="+mj-lt"/>
+                <a:ea typeface="+mj-ea"/>
+                <a:cs typeface="+mj-cs"/>
+              </a:rPr>
+              <a:t>throw</a:t>
+            </a:r>
+            <a:endParaRPr lang="pt-BR" dirty="0"/>
           </a:p>
         </p:txBody>
       </p:sp>
@@ -13179,12 +14229,21 @@
             <p:ph idx="1"/>
           </p:nvPr>
         </p:nvSpPr>
-        <p:spPr/>
+        <p:spPr>
+          <a:xfrm>
+            <a:off x="457200" y="1600200"/>
+            <a:ext cx="7571184" cy="4525963"/>
+          </a:xfrm>
+        </p:spPr>
         <p:txBody>
           <a:bodyPr/>
           <a:lstStyle/>
           <a:p>
-            <a:endParaRPr lang="pt-BR"/>
+            <a:r>
+              <a:rPr lang="pt-BR" dirty="0" smtClean="0"/>
+              <a:t>Força a ocorrência de uma exception sinalizando que há algum problema ao executar a operação em questão.</a:t>
+            </a:r>
+            <a:endParaRPr lang="pt-BR" sz="2200" dirty="0"/>
           </a:p>
         </p:txBody>
       </p:sp>
@@ -13222,6 +14281,1176 @@
   <p:clrMapOvr>
     <a:masterClrMapping/>
   </p:clrMapOvr>
+  <p:timing>
+    <p:tnLst>
+      <p:par>
+        <p:cTn id="1" dur="indefinite" restart="never" nodeType="tmRoot"/>
+      </p:par>
+    </p:tnLst>
+  </p:timing>
+</p:sld>
+</file>
+
+<file path=ppt/slides/slide27.xml><?xml version="1.0" encoding="utf-8"?>
+<p:sld xmlns:a="http://schemas.openxmlformats.org/drawingml/2006/main" xmlns:r="http://schemas.openxmlformats.org/officeDocument/2006/relationships" xmlns:p="http://schemas.openxmlformats.org/presentationml/2006/main">
+  <p:cSld>
+    <p:spTree>
+      <p:nvGrpSpPr>
+        <p:cNvPr id="1" name=""/>
+        <p:cNvGrpSpPr/>
+        <p:nvPr/>
+      </p:nvGrpSpPr>
+      <p:grpSpPr>
+        <a:xfrm>
+          <a:off x="0" y="0"/>
+          <a:ext cx="0" cy="0"/>
+          <a:chOff x="0" y="0"/>
+          <a:chExt cx="0" cy="0"/>
+        </a:xfrm>
+      </p:grpSpPr>
+      <p:sp>
+        <p:nvSpPr>
+          <p:cNvPr id="2" name="Título 1"/>
+          <p:cNvSpPr>
+            <a:spLocks noGrp="1"/>
+          </p:cNvSpPr>
+          <p:nvPr>
+            <p:ph type="title"/>
+          </p:nvPr>
+        </p:nvSpPr>
+        <p:spPr/>
+        <p:txBody>
+          <a:bodyPr/>
+          <a:lstStyle/>
+          <a:p>
+            <a:pPr rtl="0" eaLnBrk="1" fontAlgn="base" hangingPunct="1"/>
+            <a:r>
+              <a:rPr lang="pt-BR" sz="4600" kern="1200" dirty="0" smtClean="0">
+                <a:solidFill>
+                  <a:schemeClr val="tx1"/>
+                </a:solidFill>
+                <a:latin typeface="+mj-lt"/>
+                <a:ea typeface="+mj-ea"/>
+                <a:cs typeface="+mj-cs"/>
+              </a:rPr>
+              <a:t>Cláusula </a:t>
+            </a:r>
+            <a:r>
+              <a:rPr lang="pt-BR" sz="4600" kern="1200" dirty="0" err="1" smtClean="0">
+                <a:solidFill>
+                  <a:schemeClr val="tx1"/>
+                </a:solidFill>
+                <a:latin typeface="+mj-lt"/>
+                <a:ea typeface="+mj-ea"/>
+                <a:cs typeface="+mj-cs"/>
+              </a:rPr>
+              <a:t>throw</a:t>
+            </a:r>
+            <a:endParaRPr lang="pt-BR" dirty="0"/>
+          </a:p>
+        </p:txBody>
+      </p:sp>
+      <p:sp>
+        <p:nvSpPr>
+          <p:cNvPr id="6" name="Espaço Reservado para Conteúdo 5"/>
+          <p:cNvSpPr>
+            <a:spLocks noGrp="1"/>
+          </p:cNvSpPr>
+          <p:nvPr>
+            <p:ph idx="1"/>
+          </p:nvPr>
+        </p:nvSpPr>
+        <p:spPr>
+          <a:xfrm>
+            <a:off x="457200" y="1600200"/>
+            <a:ext cx="7571184" cy="4525963"/>
+          </a:xfrm>
+        </p:spPr>
+        <p:txBody>
+          <a:bodyPr/>
+          <a:lstStyle/>
+          <a:p>
+            <a:r>
+              <a:rPr lang="pt-BR" dirty="0" smtClean="0"/>
+              <a:t>Exemplo</a:t>
+            </a:r>
+          </a:p>
+          <a:p>
+            <a:pPr marL="442913" indent="0">
+              <a:spcBef>
+                <a:spcPts val="0"/>
+              </a:spcBef>
+              <a:buNone/>
+              <a:tabLst>
+                <a:tab pos="900113" algn="l"/>
+                <a:tab pos="1344613" algn="l"/>
+              </a:tabLst>
+            </a:pPr>
+            <a:endParaRPr lang="pt-BR" sz="2200" dirty="0" smtClean="0"/>
+          </a:p>
+          <a:p>
+            <a:pPr marL="442913" indent="0">
+              <a:spcBef>
+                <a:spcPts val="0"/>
+              </a:spcBef>
+              <a:buNone/>
+              <a:tabLst>
+                <a:tab pos="900113" algn="l"/>
+                <a:tab pos="1344613" algn="l"/>
+              </a:tabLst>
+            </a:pPr>
+            <a:endParaRPr lang="pt-BR" sz="2200" dirty="0" smtClean="0"/>
+          </a:p>
+          <a:p>
+            <a:pPr marL="442913" indent="0">
+              <a:spcBef>
+                <a:spcPts val="0"/>
+              </a:spcBef>
+              <a:buNone/>
+              <a:tabLst>
+                <a:tab pos="900113" algn="l"/>
+                <a:tab pos="1344613" algn="l"/>
+              </a:tabLst>
+            </a:pPr>
+            <a:r>
+              <a:rPr lang="pt-BR" sz="2200" dirty="0" err="1" smtClean="0"/>
+              <a:t>public</a:t>
+            </a:r>
+            <a:r>
+              <a:rPr lang="pt-BR" sz="2200" dirty="0" smtClean="0"/>
+              <a:t> </a:t>
+            </a:r>
+            <a:r>
+              <a:rPr lang="pt-BR" sz="2200" dirty="0" err="1" smtClean="0"/>
+              <a:t>void</a:t>
+            </a:r>
+            <a:r>
+              <a:rPr lang="pt-BR" sz="2200" dirty="0" smtClean="0"/>
+              <a:t> </a:t>
+            </a:r>
+            <a:r>
+              <a:rPr lang="pt-BR" sz="2200" dirty="0" err="1" smtClean="0"/>
+              <a:t>exibeParabens</a:t>
+            </a:r>
+            <a:r>
+              <a:rPr lang="pt-BR" sz="2200" dirty="0" smtClean="0"/>
+              <a:t>(</a:t>
+            </a:r>
+            <a:r>
+              <a:rPr lang="pt-BR" sz="2200" dirty="0" err="1" smtClean="0"/>
+              <a:t>int</a:t>
+            </a:r>
+            <a:r>
+              <a:rPr lang="pt-BR" sz="2200" dirty="0" smtClean="0"/>
+              <a:t> idade) </a:t>
+            </a:r>
+            <a:r>
+              <a:rPr lang="pt-BR" sz="2200" dirty="0" err="1" smtClean="0">
+                <a:solidFill>
+                  <a:srgbClr val="FFC000"/>
+                </a:solidFill>
+              </a:rPr>
+              <a:t>throws</a:t>
+            </a:r>
+            <a:r>
+              <a:rPr lang="pt-BR" sz="2200" dirty="0" smtClean="0">
+                <a:solidFill>
+                  <a:srgbClr val="FFC000"/>
+                </a:solidFill>
+              </a:rPr>
+              <a:t> Exception</a:t>
+            </a:r>
+            <a:r>
+              <a:rPr lang="pt-BR" sz="2200" dirty="0" smtClean="0"/>
+              <a:t> {</a:t>
+            </a:r>
+          </a:p>
+          <a:p>
+            <a:pPr marL="442913" indent="0">
+              <a:spcBef>
+                <a:spcPts val="0"/>
+              </a:spcBef>
+              <a:buNone/>
+              <a:tabLst>
+                <a:tab pos="900113" algn="l"/>
+                <a:tab pos="1344613" algn="l"/>
+              </a:tabLst>
+            </a:pPr>
+            <a:r>
+              <a:rPr lang="pt-BR" sz="2200" dirty="0" smtClean="0"/>
+              <a:t>	</a:t>
+            </a:r>
+            <a:r>
+              <a:rPr lang="pt-BR" sz="2200" dirty="0" err="1" smtClean="0"/>
+              <a:t>if</a:t>
+            </a:r>
+            <a:r>
+              <a:rPr lang="pt-BR" sz="2200" dirty="0" smtClean="0"/>
+              <a:t> (idade &gt;= 0) {</a:t>
+            </a:r>
+          </a:p>
+          <a:p>
+            <a:pPr marL="442913" indent="0">
+              <a:spcBef>
+                <a:spcPts val="0"/>
+              </a:spcBef>
+              <a:buNone/>
+              <a:tabLst>
+                <a:tab pos="900113" algn="l"/>
+                <a:tab pos="1344613" algn="l"/>
+              </a:tabLst>
+            </a:pPr>
+            <a:r>
+              <a:rPr lang="pt-BR" sz="2200" dirty="0" smtClean="0"/>
+              <a:t>		System.</a:t>
+            </a:r>
+            <a:r>
+              <a:rPr lang="pt-BR" sz="2200" dirty="0" err="1" smtClean="0"/>
+              <a:t>out.println</a:t>
+            </a:r>
+            <a:r>
+              <a:rPr lang="pt-BR" sz="2200" dirty="0" smtClean="0"/>
+              <a:t>(“</a:t>
+            </a:r>
+            <a:r>
+              <a:rPr lang="pt-BR" sz="2200" dirty="0" err="1" smtClean="0"/>
+              <a:t>Parabens</a:t>
+            </a:r>
+            <a:r>
+              <a:rPr lang="pt-BR" sz="2200" dirty="0" smtClean="0"/>
+              <a:t> pelos seus ” +</a:t>
+            </a:r>
+          </a:p>
+          <a:p>
+            <a:pPr marL="442913" indent="0">
+              <a:spcBef>
+                <a:spcPts val="0"/>
+              </a:spcBef>
+              <a:buNone/>
+              <a:tabLst>
+                <a:tab pos="900113" algn="l"/>
+                <a:tab pos="1344613" algn="l"/>
+              </a:tabLst>
+            </a:pPr>
+            <a:r>
+              <a:rPr lang="pt-BR" sz="2200" dirty="0" smtClean="0"/>
+              <a:t>			idade + “ anos de vida.”);</a:t>
+            </a:r>
+          </a:p>
+          <a:p>
+            <a:pPr marL="442913" indent="0">
+              <a:spcBef>
+                <a:spcPts val="0"/>
+              </a:spcBef>
+              <a:buNone/>
+              <a:tabLst>
+                <a:tab pos="900113" algn="l"/>
+                <a:tab pos="1344613" algn="l"/>
+              </a:tabLst>
+            </a:pPr>
+            <a:r>
+              <a:rPr lang="pt-BR" sz="2200" dirty="0" smtClean="0"/>
+              <a:t>	} </a:t>
+            </a:r>
+            <a:r>
+              <a:rPr lang="pt-BR" sz="2200" dirty="0" err="1" smtClean="0"/>
+              <a:t>else</a:t>
+            </a:r>
+            <a:r>
+              <a:rPr lang="pt-BR" sz="2200" dirty="0" smtClean="0"/>
+              <a:t> {</a:t>
+            </a:r>
+          </a:p>
+          <a:p>
+            <a:pPr marL="442913" indent="0">
+              <a:spcBef>
+                <a:spcPts val="0"/>
+              </a:spcBef>
+              <a:buNone/>
+              <a:tabLst>
+                <a:tab pos="900113" algn="l"/>
+                <a:tab pos="1344613" algn="l"/>
+              </a:tabLst>
+            </a:pPr>
+            <a:r>
+              <a:rPr lang="pt-BR" sz="2200" dirty="0" smtClean="0"/>
+              <a:t>		</a:t>
+            </a:r>
+            <a:r>
+              <a:rPr lang="pt-BR" sz="2200" u="sng" dirty="0" err="1" smtClean="0">
+                <a:solidFill>
+                  <a:srgbClr val="FFC000"/>
+                </a:solidFill>
+              </a:rPr>
+              <a:t>throw</a:t>
+            </a:r>
+            <a:r>
+              <a:rPr lang="pt-BR" sz="2200" dirty="0" smtClean="0">
+                <a:solidFill>
+                  <a:srgbClr val="FFC000"/>
+                </a:solidFill>
+              </a:rPr>
+              <a:t> </a:t>
+            </a:r>
+            <a:r>
+              <a:rPr lang="pt-BR" sz="2200" dirty="0" err="1" smtClean="0">
+                <a:solidFill>
+                  <a:srgbClr val="FFC000"/>
+                </a:solidFill>
+              </a:rPr>
+              <a:t>new</a:t>
+            </a:r>
+            <a:r>
+              <a:rPr lang="pt-BR" sz="2200" dirty="0" smtClean="0">
+                <a:solidFill>
+                  <a:srgbClr val="FFC000"/>
+                </a:solidFill>
+              </a:rPr>
+              <a:t> Exception(</a:t>
+            </a:r>
+            <a:r>
+              <a:rPr lang="pt-BR" sz="2200" dirty="0" smtClean="0"/>
+              <a:t>“Idade inválida”</a:t>
+            </a:r>
+            <a:r>
+              <a:rPr lang="pt-BR" sz="2200" dirty="0" smtClean="0">
+                <a:solidFill>
+                  <a:srgbClr val="FFC000"/>
+                </a:solidFill>
+              </a:rPr>
+              <a:t>)</a:t>
+            </a:r>
+            <a:r>
+              <a:rPr lang="pt-BR" sz="2200" dirty="0" smtClean="0"/>
+              <a:t>;</a:t>
+            </a:r>
+          </a:p>
+          <a:p>
+            <a:pPr marL="442913" indent="0">
+              <a:spcBef>
+                <a:spcPts val="0"/>
+              </a:spcBef>
+              <a:buNone/>
+              <a:tabLst>
+                <a:tab pos="900113" algn="l"/>
+                <a:tab pos="1344613" algn="l"/>
+              </a:tabLst>
+            </a:pPr>
+            <a:r>
+              <a:rPr lang="pt-BR" sz="2200" dirty="0" smtClean="0"/>
+              <a:t>	}</a:t>
+            </a:r>
+          </a:p>
+          <a:p>
+            <a:pPr marL="442913" indent="0">
+              <a:spcBef>
+                <a:spcPts val="0"/>
+              </a:spcBef>
+              <a:buNone/>
+              <a:tabLst>
+                <a:tab pos="900113" algn="l"/>
+                <a:tab pos="1344613" algn="l"/>
+              </a:tabLst>
+            </a:pPr>
+            <a:r>
+              <a:rPr lang="pt-BR" sz="2200" dirty="0" smtClean="0"/>
+              <a:t>}</a:t>
+            </a:r>
+            <a:endParaRPr lang="pt-BR" sz="2200" dirty="0"/>
+          </a:p>
+        </p:txBody>
+      </p:sp>
+      <p:sp>
+        <p:nvSpPr>
+          <p:cNvPr id="5" name="Espaço Reservado para Número de Slide 4"/>
+          <p:cNvSpPr>
+            <a:spLocks noGrp="1"/>
+          </p:cNvSpPr>
+          <p:nvPr>
+            <p:ph type="sldNum" sz="quarter" idx="12"/>
+          </p:nvPr>
+        </p:nvSpPr>
+        <p:spPr/>
+        <p:txBody>
+          <a:bodyPr/>
+          <a:lstStyle/>
+          <a:p>
+            <a:pPr>
+              <a:defRPr/>
+            </a:pPr>
+            <a:fld id="{DAB16DC1-F000-4B90-9425-1E014EE80EC3}" type="slidenum">
+              <a:rPr lang="pt-BR" smtClean="0"/>
+              <a:pPr>
+                <a:defRPr/>
+              </a:pPr>
+              <a:t>27</a:t>
+            </a:fld>
+            <a:endParaRPr lang="pt-BR"/>
+          </a:p>
+        </p:txBody>
+      </p:sp>
+    </p:spTree>
+  </p:cSld>
+  <p:clrMapOvr>
+    <a:masterClrMapping/>
+  </p:clrMapOvr>
+  <p:timing>
+    <p:tnLst>
+      <p:par>
+        <p:cTn id="1" dur="indefinite" restart="never" nodeType="tmRoot"/>
+      </p:par>
+    </p:tnLst>
+  </p:timing>
+</p:sld>
+</file>
+
+<file path=ppt/slides/slide28.xml><?xml version="1.0" encoding="utf-8"?>
+<p:sld xmlns:a="http://schemas.openxmlformats.org/drawingml/2006/main" xmlns:r="http://schemas.openxmlformats.org/officeDocument/2006/relationships" xmlns:p="http://schemas.openxmlformats.org/presentationml/2006/main">
+  <p:cSld>
+    <p:spTree>
+      <p:nvGrpSpPr>
+        <p:cNvPr id="1" name=""/>
+        <p:cNvGrpSpPr/>
+        <p:nvPr/>
+      </p:nvGrpSpPr>
+      <p:grpSpPr>
+        <a:xfrm>
+          <a:off x="0" y="0"/>
+          <a:ext cx="0" cy="0"/>
+          <a:chOff x="0" y="0"/>
+          <a:chExt cx="0" cy="0"/>
+        </a:xfrm>
+      </p:grpSpPr>
+      <p:sp>
+        <p:nvSpPr>
+          <p:cNvPr id="2" name="Título 1"/>
+          <p:cNvSpPr>
+            <a:spLocks noGrp="1"/>
+          </p:cNvSpPr>
+          <p:nvPr>
+            <p:ph type="title"/>
+          </p:nvPr>
+        </p:nvSpPr>
+        <p:spPr/>
+        <p:txBody>
+          <a:bodyPr/>
+          <a:lstStyle/>
+          <a:p>
+            <a:pPr eaLnBrk="1" hangingPunct="1"/>
+            <a:r>
+              <a:rPr lang="pt-BR" dirty="0" smtClean="0"/>
+              <a:t>Cláusula </a:t>
+            </a:r>
+            <a:r>
+              <a:rPr lang="pt-BR" dirty="0" err="1" smtClean="0"/>
+              <a:t>throw</a:t>
+            </a:r>
+            <a:endParaRPr lang="pt-BR" dirty="0"/>
+          </a:p>
+        </p:txBody>
+      </p:sp>
+      <p:sp>
+        <p:nvSpPr>
+          <p:cNvPr id="6" name="Espaço Reservado para Conteúdo 5"/>
+          <p:cNvSpPr>
+            <a:spLocks noGrp="1"/>
+          </p:cNvSpPr>
+          <p:nvPr>
+            <p:ph idx="1"/>
+          </p:nvPr>
+        </p:nvSpPr>
+        <p:spPr>
+          <a:xfrm>
+            <a:off x="457200" y="1196752"/>
+            <a:ext cx="8147248" cy="4525963"/>
+          </a:xfrm>
+        </p:spPr>
+        <p:txBody>
+          <a:bodyPr/>
+          <a:lstStyle/>
+          <a:p>
+            <a:pPr>
+              <a:tabLst>
+                <a:tab pos="442913" algn="l"/>
+                <a:tab pos="900113" algn="l"/>
+              </a:tabLst>
+            </a:pPr>
+            <a:r>
+              <a:rPr lang="pt-BR" dirty="0" smtClean="0"/>
+              <a:t>Na aplicação principal...</a:t>
+            </a:r>
+          </a:p>
+          <a:p>
+            <a:pPr marL="442913" indent="0">
+              <a:spcBef>
+                <a:spcPts val="0"/>
+              </a:spcBef>
+              <a:buNone/>
+              <a:tabLst>
+                <a:tab pos="900113" algn="l"/>
+                <a:tab pos="1344613" algn="l"/>
+              </a:tabLst>
+            </a:pPr>
+            <a:endParaRPr lang="pt-BR" sz="2000" dirty="0" smtClean="0"/>
+          </a:p>
+          <a:p>
+            <a:pPr marL="442913" indent="0">
+              <a:spcBef>
+                <a:spcPts val="0"/>
+              </a:spcBef>
+              <a:buNone/>
+              <a:tabLst>
+                <a:tab pos="900113" algn="l"/>
+                <a:tab pos="1344613" algn="l"/>
+              </a:tabLst>
+            </a:pPr>
+            <a:r>
+              <a:rPr lang="pt-BR" sz="2000" dirty="0" err="1" smtClean="0"/>
+              <a:t>public</a:t>
+            </a:r>
+            <a:r>
+              <a:rPr lang="pt-BR" sz="2000" dirty="0" smtClean="0"/>
+              <a:t> </a:t>
+            </a:r>
+            <a:r>
+              <a:rPr lang="pt-BR" sz="2000" dirty="0" err="1" smtClean="0"/>
+              <a:t>void</a:t>
+            </a:r>
+            <a:r>
+              <a:rPr lang="pt-BR" sz="2000" dirty="0" smtClean="0"/>
+              <a:t> </a:t>
+            </a:r>
+            <a:r>
+              <a:rPr lang="pt-BR" sz="2000" dirty="0" err="1" smtClean="0"/>
+              <a:t>rotinaPrincial</a:t>
+            </a:r>
+            <a:r>
+              <a:rPr lang="pt-BR" sz="2000" dirty="0" smtClean="0"/>
+              <a:t>() </a:t>
+            </a:r>
+            <a:r>
+              <a:rPr lang="pt-BR" sz="2000" dirty="0" smtClean="0"/>
+              <a:t>{</a:t>
+            </a:r>
+          </a:p>
+          <a:p>
+            <a:pPr marL="442913" indent="0">
+              <a:spcBef>
+                <a:spcPts val="0"/>
+              </a:spcBef>
+              <a:buNone/>
+              <a:tabLst>
+                <a:tab pos="900113" algn="l"/>
+                <a:tab pos="1344613" algn="l"/>
+              </a:tabLst>
+            </a:pPr>
+            <a:r>
+              <a:rPr lang="pt-BR" sz="2000" dirty="0" smtClean="0"/>
+              <a:t>	</a:t>
+            </a:r>
+            <a:r>
+              <a:rPr lang="pt-BR" sz="2000" dirty="0" err="1" smtClean="0"/>
+              <a:t>Conexao</a:t>
+            </a:r>
+            <a:r>
+              <a:rPr lang="pt-BR" sz="2000" dirty="0" smtClean="0"/>
+              <a:t> </a:t>
+            </a:r>
+            <a:r>
+              <a:rPr lang="pt-BR" sz="2000" dirty="0" err="1" smtClean="0"/>
+              <a:t>cn</a:t>
+            </a:r>
+            <a:r>
+              <a:rPr lang="pt-BR" sz="2000" dirty="0" smtClean="0"/>
+              <a:t> = </a:t>
+            </a:r>
+            <a:r>
+              <a:rPr lang="pt-BR" sz="2000" dirty="0" err="1" smtClean="0"/>
+              <a:t>null</a:t>
+            </a:r>
+            <a:r>
+              <a:rPr lang="pt-BR" sz="2000" dirty="0" smtClean="0"/>
+              <a:t>;</a:t>
+            </a:r>
+          </a:p>
+          <a:p>
+            <a:pPr marL="442913" indent="0">
+              <a:spcBef>
+                <a:spcPts val="0"/>
+              </a:spcBef>
+              <a:buNone/>
+              <a:tabLst>
+                <a:tab pos="900113" algn="l"/>
+                <a:tab pos="1344613" algn="l"/>
+              </a:tabLst>
+            </a:pPr>
+            <a:r>
+              <a:rPr lang="pt-BR" sz="2000" dirty="0" smtClean="0"/>
+              <a:t>	</a:t>
+            </a:r>
+            <a:r>
+              <a:rPr lang="pt-BR" sz="2000" dirty="0" err="1" smtClean="0"/>
+              <a:t>try</a:t>
+            </a:r>
+            <a:r>
+              <a:rPr lang="pt-BR" sz="2000" dirty="0" smtClean="0"/>
+              <a:t> {</a:t>
+            </a:r>
+          </a:p>
+          <a:p>
+            <a:pPr marL="442913" indent="0">
+              <a:spcBef>
+                <a:spcPts val="0"/>
+              </a:spcBef>
+              <a:buNone/>
+              <a:tabLst>
+                <a:tab pos="900113" algn="l"/>
+                <a:tab pos="1344613" algn="l"/>
+              </a:tabLst>
+            </a:pPr>
+            <a:r>
+              <a:rPr lang="pt-BR" sz="2000" dirty="0" smtClean="0"/>
+              <a:t>		</a:t>
+            </a:r>
+            <a:r>
+              <a:rPr lang="pt-BR" sz="2000" dirty="0" err="1" smtClean="0"/>
+              <a:t>cn</a:t>
+            </a:r>
+            <a:r>
+              <a:rPr lang="pt-BR" sz="2000" dirty="0" smtClean="0"/>
+              <a:t> = </a:t>
+            </a:r>
+            <a:r>
+              <a:rPr lang="pt-BR" sz="2000" dirty="0" err="1" smtClean="0"/>
+              <a:t>abrirConexao</a:t>
+            </a:r>
+            <a:r>
+              <a:rPr lang="pt-BR" sz="2000" dirty="0" smtClean="0"/>
+              <a:t>();</a:t>
+            </a:r>
+          </a:p>
+          <a:p>
+            <a:pPr marL="442913" indent="0">
+              <a:spcBef>
+                <a:spcPts val="0"/>
+              </a:spcBef>
+              <a:buNone/>
+              <a:tabLst>
+                <a:tab pos="900113" algn="l"/>
+                <a:tab pos="1344613" algn="l"/>
+              </a:tabLst>
+            </a:pPr>
+            <a:r>
+              <a:rPr lang="pt-BR" sz="2000" dirty="0" smtClean="0"/>
+              <a:t>		Cliente cli = </a:t>
+            </a:r>
+            <a:r>
+              <a:rPr lang="pt-BR" sz="2000" dirty="0" err="1" smtClean="0"/>
+              <a:t>cn</a:t>
+            </a:r>
+            <a:r>
+              <a:rPr lang="pt-BR" sz="2000" dirty="0" smtClean="0"/>
+              <a:t>.</a:t>
+            </a:r>
+            <a:r>
+              <a:rPr lang="pt-BR" sz="2000" dirty="0" err="1" smtClean="0"/>
+              <a:t>obterCliente</a:t>
+            </a:r>
+            <a:r>
+              <a:rPr lang="pt-BR" sz="2000" dirty="0" smtClean="0"/>
+              <a:t>();</a:t>
+            </a:r>
+          </a:p>
+          <a:p>
+            <a:pPr marL="442913" indent="0">
+              <a:spcBef>
+                <a:spcPts val="0"/>
+              </a:spcBef>
+              <a:buNone/>
+              <a:tabLst>
+                <a:tab pos="900113" algn="l"/>
+                <a:tab pos="1344613" algn="l"/>
+              </a:tabLst>
+            </a:pPr>
+            <a:r>
+              <a:rPr lang="pt-BR" sz="2000" dirty="0" smtClean="0"/>
+              <a:t>		</a:t>
+            </a:r>
+            <a:r>
+              <a:rPr lang="pt-BR" sz="2000" dirty="0" err="1" smtClean="0"/>
+              <a:t>int</a:t>
+            </a:r>
+            <a:r>
+              <a:rPr lang="pt-BR" sz="2000" dirty="0" smtClean="0"/>
+              <a:t> idade = cli.</a:t>
+            </a:r>
+            <a:r>
+              <a:rPr lang="pt-BR" sz="2000" dirty="0" err="1" smtClean="0"/>
+              <a:t>getIdade</a:t>
+            </a:r>
+            <a:r>
+              <a:rPr lang="pt-BR" sz="2000" dirty="0" smtClean="0"/>
+              <a:t>();</a:t>
+            </a:r>
+          </a:p>
+          <a:p>
+            <a:pPr marL="442913" indent="0">
+              <a:spcBef>
+                <a:spcPts val="0"/>
+              </a:spcBef>
+              <a:buNone/>
+              <a:tabLst>
+                <a:tab pos="900113" algn="l"/>
+                <a:tab pos="1344613" algn="l"/>
+              </a:tabLst>
+            </a:pPr>
+            <a:r>
+              <a:rPr lang="pt-BR" sz="2000" dirty="0" smtClean="0">
+                <a:solidFill>
+                  <a:srgbClr val="FFC000"/>
+                </a:solidFill>
+              </a:rPr>
+              <a:t>		</a:t>
+            </a:r>
+            <a:r>
+              <a:rPr lang="pt-BR" sz="2000" dirty="0" err="1" smtClean="0">
+                <a:solidFill>
+                  <a:srgbClr val="FFC000"/>
+                </a:solidFill>
+              </a:rPr>
+              <a:t>exibeParabens</a:t>
+            </a:r>
+            <a:r>
+              <a:rPr lang="pt-BR" sz="2000" dirty="0" smtClean="0">
+                <a:solidFill>
+                  <a:srgbClr val="FFC000"/>
+                </a:solidFill>
+              </a:rPr>
+              <a:t>(idade);</a:t>
+            </a:r>
+          </a:p>
+          <a:p>
+            <a:pPr marL="442913" indent="0">
+              <a:spcBef>
+                <a:spcPts val="0"/>
+              </a:spcBef>
+              <a:buNone/>
+              <a:tabLst>
+                <a:tab pos="900113" algn="l"/>
+                <a:tab pos="1344613" algn="l"/>
+              </a:tabLst>
+            </a:pPr>
+            <a:r>
+              <a:rPr lang="pt-BR" sz="2000" dirty="0" smtClean="0"/>
+              <a:t>	} catch (</a:t>
+            </a:r>
+            <a:r>
+              <a:rPr lang="pt-BR" sz="2000" dirty="0" err="1" smtClean="0"/>
+              <a:t>SQLException</a:t>
+            </a:r>
+            <a:r>
+              <a:rPr lang="pt-BR" sz="2000" dirty="0" smtClean="0"/>
+              <a:t> </a:t>
+            </a:r>
+            <a:r>
+              <a:rPr lang="pt-BR" sz="2000" dirty="0" err="1" smtClean="0"/>
+              <a:t>sqle</a:t>
+            </a:r>
+            <a:r>
+              <a:rPr lang="pt-BR" sz="2000" dirty="0" smtClean="0"/>
+              <a:t>) {</a:t>
+            </a:r>
+          </a:p>
+          <a:p>
+            <a:pPr marL="442913" indent="0">
+              <a:spcBef>
+                <a:spcPts val="0"/>
+              </a:spcBef>
+              <a:buNone/>
+              <a:tabLst>
+                <a:tab pos="900113" algn="l"/>
+                <a:tab pos="1344613" algn="l"/>
+              </a:tabLst>
+            </a:pPr>
+            <a:r>
+              <a:rPr lang="pt-BR" sz="2000" dirty="0" smtClean="0"/>
+              <a:t>		System.</a:t>
+            </a:r>
+            <a:r>
+              <a:rPr lang="pt-BR" sz="2000" dirty="0" err="1" smtClean="0"/>
+              <a:t>out.println</a:t>
+            </a:r>
+            <a:r>
+              <a:rPr lang="pt-BR" sz="2000" dirty="0" smtClean="0"/>
+              <a:t>(“Erro ao acessar BD”);</a:t>
+            </a:r>
+          </a:p>
+          <a:p>
+            <a:pPr marL="442913" indent="0">
+              <a:spcBef>
+                <a:spcPts val="0"/>
+              </a:spcBef>
+              <a:buNone/>
+              <a:tabLst>
+                <a:tab pos="900113" algn="l"/>
+                <a:tab pos="1344613" algn="l"/>
+              </a:tabLst>
+            </a:pPr>
+            <a:r>
+              <a:rPr lang="pt-BR" sz="2000" dirty="0" smtClean="0"/>
+              <a:t>	} catch (</a:t>
+            </a:r>
+            <a:r>
+              <a:rPr lang="pt-BR" sz="2000" dirty="0" smtClean="0">
+                <a:solidFill>
+                  <a:srgbClr val="FFC000"/>
+                </a:solidFill>
+              </a:rPr>
+              <a:t>Exception e</a:t>
+            </a:r>
+            <a:r>
+              <a:rPr lang="pt-BR" sz="2000" dirty="0" smtClean="0"/>
+              <a:t>) {</a:t>
+            </a:r>
+          </a:p>
+          <a:p>
+            <a:pPr marL="442913" indent="0">
+              <a:spcBef>
+                <a:spcPts val="0"/>
+              </a:spcBef>
+              <a:buNone/>
+              <a:tabLst>
+                <a:tab pos="900113" algn="l"/>
+                <a:tab pos="1344613" algn="l"/>
+              </a:tabLst>
+            </a:pPr>
+            <a:r>
+              <a:rPr lang="pt-BR" sz="2000" dirty="0" smtClean="0"/>
+              <a:t>		System.</a:t>
+            </a:r>
+            <a:r>
+              <a:rPr lang="pt-BR" sz="2000" dirty="0" err="1" smtClean="0"/>
+              <a:t>out.println</a:t>
+            </a:r>
+            <a:r>
+              <a:rPr lang="pt-BR" sz="2000" dirty="0" smtClean="0"/>
+              <a:t>(“Ocorreu um erro: ” + </a:t>
+            </a:r>
+            <a:r>
+              <a:rPr lang="pt-BR" sz="2000" dirty="0" err="1" smtClean="0">
+                <a:solidFill>
+                  <a:srgbClr val="FFC000"/>
+                </a:solidFill>
+              </a:rPr>
+              <a:t>e.getMessage</a:t>
+            </a:r>
+            <a:r>
+              <a:rPr lang="pt-BR" sz="2000" dirty="0" smtClean="0">
+                <a:solidFill>
+                  <a:srgbClr val="FFC000"/>
+                </a:solidFill>
+              </a:rPr>
+              <a:t>()</a:t>
+            </a:r>
+            <a:r>
+              <a:rPr lang="pt-BR" sz="2000" dirty="0" smtClean="0"/>
+              <a:t>);</a:t>
+            </a:r>
+          </a:p>
+          <a:p>
+            <a:pPr marL="442913" indent="0">
+              <a:spcBef>
+                <a:spcPts val="0"/>
+              </a:spcBef>
+              <a:buNone/>
+              <a:tabLst>
+                <a:tab pos="900113" algn="l"/>
+                <a:tab pos="1344613" algn="l"/>
+              </a:tabLst>
+            </a:pPr>
+            <a:r>
+              <a:rPr lang="pt-BR" sz="2000" dirty="0" smtClean="0"/>
+              <a:t>	} </a:t>
+            </a:r>
+            <a:r>
+              <a:rPr lang="pt-BR" sz="2000" dirty="0" err="1" smtClean="0"/>
+              <a:t>finally</a:t>
+            </a:r>
+            <a:r>
+              <a:rPr lang="pt-BR" sz="2000" dirty="0" smtClean="0"/>
+              <a:t> {</a:t>
+            </a:r>
+          </a:p>
+          <a:p>
+            <a:pPr marL="442913" indent="0">
+              <a:spcBef>
+                <a:spcPts val="0"/>
+              </a:spcBef>
+              <a:buNone/>
+              <a:tabLst>
+                <a:tab pos="900113" algn="l"/>
+                <a:tab pos="1344613" algn="l"/>
+              </a:tabLst>
+            </a:pPr>
+            <a:r>
+              <a:rPr lang="pt-BR" sz="2000" dirty="0" smtClean="0"/>
+              <a:t>		</a:t>
+            </a:r>
+            <a:r>
+              <a:rPr lang="pt-BR" sz="2000" dirty="0" err="1" smtClean="0"/>
+              <a:t>fecharConexao</a:t>
+            </a:r>
+            <a:r>
+              <a:rPr lang="pt-BR" sz="2000" dirty="0" smtClean="0"/>
+              <a:t>(</a:t>
+            </a:r>
+            <a:r>
+              <a:rPr lang="pt-BR" sz="2000" dirty="0" err="1" smtClean="0"/>
+              <a:t>cn</a:t>
+            </a:r>
+            <a:r>
+              <a:rPr lang="pt-BR" sz="2000" dirty="0" smtClean="0"/>
+              <a:t>);</a:t>
+            </a:r>
+          </a:p>
+          <a:p>
+            <a:pPr marL="442913" indent="0">
+              <a:spcBef>
+                <a:spcPts val="0"/>
+              </a:spcBef>
+              <a:buNone/>
+              <a:tabLst>
+                <a:tab pos="900113" algn="l"/>
+                <a:tab pos="1344613" algn="l"/>
+              </a:tabLst>
+            </a:pPr>
+            <a:r>
+              <a:rPr lang="pt-BR" sz="2000" dirty="0" smtClean="0"/>
+              <a:t>	}</a:t>
+            </a:r>
+          </a:p>
+          <a:p>
+            <a:pPr marL="442913" indent="0">
+              <a:spcBef>
+                <a:spcPts val="0"/>
+              </a:spcBef>
+              <a:buNone/>
+              <a:tabLst>
+                <a:tab pos="900113" algn="l"/>
+                <a:tab pos="1344613" algn="l"/>
+              </a:tabLst>
+            </a:pPr>
+            <a:r>
+              <a:rPr lang="pt-BR" sz="2000" dirty="0" smtClean="0"/>
+              <a:t>}</a:t>
+            </a:r>
+          </a:p>
+        </p:txBody>
+      </p:sp>
+      <p:sp>
+        <p:nvSpPr>
+          <p:cNvPr id="5" name="Espaço Reservado para Número de Slide 4"/>
+          <p:cNvSpPr>
+            <a:spLocks noGrp="1"/>
+          </p:cNvSpPr>
+          <p:nvPr>
+            <p:ph type="sldNum" sz="quarter" idx="12"/>
+          </p:nvPr>
+        </p:nvSpPr>
+        <p:spPr/>
+        <p:txBody>
+          <a:bodyPr/>
+          <a:lstStyle/>
+          <a:p>
+            <a:pPr>
+              <a:defRPr/>
+            </a:pPr>
+            <a:fld id="{DAB16DC1-F000-4B90-9425-1E014EE80EC3}" type="slidenum">
+              <a:rPr lang="pt-BR" smtClean="0"/>
+              <a:pPr>
+                <a:defRPr/>
+              </a:pPr>
+              <a:t>28</a:t>
+            </a:fld>
+            <a:endParaRPr lang="pt-BR"/>
+          </a:p>
+        </p:txBody>
+      </p:sp>
+    </p:spTree>
+  </p:cSld>
+  <p:clrMapOvr>
+    <a:masterClrMapping/>
+  </p:clrMapOvr>
+  <p:timing>
+    <p:tnLst>
+      <p:par>
+        <p:cTn id="1" dur="indefinite" restart="never" nodeType="tmRoot"/>
+      </p:par>
+    </p:tnLst>
+  </p:timing>
+</p:sld>
+</file>
+
+<file path=ppt/slides/slide29.xml><?xml version="1.0" encoding="utf-8"?>
+<p:sld xmlns:a="http://schemas.openxmlformats.org/drawingml/2006/main" xmlns:r="http://schemas.openxmlformats.org/officeDocument/2006/relationships" xmlns:p="http://schemas.openxmlformats.org/presentationml/2006/main">
+  <p:cSld>
+    <p:spTree>
+      <p:nvGrpSpPr>
+        <p:cNvPr id="1" name=""/>
+        <p:cNvGrpSpPr/>
+        <p:nvPr/>
+      </p:nvGrpSpPr>
+      <p:grpSpPr>
+        <a:xfrm>
+          <a:off x="0" y="0"/>
+          <a:ext cx="0" cy="0"/>
+          <a:chOff x="0" y="0"/>
+          <a:chExt cx="0" cy="0"/>
+        </a:xfrm>
+      </p:grpSpPr>
+      <p:sp>
+        <p:nvSpPr>
+          <p:cNvPr id="2" name="Título 1"/>
+          <p:cNvSpPr>
+            <a:spLocks noGrp="1"/>
+          </p:cNvSpPr>
+          <p:nvPr>
+            <p:ph type="title"/>
+          </p:nvPr>
+        </p:nvSpPr>
+        <p:spPr/>
+        <p:txBody>
+          <a:bodyPr/>
+          <a:lstStyle/>
+          <a:p>
+            <a:pPr rtl="0" eaLnBrk="1" fontAlgn="base" hangingPunct="1"/>
+            <a:r>
+              <a:rPr lang="pt-BR" sz="4600" kern="1200" dirty="0" smtClean="0">
+                <a:solidFill>
+                  <a:schemeClr val="tx1"/>
+                </a:solidFill>
+                <a:latin typeface="+mj-lt"/>
+                <a:ea typeface="+mj-ea"/>
+                <a:cs typeface="+mj-cs"/>
+              </a:rPr>
+              <a:t>Exceções personalizadas</a:t>
+            </a:r>
+          </a:p>
+        </p:txBody>
+      </p:sp>
+      <p:sp>
+        <p:nvSpPr>
+          <p:cNvPr id="6" name="Espaço Reservado para Conteúdo 5"/>
+          <p:cNvSpPr>
+            <a:spLocks noGrp="1"/>
+          </p:cNvSpPr>
+          <p:nvPr>
+            <p:ph idx="1"/>
+          </p:nvPr>
+        </p:nvSpPr>
+        <p:spPr>
+          <a:xfrm>
+            <a:off x="457200" y="1600200"/>
+            <a:ext cx="8003232" cy="4525963"/>
+          </a:xfrm>
+        </p:spPr>
+        <p:txBody>
+          <a:bodyPr/>
+          <a:lstStyle/>
+          <a:p>
+            <a:pPr>
+              <a:spcBef>
+                <a:spcPts val="3000"/>
+              </a:spcBef>
+            </a:pPr>
+            <a:r>
+              <a:rPr lang="pt-BR" dirty="0" smtClean="0"/>
+              <a:t>Na maioria das ocasiões, </a:t>
+            </a:r>
+            <a:r>
+              <a:rPr lang="pt-BR" dirty="0" smtClean="0"/>
+              <a:t>ao implementar métodos que </a:t>
+            </a:r>
+            <a:r>
+              <a:rPr lang="pt-BR" dirty="0" smtClean="0"/>
+              <a:t>geram exceptions, </a:t>
+            </a:r>
+            <a:r>
+              <a:rPr lang="pt-BR" dirty="0" smtClean="0"/>
+              <a:t>é </a:t>
+            </a:r>
+            <a:r>
+              <a:rPr lang="pt-BR" dirty="0" smtClean="0"/>
+              <a:t>recomendável criar a sua própria </a:t>
+            </a:r>
+            <a:r>
+              <a:rPr lang="pt-BR" dirty="0" smtClean="0"/>
+              <a:t>exceção.</a:t>
+            </a:r>
+          </a:p>
+          <a:p>
+            <a:pPr>
+              <a:spcBef>
+                <a:spcPts val="3000"/>
+              </a:spcBef>
+            </a:pPr>
+            <a:r>
+              <a:rPr lang="pt-BR" dirty="0" smtClean="0"/>
+              <a:t>Isto permite que a aplicação principal utilize blocos </a:t>
+            </a:r>
+            <a:r>
+              <a:rPr lang="pt-BR" b="1" i="1" dirty="0" smtClean="0"/>
+              <a:t>catch</a:t>
+            </a:r>
+            <a:r>
+              <a:rPr lang="pt-BR" dirty="0" smtClean="0"/>
+              <a:t> específicos para a exception em questão</a:t>
+            </a:r>
+            <a:endParaRPr lang="pt-BR" dirty="0"/>
+          </a:p>
+        </p:txBody>
+      </p:sp>
+      <p:sp>
+        <p:nvSpPr>
+          <p:cNvPr id="5" name="Espaço Reservado para Número de Slide 4"/>
+          <p:cNvSpPr>
+            <a:spLocks noGrp="1"/>
+          </p:cNvSpPr>
+          <p:nvPr>
+            <p:ph type="sldNum" sz="quarter" idx="12"/>
+          </p:nvPr>
+        </p:nvSpPr>
+        <p:spPr/>
+        <p:txBody>
+          <a:bodyPr/>
+          <a:lstStyle/>
+          <a:p>
+            <a:pPr>
+              <a:defRPr/>
+            </a:pPr>
+            <a:fld id="{DAB16DC1-F000-4B90-9425-1E014EE80EC3}" type="slidenum">
+              <a:rPr lang="pt-BR" smtClean="0"/>
+              <a:pPr>
+                <a:defRPr/>
+              </a:pPr>
+              <a:t>29</a:t>
+            </a:fld>
+            <a:endParaRPr lang="pt-BR"/>
+          </a:p>
+        </p:txBody>
+      </p:sp>
+    </p:spTree>
+  </p:cSld>
+  <p:clrMapOvr>
+    <a:masterClrMapping/>
+  </p:clrMapOvr>
+  <p:timing>
+    <p:tnLst>
+      <p:par>
+        <p:cTn id="1" dur="indefinite" restart="never" nodeType="tmRoot"/>
+      </p:par>
+    </p:tnLst>
+  </p:timing>
 </p:sld>
 </file>
 
@@ -13353,6 +15582,1870 @@
       </p:par>
     </p:tnLst>
   </p:timing>
+</p:sld>
+</file>
+
+<file path=ppt/slides/slide30.xml><?xml version="1.0" encoding="utf-8"?>
+<p:sld xmlns:a="http://schemas.openxmlformats.org/drawingml/2006/main" xmlns:r="http://schemas.openxmlformats.org/officeDocument/2006/relationships" xmlns:p="http://schemas.openxmlformats.org/presentationml/2006/main">
+  <p:cSld>
+    <p:spTree>
+      <p:nvGrpSpPr>
+        <p:cNvPr id="1" name=""/>
+        <p:cNvGrpSpPr/>
+        <p:nvPr/>
+      </p:nvGrpSpPr>
+      <p:grpSpPr>
+        <a:xfrm>
+          <a:off x="0" y="0"/>
+          <a:ext cx="0" cy="0"/>
+          <a:chOff x="0" y="0"/>
+          <a:chExt cx="0" cy="0"/>
+        </a:xfrm>
+      </p:grpSpPr>
+      <p:sp>
+        <p:nvSpPr>
+          <p:cNvPr id="2" name="Título 1"/>
+          <p:cNvSpPr>
+            <a:spLocks noGrp="1"/>
+          </p:cNvSpPr>
+          <p:nvPr>
+            <p:ph type="title"/>
+          </p:nvPr>
+        </p:nvSpPr>
+        <p:spPr/>
+        <p:txBody>
+          <a:bodyPr/>
+          <a:lstStyle/>
+          <a:p>
+            <a:pPr rtl="0" eaLnBrk="1" fontAlgn="base" hangingPunct="1"/>
+            <a:r>
+              <a:rPr lang="pt-BR" sz="4600" kern="1200" dirty="0" smtClean="0">
+                <a:solidFill>
+                  <a:schemeClr val="tx1"/>
+                </a:solidFill>
+                <a:latin typeface="+mj-lt"/>
+                <a:ea typeface="+mj-ea"/>
+                <a:cs typeface="+mj-cs"/>
+              </a:rPr>
+              <a:t>Exceções personalizadas</a:t>
+            </a:r>
+          </a:p>
+        </p:txBody>
+      </p:sp>
+      <p:sp>
+        <p:nvSpPr>
+          <p:cNvPr id="6" name="Espaço Reservado para Conteúdo 5"/>
+          <p:cNvSpPr>
+            <a:spLocks noGrp="1"/>
+          </p:cNvSpPr>
+          <p:nvPr>
+            <p:ph idx="1"/>
+          </p:nvPr>
+        </p:nvSpPr>
+        <p:spPr>
+          <a:xfrm>
+            <a:off x="457200" y="1600200"/>
+            <a:ext cx="8291264" cy="4525963"/>
+          </a:xfrm>
+        </p:spPr>
+        <p:txBody>
+          <a:bodyPr/>
+          <a:lstStyle/>
+          <a:p>
+            <a:r>
+              <a:rPr lang="pt-BR" dirty="0" smtClean="0"/>
+              <a:t>Exemplo</a:t>
+            </a:r>
+            <a:endParaRPr lang="pt-BR" dirty="0" smtClean="0"/>
+          </a:p>
+          <a:p>
+            <a:pPr marL="0" indent="0">
+              <a:spcBef>
+                <a:spcPts val="0"/>
+              </a:spcBef>
+              <a:buNone/>
+              <a:tabLst>
+                <a:tab pos="539750" algn="l"/>
+                <a:tab pos="1081088" algn="l"/>
+              </a:tabLst>
+            </a:pPr>
+            <a:endParaRPr lang="pt-BR" sz="2400" dirty="0" smtClean="0"/>
+          </a:p>
+          <a:p>
+            <a:pPr marL="0" indent="0">
+              <a:spcBef>
+                <a:spcPts val="0"/>
+              </a:spcBef>
+              <a:buNone/>
+              <a:tabLst>
+                <a:tab pos="539750" algn="l"/>
+                <a:tab pos="1081088" algn="l"/>
+              </a:tabLst>
+            </a:pPr>
+            <a:endParaRPr lang="pt-BR" sz="2400" dirty="0" smtClean="0"/>
+          </a:p>
+          <a:p>
+            <a:pPr marL="0" indent="0">
+              <a:spcBef>
+                <a:spcPts val="0"/>
+              </a:spcBef>
+              <a:buNone/>
+              <a:tabLst>
+                <a:tab pos="539750" algn="l"/>
+                <a:tab pos="1081088" algn="l"/>
+              </a:tabLst>
+            </a:pPr>
+            <a:r>
+              <a:rPr lang="pt-BR" sz="2400" dirty="0" err="1" smtClean="0"/>
+              <a:t>public</a:t>
+            </a:r>
+            <a:r>
+              <a:rPr lang="pt-BR" sz="2400" dirty="0" smtClean="0"/>
+              <a:t> </a:t>
+            </a:r>
+            <a:r>
+              <a:rPr lang="pt-BR" sz="2400" dirty="0" err="1" smtClean="0"/>
+              <a:t>void</a:t>
+            </a:r>
+            <a:r>
+              <a:rPr lang="pt-BR" sz="2400" dirty="0" smtClean="0"/>
+              <a:t> debitar(</a:t>
+            </a:r>
+            <a:r>
+              <a:rPr lang="pt-BR" sz="2400" dirty="0" err="1" smtClean="0"/>
+              <a:t>double</a:t>
+            </a:r>
+            <a:r>
+              <a:rPr lang="pt-BR" sz="2400" dirty="0" smtClean="0"/>
+              <a:t> valor) </a:t>
+            </a:r>
+            <a:r>
+              <a:rPr lang="pt-BR" sz="2400" dirty="0" err="1" smtClean="0">
+                <a:solidFill>
+                  <a:srgbClr val="FFC000"/>
+                </a:solidFill>
+              </a:rPr>
+              <a:t>throws</a:t>
+            </a:r>
+            <a:endParaRPr lang="pt-BR" sz="2400" dirty="0" smtClean="0">
+              <a:solidFill>
+                <a:srgbClr val="FFC000"/>
+              </a:solidFill>
+            </a:endParaRPr>
+          </a:p>
+          <a:p>
+            <a:pPr marL="0" indent="0" algn="r">
+              <a:spcBef>
+                <a:spcPts val="0"/>
+              </a:spcBef>
+              <a:buNone/>
+              <a:tabLst>
+                <a:tab pos="539750" algn="l"/>
+                <a:tab pos="1081088" algn="l"/>
+              </a:tabLst>
+            </a:pPr>
+            <a:r>
+              <a:rPr lang="pt-BR" sz="2400" dirty="0" err="1" smtClean="0">
+                <a:solidFill>
+                  <a:srgbClr val="FFC000"/>
+                </a:solidFill>
+              </a:rPr>
+              <a:t>SaldoInsuficienteException</a:t>
+            </a:r>
+            <a:r>
+              <a:rPr lang="pt-BR" sz="2400" dirty="0" smtClean="0"/>
+              <a:t> </a:t>
+            </a:r>
+            <a:r>
+              <a:rPr lang="pt-BR" sz="2400" dirty="0" smtClean="0"/>
+              <a:t>{</a:t>
+            </a:r>
+          </a:p>
+          <a:p>
+            <a:pPr marL="0" indent="0">
+              <a:spcBef>
+                <a:spcPts val="0"/>
+              </a:spcBef>
+              <a:buNone/>
+              <a:tabLst>
+                <a:tab pos="539750" algn="l"/>
+                <a:tab pos="1081088" algn="l"/>
+              </a:tabLst>
+            </a:pPr>
+            <a:r>
+              <a:rPr lang="pt-BR" sz="2400" dirty="0" smtClean="0"/>
+              <a:t>	</a:t>
+            </a:r>
+            <a:r>
+              <a:rPr lang="pt-BR" sz="2400" dirty="0" err="1" smtClean="0"/>
+              <a:t>if</a:t>
+            </a:r>
+            <a:r>
+              <a:rPr lang="pt-BR" sz="2400" dirty="0" smtClean="0"/>
+              <a:t> (valor &lt;= </a:t>
+            </a:r>
+            <a:r>
+              <a:rPr lang="pt-BR" sz="2400" dirty="0" err="1" smtClean="0"/>
+              <a:t>this</a:t>
+            </a:r>
+            <a:r>
+              <a:rPr lang="pt-BR" sz="2400" dirty="0" smtClean="0"/>
+              <a:t>.saldo) {</a:t>
+            </a:r>
+          </a:p>
+          <a:p>
+            <a:pPr marL="0" indent="0">
+              <a:spcBef>
+                <a:spcPts val="0"/>
+              </a:spcBef>
+              <a:buNone/>
+              <a:tabLst>
+                <a:tab pos="539750" algn="l"/>
+                <a:tab pos="1081088" algn="l"/>
+              </a:tabLst>
+            </a:pPr>
+            <a:r>
+              <a:rPr lang="pt-BR" sz="2400" dirty="0" smtClean="0"/>
+              <a:t>		</a:t>
+            </a:r>
+            <a:r>
+              <a:rPr lang="pt-BR" sz="2400" dirty="0" err="1" smtClean="0"/>
+              <a:t>this</a:t>
+            </a:r>
+            <a:r>
+              <a:rPr lang="pt-BR" sz="2400" dirty="0" smtClean="0"/>
+              <a:t>.saldo -= valor;</a:t>
+            </a:r>
+          </a:p>
+          <a:p>
+            <a:pPr marL="0" indent="0">
+              <a:spcBef>
+                <a:spcPts val="0"/>
+              </a:spcBef>
+              <a:buNone/>
+              <a:tabLst>
+                <a:tab pos="539750" algn="l"/>
+                <a:tab pos="1081088" algn="l"/>
+              </a:tabLst>
+            </a:pPr>
+            <a:r>
+              <a:rPr lang="pt-BR" sz="2400" dirty="0" smtClean="0"/>
+              <a:t>	} </a:t>
+            </a:r>
+            <a:r>
+              <a:rPr lang="pt-BR" sz="2400" dirty="0" err="1" smtClean="0"/>
+              <a:t>else</a:t>
+            </a:r>
+            <a:r>
+              <a:rPr lang="pt-BR" sz="2400" dirty="0" smtClean="0"/>
+              <a:t> {</a:t>
+            </a:r>
+          </a:p>
+          <a:p>
+            <a:pPr marL="0" indent="0">
+              <a:spcBef>
+                <a:spcPts val="0"/>
+              </a:spcBef>
+              <a:buNone/>
+              <a:tabLst>
+                <a:tab pos="539750" algn="l"/>
+                <a:tab pos="1081088" algn="l"/>
+              </a:tabLst>
+            </a:pPr>
+            <a:r>
+              <a:rPr lang="pt-BR" sz="2400" dirty="0" smtClean="0"/>
+              <a:t>		</a:t>
+            </a:r>
+            <a:r>
+              <a:rPr lang="pt-BR" sz="2400" u="sng" dirty="0" err="1" smtClean="0">
+                <a:solidFill>
+                  <a:srgbClr val="FFC000"/>
+                </a:solidFill>
+              </a:rPr>
+              <a:t>throw</a:t>
+            </a:r>
+            <a:r>
+              <a:rPr lang="pt-BR" sz="2400" dirty="0" smtClean="0">
+                <a:solidFill>
+                  <a:srgbClr val="FFC000"/>
+                </a:solidFill>
+              </a:rPr>
+              <a:t> </a:t>
+            </a:r>
+            <a:r>
+              <a:rPr lang="pt-BR" sz="2400" dirty="0" err="1" smtClean="0">
+                <a:solidFill>
+                  <a:srgbClr val="FFC000"/>
+                </a:solidFill>
+              </a:rPr>
+              <a:t>new</a:t>
+            </a:r>
+            <a:r>
+              <a:rPr lang="pt-BR" sz="2400" dirty="0" smtClean="0">
+                <a:solidFill>
+                  <a:srgbClr val="FFC000"/>
+                </a:solidFill>
+              </a:rPr>
+              <a:t> </a:t>
+            </a:r>
+            <a:r>
+              <a:rPr lang="pt-BR" sz="2400" dirty="0" err="1" smtClean="0">
+                <a:solidFill>
+                  <a:srgbClr val="FFC000"/>
+                </a:solidFill>
+              </a:rPr>
+              <a:t>SaldoInsuficienteException</a:t>
+            </a:r>
+            <a:r>
+              <a:rPr lang="pt-BR" sz="2400" dirty="0" smtClean="0">
+                <a:solidFill>
+                  <a:srgbClr val="FFC000"/>
+                </a:solidFill>
+              </a:rPr>
+              <a:t>(</a:t>
+            </a:r>
+          </a:p>
+          <a:p>
+            <a:pPr marL="0" indent="0">
+              <a:spcBef>
+                <a:spcPts val="0"/>
+              </a:spcBef>
+              <a:buNone/>
+              <a:tabLst>
+                <a:tab pos="539750" algn="l"/>
+                <a:tab pos="1081088" algn="l"/>
+              </a:tabLst>
+            </a:pPr>
+            <a:r>
+              <a:rPr lang="pt-BR" sz="2400" dirty="0" smtClean="0">
+                <a:solidFill>
+                  <a:srgbClr val="FFC000"/>
+                </a:solidFill>
+              </a:rPr>
+              <a:t>	</a:t>
+            </a:r>
+            <a:r>
+              <a:rPr lang="pt-BR" sz="2400" dirty="0" smtClean="0">
+                <a:solidFill>
+                  <a:srgbClr val="FFC000"/>
+                </a:solidFill>
+              </a:rPr>
+              <a:t>		</a:t>
+            </a:r>
+            <a:r>
+              <a:rPr lang="pt-BR" sz="2400" dirty="0" smtClean="0"/>
+              <a:t>“Valor muito alto para debitar: ” + valor</a:t>
+            </a:r>
+            <a:r>
+              <a:rPr lang="pt-BR" sz="2400" dirty="0" smtClean="0">
+                <a:solidFill>
+                  <a:srgbClr val="FFC000"/>
+                </a:solidFill>
+              </a:rPr>
+              <a:t>)</a:t>
+            </a:r>
+            <a:r>
+              <a:rPr lang="pt-BR" sz="2400" dirty="0" smtClean="0"/>
+              <a:t>;</a:t>
+            </a:r>
+            <a:endParaRPr lang="pt-BR" sz="2400" dirty="0" smtClean="0"/>
+          </a:p>
+          <a:p>
+            <a:pPr marL="0" indent="0">
+              <a:spcBef>
+                <a:spcPts val="0"/>
+              </a:spcBef>
+              <a:buNone/>
+              <a:tabLst>
+                <a:tab pos="539750" algn="l"/>
+                <a:tab pos="1081088" algn="l"/>
+              </a:tabLst>
+            </a:pPr>
+            <a:r>
+              <a:rPr lang="pt-BR" sz="2400" dirty="0" smtClean="0"/>
+              <a:t>	}</a:t>
+            </a:r>
+          </a:p>
+          <a:p>
+            <a:pPr marL="0" indent="0">
+              <a:spcBef>
+                <a:spcPts val="0"/>
+              </a:spcBef>
+              <a:buNone/>
+              <a:tabLst>
+                <a:tab pos="539750" algn="l"/>
+                <a:tab pos="1081088" algn="l"/>
+              </a:tabLst>
+            </a:pPr>
+            <a:r>
+              <a:rPr lang="pt-BR" sz="2400" dirty="0" smtClean="0"/>
+              <a:t>}</a:t>
+            </a:r>
+            <a:endParaRPr lang="pt-BR" sz="2400" dirty="0"/>
+          </a:p>
+        </p:txBody>
+      </p:sp>
+      <p:sp>
+        <p:nvSpPr>
+          <p:cNvPr id="5" name="Espaço Reservado para Número de Slide 4"/>
+          <p:cNvSpPr>
+            <a:spLocks noGrp="1"/>
+          </p:cNvSpPr>
+          <p:nvPr>
+            <p:ph type="sldNum" sz="quarter" idx="12"/>
+          </p:nvPr>
+        </p:nvSpPr>
+        <p:spPr/>
+        <p:txBody>
+          <a:bodyPr/>
+          <a:lstStyle/>
+          <a:p>
+            <a:pPr>
+              <a:defRPr/>
+            </a:pPr>
+            <a:fld id="{DAB16DC1-F000-4B90-9425-1E014EE80EC3}" type="slidenum">
+              <a:rPr lang="pt-BR" smtClean="0"/>
+              <a:pPr>
+                <a:defRPr/>
+              </a:pPr>
+              <a:t>30</a:t>
+            </a:fld>
+            <a:endParaRPr lang="pt-BR"/>
+          </a:p>
+        </p:txBody>
+      </p:sp>
+      <p:grpSp>
+        <p:nvGrpSpPr>
+          <p:cNvPr id="7" name="Grupo 9"/>
+          <p:cNvGrpSpPr/>
+          <p:nvPr/>
+        </p:nvGrpSpPr>
+        <p:grpSpPr>
+          <a:xfrm>
+            <a:off x="4716016" y="2060848"/>
+            <a:ext cx="3816051" cy="1584177"/>
+            <a:chOff x="3636269" y="1196951"/>
+            <a:chExt cx="3816051" cy="1584177"/>
+          </a:xfrm>
+        </p:grpSpPr>
+        <p:sp>
+          <p:nvSpPr>
+            <p:cNvPr id="8" name="Rectangle 7"/>
+            <p:cNvSpPr>
+              <a:spLocks noChangeArrowheads="1"/>
+            </p:cNvSpPr>
+            <p:nvPr/>
+          </p:nvSpPr>
+          <p:spPr bwMode="auto">
+            <a:xfrm>
+              <a:off x="3636269" y="2277072"/>
+              <a:ext cx="3816051" cy="504056"/>
+            </a:xfrm>
+            <a:prstGeom prst="rect">
+              <a:avLst/>
+            </a:prstGeom>
+            <a:noFill/>
+            <a:ln w="38160">
+              <a:solidFill>
+                <a:srgbClr val="FFC000"/>
+              </a:solidFill>
+              <a:prstDash val="sysDot"/>
+              <a:miter lim="800000"/>
+              <a:headEnd/>
+              <a:tailEnd/>
+            </a:ln>
+          </p:spPr>
+          <p:txBody>
+            <a:bodyPr wrap="none" anchor="ctr"/>
+            <a:lstStyle/>
+            <a:p>
+              <a:endParaRPr lang="pt-BR"/>
+            </a:p>
+          </p:txBody>
+        </p:sp>
+        <p:sp>
+          <p:nvSpPr>
+            <p:cNvPr id="9" name="CaixaDeTexto 8"/>
+            <p:cNvSpPr txBox="1"/>
+            <p:nvPr/>
+          </p:nvSpPr>
+          <p:spPr bwMode="auto">
+            <a:xfrm>
+              <a:off x="5220446" y="1196951"/>
+              <a:ext cx="2016596" cy="584775"/>
+            </a:xfrm>
+            <a:prstGeom prst="rect">
+              <a:avLst/>
+            </a:prstGeom>
+            <a:noFill/>
+            <a:ln w="28575">
+              <a:solidFill>
+                <a:schemeClr val="tx1"/>
+              </a:solidFill>
+            </a:ln>
+          </p:spPr>
+          <p:txBody>
+            <a:bodyPr wrap="square">
+              <a:spAutoFit/>
+            </a:bodyPr>
+            <a:lstStyle/>
+            <a:p>
+              <a:pPr algn="ctr">
+                <a:defRPr/>
+              </a:pPr>
+              <a:r>
+                <a:rPr lang="pt-BR" sz="1600" dirty="0" smtClean="0">
+                  <a:latin typeface="+mn-lt"/>
+                </a:rPr>
+                <a:t>Esta classe precisa</a:t>
+              </a:r>
+            </a:p>
+            <a:p>
+              <a:pPr algn="ctr">
+                <a:defRPr/>
+              </a:pPr>
+              <a:r>
+                <a:rPr lang="pt-BR" sz="1600" dirty="0" smtClean="0">
+                  <a:latin typeface="+mn-lt"/>
+                </a:rPr>
+                <a:t>ser criada</a:t>
+              </a:r>
+              <a:endParaRPr lang="pt-BR" sz="1600" dirty="0">
+                <a:latin typeface="+mn-lt"/>
+              </a:endParaRPr>
+            </a:p>
+          </p:txBody>
+        </p:sp>
+        <p:cxnSp>
+          <p:nvCxnSpPr>
+            <p:cNvPr id="11" name="Conector de seta reta 10"/>
+            <p:cNvCxnSpPr>
+              <a:cxnSpLocks noChangeShapeType="1"/>
+              <a:stCxn id="9" idx="2"/>
+            </p:cNvCxnSpPr>
+            <p:nvPr/>
+          </p:nvCxnSpPr>
+          <p:spPr bwMode="auto">
+            <a:xfrm flipH="1">
+              <a:off x="6228558" y="1781726"/>
+              <a:ext cx="186" cy="567153"/>
+            </a:xfrm>
+            <a:prstGeom prst="straightConnector1">
+              <a:avLst/>
+            </a:prstGeom>
+            <a:noFill/>
+            <a:ln w="31750" algn="ctr">
+              <a:solidFill>
+                <a:schemeClr val="tx1"/>
+              </a:solidFill>
+              <a:round/>
+              <a:headEnd/>
+              <a:tailEnd type="arrow" w="med" len="med"/>
+            </a:ln>
+          </p:spPr>
+        </p:cxnSp>
+      </p:grpSp>
+    </p:spTree>
+  </p:cSld>
+  <p:clrMapOvr>
+    <a:masterClrMapping/>
+  </p:clrMapOvr>
+  <p:timing>
+    <p:tnLst>
+      <p:par>
+        <p:cTn id="1" dur="indefinite" restart="never" nodeType="tmRoot">
+          <p:childTnLst>
+            <p:seq concurrent="1" nextAc="seek">
+              <p:cTn id="2" dur="indefinite" nodeType="mainSeq">
+                <p:childTnLst>
+                  <p:par>
+                    <p:cTn id="3" fill="hold">
+                      <p:stCondLst>
+                        <p:cond delay="indefinite"/>
+                      </p:stCondLst>
+                      <p:childTnLst>
+                        <p:par>
+                          <p:cTn id="4" fill="hold">
+                            <p:stCondLst>
+                              <p:cond delay="0"/>
+                            </p:stCondLst>
+                            <p:childTnLst>
+                              <p:par>
+                                <p:cTn id="5" presetID="2" presetClass="entr" presetSubtype="2" fill="hold" nodeType="clickEffect">
+                                  <p:stCondLst>
+                                    <p:cond delay="0"/>
+                                  </p:stCondLst>
+                                  <p:childTnLst>
+                                    <p:set>
+                                      <p:cBhvr>
+                                        <p:cTn id="6" dur="1" fill="hold">
+                                          <p:stCondLst>
+                                            <p:cond delay="0"/>
+                                          </p:stCondLst>
+                                        </p:cTn>
+                                        <p:tgtEl>
+                                          <p:spTgt spid="7"/>
+                                        </p:tgtEl>
+                                        <p:attrNameLst>
+                                          <p:attrName>style.visibility</p:attrName>
+                                        </p:attrNameLst>
+                                      </p:cBhvr>
+                                      <p:to>
+                                        <p:strVal val="visible"/>
+                                      </p:to>
+                                    </p:set>
+                                    <p:anim calcmode="lin" valueType="num">
+                                      <p:cBhvr additive="base">
+                                        <p:cTn id="7" dur="500" fill="hold"/>
+                                        <p:tgtEl>
+                                          <p:spTgt spid="7"/>
+                                        </p:tgtEl>
+                                        <p:attrNameLst>
+                                          <p:attrName>ppt_x</p:attrName>
+                                        </p:attrNameLst>
+                                      </p:cBhvr>
+                                      <p:tavLst>
+                                        <p:tav tm="0">
+                                          <p:val>
+                                            <p:strVal val="1+#ppt_w/2"/>
+                                          </p:val>
+                                        </p:tav>
+                                        <p:tav tm="100000">
+                                          <p:val>
+                                            <p:strVal val="#ppt_x"/>
+                                          </p:val>
+                                        </p:tav>
+                                      </p:tavLst>
+                                    </p:anim>
+                                    <p:anim calcmode="lin" valueType="num">
+                                      <p:cBhvr additive="base">
+                                        <p:cTn id="8" dur="500" fill="hold"/>
+                                        <p:tgtEl>
+                                          <p:spTgt spid="7"/>
+                                        </p:tgtEl>
+                                        <p:attrNameLst>
+                                          <p:attrName>ppt_y</p:attrName>
+                                        </p:attrNameLst>
+                                      </p:cBhvr>
+                                      <p:tavLst>
+                                        <p:tav tm="0">
+                                          <p:val>
+                                            <p:strVal val="#ppt_y"/>
+                                          </p:val>
+                                        </p:tav>
+                                        <p:tav tm="100000">
+                                          <p:val>
+                                            <p:strVal val="#ppt_y"/>
+                                          </p:val>
+                                        </p:tav>
+                                      </p:tavLst>
+                                    </p:anim>
+                                  </p:childTnLst>
+                                </p:cTn>
+                              </p:par>
+                            </p:childTnLst>
+                          </p:cTn>
+                        </p:par>
+                      </p:childTnLst>
+                    </p:cTn>
+                  </p:par>
+                </p:childTnLst>
+              </p:cTn>
+              <p:prevCondLst>
+                <p:cond evt="onPrev" delay="0">
+                  <p:tgtEl>
+                    <p:sldTgt/>
+                  </p:tgtEl>
+                </p:cond>
+              </p:prevCondLst>
+              <p:nextCondLst>
+                <p:cond evt="onNext" delay="0">
+                  <p:tgtEl>
+                    <p:sldTgt/>
+                  </p:tgtEl>
+                </p:cond>
+              </p:nextCondLst>
+            </p:seq>
+          </p:childTnLst>
+        </p:cTn>
+      </p:par>
+    </p:tnLst>
+  </p:timing>
+</p:sld>
+</file>
+
+<file path=ppt/slides/slide31.xml><?xml version="1.0" encoding="utf-8"?>
+<p:sld xmlns:a="http://schemas.openxmlformats.org/drawingml/2006/main" xmlns:r="http://schemas.openxmlformats.org/officeDocument/2006/relationships" xmlns:p="http://schemas.openxmlformats.org/presentationml/2006/main">
+  <p:cSld>
+    <p:spTree>
+      <p:nvGrpSpPr>
+        <p:cNvPr id="1" name=""/>
+        <p:cNvGrpSpPr/>
+        <p:nvPr/>
+      </p:nvGrpSpPr>
+      <p:grpSpPr>
+        <a:xfrm>
+          <a:off x="0" y="0"/>
+          <a:ext cx="0" cy="0"/>
+          <a:chOff x="0" y="0"/>
+          <a:chExt cx="0" cy="0"/>
+        </a:xfrm>
+      </p:grpSpPr>
+      <p:sp>
+        <p:nvSpPr>
+          <p:cNvPr id="2" name="Título 1"/>
+          <p:cNvSpPr>
+            <a:spLocks noGrp="1"/>
+          </p:cNvSpPr>
+          <p:nvPr>
+            <p:ph type="title"/>
+          </p:nvPr>
+        </p:nvSpPr>
+        <p:spPr/>
+        <p:txBody>
+          <a:bodyPr/>
+          <a:lstStyle/>
+          <a:p>
+            <a:pPr rtl="0" eaLnBrk="1" fontAlgn="base" hangingPunct="1"/>
+            <a:r>
+              <a:rPr lang="pt-BR" sz="4600" kern="1200" dirty="0" smtClean="0">
+                <a:solidFill>
+                  <a:schemeClr val="tx1"/>
+                </a:solidFill>
+                <a:latin typeface="+mj-lt"/>
+                <a:ea typeface="+mj-ea"/>
+                <a:cs typeface="+mj-cs"/>
+              </a:rPr>
+              <a:t>Exceções personalizadas</a:t>
+            </a:r>
+          </a:p>
+        </p:txBody>
+      </p:sp>
+      <p:sp>
+        <p:nvSpPr>
+          <p:cNvPr id="6" name="Espaço Reservado para Conteúdo 5"/>
+          <p:cNvSpPr>
+            <a:spLocks noGrp="1"/>
+          </p:cNvSpPr>
+          <p:nvPr>
+            <p:ph idx="1"/>
+          </p:nvPr>
+        </p:nvSpPr>
+        <p:spPr>
+          <a:xfrm>
+            <a:off x="457200" y="1600200"/>
+            <a:ext cx="8291264" cy="4525963"/>
+          </a:xfrm>
+        </p:spPr>
+        <p:txBody>
+          <a:bodyPr/>
+          <a:lstStyle/>
+          <a:p>
+            <a:r>
+              <a:rPr lang="pt-BR" dirty="0" smtClean="0"/>
+              <a:t>Criando a classe exceção</a:t>
+            </a:r>
+            <a:endParaRPr lang="pt-BR" dirty="0" smtClean="0"/>
+          </a:p>
+          <a:p>
+            <a:pPr marL="0" indent="0">
+              <a:spcBef>
+                <a:spcPts val="0"/>
+              </a:spcBef>
+              <a:buNone/>
+              <a:tabLst>
+                <a:tab pos="539750" algn="l"/>
+                <a:tab pos="1081088" algn="l"/>
+              </a:tabLst>
+            </a:pPr>
+            <a:endParaRPr lang="pt-BR" sz="2400" dirty="0" smtClean="0"/>
+          </a:p>
+          <a:p>
+            <a:pPr marL="0" indent="0">
+              <a:spcBef>
+                <a:spcPts val="0"/>
+              </a:spcBef>
+              <a:buNone/>
+              <a:tabLst>
+                <a:tab pos="539750" algn="l"/>
+                <a:tab pos="1081088" algn="l"/>
+              </a:tabLst>
+            </a:pPr>
+            <a:r>
+              <a:rPr lang="pt-BR" sz="2400" dirty="0" err="1" smtClean="0"/>
+              <a:t>public</a:t>
+            </a:r>
+            <a:r>
+              <a:rPr lang="pt-BR" sz="2400" dirty="0" smtClean="0"/>
+              <a:t> </a:t>
+            </a:r>
+            <a:r>
+              <a:rPr lang="pt-BR" sz="2400" dirty="0" err="1" smtClean="0"/>
+              <a:t>class</a:t>
+            </a:r>
+            <a:r>
+              <a:rPr lang="pt-BR" sz="2400" dirty="0" smtClean="0"/>
+              <a:t> </a:t>
+            </a:r>
+            <a:r>
+              <a:rPr lang="pt-BR" sz="2400" dirty="0" err="1" smtClean="0">
+                <a:solidFill>
+                  <a:srgbClr val="FFC000"/>
+                </a:solidFill>
+              </a:rPr>
+              <a:t>SaldoInsuficienteException</a:t>
+            </a:r>
+            <a:r>
+              <a:rPr lang="pt-BR" sz="2400" dirty="0" smtClean="0"/>
+              <a:t> </a:t>
+            </a:r>
+            <a:r>
+              <a:rPr lang="pt-BR" sz="2400" u="sng" dirty="0" err="1" smtClean="0"/>
+              <a:t>extends</a:t>
+            </a:r>
+            <a:r>
+              <a:rPr lang="pt-BR" sz="2400" u="sng" dirty="0" smtClean="0"/>
+              <a:t> Exception</a:t>
+            </a:r>
+            <a:r>
+              <a:rPr lang="pt-BR" sz="2400" dirty="0" smtClean="0"/>
+              <a:t> {</a:t>
+            </a:r>
+            <a:endParaRPr lang="pt-BR" sz="2400" dirty="0" smtClean="0"/>
+          </a:p>
+          <a:p>
+            <a:pPr marL="0" indent="0">
+              <a:spcBef>
+                <a:spcPts val="0"/>
+              </a:spcBef>
+              <a:buNone/>
+              <a:tabLst>
+                <a:tab pos="539750" algn="l"/>
+                <a:tab pos="1081088" algn="l"/>
+              </a:tabLst>
+            </a:pPr>
+            <a:endParaRPr lang="pt-BR" sz="2400" dirty="0" smtClean="0"/>
+          </a:p>
+          <a:p>
+            <a:pPr marL="0" indent="0">
+              <a:spcBef>
+                <a:spcPts val="0"/>
+              </a:spcBef>
+              <a:buNone/>
+              <a:tabLst>
+                <a:tab pos="539750" algn="l"/>
+                <a:tab pos="1081088" algn="l"/>
+              </a:tabLst>
+            </a:pPr>
+            <a:r>
+              <a:rPr lang="pt-BR" sz="2400" dirty="0" smtClean="0"/>
+              <a:t>	</a:t>
+            </a:r>
+            <a:r>
+              <a:rPr lang="pt-BR" sz="2400" dirty="0" err="1" smtClean="0"/>
+              <a:t>public</a:t>
+            </a:r>
+            <a:r>
+              <a:rPr lang="pt-BR" sz="2400" dirty="0" smtClean="0"/>
+              <a:t> </a:t>
+            </a:r>
+            <a:r>
+              <a:rPr lang="pt-BR" sz="2400" dirty="0" err="1" smtClean="0"/>
+              <a:t>SaldoInsuficienteException</a:t>
+            </a:r>
+            <a:r>
+              <a:rPr lang="pt-BR" sz="2400" dirty="0" smtClean="0"/>
+              <a:t>() {</a:t>
+            </a:r>
+          </a:p>
+          <a:p>
+            <a:pPr marL="0" indent="0">
+              <a:spcBef>
+                <a:spcPts val="0"/>
+              </a:spcBef>
+              <a:buNone/>
+              <a:tabLst>
+                <a:tab pos="539750" algn="l"/>
+                <a:tab pos="1081088" algn="l"/>
+              </a:tabLst>
+            </a:pPr>
+            <a:r>
+              <a:rPr lang="pt-BR" sz="2400" dirty="0" smtClean="0"/>
+              <a:t>	</a:t>
+            </a:r>
+            <a:r>
+              <a:rPr lang="pt-BR" sz="2400" dirty="0" smtClean="0"/>
+              <a:t>	super();</a:t>
+            </a:r>
+          </a:p>
+          <a:p>
+            <a:pPr marL="0" indent="0">
+              <a:spcBef>
+                <a:spcPts val="0"/>
+              </a:spcBef>
+              <a:buNone/>
+              <a:tabLst>
+                <a:tab pos="539750" algn="l"/>
+                <a:tab pos="1081088" algn="l"/>
+              </a:tabLst>
+            </a:pPr>
+            <a:r>
+              <a:rPr lang="pt-BR" sz="2400" dirty="0" smtClean="0"/>
+              <a:t>	}</a:t>
+            </a:r>
+            <a:endParaRPr lang="pt-BR" sz="2400" dirty="0" smtClean="0"/>
+          </a:p>
+          <a:p>
+            <a:pPr marL="0" indent="0">
+              <a:spcBef>
+                <a:spcPts val="0"/>
+              </a:spcBef>
+              <a:buNone/>
+              <a:tabLst>
+                <a:tab pos="539750" algn="l"/>
+                <a:tab pos="1081088" algn="l"/>
+              </a:tabLst>
+            </a:pPr>
+            <a:endParaRPr lang="pt-BR" sz="2400" dirty="0" smtClean="0"/>
+          </a:p>
+          <a:p>
+            <a:pPr marL="0" indent="0">
+              <a:spcBef>
+                <a:spcPts val="0"/>
+              </a:spcBef>
+              <a:buNone/>
+              <a:tabLst>
+                <a:tab pos="539750" algn="l"/>
+                <a:tab pos="1081088" algn="l"/>
+              </a:tabLst>
+            </a:pPr>
+            <a:r>
+              <a:rPr lang="pt-BR" sz="2400" dirty="0" smtClean="0"/>
+              <a:t>	</a:t>
+            </a:r>
+            <a:r>
+              <a:rPr lang="pt-BR" sz="2400" dirty="0" err="1" smtClean="0"/>
+              <a:t>public</a:t>
+            </a:r>
+            <a:r>
+              <a:rPr lang="pt-BR" sz="2400" dirty="0" smtClean="0"/>
+              <a:t> </a:t>
+            </a:r>
+            <a:r>
+              <a:rPr lang="pt-BR" sz="2400" dirty="0" err="1" smtClean="0"/>
+              <a:t>SaldoInsuficienteException</a:t>
+            </a:r>
+            <a:r>
+              <a:rPr lang="pt-BR" sz="2400" dirty="0" smtClean="0"/>
+              <a:t>(String </a:t>
+            </a:r>
+            <a:r>
+              <a:rPr lang="pt-BR" sz="2400" dirty="0" err="1" smtClean="0"/>
+              <a:t>message</a:t>
+            </a:r>
+            <a:r>
+              <a:rPr lang="pt-BR" sz="2400" dirty="0" smtClean="0"/>
+              <a:t>) </a:t>
+            </a:r>
+            <a:r>
+              <a:rPr lang="pt-BR" sz="2400" dirty="0" smtClean="0"/>
+              <a:t>{</a:t>
+            </a:r>
+          </a:p>
+          <a:p>
+            <a:pPr marL="0" indent="0">
+              <a:spcBef>
+                <a:spcPts val="0"/>
+              </a:spcBef>
+              <a:buNone/>
+              <a:tabLst>
+                <a:tab pos="539750" algn="l"/>
+                <a:tab pos="1081088" algn="l"/>
+              </a:tabLst>
+            </a:pPr>
+            <a:r>
+              <a:rPr lang="pt-BR" sz="2400" dirty="0" smtClean="0"/>
+              <a:t>	</a:t>
+            </a:r>
+            <a:r>
+              <a:rPr lang="pt-BR" sz="2400" dirty="0" smtClean="0"/>
+              <a:t>	</a:t>
+            </a:r>
+            <a:r>
+              <a:rPr lang="pt-BR" sz="2400" dirty="0" smtClean="0"/>
+              <a:t>super(</a:t>
+            </a:r>
+            <a:r>
+              <a:rPr lang="pt-BR" sz="2400" dirty="0" err="1" smtClean="0"/>
+              <a:t>message</a:t>
+            </a:r>
+            <a:r>
+              <a:rPr lang="pt-BR" sz="2400" dirty="0" smtClean="0"/>
+              <a:t>);</a:t>
+            </a:r>
+            <a:endParaRPr lang="pt-BR" sz="2400" dirty="0" smtClean="0"/>
+          </a:p>
+          <a:p>
+            <a:pPr marL="0" indent="0">
+              <a:spcBef>
+                <a:spcPts val="0"/>
+              </a:spcBef>
+              <a:buNone/>
+              <a:tabLst>
+                <a:tab pos="539750" algn="l"/>
+                <a:tab pos="1081088" algn="l"/>
+              </a:tabLst>
+            </a:pPr>
+            <a:r>
+              <a:rPr lang="pt-BR" sz="2400" dirty="0" smtClean="0"/>
+              <a:t>	}</a:t>
+            </a:r>
+            <a:endParaRPr lang="pt-BR" sz="2400" dirty="0" smtClean="0"/>
+          </a:p>
+          <a:p>
+            <a:pPr marL="0" indent="0">
+              <a:spcBef>
+                <a:spcPts val="0"/>
+              </a:spcBef>
+              <a:buNone/>
+              <a:tabLst>
+                <a:tab pos="539750" algn="l"/>
+                <a:tab pos="1081088" algn="l"/>
+              </a:tabLst>
+            </a:pPr>
+            <a:r>
+              <a:rPr lang="pt-BR" sz="2400" dirty="0" smtClean="0"/>
+              <a:t>}</a:t>
+            </a:r>
+            <a:endParaRPr lang="pt-BR" sz="2400" dirty="0"/>
+          </a:p>
+        </p:txBody>
+      </p:sp>
+      <p:sp>
+        <p:nvSpPr>
+          <p:cNvPr id="5" name="Espaço Reservado para Número de Slide 4"/>
+          <p:cNvSpPr>
+            <a:spLocks noGrp="1"/>
+          </p:cNvSpPr>
+          <p:nvPr>
+            <p:ph type="sldNum" sz="quarter" idx="12"/>
+          </p:nvPr>
+        </p:nvSpPr>
+        <p:spPr/>
+        <p:txBody>
+          <a:bodyPr/>
+          <a:lstStyle/>
+          <a:p>
+            <a:pPr>
+              <a:defRPr/>
+            </a:pPr>
+            <a:fld id="{DAB16DC1-F000-4B90-9425-1E014EE80EC3}" type="slidenum">
+              <a:rPr lang="pt-BR" smtClean="0"/>
+              <a:pPr>
+                <a:defRPr/>
+              </a:pPr>
+              <a:t>31</a:t>
+            </a:fld>
+            <a:endParaRPr lang="pt-BR"/>
+          </a:p>
+        </p:txBody>
+      </p:sp>
+    </p:spTree>
+  </p:cSld>
+  <p:clrMapOvr>
+    <a:masterClrMapping/>
+  </p:clrMapOvr>
+  <p:timing>
+    <p:tnLst>
+      <p:par>
+        <p:cTn id="1" dur="indefinite" restart="never" nodeType="tmRoot"/>
+      </p:par>
+    </p:tnLst>
+  </p:timing>
+</p:sld>
+</file>
+
+<file path=ppt/slides/slide32.xml><?xml version="1.0" encoding="utf-8"?>
+<p:sld xmlns:a="http://schemas.openxmlformats.org/drawingml/2006/main" xmlns:r="http://schemas.openxmlformats.org/officeDocument/2006/relationships" xmlns:p="http://schemas.openxmlformats.org/presentationml/2006/main">
+  <p:cSld>
+    <p:spTree>
+      <p:nvGrpSpPr>
+        <p:cNvPr id="1" name=""/>
+        <p:cNvGrpSpPr/>
+        <p:nvPr/>
+      </p:nvGrpSpPr>
+      <p:grpSpPr>
+        <a:xfrm>
+          <a:off x="0" y="0"/>
+          <a:ext cx="0" cy="0"/>
+          <a:chOff x="0" y="0"/>
+          <a:chExt cx="0" cy="0"/>
+        </a:xfrm>
+      </p:grpSpPr>
+      <p:sp>
+        <p:nvSpPr>
+          <p:cNvPr id="2" name="Título 1"/>
+          <p:cNvSpPr>
+            <a:spLocks noGrp="1"/>
+          </p:cNvSpPr>
+          <p:nvPr>
+            <p:ph type="title"/>
+          </p:nvPr>
+        </p:nvSpPr>
+        <p:spPr/>
+        <p:txBody>
+          <a:bodyPr/>
+          <a:lstStyle/>
+          <a:p>
+            <a:pPr eaLnBrk="1" hangingPunct="1"/>
+            <a:r>
+              <a:rPr lang="pt-BR" dirty="0" smtClean="0"/>
+              <a:t>Exceções personalizadas</a:t>
+            </a:r>
+            <a:endParaRPr lang="pt-BR" dirty="0"/>
+          </a:p>
+        </p:txBody>
+      </p:sp>
+      <p:sp>
+        <p:nvSpPr>
+          <p:cNvPr id="6" name="Espaço Reservado para Conteúdo 5"/>
+          <p:cNvSpPr>
+            <a:spLocks noGrp="1"/>
+          </p:cNvSpPr>
+          <p:nvPr>
+            <p:ph idx="1"/>
+          </p:nvPr>
+        </p:nvSpPr>
+        <p:spPr>
+          <a:xfrm>
+            <a:off x="457200" y="1196752"/>
+            <a:ext cx="8147248" cy="4525963"/>
+          </a:xfrm>
+        </p:spPr>
+        <p:txBody>
+          <a:bodyPr/>
+          <a:lstStyle/>
+          <a:p>
+            <a:pPr>
+              <a:tabLst>
+                <a:tab pos="442913" algn="l"/>
+                <a:tab pos="900113" algn="l"/>
+              </a:tabLst>
+            </a:pPr>
+            <a:r>
+              <a:rPr lang="pt-BR" dirty="0" smtClean="0"/>
+              <a:t>Na aplicação principal...</a:t>
+            </a:r>
+          </a:p>
+          <a:p>
+            <a:pPr marL="442913" indent="0">
+              <a:lnSpc>
+                <a:spcPct val="90000"/>
+              </a:lnSpc>
+              <a:spcBef>
+                <a:spcPts val="0"/>
+              </a:spcBef>
+              <a:buNone/>
+              <a:tabLst>
+                <a:tab pos="900113" algn="l"/>
+                <a:tab pos="1344613" algn="l"/>
+              </a:tabLst>
+            </a:pPr>
+            <a:endParaRPr lang="pt-BR" sz="2000" dirty="0" smtClean="0"/>
+          </a:p>
+          <a:p>
+            <a:pPr marL="442913" indent="0">
+              <a:lnSpc>
+                <a:spcPct val="90000"/>
+              </a:lnSpc>
+              <a:spcBef>
+                <a:spcPts val="0"/>
+              </a:spcBef>
+              <a:buNone/>
+              <a:tabLst>
+                <a:tab pos="900113" algn="l"/>
+                <a:tab pos="1344613" algn="l"/>
+              </a:tabLst>
+            </a:pPr>
+            <a:r>
+              <a:rPr lang="pt-BR" sz="2000" dirty="0" err="1" smtClean="0"/>
+              <a:t>public</a:t>
+            </a:r>
+            <a:r>
+              <a:rPr lang="pt-BR" sz="2000" dirty="0" smtClean="0"/>
+              <a:t> </a:t>
+            </a:r>
+            <a:r>
+              <a:rPr lang="pt-BR" sz="2000" dirty="0" err="1" smtClean="0"/>
+              <a:t>void</a:t>
+            </a:r>
+            <a:r>
+              <a:rPr lang="pt-BR" sz="2000" dirty="0" smtClean="0"/>
+              <a:t> </a:t>
+            </a:r>
+            <a:r>
+              <a:rPr lang="pt-BR" sz="2000" dirty="0" err="1" smtClean="0"/>
+              <a:t>obterSaldo</a:t>
+            </a:r>
+            <a:r>
+              <a:rPr lang="pt-BR" sz="2000" dirty="0" smtClean="0"/>
+              <a:t>() {</a:t>
+            </a:r>
+          </a:p>
+          <a:p>
+            <a:pPr marL="442913" indent="0">
+              <a:lnSpc>
+                <a:spcPct val="90000"/>
+              </a:lnSpc>
+              <a:spcBef>
+                <a:spcPts val="0"/>
+              </a:spcBef>
+              <a:buNone/>
+              <a:tabLst>
+                <a:tab pos="900113" algn="l"/>
+                <a:tab pos="1344613" algn="l"/>
+              </a:tabLst>
+            </a:pPr>
+            <a:r>
+              <a:rPr lang="pt-BR" sz="2000" dirty="0" smtClean="0"/>
+              <a:t>	</a:t>
+            </a:r>
+            <a:r>
+              <a:rPr lang="pt-BR" sz="2000" dirty="0" err="1" smtClean="0"/>
+              <a:t>Conexao</a:t>
+            </a:r>
+            <a:r>
+              <a:rPr lang="pt-BR" sz="2000" dirty="0" smtClean="0"/>
+              <a:t> </a:t>
+            </a:r>
+            <a:r>
+              <a:rPr lang="pt-BR" sz="2000" dirty="0" err="1" smtClean="0"/>
+              <a:t>cn</a:t>
+            </a:r>
+            <a:r>
+              <a:rPr lang="pt-BR" sz="2000" dirty="0" smtClean="0"/>
+              <a:t> = </a:t>
+            </a:r>
+            <a:r>
+              <a:rPr lang="pt-BR" sz="2000" dirty="0" err="1" smtClean="0"/>
+              <a:t>null</a:t>
+            </a:r>
+            <a:r>
+              <a:rPr lang="pt-BR" sz="2000" dirty="0" smtClean="0"/>
+              <a:t>;</a:t>
+            </a:r>
+          </a:p>
+          <a:p>
+            <a:pPr marL="442913" indent="0">
+              <a:lnSpc>
+                <a:spcPct val="90000"/>
+              </a:lnSpc>
+              <a:spcBef>
+                <a:spcPts val="0"/>
+              </a:spcBef>
+              <a:buNone/>
+              <a:tabLst>
+                <a:tab pos="900113" algn="l"/>
+                <a:tab pos="1344613" algn="l"/>
+              </a:tabLst>
+            </a:pPr>
+            <a:r>
+              <a:rPr lang="pt-BR" sz="2000" dirty="0" smtClean="0"/>
+              <a:t>	</a:t>
+            </a:r>
+            <a:r>
+              <a:rPr lang="pt-BR" sz="2000" dirty="0" err="1" smtClean="0"/>
+              <a:t>try</a:t>
+            </a:r>
+            <a:r>
+              <a:rPr lang="pt-BR" sz="2000" dirty="0" smtClean="0"/>
+              <a:t> {</a:t>
+            </a:r>
+          </a:p>
+          <a:p>
+            <a:pPr marL="442913" indent="0">
+              <a:lnSpc>
+                <a:spcPct val="90000"/>
+              </a:lnSpc>
+              <a:spcBef>
+                <a:spcPts val="0"/>
+              </a:spcBef>
+              <a:buNone/>
+              <a:tabLst>
+                <a:tab pos="900113" algn="l"/>
+                <a:tab pos="1344613" algn="l"/>
+              </a:tabLst>
+            </a:pPr>
+            <a:r>
+              <a:rPr lang="pt-BR" sz="2000" dirty="0" smtClean="0"/>
+              <a:t>		</a:t>
+            </a:r>
+            <a:r>
+              <a:rPr lang="pt-BR" sz="2000" dirty="0" err="1" smtClean="0"/>
+              <a:t>cn</a:t>
+            </a:r>
+            <a:r>
+              <a:rPr lang="pt-BR" sz="2000" dirty="0" smtClean="0"/>
+              <a:t> = </a:t>
+            </a:r>
+            <a:r>
+              <a:rPr lang="pt-BR" sz="2000" dirty="0" err="1" smtClean="0"/>
+              <a:t>abrirConexao</a:t>
+            </a:r>
+            <a:r>
+              <a:rPr lang="pt-BR" sz="2000" dirty="0" smtClean="0"/>
+              <a:t>();</a:t>
+            </a:r>
+          </a:p>
+          <a:p>
+            <a:pPr marL="442913" indent="0">
+              <a:lnSpc>
+                <a:spcPct val="90000"/>
+              </a:lnSpc>
+              <a:spcBef>
+                <a:spcPts val="0"/>
+              </a:spcBef>
+              <a:buNone/>
+              <a:tabLst>
+                <a:tab pos="900113" algn="l"/>
+                <a:tab pos="1344613" algn="l"/>
+              </a:tabLst>
+            </a:pPr>
+            <a:r>
+              <a:rPr lang="pt-BR" sz="2000" dirty="0" smtClean="0"/>
+              <a:t>		</a:t>
+            </a:r>
+            <a:r>
+              <a:rPr lang="pt-BR" sz="2000" dirty="0" smtClean="0"/>
+              <a:t>Conta </a:t>
+            </a:r>
+            <a:r>
+              <a:rPr lang="pt-BR" sz="2000" dirty="0" err="1" smtClean="0"/>
+              <a:t>conta</a:t>
+            </a:r>
+            <a:r>
+              <a:rPr lang="pt-BR" sz="2000" dirty="0" smtClean="0"/>
+              <a:t> </a:t>
+            </a:r>
+            <a:r>
+              <a:rPr lang="pt-BR" sz="2000" dirty="0" smtClean="0"/>
+              <a:t>= </a:t>
+            </a:r>
+            <a:r>
+              <a:rPr lang="pt-BR" sz="2000" dirty="0" err="1" smtClean="0"/>
+              <a:t>cn</a:t>
+            </a:r>
+            <a:r>
+              <a:rPr lang="pt-BR" sz="2000" dirty="0" smtClean="0"/>
+              <a:t>.</a:t>
+            </a:r>
+            <a:r>
+              <a:rPr lang="pt-BR" sz="2000" dirty="0" err="1" smtClean="0"/>
+              <a:t>obterConta</a:t>
+            </a:r>
+            <a:r>
+              <a:rPr lang="pt-BR" sz="2000" dirty="0" smtClean="0"/>
+              <a:t>();</a:t>
+            </a:r>
+            <a:endParaRPr lang="pt-BR" sz="2000" dirty="0" smtClean="0"/>
+          </a:p>
+          <a:p>
+            <a:pPr marL="442913" indent="0">
+              <a:lnSpc>
+                <a:spcPct val="90000"/>
+              </a:lnSpc>
+              <a:spcBef>
+                <a:spcPts val="0"/>
+              </a:spcBef>
+              <a:buNone/>
+              <a:tabLst>
+                <a:tab pos="900113" algn="l"/>
+                <a:tab pos="1344613" algn="l"/>
+              </a:tabLst>
+            </a:pPr>
+            <a:r>
+              <a:rPr lang="pt-BR" sz="2000" dirty="0" smtClean="0">
+                <a:solidFill>
+                  <a:srgbClr val="FFC000"/>
+                </a:solidFill>
+              </a:rPr>
+              <a:t>		</a:t>
+            </a:r>
+            <a:r>
+              <a:rPr lang="pt-BR" sz="2000" dirty="0" smtClean="0">
+                <a:solidFill>
+                  <a:srgbClr val="FFC000"/>
+                </a:solidFill>
+              </a:rPr>
+              <a:t>conta.debitar(idade</a:t>
+            </a:r>
+            <a:r>
+              <a:rPr lang="pt-BR" sz="2000" dirty="0" smtClean="0">
+                <a:solidFill>
+                  <a:srgbClr val="FFC000"/>
+                </a:solidFill>
+              </a:rPr>
+              <a:t>);</a:t>
+            </a:r>
+          </a:p>
+          <a:p>
+            <a:pPr marL="442913" indent="0">
+              <a:lnSpc>
+                <a:spcPct val="90000"/>
+              </a:lnSpc>
+              <a:spcBef>
+                <a:spcPts val="0"/>
+              </a:spcBef>
+              <a:buNone/>
+              <a:tabLst>
+                <a:tab pos="900113" algn="l"/>
+                <a:tab pos="1344613" algn="l"/>
+              </a:tabLst>
+            </a:pPr>
+            <a:r>
+              <a:rPr lang="pt-BR" sz="2000" dirty="0" smtClean="0"/>
+              <a:t>	} catch (</a:t>
+            </a:r>
+            <a:r>
+              <a:rPr lang="pt-BR" sz="2000" dirty="0" err="1" smtClean="0"/>
+              <a:t>SQLException</a:t>
+            </a:r>
+            <a:r>
+              <a:rPr lang="pt-BR" sz="2000" dirty="0" smtClean="0"/>
+              <a:t> </a:t>
+            </a:r>
+            <a:r>
+              <a:rPr lang="pt-BR" sz="2000" dirty="0" err="1" smtClean="0"/>
+              <a:t>sqle</a:t>
+            </a:r>
+            <a:r>
+              <a:rPr lang="pt-BR" sz="2000" dirty="0" smtClean="0"/>
+              <a:t>) {</a:t>
+            </a:r>
+          </a:p>
+          <a:p>
+            <a:pPr marL="442913" indent="0">
+              <a:lnSpc>
+                <a:spcPct val="90000"/>
+              </a:lnSpc>
+              <a:spcBef>
+                <a:spcPts val="0"/>
+              </a:spcBef>
+              <a:buNone/>
+              <a:tabLst>
+                <a:tab pos="900113" algn="l"/>
+                <a:tab pos="1344613" algn="l"/>
+              </a:tabLst>
+            </a:pPr>
+            <a:r>
+              <a:rPr lang="pt-BR" sz="2000" dirty="0" smtClean="0"/>
+              <a:t>		System.</a:t>
+            </a:r>
+            <a:r>
+              <a:rPr lang="pt-BR" sz="2000" dirty="0" err="1" smtClean="0"/>
+              <a:t>out.println</a:t>
+            </a:r>
+            <a:r>
+              <a:rPr lang="pt-BR" sz="2000" dirty="0" smtClean="0"/>
+              <a:t>(“Erro ao acessar BD”);</a:t>
+            </a:r>
+          </a:p>
+          <a:p>
+            <a:pPr marL="442913" indent="0">
+              <a:lnSpc>
+                <a:spcPct val="90000"/>
+              </a:lnSpc>
+              <a:spcBef>
+                <a:spcPts val="0"/>
+              </a:spcBef>
+              <a:buNone/>
+              <a:tabLst>
+                <a:tab pos="900113" algn="l"/>
+                <a:tab pos="1344613" algn="l"/>
+              </a:tabLst>
+            </a:pPr>
+            <a:r>
+              <a:rPr lang="pt-BR" sz="2000" dirty="0" smtClean="0"/>
+              <a:t>	} catch </a:t>
+            </a:r>
+            <a:r>
+              <a:rPr lang="pt-BR" sz="2000" dirty="0" smtClean="0"/>
+              <a:t>(</a:t>
+            </a:r>
+            <a:r>
+              <a:rPr lang="pt-BR" sz="2000" dirty="0" err="1" smtClean="0">
+                <a:solidFill>
+                  <a:srgbClr val="FFC000"/>
+                </a:solidFill>
+              </a:rPr>
+              <a:t>SaldoInsuficienteException</a:t>
+            </a:r>
+            <a:r>
+              <a:rPr lang="pt-BR" sz="2000" dirty="0" smtClean="0">
+                <a:solidFill>
+                  <a:srgbClr val="FFC000"/>
+                </a:solidFill>
+              </a:rPr>
+              <a:t> </a:t>
+            </a:r>
+            <a:r>
+              <a:rPr lang="pt-BR" sz="2000" dirty="0" smtClean="0">
+                <a:solidFill>
+                  <a:srgbClr val="FFC000"/>
+                </a:solidFill>
+              </a:rPr>
+              <a:t>e</a:t>
+            </a:r>
+            <a:r>
+              <a:rPr lang="pt-BR" sz="2000" dirty="0" smtClean="0"/>
+              <a:t>) {</a:t>
+            </a:r>
+          </a:p>
+          <a:p>
+            <a:pPr marL="442913" indent="0">
+              <a:lnSpc>
+                <a:spcPct val="90000"/>
+              </a:lnSpc>
+              <a:spcBef>
+                <a:spcPts val="0"/>
+              </a:spcBef>
+              <a:buNone/>
+              <a:tabLst>
+                <a:tab pos="900113" algn="l"/>
+                <a:tab pos="1344613" algn="l"/>
+              </a:tabLst>
+            </a:pPr>
+            <a:r>
+              <a:rPr lang="pt-BR" sz="2000" dirty="0" smtClean="0"/>
+              <a:t>		System.</a:t>
+            </a:r>
+            <a:r>
+              <a:rPr lang="pt-BR" sz="2000" dirty="0" err="1" smtClean="0"/>
+              <a:t>out.println</a:t>
+            </a:r>
+            <a:r>
+              <a:rPr lang="pt-BR" sz="2000" dirty="0" smtClean="0"/>
+              <a:t>(“Ocorreu um erro: ” + </a:t>
+            </a:r>
+            <a:r>
+              <a:rPr lang="pt-BR" sz="2000" dirty="0" err="1" smtClean="0">
+                <a:solidFill>
+                  <a:srgbClr val="FFC000"/>
+                </a:solidFill>
+              </a:rPr>
+              <a:t>e.getMessage</a:t>
+            </a:r>
+            <a:r>
+              <a:rPr lang="pt-BR" sz="2000" dirty="0" smtClean="0">
+                <a:solidFill>
+                  <a:srgbClr val="FFC000"/>
+                </a:solidFill>
+              </a:rPr>
+              <a:t>()</a:t>
+            </a:r>
+            <a:r>
+              <a:rPr lang="pt-BR" sz="2000" dirty="0" smtClean="0"/>
+              <a:t>);</a:t>
+            </a:r>
+          </a:p>
+          <a:p>
+            <a:pPr marL="442913" indent="0">
+              <a:lnSpc>
+                <a:spcPct val="90000"/>
+              </a:lnSpc>
+              <a:spcBef>
+                <a:spcPts val="0"/>
+              </a:spcBef>
+              <a:buNone/>
+              <a:tabLst>
+                <a:tab pos="900113" algn="l"/>
+                <a:tab pos="1344613" algn="l"/>
+              </a:tabLst>
+            </a:pPr>
+            <a:r>
+              <a:rPr lang="pt-BR" sz="2000" dirty="0" smtClean="0"/>
+              <a:t>	} catch (Exception e) {</a:t>
+            </a:r>
+          </a:p>
+          <a:p>
+            <a:pPr marL="442913" indent="0">
+              <a:lnSpc>
+                <a:spcPct val="90000"/>
+              </a:lnSpc>
+              <a:spcBef>
+                <a:spcPts val="0"/>
+              </a:spcBef>
+              <a:buNone/>
+              <a:tabLst>
+                <a:tab pos="900113" algn="l"/>
+                <a:tab pos="1344613" algn="l"/>
+              </a:tabLst>
+            </a:pPr>
+            <a:r>
+              <a:rPr lang="pt-BR" sz="2000" dirty="0" smtClean="0"/>
+              <a:t>		System.</a:t>
+            </a:r>
+            <a:r>
+              <a:rPr lang="pt-BR" sz="2000" dirty="0" err="1" smtClean="0"/>
+              <a:t>out.println</a:t>
+            </a:r>
+            <a:r>
+              <a:rPr lang="pt-BR" sz="2000" dirty="0" smtClean="0"/>
+              <a:t>(“Ocorreu um </a:t>
+            </a:r>
+            <a:r>
+              <a:rPr lang="pt-BR" sz="2000" dirty="0" smtClean="0"/>
+              <a:t>erro</a:t>
+            </a:r>
+            <a:r>
+              <a:rPr lang="pt-BR" sz="2000" dirty="0" smtClean="0"/>
+              <a:t> </a:t>
+            </a:r>
+            <a:r>
+              <a:rPr lang="pt-BR" sz="2000" dirty="0" smtClean="0"/>
+              <a:t>desconhecido.”);</a:t>
+            </a:r>
+            <a:endParaRPr lang="pt-BR" sz="2000" dirty="0" smtClean="0"/>
+          </a:p>
+          <a:p>
+            <a:pPr marL="442913" indent="0">
+              <a:lnSpc>
+                <a:spcPct val="90000"/>
+              </a:lnSpc>
+              <a:spcBef>
+                <a:spcPts val="0"/>
+              </a:spcBef>
+              <a:buNone/>
+              <a:tabLst>
+                <a:tab pos="900113" algn="l"/>
+                <a:tab pos="1344613" algn="l"/>
+              </a:tabLst>
+            </a:pPr>
+            <a:r>
+              <a:rPr lang="pt-BR" sz="2000" dirty="0" smtClean="0"/>
+              <a:t>	} </a:t>
+            </a:r>
+            <a:r>
+              <a:rPr lang="pt-BR" sz="2000" dirty="0" err="1" smtClean="0"/>
+              <a:t>finally</a:t>
+            </a:r>
+            <a:r>
+              <a:rPr lang="pt-BR" sz="2000" dirty="0" smtClean="0"/>
+              <a:t> {</a:t>
+            </a:r>
+          </a:p>
+          <a:p>
+            <a:pPr marL="442913" indent="0">
+              <a:lnSpc>
+                <a:spcPct val="90000"/>
+              </a:lnSpc>
+              <a:spcBef>
+                <a:spcPts val="0"/>
+              </a:spcBef>
+              <a:buNone/>
+              <a:tabLst>
+                <a:tab pos="900113" algn="l"/>
+                <a:tab pos="1344613" algn="l"/>
+              </a:tabLst>
+            </a:pPr>
+            <a:r>
+              <a:rPr lang="pt-BR" sz="2000" dirty="0" smtClean="0"/>
+              <a:t>		</a:t>
+            </a:r>
+            <a:r>
+              <a:rPr lang="pt-BR" sz="2000" dirty="0" err="1" smtClean="0"/>
+              <a:t>fecharConexao</a:t>
+            </a:r>
+            <a:r>
+              <a:rPr lang="pt-BR" sz="2000" dirty="0" smtClean="0"/>
+              <a:t>(</a:t>
+            </a:r>
+            <a:r>
+              <a:rPr lang="pt-BR" sz="2000" dirty="0" err="1" smtClean="0"/>
+              <a:t>cn</a:t>
+            </a:r>
+            <a:r>
+              <a:rPr lang="pt-BR" sz="2000" dirty="0" smtClean="0"/>
+              <a:t>);</a:t>
+            </a:r>
+          </a:p>
+          <a:p>
+            <a:pPr marL="442913" indent="0">
+              <a:lnSpc>
+                <a:spcPct val="90000"/>
+              </a:lnSpc>
+              <a:spcBef>
+                <a:spcPts val="0"/>
+              </a:spcBef>
+              <a:buNone/>
+              <a:tabLst>
+                <a:tab pos="900113" algn="l"/>
+                <a:tab pos="1344613" algn="l"/>
+              </a:tabLst>
+            </a:pPr>
+            <a:r>
+              <a:rPr lang="pt-BR" sz="2000" dirty="0" smtClean="0"/>
+              <a:t>	}</a:t>
+            </a:r>
+          </a:p>
+          <a:p>
+            <a:pPr marL="442913" indent="0">
+              <a:lnSpc>
+                <a:spcPct val="90000"/>
+              </a:lnSpc>
+              <a:spcBef>
+                <a:spcPts val="0"/>
+              </a:spcBef>
+              <a:buNone/>
+              <a:tabLst>
+                <a:tab pos="900113" algn="l"/>
+                <a:tab pos="1344613" algn="l"/>
+              </a:tabLst>
+            </a:pPr>
+            <a:r>
+              <a:rPr lang="pt-BR" sz="2000" dirty="0" smtClean="0"/>
+              <a:t>}</a:t>
+            </a:r>
+          </a:p>
+        </p:txBody>
+      </p:sp>
+      <p:sp>
+        <p:nvSpPr>
+          <p:cNvPr id="5" name="Espaço Reservado para Número de Slide 4"/>
+          <p:cNvSpPr>
+            <a:spLocks noGrp="1"/>
+          </p:cNvSpPr>
+          <p:nvPr>
+            <p:ph type="sldNum" sz="quarter" idx="12"/>
+          </p:nvPr>
+        </p:nvSpPr>
+        <p:spPr/>
+        <p:txBody>
+          <a:bodyPr/>
+          <a:lstStyle/>
+          <a:p>
+            <a:pPr>
+              <a:defRPr/>
+            </a:pPr>
+            <a:fld id="{DAB16DC1-F000-4B90-9425-1E014EE80EC3}" type="slidenum">
+              <a:rPr lang="pt-BR" smtClean="0"/>
+              <a:pPr>
+                <a:defRPr/>
+              </a:pPr>
+              <a:t>32</a:t>
+            </a:fld>
+            <a:endParaRPr lang="pt-BR"/>
+          </a:p>
+        </p:txBody>
+      </p:sp>
+    </p:spTree>
+  </p:cSld>
+  <p:clrMapOvr>
+    <a:masterClrMapping/>
+  </p:clrMapOvr>
+  <p:timing>
+    <p:tnLst>
+      <p:par>
+        <p:cTn id="1" dur="indefinite" restart="never" nodeType="tmRoot"/>
+      </p:par>
+    </p:tnLst>
+  </p:timing>
+</p:sld>
+</file>
+
+<file path=ppt/slides/slide33.xml><?xml version="1.0" encoding="utf-8"?>
+<p:sld xmlns:a="http://schemas.openxmlformats.org/drawingml/2006/main" xmlns:r="http://schemas.openxmlformats.org/officeDocument/2006/relationships" xmlns:p="http://schemas.openxmlformats.org/presentationml/2006/main">
+  <p:cSld>
+    <p:spTree>
+      <p:nvGrpSpPr>
+        <p:cNvPr id="1" name=""/>
+        <p:cNvGrpSpPr/>
+        <p:nvPr/>
+      </p:nvGrpSpPr>
+      <p:grpSpPr>
+        <a:xfrm>
+          <a:off x="0" y="0"/>
+          <a:ext cx="0" cy="0"/>
+          <a:chOff x="0" y="0"/>
+          <a:chExt cx="0" cy="0"/>
+        </a:xfrm>
+      </p:grpSpPr>
+      <p:sp>
+        <p:nvSpPr>
+          <p:cNvPr id="2" name="Título 1"/>
+          <p:cNvSpPr>
+            <a:spLocks noGrp="1"/>
+          </p:cNvSpPr>
+          <p:nvPr>
+            <p:ph type="title"/>
+          </p:nvPr>
+        </p:nvSpPr>
+        <p:spPr/>
+        <p:txBody>
+          <a:bodyPr/>
+          <a:lstStyle/>
+          <a:p>
+            <a:r>
+              <a:rPr lang="pt-BR" dirty="0" smtClean="0"/>
+              <a:t>Exercício</a:t>
+            </a:r>
+            <a:endParaRPr lang="pt-BR" dirty="0"/>
+          </a:p>
+        </p:txBody>
+      </p:sp>
+      <p:sp>
+        <p:nvSpPr>
+          <p:cNvPr id="3" name="Espaço Reservado para Conteúdo 2"/>
+          <p:cNvSpPr>
+            <a:spLocks noGrp="1"/>
+          </p:cNvSpPr>
+          <p:nvPr>
+            <p:ph idx="1"/>
+          </p:nvPr>
+        </p:nvSpPr>
+        <p:spPr/>
+        <p:txBody>
+          <a:bodyPr/>
+          <a:lstStyle/>
+          <a:p>
+            <a:endParaRPr lang="pt-BR"/>
+          </a:p>
+        </p:txBody>
+      </p:sp>
+      <p:sp>
+        <p:nvSpPr>
+          <p:cNvPr id="4" name="Espaço Reservado para Número de Slide 3"/>
+          <p:cNvSpPr>
+            <a:spLocks noGrp="1"/>
+          </p:cNvSpPr>
+          <p:nvPr>
+            <p:ph type="sldNum" sz="quarter" idx="12"/>
+          </p:nvPr>
+        </p:nvSpPr>
+        <p:spPr/>
+        <p:txBody>
+          <a:bodyPr/>
+          <a:lstStyle/>
+          <a:p>
+            <a:pPr>
+              <a:defRPr/>
+            </a:pPr>
+            <a:fld id="{52A4181B-C67A-4EAE-8041-178118B632CB}" type="slidenum">
+              <a:rPr lang="pt-BR" smtClean="0"/>
+              <a:pPr>
+                <a:defRPr/>
+              </a:pPr>
+              <a:t>33</a:t>
+            </a:fld>
+            <a:endParaRPr lang="pt-BR"/>
+          </a:p>
+        </p:txBody>
+      </p:sp>
+    </p:spTree>
+  </p:cSld>
+  <p:clrMapOvr>
+    <a:masterClrMapping/>
+  </p:clrMapOvr>
 </p:sld>
 </file>
 

--- a/2-Java-Programmer-Modulo-II/12.Capitulo06.pptx
+++ b/2-Java-Programmer-Modulo-II/12.Capitulo06.pptx
@@ -281,7 +281,7 @@
               <a:pPr>
                 <a:defRPr/>
               </a:pPr>
-              <a:t>08/04/2012</a:t>
+              <a:t>17/05/2012</a:t>
             </a:fld>
             <a:endParaRPr lang="pt-BR"/>
           </a:p>
@@ -3903,7 +3903,7 @@
               <a:pPr>
                 <a:defRPr/>
               </a:pPr>
-              <a:t>08/04/2012</a:t>
+              <a:t>17/05/2012</a:t>
             </a:fld>
             <a:endParaRPr lang="pt-BR"/>
           </a:p>
@@ -4095,7 +4095,7 @@
               <a:pPr>
                 <a:defRPr/>
               </a:pPr>
-              <a:t>08/04/2012</a:t>
+              <a:t>17/05/2012</a:t>
             </a:fld>
             <a:endParaRPr lang="pt-BR"/>
           </a:p>
@@ -4297,7 +4297,7 @@
               <a:pPr>
                 <a:defRPr/>
               </a:pPr>
-              <a:t>08/04/2012</a:t>
+              <a:t>17/05/2012</a:t>
             </a:fld>
             <a:endParaRPr lang="pt-BR"/>
           </a:p>
@@ -4493,7 +4493,7 @@
               <a:pPr>
                 <a:defRPr/>
               </a:pPr>
-              <a:t>08/04/2012</a:t>
+              <a:t>17/05/2012</a:t>
             </a:fld>
             <a:endParaRPr lang="pt-BR"/>
           </a:p>
@@ -4999,7 +4999,7 @@
               <a:pPr>
                 <a:defRPr/>
               </a:pPr>
-              <a:t>08/04/2012</a:t>
+              <a:t>17/05/2012</a:t>
             </a:fld>
             <a:endParaRPr lang="pt-BR"/>
           </a:p>
@@ -5290,7 +5290,7 @@
               <a:pPr>
                 <a:defRPr/>
               </a:pPr>
-              <a:t>08/04/2012</a:t>
+              <a:t>17/05/2012</a:t>
             </a:fld>
             <a:endParaRPr lang="pt-BR"/>
           </a:p>
@@ -5691,7 +5691,7 @@
               <a:pPr>
                 <a:defRPr/>
               </a:pPr>
-              <a:t>08/04/2012</a:t>
+              <a:t>17/05/2012</a:t>
             </a:fld>
             <a:endParaRPr lang="pt-BR"/>
           </a:p>
@@ -5840,7 +5840,7 @@
               <a:pPr>
                 <a:defRPr/>
               </a:pPr>
-              <a:t>08/04/2012</a:t>
+              <a:t>17/05/2012</a:t>
             </a:fld>
             <a:endParaRPr lang="pt-BR"/>
           </a:p>
@@ -5957,7 +5957,7 @@
               <a:pPr>
                 <a:defRPr/>
               </a:pPr>
-              <a:t>08/04/2012</a:t>
+              <a:t>17/05/2012</a:t>
             </a:fld>
             <a:endParaRPr lang="pt-BR"/>
           </a:p>
@@ -6233,7 +6233,7 @@
               <a:pPr>
                 <a:defRPr/>
               </a:pPr>
-              <a:t>08/04/2012</a:t>
+              <a:t>17/05/2012</a:t>
             </a:fld>
             <a:endParaRPr lang="pt-BR"/>
           </a:p>
@@ -6517,7 +6517,7 @@
               <a:pPr>
                 <a:defRPr/>
               </a:pPr>
-              <a:t>08/04/2012</a:t>
+              <a:t>17/05/2012</a:t>
             </a:fld>
             <a:endParaRPr lang="pt-BR"/>
           </a:p>
@@ -6995,7 +6995,7 @@
               <a:pPr>
                 <a:defRPr/>
               </a:pPr>
-              <a:t>08/04/2012</a:t>
+              <a:t>17/05/2012</a:t>
             </a:fld>
             <a:endParaRPr lang="pt-BR"/>
           </a:p>
@@ -12835,7 +12835,15 @@
             </a:pPr>
             <a:r>
               <a:rPr lang="pt-BR" dirty="0" smtClean="0"/>
-              <a:t>Ocorre ao tentar um item inexistente em um </a:t>
+              <a:t>Ocorre ao tentar </a:t>
+            </a:r>
+            <a:r>
+              <a:rPr lang="pt-BR" dirty="0" smtClean="0"/>
+              <a:t>obter um </a:t>
+            </a:r>
+            <a:r>
+              <a:rPr lang="pt-BR" dirty="0" smtClean="0"/>
+              <a:t>item inexistente em um </a:t>
             </a:r>
             <a:r>
               <a:rPr lang="pt-BR" dirty="0" err="1" smtClean="0"/>
@@ -13449,7 +13457,15 @@
                   <a:srgbClr val="FFC000"/>
                 </a:solidFill>
               </a:rPr>
-              <a:t>Cliente c = </a:t>
+              <a:t>Conta </a:t>
+            </a:r>
+            <a:r>
+              <a:rPr lang="pt-BR" dirty="0" smtClean="0">
+                <a:solidFill>
+                  <a:srgbClr val="FFC000"/>
+                </a:solidFill>
+              </a:rPr>
+              <a:t>c = </a:t>
             </a:r>
             <a:r>
               <a:rPr lang="pt-BR" dirty="0" err="1" smtClean="0">
@@ -13473,7 +13489,7 @@
                   <a:srgbClr val="FFC000"/>
                 </a:solidFill>
               </a:rPr>
-              <a:t>PessoaFisica</a:t>
+              <a:t>ContaPoupanca</a:t>
             </a:r>
             <a:r>
               <a:rPr lang="pt-BR" dirty="0" smtClean="0">
@@ -13483,6 +13499,11 @@
               </a:rPr>
               <a:t>();</a:t>
             </a:r>
+            <a:endParaRPr lang="pt-BR" dirty="0" smtClean="0">
+              <a:solidFill>
+                <a:srgbClr val="FFC000"/>
+              </a:solidFill>
+            </a:endParaRPr>
           </a:p>
           <a:p>
             <a:pPr marL="720725" lvl="1" indent="6350">
@@ -13497,7 +13518,7 @@
                   <a:srgbClr val="FFC000"/>
                 </a:solidFill>
               </a:rPr>
-              <a:t>Funcionario</a:t>
+              <a:t>ContaCorrente</a:t>
             </a:r>
             <a:r>
               <a:rPr lang="pt-BR" dirty="0" smtClean="0">
@@ -13505,7 +13526,23 @@
                   <a:srgbClr val="FFC000"/>
                 </a:solidFill>
               </a:rPr>
-              <a:t> f = (</a:t>
+              <a:t> cc </a:t>
+            </a:r>
+            <a:r>
+              <a:rPr lang="pt-BR" dirty="0" smtClean="0">
+                <a:solidFill>
+                  <a:srgbClr val="FFC000"/>
+                </a:solidFill>
+              </a:rPr>
+              <a:t>= </a:t>
+            </a:r>
+            <a:r>
+              <a:rPr lang="pt-BR" dirty="0" smtClean="0">
+                <a:solidFill>
+                  <a:srgbClr val="FFC000"/>
+                </a:solidFill>
+              </a:rPr>
+              <a:t>(</a:t>
             </a:r>
             <a:r>
               <a:rPr lang="pt-BR" dirty="0" err="1" smtClean="0">
@@ -13513,7 +13550,7 @@
                   <a:srgbClr val="FFC000"/>
                 </a:solidFill>
               </a:rPr>
-              <a:t>Funcionario</a:t>
+              <a:t>ContaCorrente</a:t>
             </a:r>
             <a:r>
               <a:rPr lang="pt-BR" dirty="0" smtClean="0">
@@ -13521,7 +13558,15 @@
                   <a:srgbClr val="FFC000"/>
                 </a:solidFill>
               </a:rPr>
-              <a:t>) c;</a:t>
+              <a:t>) </a:t>
+            </a:r>
+            <a:r>
+              <a:rPr lang="pt-BR" dirty="0" smtClean="0">
+                <a:solidFill>
+                  <a:srgbClr val="FFC000"/>
+                </a:solidFill>
+              </a:rPr>
+              <a:t>c;</a:t>
             </a:r>
           </a:p>
         </p:txBody>
@@ -14826,11 +14871,7 @@
             </a:r>
             <a:r>
               <a:rPr lang="pt-BR" sz="2000" dirty="0" smtClean="0"/>
-              <a:t>() </a:t>
-            </a:r>
-            <a:r>
-              <a:rPr lang="pt-BR" sz="2000" dirty="0" smtClean="0"/>
-              <a:t>{</a:t>
+              <a:t>() {</a:t>
             </a:r>
           </a:p>
           <a:p>
@@ -15365,27 +15406,7 @@
             </a:pPr>
             <a:r>
               <a:rPr lang="pt-BR" dirty="0" smtClean="0"/>
-              <a:t>Na maioria das ocasiões, </a:t>
-            </a:r>
-            <a:r>
-              <a:rPr lang="pt-BR" dirty="0" smtClean="0"/>
-              <a:t>ao implementar métodos que </a:t>
-            </a:r>
-            <a:r>
-              <a:rPr lang="pt-BR" dirty="0" smtClean="0"/>
-              <a:t>geram exceptions, </a:t>
-            </a:r>
-            <a:r>
-              <a:rPr lang="pt-BR" dirty="0" smtClean="0"/>
-              <a:t>é </a:t>
-            </a:r>
-            <a:r>
-              <a:rPr lang="pt-BR" dirty="0" smtClean="0"/>
-              <a:t>recomendável criar a sua própria </a:t>
-            </a:r>
-            <a:r>
-              <a:rPr lang="pt-BR" dirty="0" smtClean="0"/>
-              <a:t>exceção.</a:t>
+              <a:t>Na maioria das ocasiões, ao implementar métodos que geram exceptions, é recomendável criar a sua própria exceção.</a:t>
             </a:r>
           </a:p>
           <a:p>
@@ -15656,7 +15677,6 @@
               <a:rPr lang="pt-BR" dirty="0" smtClean="0"/>
               <a:t>Exemplo</a:t>
             </a:r>
-            <a:endParaRPr lang="pt-BR" dirty="0" smtClean="0"/>
           </a:p>
           <a:p>
             <a:pPr marL="0" indent="0">
@@ -15754,11 +15774,7 @@
             </a:r>
             <a:r>
               <a:rPr lang="pt-BR" sz="2400" dirty="0" smtClean="0"/>
-              <a:t> </a:t>
-            </a:r>
-            <a:r>
-              <a:rPr lang="pt-BR" sz="2400" dirty="0" smtClean="0"/>
-              <a:t>{</a:t>
+              <a:t> {</a:t>
             </a:r>
           </a:p>
           <a:p>
@@ -15922,15 +15938,7 @@
                   <a:srgbClr val="FFC000"/>
                 </a:solidFill>
               </a:rPr>
-              <a:t>	</a:t>
-            </a:r>
-            <a:r>
-              <a:rPr lang="pt-BR" sz="2400" dirty="0" smtClean="0">
-                <a:solidFill>
-                  <a:srgbClr val="FFC000"/>
-                </a:solidFill>
-              </a:rPr>
-              <a:t>		</a:t>
+              <a:t>			</a:t>
             </a:r>
             <a:r>
               <a:rPr lang="pt-BR" sz="2400" dirty="0" smtClean="0"/>
@@ -15948,7 +15956,6 @@
               <a:rPr lang="pt-BR" sz="2400" dirty="0" smtClean="0"/>
               <a:t>;</a:t>
             </a:r>
-            <a:endParaRPr lang="pt-BR" sz="2400" dirty="0" smtClean="0"/>
           </a:p>
           <a:p>
             <a:pPr marL="0" indent="0">
@@ -16345,7 +16352,6 @@
               <a:rPr lang="pt-BR" dirty="0" smtClean="0"/>
               <a:t>Criando a classe exceção</a:t>
             </a:r>
-            <a:endParaRPr lang="pt-BR" dirty="0" smtClean="0"/>
           </a:p>
           <a:p>
             <a:pPr marL="0" indent="0">
@@ -16411,7 +16417,6 @@
               <a:rPr lang="pt-BR" sz="2400" dirty="0" smtClean="0"/>
               <a:t> {</a:t>
             </a:r>
-            <a:endParaRPr lang="pt-BR" sz="2400" dirty="0" smtClean="0"/>
           </a:p>
           <a:p>
             <a:pPr marL="0" indent="0">
@@ -16471,11 +16476,7 @@
             </a:pPr>
             <a:r>
               <a:rPr lang="pt-BR" sz="2400" dirty="0" smtClean="0"/>
-              <a:t>	</a:t>
-            </a:r>
-            <a:r>
-              <a:rPr lang="pt-BR" sz="2400" dirty="0" smtClean="0"/>
-              <a:t>	super();</a:t>
+              <a:t>		super();</a:t>
             </a:r>
           </a:p>
           <a:p>
@@ -16493,7 +16494,6 @@
               <a:rPr lang="pt-BR" sz="2400" dirty="0" smtClean="0"/>
               <a:t>	}</a:t>
             </a:r>
-            <a:endParaRPr lang="pt-BR" sz="2400" dirty="0" smtClean="0"/>
           </a:p>
           <a:p>
             <a:pPr marL="0" indent="0">
@@ -16545,11 +16545,7 @@
             </a:r>
             <a:r>
               <a:rPr lang="pt-BR" sz="2400" dirty="0" smtClean="0"/>
-              <a:t>) </a:t>
-            </a:r>
-            <a:r>
-              <a:rPr lang="pt-BR" sz="2400" dirty="0" smtClean="0"/>
-              <a:t>{</a:t>
+              <a:t>) {</a:t>
             </a:r>
           </a:p>
           <a:p>
@@ -16565,15 +16561,7 @@
             </a:pPr>
             <a:r>
               <a:rPr lang="pt-BR" sz="2400" dirty="0" smtClean="0"/>
-              <a:t>	</a:t>
-            </a:r>
-            <a:r>
-              <a:rPr lang="pt-BR" sz="2400" dirty="0" smtClean="0"/>
-              <a:t>	</a:t>
-            </a:r>
-            <a:r>
-              <a:rPr lang="pt-BR" sz="2400" dirty="0" smtClean="0"/>
-              <a:t>super(</a:t>
+              <a:t>		super(</a:t>
             </a:r>
             <a:r>
               <a:rPr lang="pt-BR" sz="2400" dirty="0" err="1" smtClean="0"/>
@@ -16583,7 +16571,6 @@
               <a:rPr lang="pt-BR" sz="2400" dirty="0" smtClean="0"/>
               <a:t>);</a:t>
             </a:r>
-            <a:endParaRPr lang="pt-BR" sz="2400" dirty="0" smtClean="0"/>
           </a:p>
           <a:p>
             <a:pPr marL="0" indent="0">
@@ -16600,7 +16587,6 @@
               <a:rPr lang="pt-BR" sz="2400" dirty="0" smtClean="0"/>
               <a:t>	}</a:t>
             </a:r>
-            <a:endParaRPr lang="pt-BR" sz="2400" dirty="0" smtClean="0"/>
           </a:p>
           <a:p>
             <a:pPr marL="0" indent="0">
@@ -16913,11 +16899,7 @@
             </a:pPr>
             <a:r>
               <a:rPr lang="pt-BR" sz="2000" dirty="0" smtClean="0"/>
-              <a:t>		</a:t>
-            </a:r>
-            <a:r>
-              <a:rPr lang="pt-BR" sz="2000" dirty="0" smtClean="0"/>
-              <a:t>Conta </a:t>
+              <a:t>		Conta </a:t>
             </a:r>
             <a:r>
               <a:rPr lang="pt-BR" sz="2000" dirty="0" err="1" smtClean="0"/>
@@ -16925,11 +16907,7 @@
             </a:r>
             <a:r>
               <a:rPr lang="pt-BR" sz="2000" dirty="0" smtClean="0"/>
-              <a:t> </a:t>
-            </a:r>
-            <a:r>
-              <a:rPr lang="pt-BR" sz="2000" dirty="0" smtClean="0"/>
-              <a:t>= </a:t>
+              <a:t> = </a:t>
             </a:r>
             <a:r>
               <a:rPr lang="pt-BR" sz="2000" dirty="0" err="1" smtClean="0"/>
@@ -16947,7 +16925,6 @@
               <a:rPr lang="pt-BR" sz="2000" dirty="0" smtClean="0"/>
               <a:t>();</a:t>
             </a:r>
-            <a:endParaRPr lang="pt-BR" sz="2000" dirty="0" smtClean="0"/>
           </a:p>
           <a:p>
             <a:pPr marL="442913" indent="0">
@@ -16977,7 +16954,15 @@
                   <a:srgbClr val="FFC000"/>
                 </a:solidFill>
               </a:rPr>
-              <a:t>conta.debitar(idade</a:t>
+              <a:t>conta.debitar(</a:t>
+            </a:r>
+            <a:r>
+              <a:rPr lang="pt-BR" sz="2000" dirty="0" err="1" smtClean="0">
+                <a:solidFill>
+                  <a:srgbClr val="FFC000"/>
+                </a:solidFill>
+              </a:rPr>
+              <a:t>valorBoleto</a:t>
             </a:r>
             <a:r>
               <a:rPr lang="pt-BR" sz="2000" dirty="0" smtClean="0">
@@ -16987,6 +16972,11 @@
               </a:rPr>
               <a:t>);</a:t>
             </a:r>
+            <a:endParaRPr lang="pt-BR" sz="2000" dirty="0" smtClean="0">
+              <a:solidFill>
+                <a:srgbClr val="FFC000"/>
+              </a:solidFill>
+            </a:endParaRPr>
           </a:p>
           <a:p>
             <a:pPr marL="442913" indent="0">
@@ -17066,11 +17056,7 @@
             </a:pPr>
             <a:r>
               <a:rPr lang="pt-BR" sz="2000" dirty="0" smtClean="0"/>
-              <a:t>	} catch </a:t>
-            </a:r>
-            <a:r>
-              <a:rPr lang="pt-BR" sz="2000" dirty="0" smtClean="0"/>
-              <a:t>(</a:t>
+              <a:t>	} catch (</a:t>
             </a:r>
             <a:r>
               <a:rPr lang="pt-BR" sz="2000" dirty="0" err="1" smtClean="0">
@@ -17086,15 +17072,7 @@
                   <a:srgbClr val="FFC000"/>
                 </a:solidFill>
               </a:rPr>
-              <a:t> </a:t>
-            </a:r>
-            <a:r>
-              <a:rPr lang="pt-BR" sz="2000" dirty="0" smtClean="0">
-                <a:solidFill>
-                  <a:srgbClr val="FFC000"/>
-                </a:solidFill>
-              </a:rPr>
-              <a:t>e</a:t>
+              <a:t> e</a:t>
             </a:r>
             <a:r>
               <a:rPr lang="pt-BR" sz="2000" dirty="0" smtClean="0"/>
@@ -17191,21 +17169,8 @@
             </a:r>
             <a:r>
               <a:rPr lang="pt-BR" sz="2000" dirty="0" smtClean="0"/>
-              <a:t>(“Ocorreu um </a:t>
-            </a:r>
-            <a:r>
-              <a:rPr lang="pt-BR" sz="2000" dirty="0" smtClean="0"/>
-              <a:t>erro</a:t>
-            </a:r>
-            <a:r>
-              <a:rPr lang="pt-BR" sz="2000" dirty="0" smtClean="0"/>
-              <a:t> </a:t>
-            </a:r>
-            <a:r>
-              <a:rPr lang="pt-BR" sz="2000" dirty="0" smtClean="0"/>
-              <a:t>desconhecido.”);</a:t>
-            </a:r>
-            <a:endParaRPr lang="pt-BR" sz="2000" dirty="0" smtClean="0"/>
+              <a:t>(“Ocorreu um erro desconhecido.”);</a:t>
+            </a:r>
           </a:p>
           <a:p>
             <a:pPr marL="442913" indent="0">
@@ -17446,6 +17411,13 @@
   <p:clrMapOvr>
     <a:masterClrMapping/>
   </p:clrMapOvr>
+  <p:timing>
+    <p:tnLst>
+      <p:par>
+        <p:cTn id="1" dur="indefinite" restart="never" nodeType="tmRoot"/>
+      </p:par>
+    </p:tnLst>
+  </p:timing>
 </p:sld>
 </file>
 

--- a/2-Java-Programmer-Modulo-II/12.Capitulo06.pptx
+++ b/2-Java-Programmer-Modulo-II/12.Capitulo06.pptx
@@ -5,7 +5,7 @@
     <p:sldMasterId id="2147483660" r:id="rId1"/>
   </p:sldMasterIdLst>
   <p:notesMasterIdLst>
-    <p:notesMasterId r:id="rId35"/>
+    <p:notesMasterId r:id="rId36"/>
   </p:notesMasterIdLst>
   <p:sldIdLst>
     <p:sldId id="256" r:id="rId2"/>
@@ -13,34 +13,35 @@
     <p:sldId id="319" r:id="rId4"/>
     <p:sldId id="320" r:id="rId5"/>
     <p:sldId id="329" r:id="rId6"/>
-    <p:sldId id="330" r:id="rId7"/>
-    <p:sldId id="331" r:id="rId8"/>
+    <p:sldId id="331" r:id="rId7"/>
+    <p:sldId id="330" r:id="rId8"/>
     <p:sldId id="333" r:id="rId9"/>
     <p:sldId id="334" r:id="rId10"/>
     <p:sldId id="332" r:id="rId11"/>
     <p:sldId id="324" r:id="rId12"/>
     <p:sldId id="335" r:id="rId13"/>
-    <p:sldId id="336" r:id="rId14"/>
-    <p:sldId id="337" r:id="rId15"/>
-    <p:sldId id="326" r:id="rId16"/>
-    <p:sldId id="323" r:id="rId17"/>
-    <p:sldId id="353" r:id="rId18"/>
-    <p:sldId id="344" r:id="rId19"/>
-    <p:sldId id="322" r:id="rId20"/>
-    <p:sldId id="345" r:id="rId21"/>
-    <p:sldId id="346" r:id="rId22"/>
-    <p:sldId id="347" r:id="rId23"/>
-    <p:sldId id="349" r:id="rId24"/>
-    <p:sldId id="348" r:id="rId25"/>
-    <p:sldId id="350" r:id="rId26"/>
-    <p:sldId id="355" r:id="rId27"/>
-    <p:sldId id="327" r:id="rId28"/>
-    <p:sldId id="354" r:id="rId29"/>
-    <p:sldId id="328" r:id="rId30"/>
-    <p:sldId id="356" r:id="rId31"/>
-    <p:sldId id="357" r:id="rId32"/>
-    <p:sldId id="358" r:id="rId33"/>
-    <p:sldId id="359" r:id="rId34"/>
+    <p:sldId id="337" r:id="rId14"/>
+    <p:sldId id="326" r:id="rId15"/>
+    <p:sldId id="323" r:id="rId16"/>
+    <p:sldId id="353" r:id="rId17"/>
+    <p:sldId id="344" r:id="rId18"/>
+    <p:sldId id="322" r:id="rId19"/>
+    <p:sldId id="345" r:id="rId20"/>
+    <p:sldId id="346" r:id="rId21"/>
+    <p:sldId id="347" r:id="rId22"/>
+    <p:sldId id="349" r:id="rId23"/>
+    <p:sldId id="348" r:id="rId24"/>
+    <p:sldId id="350" r:id="rId25"/>
+    <p:sldId id="355" r:id="rId26"/>
+    <p:sldId id="327" r:id="rId27"/>
+    <p:sldId id="354" r:id="rId28"/>
+    <p:sldId id="328" r:id="rId29"/>
+    <p:sldId id="356" r:id="rId30"/>
+    <p:sldId id="357" r:id="rId31"/>
+    <p:sldId id="358" r:id="rId32"/>
+    <p:sldId id="360" r:id="rId33"/>
+    <p:sldId id="361" r:id="rId34"/>
+    <p:sldId id="362" r:id="rId35"/>
   </p:sldIdLst>
   <p:sldSz cx="9144000" cy="6858000" type="screen4x3"/>
   <p:notesSz cx="6858000" cy="9144000"/>
@@ -281,7 +282,7 @@
               <a:pPr>
                 <a:defRPr/>
               </a:pPr>
-              <a:t>17/05/2012</a:t>
+              <a:t>22/05/2012</a:t>
             </a:fld>
             <a:endParaRPr lang="pt-BR"/>
           </a:p>
@@ -2983,6 +2984,93 @@
 </p:notes>
 </file>
 
+<file path=ppt/notesSlides/notesSlide34.xml><?xml version="1.0" encoding="utf-8"?>
+<p:notes xmlns:a="http://schemas.openxmlformats.org/drawingml/2006/main" xmlns:r="http://schemas.openxmlformats.org/officeDocument/2006/relationships" xmlns:p="http://schemas.openxmlformats.org/presentationml/2006/main">
+  <p:cSld>
+    <p:spTree>
+      <p:nvGrpSpPr>
+        <p:cNvPr id="1" name=""/>
+        <p:cNvGrpSpPr/>
+        <p:nvPr/>
+      </p:nvGrpSpPr>
+      <p:grpSpPr>
+        <a:xfrm>
+          <a:off x="0" y="0"/>
+          <a:ext cx="0" cy="0"/>
+          <a:chOff x="0" y="0"/>
+          <a:chExt cx="0" cy="0"/>
+        </a:xfrm>
+      </p:grpSpPr>
+      <p:sp>
+        <p:nvSpPr>
+          <p:cNvPr id="2" name="Espaço Reservado para Imagem de Slide 1"/>
+          <p:cNvSpPr>
+            <a:spLocks noGrp="1" noRot="1" noChangeAspect="1"/>
+          </p:cNvSpPr>
+          <p:nvPr>
+            <p:ph type="sldImg"/>
+          </p:nvPr>
+        </p:nvSpPr>
+        <p:spPr/>
+      </p:sp>
+      <p:sp>
+        <p:nvSpPr>
+          <p:cNvPr id="3" name="Espaço Reservado para Anotações 2"/>
+          <p:cNvSpPr>
+            <a:spLocks noGrp="1"/>
+          </p:cNvSpPr>
+          <p:nvPr>
+            <p:ph type="body" idx="1"/>
+          </p:nvPr>
+        </p:nvSpPr>
+        <p:spPr/>
+        <p:txBody>
+          <a:bodyPr>
+            <a:normAutofit/>
+          </a:bodyPr>
+          <a:lstStyle/>
+          <a:p>
+            <a:endParaRPr lang="pt-BR"/>
+          </a:p>
+        </p:txBody>
+      </p:sp>
+      <p:sp>
+        <p:nvSpPr>
+          <p:cNvPr id="4" name="Espaço Reservado para Número de Slide 3"/>
+          <p:cNvSpPr>
+            <a:spLocks noGrp="1"/>
+          </p:cNvSpPr>
+          <p:nvPr>
+            <p:ph type="sldNum" sz="quarter" idx="10"/>
+          </p:nvPr>
+        </p:nvSpPr>
+        <p:spPr/>
+        <p:txBody>
+          <a:bodyPr/>
+          <a:lstStyle/>
+          <a:p>
+            <a:pPr>
+              <a:defRPr/>
+            </a:pPr>
+            <a:fld id="{A1564085-A201-4A92-B865-4522CAEE4E86}" type="slidenum">
+              <a:rPr lang="pt-BR" smtClean="0"/>
+              <a:pPr>
+                <a:defRPr/>
+              </a:pPr>
+              <a:t>34</a:t>
+            </a:fld>
+            <a:endParaRPr lang="pt-BR"/>
+          </a:p>
+        </p:txBody>
+      </p:sp>
+    </p:spTree>
+  </p:cSld>
+  <p:clrMapOvr>
+    <a:masterClrMapping/>
+  </p:clrMapOvr>
+</p:notes>
+</file>
+
 <file path=ppt/notesSlides/notesSlide4.xml><?xml version="1.0" encoding="utf-8"?>
 <p:notes xmlns:a="http://schemas.openxmlformats.org/drawingml/2006/main" xmlns:r="http://schemas.openxmlformats.org/officeDocument/2006/relationships" xmlns:p="http://schemas.openxmlformats.org/presentationml/2006/main">
   <p:cSld>
@@ -3222,7 +3310,7 @@
           <a:bodyPr/>
           <a:lstStyle/>
           <a:p>
-            <a:fld id="{47CE234B-CAFC-4F2B-98A6-DCA9BBF6B41C}" type="slidenum">
+            <a:fld id="{F0D7FA56-F7E5-4E13-9B6B-53B9FEFBB410}" type="slidenum">
               <a:rPr lang="pt-BR" smtClean="0"/>
               <a:pPr/>
               <a:t>6</a:t>
@@ -3304,7 +3392,7 @@
           <a:bodyPr/>
           <a:lstStyle/>
           <a:p>
-            <a:fld id="{F0D7FA56-F7E5-4E13-9B6B-53B9FEFBB410}" type="slidenum">
+            <a:fld id="{47CE234B-CAFC-4F2B-98A6-DCA9BBF6B41C}" type="slidenum">
               <a:rPr lang="pt-BR" smtClean="0"/>
               <a:pPr/>
               <a:t>7</a:t>
@@ -3898,12 +3986,9 @@
             <a:pPr>
               <a:defRPr/>
             </a:pPr>
-            <a:fld id="{EEA26EEE-DF2A-48EA-A73A-AB2D54A1DB2A}" type="datetime1">
+            <a:fld id="{446DB989-A24F-472C-A4D1-4FE9BE08C26E}" type="datetime1">
               <a:rPr lang="pt-BR" smtClean="0"/>
-              <a:pPr>
-                <a:defRPr/>
-              </a:pPr>
-              <a:t>17/05/2012</a:t>
+              <a:t>22/05/2012</a:t>
             </a:fld>
             <a:endParaRPr lang="pt-BR"/>
           </a:p>
@@ -4090,12 +4175,9 @@
             <a:pPr>
               <a:defRPr/>
             </a:pPr>
-            <a:fld id="{413AD136-109B-416C-AB31-135BF8710F08}" type="datetime1">
+            <a:fld id="{D2F93A5E-A508-4B49-874A-5010EF2A4062}" type="datetime1">
               <a:rPr lang="pt-BR" smtClean="0"/>
-              <a:pPr>
-                <a:defRPr/>
-              </a:pPr>
-              <a:t>17/05/2012</a:t>
+              <a:t>22/05/2012</a:t>
             </a:fld>
             <a:endParaRPr lang="pt-BR"/>
           </a:p>
@@ -4292,12 +4374,9 @@
             <a:pPr>
               <a:defRPr/>
             </a:pPr>
-            <a:fld id="{EF6378E6-001B-4A8D-BA6B-320E1CDD92DF}" type="datetime1">
+            <a:fld id="{3BC52FEB-87DC-4B19-86EE-C31FE3BAFE19}" type="datetime1">
               <a:rPr lang="pt-BR" smtClean="0"/>
-              <a:pPr>
-                <a:defRPr/>
-              </a:pPr>
-              <a:t>17/05/2012</a:t>
+              <a:t>22/05/2012</a:t>
             </a:fld>
             <a:endParaRPr lang="pt-BR"/>
           </a:p>
@@ -4488,12 +4567,9 @@
             <a:pPr>
               <a:defRPr/>
             </a:pPr>
-            <a:fld id="{4923B301-4D33-472B-9EA1-FE4739FFB887}" type="datetime1">
+            <a:fld id="{887D498A-A57F-488A-9AF2-5F5CE0D57809}" type="datetime1">
               <a:rPr lang="pt-BR" smtClean="0"/>
-              <a:pPr>
-                <a:defRPr/>
-              </a:pPr>
-              <a:t>17/05/2012</a:t>
+              <a:t>22/05/2012</a:t>
             </a:fld>
             <a:endParaRPr lang="pt-BR"/>
           </a:p>
@@ -4994,12 +5070,9 @@
             <a:pPr>
               <a:defRPr/>
             </a:pPr>
-            <a:fld id="{C2782E46-77E0-4AB1-A75D-9CBA80F15487}" type="datetime1">
+            <a:fld id="{81E616EE-FFDF-4B8E-924D-6524BAEB5113}" type="datetime1">
               <a:rPr lang="pt-BR" smtClean="0"/>
-              <a:pPr>
-                <a:defRPr/>
-              </a:pPr>
-              <a:t>17/05/2012</a:t>
+              <a:t>22/05/2012</a:t>
             </a:fld>
             <a:endParaRPr lang="pt-BR"/>
           </a:p>
@@ -5285,12 +5358,9 @@
             <a:pPr>
               <a:defRPr/>
             </a:pPr>
-            <a:fld id="{359D2ED1-D587-44B6-A55F-C7E9981403E2}" type="datetime1">
+            <a:fld id="{D9A42E7E-DD1A-4557-9FED-9F98323542D2}" type="datetime1">
               <a:rPr lang="pt-BR" smtClean="0"/>
-              <a:pPr>
-                <a:defRPr/>
-              </a:pPr>
-              <a:t>17/05/2012</a:t>
+              <a:t>22/05/2012</a:t>
             </a:fld>
             <a:endParaRPr lang="pt-BR"/>
           </a:p>
@@ -5686,12 +5756,9 @@
             <a:pPr>
               <a:defRPr/>
             </a:pPr>
-            <a:fld id="{A2418DAE-4C14-46BA-B6A9-566ED2C85393}" type="datetime1">
+            <a:fld id="{F4DDAD23-B139-49DB-9FA8-6557BA4E171F}" type="datetime1">
               <a:rPr lang="pt-BR" smtClean="0"/>
-              <a:pPr>
-                <a:defRPr/>
-              </a:pPr>
-              <a:t>17/05/2012</a:t>
+              <a:t>22/05/2012</a:t>
             </a:fld>
             <a:endParaRPr lang="pt-BR"/>
           </a:p>
@@ -5835,12 +5902,9 @@
             <a:pPr>
               <a:defRPr/>
             </a:pPr>
-            <a:fld id="{BFA1B665-AFC7-49F0-8309-B0D524735A69}" type="datetime1">
+            <a:fld id="{64426615-8B18-45D0-BDD0-BA6CE464B9BB}" type="datetime1">
               <a:rPr lang="pt-BR" smtClean="0"/>
-              <a:pPr>
-                <a:defRPr/>
-              </a:pPr>
-              <a:t>17/05/2012</a:t>
+              <a:t>22/05/2012</a:t>
             </a:fld>
             <a:endParaRPr lang="pt-BR"/>
           </a:p>
@@ -5952,12 +6016,9 @@
             <a:pPr>
               <a:defRPr/>
             </a:pPr>
-            <a:fld id="{224F40D6-50D9-41CF-A7D0-FF437F5524B1}" type="datetime1">
+            <a:fld id="{EB53657D-1036-4CF3-9576-05FA4F2B342A}" type="datetime1">
               <a:rPr lang="pt-BR" smtClean="0"/>
-              <a:pPr>
-                <a:defRPr/>
-              </a:pPr>
-              <a:t>17/05/2012</a:t>
+              <a:t>22/05/2012</a:t>
             </a:fld>
             <a:endParaRPr lang="pt-BR"/>
           </a:p>
@@ -6228,12 +6289,9 @@
             <a:pPr>
               <a:defRPr/>
             </a:pPr>
-            <a:fld id="{4BD6C902-3F3E-4D4C-ABB1-256ED3FA33D5}" type="datetime1">
+            <a:fld id="{C7DEEE8A-01BF-4795-9D78-80FC85A69CA7}" type="datetime1">
               <a:rPr lang="pt-BR" smtClean="0"/>
-              <a:pPr>
-                <a:defRPr/>
-              </a:pPr>
-              <a:t>17/05/2012</a:t>
+              <a:t>22/05/2012</a:t>
             </a:fld>
             <a:endParaRPr lang="pt-BR"/>
           </a:p>
@@ -6512,12 +6570,9 @@
             <a:pPr>
               <a:defRPr/>
             </a:pPr>
-            <a:fld id="{57C2A98F-05F6-48F8-A21F-3ECAEA3B5D43}" type="datetime1">
+            <a:fld id="{4BD42BD9-79A2-4DD9-A191-3C4F29AB8E05}" type="datetime1">
               <a:rPr lang="pt-BR" smtClean="0"/>
-              <a:pPr>
-                <a:defRPr/>
-              </a:pPr>
-              <a:t>17/05/2012</a:t>
+              <a:t>22/05/2012</a:t>
             </a:fld>
             <a:endParaRPr lang="pt-BR"/>
           </a:p>
@@ -6990,12 +7045,9 @@
             <a:pPr>
               <a:defRPr/>
             </a:pPr>
-            <a:fld id="{F2EC0DF7-6950-4DFB-9681-08CDE4FE5FFA}" type="datetime1">
+            <a:fld id="{F6FD5E22-8E3B-45D5-8F9D-7849C6A68613}" type="datetime1">
               <a:rPr lang="pt-BR" smtClean="0"/>
-              <a:pPr>
-                <a:defRPr/>
-              </a:pPr>
-              <a:t>17/05/2012</a:t>
+              <a:t>22/05/2012</a:t>
             </a:fld>
             <a:endParaRPr lang="pt-BR"/>
           </a:p>
@@ -9931,6 +9983,35 @@
           </a:p>
         </p:txBody>
       </p:sp>
+      <p:sp>
+        <p:nvSpPr>
+          <p:cNvPr id="49" name="Espaço Reservado para Número de Slide 48"/>
+          <p:cNvSpPr>
+            <a:spLocks noGrp="1"/>
+          </p:cNvSpPr>
+          <p:nvPr>
+            <p:ph type="sldNum" sz="quarter" idx="12"/>
+          </p:nvPr>
+        </p:nvSpPr>
+        <p:spPr/>
+        <p:txBody>
+          <a:bodyPr/>
+          <a:lstStyle/>
+          <a:p>
+            <a:pPr>
+              <a:defRPr/>
+            </a:pPr>
+            <a:fld id="{D1F84DE9-09E8-4142-8EB6-8063466A07AD}" type="slidenum">
+              <a:rPr lang="pt-BR" smtClean="0"/>
+              <a:pPr>
+                <a:defRPr/>
+              </a:pPr>
+              <a:t>10</a:t>
+            </a:fld>
+            <a:endParaRPr lang="pt-BR"/>
+          </a:p>
+        </p:txBody>
+      </p:sp>
     </p:spTree>
   </p:cSld>
   <p:clrMapOvr>
@@ -10354,6 +10435,35 @@
           </a:p>
         </p:txBody>
       </p:sp>
+      <p:sp>
+        <p:nvSpPr>
+          <p:cNvPr id="4" name="Espaço Reservado para Número de Slide 3"/>
+          <p:cNvSpPr>
+            <a:spLocks noGrp="1"/>
+          </p:cNvSpPr>
+          <p:nvPr>
+            <p:ph type="sldNum" sz="quarter" idx="12"/>
+          </p:nvPr>
+        </p:nvSpPr>
+        <p:spPr/>
+        <p:txBody>
+          <a:bodyPr/>
+          <a:lstStyle/>
+          <a:p>
+            <a:pPr>
+              <a:defRPr/>
+            </a:pPr>
+            <a:fld id="{52A4181B-C67A-4EAE-8041-178118B632CB}" type="slidenum">
+              <a:rPr lang="pt-BR" smtClean="0"/>
+              <a:pPr>
+                <a:defRPr/>
+              </a:pPr>
+              <a:t>12</a:t>
+            </a:fld>
+            <a:endParaRPr lang="pt-BR"/>
+          </a:p>
+        </p:txBody>
+      </p:sp>
     </p:spTree>
   </p:cSld>
   <p:clrMapOvr>
@@ -10401,9 +10511,28 @@
           <a:bodyPr/>
           <a:lstStyle/>
           <a:p>
-            <a:r>
-              <a:rPr lang="pt-BR" dirty="0" smtClean="0"/>
-              <a:t>Exercício</a:t>
+            <a:pPr rtl="0" eaLnBrk="1" fontAlgn="base" hangingPunct="1"/>
+            <a:r>
+              <a:rPr lang="pt-BR" sz="4600" kern="1200" dirty="0" smtClean="0">
+                <a:solidFill>
+                  <a:schemeClr val="tx1"/>
+                </a:solidFill>
+                <a:latin typeface="+mj-lt"/>
+                <a:ea typeface="+mj-ea"/>
+                <a:cs typeface="+mj-cs"/>
+              </a:rPr>
+              <a:t>Cláusula </a:t>
+            </a:r>
+            <a:r>
+              <a:rPr lang="pt-BR" sz="4600" kern="1200" dirty="0" err="1" smtClean="0">
+                <a:solidFill>
+                  <a:schemeClr val="tx1"/>
+                </a:solidFill>
+                <a:latin typeface="+mj-lt"/>
+                <a:ea typeface="+mj-ea"/>
+                <a:cs typeface="+mj-cs"/>
+              </a:rPr>
+              <a:t>finally</a:t>
             </a:r>
             <a:endParaRPr lang="pt-BR" dirty="0"/>
           </a:p>
@@ -10411,7 +10540,7 @@
       </p:sp>
       <p:sp>
         <p:nvSpPr>
-          <p:cNvPr id="3" name="Espaço Reservado para Conteúdo 2"/>
+          <p:cNvPr id="6" name="Espaço Reservado para Conteúdo 5"/>
           <p:cNvSpPr>
             <a:spLocks noGrp="1"/>
           </p:cNvSpPr>
@@ -10424,13 +10553,60 @@
           <a:bodyPr/>
           <a:lstStyle/>
           <a:p>
-            <a:endParaRPr lang="pt-BR"/>
-          </a:p>
-        </p:txBody>
-      </p:sp>
-      <p:sp>
-        <p:nvSpPr>
-          <p:cNvPr id="4" name="Espaço Reservado para Número de Slide 3"/>
+            <a:pPr>
+              <a:spcBef>
+                <a:spcPts val="3000"/>
+              </a:spcBef>
+            </a:pPr>
+            <a:r>
+              <a:rPr lang="pt-BR" sz="2800" dirty="0" smtClean="0"/>
+              <a:t>Bloco de código associado ao </a:t>
+            </a:r>
+            <a:r>
+              <a:rPr lang="pt-BR" sz="2800" dirty="0" err="1" smtClean="0"/>
+              <a:t>try</a:t>
+            </a:r>
+            <a:r>
+              <a:rPr lang="pt-BR" sz="2800" dirty="0" smtClean="0"/>
+              <a:t>/catch que garante a execução de </a:t>
+            </a:r>
+            <a:r>
+              <a:rPr lang="pt-BR" sz="2800" smtClean="0"/>
+              <a:t>instruções mesmo </a:t>
+            </a:r>
+            <a:r>
+              <a:rPr lang="pt-BR" sz="2800" dirty="0" smtClean="0"/>
+              <a:t>quando não ocorre exceções</a:t>
+            </a:r>
+          </a:p>
+          <a:p>
+            <a:pPr>
+              <a:spcBef>
+                <a:spcPts val="3000"/>
+              </a:spcBef>
+            </a:pPr>
+            <a:r>
+              <a:rPr lang="pt-BR" sz="2800" dirty="0" smtClean="0"/>
+              <a:t>Define um bloco de código que será executado 100% das vezes</a:t>
+            </a:r>
+          </a:p>
+          <a:p>
+            <a:pPr>
+              <a:spcBef>
+                <a:spcPts val="3000"/>
+              </a:spcBef>
+            </a:pPr>
+            <a:r>
+              <a:rPr lang="pt-BR" sz="2800" dirty="0" smtClean="0"/>
+              <a:t>Geralmente utilizado para finalizar alguma pendência que o método deixou</a:t>
+            </a:r>
+            <a:endParaRPr lang="pt-BR" sz="2800" dirty="0"/>
+          </a:p>
+        </p:txBody>
+      </p:sp>
+      <p:sp>
+        <p:nvSpPr>
+          <p:cNvPr id="5" name="Espaço Reservado para Número de Slide 4"/>
           <p:cNvSpPr>
             <a:spLocks noGrp="1"/>
           </p:cNvSpPr>
@@ -10446,7 +10622,7 @@
             <a:pPr>
               <a:defRPr/>
             </a:pPr>
-            <a:fld id="{52A4181B-C67A-4EAE-8041-178118B632CB}" type="slidenum">
+            <a:fld id="{DAB16DC1-F000-4B90-9425-1E014EE80EC3}" type="slidenum">
               <a:rPr lang="pt-BR" smtClean="0"/>
               <a:pPr>
                 <a:defRPr/>
@@ -10541,59 +10717,503 @@
             <p:ph idx="1"/>
           </p:nvPr>
         </p:nvSpPr>
-        <p:spPr/>
+        <p:spPr>
+          <a:xfrm>
+            <a:off x="1289720" y="1351309"/>
+            <a:ext cx="5802560" cy="4525963"/>
+          </a:xfrm>
+        </p:spPr>
         <p:txBody>
           <a:bodyPr/>
           <a:lstStyle/>
           <a:p>
-            <a:pPr>
+            <a:pPr marL="0" indent="0">
               <a:spcBef>
-                <a:spcPts val="3000"/>
+                <a:spcPts val="0"/>
               </a:spcBef>
-            </a:pPr>
-            <a:r>
-              <a:rPr lang="pt-BR" sz="2800" dirty="0" smtClean="0"/>
-              <a:t>Bloco de código associado ao </a:t>
-            </a:r>
-            <a:r>
-              <a:rPr lang="pt-BR" sz="2800" dirty="0" err="1" smtClean="0"/>
+              <a:buNone/>
+              <a:tabLst>
+                <a:tab pos="442913" algn="l"/>
+                <a:tab pos="900113" algn="l"/>
+              </a:tabLst>
+            </a:pPr>
+            <a:r>
+              <a:rPr lang="pt-BR" sz="2000" dirty="0" err="1" smtClean="0"/>
+              <a:t>public</a:t>
+            </a:r>
+            <a:r>
+              <a:rPr lang="pt-BR" sz="2000" dirty="0" smtClean="0"/>
+              <a:t> </a:t>
+            </a:r>
+            <a:r>
+              <a:rPr lang="pt-BR" sz="2000" dirty="0" err="1" smtClean="0"/>
+              <a:t>double</a:t>
+            </a:r>
+            <a:r>
+              <a:rPr lang="pt-BR" sz="2000" dirty="0" smtClean="0"/>
+              <a:t> </a:t>
+            </a:r>
+            <a:r>
+              <a:rPr lang="pt-BR" sz="2000" dirty="0" err="1" smtClean="0"/>
+              <a:t>obterSaldo</a:t>
+            </a:r>
+            <a:r>
+              <a:rPr lang="pt-BR" sz="2000" dirty="0" smtClean="0"/>
+              <a:t>() </a:t>
+            </a:r>
+            <a:r>
+              <a:rPr lang="pt-BR" sz="2000" dirty="0" err="1" smtClean="0"/>
+              <a:t>throws</a:t>
+            </a:r>
+            <a:r>
+              <a:rPr lang="pt-BR" sz="2000" dirty="0" smtClean="0"/>
+              <a:t> </a:t>
+            </a:r>
+            <a:r>
+              <a:rPr lang="pt-BR" sz="2000" dirty="0" err="1" smtClean="0">
+                <a:solidFill>
+                  <a:srgbClr val="FFC000"/>
+                </a:solidFill>
+              </a:rPr>
+              <a:t>IOException</a:t>
+            </a:r>
+            <a:r>
+              <a:rPr lang="pt-BR" sz="2000" dirty="0" smtClean="0"/>
+              <a:t> {</a:t>
+            </a:r>
+          </a:p>
+          <a:p>
+            <a:pPr marL="0" indent="0">
+              <a:spcBef>
+                <a:spcPts val="0"/>
+              </a:spcBef>
+              <a:buNone/>
+              <a:tabLst>
+                <a:tab pos="442913" algn="l"/>
+                <a:tab pos="900113" algn="l"/>
+              </a:tabLst>
+            </a:pPr>
+            <a:r>
+              <a:rPr lang="pt-BR" sz="2000" dirty="0" smtClean="0"/>
+              <a:t>	</a:t>
+            </a:r>
+            <a:r>
+              <a:rPr lang="pt-BR" sz="2000" dirty="0" err="1" smtClean="0"/>
+              <a:t>Conexao</a:t>
+            </a:r>
+            <a:r>
+              <a:rPr lang="pt-BR" sz="2000" dirty="0" smtClean="0"/>
+              <a:t> </a:t>
+            </a:r>
+            <a:r>
+              <a:rPr lang="pt-BR" sz="2000" dirty="0" err="1" smtClean="0"/>
+              <a:t>cn</a:t>
+            </a:r>
+            <a:r>
+              <a:rPr lang="pt-BR" sz="2000" dirty="0" smtClean="0"/>
+              <a:t> = </a:t>
+            </a:r>
+            <a:r>
+              <a:rPr lang="pt-BR" sz="2000" dirty="0" err="1" smtClean="0"/>
+              <a:t>null</a:t>
+            </a:r>
+            <a:r>
+              <a:rPr lang="pt-BR" sz="2000" dirty="0" smtClean="0"/>
+              <a:t>;</a:t>
+            </a:r>
+          </a:p>
+          <a:p>
+            <a:pPr marL="0" indent="0">
+              <a:spcBef>
+                <a:spcPts val="0"/>
+              </a:spcBef>
+              <a:buNone/>
+              <a:tabLst>
+                <a:tab pos="442913" algn="l"/>
+                <a:tab pos="900113" algn="l"/>
+              </a:tabLst>
+            </a:pPr>
+            <a:r>
+              <a:rPr lang="pt-BR" sz="2000" dirty="0" smtClean="0"/>
+              <a:t>	</a:t>
+            </a:r>
+            <a:r>
+              <a:rPr lang="pt-BR" sz="2000" dirty="0" err="1" smtClean="0"/>
               <a:t>try</a:t>
             </a:r>
             <a:r>
-              <a:rPr lang="pt-BR" sz="2800" dirty="0" smtClean="0"/>
-              <a:t>/catch que garante a execução de </a:t>
-            </a:r>
-            <a:r>
-              <a:rPr lang="pt-BR" sz="2800" smtClean="0"/>
-              <a:t>instruções mesmo </a:t>
-            </a:r>
-            <a:r>
-              <a:rPr lang="pt-BR" sz="2800" dirty="0" smtClean="0"/>
-              <a:t>quando não ocorre exceções</a:t>
-            </a:r>
-          </a:p>
-          <a:p>
-            <a:pPr>
+              <a:rPr lang="pt-BR" sz="2000" dirty="0" smtClean="0"/>
+              <a:t> {</a:t>
+            </a:r>
+          </a:p>
+          <a:p>
+            <a:pPr marL="0" indent="0">
               <a:spcBef>
-                <a:spcPts val="3000"/>
+                <a:spcPts val="0"/>
               </a:spcBef>
-            </a:pPr>
-            <a:r>
-              <a:rPr lang="pt-BR" sz="2800" dirty="0" smtClean="0"/>
-              <a:t>Define um bloco de código que será executado 100% das vezes</a:t>
-            </a:r>
-          </a:p>
-          <a:p>
-            <a:pPr>
+              <a:buNone/>
+              <a:tabLst>
+                <a:tab pos="442913" algn="l"/>
+                <a:tab pos="900113" algn="l"/>
+              </a:tabLst>
+            </a:pPr>
+            <a:r>
+              <a:rPr lang="pt-BR" sz="2000" dirty="0" smtClean="0"/>
+              <a:t>		</a:t>
+            </a:r>
+            <a:r>
+              <a:rPr lang="pt-BR" sz="2000" dirty="0" err="1" smtClean="0"/>
+              <a:t>cn</a:t>
+            </a:r>
+            <a:r>
+              <a:rPr lang="pt-BR" sz="2000" dirty="0" smtClean="0"/>
+              <a:t> = </a:t>
+            </a:r>
+            <a:r>
+              <a:rPr lang="pt-BR" sz="2000" dirty="0" err="1" smtClean="0"/>
+              <a:t>abrirConexao</a:t>
+            </a:r>
+            <a:r>
+              <a:rPr lang="pt-BR" sz="2000" dirty="0" smtClean="0"/>
+              <a:t>();</a:t>
+            </a:r>
+          </a:p>
+          <a:p>
+            <a:pPr marL="0" indent="0">
               <a:spcBef>
-                <a:spcPts val="3000"/>
+                <a:spcPts val="0"/>
               </a:spcBef>
-            </a:pPr>
-            <a:r>
-              <a:rPr lang="pt-BR" sz="2800" dirty="0" smtClean="0"/>
-              <a:t>Geralmente utilizado para finalizar alguma pendência que o método deixou</a:t>
-            </a:r>
-            <a:endParaRPr lang="pt-BR" sz="2800" dirty="0"/>
+              <a:buNone/>
+              <a:tabLst>
+                <a:tab pos="442913" algn="l"/>
+                <a:tab pos="900113" algn="l"/>
+              </a:tabLst>
+            </a:pPr>
+            <a:r>
+              <a:rPr lang="pt-BR" sz="2000" dirty="0" smtClean="0"/>
+              <a:t>		Conta c1 = </a:t>
+            </a:r>
+            <a:r>
+              <a:rPr lang="pt-BR" sz="2000" dirty="0" err="1" smtClean="0"/>
+              <a:t>cn</a:t>
+            </a:r>
+            <a:r>
+              <a:rPr lang="pt-BR" sz="2000" dirty="0" smtClean="0"/>
+              <a:t>.</a:t>
+            </a:r>
+            <a:r>
+              <a:rPr lang="pt-BR" sz="2000" dirty="0" err="1" smtClean="0"/>
+              <a:t>obterConta</a:t>
+            </a:r>
+            <a:r>
+              <a:rPr lang="pt-BR" sz="2000" dirty="0" smtClean="0"/>
+              <a:t>();</a:t>
+            </a:r>
+          </a:p>
+          <a:p>
+            <a:pPr marL="0" indent="0">
+              <a:spcBef>
+                <a:spcPts val="0"/>
+              </a:spcBef>
+              <a:buNone/>
+              <a:tabLst>
+                <a:tab pos="442913" algn="l"/>
+                <a:tab pos="900113" algn="l"/>
+              </a:tabLst>
+            </a:pPr>
+            <a:r>
+              <a:rPr lang="pt-BR" sz="2000" dirty="0" smtClean="0"/>
+              <a:t>		</a:t>
+            </a:r>
+            <a:r>
+              <a:rPr lang="pt-BR" sz="2000" dirty="0" err="1" smtClean="0"/>
+              <a:t>double</a:t>
+            </a:r>
+            <a:r>
+              <a:rPr lang="pt-BR" sz="2000" dirty="0" smtClean="0"/>
+              <a:t> saldo = c1.</a:t>
+            </a:r>
+            <a:r>
+              <a:rPr lang="pt-BR" sz="2000" dirty="0" err="1" smtClean="0"/>
+              <a:t>getSaldo</a:t>
+            </a:r>
+            <a:r>
+              <a:rPr lang="pt-BR" sz="2000" dirty="0" smtClean="0"/>
+              <a:t>();</a:t>
+            </a:r>
+          </a:p>
+          <a:p>
+            <a:pPr marL="0" indent="0">
+              <a:spcBef>
+                <a:spcPts val="0"/>
+              </a:spcBef>
+              <a:buNone/>
+              <a:tabLst>
+                <a:tab pos="442913" algn="l"/>
+                <a:tab pos="900113" algn="l"/>
+              </a:tabLst>
+            </a:pPr>
+            <a:r>
+              <a:rPr lang="pt-BR" sz="2000" dirty="0" smtClean="0"/>
+              <a:t>		</a:t>
+            </a:r>
+            <a:r>
+              <a:rPr lang="pt-BR" sz="2000" dirty="0" err="1" smtClean="0"/>
+              <a:t>cn</a:t>
+            </a:r>
+            <a:r>
+              <a:rPr lang="pt-BR" sz="2000" dirty="0" smtClean="0"/>
+              <a:t>.</a:t>
+            </a:r>
+            <a:r>
+              <a:rPr lang="pt-BR" sz="2000" dirty="0" err="1" smtClean="0"/>
+              <a:t>gravarNoArquivo</a:t>
+            </a:r>
+            <a:r>
+              <a:rPr lang="pt-BR" sz="2000" dirty="0" smtClean="0"/>
+              <a:t>(saldo);</a:t>
+            </a:r>
+          </a:p>
+          <a:p>
+            <a:pPr marL="0" indent="0">
+              <a:spcBef>
+                <a:spcPts val="0"/>
+              </a:spcBef>
+              <a:buNone/>
+              <a:tabLst>
+                <a:tab pos="442913" algn="l"/>
+                <a:tab pos="900113" algn="l"/>
+              </a:tabLst>
+            </a:pPr>
+            <a:r>
+              <a:rPr lang="pt-BR" sz="2000" dirty="0" smtClean="0"/>
+              <a:t>		</a:t>
+            </a:r>
+            <a:r>
+              <a:rPr lang="pt-BR" sz="2000" dirty="0" err="1" smtClean="0"/>
+              <a:t>return</a:t>
+            </a:r>
+            <a:r>
+              <a:rPr lang="pt-BR" sz="2000" dirty="0" smtClean="0"/>
+              <a:t> saldo;</a:t>
+            </a:r>
+          </a:p>
+          <a:p>
+            <a:pPr marL="0" indent="0">
+              <a:spcBef>
+                <a:spcPts val="0"/>
+              </a:spcBef>
+              <a:buNone/>
+              <a:tabLst>
+                <a:tab pos="442913" algn="l"/>
+                <a:tab pos="900113" algn="l"/>
+              </a:tabLst>
+            </a:pPr>
+            <a:endParaRPr lang="pt-BR" sz="2000" dirty="0" smtClean="0"/>
+          </a:p>
+          <a:p>
+            <a:pPr marL="0" indent="0">
+              <a:spcBef>
+                <a:spcPts val="0"/>
+              </a:spcBef>
+              <a:buNone/>
+              <a:tabLst>
+                <a:tab pos="442913" algn="l"/>
+                <a:tab pos="900113" algn="l"/>
+              </a:tabLst>
+            </a:pPr>
+            <a:r>
+              <a:rPr lang="pt-BR" sz="2000" dirty="0" smtClean="0"/>
+              <a:t>	} catch (</a:t>
+            </a:r>
+            <a:r>
+              <a:rPr lang="pt-BR" sz="2000" dirty="0" err="1" smtClean="0">
+                <a:solidFill>
+                  <a:srgbClr val="FFC000"/>
+                </a:solidFill>
+              </a:rPr>
+              <a:t>SQLException</a:t>
+            </a:r>
+            <a:r>
+              <a:rPr lang="pt-BR" sz="2000" dirty="0" smtClean="0"/>
+              <a:t> </a:t>
+            </a:r>
+            <a:r>
+              <a:rPr lang="pt-BR" sz="2000" dirty="0" err="1" smtClean="0"/>
+              <a:t>sqle</a:t>
+            </a:r>
+            <a:r>
+              <a:rPr lang="pt-BR" sz="2000" dirty="0" smtClean="0"/>
+              <a:t>) {</a:t>
+            </a:r>
+          </a:p>
+          <a:p>
+            <a:pPr marL="0" indent="0">
+              <a:spcBef>
+                <a:spcPts val="0"/>
+              </a:spcBef>
+              <a:buNone/>
+              <a:tabLst>
+                <a:tab pos="442913" algn="l"/>
+                <a:tab pos="900113" algn="l"/>
+              </a:tabLst>
+            </a:pPr>
+            <a:r>
+              <a:rPr lang="pt-BR" sz="2000" dirty="0" smtClean="0"/>
+              <a:t>		System.</a:t>
+            </a:r>
+            <a:r>
+              <a:rPr lang="pt-BR" sz="2000" dirty="0" err="1" smtClean="0"/>
+              <a:t>out.println</a:t>
+            </a:r>
+            <a:r>
+              <a:rPr lang="pt-BR" sz="2000" dirty="0" smtClean="0"/>
+              <a:t>("Erro ao acessar BD");</a:t>
+            </a:r>
+          </a:p>
+          <a:p>
+            <a:pPr marL="0" indent="0">
+              <a:spcBef>
+                <a:spcPts val="0"/>
+              </a:spcBef>
+              <a:buNone/>
+              <a:tabLst>
+                <a:tab pos="442913" algn="l"/>
+                <a:tab pos="900113" algn="l"/>
+              </a:tabLst>
+            </a:pPr>
+            <a:r>
+              <a:rPr lang="pt-BR" sz="2000" dirty="0" smtClean="0"/>
+              <a:t>	} catch (</a:t>
+            </a:r>
+            <a:r>
+              <a:rPr lang="pt-BR" sz="2000" dirty="0" err="1" smtClean="0">
+                <a:solidFill>
+                  <a:srgbClr val="FFC000"/>
+                </a:solidFill>
+              </a:rPr>
+              <a:t>RuntimeException</a:t>
+            </a:r>
+            <a:r>
+              <a:rPr lang="pt-BR" sz="2000" dirty="0" smtClean="0"/>
+              <a:t> e) {</a:t>
+            </a:r>
+          </a:p>
+          <a:p>
+            <a:pPr marL="0" indent="0">
+              <a:spcBef>
+                <a:spcPts val="0"/>
+              </a:spcBef>
+              <a:buNone/>
+              <a:tabLst>
+                <a:tab pos="442913" algn="l"/>
+                <a:tab pos="900113" algn="l"/>
+              </a:tabLst>
+            </a:pPr>
+            <a:r>
+              <a:rPr lang="pt-BR" sz="2000" dirty="0" smtClean="0"/>
+              <a:t>		System.</a:t>
+            </a:r>
+            <a:r>
+              <a:rPr lang="pt-BR" sz="2000" dirty="0" err="1" smtClean="0"/>
+              <a:t>out.println</a:t>
+            </a:r>
+            <a:r>
+              <a:rPr lang="pt-BR" sz="2000" dirty="0" smtClean="0"/>
+              <a:t>("Erro inesperado");</a:t>
+            </a:r>
+          </a:p>
+          <a:p>
+            <a:pPr marL="0" indent="0">
+              <a:spcBef>
+                <a:spcPts val="0"/>
+              </a:spcBef>
+              <a:buNone/>
+              <a:tabLst>
+                <a:tab pos="442913" algn="l"/>
+                <a:tab pos="900113" algn="l"/>
+              </a:tabLst>
+            </a:pPr>
+            <a:r>
+              <a:rPr lang="pt-BR" sz="2000" dirty="0" smtClean="0"/>
+              <a:t>	} </a:t>
+            </a:r>
+            <a:r>
+              <a:rPr lang="pt-BR" sz="2000" dirty="0" err="1" smtClean="0">
+                <a:solidFill>
+                  <a:srgbClr val="FFC000"/>
+                </a:solidFill>
+              </a:rPr>
+              <a:t>finally</a:t>
+            </a:r>
+            <a:r>
+              <a:rPr lang="pt-BR" sz="2000" dirty="0" smtClean="0"/>
+              <a:t> {</a:t>
+            </a:r>
+          </a:p>
+          <a:p>
+            <a:pPr marL="0" indent="0">
+              <a:spcBef>
+                <a:spcPts val="0"/>
+              </a:spcBef>
+              <a:buNone/>
+              <a:tabLst>
+                <a:tab pos="442913" algn="l"/>
+                <a:tab pos="900113" algn="l"/>
+              </a:tabLst>
+            </a:pPr>
+            <a:r>
+              <a:rPr lang="pt-BR" sz="2000" dirty="0" smtClean="0"/>
+              <a:t>		</a:t>
+            </a:r>
+            <a:r>
+              <a:rPr lang="pt-BR" sz="2000" dirty="0" err="1" smtClean="0"/>
+              <a:t>fecharConexao</a:t>
+            </a:r>
+            <a:r>
+              <a:rPr lang="pt-BR" sz="2000" dirty="0" smtClean="0"/>
+              <a:t>(</a:t>
+            </a:r>
+            <a:r>
+              <a:rPr lang="pt-BR" sz="2000" dirty="0" err="1" smtClean="0"/>
+              <a:t>cn</a:t>
+            </a:r>
+            <a:r>
+              <a:rPr lang="pt-BR" sz="2000" dirty="0" smtClean="0"/>
+              <a:t>);</a:t>
+            </a:r>
+          </a:p>
+          <a:p>
+            <a:pPr marL="0" indent="0">
+              <a:spcBef>
+                <a:spcPts val="0"/>
+              </a:spcBef>
+              <a:buNone/>
+              <a:tabLst>
+                <a:tab pos="442913" algn="l"/>
+                <a:tab pos="900113" algn="l"/>
+              </a:tabLst>
+            </a:pPr>
+            <a:r>
+              <a:rPr lang="pt-BR" sz="2000" dirty="0" smtClean="0"/>
+              <a:t>	}</a:t>
+            </a:r>
+          </a:p>
+          <a:p>
+            <a:pPr marL="0" indent="0">
+              <a:spcBef>
+                <a:spcPts val="0"/>
+              </a:spcBef>
+              <a:buNone/>
+              <a:tabLst>
+                <a:tab pos="442913" algn="l"/>
+                <a:tab pos="900113" algn="l"/>
+              </a:tabLst>
+            </a:pPr>
+            <a:r>
+              <a:rPr lang="pt-BR" sz="2000" dirty="0" smtClean="0"/>
+              <a:t>}</a:t>
+            </a:r>
           </a:p>
         </p:txBody>
       </p:sp>
@@ -10668,7 +11288,12 @@
             <p:ph type="title"/>
           </p:nvPr>
         </p:nvSpPr>
-        <p:spPr/>
+        <p:spPr>
+          <a:xfrm>
+            <a:off x="457200" y="274638"/>
+            <a:ext cx="8003232" cy="1143000"/>
+          </a:xfrm>
+        </p:spPr>
         <p:txBody>
           <a:bodyPr/>
           <a:lstStyle/>
@@ -10683,18 +11308,7 @@
                 <a:ea typeface="+mj-ea"/>
                 <a:cs typeface="+mj-cs"/>
               </a:rPr>
-              <a:t>Cláusula </a:t>
-            </a:r>
-            <a:r>
-              <a:rPr lang="pt-BR" sz="4600" kern="1200" dirty="0" err="1" smtClean="0">
-                <a:solidFill>
-                  <a:schemeClr val="tx1"/>
-                </a:solidFill>
-                <a:latin typeface="+mj-lt"/>
-                <a:ea typeface="+mj-ea"/>
-                <a:cs typeface="+mj-cs"/>
-              </a:rPr>
-              <a:t>finally</a:t>
+              <a:t>Principais métodos de exceções</a:t>
             </a:r>
             <a:endParaRPr lang="pt-BR" dirty="0"/>
           </a:p>
@@ -10710,57 +11324,134 @@
             <p:ph idx="1"/>
           </p:nvPr>
         </p:nvSpPr>
-        <p:spPr>
-          <a:xfrm>
-            <a:off x="1289720" y="1351309"/>
-            <a:ext cx="5802560" cy="4525963"/>
-          </a:xfrm>
-        </p:spPr>
+        <p:spPr/>
         <p:txBody>
           <a:bodyPr/>
           <a:lstStyle/>
           <a:p>
-            <a:pPr marL="0" indent="0">
-              <a:spcBef>
-                <a:spcPts val="0"/>
-              </a:spcBef>
+            <a:r>
+              <a:rPr lang="pt-BR" dirty="0" err="1" smtClean="0"/>
+              <a:t>getMessage</a:t>
+            </a:r>
+            <a:r>
+              <a:rPr lang="pt-BR" dirty="0" smtClean="0"/>
+              <a:t>()</a:t>
+            </a:r>
+          </a:p>
+          <a:p>
+            <a:pPr lvl="1"/>
+            <a:r>
+              <a:rPr lang="pt-BR" dirty="0" smtClean="0"/>
+              <a:t>Retorna uma mensagem a respeito do problema que provocou a exception.</a:t>
+            </a:r>
+          </a:p>
+          <a:p>
+            <a:pPr marL="1260475" indent="0" defTabSz="873125">
               <a:buNone/>
               <a:tabLst>
-                <a:tab pos="442913" algn="l"/>
-                <a:tab pos="900113" algn="l"/>
+                <a:tab pos="1787525" algn="l"/>
+                <a:tab pos="2244725" algn="l"/>
+                <a:tab pos="2687638" algn="l"/>
               </a:tabLst>
             </a:pPr>
+            <a:endParaRPr lang="pt-BR" sz="2000" dirty="0" smtClean="0"/>
+          </a:p>
+          <a:p>
+            <a:pPr marL="1260475" indent="0" defTabSz="873125">
+              <a:buNone/>
+              <a:tabLst>
+                <a:tab pos="1787525" algn="l"/>
+                <a:tab pos="2244725" algn="l"/>
+                <a:tab pos="2687638" algn="l"/>
+              </a:tabLst>
+            </a:pPr>
             <a:r>
               <a:rPr lang="pt-BR" sz="2000" dirty="0" err="1" smtClean="0"/>
-              <a:t>public</a:t>
+              <a:t>try</a:t>
             </a:r>
             <a:r>
               <a:rPr lang="pt-BR" sz="2000" dirty="0" smtClean="0"/>
-              <a:t> </a:t>
+              <a:t> {</a:t>
+            </a:r>
+          </a:p>
+          <a:p>
+            <a:pPr marL="1260475" indent="0" defTabSz="873125">
+              <a:buNone/>
+              <a:tabLst>
+                <a:tab pos="1787525" algn="l"/>
+                <a:tab pos="2244725" algn="l"/>
+                <a:tab pos="2687638" algn="l"/>
+              </a:tabLst>
+            </a:pPr>
+            <a:r>
+              <a:rPr lang="pt-BR" sz="2000" dirty="0" smtClean="0"/>
+              <a:t>	...</a:t>
+            </a:r>
+          </a:p>
+          <a:p>
+            <a:pPr marL="1260475" indent="0" defTabSz="873125">
+              <a:buNone/>
+              <a:tabLst>
+                <a:tab pos="1787525" algn="l"/>
+                <a:tab pos="2244725" algn="l"/>
+                <a:tab pos="2687638" algn="l"/>
+              </a:tabLst>
+            </a:pPr>
+            <a:r>
+              <a:rPr lang="pt-BR" sz="2000" dirty="0" smtClean="0"/>
+              <a:t>} catch (Exception </a:t>
+            </a:r>
+            <a:r>
+              <a:rPr lang="pt-BR" sz="2000" dirty="0" smtClean="0">
+                <a:solidFill>
+                  <a:srgbClr val="FFC000"/>
+                </a:solidFill>
+              </a:rPr>
+              <a:t>e</a:t>
+            </a:r>
+            <a:r>
+              <a:rPr lang="pt-BR" sz="2000" dirty="0" smtClean="0"/>
+              <a:t>) {</a:t>
+            </a:r>
+          </a:p>
+          <a:p>
+            <a:pPr marL="1260475" indent="0" defTabSz="873125">
+              <a:buNone/>
+              <a:tabLst>
+                <a:tab pos="1787525" algn="l"/>
+                <a:tab pos="2244725" algn="l"/>
+                <a:tab pos="2687638" algn="l"/>
+              </a:tabLst>
+            </a:pPr>
+            <a:r>
+              <a:rPr lang="pt-BR" sz="2000" dirty="0" smtClean="0"/>
+              <a:t>	System.</a:t>
             </a:r>
             <a:r>
               <a:rPr lang="pt-BR" sz="2000" dirty="0" err="1" smtClean="0"/>
-              <a:t>double</a:t>
+              <a:t>out.println</a:t>
             </a:r>
             <a:r>
               <a:rPr lang="pt-BR" sz="2000" dirty="0" smtClean="0"/>
-              <a:t> </a:t>
-            </a:r>
-            <a:r>
-              <a:rPr lang="pt-BR" sz="2000" dirty="0" err="1" smtClean="0"/>
-              <a:t>obterSaldo</a:t>
-            </a:r>
-            <a:r>
-              <a:rPr lang="pt-BR" sz="2000" dirty="0" smtClean="0"/>
-              <a:t>() </a:t>
-            </a:r>
-            <a:r>
-              <a:rPr lang="pt-BR" sz="2000" dirty="0" err="1" smtClean="0"/>
-              <a:t>throws</a:t>
-            </a:r>
-            <a:r>
-              <a:rPr lang="pt-BR" sz="2000" dirty="0" smtClean="0"/>
-              <a:t> </a:t>
+              <a:t>(“Ocorreu um problema: ” +</a:t>
+            </a:r>
+          </a:p>
+          <a:p>
+            <a:pPr marL="1260475" indent="0" defTabSz="873125">
+              <a:buNone/>
+              <a:tabLst>
+                <a:tab pos="1787525" algn="l"/>
+                <a:tab pos="2244725" algn="l"/>
+                <a:tab pos="2687638" algn="l"/>
+              </a:tabLst>
+            </a:pPr>
+            <a:r>
+              <a:rPr lang="pt-BR" sz="2000" dirty="0" smtClean="0">
+                <a:solidFill>
+                  <a:srgbClr val="FFC000"/>
+                </a:solidFill>
+              </a:rPr>
+              <a:t>			</a:t>
             </a:r>
             <a:r>
               <a:rPr lang="pt-BR" sz="2000" dirty="0" err="1" smtClean="0">
@@ -10768,439 +11459,28 @@
                   <a:srgbClr val="FFC000"/>
                 </a:solidFill>
               </a:rPr>
-              <a:t>IOException</a:t>
-            </a:r>
-            <a:r>
-              <a:rPr lang="pt-BR" sz="2000" dirty="0" smtClean="0"/>
-              <a:t> {</a:t>
-            </a:r>
-          </a:p>
-          <a:p>
-            <a:pPr marL="0" indent="0">
-              <a:spcBef>
-                <a:spcPts val="0"/>
-              </a:spcBef>
-              <a:buNone/>
-              <a:tabLst>
-                <a:tab pos="442913" algn="l"/>
-                <a:tab pos="900113" algn="l"/>
-              </a:tabLst>
-            </a:pPr>
-            <a:r>
-              <a:rPr lang="pt-BR" sz="2000" dirty="0" smtClean="0"/>
-              <a:t>	</a:t>
-            </a:r>
-            <a:r>
-              <a:rPr lang="pt-BR" sz="2000" dirty="0" err="1" smtClean="0"/>
-              <a:t>Conexao</a:t>
-            </a:r>
-            <a:r>
-              <a:rPr lang="pt-BR" sz="2000" dirty="0" smtClean="0"/>
-              <a:t> </a:t>
-            </a:r>
-            <a:r>
-              <a:rPr lang="pt-BR" sz="2000" dirty="0" err="1" smtClean="0"/>
-              <a:t>cn</a:t>
-            </a:r>
-            <a:r>
-              <a:rPr lang="pt-BR" sz="2000" dirty="0" smtClean="0"/>
-              <a:t> = </a:t>
-            </a:r>
-            <a:r>
-              <a:rPr lang="pt-BR" sz="2000" dirty="0" err="1" smtClean="0"/>
-              <a:t>null</a:t>
-            </a:r>
-            <a:r>
-              <a:rPr lang="pt-BR" sz="2000" dirty="0" smtClean="0"/>
-              <a:t>;</a:t>
-            </a:r>
-          </a:p>
-          <a:p>
-            <a:pPr marL="0" indent="0">
-              <a:spcBef>
-                <a:spcPts val="0"/>
-              </a:spcBef>
-              <a:buNone/>
-              <a:tabLst>
-                <a:tab pos="442913" algn="l"/>
-                <a:tab pos="900113" algn="l"/>
-              </a:tabLst>
-            </a:pPr>
-            <a:r>
-              <a:rPr lang="pt-BR" sz="2000" dirty="0" smtClean="0"/>
-              <a:t>	</a:t>
-            </a:r>
-            <a:r>
-              <a:rPr lang="pt-BR" sz="2000" dirty="0" err="1" smtClean="0"/>
-              <a:t>try</a:t>
-            </a:r>
-            <a:r>
-              <a:rPr lang="pt-BR" sz="2000" dirty="0" smtClean="0"/>
-              <a:t> {</a:t>
-            </a:r>
-          </a:p>
-          <a:p>
-            <a:pPr marL="0" indent="0">
-              <a:spcBef>
-                <a:spcPts val="0"/>
-              </a:spcBef>
-              <a:buNone/>
-              <a:tabLst>
-                <a:tab pos="442913" algn="l"/>
-                <a:tab pos="900113" algn="l"/>
-              </a:tabLst>
-            </a:pPr>
-            <a:r>
-              <a:rPr lang="pt-BR" sz="2000" dirty="0" smtClean="0"/>
-              <a:t>		</a:t>
-            </a:r>
-            <a:r>
-              <a:rPr lang="pt-BR" sz="2000" dirty="0" err="1" smtClean="0"/>
-              <a:t>cn</a:t>
-            </a:r>
-            <a:r>
-              <a:rPr lang="pt-BR" sz="2000" dirty="0" smtClean="0"/>
-              <a:t> = </a:t>
-            </a:r>
-            <a:r>
-              <a:rPr lang="pt-BR" sz="2000" dirty="0" err="1" smtClean="0"/>
-              <a:t>abrirConexao</a:t>
-            </a:r>
-            <a:r>
-              <a:rPr lang="pt-BR" sz="2000" dirty="0" smtClean="0"/>
-              <a:t>();</a:t>
-            </a:r>
-          </a:p>
-          <a:p>
-            <a:pPr marL="0" indent="0">
-              <a:spcBef>
-                <a:spcPts val="0"/>
-              </a:spcBef>
-              <a:buNone/>
-              <a:tabLst>
-                <a:tab pos="442913" algn="l"/>
-                <a:tab pos="900113" algn="l"/>
-              </a:tabLst>
-            </a:pPr>
-            <a:r>
-              <a:rPr lang="pt-BR" sz="2000" dirty="0" smtClean="0"/>
-              <a:t>		Conta c1 = </a:t>
-            </a:r>
-            <a:r>
-              <a:rPr lang="pt-BR" sz="2000" dirty="0" err="1" smtClean="0"/>
-              <a:t>cn</a:t>
-            </a:r>
-            <a:r>
-              <a:rPr lang="pt-BR" sz="2000" dirty="0" smtClean="0"/>
-              <a:t>.</a:t>
-            </a:r>
-            <a:r>
-              <a:rPr lang="pt-BR" sz="2000" dirty="0" err="1" smtClean="0"/>
-              <a:t>obterConta</a:t>
-            </a:r>
-            <a:r>
-              <a:rPr lang="pt-BR" sz="2000" dirty="0" smtClean="0"/>
-              <a:t>();</a:t>
-            </a:r>
-          </a:p>
-          <a:p>
-            <a:pPr marL="0" indent="0">
-              <a:spcBef>
-                <a:spcPts val="0"/>
-              </a:spcBef>
-              <a:buNone/>
-              <a:tabLst>
-                <a:tab pos="442913" algn="l"/>
-                <a:tab pos="900113" algn="l"/>
-              </a:tabLst>
-            </a:pPr>
-            <a:r>
-              <a:rPr lang="pt-BR" sz="2000" dirty="0" smtClean="0"/>
-              <a:t>		</a:t>
-            </a:r>
-            <a:r>
-              <a:rPr lang="pt-BR" sz="2000" dirty="0" err="1" smtClean="0"/>
-              <a:t>double</a:t>
-            </a:r>
-            <a:r>
-              <a:rPr lang="pt-BR" sz="2000" dirty="0" smtClean="0"/>
-              <a:t> saldo = c1.</a:t>
-            </a:r>
-            <a:r>
-              <a:rPr lang="pt-BR" sz="2000" dirty="0" err="1" smtClean="0"/>
-              <a:t>getSaldo</a:t>
-            </a:r>
-            <a:r>
-              <a:rPr lang="pt-BR" sz="2000" dirty="0" smtClean="0"/>
-              <a:t>();</a:t>
-            </a:r>
-          </a:p>
-          <a:p>
-            <a:pPr marL="0" indent="0">
-              <a:spcBef>
-                <a:spcPts val="0"/>
-              </a:spcBef>
-              <a:buNone/>
-              <a:tabLst>
-                <a:tab pos="442913" algn="l"/>
-                <a:tab pos="900113" algn="l"/>
-              </a:tabLst>
-            </a:pPr>
-            <a:r>
-              <a:rPr lang="pt-BR" sz="2000" dirty="0" smtClean="0"/>
-              <a:t>		</a:t>
-            </a:r>
-            <a:r>
-              <a:rPr lang="pt-BR" sz="2000" dirty="0" err="1" smtClean="0"/>
-              <a:t>cn</a:t>
-            </a:r>
-            <a:r>
-              <a:rPr lang="pt-BR" sz="2000" dirty="0" smtClean="0"/>
-              <a:t>.</a:t>
-            </a:r>
-            <a:r>
-              <a:rPr lang="pt-BR" sz="2000" dirty="0" err="1" smtClean="0"/>
-              <a:t>gravarNoArquivo</a:t>
-            </a:r>
-            <a:r>
-              <a:rPr lang="pt-BR" sz="2000" dirty="0" smtClean="0"/>
-              <a:t>(saldo);</a:t>
-            </a:r>
-          </a:p>
-          <a:p>
-            <a:pPr marL="0" indent="0">
-              <a:spcBef>
-                <a:spcPts val="0"/>
-              </a:spcBef>
-              <a:buNone/>
-              <a:tabLst>
-                <a:tab pos="442913" algn="l"/>
-                <a:tab pos="900113" algn="l"/>
-              </a:tabLst>
-            </a:pPr>
-            <a:r>
-              <a:rPr lang="pt-BR" sz="2000" dirty="0" smtClean="0"/>
-              <a:t>		</a:t>
-            </a:r>
-            <a:r>
-              <a:rPr lang="pt-BR" sz="2000" dirty="0" err="1" smtClean="0"/>
-              <a:t>return</a:t>
-            </a:r>
-            <a:r>
-              <a:rPr lang="pt-BR" sz="2000" dirty="0" smtClean="0"/>
-              <a:t> saldo;</a:t>
-            </a:r>
-          </a:p>
-          <a:p>
-            <a:pPr marL="0" indent="0">
-              <a:spcBef>
-                <a:spcPts val="0"/>
-              </a:spcBef>
-              <a:buNone/>
-              <a:tabLst>
-                <a:tab pos="442913" algn="l"/>
-                <a:tab pos="900113" algn="l"/>
-              </a:tabLst>
-            </a:pPr>
-            <a:endParaRPr lang="pt-BR" sz="2000" dirty="0" smtClean="0"/>
-          </a:p>
-          <a:p>
-            <a:pPr marL="0" indent="0">
-              <a:spcBef>
-                <a:spcPts val="0"/>
-              </a:spcBef>
-              <a:buNone/>
-              <a:tabLst>
-                <a:tab pos="442913" algn="l"/>
-                <a:tab pos="900113" algn="l"/>
-              </a:tabLst>
-            </a:pPr>
-            <a:r>
-              <a:rPr lang="pt-BR" sz="2000" dirty="0" smtClean="0"/>
-              <a:t>	} catch (</a:t>
-            </a:r>
-            <a:r>
-              <a:rPr lang="pt-BR" sz="2000" dirty="0" err="1" smtClean="0">
+              <a:t>e.getMessage</a:t>
+            </a:r>
+            <a:r>
+              <a:rPr lang="pt-BR" sz="2000" dirty="0" smtClean="0">
                 <a:solidFill>
                   <a:srgbClr val="FFC000"/>
                 </a:solidFill>
               </a:rPr>
-              <a:t>SQLException</a:t>
+              <a:t>()</a:t>
             </a:r>
             <a:r>
               <a:rPr lang="pt-BR" sz="2000" dirty="0" smtClean="0"/>
-              <a:t> </a:t>
-            </a:r>
-            <a:r>
-              <a:rPr lang="pt-BR" sz="2000" dirty="0" err="1" smtClean="0"/>
-              <a:t>sqle</a:t>
-            </a:r>
-            <a:r>
-              <a:rPr lang="pt-BR" sz="2000" dirty="0" smtClean="0"/>
-              <a:t>) {</a:t>
-            </a:r>
-          </a:p>
-          <a:p>
-            <a:pPr marL="0" indent="0">
-              <a:spcBef>
-                <a:spcPts val="0"/>
-              </a:spcBef>
+              <a:t>);</a:t>
+            </a:r>
+          </a:p>
+          <a:p>
+            <a:pPr marL="1260475" indent="0" defTabSz="873125">
               <a:buNone/>
               <a:tabLst>
-                <a:tab pos="442913" algn="l"/>
-                <a:tab pos="900113" algn="l"/>
-              </a:tabLst>
-            </a:pPr>
-            <a:r>
-              <a:rPr lang="pt-BR" sz="2000" dirty="0" smtClean="0"/>
-              <a:t>		System.</a:t>
-            </a:r>
-            <a:r>
-              <a:rPr lang="pt-BR" sz="2000" dirty="0" err="1" smtClean="0"/>
-              <a:t>out.println</a:t>
-            </a:r>
-            <a:r>
-              <a:rPr lang="pt-BR" sz="2000" dirty="0" smtClean="0"/>
-              <a:t>("Erro ao acessar BD");</a:t>
-            </a:r>
-          </a:p>
-          <a:p>
-            <a:pPr marL="0" indent="0">
-              <a:spcBef>
-                <a:spcPts val="0"/>
-              </a:spcBef>
-              <a:buNone/>
-              <a:tabLst>
-                <a:tab pos="442913" algn="l"/>
-                <a:tab pos="900113" algn="l"/>
-              </a:tabLst>
-            </a:pPr>
-            <a:r>
-              <a:rPr lang="pt-BR" sz="2000" dirty="0" smtClean="0"/>
-              <a:t>	} catch (</a:t>
-            </a:r>
-            <a:r>
-              <a:rPr lang="pt-BR" sz="2000" dirty="0" err="1" smtClean="0">
-                <a:solidFill>
-                  <a:srgbClr val="FFC000"/>
-                </a:solidFill>
-              </a:rPr>
-              <a:t>RuntimeException</a:t>
-            </a:r>
-            <a:r>
-              <a:rPr lang="pt-BR" sz="2000" dirty="0" smtClean="0"/>
-              <a:t> e) {</a:t>
-            </a:r>
-          </a:p>
-          <a:p>
-            <a:pPr marL="0" indent="0">
-              <a:spcBef>
-                <a:spcPts val="0"/>
-              </a:spcBef>
-              <a:buNone/>
-              <a:tabLst>
-                <a:tab pos="442913" algn="l"/>
-                <a:tab pos="900113" algn="l"/>
-              </a:tabLst>
-            </a:pPr>
-            <a:r>
-              <a:rPr lang="pt-BR" sz="2000" dirty="0" smtClean="0"/>
-              <a:t>		System.</a:t>
-            </a:r>
-            <a:r>
-              <a:rPr lang="pt-BR" sz="2000" dirty="0" err="1" smtClean="0"/>
-              <a:t>out.println</a:t>
-            </a:r>
-            <a:r>
-              <a:rPr lang="pt-BR" sz="2000" dirty="0" smtClean="0"/>
-              <a:t>("Erro inesperado");</a:t>
-            </a:r>
-          </a:p>
-          <a:p>
-            <a:pPr marL="0" indent="0">
-              <a:spcBef>
-                <a:spcPts val="0"/>
-              </a:spcBef>
-              <a:buNone/>
-              <a:tabLst>
-                <a:tab pos="442913" algn="l"/>
-                <a:tab pos="900113" algn="l"/>
-              </a:tabLst>
-            </a:pPr>
-            <a:r>
-              <a:rPr lang="pt-BR" sz="2000" dirty="0" smtClean="0"/>
-              <a:t>	} </a:t>
-            </a:r>
-            <a:r>
-              <a:rPr lang="pt-BR" sz="2000" dirty="0" err="1" smtClean="0">
-                <a:solidFill>
-                  <a:srgbClr val="FFC000"/>
-                </a:solidFill>
-              </a:rPr>
-              <a:t>finally</a:t>
-            </a:r>
-            <a:r>
-              <a:rPr lang="pt-BR" sz="2000" dirty="0" smtClean="0"/>
-              <a:t> {</a:t>
-            </a:r>
-          </a:p>
-          <a:p>
-            <a:pPr marL="0" indent="0">
-              <a:spcBef>
-                <a:spcPts val="0"/>
-              </a:spcBef>
-              <a:buNone/>
-              <a:tabLst>
-                <a:tab pos="442913" algn="l"/>
-                <a:tab pos="900113" algn="l"/>
-              </a:tabLst>
-            </a:pPr>
-            <a:r>
-              <a:rPr lang="pt-BR" sz="2000" dirty="0" smtClean="0"/>
-              <a:t>		</a:t>
-            </a:r>
-            <a:r>
-              <a:rPr lang="pt-BR" sz="2000" dirty="0" err="1" smtClean="0"/>
-              <a:t>fecharConexao</a:t>
-            </a:r>
-            <a:r>
-              <a:rPr lang="pt-BR" sz="2000" dirty="0" smtClean="0"/>
-              <a:t>(</a:t>
-            </a:r>
-            <a:r>
-              <a:rPr lang="pt-BR" sz="2000" dirty="0" err="1" smtClean="0"/>
-              <a:t>cn</a:t>
-            </a:r>
-            <a:r>
-              <a:rPr lang="pt-BR" sz="2000" dirty="0" smtClean="0"/>
-              <a:t>);</a:t>
-            </a:r>
-          </a:p>
-          <a:p>
-            <a:pPr marL="0" indent="0">
-              <a:spcBef>
-                <a:spcPts val="0"/>
-              </a:spcBef>
-              <a:buNone/>
-              <a:tabLst>
-                <a:tab pos="442913" algn="l"/>
-                <a:tab pos="900113" algn="l"/>
-              </a:tabLst>
-            </a:pPr>
-            <a:r>
-              <a:rPr lang="pt-BR" sz="2000" dirty="0" smtClean="0"/>
-              <a:t>	}</a:t>
-            </a:r>
-          </a:p>
-          <a:p>
-            <a:pPr marL="0" indent="0">
-              <a:spcBef>
-                <a:spcPts val="0"/>
-              </a:spcBef>
-              <a:buNone/>
-              <a:tabLst>
-                <a:tab pos="442913" algn="l"/>
-                <a:tab pos="900113" algn="l"/>
+                <a:tab pos="1787525" algn="l"/>
+                <a:tab pos="2244725" algn="l"/>
+                <a:tab pos="2687638" algn="l"/>
               </a:tabLst>
             </a:pPr>
             <a:r>
@@ -11324,7 +11604,7 @@
           <a:p>
             <a:r>
               <a:rPr lang="pt-BR" dirty="0" err="1" smtClean="0"/>
-              <a:t>getMessage</a:t>
+              <a:t>printStackTrace</a:t>
             </a:r>
             <a:r>
               <a:rPr lang="pt-BR" dirty="0" smtClean="0"/>
@@ -11335,67 +11615,71 @@
             <a:pPr lvl="1"/>
             <a:r>
               <a:rPr lang="pt-BR" dirty="0" smtClean="0"/>
-              <a:t>Retorna uma mensagem a respeito do problema que provocou a exception.</a:t>
-            </a:r>
-          </a:p>
-          <a:p>
-            <a:pPr marL="1260475" indent="0" defTabSz="873125">
+              <a:t>Exibe em console a pilha de chamadas de métodos desde o método </a:t>
+            </a:r>
+            <a:r>
+              <a:rPr lang="pt-BR" dirty="0" err="1" smtClean="0"/>
+              <a:t>main</a:t>
+            </a:r>
+            <a:r>
+              <a:rPr lang="pt-BR" dirty="0" smtClean="0"/>
+              <a:t> até o momento em que a exception ocorreu.</a:t>
+            </a:r>
+          </a:p>
+          <a:p>
+            <a:pPr marL="1884363" indent="0" defTabSz="873125">
               <a:buNone/>
               <a:tabLst>
-                <a:tab pos="1787525" algn="l"/>
-                <a:tab pos="2244725" algn="l"/>
-                <a:tab pos="2687638" algn="l"/>
+                <a:tab pos="2327275" algn="l"/>
+                <a:tab pos="2784475" algn="l"/>
               </a:tabLst>
             </a:pPr>
-            <a:endParaRPr lang="pt-BR" sz="2000" dirty="0" smtClean="0"/>
-          </a:p>
-          <a:p>
-            <a:pPr marL="1260475" indent="0" defTabSz="873125">
+            <a:endParaRPr lang="pt-BR" sz="2400" dirty="0" smtClean="0"/>
+          </a:p>
+          <a:p>
+            <a:pPr marL="1884363" indent="0" defTabSz="873125">
               <a:buNone/>
               <a:tabLst>
-                <a:tab pos="1787525" algn="l"/>
-                <a:tab pos="2244725" algn="l"/>
-                <a:tab pos="2687638" algn="l"/>
+                <a:tab pos="2327275" algn="l"/>
+                <a:tab pos="2784475" algn="l"/>
               </a:tabLst>
             </a:pPr>
             <a:r>
-              <a:rPr lang="pt-BR" sz="2000" dirty="0" err="1" smtClean="0"/>
+              <a:rPr lang="pt-BR" sz="2400" dirty="0" err="1" smtClean="0"/>
               <a:t>try</a:t>
             </a:r>
             <a:r>
-              <a:rPr lang="pt-BR" sz="2000" dirty="0" smtClean="0"/>
+              <a:rPr lang="pt-BR" sz="2400" dirty="0" smtClean="0"/>
               <a:t> {</a:t>
             </a:r>
           </a:p>
           <a:p>
-            <a:pPr marL="1260475" indent="0" defTabSz="873125">
+            <a:pPr marL="1884363" indent="0" defTabSz="873125">
               <a:buNone/>
               <a:tabLst>
-                <a:tab pos="1787525" algn="l"/>
-                <a:tab pos="2244725" algn="l"/>
-                <a:tab pos="2687638" algn="l"/>
+                <a:tab pos="2327275" algn="l"/>
+                <a:tab pos="2784475" algn="l"/>
               </a:tabLst>
             </a:pPr>
             <a:r>
-              <a:rPr lang="pt-BR" sz="2000" dirty="0" smtClean="0"/>
+              <a:rPr lang="pt-BR" sz="2400" dirty="0" smtClean="0"/>
               <a:t>	...</a:t>
             </a:r>
           </a:p>
           <a:p>
-            <a:pPr marL="1260475" indent="0" defTabSz="873125">
+            <a:pPr marL="1884363" indent="0" defTabSz="873125">
               <a:buNone/>
               <a:tabLst>
-                <a:tab pos="1787525" algn="l"/>
-                <a:tab pos="2244725" algn="l"/>
-                <a:tab pos="2687638" algn="l"/>
+                <a:tab pos="2327275" algn="l"/>
+                <a:tab pos="2784475" algn="l"/>
               </a:tabLst>
             </a:pPr>
             <a:r>
-              <a:rPr lang="pt-BR" sz="2000" dirty="0" smtClean="0"/>
+              <a:rPr lang="pt-BR" sz="2400" dirty="0" smtClean="0"/>
               <a:t>} catch (Exception </a:t>
             </a:r>
             <a:r>
-              <a:rPr lang="pt-BR" sz="2000" dirty="0" smtClean="0">
+              <a:rPr lang="pt-BR" sz="2400" dirty="0" smtClean="0">
                 <a:solidFill>
                   <a:srgbClr val="FFC000"/>
                 </a:solidFill>
@@ -11403,59 +11687,32 @@
               <a:t>e</a:t>
             </a:r>
             <a:r>
-              <a:rPr lang="pt-BR" sz="2000" dirty="0" smtClean="0"/>
+              <a:rPr lang="pt-BR" sz="2400" dirty="0" smtClean="0"/>
               <a:t>) {</a:t>
             </a:r>
           </a:p>
           <a:p>
-            <a:pPr marL="1260475" indent="0" defTabSz="873125">
+            <a:pPr marL="1884363" indent="0" defTabSz="873125">
               <a:buNone/>
               <a:tabLst>
-                <a:tab pos="1787525" algn="l"/>
-                <a:tab pos="2244725" algn="l"/>
-                <a:tab pos="2687638" algn="l"/>
+                <a:tab pos="2327275" algn="l"/>
+                <a:tab pos="2784475" algn="l"/>
               </a:tabLst>
             </a:pPr>
             <a:r>
-              <a:rPr lang="pt-BR" sz="2000" dirty="0" smtClean="0"/>
-              <a:t>	System.</a:t>
-            </a:r>
-            <a:r>
-              <a:rPr lang="pt-BR" sz="2000" dirty="0" err="1" smtClean="0"/>
-              <a:t>out.println</a:t>
-            </a:r>
-            <a:r>
-              <a:rPr lang="pt-BR" sz="2000" dirty="0" smtClean="0"/>
-              <a:t>(“Ocorreu um problema: ” +</a:t>
-            </a:r>
-          </a:p>
-          <a:p>
-            <a:pPr marL="1260475" indent="0" defTabSz="873125">
-              <a:buNone/>
-              <a:tabLst>
-                <a:tab pos="1787525" algn="l"/>
-                <a:tab pos="2244725" algn="l"/>
-                <a:tab pos="2687638" algn="l"/>
-              </a:tabLst>
-            </a:pPr>
-            <a:r>
-              <a:rPr lang="pt-BR" sz="2000" dirty="0" smtClean="0">
+              <a:rPr lang="pt-BR" sz="2400" dirty="0" smtClean="0"/>
+              <a:t>	</a:t>
+            </a:r>
+            <a:r>
+              <a:rPr lang="pt-BR" sz="2400" dirty="0" err="1" smtClean="0">
                 <a:solidFill>
                   <a:srgbClr val="FFC000"/>
                 </a:solidFill>
               </a:rPr>
-              <a:t>			</a:t>
-            </a:r>
-            <a:r>
-              <a:rPr lang="pt-BR" sz="2000" dirty="0" err="1" smtClean="0">
-                <a:solidFill>
-                  <a:srgbClr val="FFC000"/>
-                </a:solidFill>
-              </a:rPr>
-              <a:t>e.getMessage</a:t>
-            </a:r>
-            <a:r>
-              <a:rPr lang="pt-BR" sz="2000" dirty="0" smtClean="0">
+              <a:t>e.printStackTrace</a:t>
+            </a:r>
+            <a:r>
+              <a:rPr lang="pt-BR" sz="2400" dirty="0" smtClean="0">
                 <a:solidFill>
                   <a:srgbClr val="FFC000"/>
                 </a:solidFill>
@@ -11463,21 +11720,20 @@
               <a:t>()</a:t>
             </a:r>
             <a:r>
-              <a:rPr lang="pt-BR" sz="2000" dirty="0" smtClean="0"/>
-              <a:t>);</a:t>
-            </a:r>
-          </a:p>
-          <a:p>
-            <a:pPr marL="1260475" indent="0" defTabSz="873125">
+              <a:rPr lang="pt-BR" sz="2400" dirty="0" smtClean="0"/>
+              <a:t>;</a:t>
+            </a:r>
+          </a:p>
+          <a:p>
+            <a:pPr marL="1884363" indent="0" defTabSz="873125">
               <a:buNone/>
               <a:tabLst>
-                <a:tab pos="1787525" algn="l"/>
-                <a:tab pos="2244725" algn="l"/>
-                <a:tab pos="2687638" algn="l"/>
+                <a:tab pos="2327275" algn="l"/>
+                <a:tab pos="2784475" algn="l"/>
               </a:tabLst>
             </a:pPr>
             <a:r>
-              <a:rPr lang="pt-BR" sz="2000" dirty="0" smtClean="0"/>
+              <a:rPr lang="pt-BR" sz="2400" dirty="0" smtClean="0"/>
               <a:t>}</a:t>
             </a:r>
           </a:p>
@@ -11554,12 +11810,7 @@
             <p:ph type="title"/>
           </p:nvPr>
         </p:nvSpPr>
-        <p:spPr>
-          <a:xfrm>
-            <a:off x="457200" y="274638"/>
-            <a:ext cx="8003232" cy="1143000"/>
-          </a:xfrm>
-        </p:spPr>
+        <p:spPr/>
         <p:txBody>
           <a:bodyPr/>
           <a:lstStyle/>
@@ -11574,7 +11825,7 @@
                 <a:ea typeface="+mj-ea"/>
                 <a:cs typeface="+mj-cs"/>
               </a:rPr>
-              <a:t>Principais métodos de exceções</a:t>
+              <a:t>Principais exceções</a:t>
             </a:r>
             <a:endParaRPr lang="pt-BR" dirty="0"/>
           </a:p>
@@ -11596,139 +11847,164 @@
           <a:lstStyle/>
           <a:p>
             <a:r>
-              <a:rPr lang="pt-BR" dirty="0" err="1" smtClean="0"/>
-              <a:t>printStackTrace</a:t>
-            </a:r>
-            <a:r>
-              <a:rPr lang="pt-BR" dirty="0" smtClean="0"/>
-              <a:t>()</a:t>
-            </a:r>
-          </a:p>
-          <a:p>
-            <a:pPr lvl="1"/>
-            <a:r>
-              <a:rPr lang="pt-BR" dirty="0" smtClean="0"/>
-              <a:t>Exibe em console a pilha de chamadas de métodos desde o método </a:t>
-            </a:r>
-            <a:r>
-              <a:rPr lang="pt-BR" dirty="0" err="1" smtClean="0"/>
-              <a:t>main</a:t>
-            </a:r>
-            <a:r>
-              <a:rPr lang="pt-BR" dirty="0" smtClean="0"/>
-              <a:t> até o momento em que a exception ocorreu.</a:t>
-            </a:r>
-          </a:p>
-          <a:p>
-            <a:pPr marL="1884363" indent="0" defTabSz="873125">
-              <a:buNone/>
-              <a:tabLst>
-                <a:tab pos="2327275" algn="l"/>
-                <a:tab pos="2784475" algn="l"/>
-              </a:tabLst>
-            </a:pPr>
+              <a:rPr lang="pt-BR" sz="2400" dirty="0" err="1" smtClean="0"/>
+              <a:t>java</a:t>
+            </a:r>
+            <a:r>
+              <a:rPr lang="pt-BR" sz="2400" dirty="0" smtClean="0"/>
+              <a:t>.</a:t>
+            </a:r>
+            <a:r>
+              <a:rPr lang="pt-BR" sz="2400" dirty="0" err="1" smtClean="0"/>
+              <a:t>lang</a:t>
+            </a:r>
+            <a:r>
+              <a:rPr lang="pt-BR" sz="2400" dirty="0" smtClean="0"/>
+              <a:t>.</a:t>
+            </a:r>
+            <a:r>
+              <a:rPr lang="pt-BR" sz="2400" dirty="0" err="1" smtClean="0"/>
+              <a:t>NullPointerException</a:t>
+            </a:r>
             <a:endParaRPr lang="pt-BR" sz="2400" dirty="0" smtClean="0"/>
           </a:p>
           <a:p>
-            <a:pPr marL="1884363" indent="0" defTabSz="873125">
-              <a:buNone/>
-              <a:tabLst>
-                <a:tab pos="2327275" algn="l"/>
-                <a:tab pos="2784475" algn="l"/>
-              </a:tabLst>
-            </a:pPr>
             <a:r>
               <a:rPr lang="pt-BR" sz="2400" dirty="0" err="1" smtClean="0"/>
-              <a:t>try</a:t>
+              <a:t>java</a:t>
             </a:r>
             <a:r>
               <a:rPr lang="pt-BR" sz="2400" dirty="0" smtClean="0"/>
-              <a:t> {</a:t>
-            </a:r>
-          </a:p>
-          <a:p>
-            <a:pPr marL="1884363" indent="0" defTabSz="873125">
-              <a:buNone/>
-              <a:tabLst>
-                <a:tab pos="2327275" algn="l"/>
-                <a:tab pos="2784475" algn="l"/>
-              </a:tabLst>
-            </a:pPr>
+              <a:t>.</a:t>
+            </a:r>
+            <a:r>
+              <a:rPr lang="pt-BR" sz="2400" dirty="0" err="1" smtClean="0"/>
+              <a:t>lang</a:t>
+            </a:r>
             <a:r>
               <a:rPr lang="pt-BR" sz="2400" dirty="0" smtClean="0"/>
-              <a:t>	...</a:t>
-            </a:r>
-          </a:p>
-          <a:p>
-            <a:pPr marL="1884363" indent="0" defTabSz="873125">
-              <a:buNone/>
-              <a:tabLst>
-                <a:tab pos="2327275" algn="l"/>
-                <a:tab pos="2784475" algn="l"/>
-              </a:tabLst>
-            </a:pPr>
+              <a:t>.</a:t>
+            </a:r>
+            <a:r>
+              <a:rPr lang="pt-BR" sz="2400" dirty="0" err="1" smtClean="0"/>
+              <a:t>NumberFormatException</a:t>
+            </a:r>
+            <a:endParaRPr lang="pt-BR" sz="2400" dirty="0" smtClean="0"/>
+          </a:p>
+          <a:p>
+            <a:r>
+              <a:rPr lang="pt-BR" sz="2400" dirty="0" err="1" smtClean="0"/>
+              <a:t>java</a:t>
+            </a:r>
             <a:r>
               <a:rPr lang="pt-BR" sz="2400" dirty="0" smtClean="0"/>
-              <a:t>} catch (Exception </a:t>
-            </a:r>
-            <a:r>
-              <a:rPr lang="pt-BR" sz="2400" dirty="0" smtClean="0">
-                <a:solidFill>
-                  <a:srgbClr val="FFC000"/>
-                </a:solidFill>
-              </a:rPr>
-              <a:t>e</a:t>
+              <a:t>.</a:t>
+            </a:r>
+            <a:r>
+              <a:rPr lang="pt-BR" sz="2400" dirty="0" err="1" smtClean="0"/>
+              <a:t>lang</a:t>
             </a:r>
             <a:r>
               <a:rPr lang="pt-BR" sz="2400" dirty="0" smtClean="0"/>
-              <a:t>) {</a:t>
-            </a:r>
-          </a:p>
-          <a:p>
-            <a:pPr marL="1884363" indent="0" defTabSz="873125">
-              <a:buNone/>
-              <a:tabLst>
-                <a:tab pos="2327275" algn="l"/>
-                <a:tab pos="2784475" algn="l"/>
-              </a:tabLst>
-            </a:pPr>
+              <a:t>.</a:t>
+            </a:r>
+            <a:r>
+              <a:rPr lang="pt-BR" sz="2400" dirty="0" err="1" smtClean="0"/>
+              <a:t>ArrayIndexOutOfBoundsException</a:t>
+            </a:r>
+            <a:endParaRPr lang="pt-BR" sz="2400" dirty="0" smtClean="0"/>
+          </a:p>
+          <a:p>
+            <a:r>
+              <a:rPr lang="pt-BR" sz="2400" dirty="0" err="1" smtClean="0"/>
+              <a:t>java</a:t>
+            </a:r>
             <a:r>
               <a:rPr lang="pt-BR" sz="2400" dirty="0" smtClean="0"/>
-              <a:t>	</a:t>
-            </a:r>
-            <a:r>
-              <a:rPr lang="pt-BR" sz="2400" dirty="0" err="1" smtClean="0">
-                <a:solidFill>
-                  <a:srgbClr val="FFC000"/>
-                </a:solidFill>
-              </a:rPr>
-              <a:t>e.printStackTrace</a:t>
-            </a:r>
-            <a:r>
-              <a:rPr lang="pt-BR" sz="2400" dirty="0" smtClean="0">
-                <a:solidFill>
-                  <a:srgbClr val="FFC000"/>
-                </a:solidFill>
-              </a:rPr>
-              <a:t>()</a:t>
+              <a:t>.</a:t>
+            </a:r>
+            <a:r>
+              <a:rPr lang="pt-BR" sz="2400" dirty="0" err="1" smtClean="0"/>
+              <a:t>lang</a:t>
             </a:r>
             <a:r>
               <a:rPr lang="pt-BR" sz="2400" dirty="0" smtClean="0"/>
-              <a:t>;</a:t>
-            </a:r>
-          </a:p>
-          <a:p>
-            <a:pPr marL="1884363" indent="0" defTabSz="873125">
-              <a:buNone/>
-              <a:tabLst>
-                <a:tab pos="2327275" algn="l"/>
-                <a:tab pos="2784475" algn="l"/>
-              </a:tabLst>
-            </a:pPr>
+              <a:t>.</a:t>
+            </a:r>
+            <a:r>
+              <a:rPr lang="pt-BR" sz="2400" dirty="0" err="1" smtClean="0"/>
+              <a:t>ArithmeticException</a:t>
+            </a:r>
+            <a:endParaRPr lang="pt-BR" sz="2400" dirty="0" smtClean="0"/>
+          </a:p>
+          <a:p>
+            <a:r>
+              <a:rPr lang="pt-BR" sz="2400" dirty="0" err="1" smtClean="0"/>
+              <a:t>java</a:t>
+            </a:r>
             <a:r>
               <a:rPr lang="pt-BR" sz="2400" dirty="0" smtClean="0"/>
-              <a:t>}</a:t>
-            </a:r>
+              <a:t>.</a:t>
+            </a:r>
+            <a:r>
+              <a:rPr lang="pt-BR" sz="2400" dirty="0" err="1" smtClean="0"/>
+              <a:t>lang</a:t>
+            </a:r>
+            <a:r>
+              <a:rPr lang="pt-BR" sz="2400" dirty="0" smtClean="0"/>
+              <a:t>.</a:t>
+            </a:r>
+            <a:r>
+              <a:rPr lang="pt-BR" sz="2400" dirty="0" err="1" smtClean="0"/>
+              <a:t>ClassCastException</a:t>
+            </a:r>
+            <a:endParaRPr lang="pt-BR" sz="2400" dirty="0" smtClean="0"/>
+          </a:p>
+          <a:p>
+            <a:r>
+              <a:rPr lang="pt-BR" sz="2400" dirty="0" err="1" smtClean="0"/>
+              <a:t>java</a:t>
+            </a:r>
+            <a:r>
+              <a:rPr lang="pt-BR" sz="2400" dirty="0" smtClean="0"/>
+              <a:t>.</a:t>
+            </a:r>
+            <a:r>
+              <a:rPr lang="pt-BR" sz="2400" dirty="0" err="1" smtClean="0"/>
+              <a:t>io</a:t>
+            </a:r>
+            <a:r>
+              <a:rPr lang="pt-BR" sz="2400" dirty="0" smtClean="0"/>
+              <a:t>.</a:t>
+            </a:r>
+            <a:r>
+              <a:rPr lang="pt-BR" sz="2400" dirty="0" err="1" smtClean="0"/>
+              <a:t>IOException</a:t>
+            </a:r>
+            <a:endParaRPr lang="pt-BR" sz="2400" dirty="0" smtClean="0"/>
+          </a:p>
+          <a:p>
+            <a:r>
+              <a:rPr lang="pt-BR" sz="2400" dirty="0" err="1" smtClean="0"/>
+              <a:t>java</a:t>
+            </a:r>
+            <a:r>
+              <a:rPr lang="pt-BR" sz="2400" dirty="0" smtClean="0"/>
+              <a:t>.</a:t>
+            </a:r>
+            <a:r>
+              <a:rPr lang="pt-BR" sz="2400" dirty="0" err="1" smtClean="0"/>
+              <a:t>sql</a:t>
+            </a:r>
+            <a:r>
+              <a:rPr lang="pt-BR" sz="2400" dirty="0" smtClean="0"/>
+              <a:t>.</a:t>
+            </a:r>
+            <a:r>
+              <a:rPr lang="pt-BR" sz="2400" dirty="0" err="1" smtClean="0"/>
+              <a:t>SQLException</a:t>
+            </a:r>
+            <a:endParaRPr lang="pt-BR" sz="2400" dirty="0"/>
           </a:p>
         </p:txBody>
       </p:sp>
@@ -11840,164 +12116,110 @@
           <a:lstStyle/>
           <a:p>
             <a:r>
-              <a:rPr lang="pt-BR" sz="2400" dirty="0" err="1" smtClean="0"/>
+              <a:rPr lang="pt-BR" dirty="0" err="1" smtClean="0"/>
+              <a:t>NullPointerException</a:t>
+            </a:r>
+            <a:endParaRPr lang="pt-BR" dirty="0" smtClean="0"/>
+          </a:p>
+          <a:p>
+            <a:pPr lvl="1">
+              <a:spcBef>
+                <a:spcPts val="1800"/>
+              </a:spcBef>
+            </a:pPr>
+            <a:r>
+              <a:rPr lang="pt-BR" dirty="0" smtClean="0"/>
+              <a:t>Exceção não verificada pertencente ao pacote </a:t>
+            </a:r>
+            <a:r>
+              <a:rPr lang="pt-BR" b="1" i="1" dirty="0" err="1" smtClean="0"/>
               <a:t>java</a:t>
             </a:r>
             <a:r>
-              <a:rPr lang="pt-BR" sz="2400" dirty="0" smtClean="0"/>
+              <a:rPr lang="pt-BR" b="1" i="1" dirty="0" smtClean="0"/>
               <a:t>.</a:t>
             </a:r>
             <a:r>
-              <a:rPr lang="pt-BR" sz="2400" dirty="0" err="1" smtClean="0"/>
+              <a:rPr lang="pt-BR" b="1" i="1" dirty="0" err="1" smtClean="0"/>
               <a:t>lang</a:t>
             </a:r>
-            <a:r>
-              <a:rPr lang="pt-BR" sz="2400" dirty="0" smtClean="0"/>
-              <a:t>.</a:t>
-            </a:r>
-            <a:r>
-              <a:rPr lang="pt-BR" sz="2400" dirty="0" err="1" smtClean="0"/>
-              <a:t>NullPointerException</a:t>
-            </a:r>
-            <a:endParaRPr lang="pt-BR" sz="2400" dirty="0" smtClean="0"/>
-          </a:p>
-          <a:p>
-            <a:r>
-              <a:rPr lang="pt-BR" sz="2400" dirty="0" err="1" smtClean="0"/>
-              <a:t>java</a:t>
-            </a:r>
-            <a:r>
-              <a:rPr lang="pt-BR" sz="2400" dirty="0" smtClean="0"/>
-              <a:t>.</a:t>
-            </a:r>
-            <a:r>
-              <a:rPr lang="pt-BR" sz="2400" dirty="0" err="1" smtClean="0"/>
-              <a:t>lang</a:t>
-            </a:r>
-            <a:r>
-              <a:rPr lang="pt-BR" sz="2400" dirty="0" smtClean="0"/>
-              <a:t>.</a:t>
-            </a:r>
-            <a:r>
-              <a:rPr lang="pt-BR" sz="2400" dirty="0" err="1" smtClean="0"/>
-              <a:t>NumberFormatException</a:t>
-            </a:r>
-            <a:endParaRPr lang="pt-BR" sz="2400" dirty="0" smtClean="0"/>
-          </a:p>
-          <a:p>
-            <a:r>
-              <a:rPr lang="pt-BR" sz="2400" dirty="0" err="1" smtClean="0"/>
-              <a:t>java</a:t>
-            </a:r>
-            <a:r>
-              <a:rPr lang="pt-BR" sz="2400" dirty="0" smtClean="0"/>
-              <a:t>.</a:t>
-            </a:r>
-            <a:r>
-              <a:rPr lang="pt-BR" sz="2400" dirty="0" err="1" smtClean="0"/>
-              <a:t>lang</a:t>
-            </a:r>
-            <a:r>
-              <a:rPr lang="pt-BR" sz="2400" dirty="0" smtClean="0"/>
-              <a:t>.</a:t>
-            </a:r>
-            <a:r>
-              <a:rPr lang="pt-BR" sz="2400" dirty="0" err="1" smtClean="0"/>
-              <a:t>ArrayIndexOutOfBoundsException</a:t>
-            </a:r>
-            <a:endParaRPr lang="pt-BR" sz="2400" dirty="0" smtClean="0"/>
-          </a:p>
-          <a:p>
-            <a:r>
-              <a:rPr lang="pt-BR" sz="2400" dirty="0" err="1" smtClean="0"/>
-              <a:t>java</a:t>
-            </a:r>
-            <a:r>
-              <a:rPr lang="pt-BR" sz="2400" dirty="0" smtClean="0"/>
-              <a:t>.</a:t>
-            </a:r>
-            <a:r>
-              <a:rPr lang="pt-BR" sz="2400" dirty="0" err="1" smtClean="0"/>
-              <a:t>lang</a:t>
-            </a:r>
-            <a:r>
-              <a:rPr lang="pt-BR" sz="2400" dirty="0" smtClean="0"/>
-              <a:t>.</a:t>
-            </a:r>
-            <a:r>
-              <a:rPr lang="pt-BR" sz="2400" dirty="0" err="1" smtClean="0"/>
-              <a:t>ArithmeticException</a:t>
-            </a:r>
-            <a:endParaRPr lang="pt-BR" sz="2400" dirty="0" smtClean="0"/>
-          </a:p>
-          <a:p>
-            <a:r>
-              <a:rPr lang="pt-BR" sz="2400" dirty="0" err="1" smtClean="0"/>
-              <a:t>java</a:t>
-            </a:r>
-            <a:r>
-              <a:rPr lang="pt-BR" sz="2400" dirty="0" smtClean="0"/>
-              <a:t>.</a:t>
-            </a:r>
-            <a:r>
-              <a:rPr lang="pt-BR" sz="2400" dirty="0" err="1" smtClean="0"/>
-              <a:t>lang</a:t>
-            </a:r>
-            <a:r>
-              <a:rPr lang="pt-BR" sz="2400" dirty="0" smtClean="0"/>
-              <a:t>.</a:t>
-            </a:r>
-            <a:r>
-              <a:rPr lang="pt-BR" sz="2400" dirty="0" err="1" smtClean="0"/>
-              <a:t>ClassCastException</a:t>
-            </a:r>
-            <a:endParaRPr lang="pt-BR" sz="2400" dirty="0" smtClean="0"/>
-          </a:p>
-          <a:p>
-            <a:r>
-              <a:rPr lang="pt-BR" sz="2400" dirty="0" err="1" smtClean="0"/>
-              <a:t>java</a:t>
-            </a:r>
-            <a:r>
-              <a:rPr lang="pt-BR" sz="2400" dirty="0" smtClean="0"/>
-              <a:t>.</a:t>
-            </a:r>
-            <a:r>
-              <a:rPr lang="pt-BR" sz="2400" dirty="0" err="1" smtClean="0"/>
-              <a:t>io</a:t>
-            </a:r>
-            <a:r>
-              <a:rPr lang="pt-BR" sz="2400" dirty="0" smtClean="0"/>
-              <a:t>.</a:t>
-            </a:r>
-            <a:r>
-              <a:rPr lang="pt-BR" sz="2400" dirty="0" err="1" smtClean="0"/>
-              <a:t>IOException</a:t>
-            </a:r>
-            <a:endParaRPr lang="pt-BR" sz="2400" dirty="0" smtClean="0"/>
-          </a:p>
-          <a:p>
-            <a:r>
-              <a:rPr lang="pt-BR" sz="2400" dirty="0" err="1" smtClean="0"/>
-              <a:t>java</a:t>
-            </a:r>
-            <a:r>
-              <a:rPr lang="pt-BR" sz="2400" dirty="0" smtClean="0"/>
-              <a:t>.</a:t>
-            </a:r>
-            <a:r>
-              <a:rPr lang="pt-BR" sz="2400" dirty="0" err="1" smtClean="0"/>
-              <a:t>sql</a:t>
-            </a:r>
-            <a:r>
-              <a:rPr lang="pt-BR" sz="2400" dirty="0" smtClean="0"/>
-              <a:t>.</a:t>
-            </a:r>
-            <a:r>
-              <a:rPr lang="pt-BR" sz="2400" dirty="0" err="1" smtClean="0"/>
-              <a:t>SQLException</a:t>
-            </a:r>
-            <a:endParaRPr lang="pt-BR" sz="2400" dirty="0"/>
+            <a:endParaRPr lang="pt-BR" dirty="0" smtClean="0"/>
+          </a:p>
+          <a:p>
+            <a:pPr lvl="1">
+              <a:spcBef>
+                <a:spcPts val="1800"/>
+              </a:spcBef>
+            </a:pPr>
+            <a:r>
+              <a:rPr lang="pt-BR" dirty="0" smtClean="0"/>
+              <a:t>Ocorre ao tentar executar um método sobre uma variável que não possui um objeto referenciado</a:t>
+            </a:r>
+          </a:p>
+          <a:p>
+            <a:pPr marL="442913" lvl="1" indent="6350">
+              <a:spcBef>
+                <a:spcPts val="0"/>
+              </a:spcBef>
+              <a:buNone/>
+            </a:pPr>
+            <a:endParaRPr lang="pt-BR" dirty="0" smtClean="0"/>
+          </a:p>
+          <a:p>
+            <a:pPr marL="1441450" lvl="1" indent="6350">
+              <a:spcBef>
+                <a:spcPts val="0"/>
+              </a:spcBef>
+              <a:buNone/>
+            </a:pPr>
+            <a:r>
+              <a:rPr lang="pt-BR" dirty="0" smtClean="0">
+                <a:solidFill>
+                  <a:srgbClr val="FFC000"/>
+                </a:solidFill>
+              </a:rPr>
+              <a:t>Cliente c = </a:t>
+            </a:r>
+            <a:r>
+              <a:rPr lang="pt-BR" dirty="0" err="1" smtClean="0">
+                <a:solidFill>
+                  <a:srgbClr val="FFC000"/>
+                </a:solidFill>
+              </a:rPr>
+              <a:t>null</a:t>
+            </a:r>
+            <a:r>
+              <a:rPr lang="pt-BR" dirty="0" smtClean="0">
+                <a:solidFill>
+                  <a:srgbClr val="FFC000"/>
+                </a:solidFill>
+              </a:rPr>
+              <a:t>;</a:t>
+            </a:r>
+          </a:p>
+          <a:p>
+            <a:pPr marL="1441450" lvl="1" indent="6350">
+              <a:spcBef>
+                <a:spcPts val="0"/>
+              </a:spcBef>
+              <a:buNone/>
+            </a:pPr>
+            <a:r>
+              <a:rPr lang="pt-BR" dirty="0" err="1" smtClean="0">
+                <a:solidFill>
+                  <a:srgbClr val="FFC000"/>
+                </a:solidFill>
+              </a:rPr>
+              <a:t>c.setNome</a:t>
+            </a:r>
+            <a:r>
+              <a:rPr lang="pt-BR" dirty="0" smtClean="0">
+                <a:solidFill>
+                  <a:srgbClr val="FFC000"/>
+                </a:solidFill>
+              </a:rPr>
+              <a:t>(“Manuel da silva”);</a:t>
+            </a:r>
           </a:p>
         </p:txBody>
       </p:sp>
@@ -12110,7 +12332,7 @@
           <a:p>
             <a:r>
               <a:rPr lang="pt-BR" dirty="0" err="1" smtClean="0"/>
-              <a:t>NullPointerException</a:t>
+              <a:t>NumberFormatException</a:t>
             </a:r>
             <a:endParaRPr lang="pt-BR" dirty="0" smtClean="0"/>
           </a:p>
@@ -12146,7 +12368,7 @@
             </a:pPr>
             <a:r>
               <a:rPr lang="pt-BR" dirty="0" smtClean="0"/>
-              <a:t>Ocorre ao tentar executar um método sobre uma variável que não possui um objeto referenciado</a:t>
+              <a:t>Ocorre ao tentar realizar a conversão de um String para um valor numérico</a:t>
             </a:r>
           </a:p>
           <a:p>
@@ -12159,7 +12381,20 @@
             <a:endParaRPr lang="pt-BR" dirty="0" smtClean="0"/>
           </a:p>
           <a:p>
-            <a:pPr marL="1441450" lvl="1" indent="6350">
+            <a:pPr marL="1081088" lvl="1" indent="6350">
+              <a:spcBef>
+                <a:spcPts val="0"/>
+              </a:spcBef>
+              <a:buNone/>
+            </a:pPr>
+            <a:endParaRPr lang="pt-BR" dirty="0" smtClean="0">
+              <a:solidFill>
+                <a:srgbClr val="FFC000"/>
+              </a:solidFill>
+            </a:endParaRPr>
+          </a:p>
+          <a:p>
+            <a:pPr marL="1081088" lvl="1" indent="6350">
               <a:spcBef>
                 <a:spcPts val="0"/>
               </a:spcBef>
@@ -12171,15 +12406,23 @@
                   <a:srgbClr val="FFC000"/>
                 </a:solidFill>
               </a:rPr>
-              <a:t>Cliente c = </a:t>
-            </a:r>
+              <a:t>String texto = “10xpt23”;</a:t>
+            </a:r>
+          </a:p>
+          <a:p>
+            <a:pPr marL="1081088" lvl="1" indent="6350">
+              <a:spcBef>
+                <a:spcPts val="0"/>
+              </a:spcBef>
+              <a:buNone/>
+            </a:pPr>
             <a:r>
               <a:rPr lang="pt-BR" dirty="0" err="1" smtClean="0">
                 <a:solidFill>
                   <a:srgbClr val="FFC000"/>
                 </a:solidFill>
               </a:rPr>
-              <a:t>null</a:t>
+              <a:t>int</a:t>
             </a:r>
             <a:r>
               <a:rPr lang="pt-BR" dirty="0" smtClean="0">
@@ -12187,23 +12430,15 @@
                   <a:srgbClr val="FFC000"/>
                 </a:solidFill>
               </a:rPr>
-              <a:t>;</a:t>
-            </a:r>
-          </a:p>
-          <a:p>
-            <a:pPr marL="1441450" lvl="1" indent="6350">
-              <a:spcBef>
-                <a:spcPts val="0"/>
-              </a:spcBef>
-              <a:buNone/>
-            </a:pPr>
+              <a:t> idade = </a:t>
+            </a:r>
             <a:r>
               <a:rPr lang="pt-BR" dirty="0" err="1" smtClean="0">
                 <a:solidFill>
                   <a:srgbClr val="FFC000"/>
                 </a:solidFill>
               </a:rPr>
-              <a:t>c.setNome</a:t>
+              <a:t>Integer</a:t>
             </a:r>
             <a:r>
               <a:rPr lang="pt-BR" dirty="0" smtClean="0">
@@ -12211,7 +12446,23 @@
                   <a:srgbClr val="FFC000"/>
                 </a:solidFill>
               </a:rPr>
-              <a:t>(“Manuel da silva”);</a:t>
+              <a:t>.</a:t>
+            </a:r>
+            <a:r>
+              <a:rPr lang="pt-BR" dirty="0" err="1" smtClean="0">
+                <a:solidFill>
+                  <a:srgbClr val="FFC000"/>
+                </a:solidFill>
+              </a:rPr>
+              <a:t>parseInt</a:t>
+            </a:r>
+            <a:r>
+              <a:rPr lang="pt-BR" dirty="0" smtClean="0">
+                <a:solidFill>
+                  <a:srgbClr val="FFC000"/>
+                </a:solidFill>
+              </a:rPr>
+              <a:t>(texto);</a:t>
             </a:r>
           </a:p>
         </p:txBody>
@@ -12555,7 +12806,7 @@
           <a:p>
             <a:r>
               <a:rPr lang="pt-BR" dirty="0" err="1" smtClean="0"/>
-              <a:t>NumberFormatException</a:t>
+              <a:t>ArrayIndexOutOfBoundsException</a:t>
             </a:r>
             <a:endParaRPr lang="pt-BR" dirty="0" smtClean="0"/>
           </a:p>
@@ -12591,8 +12842,13 @@
             </a:pPr>
             <a:r>
               <a:rPr lang="pt-BR" dirty="0" smtClean="0"/>
-              <a:t>Ocorre ao tentar realizar a conversão de um String para um valor numérico</a:t>
-            </a:r>
+              <a:t>Ocorre ao tentar obter um item inexistente em um </a:t>
+            </a:r>
+            <a:r>
+              <a:rPr lang="pt-BR" dirty="0" err="1" smtClean="0"/>
+              <a:t>array</a:t>
+            </a:r>
+            <a:endParaRPr lang="pt-BR" dirty="0" smtClean="0"/>
           </a:p>
           <a:p>
             <a:pPr marL="442913" lvl="1" indent="6350">
@@ -12604,7 +12860,7 @@
             <a:endParaRPr lang="pt-BR" dirty="0" smtClean="0"/>
           </a:p>
           <a:p>
-            <a:pPr marL="1081088" lvl="1" indent="6350">
+            <a:pPr marL="720725" lvl="1" indent="6350">
               <a:spcBef>
                 <a:spcPts val="0"/>
               </a:spcBef>
@@ -12617,35 +12873,35 @@
             </a:endParaRPr>
           </a:p>
           <a:p>
-            <a:pPr marL="1081088" lvl="1" indent="6350">
+            <a:pPr marL="720725" lvl="1" indent="6350">
               <a:spcBef>
                 <a:spcPts val="0"/>
               </a:spcBef>
               <a:buNone/>
             </a:pPr>
+            <a:r>
+              <a:rPr lang="pt-BR" dirty="0" err="1" smtClean="0">
+                <a:solidFill>
+                  <a:srgbClr val="FFC000"/>
+                </a:solidFill>
+              </a:rPr>
+              <a:t>double</a:t>
+            </a:r>
             <a:r>
               <a:rPr lang="pt-BR" dirty="0" smtClean="0">
                 <a:solidFill>
                   <a:srgbClr val="FFC000"/>
                 </a:solidFill>
               </a:rPr>
-              <a:t>String texto = “10xpt23”;</a:t>
-            </a:r>
-          </a:p>
-          <a:p>
-            <a:pPr marL="1081088" lvl="1" indent="6350">
-              <a:spcBef>
-                <a:spcPts val="0"/>
-              </a:spcBef>
-              <a:buNone/>
-            </a:pPr>
+              <a:t>[] </a:t>
+            </a:r>
             <a:r>
               <a:rPr lang="pt-BR" dirty="0" err="1" smtClean="0">
                 <a:solidFill>
                   <a:srgbClr val="FFC000"/>
                 </a:solidFill>
               </a:rPr>
-              <a:t>int</a:t>
+              <a:t>salario</a:t>
             </a:r>
             <a:r>
               <a:rPr lang="pt-BR" dirty="0" smtClean="0">
@@ -12653,15 +12909,23 @@
                   <a:srgbClr val="FFC000"/>
                 </a:solidFill>
               </a:rPr>
-              <a:t> idade = </a:t>
-            </a:r>
+              <a:t> = { 1200.5, 630.0, 950.15 };</a:t>
+            </a:r>
+          </a:p>
+          <a:p>
+            <a:pPr marL="720725" lvl="1" indent="6350">
+              <a:spcBef>
+                <a:spcPts val="0"/>
+              </a:spcBef>
+              <a:buNone/>
+            </a:pPr>
             <a:r>
               <a:rPr lang="pt-BR" dirty="0" err="1" smtClean="0">
                 <a:solidFill>
                   <a:srgbClr val="FFC000"/>
                 </a:solidFill>
               </a:rPr>
-              <a:t>Integer</a:t>
+              <a:t>double</a:t>
             </a:r>
             <a:r>
               <a:rPr lang="pt-BR" dirty="0" smtClean="0">
@@ -12669,7 +12933,7 @@
                   <a:srgbClr val="FFC000"/>
                 </a:solidFill>
               </a:rPr>
-              <a:t>.</a:t>
+              <a:t> s = </a:t>
             </a:r>
             <a:r>
               <a:rPr lang="pt-BR" dirty="0" err="1" smtClean="0">
@@ -12677,7 +12941,7 @@
                   <a:srgbClr val="FFC000"/>
                 </a:solidFill>
               </a:rPr>
-              <a:t>parseInt</a:t>
+              <a:t>salario</a:t>
             </a:r>
             <a:r>
               <a:rPr lang="pt-BR" dirty="0" smtClean="0">
@@ -12685,7 +12949,7 @@
                   <a:srgbClr val="FFC000"/>
                 </a:solidFill>
               </a:rPr>
-              <a:t>(texto);</a:t>
+              <a:t>[3];</a:t>
             </a:r>
           </a:p>
         </p:txBody>
@@ -12799,7 +13063,7 @@
           <a:p>
             <a:r>
               <a:rPr lang="pt-BR" dirty="0" err="1" smtClean="0"/>
-              <a:t>ArrayIndexOutOfBoundsException</a:t>
+              <a:t>ArithmeticException</a:t>
             </a:r>
             <a:endParaRPr lang="pt-BR" dirty="0" smtClean="0"/>
           </a:p>
@@ -12835,30 +13099,8 @@
             </a:pPr>
             <a:r>
               <a:rPr lang="pt-BR" dirty="0" smtClean="0"/>
-              <a:t>Ocorre ao tentar </a:t>
-            </a:r>
-            <a:r>
-              <a:rPr lang="pt-BR" dirty="0" smtClean="0"/>
-              <a:t>obter um </a:t>
-            </a:r>
-            <a:r>
-              <a:rPr lang="pt-BR" dirty="0" smtClean="0"/>
-              <a:t>item inexistente em um </a:t>
-            </a:r>
-            <a:r>
-              <a:rPr lang="pt-BR" dirty="0" err="1" smtClean="0"/>
-              <a:t>array</a:t>
-            </a:r>
-            <a:endParaRPr lang="pt-BR" dirty="0" smtClean="0"/>
-          </a:p>
-          <a:p>
-            <a:pPr marL="442913" lvl="1" indent="6350">
-              <a:spcBef>
-                <a:spcPts val="0"/>
-              </a:spcBef>
-              <a:buNone/>
-            </a:pPr>
-            <a:endParaRPr lang="pt-BR" dirty="0" smtClean="0"/>
+              <a:t>Ocorre em operações aritméticas com inteiros que possuem resultado inválido</a:t>
+            </a:r>
           </a:p>
           <a:p>
             <a:pPr marL="720725" lvl="1" indent="6350">
@@ -12886,7 +13128,7 @@
                   <a:srgbClr val="FFC000"/>
                 </a:solidFill>
               </a:rPr>
-              <a:t>double</a:t>
+              <a:t>int</a:t>
             </a:r>
             <a:r>
               <a:rPr lang="pt-BR" dirty="0" smtClean="0">
@@ -12894,7 +13136,7 @@
                   <a:srgbClr val="FFC000"/>
                 </a:solidFill>
               </a:rPr>
-              <a:t>[] </a:t>
+              <a:t> </a:t>
             </a:r>
             <a:r>
               <a:rPr lang="pt-BR" dirty="0" err="1" smtClean="0">
@@ -12902,7 +13144,7 @@
                   <a:srgbClr val="FFC000"/>
                 </a:solidFill>
               </a:rPr>
-              <a:t>salario</a:t>
+              <a:t>valorTotal</a:t>
             </a:r>
             <a:r>
               <a:rPr lang="pt-BR" dirty="0" smtClean="0">
@@ -12910,7 +13152,7 @@
                   <a:srgbClr val="FFC000"/>
                 </a:solidFill>
               </a:rPr>
-              <a:t> = { 1200.5, 630.0, 950.15 };</a:t>
+              <a:t> = 25;</a:t>
             </a:r>
           </a:p>
           <a:p>
@@ -12926,7 +13168,7 @@
                   <a:srgbClr val="FFC000"/>
                 </a:solidFill>
               </a:rPr>
-              <a:t>double</a:t>
+              <a:t>int</a:t>
             </a:r>
             <a:r>
               <a:rPr lang="pt-BR" dirty="0" smtClean="0">
@@ -12934,7 +13176,7 @@
                   <a:srgbClr val="FFC000"/>
                 </a:solidFill>
               </a:rPr>
-              <a:t> s = </a:t>
+              <a:t> </a:t>
             </a:r>
             <a:r>
               <a:rPr lang="pt-BR" dirty="0" err="1" smtClean="0">
@@ -12942,7 +13184,7 @@
                   <a:srgbClr val="FFC000"/>
                 </a:solidFill>
               </a:rPr>
-              <a:t>salario</a:t>
+              <a:t>quantidadePessoas</a:t>
             </a:r>
             <a:r>
               <a:rPr lang="pt-BR" dirty="0" smtClean="0">
@@ -12950,7 +13192,63 @@
                   <a:srgbClr val="FFC000"/>
                 </a:solidFill>
               </a:rPr>
-              <a:t>[3];</a:t>
+              <a:t> = 0;</a:t>
+            </a:r>
+          </a:p>
+          <a:p>
+            <a:pPr marL="720725" lvl="1" indent="6350">
+              <a:spcBef>
+                <a:spcPts val="0"/>
+              </a:spcBef>
+              <a:buNone/>
+            </a:pPr>
+            <a:r>
+              <a:rPr lang="pt-BR" dirty="0" err="1" smtClean="0">
+                <a:solidFill>
+                  <a:srgbClr val="FFC000"/>
+                </a:solidFill>
+              </a:rPr>
+              <a:t>int</a:t>
+            </a:r>
+            <a:r>
+              <a:rPr lang="pt-BR" dirty="0" smtClean="0">
+                <a:solidFill>
+                  <a:srgbClr val="FFC000"/>
+                </a:solidFill>
+              </a:rPr>
+              <a:t> rateio = </a:t>
+            </a:r>
+            <a:r>
+              <a:rPr lang="pt-BR" dirty="0" err="1" smtClean="0">
+                <a:solidFill>
+                  <a:srgbClr val="FFC000"/>
+                </a:solidFill>
+              </a:rPr>
+              <a:t>valorTotal</a:t>
+            </a:r>
+            <a:r>
+              <a:rPr lang="pt-BR" dirty="0" smtClean="0">
+                <a:solidFill>
+                  <a:srgbClr val="FFC000"/>
+                </a:solidFill>
+              </a:rPr>
+              <a:t> / </a:t>
+            </a:r>
+            <a:r>
+              <a:rPr lang="pt-BR" dirty="0" err="1" smtClean="0">
+                <a:solidFill>
+                  <a:srgbClr val="FFC000"/>
+                </a:solidFill>
+              </a:rPr>
+              <a:t>quantidadePessoas</a:t>
+            </a:r>
+            <a:r>
+              <a:rPr lang="pt-BR" dirty="0" smtClean="0">
+                <a:solidFill>
+                  <a:srgbClr val="FFC000"/>
+                </a:solidFill>
+              </a:rPr>
+              <a:t>;</a:t>
             </a:r>
           </a:p>
         </p:txBody>
@@ -13064,7 +13362,7 @@
           <a:p>
             <a:r>
               <a:rPr lang="pt-BR" dirty="0" err="1" smtClean="0"/>
-              <a:t>ArithmeticException</a:t>
+              <a:t>ClassCastException</a:t>
             </a:r>
             <a:endParaRPr lang="pt-BR" dirty="0" smtClean="0"/>
           </a:p>
@@ -13100,7 +13398,23 @@
             </a:pPr>
             <a:r>
               <a:rPr lang="pt-BR" dirty="0" smtClean="0"/>
-              <a:t>Ocorre em operações aritméticas com inteiros que possuem resultado inválido</a:t>
+              <a:t>Ocorre ao tentar realizar o </a:t>
+            </a:r>
+            <a:r>
+              <a:rPr lang="pt-BR" i="1" dirty="0" err="1" smtClean="0"/>
+              <a:t>cast</a:t>
+            </a:r>
+            <a:r>
+              <a:rPr lang="pt-BR" dirty="0" smtClean="0"/>
+              <a:t> (</a:t>
+            </a:r>
+            <a:r>
+              <a:rPr lang="pt-BR" dirty="0" err="1" smtClean="0"/>
+              <a:t>tipagem</a:t>
+            </a:r>
+            <a:r>
+              <a:rPr lang="pt-BR" dirty="0" smtClean="0"/>
+              <a:t>) para um tipo incompatível com o objeto</a:t>
             </a:r>
           </a:p>
           <a:p>
@@ -13123,13 +13437,34 @@
               </a:spcBef>
               <a:buNone/>
             </a:pPr>
+            <a:endParaRPr lang="pt-BR" dirty="0" smtClean="0">
+              <a:solidFill>
+                <a:srgbClr val="FFC000"/>
+              </a:solidFill>
+            </a:endParaRPr>
+          </a:p>
+          <a:p>
+            <a:pPr marL="720725" lvl="1" indent="6350">
+              <a:spcBef>
+                <a:spcPts val="0"/>
+              </a:spcBef>
+              <a:buNone/>
+            </a:pPr>
+            <a:r>
+              <a:rPr lang="pt-BR" dirty="0" smtClean="0">
+                <a:solidFill>
+                  <a:srgbClr val="FFC000"/>
+                </a:solidFill>
+              </a:rPr>
+              <a:t>Conta c = </a:t>
+            </a:r>
             <a:r>
               <a:rPr lang="pt-BR" dirty="0" err="1" smtClean="0">
                 <a:solidFill>
                   <a:srgbClr val="FFC000"/>
                 </a:solidFill>
               </a:rPr>
-              <a:t>int</a:t>
+              <a:t>new</a:t>
             </a:r>
             <a:r>
               <a:rPr lang="pt-BR" dirty="0" smtClean="0">
@@ -13145,7 +13480,7 @@
                   <a:srgbClr val="FFC000"/>
                 </a:solidFill>
               </a:rPr>
-              <a:t>valorTotal</a:t>
+              <a:t>ContaPoupanca</a:t>
             </a:r>
             <a:r>
               <a:rPr lang="pt-BR" dirty="0" smtClean="0">
@@ -13153,7 +13488,7 @@
                   <a:srgbClr val="FFC000"/>
                 </a:solidFill>
               </a:rPr>
-              <a:t> = 25;</a:t>
+              <a:t>();</a:t>
             </a:r>
           </a:p>
           <a:p>
@@ -13169,7 +13504,7 @@
                   <a:srgbClr val="FFC000"/>
                 </a:solidFill>
               </a:rPr>
-              <a:t>int</a:t>
+              <a:t>ContaCorrente</a:t>
             </a:r>
             <a:r>
               <a:rPr lang="pt-BR" dirty="0" smtClean="0">
@@ -13177,7 +13512,7 @@
                   <a:srgbClr val="FFC000"/>
                 </a:solidFill>
               </a:rPr>
-              <a:t> </a:t>
+              <a:t> cc = (</a:t>
             </a:r>
             <a:r>
               <a:rPr lang="pt-BR" dirty="0" err="1" smtClean="0">
@@ -13185,7 +13520,7 @@
                   <a:srgbClr val="FFC000"/>
                 </a:solidFill>
               </a:rPr>
-              <a:t>quantidadePessoas</a:t>
+              <a:t>ContaCorrente</a:t>
             </a:r>
             <a:r>
               <a:rPr lang="pt-BR" dirty="0" smtClean="0">
@@ -13193,63 +13528,7 @@
                   <a:srgbClr val="FFC000"/>
                 </a:solidFill>
               </a:rPr>
-              <a:t> = 0;</a:t>
-            </a:r>
-          </a:p>
-          <a:p>
-            <a:pPr marL="720725" lvl="1" indent="6350">
-              <a:spcBef>
-                <a:spcPts val="0"/>
-              </a:spcBef>
-              <a:buNone/>
-            </a:pPr>
-            <a:r>
-              <a:rPr lang="pt-BR" dirty="0" err="1" smtClean="0">
-                <a:solidFill>
-                  <a:srgbClr val="FFC000"/>
-                </a:solidFill>
-              </a:rPr>
-              <a:t>int</a:t>
-            </a:r>
-            <a:r>
-              <a:rPr lang="pt-BR" dirty="0" smtClean="0">
-                <a:solidFill>
-                  <a:srgbClr val="FFC000"/>
-                </a:solidFill>
-              </a:rPr>
-              <a:t> rateio = </a:t>
-            </a:r>
-            <a:r>
-              <a:rPr lang="pt-BR" dirty="0" err="1" smtClean="0">
-                <a:solidFill>
-                  <a:srgbClr val="FFC000"/>
-                </a:solidFill>
-              </a:rPr>
-              <a:t>valorTotal</a:t>
-            </a:r>
-            <a:r>
-              <a:rPr lang="pt-BR" dirty="0" smtClean="0">
-                <a:solidFill>
-                  <a:srgbClr val="FFC000"/>
-                </a:solidFill>
-              </a:rPr>
-              <a:t> / </a:t>
-            </a:r>
-            <a:r>
-              <a:rPr lang="pt-BR" dirty="0" err="1" smtClean="0">
-                <a:solidFill>
-                  <a:srgbClr val="FFC000"/>
-                </a:solidFill>
-              </a:rPr>
-              <a:t>quantidadePessoas</a:t>
-            </a:r>
-            <a:r>
-              <a:rPr lang="pt-BR" dirty="0" smtClean="0">
-                <a:solidFill>
-                  <a:srgbClr val="FFC000"/>
-                </a:solidFill>
-              </a:rPr>
-              <a:t>;</a:t>
+              <a:t>) c;</a:t>
             </a:r>
           </a:p>
         </p:txBody>
@@ -13363,7 +13642,7 @@
           <a:p>
             <a:r>
               <a:rPr lang="pt-BR" dirty="0" err="1" smtClean="0"/>
-              <a:t>ClassCastException</a:t>
+              <a:t>IOException</a:t>
             </a:r>
             <a:endParaRPr lang="pt-BR" dirty="0" smtClean="0"/>
           </a:p>
@@ -13374,22 +13653,33 @@
               </a:spcBef>
             </a:pPr>
             <a:r>
-              <a:rPr lang="pt-BR" dirty="0" smtClean="0"/>
-              <a:t>Exceção não verificada pertencente ao pacote </a:t>
-            </a:r>
-            <a:r>
-              <a:rPr lang="pt-BR" b="1" i="1" dirty="0" err="1" smtClean="0"/>
+              <a:rPr lang="pt-BR" sz="2000" dirty="0" smtClean="0"/>
+              <a:t>Exceção </a:t>
+            </a:r>
+            <a:r>
+              <a:rPr lang="pt-BR" sz="2000" u="sng" dirty="0" smtClean="0"/>
+              <a:t>verificada</a:t>
+            </a:r>
+            <a:r>
+              <a:rPr lang="pt-BR" sz="2000" dirty="0" smtClean="0"/>
+              <a:t> pertencente ao pacote </a:t>
+            </a:r>
+            <a:r>
+              <a:rPr lang="pt-BR" sz="2000" b="1" i="1" dirty="0" err="1" smtClean="0"/>
               <a:t>java</a:t>
             </a:r>
             <a:r>
-              <a:rPr lang="pt-BR" b="1" i="1" dirty="0" smtClean="0"/>
+              <a:rPr lang="pt-BR" sz="2000" b="1" i="1" dirty="0" smtClean="0"/>
               <a:t>.</a:t>
             </a:r>
             <a:r>
-              <a:rPr lang="pt-BR" b="1" i="1" dirty="0" err="1" smtClean="0"/>
-              <a:t>lang</a:t>
-            </a:r>
-            <a:endParaRPr lang="pt-BR" dirty="0" smtClean="0"/>
+              <a:rPr lang="pt-BR" sz="2000" b="1" i="1" dirty="0" err="1" smtClean="0"/>
+              <a:t>io</a:t>
+            </a:r>
+            <a:r>
+              <a:rPr lang="pt-BR" sz="2000" dirty="0" smtClean="0"/>
+              <a:t> (será visto no capítulo 10)</a:t>
+            </a:r>
           </a:p>
           <a:p>
             <a:pPr lvl="1">
@@ -13398,24 +13688,19 @@
               </a:spcBef>
             </a:pPr>
             <a:r>
-              <a:rPr lang="pt-BR" dirty="0" smtClean="0"/>
-              <a:t>Ocorre ao tentar realizar o </a:t>
-            </a:r>
-            <a:r>
-              <a:rPr lang="pt-BR" i="1" dirty="0" err="1" smtClean="0"/>
-              <a:t>cast</a:t>
-            </a:r>
-            <a:r>
-              <a:rPr lang="pt-BR" dirty="0" smtClean="0"/>
-              <a:t> (</a:t>
-            </a:r>
-            <a:r>
-              <a:rPr lang="pt-BR" dirty="0" err="1" smtClean="0"/>
-              <a:t>tipagem</a:t>
-            </a:r>
-            <a:r>
-              <a:rPr lang="pt-BR" dirty="0" smtClean="0"/>
-              <a:t>) para um tipo incompatível com o objeto</a:t>
+              <a:rPr lang="pt-BR" sz="2000" dirty="0" smtClean="0"/>
+              <a:t>Ocorre em operações de input/output, como leitura de arquivos, comunicação por rede que não são realizados com sucesso.</a:t>
+            </a:r>
+          </a:p>
+          <a:p>
+            <a:pPr lvl="1">
+              <a:spcBef>
+                <a:spcPts val="1800"/>
+              </a:spcBef>
+            </a:pPr>
+            <a:r>
+              <a:rPr lang="pt-BR" sz="2000" dirty="0" smtClean="0"/>
+              <a:t>Possui diversas classes filhas que representam subtipos de problemas do gênero I/O</a:t>
             </a:r>
           </a:p>
           <a:p>
@@ -13438,11 +13723,38 @@
               </a:spcBef>
               <a:buNone/>
             </a:pPr>
-            <a:endParaRPr lang="pt-BR" dirty="0" smtClean="0">
-              <a:solidFill>
-                <a:srgbClr val="FFC000"/>
-              </a:solidFill>
-            </a:endParaRPr>
+            <a:r>
+              <a:rPr lang="pt-BR" dirty="0" err="1" smtClean="0">
+                <a:solidFill>
+                  <a:srgbClr val="FFC000"/>
+                </a:solidFill>
+              </a:rPr>
+              <a:t>FileReader</a:t>
+            </a:r>
+            <a:r>
+              <a:rPr lang="pt-BR" dirty="0" smtClean="0">
+                <a:solidFill>
+                  <a:srgbClr val="FFC000"/>
+                </a:solidFill>
+              </a:rPr>
+              <a:t> </a:t>
+            </a:r>
+            <a:r>
+              <a:rPr lang="pt-BR" dirty="0" err="1" smtClean="0">
+                <a:solidFill>
+                  <a:srgbClr val="FFC000"/>
+                </a:solidFill>
+              </a:rPr>
+              <a:t>doc</a:t>
+            </a:r>
+            <a:r>
+              <a:rPr lang="pt-BR" dirty="0" smtClean="0">
+                <a:solidFill>
+                  <a:srgbClr val="FFC000"/>
+                </a:solidFill>
+              </a:rPr>
+              <a:t>;</a:t>
+            </a:r>
           </a:p>
           <a:p>
             <a:pPr marL="720725" lvl="1" indent="6350">
@@ -13452,20 +13764,20 @@
               <a:buNone/>
             </a:pPr>
             <a:r>
+              <a:rPr lang="pt-BR" dirty="0" err="1" smtClean="0">
+                <a:solidFill>
+                  <a:srgbClr val="FFC000"/>
+                </a:solidFill>
+              </a:rPr>
+              <a:t>doc</a:t>
+            </a:r>
+            <a:r>
               <a:rPr lang="pt-BR" dirty="0" smtClean="0">
                 <a:solidFill>
                   <a:srgbClr val="FFC000"/>
                 </a:solidFill>
               </a:rPr>
-              <a:t>Conta </a:t>
-            </a:r>
-            <a:r>
-              <a:rPr lang="pt-BR" dirty="0" smtClean="0">
-                <a:solidFill>
-                  <a:srgbClr val="FFC000"/>
-                </a:solidFill>
-              </a:rPr>
-              <a:t>c = </a:t>
+              <a:t> = </a:t>
             </a:r>
             <a:r>
               <a:rPr lang="pt-BR" dirty="0" err="1" smtClean="0">
@@ -13489,7 +13801,7 @@
                   <a:srgbClr val="FFC000"/>
                 </a:solidFill>
               </a:rPr>
-              <a:t>ContaPoupanca</a:t>
+              <a:t>FileReader</a:t>
             </a:r>
             <a:r>
               <a:rPr lang="pt-BR" dirty="0" smtClean="0">
@@ -13497,76 +13809,7 @@
                   <a:srgbClr val="FFC000"/>
                 </a:solidFill>
               </a:rPr>
-              <a:t>();</a:t>
-            </a:r>
-            <a:endParaRPr lang="pt-BR" dirty="0" smtClean="0">
-              <a:solidFill>
-                <a:srgbClr val="FFC000"/>
-              </a:solidFill>
-            </a:endParaRPr>
-          </a:p>
-          <a:p>
-            <a:pPr marL="720725" lvl="1" indent="6350">
-              <a:spcBef>
-                <a:spcPts val="0"/>
-              </a:spcBef>
-              <a:buNone/>
-            </a:pPr>
-            <a:r>
-              <a:rPr lang="pt-BR" dirty="0" err="1" smtClean="0">
-                <a:solidFill>
-                  <a:srgbClr val="FFC000"/>
-                </a:solidFill>
-              </a:rPr>
-              <a:t>ContaCorrente</a:t>
-            </a:r>
-            <a:r>
-              <a:rPr lang="pt-BR" dirty="0" smtClean="0">
-                <a:solidFill>
-                  <a:srgbClr val="FFC000"/>
-                </a:solidFill>
-              </a:rPr>
-              <a:t> cc </a:t>
-            </a:r>
-            <a:r>
-              <a:rPr lang="pt-BR" dirty="0" smtClean="0">
-                <a:solidFill>
-                  <a:srgbClr val="FFC000"/>
-                </a:solidFill>
-              </a:rPr>
-              <a:t>= </a:t>
-            </a:r>
-            <a:r>
-              <a:rPr lang="pt-BR" dirty="0" smtClean="0">
-                <a:solidFill>
-                  <a:srgbClr val="FFC000"/>
-                </a:solidFill>
-              </a:rPr>
-              <a:t>(</a:t>
-            </a:r>
-            <a:r>
-              <a:rPr lang="pt-BR" dirty="0" err="1" smtClean="0">
-                <a:solidFill>
-                  <a:srgbClr val="FFC000"/>
-                </a:solidFill>
-              </a:rPr>
-              <a:t>ContaCorrente</a:t>
-            </a:r>
-            <a:r>
-              <a:rPr lang="pt-BR" dirty="0" smtClean="0">
-                <a:solidFill>
-                  <a:srgbClr val="FFC000"/>
-                </a:solidFill>
-              </a:rPr>
-              <a:t>) </a:t>
-            </a:r>
-            <a:r>
-              <a:rPr lang="pt-BR" dirty="0" smtClean="0">
-                <a:solidFill>
-                  <a:srgbClr val="FFC000"/>
-                </a:solidFill>
-              </a:rPr>
-              <a:t>c;</a:t>
+              <a:t>(“C:\\carta.txt”);</a:t>
             </a:r>
           </a:p>
         </p:txBody>
@@ -13673,14 +13916,19 @@
             <p:ph idx="1"/>
           </p:nvPr>
         </p:nvSpPr>
-        <p:spPr/>
+        <p:spPr>
+          <a:xfrm>
+            <a:off x="457200" y="1600200"/>
+            <a:ext cx="8219256" cy="4525963"/>
+          </a:xfrm>
+        </p:spPr>
         <p:txBody>
           <a:bodyPr/>
           <a:lstStyle/>
           <a:p>
             <a:r>
               <a:rPr lang="pt-BR" dirty="0" err="1" smtClean="0"/>
-              <a:t>IOException</a:t>
+              <a:t>SQLException</a:t>
             </a:r>
             <a:endParaRPr lang="pt-BR" dirty="0" smtClean="0"/>
           </a:p>
@@ -13712,11 +13960,11 @@
             </a:r>
             <a:r>
               <a:rPr lang="pt-BR" sz="2000" b="1" i="1" dirty="0" err="1" smtClean="0"/>
-              <a:t>io</a:t>
+              <a:t>sql</a:t>
             </a:r>
             <a:r>
               <a:rPr lang="pt-BR" sz="2000" dirty="0" smtClean="0"/>
-              <a:t> (será visto no capítulo 10)</a:t>
+              <a:t> (será visto no capítulo 11)</a:t>
             </a:r>
           </a:p>
           <a:p>
@@ -13727,90 +13975,81 @@
             </a:pPr>
             <a:r>
               <a:rPr lang="pt-BR" sz="2000" dirty="0" smtClean="0"/>
-              <a:t>Ocorre em operações de input/output, como leitura de arquivos, comunicação por rede que não são realizados com sucesso.</a:t>
-            </a:r>
-          </a:p>
-          <a:p>
-            <a:pPr lvl="1">
+              <a:t>Ocorre ao tentar realizar operações de acesso a bancos de dados que resultam em problemas, tais como:</a:t>
+            </a:r>
+          </a:p>
+          <a:p>
+            <a:pPr lvl="2">
               <a:spcBef>
-                <a:spcPts val="1800"/>
+                <a:spcPts val="600"/>
               </a:spcBef>
             </a:pPr>
-            <a:r>
-              <a:rPr lang="pt-BR" sz="2000" dirty="0" smtClean="0"/>
-              <a:t>Possui diversas classes filhas que representam subtipos de problemas do gênero I/O</a:t>
-            </a:r>
-          </a:p>
-          <a:p>
-            <a:pPr marL="720725" lvl="1" indent="6350">
+            <a:endParaRPr lang="pt-BR" sz="1800" dirty="0" smtClean="0"/>
+          </a:p>
+          <a:p>
+            <a:pPr lvl="2">
+              <a:spcBef>
+                <a:spcPts val="600"/>
+              </a:spcBef>
+            </a:pPr>
+            <a:r>
+              <a:rPr lang="pt-BR" sz="1800" dirty="0" smtClean="0"/>
+              <a:t>Tentar acessar um banco de dados que não está no ar;</a:t>
+            </a:r>
+          </a:p>
+          <a:p>
+            <a:pPr lvl="2">
+              <a:spcBef>
+                <a:spcPts val="600"/>
+              </a:spcBef>
+            </a:pPr>
+            <a:r>
+              <a:rPr lang="pt-BR" sz="1800" dirty="0" smtClean="0"/>
+              <a:t>Tentar conectar com usuário ou senha inválidos;</a:t>
+            </a:r>
+          </a:p>
+          <a:p>
+            <a:pPr lvl="2">
+              <a:spcBef>
+                <a:spcPts val="600"/>
+              </a:spcBef>
+            </a:pPr>
+            <a:r>
+              <a:rPr lang="pt-BR" sz="1800" dirty="0" smtClean="0"/>
+              <a:t>Tentar acessar uma tabela inexistente.</a:t>
+            </a:r>
+            <a:endParaRPr lang="pt-BR" sz="2000" dirty="0" smtClean="0"/>
+          </a:p>
+          <a:p>
+            <a:pPr marL="0" lvl="1" indent="6350" algn="ctr">
               <a:spcBef>
                 <a:spcPts val="0"/>
               </a:spcBef>
               <a:buNone/>
             </a:pPr>
-            <a:endParaRPr lang="pt-BR" dirty="0" smtClean="0">
+            <a:endParaRPr lang="pt-BR" sz="2000" spc="-30" dirty="0" smtClean="0">
               <a:solidFill>
                 <a:srgbClr val="FFC000"/>
               </a:solidFill>
             </a:endParaRPr>
           </a:p>
           <a:p>
-            <a:pPr marL="720725" lvl="1" indent="6350">
+            <a:pPr marL="0" lvl="1" indent="6350" algn="ctr">
               <a:spcBef>
                 <a:spcPts val="0"/>
               </a:spcBef>
               <a:buNone/>
             </a:pPr>
             <a:r>
-              <a:rPr lang="pt-BR" dirty="0" err="1" smtClean="0">
+              <a:rPr lang="pt-BR" sz="2000" spc="-30" dirty="0" err="1" smtClean="0">
                 <a:solidFill>
                   <a:srgbClr val="FFC000"/>
                 </a:solidFill>
               </a:rPr>
-              <a:t>FileReader</a:t>
-            </a:r>
-            <a:r>
-              <a:rPr lang="pt-BR" dirty="0" smtClean="0">
-                <a:solidFill>
-                  <a:srgbClr val="FFC000"/>
-                </a:solidFill>
-              </a:rPr>
-              <a:t> </a:t>
-            </a:r>
-            <a:r>
-              <a:rPr lang="pt-BR" dirty="0" err="1" smtClean="0">
-                <a:solidFill>
-                  <a:srgbClr val="FFC000"/>
-                </a:solidFill>
-              </a:rPr>
-              <a:t>doc</a:t>
-            </a:r>
-            <a:r>
-              <a:rPr lang="pt-BR" dirty="0" smtClean="0">
-                <a:solidFill>
-                  <a:srgbClr val="FFC000"/>
-                </a:solidFill>
-              </a:rPr>
-              <a:t>;</a:t>
-            </a:r>
-          </a:p>
-          <a:p>
-            <a:pPr marL="720725" lvl="1" indent="6350">
-              <a:spcBef>
-                <a:spcPts val="0"/>
-              </a:spcBef>
-              <a:buNone/>
-            </a:pPr>
-            <a:r>
-              <a:rPr lang="pt-BR" dirty="0" err="1" smtClean="0">
-                <a:solidFill>
-                  <a:srgbClr val="FFC000"/>
-                </a:solidFill>
-              </a:rPr>
-              <a:t>doc</a:t>
-            </a:r>
-            <a:r>
-              <a:rPr lang="pt-BR" dirty="0" smtClean="0">
+              <a:t>rs</a:t>
+            </a:r>
+            <a:r>
+              <a:rPr lang="pt-BR" sz="2000" spc="-30" dirty="0" smtClean="0">
                 <a:solidFill>
                   <a:srgbClr val="FFC000"/>
                 </a:solidFill>
@@ -13818,36 +14057,68 @@
               <a:t> = </a:t>
             </a:r>
             <a:r>
-              <a:rPr lang="pt-BR" dirty="0" err="1" smtClean="0">
+              <a:rPr lang="pt-BR" sz="2000" spc="-30" dirty="0" err="1" smtClean="0">
                 <a:solidFill>
                   <a:srgbClr val="FFC000"/>
                 </a:solidFill>
               </a:rPr>
-              <a:t>new</a:t>
-            </a:r>
-            <a:r>
-              <a:rPr lang="pt-BR" dirty="0" smtClean="0">
+              <a:t>st</a:t>
+            </a:r>
+            <a:r>
+              <a:rPr lang="pt-BR" sz="2000" spc="-30" dirty="0" smtClean="0">
                 <a:solidFill>
                   <a:srgbClr val="FFC000"/>
                 </a:solidFill>
               </a:rPr>
-              <a:t> </a:t>
-            </a:r>
-            <a:r>
-              <a:rPr lang="pt-BR" dirty="0" err="1" smtClean="0">
+              <a:t>.</a:t>
+            </a:r>
+            <a:r>
+              <a:rPr lang="pt-BR" sz="2000" spc="-30" dirty="0" err="1" smtClean="0">
                 <a:solidFill>
                   <a:srgbClr val="FFC000"/>
                 </a:solidFill>
               </a:rPr>
-              <a:t>FileReader</a:t>
-            </a:r>
-            <a:r>
-              <a:rPr lang="pt-BR" dirty="0" smtClean="0">
+              <a:t>executeUpdate</a:t>
+            </a:r>
+            <a:r>
+              <a:rPr lang="pt-BR" sz="2000" spc="-30" dirty="0" smtClean="0">
                 <a:solidFill>
                   <a:srgbClr val="FFC000"/>
                 </a:solidFill>
               </a:rPr>
-              <a:t>(“C:\\carta.txt”);</a:t>
+              <a:t>(“SELECT nome, </a:t>
+            </a:r>
+            <a:r>
+              <a:rPr lang="pt-BR" sz="2000" spc="-30" dirty="0" err="1" smtClean="0">
+                <a:solidFill>
+                  <a:srgbClr val="FFC000"/>
+                </a:solidFill>
+              </a:rPr>
+              <a:t>salario</a:t>
+            </a:r>
+            <a:r>
+              <a:rPr lang="pt-BR" sz="2000" spc="-30" dirty="0" smtClean="0">
+                <a:solidFill>
+                  <a:srgbClr val="FFC000"/>
+                </a:solidFill>
+              </a:rPr>
+              <a:t> FROM </a:t>
+            </a:r>
+            <a:r>
+              <a:rPr lang="pt-BR" sz="2000" spc="-30" dirty="0" err="1" smtClean="0">
+                <a:solidFill>
+                  <a:srgbClr val="FFC000"/>
+                </a:solidFill>
+              </a:rPr>
+              <a:t>tab_funcionario</a:t>
+            </a:r>
+            <a:r>
+              <a:rPr lang="pt-BR" sz="2000" spc="-30" dirty="0" smtClean="0">
+                <a:solidFill>
+                  <a:srgbClr val="FFC000"/>
+                </a:solidFill>
+              </a:rPr>
+              <a:t>”);</a:t>
             </a:r>
           </a:p>
         </p:txBody>
@@ -13938,7 +14209,18 @@
                 <a:ea typeface="+mj-ea"/>
                 <a:cs typeface="+mj-cs"/>
               </a:rPr>
-              <a:t>Principais exceções</a:t>
+              <a:t>Cláusula </a:t>
+            </a:r>
+            <a:r>
+              <a:rPr lang="pt-BR" sz="4600" kern="1200" dirty="0" err="1" smtClean="0">
+                <a:solidFill>
+                  <a:schemeClr val="tx1"/>
+                </a:solidFill>
+                <a:latin typeface="+mj-lt"/>
+                <a:ea typeface="+mj-ea"/>
+                <a:cs typeface="+mj-cs"/>
+              </a:rPr>
+              <a:t>throw</a:t>
             </a:r>
             <a:endParaRPr lang="pt-BR" dirty="0"/>
           </a:p>
@@ -13957,7 +14239,7 @@
         <p:spPr>
           <a:xfrm>
             <a:off x="457200" y="1600200"/>
-            <a:ext cx="8219256" cy="4525963"/>
+            <a:ext cx="7571184" cy="4525963"/>
           </a:xfrm>
         </p:spPr>
         <p:txBody>
@@ -13965,199 +14247,10 @@
           <a:lstStyle/>
           <a:p>
             <a:r>
-              <a:rPr lang="pt-BR" dirty="0" err="1" smtClean="0"/>
-              <a:t>SQLException</a:t>
-            </a:r>
-            <a:endParaRPr lang="pt-BR" dirty="0" smtClean="0"/>
-          </a:p>
-          <a:p>
-            <a:pPr lvl="1">
-              <a:spcBef>
-                <a:spcPts val="1800"/>
-              </a:spcBef>
-            </a:pPr>
-            <a:r>
-              <a:rPr lang="pt-BR" sz="2000" dirty="0" smtClean="0"/>
-              <a:t>Exceção </a:t>
-            </a:r>
-            <a:r>
-              <a:rPr lang="pt-BR" sz="2000" u="sng" dirty="0" smtClean="0"/>
-              <a:t>verificada</a:t>
-            </a:r>
-            <a:r>
-              <a:rPr lang="pt-BR" sz="2000" dirty="0" smtClean="0"/>
-              <a:t> pertencente ao pacote </a:t>
-            </a:r>
-            <a:r>
-              <a:rPr lang="pt-BR" sz="2000" b="1" i="1" dirty="0" err="1" smtClean="0"/>
-              <a:t>java</a:t>
-            </a:r>
-            <a:r>
-              <a:rPr lang="pt-BR" sz="2000" b="1" i="1" dirty="0" smtClean="0"/>
-              <a:t>.</a:t>
-            </a:r>
-            <a:r>
-              <a:rPr lang="pt-BR" sz="2000" b="1" i="1" dirty="0" err="1" smtClean="0"/>
-              <a:t>sql</a:t>
-            </a:r>
-            <a:r>
-              <a:rPr lang="pt-BR" sz="2000" dirty="0" smtClean="0"/>
-              <a:t> (será visto no capítulo 11)</a:t>
-            </a:r>
-          </a:p>
-          <a:p>
-            <a:pPr lvl="1">
-              <a:spcBef>
-                <a:spcPts val="1800"/>
-              </a:spcBef>
-            </a:pPr>
-            <a:r>
-              <a:rPr lang="pt-BR" sz="2000" dirty="0" smtClean="0"/>
-              <a:t>Ocorre ao tentar realizar operações de acesso a bancos de dados que resultam em problemas, tais como:</a:t>
-            </a:r>
-          </a:p>
-          <a:p>
-            <a:pPr lvl="2">
-              <a:spcBef>
-                <a:spcPts val="600"/>
-              </a:spcBef>
-            </a:pPr>
-            <a:endParaRPr lang="pt-BR" sz="1800" dirty="0" smtClean="0"/>
-          </a:p>
-          <a:p>
-            <a:pPr lvl="2">
-              <a:spcBef>
-                <a:spcPts val="600"/>
-              </a:spcBef>
-            </a:pPr>
-            <a:r>
-              <a:rPr lang="pt-BR" sz="1800" dirty="0" smtClean="0"/>
-              <a:t>Tentar acessar um banco de dados que não está no ar;</a:t>
-            </a:r>
-          </a:p>
-          <a:p>
-            <a:pPr lvl="2">
-              <a:spcBef>
-                <a:spcPts val="600"/>
-              </a:spcBef>
-            </a:pPr>
-            <a:r>
-              <a:rPr lang="pt-BR" sz="1800" dirty="0" smtClean="0"/>
-              <a:t>Tentar conectar com usuário ou senha inválidos;</a:t>
-            </a:r>
-          </a:p>
-          <a:p>
-            <a:pPr lvl="2">
-              <a:spcBef>
-                <a:spcPts val="600"/>
-              </a:spcBef>
-            </a:pPr>
-            <a:r>
-              <a:rPr lang="pt-BR" sz="1800" dirty="0" smtClean="0"/>
-              <a:t>Tentar acessar uma tabela inexistente.</a:t>
-            </a:r>
-            <a:endParaRPr lang="pt-BR" sz="2000" dirty="0" smtClean="0"/>
-          </a:p>
-          <a:p>
-            <a:pPr marL="0" lvl="1" indent="6350" algn="ctr">
-              <a:spcBef>
-                <a:spcPts val="0"/>
-              </a:spcBef>
-              <a:buNone/>
-            </a:pPr>
-            <a:endParaRPr lang="pt-BR" sz="2000" spc="-30" dirty="0" smtClean="0">
-              <a:solidFill>
-                <a:srgbClr val="FFC000"/>
-              </a:solidFill>
-            </a:endParaRPr>
-          </a:p>
-          <a:p>
-            <a:pPr marL="0" lvl="1" indent="6350" algn="ctr">
-              <a:spcBef>
-                <a:spcPts val="0"/>
-              </a:spcBef>
-              <a:buNone/>
-            </a:pPr>
-            <a:r>
-              <a:rPr lang="pt-BR" sz="2000" spc="-30" dirty="0" err="1" smtClean="0">
-                <a:solidFill>
-                  <a:srgbClr val="FFC000"/>
-                </a:solidFill>
-              </a:rPr>
-              <a:t>rs</a:t>
-            </a:r>
-            <a:r>
-              <a:rPr lang="pt-BR" sz="2000" spc="-30" dirty="0" smtClean="0">
-                <a:solidFill>
-                  <a:srgbClr val="FFC000"/>
-                </a:solidFill>
-              </a:rPr>
-              <a:t> = </a:t>
-            </a:r>
-            <a:r>
-              <a:rPr lang="pt-BR" sz="2000" spc="-30" dirty="0" err="1" smtClean="0">
-                <a:solidFill>
-                  <a:srgbClr val="FFC000"/>
-                </a:solidFill>
-              </a:rPr>
-              <a:t>st</a:t>
-            </a:r>
-            <a:r>
-              <a:rPr lang="pt-BR" sz="2000" spc="-30" dirty="0" smtClean="0">
-                <a:solidFill>
-                  <a:srgbClr val="FFC000"/>
-                </a:solidFill>
-              </a:rPr>
-              <a:t>.</a:t>
-            </a:r>
-            <a:r>
-              <a:rPr lang="pt-BR" sz="2000" spc="-30" dirty="0" err="1" smtClean="0">
-                <a:solidFill>
-                  <a:srgbClr val="FFC000"/>
-                </a:solidFill>
-              </a:rPr>
-              <a:t>executeUpdate</a:t>
-            </a:r>
-            <a:r>
-              <a:rPr lang="pt-BR" sz="2000" spc="-30" dirty="0" smtClean="0">
-                <a:solidFill>
-                  <a:srgbClr val="FFC000"/>
-                </a:solidFill>
-              </a:rPr>
-              <a:t>(“SELECT nome, </a:t>
-            </a:r>
-            <a:r>
-              <a:rPr lang="pt-BR" sz="2000" spc="-30" dirty="0" err="1" smtClean="0">
-                <a:solidFill>
-                  <a:srgbClr val="FFC000"/>
-                </a:solidFill>
-              </a:rPr>
-              <a:t>salario</a:t>
-            </a:r>
-            <a:r>
-              <a:rPr lang="pt-BR" sz="2000" spc="-30" dirty="0" smtClean="0">
-                <a:solidFill>
-                  <a:srgbClr val="FFC000"/>
-                </a:solidFill>
-              </a:rPr>
-              <a:t> FROM </a:t>
-            </a:r>
-            <a:r>
-              <a:rPr lang="pt-BR" sz="2000" spc="-30" dirty="0" err="1" smtClean="0">
-                <a:solidFill>
-                  <a:srgbClr val="FFC000"/>
-                </a:solidFill>
-              </a:rPr>
-              <a:t>tab_funcionario</a:t>
-            </a:r>
-            <a:r>
-              <a:rPr lang="pt-BR" sz="2000" spc="-30" dirty="0" smtClean="0">
-                <a:solidFill>
-                  <a:srgbClr val="FFC000"/>
-                </a:solidFill>
-              </a:rPr>
-              <a:t>”);</a:t>
-            </a:r>
+              <a:rPr lang="pt-BR" dirty="0" smtClean="0"/>
+              <a:t>Força a ocorrência de uma exception sinalizando que há algum problema ao executar a operação em questão.</a:t>
+            </a:r>
+            <a:endParaRPr lang="pt-BR" sz="2200" dirty="0"/>
           </a:p>
         </p:txBody>
       </p:sp>
@@ -14286,7 +14379,289 @@
           <a:p>
             <a:r>
               <a:rPr lang="pt-BR" dirty="0" smtClean="0"/>
-              <a:t>Força a ocorrência de uma exception sinalizando que há algum problema ao executar a operação em questão.</a:t>
+              <a:t>Exemplo</a:t>
+            </a:r>
+          </a:p>
+          <a:p>
+            <a:pPr marL="442913" indent="0">
+              <a:spcBef>
+                <a:spcPts val="0"/>
+              </a:spcBef>
+              <a:buNone/>
+              <a:tabLst>
+                <a:tab pos="900113" algn="l"/>
+                <a:tab pos="1344613" algn="l"/>
+              </a:tabLst>
+            </a:pPr>
+            <a:endParaRPr lang="pt-BR" sz="2200" dirty="0" smtClean="0"/>
+          </a:p>
+          <a:p>
+            <a:pPr marL="442913" indent="0">
+              <a:spcBef>
+                <a:spcPts val="0"/>
+              </a:spcBef>
+              <a:buNone/>
+              <a:tabLst>
+                <a:tab pos="900113" algn="l"/>
+                <a:tab pos="1344613" algn="l"/>
+              </a:tabLst>
+            </a:pPr>
+            <a:endParaRPr lang="pt-BR" sz="2200" dirty="0" smtClean="0"/>
+          </a:p>
+          <a:p>
+            <a:pPr marL="442913" indent="0">
+              <a:spcBef>
+                <a:spcPts val="0"/>
+              </a:spcBef>
+              <a:buNone/>
+              <a:tabLst>
+                <a:tab pos="900113" algn="l"/>
+                <a:tab pos="1344613" algn="l"/>
+              </a:tabLst>
+            </a:pPr>
+            <a:r>
+              <a:rPr lang="pt-BR" sz="2200" dirty="0" err="1" smtClean="0"/>
+              <a:t>public</a:t>
+            </a:r>
+            <a:r>
+              <a:rPr lang="pt-BR" sz="2200" dirty="0" smtClean="0"/>
+              <a:t> </a:t>
+            </a:r>
+            <a:r>
+              <a:rPr lang="pt-BR" sz="2200" dirty="0" err="1" smtClean="0"/>
+              <a:t>void</a:t>
+            </a:r>
+            <a:r>
+              <a:rPr lang="pt-BR" sz="2200" dirty="0" smtClean="0"/>
+              <a:t> </a:t>
+            </a:r>
+            <a:r>
+              <a:rPr lang="pt-BR" sz="2200" dirty="0" err="1" smtClean="0"/>
+              <a:t>exibeParabens</a:t>
+            </a:r>
+            <a:r>
+              <a:rPr lang="pt-BR" sz="2200" dirty="0" smtClean="0"/>
+              <a:t>(</a:t>
+            </a:r>
+            <a:r>
+              <a:rPr lang="pt-BR" sz="2200" dirty="0" err="1" smtClean="0"/>
+              <a:t>int</a:t>
+            </a:r>
+            <a:r>
+              <a:rPr lang="pt-BR" sz="2200" dirty="0" smtClean="0"/>
+              <a:t> idade) </a:t>
+            </a:r>
+            <a:r>
+              <a:rPr lang="pt-BR" sz="2200" dirty="0" err="1" smtClean="0">
+                <a:solidFill>
+                  <a:srgbClr val="FFC000"/>
+                </a:solidFill>
+              </a:rPr>
+              <a:t>throws</a:t>
+            </a:r>
+            <a:r>
+              <a:rPr lang="pt-BR" sz="2200" dirty="0" smtClean="0">
+                <a:solidFill>
+                  <a:srgbClr val="FFC000"/>
+                </a:solidFill>
+              </a:rPr>
+              <a:t> Exception</a:t>
+            </a:r>
+            <a:r>
+              <a:rPr lang="pt-BR" sz="2200" dirty="0" smtClean="0"/>
+              <a:t> {</a:t>
+            </a:r>
+          </a:p>
+          <a:p>
+            <a:pPr marL="442913" indent="0">
+              <a:spcBef>
+                <a:spcPts val="0"/>
+              </a:spcBef>
+              <a:buNone/>
+              <a:tabLst>
+                <a:tab pos="900113" algn="l"/>
+                <a:tab pos="1344613" algn="l"/>
+              </a:tabLst>
+            </a:pPr>
+            <a:r>
+              <a:rPr lang="pt-BR" sz="2200" dirty="0" smtClean="0"/>
+              <a:t>	</a:t>
+            </a:r>
+            <a:r>
+              <a:rPr lang="pt-BR" sz="2200" dirty="0" err="1" smtClean="0"/>
+              <a:t>if</a:t>
+            </a:r>
+            <a:r>
+              <a:rPr lang="pt-BR" sz="2200" dirty="0" smtClean="0"/>
+              <a:t> (idade &gt;= 0) {</a:t>
+            </a:r>
+          </a:p>
+          <a:p>
+            <a:pPr marL="442913" indent="0">
+              <a:spcBef>
+                <a:spcPts val="0"/>
+              </a:spcBef>
+              <a:buNone/>
+              <a:tabLst>
+                <a:tab pos="900113" algn="l"/>
+                <a:tab pos="1344613" algn="l"/>
+              </a:tabLst>
+            </a:pPr>
+            <a:r>
+              <a:rPr lang="pt-BR" sz="2200" dirty="0" smtClean="0"/>
+              <a:t>		System.</a:t>
+            </a:r>
+            <a:r>
+              <a:rPr lang="pt-BR" sz="2200" dirty="0" err="1" smtClean="0"/>
+              <a:t>out.println</a:t>
+            </a:r>
+            <a:r>
+              <a:rPr lang="pt-BR" sz="2200" dirty="0" smtClean="0"/>
+              <a:t>(“</a:t>
+            </a:r>
+            <a:r>
+              <a:rPr lang="pt-BR" sz="2200" dirty="0" err="1" smtClean="0"/>
+              <a:t>Parabens</a:t>
+            </a:r>
+            <a:r>
+              <a:rPr lang="pt-BR" sz="2200" dirty="0" smtClean="0"/>
+              <a:t> pelos seus ” +</a:t>
+            </a:r>
+          </a:p>
+          <a:p>
+            <a:pPr marL="442913" indent="0">
+              <a:spcBef>
+                <a:spcPts val="0"/>
+              </a:spcBef>
+              <a:buNone/>
+              <a:tabLst>
+                <a:tab pos="900113" algn="l"/>
+                <a:tab pos="1344613" algn="l"/>
+              </a:tabLst>
+            </a:pPr>
+            <a:r>
+              <a:rPr lang="pt-BR" sz="2200" dirty="0" smtClean="0"/>
+              <a:t>			idade + “ anos de vida.”);</a:t>
+            </a:r>
+          </a:p>
+          <a:p>
+            <a:pPr marL="442913" indent="0">
+              <a:spcBef>
+                <a:spcPts val="0"/>
+              </a:spcBef>
+              <a:buNone/>
+              <a:tabLst>
+                <a:tab pos="900113" algn="l"/>
+                <a:tab pos="1344613" algn="l"/>
+              </a:tabLst>
+            </a:pPr>
+            <a:r>
+              <a:rPr lang="pt-BR" sz="2200" dirty="0" smtClean="0"/>
+              <a:t>	} </a:t>
+            </a:r>
+            <a:r>
+              <a:rPr lang="pt-BR" sz="2200" dirty="0" err="1" smtClean="0"/>
+              <a:t>else</a:t>
+            </a:r>
+            <a:r>
+              <a:rPr lang="pt-BR" sz="2200" dirty="0" smtClean="0"/>
+              <a:t> {</a:t>
+            </a:r>
+          </a:p>
+          <a:p>
+            <a:pPr marL="442913" indent="0">
+              <a:spcBef>
+                <a:spcPts val="0"/>
+              </a:spcBef>
+              <a:buNone/>
+              <a:tabLst>
+                <a:tab pos="900113" algn="l"/>
+                <a:tab pos="1344613" algn="l"/>
+              </a:tabLst>
+            </a:pPr>
+            <a:r>
+              <a:rPr lang="pt-BR" sz="2200" dirty="0" smtClean="0"/>
+              <a:t>		</a:t>
+            </a:r>
+            <a:r>
+              <a:rPr lang="pt-BR" sz="2200" u="sng" dirty="0" err="1" smtClean="0">
+                <a:solidFill>
+                  <a:srgbClr val="FFC000"/>
+                </a:solidFill>
+              </a:rPr>
+              <a:t>throw</a:t>
+            </a:r>
+            <a:r>
+              <a:rPr lang="pt-BR" sz="2200" dirty="0" smtClean="0">
+                <a:solidFill>
+                  <a:srgbClr val="FFC000"/>
+                </a:solidFill>
+              </a:rPr>
+              <a:t> </a:t>
+            </a:r>
+            <a:r>
+              <a:rPr lang="pt-BR" sz="2200" dirty="0" err="1" smtClean="0">
+                <a:solidFill>
+                  <a:srgbClr val="FFC000"/>
+                </a:solidFill>
+              </a:rPr>
+              <a:t>new</a:t>
+            </a:r>
+            <a:r>
+              <a:rPr lang="pt-BR" sz="2200" dirty="0" smtClean="0">
+                <a:solidFill>
+                  <a:srgbClr val="FFC000"/>
+                </a:solidFill>
+              </a:rPr>
+              <a:t> Exception(</a:t>
+            </a:r>
+            <a:r>
+              <a:rPr lang="pt-BR" sz="2200" dirty="0" smtClean="0"/>
+              <a:t>“Idade inválida”</a:t>
+            </a:r>
+            <a:r>
+              <a:rPr lang="pt-BR" sz="2200" dirty="0" smtClean="0">
+                <a:solidFill>
+                  <a:srgbClr val="FFC000"/>
+                </a:solidFill>
+              </a:rPr>
+              <a:t>)</a:t>
+            </a:r>
+            <a:r>
+              <a:rPr lang="pt-BR" sz="2200" dirty="0" smtClean="0"/>
+              <a:t>;</a:t>
+            </a:r>
+          </a:p>
+          <a:p>
+            <a:pPr marL="442913" indent="0">
+              <a:spcBef>
+                <a:spcPts val="0"/>
+              </a:spcBef>
+              <a:buNone/>
+              <a:tabLst>
+                <a:tab pos="900113" algn="l"/>
+                <a:tab pos="1344613" algn="l"/>
+              </a:tabLst>
+            </a:pPr>
+            <a:r>
+              <a:rPr lang="pt-BR" sz="2200" dirty="0" smtClean="0"/>
+              <a:t>	}</a:t>
+            </a:r>
+          </a:p>
+          <a:p>
+            <a:pPr marL="442913" indent="0">
+              <a:spcBef>
+                <a:spcPts val="0"/>
+              </a:spcBef>
+              <a:buNone/>
+              <a:tabLst>
+                <a:tab pos="900113" algn="l"/>
+                <a:tab pos="1344613" algn="l"/>
+              </a:tabLst>
+            </a:pPr>
+            <a:r>
+              <a:rPr lang="pt-BR" sz="2200" dirty="0" smtClean="0"/>
+              <a:t>}</a:t>
             </a:r>
             <a:endParaRPr lang="pt-BR" sz="2200" dirty="0"/>
           </a:p>
@@ -14368,27 +14743,13 @@
           <a:bodyPr/>
           <a:lstStyle/>
           <a:p>
-            <a:pPr rtl="0" eaLnBrk="1" fontAlgn="base" hangingPunct="1"/>
-            <a:r>
-              <a:rPr lang="pt-BR" sz="4600" kern="1200" dirty="0" smtClean="0">
-                <a:solidFill>
-                  <a:schemeClr val="tx1"/>
-                </a:solidFill>
-                <a:latin typeface="+mj-lt"/>
-                <a:ea typeface="+mj-ea"/>
-                <a:cs typeface="+mj-cs"/>
-              </a:rPr>
+            <a:pPr eaLnBrk="1" hangingPunct="1"/>
+            <a:r>
+              <a:rPr lang="pt-BR" dirty="0" smtClean="0"/>
               <a:t>Cláusula </a:t>
             </a:r>
             <a:r>
-              <a:rPr lang="pt-BR" sz="4600" kern="1200" dirty="0" err="1" smtClean="0">
-                <a:solidFill>
-                  <a:schemeClr val="tx1"/>
-                </a:solidFill>
-                <a:latin typeface="+mj-lt"/>
-                <a:ea typeface="+mj-ea"/>
-                <a:cs typeface="+mj-cs"/>
-              </a:rPr>
+              <a:rPr lang="pt-BR" dirty="0" err="1" smtClean="0"/>
               <a:t>throw</a:t>
             </a:r>
             <a:endParaRPr lang="pt-BR" dirty="0"/>
@@ -14407,17 +14768,23 @@
         </p:nvSpPr>
         <p:spPr>
           <a:xfrm>
-            <a:off x="457200" y="1600200"/>
-            <a:ext cx="7571184" cy="4525963"/>
+            <a:off x="457200" y="1196752"/>
+            <a:ext cx="8147248" cy="4525963"/>
           </a:xfrm>
         </p:spPr>
         <p:txBody>
           <a:bodyPr/>
           <a:lstStyle/>
           <a:p>
+            <a:pPr>
+              <a:tabLst>
+                <a:tab pos="442913" algn="l"/>
+                <a:tab pos="900113" algn="l"/>
+              </a:tabLst>
+            </a:pPr>
             <a:r>
               <a:rPr lang="pt-BR" dirty="0" smtClean="0"/>
-              <a:t>Exemplo</a:t>
+              <a:t>Na aplicação principal...</a:t>
             </a:r>
           </a:p>
           <a:p>
@@ -14431,7 +14798,7 @@
                 <a:tab pos="1344613" algn="l"/>
               </a:tabLst>
             </a:pPr>
-            <a:endParaRPr lang="pt-BR" sz="2200" dirty="0" smtClean="0"/>
+            <a:endParaRPr lang="pt-BR" sz="2000" dirty="0" smtClean="0"/>
           </a:p>
           <a:p>
             <a:pPr marL="442913" indent="0">
@@ -14444,7 +14811,30 @@
                 <a:tab pos="1344613" algn="l"/>
               </a:tabLst>
             </a:pPr>
-            <a:endParaRPr lang="pt-BR" sz="2200" dirty="0" smtClean="0"/>
+            <a:r>
+              <a:rPr lang="pt-BR" sz="2000" dirty="0" err="1" smtClean="0"/>
+              <a:t>public</a:t>
+            </a:r>
+            <a:r>
+              <a:rPr lang="pt-BR" sz="2000" dirty="0" smtClean="0"/>
+              <a:t> </a:t>
+            </a:r>
+            <a:r>
+              <a:rPr lang="pt-BR" sz="2000" dirty="0" err="1" smtClean="0"/>
+              <a:t>void</a:t>
+            </a:r>
+            <a:r>
+              <a:rPr lang="pt-BR" sz="2000" dirty="0" smtClean="0"/>
+              <a:t> </a:t>
+            </a:r>
+            <a:r>
+              <a:rPr lang="pt-BR" sz="2000" dirty="0" err="1" smtClean="0"/>
+              <a:t>rotinaPrincial</a:t>
+            </a:r>
+            <a:r>
+              <a:rPr lang="pt-BR" sz="2000" dirty="0" smtClean="0"/>
+              <a:t>() {</a:t>
+            </a:r>
           </a:p>
           <a:p>
             <a:pPr marL="442913" indent="0">
@@ -14458,56 +14848,32 @@
               </a:tabLst>
             </a:pPr>
             <a:r>
-              <a:rPr lang="pt-BR" sz="2200" dirty="0" err="1" smtClean="0"/>
-              <a:t>public</a:t>
-            </a:r>
-            <a:r>
-              <a:rPr lang="pt-BR" sz="2200" dirty="0" smtClean="0"/>
+              <a:rPr lang="pt-BR" sz="2000" dirty="0" smtClean="0"/>
+              <a:t>	</a:t>
+            </a:r>
+            <a:r>
+              <a:rPr lang="pt-BR" sz="2000" dirty="0" err="1" smtClean="0"/>
+              <a:t>Conexao</a:t>
+            </a:r>
+            <a:r>
+              <a:rPr lang="pt-BR" sz="2000" dirty="0" smtClean="0"/>
               <a:t> </a:t>
             </a:r>
             <a:r>
-              <a:rPr lang="pt-BR" sz="2200" dirty="0" err="1" smtClean="0"/>
-              <a:t>void</a:t>
-            </a:r>
-            <a:r>
-              <a:rPr lang="pt-BR" sz="2200" dirty="0" smtClean="0"/>
-              <a:t> </a:t>
-            </a:r>
-            <a:r>
-              <a:rPr lang="pt-BR" sz="2200" dirty="0" err="1" smtClean="0"/>
-              <a:t>exibeParabens</a:t>
-            </a:r>
-            <a:r>
-              <a:rPr lang="pt-BR" sz="2200" dirty="0" smtClean="0"/>
-              <a:t>(</a:t>
-            </a:r>
-            <a:r>
-              <a:rPr lang="pt-BR" sz="2200" dirty="0" err="1" smtClean="0"/>
-              <a:t>int</a:t>
-            </a:r>
-            <a:r>
-              <a:rPr lang="pt-BR" sz="2200" dirty="0" smtClean="0"/>
-              <a:t> idade) </a:t>
-            </a:r>
-            <a:r>
-              <a:rPr lang="pt-BR" sz="2200" dirty="0" err="1" smtClean="0">
-                <a:solidFill>
-                  <a:srgbClr val="FFC000"/>
-                </a:solidFill>
-              </a:rPr>
-              <a:t>throws</a:t>
-            </a:r>
-            <a:r>
-              <a:rPr lang="pt-BR" sz="2200" dirty="0" smtClean="0">
-                <a:solidFill>
-                  <a:srgbClr val="FFC000"/>
-                </a:solidFill>
-              </a:rPr>
-              <a:t> Exception</a:t>
-            </a:r>
-            <a:r>
-              <a:rPr lang="pt-BR" sz="2200" dirty="0" smtClean="0"/>
-              <a:t> {</a:t>
+              <a:rPr lang="pt-BR" sz="2000" dirty="0" err="1" smtClean="0"/>
+              <a:t>cn</a:t>
+            </a:r>
+            <a:r>
+              <a:rPr lang="pt-BR" sz="2000" dirty="0" smtClean="0"/>
+              <a:t> = </a:t>
+            </a:r>
+            <a:r>
+              <a:rPr lang="pt-BR" sz="2000" dirty="0" err="1" smtClean="0"/>
+              <a:t>null</a:t>
+            </a:r>
+            <a:r>
+              <a:rPr lang="pt-BR" sz="2000" dirty="0" smtClean="0"/>
+              <a:t>;</a:t>
             </a:r>
           </a:p>
           <a:p>
@@ -14522,16 +14888,16 @@
               </a:tabLst>
             </a:pPr>
             <a:r>
-              <a:rPr lang="pt-BR" sz="2200" dirty="0" smtClean="0"/>
+              <a:rPr lang="pt-BR" sz="2000" dirty="0" smtClean="0"/>
               <a:t>	</a:t>
             </a:r>
             <a:r>
-              <a:rPr lang="pt-BR" sz="2200" dirty="0" err="1" smtClean="0"/>
-              <a:t>if</a:t>
-            </a:r>
-            <a:r>
-              <a:rPr lang="pt-BR" sz="2200" dirty="0" smtClean="0"/>
-              <a:t> (idade &gt;= 0) {</a:t>
+              <a:rPr lang="pt-BR" sz="2000" dirty="0" err="1" smtClean="0"/>
+              <a:t>try</a:t>
+            </a:r>
+            <a:r>
+              <a:rPr lang="pt-BR" sz="2000" dirty="0" smtClean="0"/>
+              <a:t> {</a:t>
             </a:r>
           </a:p>
           <a:p>
@@ -14546,24 +14912,24 @@
               </a:tabLst>
             </a:pPr>
             <a:r>
-              <a:rPr lang="pt-BR" sz="2200" dirty="0" smtClean="0"/>
-              <a:t>		System.</a:t>
-            </a:r>
-            <a:r>
-              <a:rPr lang="pt-BR" sz="2200" dirty="0" err="1" smtClean="0"/>
-              <a:t>out.println</a:t>
-            </a:r>
-            <a:r>
-              <a:rPr lang="pt-BR" sz="2200" dirty="0" smtClean="0"/>
-              <a:t>(“</a:t>
-            </a:r>
-            <a:r>
-              <a:rPr lang="pt-BR" sz="2200" dirty="0" err="1" smtClean="0"/>
-              <a:t>Parabens</a:t>
-            </a:r>
-            <a:r>
-              <a:rPr lang="pt-BR" sz="2200" dirty="0" smtClean="0"/>
-              <a:t> pelos seus ” +</a:t>
+              <a:rPr lang="pt-BR" sz="2000" dirty="0" smtClean="0"/>
+              <a:t>		</a:t>
+            </a:r>
+            <a:r>
+              <a:rPr lang="pt-BR" sz="2000" dirty="0" err="1" smtClean="0"/>
+              <a:t>cn</a:t>
+            </a:r>
+            <a:r>
+              <a:rPr lang="pt-BR" sz="2000" dirty="0" smtClean="0"/>
+              <a:t> = </a:t>
+            </a:r>
+            <a:r>
+              <a:rPr lang="pt-BR" sz="2000" dirty="0" err="1" smtClean="0"/>
+              <a:t>abrirConexao</a:t>
+            </a:r>
+            <a:r>
+              <a:rPr lang="pt-BR" sz="2000" dirty="0" smtClean="0"/>
+              <a:t>();</a:t>
             </a:r>
           </a:p>
           <a:p>
@@ -14578,8 +14944,24 @@
               </a:tabLst>
             </a:pPr>
             <a:r>
-              <a:rPr lang="pt-BR" sz="2200" dirty="0" smtClean="0"/>
-              <a:t>			idade + “ anos de vida.”);</a:t>
+              <a:rPr lang="pt-BR" sz="2000" dirty="0" smtClean="0"/>
+              <a:t>		Cliente cli = </a:t>
+            </a:r>
+            <a:r>
+              <a:rPr lang="pt-BR" sz="2000" dirty="0" err="1" smtClean="0"/>
+              <a:t>cn</a:t>
+            </a:r>
+            <a:r>
+              <a:rPr lang="pt-BR" sz="2000" dirty="0" smtClean="0"/>
+              <a:t>.</a:t>
+            </a:r>
+            <a:r>
+              <a:rPr lang="pt-BR" sz="2000" dirty="0" err="1" smtClean="0"/>
+              <a:t>obterCliente</a:t>
+            </a:r>
+            <a:r>
+              <a:rPr lang="pt-BR" sz="2000" dirty="0" smtClean="0"/>
+              <a:t>();</a:t>
             </a:r>
           </a:p>
           <a:p>
@@ -14594,16 +14976,24 @@
               </a:tabLst>
             </a:pPr>
             <a:r>
-              <a:rPr lang="pt-BR" sz="2200" dirty="0" smtClean="0"/>
-              <a:t>	} </a:t>
-            </a:r>
-            <a:r>
-              <a:rPr lang="pt-BR" sz="2200" dirty="0" err="1" smtClean="0"/>
-              <a:t>else</a:t>
-            </a:r>
-            <a:r>
-              <a:rPr lang="pt-BR" sz="2200" dirty="0" smtClean="0"/>
-              <a:t> {</a:t>
+              <a:rPr lang="pt-BR" sz="2000" dirty="0" smtClean="0"/>
+              <a:t>		</a:t>
+            </a:r>
+            <a:r>
+              <a:rPr lang="pt-BR" sz="2000" dirty="0" err="1" smtClean="0"/>
+              <a:t>int</a:t>
+            </a:r>
+            <a:r>
+              <a:rPr lang="pt-BR" sz="2000" dirty="0" smtClean="0"/>
+              <a:t> idade = cli.</a:t>
+            </a:r>
+            <a:r>
+              <a:rPr lang="pt-BR" sz="2000" dirty="0" err="1" smtClean="0"/>
+              <a:t>getIdade</a:t>
+            </a:r>
+            <a:r>
+              <a:rPr lang="pt-BR" sz="2000" dirty="0" smtClean="0"/>
+              <a:t>();</a:t>
             </a:r>
           </a:p>
           <a:p>
@@ -14618,56 +15008,28 @@
               </a:tabLst>
             </a:pPr>
             <a:r>
-              <a:rPr lang="pt-BR" sz="2200" dirty="0" smtClean="0"/>
-              <a:t>		</a:t>
-            </a:r>
-            <a:r>
-              <a:rPr lang="pt-BR" sz="2200" u="sng" dirty="0" err="1" smtClean="0">
+              <a:rPr lang="pt-BR" sz="2000" dirty="0" smtClean="0">
                 <a:solidFill>
                   <a:srgbClr val="FFC000"/>
                 </a:solidFill>
               </a:rPr>
-              <a:t>throw</a:t>
-            </a:r>
-            <a:r>
-              <a:rPr lang="pt-BR" sz="2200" dirty="0" smtClean="0">
+              <a:t>		</a:t>
+            </a:r>
+            <a:r>
+              <a:rPr lang="pt-BR" sz="2000" dirty="0" err="1" smtClean="0">
                 <a:solidFill>
                   <a:srgbClr val="FFC000"/>
                 </a:solidFill>
               </a:rPr>
-              <a:t> </a:t>
-            </a:r>
-            <a:r>
-              <a:rPr lang="pt-BR" sz="2200" dirty="0" err="1" smtClean="0">
+              <a:t>exibeParabens</a:t>
+            </a:r>
+            <a:r>
+              <a:rPr lang="pt-BR" sz="2000" dirty="0" smtClean="0">
                 <a:solidFill>
                   <a:srgbClr val="FFC000"/>
                 </a:solidFill>
               </a:rPr>
-              <a:t>new</a:t>
-            </a:r>
-            <a:r>
-              <a:rPr lang="pt-BR" sz="2200" dirty="0" smtClean="0">
-                <a:solidFill>
-                  <a:srgbClr val="FFC000"/>
-                </a:solidFill>
-              </a:rPr>
-              <a:t> Exception(</a:t>
-            </a:r>
-            <a:r>
-              <a:rPr lang="pt-BR" sz="2200" dirty="0" smtClean="0"/>
-              <a:t>“Idade inválida”</a:t>
-            </a:r>
-            <a:r>
-              <a:rPr lang="pt-BR" sz="2200" dirty="0" smtClean="0">
-                <a:solidFill>
-                  <a:srgbClr val="FFC000"/>
-                </a:solidFill>
-              </a:rPr>
-              <a:t>)</a:t>
-            </a:r>
-            <a:r>
-              <a:rPr lang="pt-BR" sz="2200" dirty="0" smtClean="0"/>
-              <a:t>;</a:t>
+              <a:t>(idade);</a:t>
             </a:r>
           </a:p>
           <a:p>
@@ -14682,8 +15044,24 @@
               </a:tabLst>
             </a:pPr>
             <a:r>
-              <a:rPr lang="pt-BR" sz="2200" dirty="0" smtClean="0"/>
-              <a:t>	}</a:t>
+              <a:rPr lang="pt-BR" sz="2000" dirty="0" smtClean="0"/>
+              <a:t>	} catch (</a:t>
+            </a:r>
+            <a:r>
+              <a:rPr lang="pt-BR" sz="2000" dirty="0" err="1" smtClean="0"/>
+              <a:t>SQLException</a:t>
+            </a:r>
+            <a:r>
+              <a:rPr lang="pt-BR" sz="2000" dirty="0" smtClean="0"/>
+              <a:t> </a:t>
+            </a:r>
+            <a:r>
+              <a:rPr lang="pt-BR" sz="2000" dirty="0" err="1" smtClean="0"/>
+              <a:t>sqle</a:t>
+            </a:r>
+            <a:r>
+              <a:rPr lang="pt-BR" sz="2000" dirty="0" smtClean="0"/>
+              <a:t>) {</a:t>
             </a:r>
           </a:p>
           <a:p>
@@ -14698,10 +15076,177 @@
               </a:tabLst>
             </a:pPr>
             <a:r>
-              <a:rPr lang="pt-BR" sz="2200" dirty="0" smtClean="0"/>
+              <a:rPr lang="pt-BR" sz="2000" dirty="0" smtClean="0"/>
+              <a:t>		System.</a:t>
+            </a:r>
+            <a:r>
+              <a:rPr lang="pt-BR" sz="2000" dirty="0" err="1" smtClean="0"/>
+              <a:t>out.println</a:t>
+            </a:r>
+            <a:r>
+              <a:rPr lang="pt-BR" sz="2000" dirty="0" smtClean="0"/>
+              <a:t>(“Erro ao acessar BD”);</a:t>
+            </a:r>
+          </a:p>
+          <a:p>
+            <a:pPr marL="442913" indent="0">
+              <a:spcBef>
+                <a:spcPts val="0"/>
+              </a:spcBef>
+              <a:buNone/>
+              <a:tabLst>
+                <a:tab pos="900113" algn="l"/>
+                <a:tab pos="1344613" algn="l"/>
+              </a:tabLst>
+            </a:pPr>
+            <a:r>
+              <a:rPr lang="pt-BR" sz="2000" dirty="0" smtClean="0"/>
+              <a:t>	} catch (</a:t>
+            </a:r>
+            <a:r>
+              <a:rPr lang="pt-BR" sz="2000" dirty="0" smtClean="0">
+                <a:solidFill>
+                  <a:srgbClr val="FFC000"/>
+                </a:solidFill>
+              </a:rPr>
+              <a:t>Exception e</a:t>
+            </a:r>
+            <a:r>
+              <a:rPr lang="pt-BR" sz="2000" dirty="0" smtClean="0"/>
+              <a:t>) {</a:t>
+            </a:r>
+          </a:p>
+          <a:p>
+            <a:pPr marL="442913" indent="0">
+              <a:spcBef>
+                <a:spcPts val="0"/>
+              </a:spcBef>
+              <a:buNone/>
+              <a:tabLst>
+                <a:tab pos="900113" algn="l"/>
+                <a:tab pos="1344613" algn="l"/>
+              </a:tabLst>
+            </a:pPr>
+            <a:r>
+              <a:rPr lang="pt-BR" sz="2000" dirty="0" smtClean="0"/>
+              <a:t>		System.</a:t>
+            </a:r>
+            <a:r>
+              <a:rPr lang="pt-BR" sz="2000" dirty="0" err="1" smtClean="0"/>
+              <a:t>out.println</a:t>
+            </a:r>
+            <a:r>
+              <a:rPr lang="pt-BR" sz="2000" dirty="0" smtClean="0"/>
+              <a:t>(“Ocorreu um erro: ” + </a:t>
+            </a:r>
+            <a:r>
+              <a:rPr lang="pt-BR" sz="2000" dirty="0" err="1" smtClean="0">
+                <a:solidFill>
+                  <a:srgbClr val="FFC000"/>
+                </a:solidFill>
+              </a:rPr>
+              <a:t>e.getMessage</a:t>
+            </a:r>
+            <a:r>
+              <a:rPr lang="pt-BR" sz="2000" dirty="0" smtClean="0">
+                <a:solidFill>
+                  <a:srgbClr val="FFC000"/>
+                </a:solidFill>
+              </a:rPr>
+              <a:t>()</a:t>
+            </a:r>
+            <a:r>
+              <a:rPr lang="pt-BR" sz="2000" dirty="0" smtClean="0"/>
+              <a:t>);</a:t>
+            </a:r>
+          </a:p>
+          <a:p>
+            <a:pPr marL="442913" indent="0">
+              <a:spcBef>
+                <a:spcPts val="0"/>
+              </a:spcBef>
+              <a:buNone/>
+              <a:tabLst>
+                <a:tab pos="900113" algn="l"/>
+                <a:tab pos="1344613" algn="l"/>
+              </a:tabLst>
+            </a:pPr>
+            <a:r>
+              <a:rPr lang="pt-BR" sz="2000" dirty="0" smtClean="0"/>
+              <a:t>	} </a:t>
+            </a:r>
+            <a:r>
+              <a:rPr lang="pt-BR" sz="2000" dirty="0" err="1" smtClean="0"/>
+              <a:t>finally</a:t>
+            </a:r>
+            <a:r>
+              <a:rPr lang="pt-BR" sz="2000" dirty="0" smtClean="0"/>
+              <a:t> {</a:t>
+            </a:r>
+          </a:p>
+          <a:p>
+            <a:pPr marL="442913" indent="0">
+              <a:spcBef>
+                <a:spcPts val="0"/>
+              </a:spcBef>
+              <a:buNone/>
+              <a:tabLst>
+                <a:tab pos="900113" algn="l"/>
+                <a:tab pos="1344613" algn="l"/>
+              </a:tabLst>
+            </a:pPr>
+            <a:r>
+              <a:rPr lang="pt-BR" sz="2000" dirty="0" smtClean="0"/>
+              <a:t>		</a:t>
+            </a:r>
+            <a:r>
+              <a:rPr lang="pt-BR" sz="2000" dirty="0" err="1" smtClean="0"/>
+              <a:t>fecharConexao</a:t>
+            </a:r>
+            <a:r>
+              <a:rPr lang="pt-BR" sz="2000" dirty="0" smtClean="0"/>
+              <a:t>(</a:t>
+            </a:r>
+            <a:r>
+              <a:rPr lang="pt-BR" sz="2000" dirty="0" err="1" smtClean="0"/>
+              <a:t>cn</a:t>
+            </a:r>
+            <a:r>
+              <a:rPr lang="pt-BR" sz="2000" dirty="0" smtClean="0"/>
+              <a:t>);</a:t>
+            </a:r>
+          </a:p>
+          <a:p>
+            <a:pPr marL="442913" indent="0">
+              <a:spcBef>
+                <a:spcPts val="0"/>
+              </a:spcBef>
+              <a:buNone/>
+              <a:tabLst>
+                <a:tab pos="900113" algn="l"/>
+                <a:tab pos="1344613" algn="l"/>
+              </a:tabLst>
+            </a:pPr>
+            <a:r>
+              <a:rPr lang="pt-BR" sz="2000" dirty="0" smtClean="0"/>
+              <a:t>	}</a:t>
+            </a:r>
+          </a:p>
+          <a:p>
+            <a:pPr marL="442913" indent="0">
+              <a:spcBef>
+                <a:spcPts val="0"/>
+              </a:spcBef>
+              <a:buNone/>
+              <a:tabLst>
+                <a:tab pos="900113" algn="l"/>
+                <a:tab pos="1344613" algn="l"/>
+              </a:tabLst>
+            </a:pPr>
+            <a:r>
+              <a:rPr lang="pt-BR" sz="2000" dirty="0" smtClean="0"/>
               <a:t>}</a:t>
             </a:r>
-            <a:endParaRPr lang="pt-BR" sz="2200" dirty="0"/>
           </a:p>
         </p:txBody>
       </p:sp>
@@ -14781,16 +15326,18 @@
           <a:bodyPr/>
           <a:lstStyle/>
           <a:p>
-            <a:pPr eaLnBrk="1" hangingPunct="1"/>
-            <a:r>
-              <a:rPr lang="pt-BR" dirty="0" smtClean="0"/>
-              <a:t>Cláusula </a:t>
-            </a:r>
-            <a:r>
-              <a:rPr lang="pt-BR" dirty="0" err="1" smtClean="0"/>
-              <a:t>throw</a:t>
-            </a:r>
-            <a:endParaRPr lang="pt-BR" dirty="0"/>
+            <a:pPr rtl="0" eaLnBrk="1" fontAlgn="base" hangingPunct="1"/>
+            <a:r>
+              <a:rPr lang="pt-BR" sz="4600" kern="1200" dirty="0" smtClean="0">
+                <a:solidFill>
+                  <a:schemeClr val="tx1"/>
+                </a:solidFill>
+                <a:latin typeface="+mj-lt"/>
+                <a:ea typeface="+mj-ea"/>
+                <a:cs typeface="+mj-cs"/>
+              </a:rPr>
+              <a:t>Exceções personalizadas</a:t>
+            </a:r>
           </a:p>
         </p:txBody>
       </p:sp>
@@ -14806,8 +15353,8 @@
         </p:nvSpPr>
         <p:spPr>
           <a:xfrm>
-            <a:off x="457200" y="1196752"/>
-            <a:ext cx="8147248" cy="4525963"/>
+            <a:off x="457200" y="1600200"/>
+            <a:ext cx="8003232" cy="4525963"/>
           </a:xfrm>
         </p:spPr>
         <p:txBody>
@@ -14815,476 +15362,34 @@
           <a:lstStyle/>
           <a:p>
             <a:pPr>
-              <a:tabLst>
-                <a:tab pos="442913" algn="l"/>
-                <a:tab pos="900113" algn="l"/>
-              </a:tabLst>
+              <a:spcBef>
+                <a:spcPts val="3000"/>
+              </a:spcBef>
             </a:pPr>
             <a:r>
               <a:rPr lang="pt-BR" dirty="0" smtClean="0"/>
-              <a:t>Na aplicação principal...</a:t>
-            </a:r>
-          </a:p>
-          <a:p>
-            <a:pPr marL="442913" indent="0">
+              <a:t>Na maioria das ocasiões, ao implementar métodos que geram exceptions, é recomendável criar a sua própria exceção.</a:t>
+            </a:r>
+          </a:p>
+          <a:p>
+            <a:pPr>
               <a:spcBef>
-                <a:spcPts val="0"/>
+                <a:spcPts val="3000"/>
               </a:spcBef>
-              <a:buNone/>
-              <a:tabLst>
-                <a:tab pos="900113" algn="l"/>
-                <a:tab pos="1344613" algn="l"/>
-              </a:tabLst>
-            </a:pPr>
-            <a:endParaRPr lang="pt-BR" sz="2000" dirty="0" smtClean="0"/>
-          </a:p>
-          <a:p>
-            <a:pPr marL="442913" indent="0">
-              <a:spcBef>
-                <a:spcPts val="0"/>
-              </a:spcBef>
-              <a:buNone/>
-              <a:tabLst>
-                <a:tab pos="900113" algn="l"/>
-                <a:tab pos="1344613" algn="l"/>
-              </a:tabLst>
-            </a:pPr>
-            <a:r>
-              <a:rPr lang="pt-BR" sz="2000" dirty="0" err="1" smtClean="0"/>
-              <a:t>public</a:t>
-            </a:r>
-            <a:r>
-              <a:rPr lang="pt-BR" sz="2000" dirty="0" smtClean="0"/>
-              <a:t> </a:t>
-            </a:r>
-            <a:r>
-              <a:rPr lang="pt-BR" sz="2000" dirty="0" err="1" smtClean="0"/>
-              <a:t>void</a:t>
-            </a:r>
-            <a:r>
-              <a:rPr lang="pt-BR" sz="2000" dirty="0" smtClean="0"/>
-              <a:t> </a:t>
-            </a:r>
-            <a:r>
-              <a:rPr lang="pt-BR" sz="2000" dirty="0" err="1" smtClean="0"/>
-              <a:t>rotinaPrincial</a:t>
-            </a:r>
-            <a:r>
-              <a:rPr lang="pt-BR" sz="2000" dirty="0" smtClean="0"/>
-              <a:t>() {</a:t>
-            </a:r>
-          </a:p>
-          <a:p>
-            <a:pPr marL="442913" indent="0">
-              <a:spcBef>
-                <a:spcPts val="0"/>
-              </a:spcBef>
-              <a:buNone/>
-              <a:tabLst>
-                <a:tab pos="900113" algn="l"/>
-                <a:tab pos="1344613" algn="l"/>
-              </a:tabLst>
-            </a:pPr>
-            <a:r>
-              <a:rPr lang="pt-BR" sz="2000" dirty="0" smtClean="0"/>
-              <a:t>	</a:t>
-            </a:r>
-            <a:r>
-              <a:rPr lang="pt-BR" sz="2000" dirty="0" err="1" smtClean="0"/>
-              <a:t>Conexao</a:t>
-            </a:r>
-            <a:r>
-              <a:rPr lang="pt-BR" sz="2000" dirty="0" smtClean="0"/>
-              <a:t> </a:t>
-            </a:r>
-            <a:r>
-              <a:rPr lang="pt-BR" sz="2000" dirty="0" err="1" smtClean="0"/>
-              <a:t>cn</a:t>
-            </a:r>
-            <a:r>
-              <a:rPr lang="pt-BR" sz="2000" dirty="0" smtClean="0"/>
-              <a:t> = </a:t>
-            </a:r>
-            <a:r>
-              <a:rPr lang="pt-BR" sz="2000" dirty="0" err="1" smtClean="0"/>
-              <a:t>null</a:t>
-            </a:r>
-            <a:r>
-              <a:rPr lang="pt-BR" sz="2000" dirty="0" smtClean="0"/>
-              <a:t>;</a:t>
-            </a:r>
-          </a:p>
-          <a:p>
-            <a:pPr marL="442913" indent="0">
-              <a:spcBef>
-                <a:spcPts val="0"/>
-              </a:spcBef>
-              <a:buNone/>
-              <a:tabLst>
-                <a:tab pos="900113" algn="l"/>
-                <a:tab pos="1344613" algn="l"/>
-              </a:tabLst>
-            </a:pPr>
-            <a:r>
-              <a:rPr lang="pt-BR" sz="2000" dirty="0" smtClean="0"/>
-              <a:t>	</a:t>
-            </a:r>
-            <a:r>
-              <a:rPr lang="pt-BR" sz="2000" dirty="0" err="1" smtClean="0"/>
-              <a:t>try</a:t>
-            </a:r>
-            <a:r>
-              <a:rPr lang="pt-BR" sz="2000" dirty="0" smtClean="0"/>
-              <a:t> {</a:t>
-            </a:r>
-          </a:p>
-          <a:p>
-            <a:pPr marL="442913" indent="0">
-              <a:spcBef>
-                <a:spcPts val="0"/>
-              </a:spcBef>
-              <a:buNone/>
-              <a:tabLst>
-                <a:tab pos="900113" algn="l"/>
-                <a:tab pos="1344613" algn="l"/>
-              </a:tabLst>
-            </a:pPr>
-            <a:r>
-              <a:rPr lang="pt-BR" sz="2000" dirty="0" smtClean="0"/>
-              <a:t>		</a:t>
-            </a:r>
-            <a:r>
-              <a:rPr lang="pt-BR" sz="2000" dirty="0" err="1" smtClean="0"/>
-              <a:t>cn</a:t>
-            </a:r>
-            <a:r>
-              <a:rPr lang="pt-BR" sz="2000" dirty="0" smtClean="0"/>
-              <a:t> = </a:t>
-            </a:r>
-            <a:r>
-              <a:rPr lang="pt-BR" sz="2000" dirty="0" err="1" smtClean="0"/>
-              <a:t>abrirConexao</a:t>
-            </a:r>
-            <a:r>
-              <a:rPr lang="pt-BR" sz="2000" dirty="0" smtClean="0"/>
-              <a:t>();</a:t>
-            </a:r>
-          </a:p>
-          <a:p>
-            <a:pPr marL="442913" indent="0">
-              <a:spcBef>
-                <a:spcPts val="0"/>
-              </a:spcBef>
-              <a:buNone/>
-              <a:tabLst>
-                <a:tab pos="900113" algn="l"/>
-                <a:tab pos="1344613" algn="l"/>
-              </a:tabLst>
-            </a:pPr>
-            <a:r>
-              <a:rPr lang="pt-BR" sz="2000" dirty="0" smtClean="0"/>
-              <a:t>		Cliente cli = </a:t>
-            </a:r>
-            <a:r>
-              <a:rPr lang="pt-BR" sz="2000" dirty="0" err="1" smtClean="0"/>
-              <a:t>cn</a:t>
-            </a:r>
-            <a:r>
-              <a:rPr lang="pt-BR" sz="2000" dirty="0" smtClean="0"/>
-              <a:t>.</a:t>
-            </a:r>
-            <a:r>
-              <a:rPr lang="pt-BR" sz="2000" dirty="0" err="1" smtClean="0"/>
-              <a:t>obterCliente</a:t>
-            </a:r>
-            <a:r>
-              <a:rPr lang="pt-BR" sz="2000" dirty="0" smtClean="0"/>
-              <a:t>();</a:t>
-            </a:r>
-          </a:p>
-          <a:p>
-            <a:pPr marL="442913" indent="0">
-              <a:spcBef>
-                <a:spcPts val="0"/>
-              </a:spcBef>
-              <a:buNone/>
-              <a:tabLst>
-                <a:tab pos="900113" algn="l"/>
-                <a:tab pos="1344613" algn="l"/>
-              </a:tabLst>
-            </a:pPr>
-            <a:r>
-              <a:rPr lang="pt-BR" sz="2000" dirty="0" smtClean="0"/>
-              <a:t>		</a:t>
-            </a:r>
-            <a:r>
-              <a:rPr lang="pt-BR" sz="2000" dirty="0" err="1" smtClean="0"/>
-              <a:t>int</a:t>
-            </a:r>
-            <a:r>
-              <a:rPr lang="pt-BR" sz="2000" dirty="0" smtClean="0"/>
-              <a:t> idade = cli.</a:t>
-            </a:r>
-            <a:r>
-              <a:rPr lang="pt-BR" sz="2000" dirty="0" err="1" smtClean="0"/>
-              <a:t>getIdade</a:t>
-            </a:r>
-            <a:r>
-              <a:rPr lang="pt-BR" sz="2000" dirty="0" smtClean="0"/>
-              <a:t>();</a:t>
-            </a:r>
-          </a:p>
-          <a:p>
-            <a:pPr marL="442913" indent="0">
-              <a:spcBef>
-                <a:spcPts val="0"/>
-              </a:spcBef>
-              <a:buNone/>
-              <a:tabLst>
-                <a:tab pos="900113" algn="l"/>
-                <a:tab pos="1344613" algn="l"/>
-              </a:tabLst>
-            </a:pPr>
-            <a:r>
-              <a:rPr lang="pt-BR" sz="2000" dirty="0" smtClean="0">
-                <a:solidFill>
-                  <a:srgbClr val="FFC000"/>
-                </a:solidFill>
-              </a:rPr>
-              <a:t>		</a:t>
-            </a:r>
-            <a:r>
-              <a:rPr lang="pt-BR" sz="2000" dirty="0" err="1" smtClean="0">
-                <a:solidFill>
-                  <a:srgbClr val="FFC000"/>
-                </a:solidFill>
-              </a:rPr>
-              <a:t>exibeParabens</a:t>
-            </a:r>
-            <a:r>
-              <a:rPr lang="pt-BR" sz="2000" dirty="0" smtClean="0">
-                <a:solidFill>
-                  <a:srgbClr val="FFC000"/>
-                </a:solidFill>
-              </a:rPr>
-              <a:t>(idade);</a:t>
-            </a:r>
-          </a:p>
-          <a:p>
-            <a:pPr marL="442913" indent="0">
-              <a:spcBef>
-                <a:spcPts val="0"/>
-              </a:spcBef>
-              <a:buNone/>
-              <a:tabLst>
-                <a:tab pos="900113" algn="l"/>
-                <a:tab pos="1344613" algn="l"/>
-              </a:tabLst>
-            </a:pPr>
-            <a:r>
-              <a:rPr lang="pt-BR" sz="2000" dirty="0" smtClean="0"/>
-              <a:t>	} catch (</a:t>
-            </a:r>
-            <a:r>
-              <a:rPr lang="pt-BR" sz="2000" dirty="0" err="1" smtClean="0"/>
-              <a:t>SQLException</a:t>
-            </a:r>
-            <a:r>
-              <a:rPr lang="pt-BR" sz="2000" dirty="0" smtClean="0"/>
-              <a:t> </a:t>
-            </a:r>
-            <a:r>
-              <a:rPr lang="pt-BR" sz="2000" dirty="0" err="1" smtClean="0"/>
-              <a:t>sqle</a:t>
-            </a:r>
-            <a:r>
-              <a:rPr lang="pt-BR" sz="2000" dirty="0" smtClean="0"/>
-              <a:t>) {</a:t>
-            </a:r>
-          </a:p>
-          <a:p>
-            <a:pPr marL="442913" indent="0">
-              <a:spcBef>
-                <a:spcPts val="0"/>
-              </a:spcBef>
-              <a:buNone/>
-              <a:tabLst>
-                <a:tab pos="900113" algn="l"/>
-                <a:tab pos="1344613" algn="l"/>
-              </a:tabLst>
-            </a:pPr>
-            <a:r>
-              <a:rPr lang="pt-BR" sz="2000" dirty="0" smtClean="0"/>
-              <a:t>		System.</a:t>
-            </a:r>
-            <a:r>
-              <a:rPr lang="pt-BR" sz="2000" dirty="0" err="1" smtClean="0"/>
-              <a:t>out.println</a:t>
-            </a:r>
-            <a:r>
-              <a:rPr lang="pt-BR" sz="2000" dirty="0" smtClean="0"/>
-              <a:t>(“Erro ao acessar BD”);</a:t>
-            </a:r>
-          </a:p>
-          <a:p>
-            <a:pPr marL="442913" indent="0">
-              <a:spcBef>
-                <a:spcPts val="0"/>
-              </a:spcBef>
-              <a:buNone/>
-              <a:tabLst>
-                <a:tab pos="900113" algn="l"/>
-                <a:tab pos="1344613" algn="l"/>
-              </a:tabLst>
-            </a:pPr>
-            <a:r>
-              <a:rPr lang="pt-BR" sz="2000" dirty="0" smtClean="0"/>
-              <a:t>	} catch (</a:t>
-            </a:r>
-            <a:r>
-              <a:rPr lang="pt-BR" sz="2000" dirty="0" smtClean="0">
-                <a:solidFill>
-                  <a:srgbClr val="FFC000"/>
-                </a:solidFill>
-              </a:rPr>
-              <a:t>Exception e</a:t>
-            </a:r>
-            <a:r>
-              <a:rPr lang="pt-BR" sz="2000" dirty="0" smtClean="0"/>
-              <a:t>) {</a:t>
-            </a:r>
-          </a:p>
-          <a:p>
-            <a:pPr marL="442913" indent="0">
-              <a:spcBef>
-                <a:spcPts val="0"/>
-              </a:spcBef>
-              <a:buNone/>
-              <a:tabLst>
-                <a:tab pos="900113" algn="l"/>
-                <a:tab pos="1344613" algn="l"/>
-              </a:tabLst>
-            </a:pPr>
-            <a:r>
-              <a:rPr lang="pt-BR" sz="2000" dirty="0" smtClean="0"/>
-              <a:t>		System.</a:t>
-            </a:r>
-            <a:r>
-              <a:rPr lang="pt-BR" sz="2000" dirty="0" err="1" smtClean="0"/>
-              <a:t>out.println</a:t>
-            </a:r>
-            <a:r>
-              <a:rPr lang="pt-BR" sz="2000" dirty="0" smtClean="0"/>
-              <a:t>(“Ocorreu um erro: ” + </a:t>
-            </a:r>
-            <a:r>
-              <a:rPr lang="pt-BR" sz="2000" dirty="0" err="1" smtClean="0">
-                <a:solidFill>
-                  <a:srgbClr val="FFC000"/>
-                </a:solidFill>
-              </a:rPr>
-              <a:t>e.getMessage</a:t>
-            </a:r>
-            <a:r>
-              <a:rPr lang="pt-BR" sz="2000" dirty="0" smtClean="0">
-                <a:solidFill>
-                  <a:srgbClr val="FFC000"/>
-                </a:solidFill>
-              </a:rPr>
-              <a:t>()</a:t>
-            </a:r>
-            <a:r>
-              <a:rPr lang="pt-BR" sz="2000" dirty="0" smtClean="0"/>
-              <a:t>);</a:t>
-            </a:r>
-          </a:p>
-          <a:p>
-            <a:pPr marL="442913" indent="0">
-              <a:spcBef>
-                <a:spcPts val="0"/>
-              </a:spcBef>
-              <a:buNone/>
-              <a:tabLst>
-                <a:tab pos="900113" algn="l"/>
-                <a:tab pos="1344613" algn="l"/>
-              </a:tabLst>
-            </a:pPr>
-            <a:r>
-              <a:rPr lang="pt-BR" sz="2000" dirty="0" smtClean="0"/>
-              <a:t>	} </a:t>
-            </a:r>
-            <a:r>
-              <a:rPr lang="pt-BR" sz="2000" dirty="0" err="1" smtClean="0"/>
-              <a:t>finally</a:t>
-            </a:r>
-            <a:r>
-              <a:rPr lang="pt-BR" sz="2000" dirty="0" smtClean="0"/>
-              <a:t> {</a:t>
-            </a:r>
-          </a:p>
-          <a:p>
-            <a:pPr marL="442913" indent="0">
-              <a:spcBef>
-                <a:spcPts val="0"/>
-              </a:spcBef>
-              <a:buNone/>
-              <a:tabLst>
-                <a:tab pos="900113" algn="l"/>
-                <a:tab pos="1344613" algn="l"/>
-              </a:tabLst>
-            </a:pPr>
-            <a:r>
-              <a:rPr lang="pt-BR" sz="2000" dirty="0" smtClean="0"/>
-              <a:t>		</a:t>
-            </a:r>
-            <a:r>
-              <a:rPr lang="pt-BR" sz="2000" dirty="0" err="1" smtClean="0"/>
-              <a:t>fecharConexao</a:t>
-            </a:r>
-            <a:r>
-              <a:rPr lang="pt-BR" sz="2000" dirty="0" smtClean="0"/>
-              <a:t>(</a:t>
-            </a:r>
-            <a:r>
-              <a:rPr lang="pt-BR" sz="2000" dirty="0" err="1" smtClean="0"/>
-              <a:t>cn</a:t>
-            </a:r>
-            <a:r>
-              <a:rPr lang="pt-BR" sz="2000" dirty="0" smtClean="0"/>
-              <a:t>);</a:t>
-            </a:r>
-          </a:p>
-          <a:p>
-            <a:pPr marL="442913" indent="0">
-              <a:spcBef>
-                <a:spcPts val="0"/>
-              </a:spcBef>
-              <a:buNone/>
-              <a:tabLst>
-                <a:tab pos="900113" algn="l"/>
-                <a:tab pos="1344613" algn="l"/>
-              </a:tabLst>
-            </a:pPr>
-            <a:r>
-              <a:rPr lang="pt-BR" sz="2000" dirty="0" smtClean="0"/>
-              <a:t>	}</a:t>
-            </a:r>
-          </a:p>
-          <a:p>
-            <a:pPr marL="442913" indent="0">
-              <a:spcBef>
-                <a:spcPts val="0"/>
-              </a:spcBef>
-              <a:buNone/>
-              <a:tabLst>
-                <a:tab pos="900113" algn="l"/>
-                <a:tab pos="1344613" algn="l"/>
-              </a:tabLst>
-            </a:pPr>
-            <a:r>
-              <a:rPr lang="pt-BR" sz="2000" dirty="0" smtClean="0"/>
-              <a:t>}</a:t>
-            </a:r>
+            </a:pPr>
+            <a:r>
+              <a:rPr lang="pt-BR" dirty="0" smtClean="0"/>
+              <a:t>Isto permite que a aplicação principal utilize blocos </a:t>
+            </a:r>
+            <a:r>
+              <a:rPr lang="pt-BR" b="1" i="1" dirty="0" smtClean="0"/>
+              <a:t>catch</a:t>
+            </a:r>
+            <a:r>
+              <a:rPr lang="pt-BR" dirty="0" smtClean="0"/>
+              <a:t> específicos para a exception em questão</a:t>
+            </a:r>
+            <a:endParaRPr lang="pt-BR" dirty="0"/>
           </a:p>
         </p:txBody>
       </p:sp>
@@ -15392,280 +15497,6 @@
         <p:spPr>
           <a:xfrm>
             <a:off x="457200" y="1600200"/>
-            <a:ext cx="8003232" cy="4525963"/>
-          </a:xfrm>
-        </p:spPr>
-        <p:txBody>
-          <a:bodyPr/>
-          <a:lstStyle/>
-          <a:p>
-            <a:pPr>
-              <a:spcBef>
-                <a:spcPts val="3000"/>
-              </a:spcBef>
-            </a:pPr>
-            <a:r>
-              <a:rPr lang="pt-BR" dirty="0" smtClean="0"/>
-              <a:t>Na maioria das ocasiões, ao implementar métodos que geram exceptions, é recomendável criar a sua própria exceção.</a:t>
-            </a:r>
-          </a:p>
-          <a:p>
-            <a:pPr>
-              <a:spcBef>
-                <a:spcPts val="3000"/>
-              </a:spcBef>
-            </a:pPr>
-            <a:r>
-              <a:rPr lang="pt-BR" dirty="0" smtClean="0"/>
-              <a:t>Isto permite que a aplicação principal utilize blocos </a:t>
-            </a:r>
-            <a:r>
-              <a:rPr lang="pt-BR" b="1" i="1" dirty="0" smtClean="0"/>
-              <a:t>catch</a:t>
-            </a:r>
-            <a:r>
-              <a:rPr lang="pt-BR" dirty="0" smtClean="0"/>
-              <a:t> específicos para a exception em questão</a:t>
-            </a:r>
-            <a:endParaRPr lang="pt-BR" dirty="0"/>
-          </a:p>
-        </p:txBody>
-      </p:sp>
-      <p:sp>
-        <p:nvSpPr>
-          <p:cNvPr id="5" name="Espaço Reservado para Número de Slide 4"/>
-          <p:cNvSpPr>
-            <a:spLocks noGrp="1"/>
-          </p:cNvSpPr>
-          <p:nvPr>
-            <p:ph type="sldNum" sz="quarter" idx="12"/>
-          </p:nvPr>
-        </p:nvSpPr>
-        <p:spPr/>
-        <p:txBody>
-          <a:bodyPr/>
-          <a:lstStyle/>
-          <a:p>
-            <a:pPr>
-              <a:defRPr/>
-            </a:pPr>
-            <a:fld id="{DAB16DC1-F000-4B90-9425-1E014EE80EC3}" type="slidenum">
-              <a:rPr lang="pt-BR" smtClean="0"/>
-              <a:pPr>
-                <a:defRPr/>
-              </a:pPr>
-              <a:t>29</a:t>
-            </a:fld>
-            <a:endParaRPr lang="pt-BR"/>
-          </a:p>
-        </p:txBody>
-      </p:sp>
-    </p:spTree>
-  </p:cSld>
-  <p:clrMapOvr>
-    <a:masterClrMapping/>
-  </p:clrMapOvr>
-  <p:timing>
-    <p:tnLst>
-      <p:par>
-        <p:cTn id="1" dur="indefinite" restart="never" nodeType="tmRoot"/>
-      </p:par>
-    </p:tnLst>
-  </p:timing>
-</p:sld>
-</file>
-
-<file path=ppt/slides/slide3.xml><?xml version="1.0" encoding="utf-8"?>
-<p:sld xmlns:a="http://schemas.openxmlformats.org/drawingml/2006/main" xmlns:r="http://schemas.openxmlformats.org/officeDocument/2006/relationships" xmlns:p="http://schemas.openxmlformats.org/presentationml/2006/main">
-  <p:cSld>
-    <p:spTree>
-      <p:nvGrpSpPr>
-        <p:cNvPr id="1" name=""/>
-        <p:cNvGrpSpPr/>
-        <p:nvPr/>
-      </p:nvGrpSpPr>
-      <p:grpSpPr>
-        <a:xfrm>
-          <a:off x="0" y="0"/>
-          <a:ext cx="0" cy="0"/>
-          <a:chOff x="0" y="0"/>
-          <a:chExt cx="0" cy="0"/>
-        </a:xfrm>
-      </p:grpSpPr>
-      <p:sp>
-        <p:nvSpPr>
-          <p:cNvPr id="2" name="Título 1"/>
-          <p:cNvSpPr>
-            <a:spLocks noGrp="1"/>
-          </p:cNvSpPr>
-          <p:nvPr>
-            <p:ph type="title"/>
-          </p:nvPr>
-        </p:nvSpPr>
-        <p:spPr/>
-        <p:txBody>
-          <a:bodyPr/>
-          <a:lstStyle/>
-          <a:p>
-            <a:pPr rtl="0" eaLnBrk="1" fontAlgn="base" hangingPunct="1"/>
-            <a:r>
-              <a:rPr lang="pt-BR" sz="4600" kern="1200" dirty="0" smtClean="0">
-                <a:solidFill>
-                  <a:schemeClr val="tx1"/>
-                </a:solidFill>
-                <a:latin typeface="+mj-lt"/>
-                <a:ea typeface="+mj-ea"/>
-                <a:cs typeface="+mj-cs"/>
-              </a:rPr>
-              <a:t>Exceptions</a:t>
-            </a:r>
-            <a:endParaRPr lang="pt-BR" dirty="0"/>
-          </a:p>
-        </p:txBody>
-      </p:sp>
-      <p:sp>
-        <p:nvSpPr>
-          <p:cNvPr id="6" name="Espaço Reservado para Conteúdo 5"/>
-          <p:cNvSpPr>
-            <a:spLocks noGrp="1"/>
-          </p:cNvSpPr>
-          <p:nvPr>
-            <p:ph idx="1"/>
-          </p:nvPr>
-        </p:nvSpPr>
-        <p:spPr/>
-        <p:txBody>
-          <a:bodyPr/>
-          <a:lstStyle/>
-          <a:p>
-            <a:pPr>
-              <a:spcBef>
-                <a:spcPts val="3000"/>
-              </a:spcBef>
-            </a:pPr>
-            <a:r>
-              <a:rPr lang="pt-BR" dirty="0" smtClean="0"/>
-              <a:t>Mecanismo utilizado pelo Java para informar que algo inesperado aconteceu</a:t>
-            </a:r>
-          </a:p>
-          <a:p>
-            <a:pPr>
-              <a:spcBef>
-                <a:spcPts val="3000"/>
-              </a:spcBef>
-            </a:pPr>
-            <a:r>
-              <a:rPr lang="pt-BR" dirty="0" smtClean="0"/>
-              <a:t>Quando sua aplicação não contorna situações de exceptions, ocorre a interrupção abrupta</a:t>
-            </a:r>
-            <a:endParaRPr lang="pt-BR" dirty="0"/>
-          </a:p>
-        </p:txBody>
-      </p:sp>
-      <p:sp>
-        <p:nvSpPr>
-          <p:cNvPr id="5" name="Espaço Reservado para Número de Slide 4"/>
-          <p:cNvSpPr>
-            <a:spLocks noGrp="1"/>
-          </p:cNvSpPr>
-          <p:nvPr>
-            <p:ph type="sldNum" sz="quarter" idx="12"/>
-          </p:nvPr>
-        </p:nvSpPr>
-        <p:spPr/>
-        <p:txBody>
-          <a:bodyPr/>
-          <a:lstStyle/>
-          <a:p>
-            <a:pPr>
-              <a:defRPr/>
-            </a:pPr>
-            <a:fld id="{DAB16DC1-F000-4B90-9425-1E014EE80EC3}" type="slidenum">
-              <a:rPr lang="pt-BR" smtClean="0"/>
-              <a:pPr>
-                <a:defRPr/>
-              </a:pPr>
-              <a:t>3</a:t>
-            </a:fld>
-            <a:endParaRPr lang="pt-BR"/>
-          </a:p>
-        </p:txBody>
-      </p:sp>
-    </p:spTree>
-  </p:cSld>
-  <p:clrMapOvr>
-    <a:masterClrMapping/>
-  </p:clrMapOvr>
-  <p:timing>
-    <p:tnLst>
-      <p:par>
-        <p:cTn id="1" dur="indefinite" restart="never" nodeType="tmRoot"/>
-      </p:par>
-    </p:tnLst>
-  </p:timing>
-</p:sld>
-</file>
-
-<file path=ppt/slides/slide30.xml><?xml version="1.0" encoding="utf-8"?>
-<p:sld xmlns:a="http://schemas.openxmlformats.org/drawingml/2006/main" xmlns:r="http://schemas.openxmlformats.org/officeDocument/2006/relationships" xmlns:p="http://schemas.openxmlformats.org/presentationml/2006/main">
-  <p:cSld>
-    <p:spTree>
-      <p:nvGrpSpPr>
-        <p:cNvPr id="1" name=""/>
-        <p:cNvGrpSpPr/>
-        <p:nvPr/>
-      </p:nvGrpSpPr>
-      <p:grpSpPr>
-        <a:xfrm>
-          <a:off x="0" y="0"/>
-          <a:ext cx="0" cy="0"/>
-          <a:chOff x="0" y="0"/>
-          <a:chExt cx="0" cy="0"/>
-        </a:xfrm>
-      </p:grpSpPr>
-      <p:sp>
-        <p:nvSpPr>
-          <p:cNvPr id="2" name="Título 1"/>
-          <p:cNvSpPr>
-            <a:spLocks noGrp="1"/>
-          </p:cNvSpPr>
-          <p:nvPr>
-            <p:ph type="title"/>
-          </p:nvPr>
-        </p:nvSpPr>
-        <p:spPr/>
-        <p:txBody>
-          <a:bodyPr/>
-          <a:lstStyle/>
-          <a:p>
-            <a:pPr rtl="0" eaLnBrk="1" fontAlgn="base" hangingPunct="1"/>
-            <a:r>
-              <a:rPr lang="pt-BR" sz="4600" kern="1200" dirty="0" smtClean="0">
-                <a:solidFill>
-                  <a:schemeClr val="tx1"/>
-                </a:solidFill>
-                <a:latin typeface="+mj-lt"/>
-                <a:ea typeface="+mj-ea"/>
-                <a:cs typeface="+mj-cs"/>
-              </a:rPr>
-              <a:t>Exceções personalizadas</a:t>
-            </a:r>
-          </a:p>
-        </p:txBody>
-      </p:sp>
-      <p:sp>
-        <p:nvSpPr>
-          <p:cNvPr id="6" name="Espaço Reservado para Conteúdo 5"/>
-          <p:cNvSpPr>
-            <a:spLocks noGrp="1"/>
-          </p:cNvSpPr>
-          <p:nvPr>
-            <p:ph idx="1"/>
-          </p:nvPr>
-        </p:nvSpPr>
-        <p:spPr>
-          <a:xfrm>
-            <a:off x="457200" y="1600200"/>
             <a:ext cx="8291264" cy="4525963"/>
           </a:xfrm>
         </p:spPr>
@@ -16015,7 +15846,7 @@
               <a:pPr>
                 <a:defRPr/>
               </a:pPr>
-              <a:t>30</a:t>
+              <a:t>29</a:t>
             </a:fld>
             <a:endParaRPr lang="pt-BR"/>
           </a:p>
@@ -16281,6 +16112,507 @@
 </p:sld>
 </file>
 
+<file path=ppt/slides/slide3.xml><?xml version="1.0" encoding="utf-8"?>
+<p:sld xmlns:a="http://schemas.openxmlformats.org/drawingml/2006/main" xmlns:r="http://schemas.openxmlformats.org/officeDocument/2006/relationships" xmlns:p="http://schemas.openxmlformats.org/presentationml/2006/main">
+  <p:cSld>
+    <p:spTree>
+      <p:nvGrpSpPr>
+        <p:cNvPr id="1" name=""/>
+        <p:cNvGrpSpPr/>
+        <p:nvPr/>
+      </p:nvGrpSpPr>
+      <p:grpSpPr>
+        <a:xfrm>
+          <a:off x="0" y="0"/>
+          <a:ext cx="0" cy="0"/>
+          <a:chOff x="0" y="0"/>
+          <a:chExt cx="0" cy="0"/>
+        </a:xfrm>
+      </p:grpSpPr>
+      <p:sp>
+        <p:nvSpPr>
+          <p:cNvPr id="2" name="Título 1"/>
+          <p:cNvSpPr>
+            <a:spLocks noGrp="1"/>
+          </p:cNvSpPr>
+          <p:nvPr>
+            <p:ph type="title"/>
+          </p:nvPr>
+        </p:nvSpPr>
+        <p:spPr/>
+        <p:txBody>
+          <a:bodyPr/>
+          <a:lstStyle/>
+          <a:p>
+            <a:pPr rtl="0" eaLnBrk="1" fontAlgn="base" hangingPunct="1"/>
+            <a:r>
+              <a:rPr lang="pt-BR" sz="4600" kern="1200" dirty="0" smtClean="0">
+                <a:solidFill>
+                  <a:schemeClr val="tx1"/>
+                </a:solidFill>
+                <a:latin typeface="+mj-lt"/>
+                <a:ea typeface="+mj-ea"/>
+                <a:cs typeface="+mj-cs"/>
+              </a:rPr>
+              <a:t>Exceptions</a:t>
+            </a:r>
+            <a:endParaRPr lang="pt-BR" dirty="0"/>
+          </a:p>
+        </p:txBody>
+      </p:sp>
+      <p:sp>
+        <p:nvSpPr>
+          <p:cNvPr id="6" name="Espaço Reservado para Conteúdo 5"/>
+          <p:cNvSpPr>
+            <a:spLocks noGrp="1"/>
+          </p:cNvSpPr>
+          <p:nvPr>
+            <p:ph idx="1"/>
+          </p:nvPr>
+        </p:nvSpPr>
+        <p:spPr/>
+        <p:txBody>
+          <a:bodyPr/>
+          <a:lstStyle/>
+          <a:p>
+            <a:pPr>
+              <a:spcBef>
+                <a:spcPts val="3000"/>
+              </a:spcBef>
+            </a:pPr>
+            <a:r>
+              <a:rPr lang="pt-BR" dirty="0" smtClean="0"/>
+              <a:t>Mecanismo utilizado pelo Java para informar que algo inesperado aconteceu</a:t>
+            </a:r>
+          </a:p>
+          <a:p>
+            <a:pPr>
+              <a:spcBef>
+                <a:spcPts val="3000"/>
+              </a:spcBef>
+            </a:pPr>
+            <a:r>
+              <a:rPr lang="pt-BR" dirty="0" smtClean="0"/>
+              <a:t>Quando sua aplicação não contorna situações de exceptions, ocorre a interrupção abrupta</a:t>
+            </a:r>
+            <a:endParaRPr lang="pt-BR" dirty="0"/>
+          </a:p>
+        </p:txBody>
+      </p:sp>
+      <p:sp>
+        <p:nvSpPr>
+          <p:cNvPr id="5" name="Espaço Reservado para Número de Slide 4"/>
+          <p:cNvSpPr>
+            <a:spLocks noGrp="1"/>
+          </p:cNvSpPr>
+          <p:nvPr>
+            <p:ph type="sldNum" sz="quarter" idx="12"/>
+          </p:nvPr>
+        </p:nvSpPr>
+        <p:spPr/>
+        <p:txBody>
+          <a:bodyPr/>
+          <a:lstStyle/>
+          <a:p>
+            <a:pPr>
+              <a:defRPr/>
+            </a:pPr>
+            <a:fld id="{DAB16DC1-F000-4B90-9425-1E014EE80EC3}" type="slidenum">
+              <a:rPr lang="pt-BR" smtClean="0"/>
+              <a:pPr>
+                <a:defRPr/>
+              </a:pPr>
+              <a:t>3</a:t>
+            </a:fld>
+            <a:endParaRPr lang="pt-BR"/>
+          </a:p>
+        </p:txBody>
+      </p:sp>
+    </p:spTree>
+  </p:cSld>
+  <p:clrMapOvr>
+    <a:masterClrMapping/>
+  </p:clrMapOvr>
+  <p:timing>
+    <p:tnLst>
+      <p:par>
+        <p:cTn id="1" dur="indefinite" restart="never" nodeType="tmRoot"/>
+      </p:par>
+    </p:tnLst>
+  </p:timing>
+</p:sld>
+</file>
+
+<file path=ppt/slides/slide30.xml><?xml version="1.0" encoding="utf-8"?>
+<p:sld xmlns:a="http://schemas.openxmlformats.org/drawingml/2006/main" xmlns:r="http://schemas.openxmlformats.org/officeDocument/2006/relationships" xmlns:p="http://schemas.openxmlformats.org/presentationml/2006/main">
+  <p:cSld>
+    <p:spTree>
+      <p:nvGrpSpPr>
+        <p:cNvPr id="1" name=""/>
+        <p:cNvGrpSpPr/>
+        <p:nvPr/>
+      </p:nvGrpSpPr>
+      <p:grpSpPr>
+        <a:xfrm>
+          <a:off x="0" y="0"/>
+          <a:ext cx="0" cy="0"/>
+          <a:chOff x="0" y="0"/>
+          <a:chExt cx="0" cy="0"/>
+        </a:xfrm>
+      </p:grpSpPr>
+      <p:sp>
+        <p:nvSpPr>
+          <p:cNvPr id="2" name="Título 1"/>
+          <p:cNvSpPr>
+            <a:spLocks noGrp="1"/>
+          </p:cNvSpPr>
+          <p:nvPr>
+            <p:ph type="title"/>
+          </p:nvPr>
+        </p:nvSpPr>
+        <p:spPr/>
+        <p:txBody>
+          <a:bodyPr/>
+          <a:lstStyle/>
+          <a:p>
+            <a:pPr rtl="0" eaLnBrk="1" fontAlgn="base" hangingPunct="1"/>
+            <a:r>
+              <a:rPr lang="pt-BR" sz="4600" kern="1200" dirty="0" smtClean="0">
+                <a:solidFill>
+                  <a:schemeClr val="tx1"/>
+                </a:solidFill>
+                <a:latin typeface="+mj-lt"/>
+                <a:ea typeface="+mj-ea"/>
+                <a:cs typeface="+mj-cs"/>
+              </a:rPr>
+              <a:t>Exceções personalizadas</a:t>
+            </a:r>
+          </a:p>
+        </p:txBody>
+      </p:sp>
+      <p:sp>
+        <p:nvSpPr>
+          <p:cNvPr id="6" name="Espaço Reservado para Conteúdo 5"/>
+          <p:cNvSpPr>
+            <a:spLocks noGrp="1"/>
+          </p:cNvSpPr>
+          <p:nvPr>
+            <p:ph idx="1"/>
+          </p:nvPr>
+        </p:nvSpPr>
+        <p:spPr>
+          <a:xfrm>
+            <a:off x="457200" y="1600200"/>
+            <a:ext cx="8291264" cy="4525963"/>
+          </a:xfrm>
+        </p:spPr>
+        <p:txBody>
+          <a:bodyPr/>
+          <a:lstStyle/>
+          <a:p>
+            <a:r>
+              <a:rPr lang="pt-BR" dirty="0" smtClean="0"/>
+              <a:t>Criando a classe exceção</a:t>
+            </a:r>
+          </a:p>
+          <a:p>
+            <a:pPr marL="0" indent="0">
+              <a:spcBef>
+                <a:spcPts val="0"/>
+              </a:spcBef>
+              <a:buNone/>
+              <a:tabLst>
+                <a:tab pos="539750" algn="l"/>
+                <a:tab pos="1081088" algn="l"/>
+              </a:tabLst>
+            </a:pPr>
+            <a:endParaRPr lang="pt-BR" sz="2400" dirty="0" smtClean="0"/>
+          </a:p>
+          <a:p>
+            <a:pPr marL="0" indent="0">
+              <a:spcBef>
+                <a:spcPts val="0"/>
+              </a:spcBef>
+              <a:buNone/>
+              <a:tabLst>
+                <a:tab pos="539750" algn="l"/>
+                <a:tab pos="1081088" algn="l"/>
+              </a:tabLst>
+            </a:pPr>
+            <a:r>
+              <a:rPr lang="pt-BR" sz="2400" dirty="0" err="1" smtClean="0"/>
+              <a:t>public</a:t>
+            </a:r>
+            <a:r>
+              <a:rPr lang="pt-BR" sz="2400" dirty="0" smtClean="0"/>
+              <a:t> </a:t>
+            </a:r>
+            <a:r>
+              <a:rPr lang="pt-BR" sz="2400" dirty="0" err="1" smtClean="0"/>
+              <a:t>class</a:t>
+            </a:r>
+            <a:r>
+              <a:rPr lang="pt-BR" sz="2400" dirty="0" smtClean="0"/>
+              <a:t> </a:t>
+            </a:r>
+            <a:r>
+              <a:rPr lang="pt-BR" sz="2400" dirty="0" err="1" smtClean="0">
+                <a:solidFill>
+                  <a:srgbClr val="FFC000"/>
+                </a:solidFill>
+              </a:rPr>
+              <a:t>SaldoInsuficienteException</a:t>
+            </a:r>
+            <a:r>
+              <a:rPr lang="pt-BR" sz="2400" dirty="0" smtClean="0"/>
+              <a:t> </a:t>
+            </a:r>
+            <a:r>
+              <a:rPr lang="pt-BR" sz="2400" u="sng" dirty="0" err="1" smtClean="0"/>
+              <a:t>extends</a:t>
+            </a:r>
+            <a:r>
+              <a:rPr lang="pt-BR" sz="2400" u="sng" dirty="0" smtClean="0"/>
+              <a:t> Exception</a:t>
+            </a:r>
+            <a:r>
+              <a:rPr lang="pt-BR" sz="2400" dirty="0" smtClean="0"/>
+              <a:t> {</a:t>
+            </a:r>
+          </a:p>
+          <a:p>
+            <a:pPr marL="0" indent="0">
+              <a:spcBef>
+                <a:spcPts val="0"/>
+              </a:spcBef>
+              <a:buNone/>
+              <a:tabLst>
+                <a:tab pos="539750" algn="l"/>
+                <a:tab pos="1081088" algn="l"/>
+              </a:tabLst>
+            </a:pPr>
+            <a:endParaRPr lang="pt-BR" sz="2400" dirty="0" smtClean="0"/>
+          </a:p>
+          <a:p>
+            <a:pPr marL="0" indent="0">
+              <a:spcBef>
+                <a:spcPts val="0"/>
+              </a:spcBef>
+              <a:buNone/>
+              <a:tabLst>
+                <a:tab pos="539750" algn="l"/>
+                <a:tab pos="1081088" algn="l"/>
+              </a:tabLst>
+            </a:pPr>
+            <a:r>
+              <a:rPr lang="pt-BR" sz="2400" dirty="0" smtClean="0"/>
+              <a:t>	</a:t>
+            </a:r>
+            <a:r>
+              <a:rPr lang="pt-BR" sz="2400" dirty="0" err="1" smtClean="0"/>
+              <a:t>public</a:t>
+            </a:r>
+            <a:r>
+              <a:rPr lang="pt-BR" sz="2400" dirty="0" smtClean="0"/>
+              <a:t> </a:t>
+            </a:r>
+            <a:r>
+              <a:rPr lang="pt-BR" sz="2400" dirty="0" err="1" smtClean="0"/>
+              <a:t>SaldoInsuficienteException</a:t>
+            </a:r>
+            <a:r>
+              <a:rPr lang="pt-BR" sz="2400" dirty="0" smtClean="0"/>
+              <a:t>() {</a:t>
+            </a:r>
+          </a:p>
+          <a:p>
+            <a:pPr marL="0" indent="0">
+              <a:spcBef>
+                <a:spcPts val="0"/>
+              </a:spcBef>
+              <a:buNone/>
+              <a:tabLst>
+                <a:tab pos="539750" algn="l"/>
+                <a:tab pos="1081088" algn="l"/>
+              </a:tabLst>
+            </a:pPr>
+            <a:r>
+              <a:rPr lang="pt-BR" sz="2400" dirty="0" smtClean="0"/>
+              <a:t>		super();</a:t>
+            </a:r>
+          </a:p>
+          <a:p>
+            <a:pPr marL="0" indent="0">
+              <a:spcBef>
+                <a:spcPts val="0"/>
+              </a:spcBef>
+              <a:buNone/>
+              <a:tabLst>
+                <a:tab pos="539750" algn="l"/>
+                <a:tab pos="1081088" algn="l"/>
+              </a:tabLst>
+            </a:pPr>
+            <a:r>
+              <a:rPr lang="pt-BR" sz="2400" dirty="0" smtClean="0"/>
+              <a:t>	}</a:t>
+            </a:r>
+          </a:p>
+          <a:p>
+            <a:pPr marL="0" indent="0">
+              <a:spcBef>
+                <a:spcPts val="0"/>
+              </a:spcBef>
+              <a:buNone/>
+              <a:tabLst>
+                <a:tab pos="539750" algn="l"/>
+                <a:tab pos="1081088" algn="l"/>
+              </a:tabLst>
+            </a:pPr>
+            <a:endParaRPr lang="pt-BR" sz="2400" dirty="0" smtClean="0"/>
+          </a:p>
+          <a:p>
+            <a:pPr marL="0" indent="0">
+              <a:spcBef>
+                <a:spcPts val="0"/>
+              </a:spcBef>
+              <a:buNone/>
+              <a:tabLst>
+                <a:tab pos="539750" algn="l"/>
+                <a:tab pos="1081088" algn="l"/>
+              </a:tabLst>
+            </a:pPr>
+            <a:r>
+              <a:rPr lang="pt-BR" sz="2400" dirty="0" smtClean="0"/>
+              <a:t>	</a:t>
+            </a:r>
+            <a:r>
+              <a:rPr lang="pt-BR" sz="2400" dirty="0" err="1" smtClean="0"/>
+              <a:t>public</a:t>
+            </a:r>
+            <a:r>
+              <a:rPr lang="pt-BR" sz="2400" dirty="0" smtClean="0"/>
+              <a:t> </a:t>
+            </a:r>
+            <a:r>
+              <a:rPr lang="pt-BR" sz="2400" dirty="0" err="1" smtClean="0"/>
+              <a:t>SaldoInsuficienteException</a:t>
+            </a:r>
+            <a:r>
+              <a:rPr lang="pt-BR" sz="2400" dirty="0" smtClean="0"/>
+              <a:t>(String </a:t>
+            </a:r>
+            <a:r>
+              <a:rPr lang="pt-BR" sz="2400" dirty="0" err="1" smtClean="0"/>
+              <a:t>message</a:t>
+            </a:r>
+            <a:r>
+              <a:rPr lang="pt-BR" sz="2400" dirty="0" smtClean="0"/>
+              <a:t>) {</a:t>
+            </a:r>
+          </a:p>
+          <a:p>
+            <a:pPr marL="0" indent="0">
+              <a:spcBef>
+                <a:spcPts val="0"/>
+              </a:spcBef>
+              <a:buNone/>
+              <a:tabLst>
+                <a:tab pos="539750" algn="l"/>
+                <a:tab pos="1081088" algn="l"/>
+              </a:tabLst>
+            </a:pPr>
+            <a:r>
+              <a:rPr lang="pt-BR" sz="2400" dirty="0" smtClean="0"/>
+              <a:t>		super(</a:t>
+            </a:r>
+            <a:r>
+              <a:rPr lang="pt-BR" sz="2400" dirty="0" err="1" smtClean="0"/>
+              <a:t>message</a:t>
+            </a:r>
+            <a:r>
+              <a:rPr lang="pt-BR" sz="2400" dirty="0" smtClean="0"/>
+              <a:t>);</a:t>
+            </a:r>
+          </a:p>
+          <a:p>
+            <a:pPr marL="0" indent="0">
+              <a:spcBef>
+                <a:spcPts val="0"/>
+              </a:spcBef>
+              <a:buNone/>
+              <a:tabLst>
+                <a:tab pos="539750" algn="l"/>
+                <a:tab pos="1081088" algn="l"/>
+              </a:tabLst>
+            </a:pPr>
+            <a:r>
+              <a:rPr lang="pt-BR" sz="2400" dirty="0" smtClean="0"/>
+              <a:t>	}</a:t>
+            </a:r>
+          </a:p>
+          <a:p>
+            <a:pPr marL="0" indent="0">
+              <a:spcBef>
+                <a:spcPts val="0"/>
+              </a:spcBef>
+              <a:buNone/>
+              <a:tabLst>
+                <a:tab pos="539750" algn="l"/>
+                <a:tab pos="1081088" algn="l"/>
+              </a:tabLst>
+            </a:pPr>
+            <a:r>
+              <a:rPr lang="pt-BR" sz="2400" dirty="0" smtClean="0"/>
+              <a:t>}</a:t>
+            </a:r>
+            <a:endParaRPr lang="pt-BR" sz="2400" dirty="0"/>
+          </a:p>
+        </p:txBody>
+      </p:sp>
+      <p:sp>
+        <p:nvSpPr>
+          <p:cNvPr id="5" name="Espaço Reservado para Número de Slide 4"/>
+          <p:cNvSpPr>
+            <a:spLocks noGrp="1"/>
+          </p:cNvSpPr>
+          <p:nvPr>
+            <p:ph type="sldNum" sz="quarter" idx="12"/>
+          </p:nvPr>
+        </p:nvSpPr>
+        <p:spPr/>
+        <p:txBody>
+          <a:bodyPr/>
+          <a:lstStyle/>
+          <a:p>
+            <a:pPr>
+              <a:defRPr/>
+            </a:pPr>
+            <a:fld id="{DAB16DC1-F000-4B90-9425-1E014EE80EC3}" type="slidenum">
+              <a:rPr lang="pt-BR" smtClean="0"/>
+              <a:pPr>
+                <a:defRPr/>
+              </a:pPr>
+              <a:t>30</a:t>
+            </a:fld>
+            <a:endParaRPr lang="pt-BR"/>
+          </a:p>
+        </p:txBody>
+      </p:sp>
+    </p:spTree>
+  </p:cSld>
+  <p:clrMapOvr>
+    <a:masterClrMapping/>
+  </p:clrMapOvr>
+  <p:timing>
+    <p:tnLst>
+      <p:par>
+        <p:cTn id="1" dur="indefinite" restart="never" nodeType="tmRoot"/>
+      </p:par>
+    </p:tnLst>
+  </p:timing>
+</p:sld>
+</file>
+
 <file path=ppt/slides/slide31.xml><?xml version="1.0" encoding="utf-8"?>
 <p:sld xmlns:a="http://schemas.openxmlformats.org/drawingml/2006/main" xmlns:r="http://schemas.openxmlformats.org/officeDocument/2006/relationships" xmlns:p="http://schemas.openxmlformats.org/presentationml/2006/main">
   <p:cSld>
@@ -16313,18 +16645,12 @@
           <a:bodyPr/>
           <a:lstStyle/>
           <a:p>
-            <a:pPr rtl="0" eaLnBrk="1" fontAlgn="base" hangingPunct="1"/>
-            <a:r>
-              <a:rPr lang="pt-BR" sz="4600" kern="1200" dirty="0" smtClean="0">
-                <a:solidFill>
-                  <a:schemeClr val="tx1"/>
-                </a:solidFill>
-                <a:latin typeface="+mj-lt"/>
-                <a:ea typeface="+mj-ea"/>
-                <a:cs typeface="+mj-cs"/>
-              </a:rPr>
+            <a:pPr eaLnBrk="1" hangingPunct="1"/>
+            <a:r>
+              <a:rPr lang="pt-BR" dirty="0" smtClean="0"/>
               <a:t>Exceções personalizadas</a:t>
             </a:r>
+            <a:endParaRPr lang="pt-BR" dirty="0"/>
           </a:p>
         </p:txBody>
       </p:sp>
@@ -16340,61 +16666,349 @@
         </p:nvSpPr>
         <p:spPr>
           <a:xfrm>
-            <a:off x="457200" y="1600200"/>
-            <a:ext cx="8291264" cy="4525963"/>
+            <a:off x="457200" y="1196752"/>
+            <a:ext cx="8147248" cy="4525963"/>
           </a:xfrm>
         </p:spPr>
         <p:txBody>
           <a:bodyPr/>
           <a:lstStyle/>
           <a:p>
+            <a:pPr>
+              <a:tabLst>
+                <a:tab pos="442913" algn="l"/>
+                <a:tab pos="900113" algn="l"/>
+              </a:tabLst>
+            </a:pPr>
             <a:r>
               <a:rPr lang="pt-BR" dirty="0" smtClean="0"/>
-              <a:t>Criando a classe exceção</a:t>
-            </a:r>
-          </a:p>
-          <a:p>
-            <a:pPr marL="0" indent="0">
+              <a:t>Na aplicação principal...</a:t>
+            </a:r>
+          </a:p>
+          <a:p>
+            <a:pPr marL="442913" indent="0">
+              <a:lnSpc>
+                <a:spcPct val="90000"/>
+              </a:lnSpc>
               <a:spcBef>
                 <a:spcPts val="0"/>
               </a:spcBef>
               <a:buNone/>
               <a:tabLst>
-                <a:tab pos="539750" algn="l"/>
-                <a:tab pos="1081088" algn="l"/>
+                <a:tab pos="900113" algn="l"/>
+                <a:tab pos="1344613" algn="l"/>
               </a:tabLst>
             </a:pPr>
-            <a:endParaRPr lang="pt-BR" sz="2400" dirty="0" smtClean="0"/>
-          </a:p>
-          <a:p>
-            <a:pPr marL="0" indent="0">
+            <a:endParaRPr lang="pt-BR" sz="2000" dirty="0" smtClean="0"/>
+          </a:p>
+          <a:p>
+            <a:pPr marL="442913" indent="0">
+              <a:lnSpc>
+                <a:spcPct val="90000"/>
+              </a:lnSpc>
               <a:spcBef>
                 <a:spcPts val="0"/>
               </a:spcBef>
               <a:buNone/>
               <a:tabLst>
-                <a:tab pos="539750" algn="l"/>
-                <a:tab pos="1081088" algn="l"/>
+                <a:tab pos="900113" algn="l"/>
+                <a:tab pos="1344613" algn="l"/>
               </a:tabLst>
             </a:pPr>
             <a:r>
-              <a:rPr lang="pt-BR" sz="2400" dirty="0" err="1" smtClean="0"/>
+              <a:rPr lang="pt-BR" sz="2000" dirty="0" err="1" smtClean="0"/>
               <a:t>public</a:t>
             </a:r>
             <a:r>
-              <a:rPr lang="pt-BR" sz="2400" dirty="0" smtClean="0"/>
+              <a:rPr lang="pt-BR" sz="2000" dirty="0" smtClean="0"/>
               <a:t> </a:t>
             </a:r>
             <a:r>
-              <a:rPr lang="pt-BR" sz="2400" dirty="0" err="1" smtClean="0"/>
-              <a:t>class</a:t>
-            </a:r>
-            <a:r>
-              <a:rPr lang="pt-BR" sz="2400" dirty="0" smtClean="0"/>
+              <a:rPr lang="pt-BR" sz="2000" dirty="0" err="1" smtClean="0"/>
+              <a:t>void</a:t>
+            </a:r>
+            <a:r>
+              <a:rPr lang="pt-BR" sz="2000" dirty="0" smtClean="0"/>
               <a:t> </a:t>
             </a:r>
             <a:r>
-              <a:rPr lang="pt-BR" sz="2400" dirty="0" err="1" smtClean="0">
+              <a:rPr lang="pt-BR" sz="2000" dirty="0" err="1" smtClean="0"/>
+              <a:t>obterSaldo</a:t>
+            </a:r>
+            <a:r>
+              <a:rPr lang="pt-BR" sz="2000" dirty="0" smtClean="0"/>
+              <a:t>() {</a:t>
+            </a:r>
+          </a:p>
+          <a:p>
+            <a:pPr marL="442913" indent="0">
+              <a:lnSpc>
+                <a:spcPct val="90000"/>
+              </a:lnSpc>
+              <a:spcBef>
+                <a:spcPts val="0"/>
+              </a:spcBef>
+              <a:buNone/>
+              <a:tabLst>
+                <a:tab pos="900113" algn="l"/>
+                <a:tab pos="1344613" algn="l"/>
+              </a:tabLst>
+            </a:pPr>
+            <a:r>
+              <a:rPr lang="pt-BR" sz="2000" dirty="0" smtClean="0"/>
+              <a:t>	</a:t>
+            </a:r>
+            <a:r>
+              <a:rPr lang="pt-BR" sz="2000" dirty="0" err="1" smtClean="0"/>
+              <a:t>Conexao</a:t>
+            </a:r>
+            <a:r>
+              <a:rPr lang="pt-BR" sz="2000" dirty="0" smtClean="0"/>
+              <a:t> </a:t>
+            </a:r>
+            <a:r>
+              <a:rPr lang="pt-BR" sz="2000" dirty="0" err="1" smtClean="0"/>
+              <a:t>cn</a:t>
+            </a:r>
+            <a:r>
+              <a:rPr lang="pt-BR" sz="2000" dirty="0" smtClean="0"/>
+              <a:t> = </a:t>
+            </a:r>
+            <a:r>
+              <a:rPr lang="pt-BR" sz="2000" dirty="0" err="1" smtClean="0"/>
+              <a:t>null</a:t>
+            </a:r>
+            <a:r>
+              <a:rPr lang="pt-BR" sz="2000" dirty="0" smtClean="0"/>
+              <a:t>;</a:t>
+            </a:r>
+          </a:p>
+          <a:p>
+            <a:pPr marL="442913" indent="0">
+              <a:lnSpc>
+                <a:spcPct val="90000"/>
+              </a:lnSpc>
+              <a:spcBef>
+                <a:spcPts val="0"/>
+              </a:spcBef>
+              <a:buNone/>
+              <a:tabLst>
+                <a:tab pos="900113" algn="l"/>
+                <a:tab pos="1344613" algn="l"/>
+              </a:tabLst>
+            </a:pPr>
+            <a:r>
+              <a:rPr lang="pt-BR" sz="2000" dirty="0" smtClean="0"/>
+              <a:t>	</a:t>
+            </a:r>
+            <a:r>
+              <a:rPr lang="pt-BR" sz="2000" dirty="0" err="1" smtClean="0"/>
+              <a:t>try</a:t>
+            </a:r>
+            <a:r>
+              <a:rPr lang="pt-BR" sz="2000" dirty="0" smtClean="0"/>
+              <a:t> {</a:t>
+            </a:r>
+          </a:p>
+          <a:p>
+            <a:pPr marL="442913" indent="0">
+              <a:lnSpc>
+                <a:spcPct val="90000"/>
+              </a:lnSpc>
+              <a:spcBef>
+                <a:spcPts val="0"/>
+              </a:spcBef>
+              <a:buNone/>
+              <a:tabLst>
+                <a:tab pos="900113" algn="l"/>
+                <a:tab pos="1344613" algn="l"/>
+              </a:tabLst>
+            </a:pPr>
+            <a:r>
+              <a:rPr lang="pt-BR" sz="2000" dirty="0" smtClean="0"/>
+              <a:t>		</a:t>
+            </a:r>
+            <a:r>
+              <a:rPr lang="pt-BR" sz="2000" dirty="0" err="1" smtClean="0"/>
+              <a:t>cn</a:t>
+            </a:r>
+            <a:r>
+              <a:rPr lang="pt-BR" sz="2000" dirty="0" smtClean="0"/>
+              <a:t> = </a:t>
+            </a:r>
+            <a:r>
+              <a:rPr lang="pt-BR" sz="2000" dirty="0" err="1" smtClean="0"/>
+              <a:t>abrirConexao</a:t>
+            </a:r>
+            <a:r>
+              <a:rPr lang="pt-BR" sz="2000" dirty="0" smtClean="0"/>
+              <a:t>();</a:t>
+            </a:r>
+          </a:p>
+          <a:p>
+            <a:pPr marL="442913" indent="0">
+              <a:lnSpc>
+                <a:spcPct val="90000"/>
+              </a:lnSpc>
+              <a:spcBef>
+                <a:spcPts val="0"/>
+              </a:spcBef>
+              <a:buNone/>
+              <a:tabLst>
+                <a:tab pos="900113" algn="l"/>
+                <a:tab pos="1344613" algn="l"/>
+              </a:tabLst>
+            </a:pPr>
+            <a:r>
+              <a:rPr lang="pt-BR" sz="2000" dirty="0" smtClean="0"/>
+              <a:t>		Conta </a:t>
+            </a:r>
+            <a:r>
+              <a:rPr lang="pt-BR" sz="2000" dirty="0" err="1" smtClean="0"/>
+              <a:t>conta</a:t>
+            </a:r>
+            <a:r>
+              <a:rPr lang="pt-BR" sz="2000" dirty="0" smtClean="0"/>
+              <a:t> = </a:t>
+            </a:r>
+            <a:r>
+              <a:rPr lang="pt-BR" sz="2000" dirty="0" err="1" smtClean="0"/>
+              <a:t>cn</a:t>
+            </a:r>
+            <a:r>
+              <a:rPr lang="pt-BR" sz="2000" dirty="0" smtClean="0"/>
+              <a:t>.</a:t>
+            </a:r>
+            <a:r>
+              <a:rPr lang="pt-BR" sz="2000" dirty="0" err="1" smtClean="0"/>
+              <a:t>obterConta</a:t>
+            </a:r>
+            <a:r>
+              <a:rPr lang="pt-BR" sz="2000" dirty="0" smtClean="0"/>
+              <a:t>();</a:t>
+            </a:r>
+          </a:p>
+          <a:p>
+            <a:pPr marL="442913" indent="0">
+              <a:lnSpc>
+                <a:spcPct val="90000"/>
+              </a:lnSpc>
+              <a:spcBef>
+                <a:spcPts val="0"/>
+              </a:spcBef>
+              <a:buNone/>
+              <a:tabLst>
+                <a:tab pos="900113" algn="l"/>
+                <a:tab pos="1344613" algn="l"/>
+              </a:tabLst>
+            </a:pPr>
+            <a:r>
+              <a:rPr lang="pt-BR" sz="2000" dirty="0" smtClean="0">
+                <a:solidFill>
+                  <a:srgbClr val="FFC000"/>
+                </a:solidFill>
+              </a:rPr>
+              <a:t>		conta.debitar(</a:t>
+            </a:r>
+            <a:r>
+              <a:rPr lang="pt-BR" sz="2000" dirty="0" err="1" smtClean="0">
+                <a:solidFill>
+                  <a:srgbClr val="FFC000"/>
+                </a:solidFill>
+              </a:rPr>
+              <a:t>valorBoleto</a:t>
+            </a:r>
+            <a:r>
+              <a:rPr lang="pt-BR" sz="2000" dirty="0" smtClean="0">
+                <a:solidFill>
+                  <a:srgbClr val="FFC000"/>
+                </a:solidFill>
+              </a:rPr>
+              <a:t>);</a:t>
+            </a:r>
+          </a:p>
+          <a:p>
+            <a:pPr marL="442913" indent="0">
+              <a:lnSpc>
+                <a:spcPct val="90000"/>
+              </a:lnSpc>
+              <a:spcBef>
+                <a:spcPts val="0"/>
+              </a:spcBef>
+              <a:buNone/>
+              <a:tabLst>
+                <a:tab pos="900113" algn="l"/>
+                <a:tab pos="1344613" algn="l"/>
+              </a:tabLst>
+            </a:pPr>
+            <a:r>
+              <a:rPr lang="pt-BR" sz="2000" dirty="0" smtClean="0"/>
+              <a:t>	} catch (</a:t>
+            </a:r>
+            <a:r>
+              <a:rPr lang="pt-BR" sz="2000" dirty="0" err="1" smtClean="0"/>
+              <a:t>SQLException</a:t>
+            </a:r>
+            <a:r>
+              <a:rPr lang="pt-BR" sz="2000" dirty="0" smtClean="0"/>
+              <a:t> </a:t>
+            </a:r>
+            <a:r>
+              <a:rPr lang="pt-BR" sz="2000" dirty="0" err="1" smtClean="0"/>
+              <a:t>sqle</a:t>
+            </a:r>
+            <a:r>
+              <a:rPr lang="pt-BR" sz="2000" dirty="0" smtClean="0"/>
+              <a:t>) {</a:t>
+            </a:r>
+          </a:p>
+          <a:p>
+            <a:pPr marL="442913" indent="0">
+              <a:lnSpc>
+                <a:spcPct val="90000"/>
+              </a:lnSpc>
+              <a:spcBef>
+                <a:spcPts val="0"/>
+              </a:spcBef>
+              <a:buNone/>
+              <a:tabLst>
+                <a:tab pos="900113" algn="l"/>
+                <a:tab pos="1344613" algn="l"/>
+              </a:tabLst>
+            </a:pPr>
+            <a:r>
+              <a:rPr lang="pt-BR" sz="2000" dirty="0" smtClean="0"/>
+              <a:t>		System.</a:t>
+            </a:r>
+            <a:r>
+              <a:rPr lang="pt-BR" sz="2000" dirty="0" err="1" smtClean="0"/>
+              <a:t>out.println</a:t>
+            </a:r>
+            <a:r>
+              <a:rPr lang="pt-BR" sz="2000" dirty="0" smtClean="0"/>
+              <a:t>(“Erro ao acessar BD”);</a:t>
+            </a:r>
+          </a:p>
+          <a:p>
+            <a:pPr marL="442913" indent="0">
+              <a:lnSpc>
+                <a:spcPct val="90000"/>
+              </a:lnSpc>
+              <a:spcBef>
+                <a:spcPts val="0"/>
+              </a:spcBef>
+              <a:buNone/>
+              <a:tabLst>
+                <a:tab pos="900113" algn="l"/>
+                <a:tab pos="1344613" algn="l"/>
+              </a:tabLst>
+            </a:pPr>
+            <a:r>
+              <a:rPr lang="pt-BR" sz="2000" dirty="0" smtClean="0"/>
+              <a:t>	} catch (</a:t>
+            </a:r>
+            <a:r>
+              <a:rPr lang="pt-BR" sz="2000" dirty="0" err="1" smtClean="0">
                 <a:solidFill>
                   <a:srgbClr val="FFC000"/>
                 </a:solidFill>
@@ -16402,208 +17016,210 @@
               <a:t>SaldoInsuficienteException</a:t>
             </a:r>
             <a:r>
-              <a:rPr lang="pt-BR" sz="2400" dirty="0" smtClean="0"/>
-              <a:t> </a:t>
-            </a:r>
-            <a:r>
-              <a:rPr lang="pt-BR" sz="2400" u="sng" dirty="0" err="1" smtClean="0"/>
-              <a:t>extends</a:t>
-            </a:r>
-            <a:r>
-              <a:rPr lang="pt-BR" sz="2400" u="sng" dirty="0" smtClean="0"/>
-              <a:t> Exception</a:t>
-            </a:r>
-            <a:r>
-              <a:rPr lang="pt-BR" sz="2400" dirty="0" smtClean="0"/>
-              <a:t> {</a:t>
-            </a:r>
-          </a:p>
-          <a:p>
-            <a:pPr marL="0" indent="0">
+              <a:rPr lang="pt-BR" sz="2000" dirty="0" smtClean="0">
+                <a:solidFill>
+                  <a:srgbClr val="FFC000"/>
+                </a:solidFill>
+              </a:rPr>
+              <a:t> e</a:t>
+            </a:r>
+            <a:r>
+              <a:rPr lang="pt-BR" sz="2000" dirty="0" smtClean="0"/>
+              <a:t>) {</a:t>
+            </a:r>
+          </a:p>
+          <a:p>
+            <a:pPr marL="442913" indent="0">
+              <a:lnSpc>
+                <a:spcPct val="90000"/>
+              </a:lnSpc>
               <a:spcBef>
                 <a:spcPts val="0"/>
               </a:spcBef>
               <a:buNone/>
               <a:tabLst>
-                <a:tab pos="539750" algn="l"/>
-                <a:tab pos="1081088" algn="l"/>
+                <a:tab pos="900113" algn="l"/>
+                <a:tab pos="1344613" algn="l"/>
               </a:tabLst>
             </a:pPr>
-            <a:endParaRPr lang="pt-BR" sz="2400" dirty="0" smtClean="0"/>
-          </a:p>
-          <a:p>
-            <a:pPr marL="0" indent="0">
+            <a:r>
+              <a:rPr lang="pt-BR" sz="2000" dirty="0" smtClean="0"/>
+              <a:t>		System.</a:t>
+            </a:r>
+            <a:r>
+              <a:rPr lang="pt-BR" sz="2000" dirty="0" err="1" smtClean="0"/>
+              <a:t>out.println</a:t>
+            </a:r>
+            <a:r>
+              <a:rPr lang="pt-BR" sz="2000" dirty="0" smtClean="0"/>
+              <a:t>(“Ocorreu um erro: ” + </a:t>
+            </a:r>
+            <a:r>
+              <a:rPr lang="pt-BR" sz="2000" dirty="0" err="1" smtClean="0">
+                <a:solidFill>
+                  <a:srgbClr val="FFC000"/>
+                </a:solidFill>
+              </a:rPr>
+              <a:t>e.getMessage</a:t>
+            </a:r>
+            <a:r>
+              <a:rPr lang="pt-BR" sz="2000" dirty="0" smtClean="0">
+                <a:solidFill>
+                  <a:srgbClr val="FFC000"/>
+                </a:solidFill>
+              </a:rPr>
+              <a:t>()</a:t>
+            </a:r>
+            <a:r>
+              <a:rPr lang="pt-BR" sz="2000" dirty="0" smtClean="0"/>
+              <a:t>);</a:t>
+            </a:r>
+          </a:p>
+          <a:p>
+            <a:pPr marL="442913" indent="0">
+              <a:lnSpc>
+                <a:spcPct val="90000"/>
+              </a:lnSpc>
               <a:spcBef>
                 <a:spcPts val="0"/>
               </a:spcBef>
               <a:buNone/>
               <a:tabLst>
-                <a:tab pos="539750" algn="l"/>
-                <a:tab pos="1081088" algn="l"/>
+                <a:tab pos="900113" algn="l"/>
+                <a:tab pos="1344613" algn="l"/>
               </a:tabLst>
             </a:pPr>
             <a:r>
-              <a:rPr lang="pt-BR" sz="2400" dirty="0" smtClean="0"/>
-              <a:t>	</a:t>
-            </a:r>
-            <a:r>
-              <a:rPr lang="pt-BR" sz="2400" dirty="0" err="1" smtClean="0"/>
-              <a:t>public</a:t>
-            </a:r>
-            <a:r>
-              <a:rPr lang="pt-BR" sz="2400" dirty="0" smtClean="0"/>
-              <a:t> </a:t>
-            </a:r>
-            <a:r>
-              <a:rPr lang="pt-BR" sz="2400" dirty="0" err="1" smtClean="0"/>
-              <a:t>SaldoInsuficienteException</a:t>
-            </a:r>
-            <a:r>
-              <a:rPr lang="pt-BR" sz="2400" dirty="0" smtClean="0"/>
-              <a:t>() {</a:t>
-            </a:r>
-          </a:p>
-          <a:p>
-            <a:pPr marL="0" indent="0">
+              <a:rPr lang="pt-BR" sz="2000" dirty="0" smtClean="0"/>
+              <a:t>	} catch (Exception e) {</a:t>
+            </a:r>
+          </a:p>
+          <a:p>
+            <a:pPr marL="442913" indent="0">
+              <a:lnSpc>
+                <a:spcPct val="90000"/>
+              </a:lnSpc>
               <a:spcBef>
                 <a:spcPts val="0"/>
               </a:spcBef>
               <a:buNone/>
               <a:tabLst>
-                <a:tab pos="539750" algn="l"/>
-                <a:tab pos="1081088" algn="l"/>
+                <a:tab pos="900113" algn="l"/>
+                <a:tab pos="1344613" algn="l"/>
               </a:tabLst>
             </a:pPr>
             <a:r>
-              <a:rPr lang="pt-BR" sz="2400" dirty="0" smtClean="0"/>
-              <a:t>		super();</a:t>
-            </a:r>
-          </a:p>
-          <a:p>
-            <a:pPr marL="0" indent="0">
+              <a:rPr lang="pt-BR" sz="2000" dirty="0" smtClean="0"/>
+              <a:t>		System.</a:t>
+            </a:r>
+            <a:r>
+              <a:rPr lang="pt-BR" sz="2000" dirty="0" err="1" smtClean="0"/>
+              <a:t>out.println</a:t>
+            </a:r>
+            <a:r>
+              <a:rPr lang="pt-BR" sz="2000" dirty="0" smtClean="0"/>
+              <a:t>(“Ocorreu um erro desconhecido.”);</a:t>
+            </a:r>
+          </a:p>
+          <a:p>
+            <a:pPr marL="442913" indent="0">
+              <a:lnSpc>
+                <a:spcPct val="90000"/>
+              </a:lnSpc>
               <a:spcBef>
                 <a:spcPts val="0"/>
               </a:spcBef>
               <a:buNone/>
               <a:tabLst>
-                <a:tab pos="539750" algn="l"/>
-                <a:tab pos="1081088" algn="l"/>
+                <a:tab pos="900113" algn="l"/>
+                <a:tab pos="1344613" algn="l"/>
               </a:tabLst>
             </a:pPr>
             <a:r>
-              <a:rPr lang="pt-BR" sz="2400" dirty="0" smtClean="0"/>
-              <a:t>	}</a:t>
-            </a:r>
-          </a:p>
-          <a:p>
-            <a:pPr marL="0" indent="0">
+              <a:rPr lang="pt-BR" sz="2000" dirty="0" smtClean="0"/>
+              <a:t>	} </a:t>
+            </a:r>
+            <a:r>
+              <a:rPr lang="pt-BR" sz="2000" dirty="0" err="1" smtClean="0"/>
+              <a:t>finally</a:t>
+            </a:r>
+            <a:r>
+              <a:rPr lang="pt-BR" sz="2000" dirty="0" smtClean="0"/>
+              <a:t> {</a:t>
+            </a:r>
+          </a:p>
+          <a:p>
+            <a:pPr marL="442913" indent="0">
+              <a:lnSpc>
+                <a:spcPct val="90000"/>
+              </a:lnSpc>
               <a:spcBef>
                 <a:spcPts val="0"/>
               </a:spcBef>
               <a:buNone/>
               <a:tabLst>
-                <a:tab pos="539750" algn="l"/>
-                <a:tab pos="1081088" algn="l"/>
+                <a:tab pos="900113" algn="l"/>
+                <a:tab pos="1344613" algn="l"/>
               </a:tabLst>
             </a:pPr>
-            <a:endParaRPr lang="pt-BR" sz="2400" dirty="0" smtClean="0"/>
-          </a:p>
-          <a:p>
-            <a:pPr marL="0" indent="0">
+            <a:r>
+              <a:rPr lang="pt-BR" sz="2000" dirty="0" smtClean="0"/>
+              <a:t>		</a:t>
+            </a:r>
+            <a:r>
+              <a:rPr lang="pt-BR" sz="2000" dirty="0" err="1" smtClean="0"/>
+              <a:t>fecharConexao</a:t>
+            </a:r>
+            <a:r>
+              <a:rPr lang="pt-BR" sz="2000" dirty="0" smtClean="0"/>
+              <a:t>(</a:t>
+            </a:r>
+            <a:r>
+              <a:rPr lang="pt-BR" sz="2000" dirty="0" err="1" smtClean="0"/>
+              <a:t>cn</a:t>
+            </a:r>
+            <a:r>
+              <a:rPr lang="pt-BR" sz="2000" dirty="0" smtClean="0"/>
+              <a:t>);</a:t>
+            </a:r>
+          </a:p>
+          <a:p>
+            <a:pPr marL="442913" indent="0">
+              <a:lnSpc>
+                <a:spcPct val="90000"/>
+              </a:lnSpc>
               <a:spcBef>
                 <a:spcPts val="0"/>
               </a:spcBef>
               <a:buNone/>
               <a:tabLst>
-                <a:tab pos="539750" algn="l"/>
-                <a:tab pos="1081088" algn="l"/>
+                <a:tab pos="900113" algn="l"/>
+                <a:tab pos="1344613" algn="l"/>
               </a:tabLst>
             </a:pPr>
             <a:r>
-              <a:rPr lang="pt-BR" sz="2400" dirty="0" smtClean="0"/>
-              <a:t>	</a:t>
-            </a:r>
-            <a:r>
-              <a:rPr lang="pt-BR" sz="2400" dirty="0" err="1" smtClean="0"/>
-              <a:t>public</a:t>
-            </a:r>
-            <a:r>
-              <a:rPr lang="pt-BR" sz="2400" dirty="0" smtClean="0"/>
-              <a:t> </a:t>
-            </a:r>
-            <a:r>
-              <a:rPr lang="pt-BR" sz="2400" dirty="0" err="1" smtClean="0"/>
-              <a:t>SaldoInsuficienteException</a:t>
-            </a:r>
-            <a:r>
-              <a:rPr lang="pt-BR" sz="2400" dirty="0" smtClean="0"/>
-              <a:t>(String </a:t>
-            </a:r>
-            <a:r>
-              <a:rPr lang="pt-BR" sz="2400" dirty="0" err="1" smtClean="0"/>
-              <a:t>message</a:t>
-            </a:r>
-            <a:r>
-              <a:rPr lang="pt-BR" sz="2400" dirty="0" smtClean="0"/>
-              <a:t>) {</a:t>
-            </a:r>
-          </a:p>
-          <a:p>
-            <a:pPr marL="0" indent="0">
+              <a:rPr lang="pt-BR" sz="2000" dirty="0" smtClean="0"/>
+              <a:t>	}</a:t>
+            </a:r>
+          </a:p>
+          <a:p>
+            <a:pPr marL="442913" indent="0">
+              <a:lnSpc>
+                <a:spcPct val="90000"/>
+              </a:lnSpc>
               <a:spcBef>
                 <a:spcPts val="0"/>
               </a:spcBef>
               <a:buNone/>
               <a:tabLst>
-                <a:tab pos="539750" algn="l"/>
-                <a:tab pos="1081088" algn="l"/>
+                <a:tab pos="900113" algn="l"/>
+                <a:tab pos="1344613" algn="l"/>
               </a:tabLst>
             </a:pPr>
             <a:r>
-              <a:rPr lang="pt-BR" sz="2400" dirty="0" smtClean="0"/>
-              <a:t>		super(</a:t>
-            </a:r>
-            <a:r>
-              <a:rPr lang="pt-BR" sz="2400" dirty="0" err="1" smtClean="0"/>
-              <a:t>message</a:t>
-            </a:r>
-            <a:r>
-              <a:rPr lang="pt-BR" sz="2400" dirty="0" smtClean="0"/>
-              <a:t>);</a:t>
-            </a:r>
-          </a:p>
-          <a:p>
-            <a:pPr marL="0" indent="0">
-              <a:spcBef>
-                <a:spcPts val="0"/>
-              </a:spcBef>
-              <a:buNone/>
-              <a:tabLst>
-                <a:tab pos="539750" algn="l"/>
-                <a:tab pos="1081088" algn="l"/>
-              </a:tabLst>
-            </a:pPr>
-            <a:r>
-              <a:rPr lang="pt-BR" sz="2400" dirty="0" smtClean="0"/>
-              <a:t>	}</a:t>
-            </a:r>
-          </a:p>
-          <a:p>
-            <a:pPr marL="0" indent="0">
-              <a:spcBef>
-                <a:spcPts val="0"/>
-              </a:spcBef>
-              <a:buNone/>
-              <a:tabLst>
-                <a:tab pos="539750" algn="l"/>
-                <a:tab pos="1081088" algn="l"/>
-              </a:tabLst>
-            </a:pPr>
-            <a:r>
-              <a:rPr lang="pt-BR" sz="2400" dirty="0" smtClean="0"/>
+              <a:rPr lang="pt-BR" sz="2000" dirty="0" smtClean="0"/>
               <a:t>}</a:t>
             </a:r>
-            <a:endParaRPr lang="pt-BR" sz="2400" dirty="0"/>
           </a:p>
         </p:txBody>
       </p:sp>
@@ -16683,10 +17299,9 @@
           <a:bodyPr/>
           <a:lstStyle/>
           <a:p>
-            <a:pPr eaLnBrk="1" hangingPunct="1"/>
             <a:r>
               <a:rPr lang="pt-BR" dirty="0" smtClean="0"/>
-              <a:t>Exceções personalizadas</a:t>
+              <a:t>Exercício 1</a:t>
             </a:r>
             <a:endParaRPr lang="pt-BR" dirty="0"/>
           </a:p>
@@ -16694,7 +17309,7 @@
       </p:sp>
       <p:sp>
         <p:nvSpPr>
-          <p:cNvPr id="6" name="Espaço Reservado para Conteúdo 5"/>
+          <p:cNvPr id="3" name="Espaço Reservado para Conteúdo 2"/>
           <p:cNvSpPr>
             <a:spLocks noGrp="1"/>
           </p:cNvSpPr>
@@ -16702,259 +17317,62 @@
             <p:ph idx="1"/>
           </p:nvPr>
         </p:nvSpPr>
-        <p:spPr>
-          <a:xfrm>
-            <a:off x="457200" y="1196752"/>
-            <a:ext cx="8147248" cy="4525963"/>
-          </a:xfrm>
-        </p:spPr>
+        <p:spPr/>
         <p:txBody>
           <a:bodyPr/>
           <a:lstStyle/>
           <a:p>
             <a:pPr>
-              <a:tabLst>
-                <a:tab pos="442913" algn="l"/>
-                <a:tab pos="900113" algn="l"/>
-              </a:tabLst>
-            </a:pPr>
-            <a:r>
-              <a:rPr lang="pt-BR" dirty="0" smtClean="0"/>
-              <a:t>Na aplicação principal...</a:t>
-            </a:r>
-          </a:p>
-          <a:p>
-            <a:pPr marL="442913" indent="0">
-              <a:lnSpc>
-                <a:spcPct val="90000"/>
-              </a:lnSpc>
               <a:spcBef>
-                <a:spcPts val="0"/>
+                <a:spcPts val="1800"/>
               </a:spcBef>
-              <a:buNone/>
-              <a:tabLst>
-                <a:tab pos="900113" algn="l"/>
-                <a:tab pos="1344613" algn="l"/>
-              </a:tabLst>
-            </a:pPr>
-            <a:endParaRPr lang="pt-BR" sz="2000" dirty="0" smtClean="0"/>
-          </a:p>
-          <a:p>
-            <a:pPr marL="442913" indent="0">
-              <a:lnSpc>
-                <a:spcPct val="90000"/>
-              </a:lnSpc>
+            </a:pPr>
+            <a:r>
+              <a:rPr lang="pt-BR" sz="2400" dirty="0" smtClean="0"/>
+              <a:t>Crie uma classe executável </a:t>
+            </a:r>
+            <a:r>
+              <a:rPr lang="pt-BR" sz="2400" dirty="0" err="1" smtClean="0">
+                <a:solidFill>
+                  <a:srgbClr val="FFC000"/>
+                </a:solidFill>
+              </a:rPr>
+              <a:t>ExercicioIdade</a:t>
+            </a:r>
+            <a:r>
+              <a:rPr lang="pt-BR" sz="2400" dirty="0" smtClean="0"/>
+              <a:t> que realize as seguintes operações:</a:t>
+            </a:r>
+          </a:p>
+          <a:p>
+            <a:pPr lvl="1">
               <a:spcBef>
-                <a:spcPts val="0"/>
+                <a:spcPts val="1800"/>
               </a:spcBef>
-              <a:buNone/>
-              <a:tabLst>
-                <a:tab pos="900113" algn="l"/>
-                <a:tab pos="1344613" algn="l"/>
-              </a:tabLst>
-            </a:pPr>
-            <a:r>
-              <a:rPr lang="pt-BR" sz="2000" dirty="0" err="1" smtClean="0"/>
-              <a:t>public</a:t>
-            </a:r>
+            </a:pPr>
             <a:r>
               <a:rPr lang="pt-BR" sz="2000" dirty="0" smtClean="0"/>
-              <a:t> </a:t>
-            </a:r>
-            <a:r>
-              <a:rPr lang="pt-BR" sz="2000" dirty="0" err="1" smtClean="0"/>
-              <a:t>void</a:t>
-            </a:r>
-            <a:r>
-              <a:rPr lang="pt-BR" sz="2000" dirty="0" smtClean="0"/>
-              <a:t> </a:t>
-            </a:r>
-            <a:r>
-              <a:rPr lang="pt-BR" sz="2000" dirty="0" err="1" smtClean="0"/>
-              <a:t>obterSaldo</a:t>
-            </a:r>
-            <a:r>
-              <a:rPr lang="pt-BR" sz="2000" dirty="0" smtClean="0"/>
-              <a:t>() {</a:t>
-            </a:r>
-          </a:p>
-          <a:p>
-            <a:pPr marL="442913" indent="0">
-              <a:lnSpc>
-                <a:spcPct val="90000"/>
-              </a:lnSpc>
-              <a:spcBef>
-                <a:spcPts val="0"/>
-              </a:spcBef>
-              <a:buNone/>
-              <a:tabLst>
-                <a:tab pos="900113" algn="l"/>
-                <a:tab pos="1344613" algn="l"/>
-              </a:tabLst>
-            </a:pPr>
-            <a:r>
-              <a:rPr lang="pt-BR" sz="2000" dirty="0" smtClean="0"/>
-              <a:t>	</a:t>
-            </a:r>
-            <a:r>
-              <a:rPr lang="pt-BR" sz="2000" dirty="0" err="1" smtClean="0"/>
-              <a:t>Conexao</a:t>
-            </a:r>
-            <a:r>
-              <a:rPr lang="pt-BR" sz="2000" dirty="0" smtClean="0"/>
-              <a:t> </a:t>
-            </a:r>
-            <a:r>
-              <a:rPr lang="pt-BR" sz="2000" dirty="0" err="1" smtClean="0"/>
-              <a:t>cn</a:t>
-            </a:r>
-            <a:r>
-              <a:rPr lang="pt-BR" sz="2000" dirty="0" smtClean="0"/>
-              <a:t> = </a:t>
-            </a:r>
-            <a:r>
-              <a:rPr lang="pt-BR" sz="2000" dirty="0" err="1" smtClean="0"/>
-              <a:t>null</a:t>
-            </a:r>
-            <a:r>
-              <a:rPr lang="pt-BR" sz="2000" dirty="0" smtClean="0"/>
-              <a:t>;</a:t>
-            </a:r>
-          </a:p>
-          <a:p>
-            <a:pPr marL="442913" indent="0">
-              <a:lnSpc>
-                <a:spcPct val="90000"/>
-              </a:lnSpc>
-              <a:spcBef>
-                <a:spcPts val="0"/>
-              </a:spcBef>
-              <a:buNone/>
-              <a:tabLst>
-                <a:tab pos="900113" algn="l"/>
-                <a:tab pos="1344613" algn="l"/>
-              </a:tabLst>
-            </a:pPr>
-            <a:r>
-              <a:rPr lang="pt-BR" sz="2000" dirty="0" smtClean="0"/>
-              <a:t>	</a:t>
-            </a:r>
-            <a:r>
-              <a:rPr lang="pt-BR" sz="2000" dirty="0" err="1" smtClean="0"/>
-              <a:t>try</a:t>
-            </a:r>
-            <a:r>
-              <a:rPr lang="pt-BR" sz="2000" dirty="0" smtClean="0"/>
-              <a:t> {</a:t>
-            </a:r>
-          </a:p>
-          <a:p>
-            <a:pPr marL="442913" indent="0">
-              <a:lnSpc>
-                <a:spcPct val="90000"/>
-              </a:lnSpc>
-              <a:spcBef>
-                <a:spcPts val="0"/>
-              </a:spcBef>
-              <a:buNone/>
-              <a:tabLst>
-                <a:tab pos="900113" algn="l"/>
-                <a:tab pos="1344613" algn="l"/>
-              </a:tabLst>
-            </a:pPr>
-            <a:r>
-              <a:rPr lang="pt-BR" sz="2000" dirty="0" smtClean="0"/>
-              <a:t>		</a:t>
-            </a:r>
-            <a:r>
-              <a:rPr lang="pt-BR" sz="2000" dirty="0" err="1" smtClean="0"/>
-              <a:t>cn</a:t>
-            </a:r>
-            <a:r>
-              <a:rPr lang="pt-BR" sz="2000" dirty="0" smtClean="0"/>
-              <a:t> = </a:t>
-            </a:r>
-            <a:r>
-              <a:rPr lang="pt-BR" sz="2000" dirty="0" err="1" smtClean="0"/>
-              <a:t>abrirConexao</a:t>
-            </a:r>
-            <a:r>
-              <a:rPr lang="pt-BR" sz="2000" dirty="0" smtClean="0"/>
-              <a:t>();</a:t>
-            </a:r>
-          </a:p>
-          <a:p>
-            <a:pPr marL="442913" indent="0">
-              <a:lnSpc>
-                <a:spcPct val="90000"/>
-              </a:lnSpc>
-              <a:spcBef>
-                <a:spcPts val="0"/>
-              </a:spcBef>
-              <a:buNone/>
-              <a:tabLst>
-                <a:tab pos="900113" algn="l"/>
-                <a:tab pos="1344613" algn="l"/>
-              </a:tabLst>
-            </a:pPr>
-            <a:r>
-              <a:rPr lang="pt-BR" sz="2000" dirty="0" smtClean="0"/>
-              <a:t>		Conta </a:t>
-            </a:r>
-            <a:r>
-              <a:rPr lang="pt-BR" sz="2000" dirty="0" err="1" smtClean="0"/>
-              <a:t>conta</a:t>
-            </a:r>
-            <a:r>
-              <a:rPr lang="pt-BR" sz="2000" dirty="0" smtClean="0"/>
-              <a:t> = </a:t>
-            </a:r>
-            <a:r>
-              <a:rPr lang="pt-BR" sz="2000" dirty="0" err="1" smtClean="0"/>
-              <a:t>cn</a:t>
-            </a:r>
-            <a:r>
-              <a:rPr lang="pt-BR" sz="2000" dirty="0" smtClean="0"/>
-              <a:t>.</a:t>
-            </a:r>
-            <a:r>
-              <a:rPr lang="pt-BR" sz="2000" dirty="0" err="1" smtClean="0"/>
-              <a:t>obterConta</a:t>
-            </a:r>
-            <a:r>
-              <a:rPr lang="pt-BR" sz="2000" dirty="0" smtClean="0"/>
-              <a:t>();</a:t>
-            </a:r>
-          </a:p>
-          <a:p>
-            <a:pPr marL="442913" indent="0">
-              <a:lnSpc>
-                <a:spcPct val="90000"/>
-              </a:lnSpc>
-              <a:spcBef>
-                <a:spcPts val="0"/>
-              </a:spcBef>
-              <a:buNone/>
-              <a:tabLst>
-                <a:tab pos="900113" algn="l"/>
-                <a:tab pos="1344613" algn="l"/>
-              </a:tabLst>
-            </a:pPr>
+              <a:t>Através da classe </a:t>
+            </a:r>
             <a:r>
               <a:rPr lang="pt-BR" sz="2000" dirty="0" smtClean="0">
                 <a:solidFill>
                   <a:srgbClr val="FFC000"/>
                 </a:solidFill>
               </a:rPr>
-              <a:t>		</a:t>
-            </a:r>
-            <a:r>
-              <a:rPr lang="pt-BR" sz="2000" dirty="0" smtClean="0">
-                <a:solidFill>
-                  <a:srgbClr val="FFC000"/>
-                </a:solidFill>
-              </a:rPr>
-              <a:t>conta.debitar(</a:t>
+              <a:t>Scanner</a:t>
+            </a:r>
+            <a:r>
+              <a:rPr lang="pt-BR" sz="2000" dirty="0" smtClean="0"/>
+              <a:t>,</a:t>
+            </a:r>
+            <a:r>
+              <a:rPr lang="pt-BR" sz="2000" dirty="0" smtClean="0"/>
+              <a:t> </a:t>
+            </a:r>
+            <a:r>
+              <a:rPr lang="pt-BR" sz="2000" dirty="0" smtClean="0"/>
+              <a:t>método </a:t>
             </a:r>
             <a:r>
               <a:rPr lang="pt-BR" sz="2000" dirty="0" err="1" smtClean="0">
@@ -16962,156 +17380,7 @@
                   <a:srgbClr val="FFC000"/>
                 </a:solidFill>
               </a:rPr>
-              <a:t>valorBoleto</a:t>
-            </a:r>
-            <a:r>
-              <a:rPr lang="pt-BR" sz="2000" dirty="0" smtClean="0">
-                <a:solidFill>
-                  <a:srgbClr val="FFC000"/>
-                </a:solidFill>
-              </a:rPr>
-              <a:t>);</a:t>
-            </a:r>
-            <a:endParaRPr lang="pt-BR" sz="2000" dirty="0" smtClean="0">
-              <a:solidFill>
-                <a:srgbClr val="FFC000"/>
-              </a:solidFill>
-            </a:endParaRPr>
-          </a:p>
-          <a:p>
-            <a:pPr marL="442913" indent="0">
-              <a:lnSpc>
-                <a:spcPct val="90000"/>
-              </a:lnSpc>
-              <a:spcBef>
-                <a:spcPts val="0"/>
-              </a:spcBef>
-              <a:buNone/>
-              <a:tabLst>
-                <a:tab pos="900113" algn="l"/>
-                <a:tab pos="1344613" algn="l"/>
-              </a:tabLst>
-            </a:pPr>
-            <a:r>
-              <a:rPr lang="pt-BR" sz="2000" dirty="0" smtClean="0"/>
-              <a:t>	} catch (</a:t>
-            </a:r>
-            <a:r>
-              <a:rPr lang="pt-BR" sz="2000" dirty="0" err="1" smtClean="0"/>
-              <a:t>SQLException</a:t>
-            </a:r>
-            <a:r>
-              <a:rPr lang="pt-BR" sz="2000" dirty="0" smtClean="0"/>
-              <a:t> </a:t>
-            </a:r>
-            <a:r>
-              <a:rPr lang="pt-BR" sz="2000" dirty="0" err="1" smtClean="0"/>
-              <a:t>sqle</a:t>
-            </a:r>
-            <a:r>
-              <a:rPr lang="pt-BR" sz="2000" dirty="0" smtClean="0"/>
-              <a:t>) {</a:t>
-            </a:r>
-          </a:p>
-          <a:p>
-            <a:pPr marL="442913" indent="0">
-              <a:lnSpc>
-                <a:spcPct val="90000"/>
-              </a:lnSpc>
-              <a:spcBef>
-                <a:spcPts val="0"/>
-              </a:spcBef>
-              <a:buNone/>
-              <a:tabLst>
-                <a:tab pos="900113" algn="l"/>
-                <a:tab pos="1344613" algn="l"/>
-              </a:tabLst>
-            </a:pPr>
-            <a:r>
-              <a:rPr lang="pt-BR" sz="2000" dirty="0" smtClean="0"/>
-              <a:t>		System.</a:t>
-            </a:r>
-            <a:r>
-              <a:rPr lang="pt-BR" sz="2000" dirty="0" err="1" smtClean="0"/>
-              <a:t>out.println</a:t>
-            </a:r>
-            <a:r>
-              <a:rPr lang="pt-BR" sz="2000" dirty="0" smtClean="0"/>
-              <a:t>(“Erro ao acessar BD”);</a:t>
-            </a:r>
-          </a:p>
-          <a:p>
-            <a:pPr marL="442913" indent="0">
-              <a:lnSpc>
-                <a:spcPct val="90000"/>
-              </a:lnSpc>
-              <a:spcBef>
-                <a:spcPts val="0"/>
-              </a:spcBef>
-              <a:buNone/>
-              <a:tabLst>
-                <a:tab pos="900113" algn="l"/>
-                <a:tab pos="1344613" algn="l"/>
-              </a:tabLst>
-            </a:pPr>
-            <a:r>
-              <a:rPr lang="pt-BR" sz="2000" dirty="0" smtClean="0"/>
-              <a:t>	} catch (</a:t>
-            </a:r>
-            <a:r>
-              <a:rPr lang="pt-BR" sz="2000" dirty="0" err="1" smtClean="0">
-                <a:solidFill>
-                  <a:srgbClr val="FFC000"/>
-                </a:solidFill>
-              </a:rPr>
-              <a:t>SaldoInsuficienteException</a:t>
-            </a:r>
-            <a:r>
-              <a:rPr lang="pt-BR" sz="2000" dirty="0" smtClean="0">
-                <a:solidFill>
-                  <a:srgbClr val="FFC000"/>
-                </a:solidFill>
-              </a:rPr>
-              <a:t> e</a:t>
-            </a:r>
-            <a:r>
-              <a:rPr lang="pt-BR" sz="2000" dirty="0" smtClean="0"/>
-              <a:t>) {</a:t>
-            </a:r>
-          </a:p>
-          <a:p>
-            <a:pPr marL="442913" indent="0">
-              <a:lnSpc>
-                <a:spcPct val="90000"/>
-              </a:lnSpc>
-              <a:spcBef>
-                <a:spcPts val="0"/>
-              </a:spcBef>
-              <a:buNone/>
-              <a:tabLst>
-                <a:tab pos="900113" algn="l"/>
-                <a:tab pos="1344613" algn="l"/>
-              </a:tabLst>
-            </a:pPr>
-            <a:r>
-              <a:rPr lang="pt-BR" sz="2000" dirty="0" smtClean="0"/>
-              <a:t>		System.</a:t>
-            </a:r>
-            <a:r>
-              <a:rPr lang="pt-BR" sz="2000" dirty="0" err="1" smtClean="0"/>
-              <a:t>out.println</a:t>
-            </a:r>
-            <a:r>
-              <a:rPr lang="pt-BR" sz="2000" dirty="0" smtClean="0"/>
-              <a:t>(“Ocorreu um erro: ” + </a:t>
-            </a:r>
-            <a:r>
-              <a:rPr lang="pt-BR" sz="2000" dirty="0" err="1" smtClean="0">
-                <a:solidFill>
-                  <a:srgbClr val="FFC000"/>
-                </a:solidFill>
-              </a:rPr>
-              <a:t>e.getMessage</a:t>
+              <a:t>nextLine</a:t>
             </a:r>
             <a:r>
               <a:rPr lang="pt-BR" sz="2000" dirty="0" smtClean="0">
@@ -17123,160 +17392,56 @@
             </a:r>
             <a:r>
               <a:rPr lang="pt-BR" sz="2000" dirty="0" smtClean="0"/>
-              <a:t>);</a:t>
-            </a:r>
-          </a:p>
-          <a:p>
-            <a:pPr marL="442913" indent="0">
-              <a:lnSpc>
-                <a:spcPct val="90000"/>
-              </a:lnSpc>
+              <a:t> Solicite ao usuário que digite o ano de seu nascimento;</a:t>
+            </a:r>
+          </a:p>
+          <a:p>
+            <a:pPr lvl="1">
               <a:spcBef>
-                <a:spcPts val="0"/>
+                <a:spcPts val="1800"/>
               </a:spcBef>
-              <a:buNone/>
-              <a:tabLst>
-                <a:tab pos="900113" algn="l"/>
-                <a:tab pos="1344613" algn="l"/>
-              </a:tabLst>
             </a:pPr>
             <a:r>
               <a:rPr lang="pt-BR" sz="2000" dirty="0" smtClean="0"/>
-              <a:t>	} catch (Exception e) {</a:t>
-            </a:r>
-          </a:p>
-          <a:p>
-            <a:pPr marL="442913" indent="0">
-              <a:lnSpc>
-                <a:spcPct val="90000"/>
-              </a:lnSpc>
+              <a:t>Calcule e exiba sua idade assumindo que estamos no ano 2012;</a:t>
+            </a:r>
+          </a:p>
+          <a:p>
+            <a:pPr lvl="1">
               <a:spcBef>
-                <a:spcPts val="0"/>
+                <a:spcPts val="1800"/>
               </a:spcBef>
-              <a:buNone/>
-              <a:tabLst>
-                <a:tab pos="900113" algn="l"/>
-                <a:tab pos="1344613" algn="l"/>
-              </a:tabLst>
             </a:pPr>
             <a:r>
               <a:rPr lang="pt-BR" sz="2000" dirty="0" smtClean="0"/>
-              <a:t>		System.</a:t>
-            </a:r>
-            <a:r>
-              <a:rPr lang="pt-BR" sz="2000" dirty="0" err="1" smtClean="0"/>
-              <a:t>out.println</a:t>
+              <a:t>Caso ocorra algum problema na conversão do valor digitado pelo usuário, exiba a mensagem “Valor digitado inválido”.</a:t>
+            </a:r>
+            <a:r>
+              <a:rPr lang="pt-BR" sz="2000" dirty="0"/>
+              <a:t> </a:t>
             </a:r>
             <a:r>
               <a:rPr lang="pt-BR" sz="2000" dirty="0" smtClean="0"/>
-              <a:t>(“Ocorreu um erro desconhecido.”);</a:t>
-            </a:r>
-          </a:p>
-          <a:p>
-            <a:pPr marL="442913" indent="0">
-              <a:lnSpc>
-                <a:spcPct val="90000"/>
-              </a:lnSpc>
-              <a:spcBef>
-                <a:spcPts val="0"/>
-              </a:spcBef>
-              <a:buNone/>
-              <a:tabLst>
-                <a:tab pos="900113" algn="l"/>
-                <a:tab pos="1344613" algn="l"/>
-              </a:tabLst>
-            </a:pPr>
+              <a:t>Utilize para isto o tratamento sobre a exception </a:t>
+            </a:r>
+            <a:r>
+              <a:rPr lang="pt-BR" sz="2000" dirty="0" err="1" smtClean="0">
+                <a:solidFill>
+                  <a:srgbClr val="FFC000"/>
+                </a:solidFill>
+              </a:rPr>
+              <a:t>NumberFormatException</a:t>
+            </a:r>
             <a:r>
               <a:rPr lang="pt-BR" sz="2000" dirty="0" smtClean="0"/>
-              <a:t>	} </a:t>
-            </a:r>
-            <a:r>
-              <a:rPr lang="pt-BR" sz="2000" dirty="0" err="1" smtClean="0"/>
-              <a:t>finally</a:t>
-            </a:r>
-            <a:r>
-              <a:rPr lang="pt-BR" sz="2000" dirty="0" smtClean="0"/>
-              <a:t> {</a:t>
-            </a:r>
-          </a:p>
-          <a:p>
-            <a:pPr marL="442913" indent="0">
-              <a:lnSpc>
-                <a:spcPct val="90000"/>
-              </a:lnSpc>
-              <a:spcBef>
-                <a:spcPts val="0"/>
-              </a:spcBef>
-              <a:buNone/>
-              <a:tabLst>
-                <a:tab pos="900113" algn="l"/>
-                <a:tab pos="1344613" algn="l"/>
-              </a:tabLst>
-            </a:pPr>
-            <a:r>
-              <a:rPr lang="pt-BR" sz="2000" dirty="0" smtClean="0"/>
-              <a:t>		</a:t>
-            </a:r>
-            <a:r>
-              <a:rPr lang="pt-BR" sz="2000" dirty="0" err="1" smtClean="0"/>
-              <a:t>fecharConexao</a:t>
-            </a:r>
-            <a:r>
-              <a:rPr lang="pt-BR" sz="2000" dirty="0" smtClean="0"/>
-              <a:t>(</a:t>
-            </a:r>
-            <a:r>
-              <a:rPr lang="pt-BR" sz="2000" dirty="0" err="1" smtClean="0"/>
-              <a:t>cn</a:t>
-            </a:r>
-            <a:r>
-              <a:rPr lang="pt-BR" sz="2000" dirty="0" smtClean="0"/>
-              <a:t>);</a:t>
-            </a:r>
-          </a:p>
-          <a:p>
-            <a:pPr marL="442913" indent="0">
-              <a:lnSpc>
-                <a:spcPct val="90000"/>
-              </a:lnSpc>
-              <a:spcBef>
-                <a:spcPts val="0"/>
-              </a:spcBef>
-              <a:buNone/>
-              <a:tabLst>
-                <a:tab pos="900113" algn="l"/>
-                <a:tab pos="1344613" algn="l"/>
-              </a:tabLst>
-            </a:pPr>
-            <a:r>
-              <a:rPr lang="pt-BR" sz="2000" dirty="0" smtClean="0"/>
-              <a:t>	}</a:t>
-            </a:r>
-          </a:p>
-          <a:p>
-            <a:pPr marL="442913" indent="0">
-              <a:lnSpc>
-                <a:spcPct val="90000"/>
-              </a:lnSpc>
-              <a:spcBef>
-                <a:spcPts val="0"/>
-              </a:spcBef>
-              <a:buNone/>
-              <a:tabLst>
-                <a:tab pos="900113" algn="l"/>
-                <a:tab pos="1344613" algn="l"/>
-              </a:tabLst>
-            </a:pPr>
-            <a:r>
-              <a:rPr lang="pt-BR" sz="2000" dirty="0" smtClean="0"/>
-              <a:t>}</a:t>
-            </a:r>
-          </a:p>
-        </p:txBody>
-      </p:sp>
-      <p:sp>
-        <p:nvSpPr>
-          <p:cNvPr id="5" name="Espaço Reservado para Número de Slide 4"/>
+              <a:t>.</a:t>
+            </a:r>
+          </a:p>
+        </p:txBody>
+      </p:sp>
+      <p:sp>
+        <p:nvSpPr>
+          <p:cNvPr id="4" name="Espaço Reservado para Número de Slide 3"/>
           <p:cNvSpPr>
             <a:spLocks noGrp="1"/>
           </p:cNvSpPr>
@@ -17292,7 +17457,7 @@
             <a:pPr>
               <a:defRPr/>
             </a:pPr>
-            <a:fld id="{DAB16DC1-F000-4B90-9425-1E014EE80EC3}" type="slidenum">
+            <a:fld id="{52A4181B-C67A-4EAE-8041-178118B632CB}" type="slidenum">
               <a:rPr lang="pt-BR" smtClean="0"/>
               <a:pPr>
                 <a:defRPr/>
@@ -17352,7 +17517,7 @@
           <a:p>
             <a:r>
               <a:rPr lang="pt-BR" dirty="0" smtClean="0"/>
-              <a:t>Exercício</a:t>
+              <a:t>Exercício 2</a:t>
             </a:r>
             <a:endParaRPr lang="pt-BR" dirty="0"/>
           </a:p>
@@ -17373,7 +17538,144 @@
           <a:bodyPr/>
           <a:lstStyle/>
           <a:p>
-            <a:endParaRPr lang="pt-BR"/>
+            <a:pPr>
+              <a:spcBef>
+                <a:spcPts val="1800"/>
+              </a:spcBef>
+            </a:pPr>
+            <a:r>
+              <a:rPr lang="pt-BR" sz="2400" dirty="0" smtClean="0"/>
+              <a:t>As linhas de código abaixo são utilizadas para gravar um texto dentro de um novo arquivo no sistema operacional</a:t>
+            </a:r>
+            <a:r>
+              <a:rPr lang="pt-BR" sz="2400" dirty="0" smtClean="0"/>
+              <a:t>:</a:t>
+            </a:r>
+          </a:p>
+          <a:p>
+            <a:pPr marL="900113" indent="0">
+              <a:spcBef>
+                <a:spcPts val="0"/>
+              </a:spcBef>
+              <a:buNone/>
+            </a:pPr>
+            <a:endParaRPr lang="pt-BR" sz="2000" dirty="0" smtClean="0"/>
+          </a:p>
+          <a:p>
+            <a:pPr marL="900113" indent="0">
+              <a:spcBef>
+                <a:spcPts val="0"/>
+              </a:spcBef>
+              <a:buNone/>
+            </a:pPr>
+            <a:r>
+              <a:rPr lang="pt-BR" sz="2000" dirty="0" err="1" smtClean="0"/>
+              <a:t>PrintWriter</a:t>
+            </a:r>
+            <a:r>
+              <a:rPr lang="pt-BR" sz="2000" dirty="0" smtClean="0"/>
+              <a:t> </a:t>
+            </a:r>
+            <a:r>
+              <a:rPr lang="pt-BR" sz="2000" dirty="0" err="1" smtClean="0"/>
+              <a:t>writer</a:t>
+            </a:r>
+            <a:r>
+              <a:rPr lang="pt-BR" sz="2000" dirty="0" smtClean="0"/>
+              <a:t> = </a:t>
+            </a:r>
+            <a:r>
+              <a:rPr lang="pt-BR" sz="2000" dirty="0" err="1" smtClean="0"/>
+              <a:t>new</a:t>
+            </a:r>
+            <a:r>
+              <a:rPr lang="pt-BR" sz="2000" dirty="0" smtClean="0"/>
+              <a:t> </a:t>
+            </a:r>
+            <a:r>
+              <a:rPr lang="pt-BR" sz="2000" dirty="0" err="1" smtClean="0"/>
+              <a:t>PrintWriter</a:t>
+            </a:r>
+            <a:r>
+              <a:rPr lang="pt-BR" sz="2000" dirty="0" smtClean="0"/>
+              <a:t>(“C:\\doc1.txt”);</a:t>
+            </a:r>
+          </a:p>
+          <a:p>
+            <a:pPr marL="900113" indent="0">
+              <a:spcBef>
+                <a:spcPts val="0"/>
+              </a:spcBef>
+              <a:buNone/>
+            </a:pPr>
+            <a:r>
+              <a:rPr lang="pt-BR" sz="2000" dirty="0" err="1" smtClean="0"/>
+              <a:t>writer</a:t>
+            </a:r>
+            <a:r>
+              <a:rPr lang="pt-BR" sz="2000" dirty="0" smtClean="0"/>
+              <a:t>.</a:t>
+            </a:r>
+            <a:r>
+              <a:rPr lang="pt-BR" sz="2000" dirty="0" err="1" smtClean="0"/>
+              <a:t>println</a:t>
+            </a:r>
+            <a:r>
+              <a:rPr lang="pt-BR" sz="2000" dirty="0" smtClean="0"/>
+              <a:t>(</a:t>
+            </a:r>
+            <a:r>
+              <a:rPr lang="pt-BR" sz="2000" dirty="0" smtClean="0">
+                <a:solidFill>
+                  <a:srgbClr val="FFC000"/>
+                </a:solidFill>
+              </a:rPr>
+              <a:t>texto</a:t>
+            </a:r>
+            <a:r>
+              <a:rPr lang="pt-BR" sz="2000" dirty="0" smtClean="0"/>
+              <a:t>);</a:t>
+            </a:r>
+          </a:p>
+          <a:p>
+            <a:pPr marL="900113" indent="0">
+              <a:spcBef>
+                <a:spcPts val="0"/>
+              </a:spcBef>
+              <a:buNone/>
+            </a:pPr>
+            <a:r>
+              <a:rPr lang="pt-BR" sz="2000" dirty="0" err="1" smtClean="0"/>
+              <a:t>writer</a:t>
+            </a:r>
+            <a:r>
+              <a:rPr lang="pt-BR" sz="2000" dirty="0" smtClean="0"/>
+              <a:t>.close();</a:t>
+            </a:r>
+          </a:p>
+          <a:p>
+            <a:pPr indent="-3175">
+              <a:spcBef>
+                <a:spcPts val="1800"/>
+              </a:spcBef>
+              <a:buNone/>
+            </a:pPr>
+            <a:r>
+              <a:rPr lang="pt-BR" sz="2400" dirty="0" smtClean="0"/>
+              <a:t>onde </a:t>
+            </a:r>
+            <a:r>
+              <a:rPr lang="pt-BR" sz="2400" dirty="0" smtClean="0">
+                <a:solidFill>
+                  <a:srgbClr val="FFC000"/>
+                </a:solidFill>
+              </a:rPr>
+              <a:t>texto</a:t>
+            </a:r>
+            <a:r>
+              <a:rPr lang="pt-BR" sz="2400" dirty="0" smtClean="0"/>
+              <a:t> é uma variável String qualquer contendo algum texto.</a:t>
+            </a:r>
           </a:p>
         </p:txBody>
       </p:sp>
@@ -17401,6 +17703,153 @@
                 <a:defRPr/>
               </a:pPr>
               <a:t>33</a:t>
+            </a:fld>
+            <a:endParaRPr lang="pt-BR"/>
+          </a:p>
+        </p:txBody>
+      </p:sp>
+    </p:spTree>
+  </p:cSld>
+  <p:clrMapOvr>
+    <a:masterClrMapping/>
+  </p:clrMapOvr>
+  <p:timing>
+    <p:tnLst>
+      <p:par>
+        <p:cTn id="1" dur="indefinite" restart="never" nodeType="tmRoot"/>
+      </p:par>
+    </p:tnLst>
+  </p:timing>
+</p:sld>
+</file>
+
+<file path=ppt/slides/slide34.xml><?xml version="1.0" encoding="utf-8"?>
+<p:sld xmlns:a="http://schemas.openxmlformats.org/drawingml/2006/main" xmlns:r="http://schemas.openxmlformats.org/officeDocument/2006/relationships" xmlns:p="http://schemas.openxmlformats.org/presentationml/2006/main">
+  <p:cSld>
+    <p:spTree>
+      <p:nvGrpSpPr>
+        <p:cNvPr id="1" name=""/>
+        <p:cNvGrpSpPr/>
+        <p:nvPr/>
+      </p:nvGrpSpPr>
+      <p:grpSpPr>
+        <a:xfrm>
+          <a:off x="0" y="0"/>
+          <a:ext cx="0" cy="0"/>
+          <a:chOff x="0" y="0"/>
+          <a:chExt cx="0" cy="0"/>
+        </a:xfrm>
+      </p:grpSpPr>
+      <p:sp>
+        <p:nvSpPr>
+          <p:cNvPr id="2" name="Título 1"/>
+          <p:cNvSpPr>
+            <a:spLocks noGrp="1"/>
+          </p:cNvSpPr>
+          <p:nvPr>
+            <p:ph type="title"/>
+          </p:nvPr>
+        </p:nvSpPr>
+        <p:spPr/>
+        <p:txBody>
+          <a:bodyPr/>
+          <a:lstStyle/>
+          <a:p>
+            <a:r>
+              <a:rPr lang="pt-BR" dirty="0" smtClean="0"/>
+              <a:t>Exercício 2 (Fim)</a:t>
+            </a:r>
+            <a:endParaRPr lang="pt-BR" dirty="0"/>
+          </a:p>
+        </p:txBody>
+      </p:sp>
+      <p:sp>
+        <p:nvSpPr>
+          <p:cNvPr id="3" name="Espaço Reservado para Conteúdo 2"/>
+          <p:cNvSpPr>
+            <a:spLocks noGrp="1"/>
+          </p:cNvSpPr>
+          <p:nvPr>
+            <p:ph idx="1"/>
+          </p:nvPr>
+        </p:nvSpPr>
+        <p:spPr/>
+        <p:txBody>
+          <a:bodyPr/>
+          <a:lstStyle/>
+          <a:p>
+            <a:pPr>
+              <a:spcBef>
+                <a:spcPts val="1800"/>
+              </a:spcBef>
+            </a:pPr>
+            <a:r>
+              <a:rPr lang="pt-BR" sz="2400" dirty="0" smtClean="0"/>
+              <a:t>Crie uma classe executável </a:t>
+            </a:r>
+            <a:r>
+              <a:rPr lang="pt-BR" sz="2400" dirty="0" err="1" smtClean="0">
+                <a:solidFill>
+                  <a:srgbClr val="FFC000"/>
+                </a:solidFill>
+              </a:rPr>
+              <a:t>ExercicioGravacao</a:t>
+            </a:r>
+            <a:r>
+              <a:rPr lang="pt-BR" sz="2400" dirty="0" smtClean="0"/>
+              <a:t> que solicite que o usuário digite uma frase e grave-a </a:t>
+            </a:r>
+            <a:r>
+              <a:rPr lang="pt-BR" sz="2400" dirty="0" smtClean="0"/>
+              <a:t>em um </a:t>
+            </a:r>
+            <a:r>
+              <a:rPr lang="pt-BR" sz="2400" dirty="0" smtClean="0"/>
+              <a:t>arquivo </a:t>
+            </a:r>
+            <a:r>
+              <a:rPr lang="pt-BR" sz="2400" dirty="0" smtClean="0"/>
+              <a:t>conforme mostrado no slide anterior.</a:t>
+            </a:r>
+          </a:p>
+          <a:p>
+            <a:pPr>
+              <a:spcBef>
+                <a:spcPts val="1800"/>
+              </a:spcBef>
+            </a:pPr>
+            <a:r>
+              <a:rPr lang="pt-BR" sz="2400" dirty="0" smtClean="0"/>
+              <a:t>Caso ocorra algum problema durante a gravação, exiba a mensagem “Falha ao gravar as informações digitadas”.</a:t>
+            </a:r>
+            <a:endParaRPr lang="pt-BR" sz="2400" dirty="0" smtClean="0"/>
+          </a:p>
+        </p:txBody>
+      </p:sp>
+      <p:sp>
+        <p:nvSpPr>
+          <p:cNvPr id="4" name="Espaço Reservado para Número de Slide 3"/>
+          <p:cNvSpPr>
+            <a:spLocks noGrp="1"/>
+          </p:cNvSpPr>
+          <p:nvPr>
+            <p:ph type="sldNum" sz="quarter" idx="12"/>
+          </p:nvPr>
+        </p:nvSpPr>
+        <p:spPr/>
+        <p:txBody>
+          <a:bodyPr/>
+          <a:lstStyle/>
+          <a:p>
+            <a:pPr>
+              <a:defRPr/>
+            </a:pPr>
+            <a:fld id="{52A4181B-C67A-4EAE-8041-178118B632CB}" type="slidenum">
+              <a:rPr lang="pt-BR" smtClean="0"/>
+              <a:pPr>
+                <a:defRPr/>
+              </a:pPr>
+              <a:t>34</a:t>
             </a:fld>
             <a:endParaRPr lang="pt-BR"/>
           </a:p>
@@ -17938,6 +18387,431 @@
 </file>
 
 <file path=ppt/slides/slide6.xml><?xml version="1.0" encoding="utf-8"?>
+<p:sld xmlns:a="http://schemas.openxmlformats.org/drawingml/2006/main" xmlns:r="http://schemas.openxmlformats.org/officeDocument/2006/relationships" xmlns:p="http://schemas.openxmlformats.org/presentationml/2006/main">
+  <p:cSld>
+    <p:spTree>
+      <p:nvGrpSpPr>
+        <p:cNvPr id="1" name=""/>
+        <p:cNvGrpSpPr/>
+        <p:nvPr/>
+      </p:nvGrpSpPr>
+      <p:grpSpPr>
+        <a:xfrm>
+          <a:off x="0" y="0"/>
+          <a:ext cx="0" cy="0"/>
+          <a:chOff x="0" y="0"/>
+          <a:chExt cx="0" cy="0"/>
+        </a:xfrm>
+      </p:grpSpPr>
+      <p:sp>
+        <p:nvSpPr>
+          <p:cNvPr id="512002" name="Rectangle 2"/>
+          <p:cNvSpPr>
+            <a:spLocks noGrp="1" noChangeArrowheads="1"/>
+          </p:cNvSpPr>
+          <p:nvPr>
+            <p:ph type="title"/>
+          </p:nvPr>
+        </p:nvSpPr>
+        <p:spPr/>
+        <p:txBody>
+          <a:bodyPr/>
+          <a:lstStyle/>
+          <a:p>
+            <a:r>
+              <a:rPr lang="pt-BR" dirty="0" smtClean="0"/>
+              <a:t>Hierarquia de Exceptions</a:t>
+            </a:r>
+            <a:endParaRPr lang="pt-BR" dirty="0"/>
+          </a:p>
+        </p:txBody>
+      </p:sp>
+      <p:sp>
+        <p:nvSpPr>
+          <p:cNvPr id="512003" name="Rectangle 3"/>
+          <p:cNvSpPr>
+            <a:spLocks noGrp="1" noChangeArrowheads="1"/>
+          </p:cNvSpPr>
+          <p:nvPr>
+            <p:ph type="body" idx="1"/>
+          </p:nvPr>
+        </p:nvSpPr>
+        <p:spPr>
+          <a:xfrm>
+            <a:off x="611560" y="1741512"/>
+            <a:ext cx="7992888" cy="4495800"/>
+          </a:xfrm>
+        </p:spPr>
+        <p:txBody>
+          <a:bodyPr/>
+          <a:lstStyle/>
+          <a:p>
+            <a:pPr>
+              <a:spcBef>
+                <a:spcPts val="400"/>
+              </a:spcBef>
+              <a:buFontTx/>
+              <a:buNone/>
+            </a:pPr>
+            <a:r>
+              <a:rPr lang="pt-BR" sz="2400" dirty="0" err="1" smtClean="0">
+                <a:solidFill>
+                  <a:srgbClr val="FFC000"/>
+                </a:solidFill>
+              </a:rPr>
+              <a:t>try</a:t>
+            </a:r>
+            <a:r>
+              <a:rPr lang="pt-BR" sz="2400" dirty="0" smtClean="0">
+                <a:solidFill>
+                  <a:srgbClr val="FFC000"/>
+                </a:solidFill>
+              </a:rPr>
+              <a:t> {</a:t>
+            </a:r>
+          </a:p>
+          <a:p>
+            <a:pPr>
+              <a:spcBef>
+                <a:spcPts val="400"/>
+              </a:spcBef>
+              <a:buFontTx/>
+              <a:buNone/>
+            </a:pPr>
+            <a:r>
+              <a:rPr lang="pt-BR" sz="2400" dirty="0" smtClean="0"/>
+              <a:t>	</a:t>
+            </a:r>
+            <a:r>
+              <a:rPr lang="pt-BR" sz="2400" dirty="0" err="1" smtClean="0"/>
+              <a:t>Conexao</a:t>
+            </a:r>
+            <a:r>
+              <a:rPr lang="pt-BR" sz="2400" dirty="0" smtClean="0"/>
+              <a:t> </a:t>
+            </a:r>
+            <a:r>
+              <a:rPr lang="pt-BR" sz="2400" dirty="0" err="1" smtClean="0"/>
+              <a:t>cn</a:t>
+            </a:r>
+            <a:r>
+              <a:rPr lang="pt-BR" sz="2400" dirty="0" smtClean="0"/>
+              <a:t> = </a:t>
+            </a:r>
+            <a:r>
+              <a:rPr lang="pt-BR" sz="2400" dirty="0" err="1" smtClean="0"/>
+              <a:t>abrirConexao</a:t>
+            </a:r>
+            <a:r>
+              <a:rPr lang="pt-BR" sz="2400" dirty="0" smtClean="0"/>
+              <a:t>();</a:t>
+            </a:r>
+          </a:p>
+          <a:p>
+            <a:pPr>
+              <a:spcBef>
+                <a:spcPts val="400"/>
+              </a:spcBef>
+              <a:buFontTx/>
+              <a:buNone/>
+            </a:pPr>
+            <a:r>
+              <a:rPr lang="pt-BR" sz="2400" dirty="0" smtClean="0"/>
+              <a:t>	Aluno aluno1 = </a:t>
+            </a:r>
+            <a:r>
+              <a:rPr lang="pt-BR" sz="2400" dirty="0" err="1" smtClean="0"/>
+              <a:t>cn</a:t>
+            </a:r>
+            <a:r>
+              <a:rPr lang="pt-BR" sz="2400" dirty="0" smtClean="0"/>
+              <a:t>.</a:t>
+            </a:r>
+            <a:r>
+              <a:rPr lang="pt-BR" sz="2400" dirty="0" err="1" smtClean="0"/>
+              <a:t>obterDados</a:t>
+            </a:r>
+            <a:r>
+              <a:rPr lang="pt-BR" sz="2400" dirty="0" smtClean="0"/>
+              <a:t>();</a:t>
+            </a:r>
+          </a:p>
+          <a:p>
+            <a:pPr>
+              <a:spcBef>
+                <a:spcPts val="400"/>
+              </a:spcBef>
+              <a:buFontTx/>
+              <a:buNone/>
+            </a:pPr>
+            <a:r>
+              <a:rPr lang="pt-BR" sz="2400" dirty="0" smtClean="0"/>
+              <a:t>	</a:t>
+            </a:r>
+            <a:r>
+              <a:rPr lang="pt-BR" sz="2400" dirty="0" err="1" smtClean="0"/>
+              <a:t>cn</a:t>
+            </a:r>
+            <a:r>
+              <a:rPr lang="pt-BR" sz="2400" dirty="0" smtClean="0"/>
+              <a:t>.</a:t>
+            </a:r>
+            <a:r>
+              <a:rPr lang="pt-BR" sz="2400" dirty="0" err="1" smtClean="0"/>
+              <a:t>gravarNoArquivo</a:t>
+            </a:r>
+            <a:r>
+              <a:rPr lang="pt-BR" sz="2400" dirty="0" smtClean="0"/>
+              <a:t>(aluno1);</a:t>
+            </a:r>
+          </a:p>
+          <a:p>
+            <a:pPr>
+              <a:spcBef>
+                <a:spcPts val="400"/>
+              </a:spcBef>
+              <a:buFontTx/>
+              <a:buNone/>
+            </a:pPr>
+            <a:r>
+              <a:rPr lang="pt-BR" sz="2400" dirty="0" smtClean="0">
+                <a:solidFill>
+                  <a:srgbClr val="FFC000"/>
+                </a:solidFill>
+              </a:rPr>
+              <a:t>} catch (</a:t>
+            </a:r>
+            <a:r>
+              <a:rPr lang="pt-BR" sz="2400" dirty="0" err="1" smtClean="0">
+                <a:solidFill>
+                  <a:srgbClr val="FFC000"/>
+                </a:solidFill>
+              </a:rPr>
+              <a:t>SQLException</a:t>
+            </a:r>
+            <a:r>
+              <a:rPr lang="pt-BR" sz="2400" dirty="0" smtClean="0">
+                <a:solidFill>
+                  <a:srgbClr val="FFC000"/>
+                </a:solidFill>
+              </a:rPr>
+              <a:t> </a:t>
+            </a:r>
+            <a:r>
+              <a:rPr lang="pt-BR" sz="2400" dirty="0" err="1" smtClean="0">
+                <a:solidFill>
+                  <a:srgbClr val="FFC000"/>
+                </a:solidFill>
+              </a:rPr>
+              <a:t>sqle</a:t>
+            </a:r>
+            <a:r>
+              <a:rPr lang="pt-BR" sz="2400" dirty="0" smtClean="0">
+                <a:solidFill>
+                  <a:srgbClr val="FFC000"/>
+                </a:solidFill>
+              </a:rPr>
+              <a:t>) {</a:t>
+            </a:r>
+          </a:p>
+          <a:p>
+            <a:pPr>
+              <a:spcBef>
+                <a:spcPts val="400"/>
+              </a:spcBef>
+              <a:buFontTx/>
+              <a:buNone/>
+            </a:pPr>
+            <a:r>
+              <a:rPr lang="pt-BR" sz="2400" dirty="0" smtClean="0"/>
+              <a:t>	System.</a:t>
+            </a:r>
+            <a:r>
+              <a:rPr lang="pt-BR" sz="2400" dirty="0" err="1" smtClean="0"/>
+              <a:t>out.println</a:t>
+            </a:r>
+            <a:r>
+              <a:rPr lang="pt-BR" sz="2400" dirty="0" smtClean="0"/>
+              <a:t>(“Erro ao acessar banco de dados”);</a:t>
+            </a:r>
+          </a:p>
+          <a:p>
+            <a:pPr>
+              <a:spcBef>
+                <a:spcPts val="400"/>
+              </a:spcBef>
+              <a:buFontTx/>
+              <a:buNone/>
+            </a:pPr>
+            <a:r>
+              <a:rPr lang="pt-BR" sz="2400" dirty="0" smtClean="0">
+                <a:solidFill>
+                  <a:srgbClr val="FFC000"/>
+                </a:solidFill>
+              </a:rPr>
+              <a:t>} catch (</a:t>
+            </a:r>
+            <a:r>
+              <a:rPr lang="pt-BR" sz="2400" dirty="0" err="1" smtClean="0">
+                <a:solidFill>
+                  <a:srgbClr val="FFC000"/>
+                </a:solidFill>
+              </a:rPr>
+              <a:t>IOException</a:t>
+            </a:r>
+            <a:r>
+              <a:rPr lang="pt-BR" sz="2400" dirty="0" smtClean="0">
+                <a:solidFill>
+                  <a:srgbClr val="FFC000"/>
+                </a:solidFill>
+              </a:rPr>
+              <a:t> </a:t>
+            </a:r>
+            <a:r>
+              <a:rPr lang="pt-BR" sz="2400" dirty="0" err="1" smtClean="0">
+                <a:solidFill>
+                  <a:srgbClr val="FFC000"/>
+                </a:solidFill>
+              </a:rPr>
+              <a:t>ioe</a:t>
+            </a:r>
+            <a:r>
+              <a:rPr lang="pt-BR" sz="2400" dirty="0" smtClean="0">
+                <a:solidFill>
+                  <a:srgbClr val="FFC000"/>
+                </a:solidFill>
+              </a:rPr>
+              <a:t>) {</a:t>
+            </a:r>
+          </a:p>
+          <a:p>
+            <a:pPr>
+              <a:spcBef>
+                <a:spcPts val="400"/>
+              </a:spcBef>
+              <a:buFontTx/>
+              <a:buNone/>
+            </a:pPr>
+            <a:r>
+              <a:rPr lang="pt-BR" sz="2400" dirty="0" smtClean="0"/>
+              <a:t>	System.</a:t>
+            </a:r>
+            <a:r>
+              <a:rPr lang="pt-BR" sz="2400" dirty="0" err="1" smtClean="0"/>
+              <a:t>out.println</a:t>
+            </a:r>
+            <a:r>
+              <a:rPr lang="pt-BR" sz="2400" dirty="0" smtClean="0"/>
+              <a:t>(“Erro ao gravar no arquivo”);</a:t>
+            </a:r>
+          </a:p>
+          <a:p>
+            <a:pPr>
+              <a:spcBef>
+                <a:spcPts val="400"/>
+              </a:spcBef>
+              <a:buFontTx/>
+              <a:buNone/>
+            </a:pPr>
+            <a:r>
+              <a:rPr lang="pt-BR" sz="2400" dirty="0" smtClean="0">
+                <a:solidFill>
+                  <a:srgbClr val="FFC000"/>
+                </a:solidFill>
+              </a:rPr>
+              <a:t>} catch (Exception e) {</a:t>
+            </a:r>
+          </a:p>
+          <a:p>
+            <a:pPr>
+              <a:spcBef>
+                <a:spcPts val="400"/>
+              </a:spcBef>
+              <a:buFontTx/>
+              <a:buNone/>
+            </a:pPr>
+            <a:r>
+              <a:rPr lang="pt-BR" sz="2400" dirty="0" smtClean="0"/>
+              <a:t>	System.</a:t>
+            </a:r>
+            <a:r>
+              <a:rPr lang="pt-BR" sz="2400" dirty="0" err="1" smtClean="0"/>
+              <a:t>out.println</a:t>
+            </a:r>
+            <a:r>
+              <a:rPr lang="pt-BR" sz="2400" dirty="0" smtClean="0"/>
+              <a:t>(“Erro inesperado”);</a:t>
+            </a:r>
+          </a:p>
+          <a:p>
+            <a:pPr>
+              <a:spcBef>
+                <a:spcPts val="400"/>
+              </a:spcBef>
+              <a:buFontTx/>
+              <a:buNone/>
+            </a:pPr>
+            <a:r>
+              <a:rPr lang="pt-BR" sz="2400" dirty="0" smtClean="0">
+                <a:solidFill>
+                  <a:srgbClr val="FFC000"/>
+                </a:solidFill>
+              </a:rPr>
+              <a:t>}</a:t>
+            </a:r>
+            <a:endParaRPr lang="pt-BR" sz="2400" dirty="0">
+              <a:solidFill>
+                <a:srgbClr val="FFC000"/>
+              </a:solidFill>
+            </a:endParaRPr>
+          </a:p>
+        </p:txBody>
+      </p:sp>
+      <p:sp>
+        <p:nvSpPr>
+          <p:cNvPr id="4" name="Espaço Reservado para Número de Slide 3"/>
+          <p:cNvSpPr>
+            <a:spLocks noGrp="1"/>
+          </p:cNvSpPr>
+          <p:nvPr>
+            <p:ph type="sldNum" sz="quarter" idx="12"/>
+          </p:nvPr>
+        </p:nvSpPr>
+        <p:spPr/>
+        <p:txBody>
+          <a:bodyPr/>
+          <a:lstStyle/>
+          <a:p>
+            <a:pPr>
+              <a:defRPr/>
+            </a:pPr>
+            <a:fld id="{52A4181B-C67A-4EAE-8041-178118B632CB}" type="slidenum">
+              <a:rPr lang="pt-BR" smtClean="0"/>
+              <a:pPr>
+                <a:defRPr/>
+              </a:pPr>
+              <a:t>6</a:t>
+            </a:fld>
+            <a:endParaRPr lang="pt-BR"/>
+          </a:p>
+        </p:txBody>
+      </p:sp>
+    </p:spTree>
+  </p:cSld>
+  <p:clrMapOvr>
+    <a:masterClrMapping/>
+  </p:clrMapOvr>
+  <p:timing>
+    <p:tnLst>
+      <p:par>
+        <p:cTn id="1" dur="indefinite" restart="never" nodeType="tmRoot"/>
+      </p:par>
+    </p:tnLst>
+  </p:timing>
+</p:sld>
+</file>
+
+<file path=ppt/slides/slide7.xml><?xml version="1.0" encoding="utf-8"?>
 <p:sld xmlns:a="http://schemas.openxmlformats.org/drawingml/2006/main" xmlns:r="http://schemas.openxmlformats.org/officeDocument/2006/relationships" xmlns:p="http://schemas.openxmlformats.org/presentationml/2006/main">
   <p:cSld>
     <p:spTree>
@@ -20206,46 +21080,14 @@
           </p:txBody>
         </p:sp>
       </p:grpSp>
-    </p:spTree>
-  </p:cSld>
-  <p:clrMapOvr>
-    <a:masterClrMapping/>
-  </p:clrMapOvr>
-  <p:timing>
-    <p:tnLst>
-      <p:par>
-        <p:cTn id="1" dur="indefinite" restart="never" nodeType="tmRoot"/>
-      </p:par>
-    </p:tnLst>
-  </p:timing>
-</p:sld>
-</file>
-
-<file path=ppt/slides/slide7.xml><?xml version="1.0" encoding="utf-8"?>
-<p:sld xmlns:a="http://schemas.openxmlformats.org/drawingml/2006/main" xmlns:r="http://schemas.openxmlformats.org/officeDocument/2006/relationships" xmlns:p="http://schemas.openxmlformats.org/presentationml/2006/main">
-  <p:cSld>
-    <p:spTree>
-      <p:nvGrpSpPr>
-        <p:cNvPr id="1" name=""/>
-        <p:cNvGrpSpPr/>
-        <p:nvPr/>
-      </p:nvGrpSpPr>
-      <p:grpSpPr>
-        <a:xfrm>
-          <a:off x="0" y="0"/>
-          <a:ext cx="0" cy="0"/>
-          <a:chOff x="0" y="0"/>
-          <a:chExt cx="0" cy="0"/>
-        </a:xfrm>
-      </p:grpSpPr>
-      <p:sp>
-        <p:nvSpPr>
-          <p:cNvPr id="512002" name="Rectangle 2"/>
-          <p:cNvSpPr>
-            <a:spLocks noGrp="1" noChangeArrowheads="1"/>
-          </p:cNvSpPr>
-          <p:nvPr>
-            <p:ph type="title"/>
+      <p:sp>
+        <p:nvSpPr>
+          <p:cNvPr id="48" name="Espaço Reservado para Número de Slide 47"/>
+          <p:cNvSpPr>
+            <a:spLocks noGrp="1"/>
+          </p:cNvSpPr>
+          <p:nvPr>
+            <p:ph type="sldNum" sz="quarter" idx="12"/>
           </p:nvPr>
         </p:nvSpPr>
         <p:spPr/>
@@ -20253,352 +21095,17 @@
           <a:bodyPr/>
           <a:lstStyle/>
           <a:p>
-            <a:r>
-              <a:rPr lang="pt-BR" dirty="0" smtClean="0"/>
-              <a:t>Hierarquia de Exceptions</a:t>
-            </a:r>
-            <a:endParaRPr lang="pt-BR" dirty="0"/>
-          </a:p>
-        </p:txBody>
-      </p:sp>
-      <p:sp>
-        <p:nvSpPr>
-          <p:cNvPr id="512003" name="Rectangle 3"/>
-          <p:cNvSpPr>
-            <a:spLocks noGrp="1" noChangeArrowheads="1"/>
-          </p:cNvSpPr>
-          <p:nvPr>
-            <p:ph type="body" idx="1"/>
-          </p:nvPr>
-        </p:nvSpPr>
-        <p:spPr>
-          <a:xfrm>
-            <a:off x="611560" y="1741512"/>
-            <a:ext cx="7992888" cy="4495800"/>
-          </a:xfrm>
-        </p:spPr>
-        <p:txBody>
-          <a:bodyPr/>
-          <a:lstStyle/>
-          <a:p>
             <a:pPr>
-              <a:spcBef>
-                <a:spcPts val="400"/>
-              </a:spcBef>
-              <a:buFontTx/>
-              <a:buNone/>
-            </a:pPr>
-            <a:r>
-              <a:rPr lang="pt-BR" sz="2400" dirty="0" err="1" smtClean="0">
-                <a:solidFill>
-                  <a:srgbClr val="FFC000"/>
-                </a:solidFill>
-              </a:rPr>
-              <a:t>try</a:t>
-            </a:r>
-            <a:r>
-              <a:rPr lang="pt-BR" sz="2400" dirty="0" smtClean="0">
-                <a:solidFill>
-                  <a:srgbClr val="FFC000"/>
-                </a:solidFill>
-              </a:rPr>
-              <a:t> {</a:t>
-            </a:r>
-          </a:p>
-          <a:p>
-            <a:pPr>
-              <a:spcBef>
-                <a:spcPts val="400"/>
-              </a:spcBef>
-              <a:buFontTx/>
-              <a:buNone/>
-            </a:pPr>
-            <a:r>
-              <a:rPr lang="pt-BR" sz="2400" dirty="0" smtClean="0"/>
-              <a:t>	</a:t>
-            </a:r>
-            <a:r>
-              <a:rPr lang="pt-BR" sz="2400" dirty="0" err="1" smtClean="0"/>
-              <a:t>Conexao</a:t>
-            </a:r>
-            <a:r>
-              <a:rPr lang="pt-BR" sz="2400" dirty="0" smtClean="0"/>
-              <a:t> </a:t>
-            </a:r>
-            <a:r>
-              <a:rPr lang="pt-BR" sz="2400" dirty="0" err="1" smtClean="0"/>
-              <a:t>cn</a:t>
-            </a:r>
-            <a:r>
-              <a:rPr lang="pt-BR" sz="2400" dirty="0" smtClean="0"/>
-              <a:t> = </a:t>
-            </a:r>
-            <a:r>
-              <a:rPr lang="pt-BR" sz="2400" dirty="0" err="1" smtClean="0"/>
-              <a:t>abrirConexao</a:t>
-            </a:r>
-            <a:r>
-              <a:rPr lang="pt-BR" sz="2400" dirty="0" smtClean="0"/>
-              <a:t>();</a:t>
-            </a:r>
-          </a:p>
-          <a:p>
-            <a:pPr>
-              <a:spcBef>
-                <a:spcPts val="400"/>
-              </a:spcBef>
-              <a:buFontTx/>
-              <a:buNone/>
-            </a:pPr>
-            <a:r>
-              <a:rPr lang="pt-BR" sz="2400" dirty="0" smtClean="0"/>
-              <a:t>	Aluno aluno1 = </a:t>
-            </a:r>
-            <a:r>
-              <a:rPr lang="pt-BR" sz="2400" dirty="0" err="1" smtClean="0"/>
-              <a:t>cn</a:t>
-            </a:r>
-            <a:r>
-              <a:rPr lang="pt-BR" sz="2400" dirty="0" smtClean="0"/>
-              <a:t>.</a:t>
-            </a:r>
-            <a:r>
-              <a:rPr lang="pt-BR" sz="2400" dirty="0" err="1" smtClean="0"/>
-              <a:t>obterDados</a:t>
-            </a:r>
-            <a:r>
-              <a:rPr lang="pt-BR" sz="2400" dirty="0" smtClean="0"/>
-              <a:t>();</a:t>
-            </a:r>
-          </a:p>
-          <a:p>
-            <a:pPr>
-              <a:spcBef>
-                <a:spcPts val="400"/>
-              </a:spcBef>
-              <a:buFontTx/>
-              <a:buNone/>
-            </a:pPr>
-            <a:r>
-              <a:rPr lang="pt-BR" sz="2400" dirty="0" smtClean="0"/>
-              <a:t>	</a:t>
-            </a:r>
-            <a:r>
-              <a:rPr lang="pt-BR" sz="2400" dirty="0" err="1" smtClean="0"/>
-              <a:t>cn</a:t>
-            </a:r>
-            <a:r>
-              <a:rPr lang="pt-BR" sz="2400" dirty="0" smtClean="0"/>
-              <a:t>.</a:t>
-            </a:r>
-            <a:r>
-              <a:rPr lang="pt-BR" sz="2400" dirty="0" err="1" smtClean="0"/>
-              <a:t>gravarNoArquivo</a:t>
-            </a:r>
-            <a:r>
-              <a:rPr lang="pt-BR" sz="2400" dirty="0" smtClean="0"/>
-              <a:t>(aluno1);</a:t>
-            </a:r>
-          </a:p>
-          <a:p>
-            <a:pPr>
-              <a:spcBef>
-                <a:spcPts val="400"/>
-              </a:spcBef>
-              <a:buFontTx/>
-              <a:buNone/>
-            </a:pPr>
-            <a:r>
-              <a:rPr lang="pt-BR" sz="2400" dirty="0" smtClean="0">
-                <a:solidFill>
-                  <a:srgbClr val="FFC000"/>
-                </a:solidFill>
-              </a:rPr>
-              <a:t>} catch (</a:t>
-            </a:r>
-            <a:r>
-              <a:rPr lang="pt-BR" sz="2400" dirty="0" err="1" smtClean="0">
-                <a:solidFill>
-                  <a:srgbClr val="FFC000"/>
-                </a:solidFill>
-              </a:rPr>
-              <a:t>SQLException</a:t>
-            </a:r>
-            <a:r>
-              <a:rPr lang="pt-BR" sz="2400" dirty="0" smtClean="0">
-                <a:solidFill>
-                  <a:srgbClr val="FFC000"/>
-                </a:solidFill>
-              </a:rPr>
-              <a:t> </a:t>
-            </a:r>
-            <a:r>
-              <a:rPr lang="pt-BR" sz="2400" dirty="0" err="1" smtClean="0">
-                <a:solidFill>
-                  <a:srgbClr val="FFC000"/>
-                </a:solidFill>
-              </a:rPr>
-              <a:t>sqle</a:t>
-            </a:r>
-            <a:r>
-              <a:rPr lang="pt-BR" sz="2400" dirty="0" smtClean="0">
-                <a:solidFill>
-                  <a:srgbClr val="FFC000"/>
-                </a:solidFill>
-              </a:rPr>
-              <a:t>) {</a:t>
-            </a:r>
-          </a:p>
-          <a:p>
-            <a:pPr>
-              <a:spcBef>
-                <a:spcPts val="400"/>
-              </a:spcBef>
-              <a:buFontTx/>
-              <a:buNone/>
-            </a:pPr>
-            <a:r>
-              <a:rPr lang="pt-BR" sz="2400" dirty="0" smtClean="0"/>
-              <a:t>	System.</a:t>
-            </a:r>
-            <a:r>
-              <a:rPr lang="pt-BR" sz="2400" dirty="0" err="1" smtClean="0"/>
-              <a:t>out.println</a:t>
-            </a:r>
-            <a:r>
-              <a:rPr lang="pt-BR" sz="2400" dirty="0" smtClean="0"/>
-              <a:t>(“Erro ao acessar banco de dados”);</a:t>
-            </a:r>
-          </a:p>
-          <a:p>
-            <a:pPr>
-              <a:spcBef>
-                <a:spcPts val="400"/>
-              </a:spcBef>
-              <a:buFontTx/>
-              <a:buNone/>
-            </a:pPr>
-            <a:r>
-              <a:rPr lang="pt-BR" sz="2400" dirty="0" smtClean="0">
-                <a:solidFill>
-                  <a:srgbClr val="FFC000"/>
-                </a:solidFill>
-              </a:rPr>
-              <a:t>} catch (</a:t>
-            </a:r>
-            <a:r>
-              <a:rPr lang="pt-BR" sz="2400" dirty="0" err="1" smtClean="0">
-                <a:solidFill>
-                  <a:srgbClr val="FFC000"/>
-                </a:solidFill>
-              </a:rPr>
-              <a:t>IOException</a:t>
-            </a:r>
-            <a:r>
-              <a:rPr lang="pt-BR" sz="2400" dirty="0" smtClean="0">
-                <a:solidFill>
-                  <a:srgbClr val="FFC000"/>
-                </a:solidFill>
-              </a:rPr>
-              <a:t> </a:t>
-            </a:r>
-            <a:r>
-              <a:rPr lang="pt-BR" sz="2400" dirty="0" err="1" smtClean="0">
-                <a:solidFill>
-                  <a:srgbClr val="FFC000"/>
-                </a:solidFill>
-              </a:rPr>
-              <a:t>ioe</a:t>
-            </a:r>
-            <a:r>
-              <a:rPr lang="pt-BR" sz="2400" dirty="0" smtClean="0">
-                <a:solidFill>
-                  <a:srgbClr val="FFC000"/>
-                </a:solidFill>
-              </a:rPr>
-              <a:t>) {</a:t>
-            </a:r>
-          </a:p>
-          <a:p>
-            <a:pPr>
-              <a:spcBef>
-                <a:spcPts val="400"/>
-              </a:spcBef>
-              <a:buFontTx/>
-              <a:buNone/>
-            </a:pPr>
-            <a:r>
-              <a:rPr lang="pt-BR" sz="2400" dirty="0" smtClean="0"/>
-              <a:t>	System.</a:t>
-            </a:r>
-            <a:r>
-              <a:rPr lang="pt-BR" sz="2400" dirty="0" err="1" smtClean="0"/>
-              <a:t>out.println</a:t>
-            </a:r>
-            <a:r>
-              <a:rPr lang="pt-BR" sz="2400" dirty="0" smtClean="0"/>
-              <a:t>(“Erro ao gravar no arquivo”);</a:t>
-            </a:r>
-          </a:p>
-          <a:p>
-            <a:pPr>
-              <a:spcBef>
-                <a:spcPts val="400"/>
-              </a:spcBef>
-              <a:buFontTx/>
-              <a:buNone/>
-            </a:pPr>
-            <a:r>
-              <a:rPr lang="pt-BR" sz="2400" dirty="0" smtClean="0">
-                <a:solidFill>
-                  <a:srgbClr val="FFC000"/>
-                </a:solidFill>
-              </a:rPr>
-              <a:t>} catch (Exception e) {</a:t>
-            </a:r>
-          </a:p>
-          <a:p>
-            <a:pPr>
-              <a:spcBef>
-                <a:spcPts val="400"/>
-              </a:spcBef>
-              <a:buFontTx/>
-              <a:buNone/>
-            </a:pPr>
-            <a:r>
-              <a:rPr lang="pt-BR" sz="2400" dirty="0" smtClean="0"/>
-              <a:t>	System.</a:t>
-            </a:r>
-            <a:r>
-              <a:rPr lang="pt-BR" sz="2400" dirty="0" err="1" smtClean="0"/>
-              <a:t>out.println</a:t>
-            </a:r>
-            <a:r>
-              <a:rPr lang="pt-BR" sz="2400" dirty="0" smtClean="0"/>
-              <a:t>(“Erro inesperado”);</a:t>
-            </a:r>
-          </a:p>
-          <a:p>
-            <a:pPr>
-              <a:spcBef>
-                <a:spcPts val="400"/>
-              </a:spcBef>
-              <a:buFontTx/>
-              <a:buNone/>
-            </a:pPr>
-            <a:r>
-              <a:rPr lang="pt-BR" sz="2400" dirty="0" smtClean="0">
-                <a:solidFill>
-                  <a:srgbClr val="FFC000"/>
-                </a:solidFill>
-              </a:rPr>
-              <a:t>}</a:t>
-            </a:r>
-            <a:endParaRPr lang="pt-BR" sz="2400" dirty="0">
-              <a:solidFill>
-                <a:srgbClr val="FFC000"/>
-              </a:solidFill>
-            </a:endParaRPr>
+              <a:defRPr/>
+            </a:pPr>
+            <a:fld id="{D1F84DE9-09E8-4142-8EB6-8063466A07AD}" type="slidenum">
+              <a:rPr lang="pt-BR" smtClean="0"/>
+              <a:pPr>
+                <a:defRPr/>
+              </a:pPr>
+              <a:t>7</a:t>
+            </a:fld>
+            <a:endParaRPr lang="pt-BR"/>
           </a:p>
         </p:txBody>
       </p:sp>
@@ -20910,6 +21417,35 @@
               <a:t>Tratamento de erro</a:t>
             </a:r>
             <a:endParaRPr lang="pt-BR" dirty="0"/>
+          </a:p>
+        </p:txBody>
+      </p:sp>
+      <p:sp>
+        <p:nvSpPr>
+          <p:cNvPr id="6" name="Espaço Reservado para Número de Slide 5"/>
+          <p:cNvSpPr>
+            <a:spLocks noGrp="1"/>
+          </p:cNvSpPr>
+          <p:nvPr>
+            <p:ph type="sldNum" sz="quarter" idx="12"/>
+          </p:nvPr>
+        </p:nvSpPr>
+        <p:spPr/>
+        <p:txBody>
+          <a:bodyPr/>
+          <a:lstStyle/>
+          <a:p>
+            <a:pPr>
+              <a:defRPr/>
+            </a:pPr>
+            <a:fld id="{52A4181B-C67A-4EAE-8041-178118B632CB}" type="slidenum">
+              <a:rPr lang="pt-BR" smtClean="0"/>
+              <a:pPr>
+                <a:defRPr/>
+              </a:pPr>
+              <a:t>8</a:t>
+            </a:fld>
+            <a:endParaRPr lang="pt-BR"/>
           </a:p>
         </p:txBody>
       </p:sp>
@@ -21446,6 +21982,35 @@
               <a:rPr lang="pt-BR" sz="2400" dirty="0" smtClean="0"/>
               <a:t>}</a:t>
             </a:r>
+          </a:p>
+        </p:txBody>
+      </p:sp>
+      <p:sp>
+        <p:nvSpPr>
+          <p:cNvPr id="4" name="Espaço Reservado para Número de Slide 3"/>
+          <p:cNvSpPr>
+            <a:spLocks noGrp="1"/>
+          </p:cNvSpPr>
+          <p:nvPr>
+            <p:ph type="sldNum" sz="quarter" idx="12"/>
+          </p:nvPr>
+        </p:nvSpPr>
+        <p:spPr/>
+        <p:txBody>
+          <a:bodyPr/>
+          <a:lstStyle/>
+          <a:p>
+            <a:pPr>
+              <a:defRPr/>
+            </a:pPr>
+            <a:fld id="{52A4181B-C67A-4EAE-8041-178118B632CB}" type="slidenum">
+              <a:rPr lang="pt-BR" smtClean="0"/>
+              <a:pPr>
+                <a:defRPr/>
+              </a:pPr>
+              <a:t>9</a:t>
+            </a:fld>
+            <a:endParaRPr lang="pt-BR"/>
           </a:p>
         </p:txBody>
       </p:sp>

--- a/2-Java-Programmer-Modulo-II/12.Capitulo06.pptx
+++ b/2-Java-Programmer-Modulo-II/12.Capitulo06.pptx
@@ -282,7 +282,7 @@
               <a:pPr>
                 <a:defRPr/>
               </a:pPr>
-              <a:t>22/05/2012</a:t>
+              <a:t>27/5/2012</a:t>
             </a:fld>
             <a:endParaRPr lang="pt-BR"/>
           </a:p>
@@ -3988,7 +3988,10 @@
             </a:pPr>
             <a:fld id="{446DB989-A24F-472C-A4D1-4FE9BE08C26E}" type="datetime1">
               <a:rPr lang="pt-BR" smtClean="0"/>
-              <a:t>22/05/2012</a:t>
+              <a:pPr>
+                <a:defRPr/>
+              </a:pPr>
+              <a:t>27/5/2012</a:t>
             </a:fld>
             <a:endParaRPr lang="pt-BR"/>
           </a:p>
@@ -4177,7 +4180,10 @@
             </a:pPr>
             <a:fld id="{D2F93A5E-A508-4B49-874A-5010EF2A4062}" type="datetime1">
               <a:rPr lang="pt-BR" smtClean="0"/>
-              <a:t>22/05/2012</a:t>
+              <a:pPr>
+                <a:defRPr/>
+              </a:pPr>
+              <a:t>27/5/2012</a:t>
             </a:fld>
             <a:endParaRPr lang="pt-BR"/>
           </a:p>
@@ -4376,7 +4382,10 @@
             </a:pPr>
             <a:fld id="{3BC52FEB-87DC-4B19-86EE-C31FE3BAFE19}" type="datetime1">
               <a:rPr lang="pt-BR" smtClean="0"/>
-              <a:t>22/05/2012</a:t>
+              <a:pPr>
+                <a:defRPr/>
+              </a:pPr>
+              <a:t>27/5/2012</a:t>
             </a:fld>
             <a:endParaRPr lang="pt-BR"/>
           </a:p>
@@ -4569,7 +4578,10 @@
             </a:pPr>
             <a:fld id="{887D498A-A57F-488A-9AF2-5F5CE0D57809}" type="datetime1">
               <a:rPr lang="pt-BR" smtClean="0"/>
-              <a:t>22/05/2012</a:t>
+              <a:pPr>
+                <a:defRPr/>
+              </a:pPr>
+              <a:t>27/5/2012</a:t>
             </a:fld>
             <a:endParaRPr lang="pt-BR"/>
           </a:p>
@@ -5072,7 +5084,10 @@
             </a:pPr>
             <a:fld id="{81E616EE-FFDF-4B8E-924D-6524BAEB5113}" type="datetime1">
               <a:rPr lang="pt-BR" smtClean="0"/>
-              <a:t>22/05/2012</a:t>
+              <a:pPr>
+                <a:defRPr/>
+              </a:pPr>
+              <a:t>27/5/2012</a:t>
             </a:fld>
             <a:endParaRPr lang="pt-BR"/>
           </a:p>
@@ -5360,7 +5375,10 @@
             </a:pPr>
             <a:fld id="{D9A42E7E-DD1A-4557-9FED-9F98323542D2}" type="datetime1">
               <a:rPr lang="pt-BR" smtClean="0"/>
-              <a:t>22/05/2012</a:t>
+              <a:pPr>
+                <a:defRPr/>
+              </a:pPr>
+              <a:t>27/5/2012</a:t>
             </a:fld>
             <a:endParaRPr lang="pt-BR"/>
           </a:p>
@@ -5758,7 +5776,10 @@
             </a:pPr>
             <a:fld id="{F4DDAD23-B139-49DB-9FA8-6557BA4E171F}" type="datetime1">
               <a:rPr lang="pt-BR" smtClean="0"/>
-              <a:t>22/05/2012</a:t>
+              <a:pPr>
+                <a:defRPr/>
+              </a:pPr>
+              <a:t>27/5/2012</a:t>
             </a:fld>
             <a:endParaRPr lang="pt-BR"/>
           </a:p>
@@ -5904,7 +5925,10 @@
             </a:pPr>
             <a:fld id="{64426615-8B18-45D0-BDD0-BA6CE464B9BB}" type="datetime1">
               <a:rPr lang="pt-BR" smtClean="0"/>
-              <a:t>22/05/2012</a:t>
+              <a:pPr>
+                <a:defRPr/>
+              </a:pPr>
+              <a:t>27/5/2012</a:t>
             </a:fld>
             <a:endParaRPr lang="pt-BR"/>
           </a:p>
@@ -6018,7 +6042,10 @@
             </a:pPr>
             <a:fld id="{EB53657D-1036-4CF3-9576-05FA4F2B342A}" type="datetime1">
               <a:rPr lang="pt-BR" smtClean="0"/>
-              <a:t>22/05/2012</a:t>
+              <a:pPr>
+                <a:defRPr/>
+              </a:pPr>
+              <a:t>27/5/2012</a:t>
             </a:fld>
             <a:endParaRPr lang="pt-BR"/>
           </a:p>
@@ -6291,7 +6318,10 @@
             </a:pPr>
             <a:fld id="{C7DEEE8A-01BF-4795-9D78-80FC85A69CA7}" type="datetime1">
               <a:rPr lang="pt-BR" smtClean="0"/>
-              <a:t>22/05/2012</a:t>
+              <a:pPr>
+                <a:defRPr/>
+              </a:pPr>
+              <a:t>27/5/2012</a:t>
             </a:fld>
             <a:endParaRPr lang="pt-BR"/>
           </a:p>
@@ -6572,7 +6602,10 @@
             </a:pPr>
             <a:fld id="{4BD42BD9-79A2-4DD9-A191-3C4F29AB8E05}" type="datetime1">
               <a:rPr lang="pt-BR" smtClean="0"/>
-              <a:t>22/05/2012</a:t>
+              <a:pPr>
+                <a:defRPr/>
+              </a:pPr>
+              <a:t>27/5/2012</a:t>
             </a:fld>
             <a:endParaRPr lang="pt-BR"/>
           </a:p>
@@ -7047,7 +7080,10 @@
             </a:pPr>
             <a:fld id="{F6FD5E22-8E3B-45D5-8F9D-7849C6A68613}" type="datetime1">
               <a:rPr lang="pt-BR" smtClean="0"/>
-              <a:t>22/05/2012</a:t>
+              <a:pPr>
+                <a:defRPr/>
+              </a:pPr>
+              <a:t>27/5/2012</a:t>
             </a:fld>
             <a:endParaRPr lang="pt-BR"/>
           </a:p>
@@ -11290,8 +11326,8 @@
         </p:nvSpPr>
         <p:spPr>
           <a:xfrm>
-            <a:off x="457200" y="274638"/>
-            <a:ext cx="8003232" cy="1143000"/>
+            <a:off x="285720" y="274638"/>
+            <a:ext cx="8543956" cy="1143000"/>
           </a:xfrm>
         </p:spPr>
         <p:txBody>
@@ -11563,8 +11599,8 @@
         </p:nvSpPr>
         <p:spPr>
           <a:xfrm>
-            <a:off x="457200" y="274638"/>
-            <a:ext cx="8003232" cy="1143000"/>
+            <a:off x="285720" y="274638"/>
+            <a:ext cx="8501122" cy="1143000"/>
           </a:xfrm>
         </p:spPr>
         <p:txBody>
@@ -17364,15 +17400,7 @@
             </a:r>
             <a:r>
               <a:rPr lang="pt-BR" sz="2000" dirty="0" smtClean="0"/>
-              <a:t>,</a:t>
-            </a:r>
-            <a:r>
-              <a:rPr lang="pt-BR" sz="2000" dirty="0" smtClean="0"/>
-              <a:t> </a:t>
-            </a:r>
-            <a:r>
-              <a:rPr lang="pt-BR" sz="2000" dirty="0" smtClean="0"/>
-              <a:t>método </a:t>
+              <a:t>, método </a:t>
             </a:r>
             <a:r>
               <a:rPr lang="pt-BR" sz="2000" dirty="0" err="1" smtClean="0">
@@ -17545,11 +17573,7 @@
             </a:pPr>
             <a:r>
               <a:rPr lang="pt-BR" sz="2400" dirty="0" smtClean="0"/>
-              <a:t>As linhas de código abaixo são utilizadas para gravar um texto dentro de um novo arquivo no sistema operacional</a:t>
-            </a:r>
-            <a:r>
-              <a:rPr lang="pt-BR" sz="2400" dirty="0" smtClean="0"/>
-              <a:t>:</a:t>
+              <a:t>As linhas de código abaixo são utilizadas para gravar um texto dentro de um novo arquivo no sistema operacional:</a:t>
             </a:r>
           </a:p>
           <a:p>
@@ -17797,19 +17821,7 @@
             </a:r>
             <a:r>
               <a:rPr lang="pt-BR" sz="2400" dirty="0" smtClean="0"/>
-              <a:t> que solicite que o usuário digite uma frase e grave-a </a:t>
-            </a:r>
-            <a:r>
-              <a:rPr lang="pt-BR" sz="2400" dirty="0" smtClean="0"/>
-              <a:t>em um </a:t>
-            </a:r>
-            <a:r>
-              <a:rPr lang="pt-BR" sz="2400" dirty="0" smtClean="0"/>
-              <a:t>arquivo </a:t>
-            </a:r>
-            <a:r>
-              <a:rPr lang="pt-BR" sz="2400" dirty="0" smtClean="0"/>
-              <a:t>conforme mostrado no slide anterior.</a:t>
+              <a:t> que solicite que o usuário digite uma frase e grave-a em um arquivo conforme mostrado no slide anterior.</a:t>
             </a:r>
           </a:p>
           <a:p>
@@ -17822,7 +17834,6 @@
               <a:rPr lang="pt-BR" sz="2400" dirty="0" smtClean="0"/>
               <a:t>Caso ocorra algum problema durante a gravação, exiba a mensagem “Falha ao gravar as informações digitadas”.</a:t>
             </a:r>
-            <a:endParaRPr lang="pt-BR" sz="2400" dirty="0" smtClean="0"/>
           </a:p>
         </p:txBody>
       </p:sp>
